--- a/Tag 2.pptx
+++ b/Tag 2.pptx
@@ -5,10 +5,10 @@
     <p:sldMasterId id="2147483648" r:id="rId4"/>
   </p:sldMasterIdLst>
   <p:notesMasterIdLst>
-    <p:notesMasterId r:id="rId19"/>
+    <p:notesMasterId r:id="rId52"/>
   </p:notesMasterIdLst>
   <p:handoutMasterIdLst>
-    <p:handoutMasterId r:id="rId20"/>
+    <p:handoutMasterId r:id="rId53"/>
   </p:handoutMasterIdLst>
   <p:sldIdLst>
     <p:sldId id="256" r:id="rId5"/>
@@ -24,7 +24,40 @@
     <p:sldId id="388" r:id="rId15"/>
     <p:sldId id="385" r:id="rId16"/>
     <p:sldId id="372" r:id="rId17"/>
-    <p:sldId id="379" r:id="rId18"/>
+    <p:sldId id="421" r:id="rId18"/>
+    <p:sldId id="389" r:id="rId19"/>
+    <p:sldId id="390" r:id="rId20"/>
+    <p:sldId id="391" r:id="rId21"/>
+    <p:sldId id="392" r:id="rId22"/>
+    <p:sldId id="393" r:id="rId23"/>
+    <p:sldId id="394" r:id="rId24"/>
+    <p:sldId id="395" r:id="rId25"/>
+    <p:sldId id="396" r:id="rId26"/>
+    <p:sldId id="397" r:id="rId27"/>
+    <p:sldId id="398" r:id="rId28"/>
+    <p:sldId id="399" r:id="rId29"/>
+    <p:sldId id="400" r:id="rId30"/>
+    <p:sldId id="401" r:id="rId31"/>
+    <p:sldId id="402" r:id="rId32"/>
+    <p:sldId id="403" r:id="rId33"/>
+    <p:sldId id="404" r:id="rId34"/>
+    <p:sldId id="405" r:id="rId35"/>
+    <p:sldId id="406" r:id="rId36"/>
+    <p:sldId id="407" r:id="rId37"/>
+    <p:sldId id="408" r:id="rId38"/>
+    <p:sldId id="409" r:id="rId39"/>
+    <p:sldId id="410" r:id="rId40"/>
+    <p:sldId id="411" r:id="rId41"/>
+    <p:sldId id="412" r:id="rId42"/>
+    <p:sldId id="413" r:id="rId43"/>
+    <p:sldId id="414" r:id="rId44"/>
+    <p:sldId id="415" r:id="rId45"/>
+    <p:sldId id="416" r:id="rId46"/>
+    <p:sldId id="417" r:id="rId47"/>
+    <p:sldId id="418" r:id="rId48"/>
+    <p:sldId id="419" r:id="rId49"/>
+    <p:sldId id="420" r:id="rId50"/>
+    <p:sldId id="379" r:id="rId51"/>
   </p:sldIdLst>
   <p:sldSz cx="9144000" cy="6858000" type="screen4x3"/>
   <p:notesSz cx="7102475" cy="10234613"/>
@@ -760,6 +793,91 @@
 </p:notes>
 </file>
 
+<file path=ppt/notesSlides/notesSlide10.xml><?xml version="1.0" encoding="utf-8"?>
+<p:notes xmlns:a="http://schemas.openxmlformats.org/drawingml/2006/main" xmlns:r="http://schemas.openxmlformats.org/officeDocument/2006/relationships" xmlns:p="http://schemas.openxmlformats.org/presentationml/2006/main">
+  <p:cSld>
+    <p:spTree>
+      <p:nvGrpSpPr>
+        <p:cNvPr id="1" name=""/>
+        <p:cNvGrpSpPr/>
+        <p:nvPr/>
+      </p:nvGrpSpPr>
+      <p:grpSpPr>
+        <a:xfrm>
+          <a:off x="0" y="0"/>
+          <a:ext cx="0" cy="0"/>
+          <a:chOff x="0" y="0"/>
+          <a:chExt cx="0" cy="0"/>
+        </a:xfrm>
+      </p:grpSpPr>
+      <p:sp>
+        <p:nvSpPr>
+          <p:cNvPr id="2" name="Folienbildplatzhalter 1"/>
+          <p:cNvSpPr>
+            <a:spLocks noGrp="1" noRot="1" noChangeAspect="1"/>
+          </p:cNvSpPr>
+          <p:nvPr>
+            <p:ph type="sldImg"/>
+          </p:nvPr>
+        </p:nvSpPr>
+        <p:spPr/>
+      </p:sp>
+      <p:sp>
+        <p:nvSpPr>
+          <p:cNvPr id="3" name="Notizenplatzhalter 2"/>
+          <p:cNvSpPr>
+            <a:spLocks noGrp="1"/>
+          </p:cNvSpPr>
+          <p:nvPr>
+            <p:ph type="body" idx="1"/>
+          </p:nvPr>
+        </p:nvSpPr>
+        <p:spPr/>
+        <p:txBody>
+          <a:bodyPr/>
+          <a:lstStyle/>
+          <a:p>
+            <a:endParaRPr lang="de-DE" dirty="0"/>
+          </a:p>
+        </p:txBody>
+      </p:sp>
+      <p:sp>
+        <p:nvSpPr>
+          <p:cNvPr id="4" name="Foliennummernplatzhalter 3"/>
+          <p:cNvSpPr>
+            <a:spLocks noGrp="1"/>
+          </p:cNvSpPr>
+          <p:nvPr>
+            <p:ph type="sldNum" sz="quarter" idx="10"/>
+          </p:nvPr>
+        </p:nvSpPr>
+        <p:spPr/>
+        <p:txBody>
+          <a:bodyPr/>
+          <a:lstStyle/>
+          <a:p>
+            <a:fld id="{96B3538B-D81F-476E-A31A-F9ABC7F48F1A}" type="slidenum">
+              <a:rPr lang="de-DE" smtClean="0"/>
+              <a:pPr/>
+              <a:t>47</a:t>
+            </a:fld>
+            <a:endParaRPr lang="de-DE"/>
+          </a:p>
+        </p:txBody>
+      </p:sp>
+    </p:spTree>
+    <p:extLst>
+      <p:ext uri="{BB962C8B-B14F-4D97-AF65-F5344CB8AC3E}">
+        <p14:creationId xmlns:p14="http://schemas.microsoft.com/office/powerpoint/2010/main" val="3996911224"/>
+      </p:ext>
+    </p:extLst>
+  </p:cSld>
+  <p:clrMapOvr>
+    <a:masterClrMapping/>
+  </p:clrMapOvr>
+</p:notes>
+</file>
+
 <file path=ppt/notesSlides/notesSlide2.xml><?xml version="1.0" encoding="utf-8"?>
 <p:notes xmlns:a="http://schemas.openxmlformats.org/drawingml/2006/main" xmlns:r="http://schemas.openxmlformats.org/officeDocument/2006/relationships" xmlns:p="http://schemas.openxmlformats.org/presentationml/2006/main">
   <p:cSld>
@@ -1475,6 +1593,10 @@
           <a:bodyPr/>
           <a:lstStyle/>
           <a:p>
+            <a:r>
+              <a:rPr lang="de-DE" dirty="0" smtClean="0"/>
+              <a:t>Entwurfsmuster</a:t>
+            </a:r>
             <a:endParaRPr lang="de-DE" dirty="0"/>
           </a:p>
         </p:txBody>
@@ -1506,7 +1628,178 @@
     </p:spTree>
     <p:extLst>
       <p:ext uri="{BB962C8B-B14F-4D97-AF65-F5344CB8AC3E}">
-        <p14:creationId xmlns:p14="http://schemas.microsoft.com/office/powerpoint/2010/main" val="3996911224"/>
+        <p14:creationId xmlns:p14="http://schemas.microsoft.com/office/powerpoint/2010/main" val="457361365"/>
+      </p:ext>
+    </p:extLst>
+  </p:cSld>
+  <p:clrMapOvr>
+    <a:masterClrMapping/>
+  </p:clrMapOvr>
+</p:notes>
+</file>
+
+<file path=ppt/notesSlides/notesSlide9.xml><?xml version="1.0" encoding="utf-8"?>
+<p:notes xmlns:a="http://schemas.openxmlformats.org/drawingml/2006/main" xmlns:r="http://schemas.openxmlformats.org/officeDocument/2006/relationships" xmlns:p="http://schemas.openxmlformats.org/presentationml/2006/main">
+  <p:cSld>
+    <p:spTree>
+      <p:nvGrpSpPr>
+        <p:cNvPr id="1" name=""/>
+        <p:cNvGrpSpPr/>
+        <p:nvPr/>
+      </p:nvGrpSpPr>
+      <p:grpSpPr>
+        <a:xfrm>
+          <a:off x="0" y="0"/>
+          <a:ext cx="0" cy="0"/>
+          <a:chOff x="0" y="0"/>
+          <a:chExt cx="0" cy="0"/>
+        </a:xfrm>
+      </p:grpSpPr>
+      <p:sp>
+        <p:nvSpPr>
+          <p:cNvPr id="2" name="Folienbildplatzhalter 1"/>
+          <p:cNvSpPr>
+            <a:spLocks noGrp="1" noRot="1" noChangeAspect="1"/>
+          </p:cNvSpPr>
+          <p:nvPr>
+            <p:ph type="sldImg"/>
+          </p:nvPr>
+        </p:nvSpPr>
+        <p:spPr/>
+      </p:sp>
+      <p:sp>
+        <p:nvSpPr>
+          <p:cNvPr id="3" name="Notizenplatzhalter 2"/>
+          <p:cNvSpPr>
+            <a:spLocks noGrp="1"/>
+          </p:cNvSpPr>
+          <p:nvPr>
+            <p:ph type="body" idx="1"/>
+          </p:nvPr>
+        </p:nvSpPr>
+        <p:spPr/>
+        <p:txBody>
+          <a:bodyPr/>
+          <a:lstStyle/>
+          <a:p>
+            <a:pPr hangingPunct="0"/>
+            <a:r>
+              <a:rPr lang="de-DE" sz="1200" kern="1200" dirty="0" smtClean="0">
+                <a:solidFill>
+                  <a:schemeClr val="tx1"/>
+                </a:solidFill>
+                <a:effectLst/>
+                <a:latin typeface="+mn-lt"/>
+                <a:ea typeface="+mn-ea"/>
+                <a:cs typeface="+mn-cs"/>
+              </a:rPr>
+              <a:t>So lässt sich der generelle Algorithmus bzw. der Workflow in der Basismethode unabhängig von Details, die in den Sub-Objekten implementiert sind, verändern. Dies wird auch als Inversion-</a:t>
+            </a:r>
+            <a:r>
+              <a:rPr lang="de-DE" sz="1200" kern="1200" dirty="0" err="1" smtClean="0">
+                <a:solidFill>
+                  <a:schemeClr val="tx1"/>
+                </a:solidFill>
+                <a:effectLst/>
+                <a:latin typeface="+mn-lt"/>
+                <a:ea typeface="+mn-ea"/>
+                <a:cs typeface="+mn-cs"/>
+              </a:rPr>
+              <a:t>of</a:t>
+            </a:r>
+            <a:r>
+              <a:rPr lang="de-DE" sz="1200" kern="1200" dirty="0" smtClean="0">
+                <a:solidFill>
+                  <a:schemeClr val="tx1"/>
+                </a:solidFill>
+                <a:effectLst/>
+                <a:latin typeface="+mn-lt"/>
+                <a:ea typeface="+mn-ea"/>
+                <a:cs typeface="+mn-cs"/>
+              </a:rPr>
+              <a:t>-</a:t>
+            </a:r>
+            <a:r>
+              <a:rPr lang="de-DE" sz="1200" kern="1200" dirty="0" err="1" smtClean="0">
+                <a:solidFill>
+                  <a:schemeClr val="tx1"/>
+                </a:solidFill>
+                <a:effectLst/>
+                <a:latin typeface="+mn-lt"/>
+                <a:ea typeface="+mn-ea"/>
+                <a:cs typeface="+mn-cs"/>
+              </a:rPr>
+              <a:t>Control</a:t>
+            </a:r>
+            <a:r>
+              <a:rPr lang="de-DE" sz="1200" kern="1200" dirty="0" smtClean="0">
+                <a:solidFill>
+                  <a:schemeClr val="tx1"/>
+                </a:solidFill>
+                <a:effectLst/>
+                <a:latin typeface="+mn-lt"/>
+                <a:ea typeface="+mn-ea"/>
+                <a:cs typeface="+mn-cs"/>
+              </a:rPr>
+              <a:t> oder als Hollywood-Prinzip bezeichnet.</a:t>
+            </a:r>
+          </a:p>
+          <a:p>
+            <a:r>
+              <a:rPr lang="en-US" sz="1200" kern="1200" dirty="0" smtClean="0">
+                <a:solidFill>
+                  <a:schemeClr val="tx1"/>
+                </a:solidFill>
+                <a:effectLst/>
+                <a:latin typeface="+mn-lt"/>
+                <a:ea typeface="+mn-ea"/>
+                <a:cs typeface="+mn-cs"/>
+              </a:rPr>
+              <a:t>„Don’t call us. We call you.“</a:t>
+            </a:r>
+            <a:endParaRPr lang="de-DE" sz="1200" kern="1200" dirty="0" smtClean="0">
+              <a:solidFill>
+                <a:schemeClr val="tx1"/>
+              </a:solidFill>
+              <a:effectLst/>
+              <a:latin typeface="+mn-lt"/>
+              <a:ea typeface="+mn-ea"/>
+              <a:cs typeface="+mn-cs"/>
+            </a:endParaRPr>
+          </a:p>
+          <a:p>
+            <a:endParaRPr lang="de-DE" dirty="0"/>
+          </a:p>
+        </p:txBody>
+      </p:sp>
+      <p:sp>
+        <p:nvSpPr>
+          <p:cNvPr id="4" name="Foliennummernplatzhalter 3"/>
+          <p:cNvSpPr>
+            <a:spLocks noGrp="1"/>
+          </p:cNvSpPr>
+          <p:nvPr>
+            <p:ph type="sldNum" sz="quarter" idx="10"/>
+          </p:nvPr>
+        </p:nvSpPr>
+        <p:spPr/>
+        <p:txBody>
+          <a:bodyPr/>
+          <a:lstStyle/>
+          <a:p>
+            <a:fld id="{96B3538B-D81F-476E-A31A-F9ABC7F48F1A}" type="slidenum">
+              <a:rPr lang="de-DE" smtClean="0"/>
+              <a:pPr/>
+              <a:t>44</a:t>
+            </a:fld>
+            <a:endParaRPr lang="de-DE"/>
+          </a:p>
+        </p:txBody>
+      </p:sp>
+    </p:spTree>
+    <p:extLst>
+      <p:ext uri="{BB962C8B-B14F-4D97-AF65-F5344CB8AC3E}">
+        <p14:creationId xmlns:p14="http://schemas.microsoft.com/office/powerpoint/2010/main" val="251847449"/>
       </p:ext>
     </p:extLst>
   </p:cSld>
@@ -4358,7 +4651,7 @@
       </p:grpSpPr>
       <p:pic>
         <p:nvPicPr>
-          <p:cNvPr id="5" name="Bild 4" descr="130515-0001.png"/>
+          <p:cNvPr id="5" name="Bild 4" descr="62893.png"/>
           <p:cNvPicPr>
             <a:picLocks noChangeAspect="1"/>
           </p:cNvPicPr>
@@ -4366,7 +4659,6 @@
         </p:nvPicPr>
         <p:blipFill>
           <a:blip r:embed="rId3">
-            <a:alphaModFix amt="44000"/>
             <a:extLst>
               <a:ext uri="{28A0092B-C50C-407E-A947-70E740481C1C}">
                 <a14:useLocalDpi xmlns:a14="http://schemas.microsoft.com/office/drawing/2010/main" val="0"/>
@@ -4379,14 +4671,51 @@
         </p:blipFill>
         <p:spPr>
           <a:xfrm>
-            <a:off x="-396552" y="0"/>
-            <a:ext cx="10073118" cy="6858000"/>
+            <a:off x="0" y="0"/>
+            <a:ext cx="9144000" cy="9144000"/>
           </a:xfrm>
           <a:prstGeom prst="rect">
             <a:avLst/>
           </a:prstGeom>
         </p:spPr>
       </p:pic>
+    </p:spTree>
+    <p:extLst>
+      <p:ext uri="{BB962C8B-B14F-4D97-AF65-F5344CB8AC3E}">
+        <p14:creationId xmlns:p14="http://schemas.microsoft.com/office/powerpoint/2010/main" val="518907278"/>
+      </p:ext>
+    </p:extLst>
+  </p:cSld>
+  <p:clrMapOvr>
+    <a:masterClrMapping/>
+  </p:clrMapOvr>
+  <p:timing>
+    <p:tnLst>
+      <p:par>
+        <p:cTn xmlns:p14="http://schemas.microsoft.com/office/powerpoint/2010/main" id="1" dur="indefinite" restart="never" nodeType="tmRoot"/>
+      </p:par>
+    </p:tnLst>
+  </p:timing>
+</p:sld>
+</file>
+
+<file path=ppt/slides/slide15.xml><?xml version="1.0" encoding="utf-8"?>
+<p:sld xmlns:a="http://schemas.openxmlformats.org/drawingml/2006/main" xmlns:r="http://schemas.openxmlformats.org/officeDocument/2006/relationships" xmlns:p="http://schemas.openxmlformats.org/presentationml/2006/main">
+  <p:cSld>
+    <p:spTree>
+      <p:nvGrpSpPr>
+        <p:cNvPr id="1" name=""/>
+        <p:cNvGrpSpPr/>
+        <p:nvPr/>
+      </p:nvGrpSpPr>
+      <p:grpSpPr>
+        <a:xfrm>
+          <a:off x="0" y="0"/>
+          <a:ext cx="0" cy="0"/>
+          <a:chOff x="0" y="0"/>
+          <a:chExt cx="0" cy="0"/>
+        </a:xfrm>
+      </p:grpSpPr>
       <p:sp>
         <p:nvSpPr>
           <p:cNvPr id="2" name="Inhaltsplatzhalter 1"/>
@@ -4399,88 +4728,45 @@
         </p:nvSpPr>
         <p:spPr>
           <a:xfrm>
-            <a:off x="252000" y="1089280"/>
-            <a:ext cx="8532000" cy="4860000"/>
+            <a:off x="4499992" y="982663"/>
+            <a:ext cx="4284008" cy="4860000"/>
           </a:xfrm>
         </p:spPr>
         <p:txBody>
-          <a:bodyPr>
-            <a:noAutofit/>
-          </a:bodyPr>
+          <a:bodyPr/>
           <a:lstStyle/>
           <a:p>
             <a:pPr marL="0" indent="0">
               <a:buNone/>
             </a:pPr>
-            <a:endParaRPr lang="de-DE" dirty="0" smtClean="0"/>
+            <a:r>
+              <a:rPr lang="de-DE" dirty="0" smtClean="0"/>
+              <a:t>Sammlung von </a:t>
+            </a:r>
+            <a:r>
+              <a:rPr lang="de-DE" dirty="0" err="1" smtClean="0"/>
+              <a:t>Entwursfmustern</a:t>
+            </a:r>
+            <a:r>
+              <a:rPr lang="de-DE" dirty="0" smtClean="0"/>
+              <a:t> für </a:t>
+            </a:r>
+            <a:r>
+              <a:rPr lang="de-DE" dirty="0"/>
+              <a:t>klassische objektorientierte Sprachen mit einem statischen </a:t>
+            </a:r>
+            <a:r>
+              <a:rPr lang="de-DE" dirty="0" smtClean="0"/>
+              <a:t>Typsystem</a:t>
+            </a:r>
           </a:p>
           <a:p>
             <a:pPr marL="0" indent="0">
               <a:buNone/>
             </a:pPr>
-            <a:endParaRPr lang="de-DE" dirty="0"/>
-          </a:p>
-          <a:p>
-            <a:pPr marL="0" indent="0">
-              <a:buNone/>
-            </a:pPr>
-            <a:endParaRPr lang="de-DE" dirty="0" smtClean="0"/>
-          </a:p>
-          <a:p>
-            <a:pPr marL="0" indent="0">
-              <a:buNone/>
-            </a:pPr>
-            <a:r>
-              <a:rPr lang="de-DE" dirty="0"/>
-              <a:t>ES5</a:t>
-            </a:r>
-          </a:p>
-          <a:p>
-            <a:pPr marL="0" indent="0">
-              <a:buNone/>
-            </a:pPr>
-            <a:r>
-              <a:rPr lang="de-DE" dirty="0"/>
-              <a:t>Patterns</a:t>
-            </a:r>
-          </a:p>
-          <a:p>
-            <a:pPr marL="0" indent="0">
-              <a:buNone/>
-            </a:pPr>
-            <a:r>
-              <a:rPr lang="de-DE" dirty="0" err="1"/>
-              <a:t>jQuery</a:t>
-            </a:r>
-            <a:r>
-              <a:rPr lang="de-DE" dirty="0"/>
-              <a:t> im Einsatz</a:t>
-            </a:r>
-          </a:p>
-          <a:p>
-            <a:pPr marL="0" indent="0">
-              <a:buNone/>
-            </a:pPr>
-            <a:r>
-              <a:rPr lang="de-DE" dirty="0"/>
-              <a:t>Module (</a:t>
-            </a:r>
-            <a:r>
-              <a:rPr lang="de-DE" dirty="0" err="1"/>
-              <a:t>CommonJS</a:t>
-            </a:r>
-            <a:r>
-              <a:rPr lang="de-DE" dirty="0"/>
-              <a:t>, AMD)</a:t>
-            </a:r>
-          </a:p>
-          <a:p>
-            <a:pPr marL="0" indent="0">
-              <a:buNone/>
-            </a:pPr>
-            <a:r>
-              <a:rPr lang="de-DE" dirty="0"/>
-              <a:t>F&amp;A</a:t>
+            <a:r>
+              <a:rPr lang="de-DE" dirty="0" smtClean="0"/>
+              <a:t>JS ist keine klassisch objektorientierte Sprache mit einem statischen Typsystem</a:t>
             </a:r>
           </a:p>
         </p:txBody>
@@ -4502,22 +4788,60 @@
           <a:p>
             <a:r>
               <a:rPr lang="de-DE" dirty="0" smtClean="0"/>
-              <a:t>Fazit Tag 1</a:t>
+              <a:t>Entwurfsmuster</a:t>
             </a:r>
             <a:endParaRPr lang="de-DE" dirty="0"/>
           </a:p>
         </p:txBody>
       </p:sp>
+      <p:pic>
+        <p:nvPicPr>
+          <p:cNvPr id="4" name="Bild 3" descr="design-patterns-book-cover.png"/>
+          <p:cNvPicPr>
+            <a:picLocks noChangeAspect="1"/>
+          </p:cNvPicPr>
+          <p:nvPr/>
+        </p:nvPicPr>
+        <p:blipFill>
+          <a:blip r:embed="rId2">
+            <a:extLst>
+              <a:ext uri="{28A0092B-C50C-407E-A947-70E740481C1C}">
+                <a14:useLocalDpi xmlns:a14="http://schemas.microsoft.com/office/drawing/2010/main" val="0"/>
+              </a:ext>
+            </a:extLst>
+          </a:blip>
+          <a:stretch>
+            <a:fillRect/>
+          </a:stretch>
+        </p:blipFill>
+        <p:spPr>
+          <a:xfrm>
+            <a:off x="323850" y="1008063"/>
+            <a:ext cx="3810000" cy="4978400"/>
+          </a:xfrm>
+          <a:prstGeom prst="rect">
+            <a:avLst/>
+          </a:prstGeom>
+        </p:spPr>
+      </p:pic>
     </p:spTree>
     <p:extLst>
       <p:ext uri="{BB962C8B-B14F-4D97-AF65-F5344CB8AC3E}">
-        <p14:creationId xmlns:p14="http://schemas.microsoft.com/office/powerpoint/2010/main" val="3221215062"/>
+        <p14:creationId xmlns:p14="http://schemas.microsoft.com/office/powerpoint/2010/main" val="2245144273"/>
       </p:ext>
     </p:extLst>
   </p:cSld>
   <p:clrMapOvr>
     <a:masterClrMapping/>
   </p:clrMapOvr>
+  <mc:AlternateContent xmlns:mc="http://schemas.openxmlformats.org/markup-compatibility/2006" xmlns:p14="http://schemas.microsoft.com/office/powerpoint/2010/main">
+    <mc:Choice Requires="p14">
+      <p:transition spd="slow" p14:dur="2000"/>
+    </mc:Choice>
+    <mc:Fallback xmlns="">
+      <p:transition xmlns:p14="http://schemas.microsoft.com/office/powerpoint/2010/main" spd="slow"/>
+    </mc:Fallback>
+  </mc:AlternateContent>
   <p:timing>
     <p:tnLst>
       <p:par>
@@ -4525,6 +4849,708 @@
       </p:par>
     </p:tnLst>
   </p:timing>
+</p:sld>
+</file>
+
+<file path=ppt/slides/slide16.xml><?xml version="1.0" encoding="utf-8"?>
+<p:sld xmlns:a="http://schemas.openxmlformats.org/drawingml/2006/main" xmlns:r="http://schemas.openxmlformats.org/officeDocument/2006/relationships" xmlns:p="http://schemas.openxmlformats.org/presentationml/2006/main">
+  <p:cSld>
+    <p:spTree>
+      <p:nvGrpSpPr>
+        <p:cNvPr id="1" name=""/>
+        <p:cNvGrpSpPr/>
+        <p:nvPr/>
+      </p:nvGrpSpPr>
+      <p:grpSpPr>
+        <a:xfrm>
+          <a:off x="0" y="0"/>
+          <a:ext cx="0" cy="0"/>
+          <a:chOff x="0" y="0"/>
+          <a:chExt cx="0" cy="0"/>
+        </a:xfrm>
+      </p:grpSpPr>
+      <p:sp>
+        <p:nvSpPr>
+          <p:cNvPr id="2" name="Inhaltsplatzhalter 1"/>
+          <p:cNvSpPr>
+            <a:spLocks noGrp="1"/>
+          </p:cNvSpPr>
+          <p:nvPr>
+            <p:ph idx="1"/>
+          </p:nvPr>
+        </p:nvSpPr>
+        <p:spPr/>
+        <p:txBody>
+          <a:bodyPr/>
+          <a:lstStyle/>
+          <a:p>
+            <a:pPr marL="0" indent="0">
+              <a:buNone/>
+            </a:pPr>
+            <a:r>
+              <a:rPr lang="de-DE" dirty="0" smtClean="0"/>
+              <a:t>Von </a:t>
+            </a:r>
+            <a:r>
+              <a:rPr lang="de-DE" dirty="0"/>
+              <a:t>einer Klasse nur eine einzige Instanz </a:t>
+            </a:r>
+            <a:r>
+              <a:rPr lang="de-DE" dirty="0" smtClean="0"/>
+              <a:t>erzeugen.</a:t>
+            </a:r>
+          </a:p>
+          <a:p>
+            <a:pPr marL="0" indent="0">
+              <a:buNone/>
+            </a:pPr>
+            <a:r>
+              <a:rPr lang="de-DE" dirty="0" smtClean="0"/>
+              <a:t>JS kennt keine Klassen, nur Objekte.</a:t>
+            </a:r>
+          </a:p>
+          <a:p>
+            <a:pPr marL="0" indent="0">
+              <a:buNone/>
+            </a:pPr>
+            <a:r>
+              <a:rPr lang="de-DE" dirty="0" smtClean="0"/>
+              <a:t>Jedes Objekt ist daher ein Singleton.</a:t>
+            </a:r>
+          </a:p>
+          <a:p>
+            <a:pPr marL="0" indent="0">
+              <a:buNone/>
+            </a:pPr>
+            <a:r>
+              <a:rPr lang="de-DE" dirty="0" smtClean="0"/>
+              <a:t>Gemeint ist aber oft etwas anderes....</a:t>
+            </a:r>
+          </a:p>
+          <a:p>
+            <a:pPr marL="0" indent="0">
+              <a:buNone/>
+            </a:pPr>
+            <a:endParaRPr lang="de-DE" dirty="0" smtClean="0"/>
+          </a:p>
+          <a:p>
+            <a:endParaRPr lang="de-DE" dirty="0"/>
+          </a:p>
+        </p:txBody>
+      </p:sp>
+      <p:sp>
+        <p:nvSpPr>
+          <p:cNvPr id="3" name="Titel 2"/>
+          <p:cNvSpPr>
+            <a:spLocks noGrp="1"/>
+          </p:cNvSpPr>
+          <p:nvPr>
+            <p:ph type="title"/>
+          </p:nvPr>
+        </p:nvSpPr>
+        <p:spPr/>
+        <p:txBody>
+          <a:bodyPr/>
+          <a:lstStyle/>
+          <a:p>
+            <a:r>
+              <a:rPr lang="de-DE" dirty="0" smtClean="0"/>
+              <a:t>Singleton</a:t>
+            </a:r>
+            <a:endParaRPr lang="de-DE" dirty="0"/>
+          </a:p>
+        </p:txBody>
+      </p:sp>
+    </p:spTree>
+    <p:extLst>
+      <p:ext uri="{BB962C8B-B14F-4D97-AF65-F5344CB8AC3E}">
+        <p14:creationId xmlns:p14="http://schemas.microsoft.com/office/powerpoint/2010/main" val="1056602951"/>
+      </p:ext>
+    </p:extLst>
+  </p:cSld>
+  <p:clrMapOvr>
+    <a:masterClrMapping/>
+  </p:clrMapOvr>
+  <mc:AlternateContent xmlns:mc="http://schemas.openxmlformats.org/markup-compatibility/2006" xmlns:p14="http://schemas.microsoft.com/office/powerpoint/2010/main">
+    <mc:Choice Requires="p14">
+      <p:transition spd="slow" p14:dur="2000"/>
+    </mc:Choice>
+    <mc:Fallback xmlns="">
+      <p:transition xmlns:p14="http://schemas.microsoft.com/office/powerpoint/2010/main" spd="slow"/>
+    </mc:Fallback>
+  </mc:AlternateContent>
+</p:sld>
+</file>
+
+<file path=ppt/slides/slide17.xml><?xml version="1.0" encoding="utf-8"?>
+<p:sld xmlns:a="http://schemas.openxmlformats.org/drawingml/2006/main" xmlns:r="http://schemas.openxmlformats.org/officeDocument/2006/relationships" xmlns:p="http://schemas.openxmlformats.org/presentationml/2006/main">
+  <p:cSld>
+    <p:spTree>
+      <p:nvGrpSpPr>
+        <p:cNvPr id="1" name=""/>
+        <p:cNvGrpSpPr/>
+        <p:nvPr/>
+      </p:nvGrpSpPr>
+      <p:grpSpPr>
+        <a:xfrm>
+          <a:off x="0" y="0"/>
+          <a:ext cx="0" cy="0"/>
+          <a:chOff x="0" y="0"/>
+          <a:chExt cx="0" cy="0"/>
+        </a:xfrm>
+      </p:grpSpPr>
+      <p:sp>
+        <p:nvSpPr>
+          <p:cNvPr id="2" name="Inhaltsplatzhalter 1"/>
+          <p:cNvSpPr>
+            <a:spLocks noGrp="1"/>
+          </p:cNvSpPr>
+          <p:nvPr>
+            <p:ph idx="1"/>
+          </p:nvPr>
+        </p:nvSpPr>
+        <p:spPr/>
+        <p:txBody>
+          <a:bodyPr/>
+          <a:lstStyle/>
+          <a:p>
+            <a:r>
+              <a:rPr lang="de-DE" dirty="0" err="1"/>
+              <a:t>function</a:t>
+            </a:r>
+            <a:r>
+              <a:rPr lang="de-DE" dirty="0"/>
+              <a:t> Singleton() {</a:t>
+            </a:r>
+          </a:p>
+          <a:p>
+            <a:r>
+              <a:rPr lang="de-DE" dirty="0"/>
+              <a:t>    </a:t>
+            </a:r>
+            <a:r>
+              <a:rPr lang="de-DE" dirty="0" err="1"/>
+              <a:t>if</a:t>
+            </a:r>
+            <a:r>
+              <a:rPr lang="de-DE" dirty="0"/>
+              <a:t> (</a:t>
+            </a:r>
+            <a:r>
+              <a:rPr lang="de-DE" dirty="0" err="1"/>
+              <a:t>typeof</a:t>
+            </a:r>
+            <a:r>
+              <a:rPr lang="de-DE" dirty="0"/>
+              <a:t> Singleton._</a:t>
+            </a:r>
+            <a:r>
+              <a:rPr lang="de-DE" dirty="0" err="1"/>
+              <a:t>instance</a:t>
+            </a:r>
+            <a:r>
+              <a:rPr lang="de-DE" dirty="0"/>
+              <a:t> === "</a:t>
+            </a:r>
+            <a:r>
+              <a:rPr lang="de-DE" dirty="0" err="1"/>
+              <a:t>object</a:t>
+            </a:r>
+            <a:r>
+              <a:rPr lang="de-DE" dirty="0"/>
+              <a:t>") {</a:t>
+            </a:r>
+          </a:p>
+          <a:p>
+            <a:r>
+              <a:rPr lang="de-DE" dirty="0"/>
+              <a:t>        </a:t>
+            </a:r>
+            <a:r>
+              <a:rPr lang="de-DE" dirty="0" err="1"/>
+              <a:t>return</a:t>
+            </a:r>
+            <a:r>
+              <a:rPr lang="de-DE" dirty="0"/>
+              <a:t> Singleton._</a:t>
+            </a:r>
+            <a:r>
+              <a:rPr lang="de-DE" dirty="0" err="1"/>
+              <a:t>instance</a:t>
+            </a:r>
+            <a:r>
+              <a:rPr lang="de-DE" dirty="0"/>
+              <a:t>;</a:t>
+            </a:r>
+          </a:p>
+          <a:p>
+            <a:r>
+              <a:rPr lang="de-DE" dirty="0"/>
+              <a:t>    }</a:t>
+            </a:r>
+          </a:p>
+          <a:p>
+            <a:r>
+              <a:rPr lang="de-DE" dirty="0"/>
+              <a:t>    Singleton._</a:t>
+            </a:r>
+            <a:r>
+              <a:rPr lang="de-DE" dirty="0" err="1"/>
+              <a:t>instance</a:t>
+            </a:r>
+            <a:r>
+              <a:rPr lang="de-DE" dirty="0"/>
+              <a:t> = </a:t>
+            </a:r>
+            <a:r>
+              <a:rPr lang="de-DE" dirty="0" err="1"/>
+              <a:t>this</a:t>
+            </a:r>
+            <a:r>
+              <a:rPr lang="de-DE" dirty="0"/>
+              <a:t>;</a:t>
+            </a:r>
+          </a:p>
+          <a:p>
+            <a:r>
+              <a:rPr lang="de-DE" dirty="0"/>
+              <a:t>    </a:t>
+            </a:r>
+            <a:r>
+              <a:rPr lang="de-DE" dirty="0" err="1"/>
+              <a:t>return</a:t>
+            </a:r>
+            <a:r>
+              <a:rPr lang="de-DE" dirty="0"/>
+              <a:t> </a:t>
+            </a:r>
+            <a:r>
+              <a:rPr lang="de-DE" dirty="0" err="1"/>
+              <a:t>this</a:t>
+            </a:r>
+            <a:r>
+              <a:rPr lang="de-DE" dirty="0"/>
+              <a:t>; // </a:t>
+            </a:r>
+            <a:r>
+              <a:rPr lang="de-DE" dirty="0" err="1"/>
+              <a:t>default</a:t>
+            </a:r>
+            <a:r>
+              <a:rPr lang="de-DE" dirty="0"/>
+              <a:t> </a:t>
+            </a:r>
+            <a:r>
+              <a:rPr lang="de-DE" dirty="0" err="1"/>
+              <a:t>return</a:t>
+            </a:r>
+            <a:r>
+              <a:rPr lang="de-DE" dirty="0"/>
+              <a:t> </a:t>
+            </a:r>
+            <a:r>
+              <a:rPr lang="de-DE" dirty="0" err="1"/>
+              <a:t>value</a:t>
+            </a:r>
+            <a:endParaRPr lang="de-DE" dirty="0"/>
+          </a:p>
+          <a:p>
+            <a:r>
+              <a:rPr lang="de-DE" dirty="0"/>
+              <a:t>}</a:t>
+            </a:r>
+          </a:p>
+          <a:p>
+            <a:endParaRPr lang="de-DE" dirty="0"/>
+          </a:p>
+        </p:txBody>
+      </p:sp>
+      <p:sp>
+        <p:nvSpPr>
+          <p:cNvPr id="3" name="Titel 2"/>
+          <p:cNvSpPr>
+            <a:spLocks noGrp="1"/>
+          </p:cNvSpPr>
+          <p:nvPr>
+            <p:ph type="title"/>
+          </p:nvPr>
+        </p:nvSpPr>
+        <p:spPr/>
+        <p:txBody>
+          <a:bodyPr/>
+          <a:lstStyle/>
+          <a:p>
+            <a:r>
+              <a:rPr lang="de-DE" dirty="0" smtClean="0"/>
+              <a:t>Singleton</a:t>
+            </a:r>
+            <a:endParaRPr lang="de-DE" dirty="0"/>
+          </a:p>
+        </p:txBody>
+      </p:sp>
+    </p:spTree>
+    <p:extLst>
+      <p:ext uri="{BB962C8B-B14F-4D97-AF65-F5344CB8AC3E}">
+        <p14:creationId xmlns:p14="http://schemas.microsoft.com/office/powerpoint/2010/main" val="391207786"/>
+      </p:ext>
+    </p:extLst>
+  </p:cSld>
+  <p:clrMapOvr>
+    <a:masterClrMapping/>
+  </p:clrMapOvr>
+  <mc:AlternateContent xmlns:mc="http://schemas.openxmlformats.org/markup-compatibility/2006" xmlns:p14="http://schemas.microsoft.com/office/powerpoint/2010/main">
+    <mc:Choice Requires="p14">
+      <p:transition spd="slow" p14:dur="2000"/>
+    </mc:Choice>
+    <mc:Fallback xmlns="">
+      <p:transition xmlns:p14="http://schemas.microsoft.com/office/powerpoint/2010/main" spd="slow"/>
+    </mc:Fallback>
+  </mc:AlternateContent>
+</p:sld>
+</file>
+
+<file path=ppt/slides/slide18.xml><?xml version="1.0" encoding="utf-8"?>
+<p:sld xmlns:a="http://schemas.openxmlformats.org/drawingml/2006/main" xmlns:r="http://schemas.openxmlformats.org/officeDocument/2006/relationships" xmlns:p="http://schemas.openxmlformats.org/presentationml/2006/main">
+  <p:cSld>
+    <p:spTree>
+      <p:nvGrpSpPr>
+        <p:cNvPr id="1" name=""/>
+        <p:cNvGrpSpPr/>
+        <p:nvPr/>
+      </p:nvGrpSpPr>
+      <p:grpSpPr>
+        <a:xfrm>
+          <a:off x="0" y="0"/>
+          <a:ext cx="0" cy="0"/>
+          <a:chOff x="0" y="0"/>
+          <a:chExt cx="0" cy="0"/>
+        </a:xfrm>
+      </p:grpSpPr>
+      <p:sp>
+        <p:nvSpPr>
+          <p:cNvPr id="2" name="Inhaltsplatzhalter 1"/>
+          <p:cNvSpPr>
+            <a:spLocks noGrp="1"/>
+          </p:cNvSpPr>
+          <p:nvPr>
+            <p:ph idx="1"/>
+          </p:nvPr>
+        </p:nvSpPr>
+        <p:spPr/>
+        <p:txBody>
+          <a:bodyPr/>
+          <a:lstStyle/>
+          <a:p>
+            <a:pPr marL="0" indent="0">
+              <a:buNone/>
+            </a:pPr>
+            <a:r>
+              <a:rPr lang="de-DE" dirty="0" smtClean="0"/>
+              <a:t>a) erzeugt viele ähnliche Objekte oder</a:t>
+            </a:r>
+          </a:p>
+          <a:p>
+            <a:pPr marL="0" indent="0">
+              <a:buNone/>
+            </a:pPr>
+            <a:r>
+              <a:rPr lang="de-DE" dirty="0" smtClean="0"/>
+              <a:t>b) erzeugt Objekte, bei denen zur </a:t>
+            </a:r>
+            <a:r>
+              <a:rPr lang="de-DE" dirty="0" err="1" smtClean="0"/>
+              <a:t>Compile</a:t>
+            </a:r>
+            <a:r>
+              <a:rPr lang="de-DE" dirty="0" smtClean="0"/>
+              <a:t>-Zeit der Typ nicht bekannt ist</a:t>
+            </a:r>
+          </a:p>
+          <a:p>
+            <a:pPr marL="0" indent="0">
+              <a:buNone/>
+            </a:pPr>
+            <a:endParaRPr lang="de-DE" dirty="0"/>
+          </a:p>
+        </p:txBody>
+      </p:sp>
+      <p:sp>
+        <p:nvSpPr>
+          <p:cNvPr id="3" name="Titel 2"/>
+          <p:cNvSpPr>
+            <a:spLocks noGrp="1"/>
+          </p:cNvSpPr>
+          <p:nvPr>
+            <p:ph type="title"/>
+          </p:nvPr>
+        </p:nvSpPr>
+        <p:spPr/>
+        <p:txBody>
+          <a:bodyPr/>
+          <a:lstStyle/>
+          <a:p>
+            <a:r>
+              <a:rPr lang="de-DE" dirty="0" smtClean="0"/>
+              <a:t>Factory</a:t>
+            </a:r>
+            <a:endParaRPr lang="de-DE" dirty="0"/>
+          </a:p>
+        </p:txBody>
+      </p:sp>
+    </p:spTree>
+    <p:extLst>
+      <p:ext uri="{BB962C8B-B14F-4D97-AF65-F5344CB8AC3E}">
+        <p14:creationId xmlns:p14="http://schemas.microsoft.com/office/powerpoint/2010/main" val="232201409"/>
+      </p:ext>
+    </p:extLst>
+  </p:cSld>
+  <p:clrMapOvr>
+    <a:masterClrMapping/>
+  </p:clrMapOvr>
+  <mc:AlternateContent xmlns:mc="http://schemas.openxmlformats.org/markup-compatibility/2006" xmlns:p14="http://schemas.microsoft.com/office/powerpoint/2010/main">
+    <mc:Choice Requires="p14">
+      <p:transition spd="slow" p14:dur="2000"/>
+    </mc:Choice>
+    <mc:Fallback xmlns="">
+      <p:transition xmlns:p14="http://schemas.microsoft.com/office/powerpoint/2010/main" spd="slow"/>
+    </mc:Fallback>
+  </mc:AlternateContent>
+</p:sld>
+</file>
+
+<file path=ppt/slides/slide19.xml><?xml version="1.0" encoding="utf-8"?>
+<p:sld xmlns:a="http://schemas.openxmlformats.org/drawingml/2006/main" xmlns:r="http://schemas.openxmlformats.org/officeDocument/2006/relationships" xmlns:p="http://schemas.openxmlformats.org/presentationml/2006/main">
+  <p:cSld>
+    <p:spTree>
+      <p:nvGrpSpPr>
+        <p:cNvPr id="1" name=""/>
+        <p:cNvGrpSpPr/>
+        <p:nvPr/>
+      </p:nvGrpSpPr>
+      <p:grpSpPr>
+        <a:xfrm>
+          <a:off x="0" y="0"/>
+          <a:ext cx="0" cy="0"/>
+          <a:chOff x="0" y="0"/>
+          <a:chExt cx="0" cy="0"/>
+        </a:xfrm>
+      </p:grpSpPr>
+      <p:sp>
+        <p:nvSpPr>
+          <p:cNvPr id="2" name="Inhaltsplatzhalter 1"/>
+          <p:cNvSpPr>
+            <a:spLocks noGrp="1"/>
+          </p:cNvSpPr>
+          <p:nvPr>
+            <p:ph idx="1"/>
+          </p:nvPr>
+        </p:nvSpPr>
+        <p:spPr/>
+        <p:txBody>
+          <a:bodyPr/>
+          <a:lstStyle/>
+          <a:p>
+            <a:r>
+              <a:rPr lang="de-DE" dirty="0" smtClean="0"/>
+              <a:t>// </a:t>
+            </a:r>
+            <a:r>
+              <a:rPr lang="de-DE" dirty="0" err="1" smtClean="0"/>
+              <a:t>equivalent</a:t>
+            </a:r>
+            <a:r>
+              <a:rPr lang="de-DE" dirty="0" smtClean="0"/>
+              <a:t> </a:t>
+            </a:r>
+            <a:r>
+              <a:rPr lang="de-DE" dirty="0" err="1" smtClean="0"/>
+              <a:t>to</a:t>
+            </a:r>
+            <a:r>
+              <a:rPr lang="de-DE" dirty="0" smtClean="0"/>
+              <a:t> o = </a:t>
+            </a:r>
+            <a:r>
+              <a:rPr lang="de-DE" dirty="0" err="1" smtClean="0"/>
+              <a:t>new</a:t>
+            </a:r>
+            <a:r>
+              <a:rPr lang="de-DE" dirty="0" smtClean="0"/>
+              <a:t> Boolean(true);</a:t>
+            </a:r>
+          </a:p>
+          <a:p>
+            <a:r>
+              <a:rPr lang="de-DE" dirty="0" err="1" smtClean="0"/>
+              <a:t>var</a:t>
+            </a:r>
+            <a:r>
+              <a:rPr lang="de-DE" dirty="0" smtClean="0"/>
+              <a:t> o = </a:t>
+            </a:r>
+            <a:r>
+              <a:rPr lang="de-DE" dirty="0" err="1" smtClean="0"/>
+              <a:t>new</a:t>
+            </a:r>
+            <a:r>
+              <a:rPr lang="de-DE" dirty="0" smtClean="0"/>
+              <a:t> </a:t>
+            </a:r>
+            <a:r>
+              <a:rPr lang="de-DE" dirty="0" err="1" smtClean="0"/>
+              <a:t>Object</a:t>
+            </a:r>
+            <a:r>
+              <a:rPr lang="de-DE" dirty="0" smtClean="0"/>
+              <a:t>(true);</a:t>
+            </a:r>
+          </a:p>
+          <a:p>
+            <a:endParaRPr lang="de-DE" dirty="0" smtClean="0"/>
+          </a:p>
+          <a:p>
+            <a:r>
+              <a:rPr lang="de-DE" dirty="0" smtClean="0"/>
+              <a:t>// </a:t>
+            </a:r>
+            <a:r>
+              <a:rPr lang="de-DE" dirty="0" err="1" smtClean="0"/>
+              <a:t>equivalent</a:t>
+            </a:r>
+            <a:r>
+              <a:rPr lang="de-DE" dirty="0" smtClean="0"/>
+              <a:t> </a:t>
+            </a:r>
+            <a:r>
+              <a:rPr lang="de-DE" dirty="0" err="1" smtClean="0"/>
+              <a:t>to</a:t>
+            </a:r>
+            <a:r>
+              <a:rPr lang="de-DE" dirty="0" smtClean="0"/>
+              <a:t> o = </a:t>
+            </a:r>
+            <a:r>
+              <a:rPr lang="de-DE" dirty="0" err="1" smtClean="0"/>
+              <a:t>new</a:t>
+            </a:r>
+            <a:r>
+              <a:rPr lang="de-DE" dirty="0" smtClean="0"/>
+              <a:t> Boolean(false);</a:t>
+            </a:r>
+          </a:p>
+          <a:p>
+            <a:r>
+              <a:rPr lang="de-DE" dirty="0" err="1" smtClean="0"/>
+              <a:t>var</a:t>
+            </a:r>
+            <a:r>
+              <a:rPr lang="de-DE" dirty="0" smtClean="0"/>
+              <a:t> o = </a:t>
+            </a:r>
+            <a:r>
+              <a:rPr lang="de-DE" dirty="0" err="1" smtClean="0"/>
+              <a:t>new</a:t>
+            </a:r>
+            <a:r>
+              <a:rPr lang="de-DE" dirty="0" smtClean="0"/>
+              <a:t> </a:t>
+            </a:r>
+            <a:r>
+              <a:rPr lang="de-DE" dirty="0" err="1" smtClean="0"/>
+              <a:t>Object</a:t>
+            </a:r>
+            <a:r>
+              <a:rPr lang="de-DE" dirty="0" smtClean="0"/>
+              <a:t>(Boolean());</a:t>
+            </a:r>
+          </a:p>
+          <a:p>
+            <a:endParaRPr lang="de-DE" dirty="0" smtClean="0"/>
+          </a:p>
+          <a:p>
+            <a:endParaRPr lang="de-DE" sz="1300" dirty="0" smtClean="0"/>
+          </a:p>
+          <a:p>
+            <a:r>
+              <a:rPr lang="de-DE" sz="1300" dirty="0" smtClean="0"/>
+              <a:t>// https://</a:t>
+            </a:r>
+            <a:r>
+              <a:rPr lang="de-DE" sz="1300" dirty="0" err="1" smtClean="0"/>
+              <a:t>developer.mozilla.org</a:t>
+            </a:r>
+            <a:r>
+              <a:rPr lang="de-DE" sz="1300" dirty="0" smtClean="0"/>
+              <a:t>/en-US/</a:t>
+            </a:r>
+            <a:r>
+              <a:rPr lang="de-DE" sz="1300" dirty="0" err="1" smtClean="0"/>
+              <a:t>docs</a:t>
+            </a:r>
+            <a:r>
+              <a:rPr lang="de-DE" sz="1300" dirty="0" smtClean="0"/>
+              <a:t>/JavaScript/Reference/</a:t>
+            </a:r>
+            <a:r>
+              <a:rPr lang="de-DE" sz="1300" dirty="0" err="1" smtClean="0"/>
+              <a:t>Global_Objects</a:t>
+            </a:r>
+            <a:r>
+              <a:rPr lang="de-DE" sz="1300" dirty="0" smtClean="0"/>
+              <a:t>/</a:t>
+            </a:r>
+            <a:r>
+              <a:rPr lang="de-DE" sz="1300" dirty="0" err="1" smtClean="0"/>
+              <a:t>Object</a:t>
+            </a:r>
+            <a:endParaRPr lang="de-DE" sz="1300" dirty="0" smtClean="0"/>
+          </a:p>
+          <a:p>
+            <a:endParaRPr lang="de-DE" dirty="0"/>
+          </a:p>
+        </p:txBody>
+      </p:sp>
+      <p:sp>
+        <p:nvSpPr>
+          <p:cNvPr id="3" name="Titel 2"/>
+          <p:cNvSpPr>
+            <a:spLocks noGrp="1"/>
+          </p:cNvSpPr>
+          <p:nvPr>
+            <p:ph type="title"/>
+          </p:nvPr>
+        </p:nvSpPr>
+        <p:spPr/>
+        <p:txBody>
+          <a:bodyPr/>
+          <a:lstStyle/>
+          <a:p>
+            <a:r>
+              <a:rPr lang="de-DE" dirty="0" smtClean="0"/>
+              <a:t>Eingebaute Factory</a:t>
+            </a:r>
+            <a:endParaRPr lang="de-DE" dirty="0"/>
+          </a:p>
+        </p:txBody>
+      </p:sp>
+    </p:spTree>
+    <p:extLst>
+      <p:ext uri="{BB962C8B-B14F-4D97-AF65-F5344CB8AC3E}">
+        <p14:creationId xmlns:p14="http://schemas.microsoft.com/office/powerpoint/2010/main" val="4097219642"/>
+      </p:ext>
+    </p:extLst>
+  </p:cSld>
+  <p:clrMapOvr>
+    <a:masterClrMapping/>
+  </p:clrMapOvr>
+  <mc:AlternateContent xmlns:mc="http://schemas.openxmlformats.org/markup-compatibility/2006" xmlns:p14="http://schemas.microsoft.com/office/powerpoint/2010/main">
+    <mc:Choice Requires="p14">
+      <p:transition spd="slow" p14:dur="2000"/>
+    </mc:Choice>
+    <mc:Fallback xmlns="">
+      <p:transition xmlns:p14="http://schemas.microsoft.com/office/powerpoint/2010/main" spd="slow"/>
+    </mc:Fallback>
+  </mc:AlternateContent>
 </p:sld>
 </file>
 
@@ -4731,6 +5757,2586 @@
       </p:par>
     </p:tnLst>
   </p:timing>
+</p:sld>
+</file>
+
+<file path=ppt/slides/slide20.xml><?xml version="1.0" encoding="utf-8"?>
+<p:sld xmlns:a="http://schemas.openxmlformats.org/drawingml/2006/main" xmlns:r="http://schemas.openxmlformats.org/officeDocument/2006/relationships" xmlns:p="http://schemas.openxmlformats.org/presentationml/2006/main">
+  <p:cSld>
+    <p:spTree>
+      <p:nvGrpSpPr>
+        <p:cNvPr id="1" name=""/>
+        <p:cNvGrpSpPr/>
+        <p:nvPr/>
+      </p:nvGrpSpPr>
+      <p:grpSpPr>
+        <a:xfrm>
+          <a:off x="0" y="0"/>
+          <a:ext cx="0" cy="0"/>
+          <a:chOff x="0" y="0"/>
+          <a:chExt cx="0" cy="0"/>
+        </a:xfrm>
+      </p:grpSpPr>
+      <p:sp>
+        <p:nvSpPr>
+          <p:cNvPr id="2" name="Inhaltsplatzhalter 1"/>
+          <p:cNvSpPr>
+            <a:spLocks noGrp="1"/>
+          </p:cNvSpPr>
+          <p:nvPr>
+            <p:ph idx="1"/>
+          </p:nvPr>
+        </p:nvSpPr>
+        <p:spPr/>
+        <p:txBody>
+          <a:bodyPr>
+            <a:normAutofit/>
+          </a:bodyPr>
+          <a:lstStyle/>
+          <a:p>
+            <a:r>
+              <a:rPr lang="de-DE" dirty="0" smtClean="0"/>
+              <a:t>// Create a </a:t>
+            </a:r>
+            <a:r>
+              <a:rPr lang="de-DE" dirty="0" err="1" smtClean="0"/>
+              <a:t>Constructor</a:t>
+            </a:r>
+            <a:endParaRPr lang="de-DE" dirty="0" smtClean="0"/>
+          </a:p>
+          <a:p>
+            <a:r>
+              <a:rPr lang="de-DE" dirty="0" err="1" smtClean="0"/>
+              <a:t>function</a:t>
+            </a:r>
+            <a:r>
+              <a:rPr lang="de-DE" dirty="0" smtClean="0"/>
+              <a:t> </a:t>
+            </a:r>
+            <a:r>
+              <a:rPr lang="de-DE" dirty="0" err="1" smtClean="0"/>
+              <a:t>Rectangle</a:t>
+            </a:r>
+            <a:r>
+              <a:rPr lang="de-DE" dirty="0" smtClean="0"/>
+              <a:t>(){}; </a:t>
+            </a:r>
+          </a:p>
+          <a:p>
+            <a:r>
+              <a:rPr lang="de-DE" dirty="0" err="1" smtClean="0"/>
+              <a:t>var</a:t>
+            </a:r>
+            <a:r>
+              <a:rPr lang="de-DE" dirty="0" smtClean="0"/>
+              <a:t> x = </a:t>
+            </a:r>
+            <a:r>
+              <a:rPr lang="de-DE" dirty="0" err="1" smtClean="0"/>
+              <a:t>new</a:t>
+            </a:r>
+            <a:r>
+              <a:rPr lang="de-DE" dirty="0" smtClean="0"/>
+              <a:t> </a:t>
+            </a:r>
+            <a:r>
+              <a:rPr lang="de-DE" dirty="0" err="1" smtClean="0"/>
+              <a:t>Rectangle</a:t>
+            </a:r>
+            <a:r>
+              <a:rPr lang="de-DE" dirty="0" smtClean="0"/>
+              <a:t>();</a:t>
+            </a:r>
+          </a:p>
+          <a:p>
+            <a:r>
+              <a:rPr lang="de-DE" dirty="0" smtClean="0"/>
+              <a:t>x </a:t>
+            </a:r>
+            <a:r>
+              <a:rPr lang="de-DE" dirty="0" err="1" smtClean="0"/>
+              <a:t>instanceof</a:t>
+            </a:r>
+            <a:r>
+              <a:rPr lang="de-DE" dirty="0" smtClean="0"/>
+              <a:t> </a:t>
+            </a:r>
+            <a:r>
+              <a:rPr lang="de-DE" dirty="0" err="1" smtClean="0"/>
+              <a:t>Rectangle</a:t>
+            </a:r>
+            <a:r>
+              <a:rPr lang="de-DE" dirty="0" smtClean="0"/>
+              <a:t>; // true</a:t>
+            </a:r>
+          </a:p>
+          <a:p>
+            <a:endParaRPr lang="de-DE" dirty="0" smtClean="0"/>
+          </a:p>
+          <a:p>
+            <a:r>
+              <a:rPr lang="de-DE" dirty="0" smtClean="0"/>
+              <a:t>// </a:t>
+            </a:r>
+            <a:r>
+              <a:rPr lang="de-DE" dirty="0" err="1" smtClean="0"/>
+              <a:t>use</a:t>
+            </a:r>
+            <a:r>
+              <a:rPr lang="de-DE" dirty="0" smtClean="0"/>
+              <a:t> </a:t>
+            </a:r>
+            <a:r>
+              <a:rPr lang="de-DE" dirty="0" err="1" smtClean="0"/>
+              <a:t>Object</a:t>
+            </a:r>
+            <a:r>
+              <a:rPr lang="de-DE" dirty="0" smtClean="0"/>
+              <a:t>-Factory </a:t>
+            </a:r>
+            <a:r>
+              <a:rPr lang="de-DE" dirty="0" err="1" smtClean="0"/>
+              <a:t>to</a:t>
+            </a:r>
+            <a:r>
+              <a:rPr lang="de-DE" dirty="0" smtClean="0"/>
+              <a:t> </a:t>
+            </a:r>
+            <a:r>
+              <a:rPr lang="de-DE" dirty="0" err="1" smtClean="0"/>
+              <a:t>create</a:t>
+            </a:r>
+            <a:r>
+              <a:rPr lang="de-DE" dirty="0" smtClean="0"/>
+              <a:t> a </a:t>
+            </a:r>
+            <a:r>
+              <a:rPr lang="de-DE" dirty="0" err="1" smtClean="0"/>
+              <a:t>similar</a:t>
+            </a:r>
+            <a:r>
+              <a:rPr lang="de-DE" dirty="0" smtClean="0"/>
+              <a:t> </a:t>
+            </a:r>
+            <a:r>
+              <a:rPr lang="de-DE" dirty="0" err="1" smtClean="0"/>
+              <a:t>Object</a:t>
+            </a:r>
+            <a:endParaRPr lang="de-DE" dirty="0"/>
+          </a:p>
+          <a:p>
+            <a:r>
+              <a:rPr lang="de-DE" dirty="0" err="1" smtClean="0"/>
+              <a:t>var</a:t>
+            </a:r>
+            <a:r>
+              <a:rPr lang="de-DE" dirty="0" smtClean="0"/>
+              <a:t> </a:t>
+            </a:r>
+            <a:r>
+              <a:rPr lang="de-DE" dirty="0" err="1" smtClean="0"/>
+              <a:t>y</a:t>
+            </a:r>
+            <a:r>
+              <a:rPr lang="de-DE" dirty="0" smtClean="0"/>
+              <a:t> = </a:t>
+            </a:r>
+            <a:r>
+              <a:rPr lang="de-DE" dirty="0" err="1" smtClean="0"/>
+              <a:t>new</a:t>
+            </a:r>
+            <a:r>
+              <a:rPr lang="de-DE" dirty="0" smtClean="0"/>
+              <a:t> </a:t>
+            </a:r>
+            <a:r>
+              <a:rPr lang="de-DE" dirty="0" err="1" smtClean="0"/>
+              <a:t>Object</a:t>
+            </a:r>
+            <a:r>
+              <a:rPr lang="de-DE" dirty="0" smtClean="0"/>
+              <a:t>(x); </a:t>
+            </a:r>
+          </a:p>
+          <a:p>
+            <a:r>
+              <a:rPr lang="de-DE" dirty="0" err="1" smtClean="0"/>
+              <a:t>y</a:t>
+            </a:r>
+            <a:r>
+              <a:rPr lang="de-DE" dirty="0" smtClean="0"/>
+              <a:t> </a:t>
+            </a:r>
+            <a:r>
+              <a:rPr lang="de-DE" dirty="0" err="1" smtClean="0"/>
+              <a:t>instanceof</a:t>
+            </a:r>
+            <a:r>
+              <a:rPr lang="de-DE" dirty="0" smtClean="0"/>
+              <a:t> </a:t>
+            </a:r>
+            <a:r>
+              <a:rPr lang="de-DE" dirty="0" err="1" smtClean="0"/>
+              <a:t>Rectangle</a:t>
+            </a:r>
+            <a:r>
+              <a:rPr lang="de-DE" dirty="0" smtClean="0"/>
+              <a:t>; // true</a:t>
+            </a:r>
+            <a:endParaRPr lang="de-DE" dirty="0"/>
+          </a:p>
+        </p:txBody>
+      </p:sp>
+      <p:sp>
+        <p:nvSpPr>
+          <p:cNvPr id="3" name="Titel 2"/>
+          <p:cNvSpPr>
+            <a:spLocks noGrp="1"/>
+          </p:cNvSpPr>
+          <p:nvPr>
+            <p:ph type="title"/>
+          </p:nvPr>
+        </p:nvSpPr>
+        <p:spPr/>
+        <p:txBody>
+          <a:bodyPr/>
+          <a:lstStyle/>
+          <a:p>
+            <a:r>
+              <a:rPr lang="de-DE" dirty="0" smtClean="0"/>
+              <a:t>Eingebaute Factory</a:t>
+            </a:r>
+            <a:endParaRPr lang="de-DE" dirty="0"/>
+          </a:p>
+        </p:txBody>
+      </p:sp>
+    </p:spTree>
+    <p:extLst>
+      <p:ext uri="{BB962C8B-B14F-4D97-AF65-F5344CB8AC3E}">
+        <p14:creationId xmlns:p14="http://schemas.microsoft.com/office/powerpoint/2010/main" val="3529830268"/>
+      </p:ext>
+    </p:extLst>
+  </p:cSld>
+  <p:clrMapOvr>
+    <a:masterClrMapping/>
+  </p:clrMapOvr>
+  <mc:AlternateContent xmlns:mc="http://schemas.openxmlformats.org/markup-compatibility/2006" xmlns:p14="http://schemas.microsoft.com/office/powerpoint/2010/main">
+    <mc:Choice Requires="p14">
+      <p:transition spd="slow" p14:dur="2000"/>
+    </mc:Choice>
+    <mc:Fallback xmlns="">
+      <p:transition xmlns:p14="http://schemas.microsoft.com/office/powerpoint/2010/main" spd="slow"/>
+    </mc:Fallback>
+  </mc:AlternateContent>
+</p:sld>
+</file>
+
+<file path=ppt/slides/slide21.xml><?xml version="1.0" encoding="utf-8"?>
+<p:sld xmlns:a="http://schemas.openxmlformats.org/drawingml/2006/main" xmlns:r="http://schemas.openxmlformats.org/officeDocument/2006/relationships" xmlns:p="http://schemas.openxmlformats.org/presentationml/2006/main">
+  <p:cSld>
+    <p:spTree>
+      <p:nvGrpSpPr>
+        <p:cNvPr id="1" name=""/>
+        <p:cNvGrpSpPr/>
+        <p:nvPr/>
+      </p:nvGrpSpPr>
+      <p:grpSpPr>
+        <a:xfrm>
+          <a:off x="0" y="0"/>
+          <a:ext cx="0" cy="0"/>
+          <a:chOff x="0" y="0"/>
+          <a:chExt cx="0" cy="0"/>
+        </a:xfrm>
+      </p:grpSpPr>
+      <p:sp>
+        <p:nvSpPr>
+          <p:cNvPr id="2" name="Inhaltsplatzhalter 1"/>
+          <p:cNvSpPr>
+            <a:spLocks noGrp="1"/>
+          </p:cNvSpPr>
+          <p:nvPr>
+            <p:ph idx="1"/>
+          </p:nvPr>
+        </p:nvSpPr>
+        <p:spPr/>
+        <p:txBody>
+          <a:bodyPr>
+            <a:normAutofit fontScale="62500" lnSpcReduction="20000"/>
+          </a:bodyPr>
+          <a:lstStyle/>
+          <a:p>
+            <a:r>
+              <a:rPr lang="de-DE" dirty="0" err="1"/>
+              <a:t>function</a:t>
+            </a:r>
+            <a:r>
+              <a:rPr lang="de-DE" dirty="0"/>
+              <a:t> </a:t>
+            </a:r>
+            <a:r>
+              <a:rPr lang="de-DE" dirty="0" err="1"/>
+              <a:t>SmartphoneFactory</a:t>
+            </a:r>
+            <a:r>
+              <a:rPr lang="de-DE" dirty="0"/>
+              <a:t>() {};</a:t>
+            </a:r>
+          </a:p>
+          <a:p>
+            <a:endParaRPr lang="de-DE" dirty="0"/>
+          </a:p>
+          <a:p>
+            <a:r>
+              <a:rPr lang="de-DE" dirty="0" err="1"/>
+              <a:t>SmartphoneFactory.prototype.installApp</a:t>
+            </a:r>
+            <a:r>
+              <a:rPr lang="de-DE" dirty="0"/>
+              <a:t> = </a:t>
+            </a:r>
+            <a:r>
+              <a:rPr lang="de-DE" dirty="0" err="1"/>
+              <a:t>function</a:t>
+            </a:r>
+            <a:r>
+              <a:rPr lang="de-DE" dirty="0"/>
+              <a:t>() {</a:t>
+            </a:r>
+          </a:p>
+          <a:p>
+            <a:r>
+              <a:rPr lang="de-DE" dirty="0"/>
+              <a:t> 	</a:t>
+            </a:r>
+            <a:r>
+              <a:rPr lang="de-DE" dirty="0" err="1"/>
+              <a:t>return</a:t>
+            </a:r>
+            <a:r>
+              <a:rPr lang="de-DE" dirty="0"/>
+              <a:t> "App </a:t>
+            </a:r>
+            <a:r>
+              <a:rPr lang="de-DE" dirty="0" err="1"/>
+              <a:t>installed</a:t>
+            </a:r>
+            <a:r>
+              <a:rPr lang="de-DE" dirty="0"/>
+              <a:t>";</a:t>
+            </a:r>
+          </a:p>
+          <a:p>
+            <a:r>
+              <a:rPr lang="de-DE" dirty="0"/>
+              <a:t>}</a:t>
+            </a:r>
+          </a:p>
+          <a:p>
+            <a:endParaRPr lang="de-DE" dirty="0"/>
+          </a:p>
+          <a:p>
+            <a:r>
+              <a:rPr lang="de-DE" dirty="0" err="1"/>
+              <a:t>SmartphoneFactory.factory</a:t>
+            </a:r>
+            <a:r>
+              <a:rPr lang="de-DE" dirty="0"/>
+              <a:t> = </a:t>
+            </a:r>
+            <a:r>
+              <a:rPr lang="de-DE" dirty="0" err="1"/>
+              <a:t>function</a:t>
+            </a:r>
+            <a:r>
+              <a:rPr lang="de-DE" dirty="0"/>
+              <a:t> (</a:t>
+            </a:r>
+            <a:r>
+              <a:rPr lang="de-DE" dirty="0" err="1"/>
+              <a:t>smartphoneType</a:t>
+            </a:r>
+            <a:r>
+              <a:rPr lang="de-DE" dirty="0"/>
+              <a:t>) {</a:t>
+            </a:r>
+          </a:p>
+          <a:p>
+            <a:r>
+              <a:rPr lang="de-DE" dirty="0"/>
+              <a:t>    // type </a:t>
+            </a:r>
+            <a:r>
+              <a:rPr lang="de-DE" dirty="0" err="1"/>
+              <a:t>does</a:t>
+            </a:r>
+            <a:r>
+              <a:rPr lang="de-DE" dirty="0"/>
+              <a:t> not </a:t>
+            </a:r>
+            <a:r>
+              <a:rPr lang="de-DE" dirty="0" err="1"/>
+              <a:t>exist</a:t>
+            </a:r>
+            <a:endParaRPr lang="de-DE" dirty="0"/>
+          </a:p>
+          <a:p>
+            <a:r>
+              <a:rPr lang="de-DE" dirty="0"/>
+              <a:t>    </a:t>
+            </a:r>
+            <a:r>
+              <a:rPr lang="de-DE" dirty="0" err="1"/>
+              <a:t>if</a:t>
+            </a:r>
+            <a:r>
+              <a:rPr lang="de-DE" dirty="0"/>
+              <a:t> (</a:t>
+            </a:r>
+            <a:r>
+              <a:rPr lang="de-DE" dirty="0" err="1"/>
+              <a:t>typeof</a:t>
+            </a:r>
+            <a:r>
+              <a:rPr lang="de-DE" dirty="0"/>
+              <a:t> </a:t>
+            </a:r>
+            <a:r>
+              <a:rPr lang="de-DE" dirty="0" err="1"/>
+              <a:t>SmartphoneFactory</a:t>
+            </a:r>
+            <a:r>
+              <a:rPr lang="de-DE" dirty="0"/>
+              <a:t>[</a:t>
+            </a:r>
+            <a:r>
+              <a:rPr lang="de-DE" dirty="0" err="1"/>
+              <a:t>smartphoneType</a:t>
+            </a:r>
+            <a:r>
+              <a:rPr lang="de-DE" dirty="0"/>
+              <a:t>] !== "</a:t>
+            </a:r>
+            <a:r>
+              <a:rPr lang="de-DE" dirty="0" err="1"/>
+              <a:t>function</a:t>
+            </a:r>
+            <a:r>
+              <a:rPr lang="de-DE" dirty="0"/>
+              <a:t>") {</a:t>
+            </a:r>
+          </a:p>
+          <a:p>
+            <a:r>
+              <a:rPr lang="de-DE" dirty="0"/>
+              <a:t>        </a:t>
+            </a:r>
+            <a:r>
+              <a:rPr lang="de-DE" dirty="0" err="1"/>
+              <a:t>throw</a:t>
+            </a:r>
+            <a:r>
+              <a:rPr lang="de-DE" dirty="0"/>
+              <a:t> ("I </a:t>
+            </a:r>
+            <a:r>
+              <a:rPr lang="de-DE" dirty="0" err="1"/>
+              <a:t>don't</a:t>
+            </a:r>
+            <a:r>
+              <a:rPr lang="de-DE" dirty="0"/>
+              <a:t> </a:t>
+            </a:r>
+            <a:r>
+              <a:rPr lang="de-DE" dirty="0" err="1"/>
+              <a:t>know</a:t>
+            </a:r>
+            <a:r>
+              <a:rPr lang="de-DE" dirty="0"/>
+              <a:t> </a:t>
+            </a:r>
+            <a:r>
+              <a:rPr lang="de-DE" dirty="0" err="1"/>
+              <a:t>this</a:t>
+            </a:r>
+            <a:r>
+              <a:rPr lang="de-DE" dirty="0"/>
+              <a:t> </a:t>
+            </a:r>
+            <a:r>
+              <a:rPr lang="de-DE" dirty="0" err="1" smtClean="0"/>
+              <a:t>kind</a:t>
+            </a:r>
+            <a:r>
+              <a:rPr lang="de-DE" dirty="0" smtClean="0"/>
+              <a:t> </a:t>
+            </a:r>
+            <a:r>
+              <a:rPr lang="de-DE" dirty="0" err="1"/>
+              <a:t>of</a:t>
+            </a:r>
+            <a:r>
+              <a:rPr lang="de-DE" dirty="0"/>
+              <a:t> </a:t>
+            </a:r>
+            <a:r>
+              <a:rPr lang="de-DE" dirty="0" err="1"/>
+              <a:t>smartphone</a:t>
+            </a:r>
+            <a:r>
+              <a:rPr lang="de-DE" dirty="0"/>
+              <a:t>.");</a:t>
+            </a:r>
+          </a:p>
+          <a:p>
+            <a:r>
+              <a:rPr lang="de-DE" dirty="0"/>
+              <a:t>    }</a:t>
+            </a:r>
+          </a:p>
+          <a:p>
+            <a:r>
+              <a:rPr lang="de-DE" dirty="0"/>
+              <a:t>    </a:t>
+            </a:r>
+          </a:p>
+          <a:p>
+            <a:r>
+              <a:rPr lang="de-DE" dirty="0"/>
+              <a:t>    </a:t>
+            </a:r>
+            <a:r>
+              <a:rPr lang="de-DE" dirty="0" err="1"/>
+              <a:t>var</a:t>
+            </a:r>
+            <a:r>
+              <a:rPr lang="de-DE" dirty="0"/>
+              <a:t> </a:t>
+            </a:r>
+            <a:r>
+              <a:rPr lang="de-DE" dirty="0" err="1"/>
+              <a:t>newSmartphone</a:t>
+            </a:r>
+            <a:r>
+              <a:rPr lang="de-DE" dirty="0"/>
+              <a:t> = </a:t>
+            </a:r>
+            <a:r>
+              <a:rPr lang="de-DE" dirty="0" err="1"/>
+              <a:t>new</a:t>
+            </a:r>
+            <a:r>
+              <a:rPr lang="de-DE" dirty="0"/>
+              <a:t> </a:t>
+            </a:r>
+            <a:r>
+              <a:rPr lang="de-DE" dirty="0" err="1"/>
+              <a:t>SmartphoneFactory</a:t>
+            </a:r>
+            <a:r>
+              <a:rPr lang="de-DE" dirty="0"/>
+              <a:t>[</a:t>
+            </a:r>
+            <a:r>
+              <a:rPr lang="de-DE" dirty="0" err="1"/>
+              <a:t>smartphoneType</a:t>
+            </a:r>
+            <a:r>
+              <a:rPr lang="de-DE" dirty="0"/>
+              <a:t>]();</a:t>
+            </a:r>
+          </a:p>
+          <a:p>
+            <a:r>
+              <a:rPr lang="de-DE" dirty="0"/>
+              <a:t>    </a:t>
+            </a:r>
+            <a:r>
+              <a:rPr lang="de-DE" dirty="0" err="1"/>
+              <a:t>return</a:t>
+            </a:r>
+            <a:r>
+              <a:rPr lang="de-DE" dirty="0"/>
+              <a:t> </a:t>
+            </a:r>
+            <a:r>
+              <a:rPr lang="de-DE" dirty="0" err="1"/>
+              <a:t>newSmartphone</a:t>
+            </a:r>
+            <a:r>
+              <a:rPr lang="de-DE" dirty="0"/>
+              <a:t>;</a:t>
+            </a:r>
+          </a:p>
+          <a:p>
+            <a:r>
+              <a:rPr lang="de-DE" dirty="0"/>
+              <a:t>}</a:t>
+            </a:r>
+          </a:p>
+          <a:p>
+            <a:endParaRPr lang="de-DE" dirty="0"/>
+          </a:p>
+        </p:txBody>
+      </p:sp>
+      <p:sp>
+        <p:nvSpPr>
+          <p:cNvPr id="3" name="Titel 2"/>
+          <p:cNvSpPr>
+            <a:spLocks noGrp="1"/>
+          </p:cNvSpPr>
+          <p:nvPr>
+            <p:ph type="title"/>
+          </p:nvPr>
+        </p:nvSpPr>
+        <p:spPr/>
+        <p:txBody>
+          <a:bodyPr/>
+          <a:lstStyle/>
+          <a:p>
+            <a:r>
+              <a:rPr lang="de-DE" dirty="0" smtClean="0"/>
+              <a:t>Selbst erstellte Factory</a:t>
+            </a:r>
+            <a:endParaRPr lang="de-DE" dirty="0"/>
+          </a:p>
+        </p:txBody>
+      </p:sp>
+    </p:spTree>
+    <p:extLst>
+      <p:ext uri="{BB962C8B-B14F-4D97-AF65-F5344CB8AC3E}">
+        <p14:creationId xmlns:p14="http://schemas.microsoft.com/office/powerpoint/2010/main" val="3172268157"/>
+      </p:ext>
+    </p:extLst>
+  </p:cSld>
+  <p:clrMapOvr>
+    <a:masterClrMapping/>
+  </p:clrMapOvr>
+  <mc:AlternateContent xmlns:mc="http://schemas.openxmlformats.org/markup-compatibility/2006" xmlns:p14="http://schemas.microsoft.com/office/powerpoint/2010/main">
+    <mc:Choice Requires="p14">
+      <p:transition spd="slow" p14:dur="2000"/>
+    </mc:Choice>
+    <mc:Fallback xmlns="">
+      <p:transition xmlns:p14="http://schemas.microsoft.com/office/powerpoint/2010/main" spd="slow"/>
+    </mc:Fallback>
+  </mc:AlternateContent>
+  <p:timing>
+    <p:tnLst>
+      <p:par>
+        <p:cTn xmlns:p14="http://schemas.microsoft.com/office/powerpoint/2010/main" id="1" dur="indefinite" restart="never" nodeType="tmRoot"/>
+      </p:par>
+    </p:tnLst>
+  </p:timing>
+</p:sld>
+</file>
+
+<file path=ppt/slides/slide22.xml><?xml version="1.0" encoding="utf-8"?>
+<p:sld xmlns:a="http://schemas.openxmlformats.org/drawingml/2006/main" xmlns:r="http://schemas.openxmlformats.org/officeDocument/2006/relationships" xmlns:p="http://schemas.openxmlformats.org/presentationml/2006/main">
+  <p:cSld>
+    <p:spTree>
+      <p:nvGrpSpPr>
+        <p:cNvPr id="1" name=""/>
+        <p:cNvGrpSpPr/>
+        <p:nvPr/>
+      </p:nvGrpSpPr>
+      <p:grpSpPr>
+        <a:xfrm>
+          <a:off x="0" y="0"/>
+          <a:ext cx="0" cy="0"/>
+          <a:chOff x="0" y="0"/>
+          <a:chExt cx="0" cy="0"/>
+        </a:xfrm>
+      </p:grpSpPr>
+      <p:sp>
+        <p:nvSpPr>
+          <p:cNvPr id="2" name="Inhaltsplatzhalter 1"/>
+          <p:cNvSpPr>
+            <a:spLocks noGrp="1"/>
+          </p:cNvSpPr>
+          <p:nvPr>
+            <p:ph idx="1"/>
+          </p:nvPr>
+        </p:nvSpPr>
+        <p:spPr/>
+        <p:txBody>
+          <a:bodyPr>
+            <a:normAutofit fontScale="70000" lnSpcReduction="20000"/>
+          </a:bodyPr>
+          <a:lstStyle/>
+          <a:p>
+            <a:r>
+              <a:rPr lang="de-DE" dirty="0" err="1"/>
+              <a:t>SmartphoneFactory.IPhone</a:t>
+            </a:r>
+            <a:r>
+              <a:rPr lang="de-DE" dirty="0"/>
+              <a:t> = </a:t>
+            </a:r>
+            <a:r>
+              <a:rPr lang="de-DE" dirty="0" err="1"/>
+              <a:t>function</a:t>
+            </a:r>
+            <a:r>
+              <a:rPr lang="de-DE" dirty="0"/>
+              <a:t> () {}</a:t>
+            </a:r>
+          </a:p>
+          <a:p>
+            <a:r>
+              <a:rPr lang="de-DE" dirty="0" err="1"/>
+              <a:t>SmartphoneFactory.IPhone.prototype</a:t>
+            </a:r>
+            <a:r>
+              <a:rPr lang="de-DE" dirty="0"/>
+              <a:t> = </a:t>
+            </a:r>
+            <a:r>
+              <a:rPr lang="de-DE" dirty="0" err="1"/>
+              <a:t>new</a:t>
+            </a:r>
+            <a:r>
+              <a:rPr lang="de-DE" dirty="0"/>
+              <a:t> </a:t>
+            </a:r>
+            <a:r>
+              <a:rPr lang="de-DE" dirty="0" err="1"/>
+              <a:t>SmartphoneFactory</a:t>
+            </a:r>
+            <a:r>
+              <a:rPr lang="de-DE" dirty="0"/>
+              <a:t>();</a:t>
+            </a:r>
+          </a:p>
+          <a:p>
+            <a:r>
+              <a:rPr lang="de-DE" dirty="0" err="1"/>
+              <a:t>SmartphoneFactory.IPhone.prototype.installApp</a:t>
+            </a:r>
+            <a:r>
+              <a:rPr lang="de-DE" dirty="0"/>
+              <a:t> = </a:t>
+            </a:r>
+            <a:r>
+              <a:rPr lang="de-DE" dirty="0" err="1"/>
+              <a:t>function</a:t>
+            </a:r>
+            <a:r>
+              <a:rPr lang="de-DE" dirty="0"/>
+              <a:t> () {</a:t>
+            </a:r>
+          </a:p>
+          <a:p>
+            <a:r>
+              <a:rPr lang="de-DE" dirty="0"/>
+              <a:t>    </a:t>
+            </a:r>
+            <a:r>
+              <a:rPr lang="de-DE" dirty="0" err="1"/>
+              <a:t>return</a:t>
+            </a:r>
+            <a:r>
+              <a:rPr lang="de-DE" dirty="0"/>
+              <a:t> "</a:t>
+            </a:r>
+            <a:r>
+              <a:rPr lang="de-DE" dirty="0" err="1"/>
+              <a:t>Please</a:t>
+            </a:r>
+            <a:r>
+              <a:rPr lang="de-DE" dirty="0"/>
+              <a:t> </a:t>
+            </a:r>
+            <a:r>
+              <a:rPr lang="de-DE" dirty="0" err="1"/>
+              <a:t>visit</a:t>
+            </a:r>
+            <a:r>
+              <a:rPr lang="de-DE" dirty="0"/>
+              <a:t> </a:t>
+            </a:r>
+            <a:r>
+              <a:rPr lang="de-DE" dirty="0" err="1"/>
+              <a:t>the</a:t>
+            </a:r>
+            <a:r>
+              <a:rPr lang="de-DE" dirty="0"/>
+              <a:t> </a:t>
+            </a:r>
+            <a:r>
+              <a:rPr lang="de-DE" dirty="0" err="1" smtClean="0"/>
+              <a:t>AppStore</a:t>
+            </a:r>
+            <a:r>
+              <a:rPr lang="de-DE" dirty="0"/>
+              <a:t>.";</a:t>
+            </a:r>
+          </a:p>
+          <a:p>
+            <a:r>
+              <a:rPr lang="de-DE" dirty="0"/>
+              <a:t>}</a:t>
+            </a:r>
+          </a:p>
+          <a:p>
+            <a:endParaRPr lang="de-DE" dirty="0"/>
+          </a:p>
+          <a:p>
+            <a:r>
+              <a:rPr lang="de-DE" dirty="0" err="1"/>
+              <a:t>SmartphoneFactory.Android</a:t>
+            </a:r>
+            <a:r>
+              <a:rPr lang="de-DE" dirty="0"/>
+              <a:t> = </a:t>
+            </a:r>
+            <a:r>
+              <a:rPr lang="de-DE" dirty="0" err="1"/>
+              <a:t>function</a:t>
+            </a:r>
+            <a:r>
+              <a:rPr lang="de-DE" dirty="0"/>
+              <a:t> () {}</a:t>
+            </a:r>
+          </a:p>
+          <a:p>
+            <a:r>
+              <a:rPr lang="de-DE" dirty="0" err="1"/>
+              <a:t>SmartphoneFactory.Android.prototype</a:t>
+            </a:r>
+            <a:r>
+              <a:rPr lang="de-DE" dirty="0"/>
+              <a:t> = </a:t>
+            </a:r>
+            <a:r>
+              <a:rPr lang="de-DE" dirty="0" err="1"/>
+              <a:t>new</a:t>
+            </a:r>
+            <a:r>
+              <a:rPr lang="de-DE" dirty="0"/>
+              <a:t> </a:t>
+            </a:r>
+            <a:r>
+              <a:rPr lang="de-DE" dirty="0" err="1"/>
+              <a:t>SmartphoneFactory</a:t>
+            </a:r>
+            <a:r>
+              <a:rPr lang="de-DE" dirty="0"/>
+              <a:t>();</a:t>
+            </a:r>
+          </a:p>
+          <a:p>
+            <a:r>
+              <a:rPr lang="de-DE" dirty="0" err="1"/>
+              <a:t>SmartphoneFactory.Android.prototype.installApp</a:t>
+            </a:r>
+            <a:r>
+              <a:rPr lang="de-DE" dirty="0"/>
+              <a:t> = </a:t>
+            </a:r>
+            <a:r>
+              <a:rPr lang="de-DE" dirty="0" err="1"/>
+              <a:t>function</a:t>
+            </a:r>
+            <a:r>
+              <a:rPr lang="de-DE" dirty="0"/>
+              <a:t> () {</a:t>
+            </a:r>
+          </a:p>
+          <a:p>
+            <a:r>
+              <a:rPr lang="de-DE" dirty="0"/>
+              <a:t>    </a:t>
+            </a:r>
+            <a:r>
+              <a:rPr lang="de-DE" dirty="0" err="1"/>
+              <a:t>return</a:t>
+            </a:r>
+            <a:r>
+              <a:rPr lang="de-DE" dirty="0"/>
+              <a:t> "</a:t>
+            </a:r>
+            <a:r>
+              <a:rPr lang="de-DE" dirty="0" err="1"/>
+              <a:t>Please</a:t>
+            </a:r>
+            <a:r>
+              <a:rPr lang="de-DE" dirty="0"/>
+              <a:t> </a:t>
+            </a:r>
+            <a:r>
+              <a:rPr lang="de-DE" dirty="0" err="1"/>
+              <a:t>visit</a:t>
+            </a:r>
+            <a:r>
+              <a:rPr lang="de-DE" dirty="0"/>
+              <a:t> </a:t>
+            </a:r>
+            <a:r>
+              <a:rPr lang="de-DE" dirty="0" err="1"/>
+              <a:t>the</a:t>
+            </a:r>
+            <a:r>
+              <a:rPr lang="de-DE" dirty="0"/>
+              <a:t> </a:t>
+            </a:r>
+            <a:r>
+              <a:rPr lang="de-DE" strike="sngStrike" dirty="0" err="1" smtClean="0"/>
+              <a:t>market</a:t>
+            </a:r>
+            <a:r>
+              <a:rPr lang="de-DE" dirty="0" smtClean="0"/>
+              <a:t> </a:t>
+            </a:r>
+            <a:r>
+              <a:rPr lang="de-DE" dirty="0" smtClean="0"/>
+              <a:t>Google Play.</a:t>
+            </a:r>
+            <a:r>
+              <a:rPr lang="de-DE" dirty="0"/>
+              <a:t>";</a:t>
+            </a:r>
+          </a:p>
+          <a:p>
+            <a:r>
+              <a:rPr lang="de-DE" dirty="0"/>
+              <a:t>}</a:t>
+            </a:r>
+          </a:p>
+          <a:p>
+            <a:endParaRPr lang="de-DE" dirty="0" smtClean="0"/>
+          </a:p>
+          <a:p>
+            <a:r>
+              <a:rPr lang="de-DE" dirty="0" err="1" smtClean="0"/>
+              <a:t>var</a:t>
+            </a:r>
+            <a:r>
+              <a:rPr lang="de-DE" dirty="0" smtClean="0"/>
+              <a:t> </a:t>
+            </a:r>
+            <a:r>
+              <a:rPr lang="de-DE" dirty="0" err="1"/>
+              <a:t>iPhone</a:t>
+            </a:r>
+            <a:r>
+              <a:rPr lang="de-DE" dirty="0"/>
+              <a:t> = </a:t>
+            </a:r>
+            <a:r>
+              <a:rPr lang="de-DE" dirty="0" err="1"/>
+              <a:t>SmartphoneFactory.factory</a:t>
+            </a:r>
+            <a:r>
+              <a:rPr lang="de-DE" dirty="0" smtClean="0"/>
+              <a:t>(“</a:t>
+            </a:r>
+            <a:r>
+              <a:rPr lang="de-DE" dirty="0" err="1" smtClean="0"/>
+              <a:t>Android</a:t>
+            </a:r>
+            <a:r>
+              <a:rPr lang="de-DE" dirty="0" smtClean="0"/>
+              <a:t>"</a:t>
+            </a:r>
+            <a:r>
+              <a:rPr lang="de-DE" dirty="0"/>
+              <a:t>);</a:t>
+            </a:r>
+          </a:p>
+          <a:p>
+            <a:r>
+              <a:rPr lang="de-DE" dirty="0" err="1" smtClean="0"/>
+              <a:t>iPhone.installApp</a:t>
+            </a:r>
+            <a:r>
+              <a:rPr lang="de-DE" dirty="0"/>
+              <a:t>(</a:t>
+            </a:r>
+            <a:r>
+              <a:rPr lang="de-DE" dirty="0" smtClean="0"/>
+              <a:t>); </a:t>
+            </a:r>
+            <a:r>
+              <a:rPr lang="de-DE" dirty="0"/>
+              <a:t>// </a:t>
+            </a:r>
+            <a:r>
+              <a:rPr lang="de-DE" dirty="0" err="1"/>
+              <a:t>Please</a:t>
+            </a:r>
+            <a:r>
+              <a:rPr lang="de-DE" dirty="0"/>
+              <a:t> </a:t>
+            </a:r>
+            <a:r>
+              <a:rPr lang="de-DE" dirty="0" err="1"/>
+              <a:t>visit</a:t>
+            </a:r>
+            <a:r>
+              <a:rPr lang="de-DE" dirty="0"/>
+              <a:t> </a:t>
+            </a:r>
+            <a:r>
+              <a:rPr lang="de-DE" dirty="0" err="1"/>
+              <a:t>the</a:t>
+            </a:r>
+            <a:r>
+              <a:rPr lang="de-DE" dirty="0"/>
+              <a:t> Play Store</a:t>
+            </a:r>
+          </a:p>
+          <a:p>
+            <a:endParaRPr lang="de-DE" dirty="0"/>
+          </a:p>
+          <a:p>
+            <a:endParaRPr lang="de-DE" dirty="0"/>
+          </a:p>
+          <a:p>
+            <a:endParaRPr lang="de-DE" dirty="0"/>
+          </a:p>
+          <a:p>
+            <a:endParaRPr lang="de-DE" dirty="0"/>
+          </a:p>
+        </p:txBody>
+      </p:sp>
+      <p:sp>
+        <p:nvSpPr>
+          <p:cNvPr id="3" name="Titel 2"/>
+          <p:cNvSpPr>
+            <a:spLocks noGrp="1"/>
+          </p:cNvSpPr>
+          <p:nvPr>
+            <p:ph type="title"/>
+          </p:nvPr>
+        </p:nvSpPr>
+        <p:spPr/>
+        <p:txBody>
+          <a:bodyPr/>
+          <a:lstStyle/>
+          <a:p>
+            <a:r>
+              <a:rPr lang="de-DE" dirty="0" smtClean="0"/>
+              <a:t>Selbst erstellte Factory</a:t>
+            </a:r>
+            <a:endParaRPr lang="de-DE" dirty="0"/>
+          </a:p>
+        </p:txBody>
+      </p:sp>
+    </p:spTree>
+    <p:extLst>
+      <p:ext uri="{BB962C8B-B14F-4D97-AF65-F5344CB8AC3E}">
+        <p14:creationId xmlns:p14="http://schemas.microsoft.com/office/powerpoint/2010/main" val="1690739111"/>
+      </p:ext>
+    </p:extLst>
+  </p:cSld>
+  <p:clrMapOvr>
+    <a:masterClrMapping/>
+  </p:clrMapOvr>
+  <mc:AlternateContent xmlns:mc="http://schemas.openxmlformats.org/markup-compatibility/2006" xmlns:p14="http://schemas.microsoft.com/office/powerpoint/2010/main">
+    <mc:Choice Requires="p14">
+      <p:transition spd="slow" p14:dur="2000"/>
+    </mc:Choice>
+    <mc:Fallback xmlns="">
+      <p:transition xmlns:p14="http://schemas.microsoft.com/office/powerpoint/2010/main" spd="slow"/>
+    </mc:Fallback>
+  </mc:AlternateContent>
+  <p:timing>
+    <p:tnLst>
+      <p:par>
+        <p:cTn xmlns:p14="http://schemas.microsoft.com/office/powerpoint/2010/main" id="1" dur="indefinite" restart="never" nodeType="tmRoot"/>
+      </p:par>
+    </p:tnLst>
+  </p:timing>
+</p:sld>
+</file>
+
+<file path=ppt/slides/slide23.xml><?xml version="1.0" encoding="utf-8"?>
+<p:sld xmlns:a="http://schemas.openxmlformats.org/drawingml/2006/main" xmlns:r="http://schemas.openxmlformats.org/officeDocument/2006/relationships" xmlns:p="http://schemas.openxmlformats.org/presentationml/2006/main">
+  <p:cSld>
+    <p:spTree>
+      <p:nvGrpSpPr>
+        <p:cNvPr id="1" name=""/>
+        <p:cNvGrpSpPr/>
+        <p:nvPr/>
+      </p:nvGrpSpPr>
+      <p:grpSpPr>
+        <a:xfrm>
+          <a:off x="0" y="0"/>
+          <a:ext cx="0" cy="0"/>
+          <a:chOff x="0" y="0"/>
+          <a:chExt cx="0" cy="0"/>
+        </a:xfrm>
+      </p:grpSpPr>
+      <p:sp>
+        <p:nvSpPr>
+          <p:cNvPr id="2" name="Inhaltsplatzhalter 1"/>
+          <p:cNvSpPr>
+            <a:spLocks noGrp="1"/>
+          </p:cNvSpPr>
+          <p:nvPr>
+            <p:ph idx="1"/>
+          </p:nvPr>
+        </p:nvSpPr>
+        <p:spPr/>
+        <p:txBody>
+          <a:bodyPr/>
+          <a:lstStyle/>
+          <a:p>
+            <a:r>
+              <a:rPr lang="de-DE" dirty="0"/>
+              <a:t>unterschiedliche Ausprägungen von Objekten </a:t>
+            </a:r>
+            <a:endParaRPr lang="de-DE" dirty="0" smtClean="0"/>
+          </a:p>
+          <a:p>
+            <a:r>
+              <a:rPr lang="de-DE" dirty="0"/>
+              <a:t>unterschiedliche Algorithmen anhand des </a:t>
+            </a:r>
+            <a:r>
+              <a:rPr lang="de-DE" dirty="0" smtClean="0"/>
+              <a:t>Kontexts</a:t>
+            </a:r>
+            <a:endParaRPr lang="de-DE" dirty="0"/>
+          </a:p>
+          <a:p>
+            <a:r>
+              <a:rPr lang="de-DE" dirty="0" smtClean="0"/>
+              <a:t>z.B. </a:t>
+            </a:r>
+            <a:r>
+              <a:rPr lang="de-DE" dirty="0"/>
+              <a:t>Berechnung der Mehrwertsteuer </a:t>
+            </a:r>
+          </a:p>
+        </p:txBody>
+      </p:sp>
+      <p:sp>
+        <p:nvSpPr>
+          <p:cNvPr id="3" name="Titel 2"/>
+          <p:cNvSpPr>
+            <a:spLocks noGrp="1"/>
+          </p:cNvSpPr>
+          <p:nvPr>
+            <p:ph type="title"/>
+          </p:nvPr>
+        </p:nvSpPr>
+        <p:spPr/>
+        <p:txBody>
+          <a:bodyPr/>
+          <a:lstStyle/>
+          <a:p>
+            <a:r>
+              <a:rPr lang="de-DE" dirty="0" err="1" smtClean="0"/>
+              <a:t>Strategy</a:t>
+            </a:r>
+            <a:endParaRPr lang="de-DE" dirty="0"/>
+          </a:p>
+        </p:txBody>
+      </p:sp>
+    </p:spTree>
+    <p:extLst>
+      <p:ext uri="{BB962C8B-B14F-4D97-AF65-F5344CB8AC3E}">
+        <p14:creationId xmlns:p14="http://schemas.microsoft.com/office/powerpoint/2010/main" val="386495597"/>
+      </p:ext>
+    </p:extLst>
+  </p:cSld>
+  <p:clrMapOvr>
+    <a:masterClrMapping/>
+  </p:clrMapOvr>
+  <mc:AlternateContent xmlns:mc="http://schemas.openxmlformats.org/markup-compatibility/2006" xmlns:p14="http://schemas.microsoft.com/office/powerpoint/2010/main">
+    <mc:Choice Requires="p14">
+      <p:transition spd="slow" p14:dur="2000"/>
+    </mc:Choice>
+    <mc:Fallback xmlns="">
+      <p:transition xmlns:p14="http://schemas.microsoft.com/office/powerpoint/2010/main" spd="slow"/>
+    </mc:Fallback>
+  </mc:AlternateContent>
+</p:sld>
+</file>
+
+<file path=ppt/slides/slide24.xml><?xml version="1.0" encoding="utf-8"?>
+<p:sld xmlns:a="http://schemas.openxmlformats.org/drawingml/2006/main" xmlns:r="http://schemas.openxmlformats.org/officeDocument/2006/relationships" xmlns:p="http://schemas.openxmlformats.org/presentationml/2006/main">
+  <p:cSld>
+    <p:spTree>
+      <p:nvGrpSpPr>
+        <p:cNvPr id="1" name=""/>
+        <p:cNvGrpSpPr/>
+        <p:nvPr/>
+      </p:nvGrpSpPr>
+      <p:grpSpPr>
+        <a:xfrm>
+          <a:off x="0" y="0"/>
+          <a:ext cx="0" cy="0"/>
+          <a:chOff x="0" y="0"/>
+          <a:chExt cx="0" cy="0"/>
+        </a:xfrm>
+      </p:grpSpPr>
+      <p:sp>
+        <p:nvSpPr>
+          <p:cNvPr id="2" name="Inhaltsplatzhalter 1"/>
+          <p:cNvSpPr>
+            <a:spLocks noGrp="1"/>
+          </p:cNvSpPr>
+          <p:nvPr>
+            <p:ph idx="1"/>
+          </p:nvPr>
+        </p:nvSpPr>
+        <p:spPr/>
+        <p:txBody>
+          <a:bodyPr>
+            <a:normAutofit lnSpcReduction="10000"/>
+          </a:bodyPr>
+          <a:lstStyle/>
+          <a:p>
+            <a:r>
+              <a:rPr lang="de-DE" dirty="0" err="1"/>
+              <a:t>var</a:t>
+            </a:r>
+            <a:r>
+              <a:rPr lang="de-DE" dirty="0"/>
+              <a:t> </a:t>
+            </a:r>
+            <a:r>
+              <a:rPr lang="de-DE" dirty="0" err="1"/>
+              <a:t>gadget</a:t>
+            </a:r>
+            <a:r>
+              <a:rPr lang="de-DE" dirty="0"/>
+              <a:t> = {</a:t>
+            </a:r>
+          </a:p>
+          <a:p>
+            <a:r>
+              <a:rPr lang="de-DE" dirty="0"/>
+              <a:t>    </a:t>
+            </a:r>
+            <a:r>
+              <a:rPr lang="de-DE" dirty="0" err="1"/>
+              <a:t>name</a:t>
+            </a:r>
+            <a:r>
+              <a:rPr lang="de-DE" dirty="0"/>
+              <a:t> : "R0cket", </a:t>
+            </a:r>
+            <a:endParaRPr lang="de-DE" dirty="0" smtClean="0"/>
+          </a:p>
+          <a:p>
+            <a:r>
+              <a:rPr lang="de-DE" dirty="0"/>
+              <a:t>	</a:t>
+            </a:r>
+            <a:r>
+              <a:rPr lang="de-DE" dirty="0" smtClean="0"/>
+              <a:t>	 </a:t>
+            </a:r>
+            <a:r>
+              <a:rPr lang="de-DE" dirty="0" err="1" smtClean="0"/>
+              <a:t>vatType</a:t>
+            </a:r>
+            <a:r>
+              <a:rPr lang="de-DE" dirty="0" smtClean="0"/>
+              <a:t> </a:t>
+            </a:r>
+            <a:r>
+              <a:rPr lang="de-DE" dirty="0"/>
+              <a:t>: "</a:t>
+            </a:r>
+            <a:r>
+              <a:rPr lang="de-DE" dirty="0" err="1"/>
+              <a:t>full</a:t>
+            </a:r>
+            <a:r>
+              <a:rPr lang="de-DE" dirty="0"/>
+              <a:t>",</a:t>
+            </a:r>
+          </a:p>
+          <a:p>
+            <a:r>
+              <a:rPr lang="de-DE" dirty="0"/>
+              <a:t>    </a:t>
+            </a:r>
+            <a:r>
+              <a:rPr lang="de-DE" dirty="0" err="1"/>
+              <a:t>price</a:t>
+            </a:r>
+            <a:r>
+              <a:rPr lang="de-DE" dirty="0"/>
+              <a:t> : 30000000</a:t>
+            </a:r>
+          </a:p>
+          <a:p>
+            <a:r>
+              <a:rPr lang="de-DE" dirty="0"/>
+              <a:t>};</a:t>
+            </a:r>
+          </a:p>
+          <a:p>
+            <a:endParaRPr lang="de-DE" dirty="0"/>
+          </a:p>
+          <a:p>
+            <a:r>
+              <a:rPr lang="de-DE" dirty="0" err="1"/>
+              <a:t>var</a:t>
+            </a:r>
+            <a:r>
+              <a:rPr lang="de-DE" dirty="0"/>
+              <a:t> </a:t>
+            </a:r>
+            <a:r>
+              <a:rPr lang="de-DE" dirty="0" err="1"/>
+              <a:t>food</a:t>
+            </a:r>
+            <a:r>
+              <a:rPr lang="de-DE" dirty="0"/>
+              <a:t> = {</a:t>
+            </a:r>
+          </a:p>
+          <a:p>
+            <a:r>
+              <a:rPr lang="de-DE" dirty="0"/>
+              <a:t>    </a:t>
+            </a:r>
+            <a:r>
+              <a:rPr lang="de-DE" dirty="0" err="1"/>
+              <a:t>name</a:t>
+            </a:r>
+            <a:r>
+              <a:rPr lang="de-DE" dirty="0"/>
+              <a:t> : "</a:t>
+            </a:r>
+            <a:r>
+              <a:rPr lang="de-DE" dirty="0" err="1"/>
+              <a:t>bread</a:t>
+            </a:r>
+            <a:r>
+              <a:rPr lang="de-DE" dirty="0"/>
+              <a:t>",</a:t>
+            </a:r>
+          </a:p>
+          <a:p>
+            <a:r>
+              <a:rPr lang="de-DE" dirty="0"/>
+              <a:t>    </a:t>
+            </a:r>
+            <a:r>
+              <a:rPr lang="de-DE" dirty="0" err="1"/>
+              <a:t>vatType</a:t>
+            </a:r>
+            <a:r>
+              <a:rPr lang="de-DE" dirty="0"/>
+              <a:t> : "</a:t>
+            </a:r>
+            <a:r>
+              <a:rPr lang="de-DE" dirty="0" err="1"/>
+              <a:t>reduced</a:t>
+            </a:r>
+            <a:r>
+              <a:rPr lang="de-DE" dirty="0"/>
+              <a:t>",</a:t>
+            </a:r>
+          </a:p>
+          <a:p>
+            <a:r>
+              <a:rPr lang="de-DE" dirty="0"/>
+              <a:t>    </a:t>
+            </a:r>
+            <a:r>
+              <a:rPr lang="de-DE" dirty="0" err="1"/>
+              <a:t>price</a:t>
+            </a:r>
+            <a:r>
+              <a:rPr lang="de-DE" dirty="0"/>
+              <a:t> : 5</a:t>
+            </a:r>
+          </a:p>
+          <a:p>
+            <a:r>
+              <a:rPr lang="de-DE" dirty="0"/>
+              <a:t>};</a:t>
+            </a:r>
+          </a:p>
+          <a:p>
+            <a:endParaRPr lang="de-DE" dirty="0"/>
+          </a:p>
+        </p:txBody>
+      </p:sp>
+      <p:sp>
+        <p:nvSpPr>
+          <p:cNvPr id="3" name="Titel 2"/>
+          <p:cNvSpPr>
+            <a:spLocks noGrp="1"/>
+          </p:cNvSpPr>
+          <p:nvPr>
+            <p:ph type="title"/>
+          </p:nvPr>
+        </p:nvSpPr>
+        <p:spPr/>
+        <p:txBody>
+          <a:bodyPr/>
+          <a:lstStyle/>
+          <a:p>
+            <a:r>
+              <a:rPr lang="de-DE" dirty="0" err="1" smtClean="0"/>
+              <a:t>Strategy</a:t>
+            </a:r>
+            <a:endParaRPr lang="de-DE" dirty="0"/>
+          </a:p>
+        </p:txBody>
+      </p:sp>
+    </p:spTree>
+    <p:extLst>
+      <p:ext uri="{BB962C8B-B14F-4D97-AF65-F5344CB8AC3E}">
+        <p14:creationId xmlns:p14="http://schemas.microsoft.com/office/powerpoint/2010/main" val="472264090"/>
+      </p:ext>
+    </p:extLst>
+  </p:cSld>
+  <p:clrMapOvr>
+    <a:masterClrMapping/>
+  </p:clrMapOvr>
+  <mc:AlternateContent xmlns:mc="http://schemas.openxmlformats.org/markup-compatibility/2006" xmlns:p14="http://schemas.microsoft.com/office/powerpoint/2010/main">
+    <mc:Choice Requires="p14">
+      <p:transition spd="slow" p14:dur="2000"/>
+    </mc:Choice>
+    <mc:Fallback xmlns="">
+      <p:transition xmlns:p14="http://schemas.microsoft.com/office/powerpoint/2010/main" spd="slow"/>
+    </mc:Fallback>
+  </mc:AlternateContent>
+</p:sld>
+</file>
+
+<file path=ppt/slides/slide25.xml><?xml version="1.0" encoding="utf-8"?>
+<p:sld xmlns:a="http://schemas.openxmlformats.org/drawingml/2006/main" xmlns:r="http://schemas.openxmlformats.org/officeDocument/2006/relationships" xmlns:p="http://schemas.openxmlformats.org/presentationml/2006/main">
+  <p:cSld>
+    <p:spTree>
+      <p:nvGrpSpPr>
+        <p:cNvPr id="1" name=""/>
+        <p:cNvGrpSpPr/>
+        <p:nvPr/>
+      </p:nvGrpSpPr>
+      <p:grpSpPr>
+        <a:xfrm>
+          <a:off x="0" y="0"/>
+          <a:ext cx="0" cy="0"/>
+          <a:chOff x="0" y="0"/>
+          <a:chExt cx="0" cy="0"/>
+        </a:xfrm>
+      </p:grpSpPr>
+      <p:sp>
+        <p:nvSpPr>
+          <p:cNvPr id="2" name="Inhaltsplatzhalter 1"/>
+          <p:cNvSpPr>
+            <a:spLocks noGrp="1"/>
+          </p:cNvSpPr>
+          <p:nvPr>
+            <p:ph idx="1"/>
+          </p:nvPr>
+        </p:nvSpPr>
+        <p:spPr/>
+        <p:txBody>
+          <a:bodyPr>
+            <a:normAutofit lnSpcReduction="10000"/>
+          </a:bodyPr>
+          <a:lstStyle/>
+          <a:p>
+            <a:r>
+              <a:rPr lang="de-DE" dirty="0" err="1"/>
+              <a:t>vatCalculator.types</a:t>
+            </a:r>
+            <a:r>
+              <a:rPr lang="de-DE" dirty="0"/>
+              <a:t> = {};</a:t>
+            </a:r>
+          </a:p>
+          <a:p>
+            <a:r>
+              <a:rPr lang="de-DE" dirty="0" err="1"/>
+              <a:t>vatCalculator.types.reduced</a:t>
+            </a:r>
+            <a:r>
+              <a:rPr lang="de-DE" dirty="0"/>
+              <a:t> = {</a:t>
+            </a:r>
+          </a:p>
+          <a:p>
+            <a:r>
+              <a:rPr lang="de-DE" dirty="0"/>
+              <a:t>    </a:t>
+            </a:r>
+            <a:r>
+              <a:rPr lang="en-US" dirty="0"/>
+              <a:t>calculate : function(price) {</a:t>
+            </a:r>
+            <a:endParaRPr lang="de-DE" dirty="0"/>
+          </a:p>
+          <a:p>
+            <a:r>
+              <a:rPr lang="en-US" dirty="0"/>
+              <a:t>        return price * 0.07;    </a:t>
+            </a:r>
+            <a:endParaRPr lang="de-DE" dirty="0"/>
+          </a:p>
+          <a:p>
+            <a:r>
+              <a:rPr lang="en-US" dirty="0"/>
+              <a:t>    }    </a:t>
+            </a:r>
+            <a:endParaRPr lang="de-DE" dirty="0"/>
+          </a:p>
+          <a:p>
+            <a:r>
+              <a:rPr lang="en-US" dirty="0"/>
+              <a:t>};</a:t>
+            </a:r>
+            <a:endParaRPr lang="de-DE" dirty="0"/>
+          </a:p>
+          <a:p>
+            <a:r>
+              <a:rPr lang="en-US" dirty="0" err="1"/>
+              <a:t>vatCalculator.types.full</a:t>
+            </a:r>
+            <a:r>
+              <a:rPr lang="en-US" dirty="0"/>
+              <a:t> = {</a:t>
+            </a:r>
+            <a:endParaRPr lang="de-DE" dirty="0"/>
+          </a:p>
+          <a:p>
+            <a:r>
+              <a:rPr lang="en-US" dirty="0"/>
+              <a:t>    calculate : function(price) {</a:t>
+            </a:r>
+            <a:endParaRPr lang="de-DE" dirty="0"/>
+          </a:p>
+          <a:p>
+            <a:r>
+              <a:rPr lang="en-US" dirty="0"/>
+              <a:t>        </a:t>
+            </a:r>
+            <a:r>
+              <a:rPr lang="de-DE" dirty="0" err="1"/>
+              <a:t>return</a:t>
+            </a:r>
+            <a:r>
+              <a:rPr lang="de-DE" dirty="0"/>
+              <a:t> </a:t>
+            </a:r>
+            <a:r>
+              <a:rPr lang="de-DE" dirty="0" err="1"/>
+              <a:t>price</a:t>
+            </a:r>
+            <a:r>
+              <a:rPr lang="de-DE" dirty="0"/>
+              <a:t> * 0.19;</a:t>
+            </a:r>
+          </a:p>
+          <a:p>
+            <a:r>
+              <a:rPr lang="de-DE" dirty="0"/>
+              <a:t>    }    </a:t>
+            </a:r>
+          </a:p>
+          <a:p>
+            <a:r>
+              <a:rPr lang="de-DE" dirty="0"/>
+              <a:t>};</a:t>
+            </a:r>
+          </a:p>
+          <a:p>
+            <a:endParaRPr lang="de-DE" dirty="0"/>
+          </a:p>
+        </p:txBody>
+      </p:sp>
+      <p:sp>
+        <p:nvSpPr>
+          <p:cNvPr id="3" name="Titel 2"/>
+          <p:cNvSpPr>
+            <a:spLocks noGrp="1"/>
+          </p:cNvSpPr>
+          <p:nvPr>
+            <p:ph type="title"/>
+          </p:nvPr>
+        </p:nvSpPr>
+        <p:spPr/>
+        <p:txBody>
+          <a:bodyPr/>
+          <a:lstStyle/>
+          <a:p>
+            <a:r>
+              <a:rPr lang="de-DE" dirty="0" err="1" smtClean="0"/>
+              <a:t>Strategy</a:t>
+            </a:r>
+            <a:endParaRPr lang="de-DE" dirty="0"/>
+          </a:p>
+        </p:txBody>
+      </p:sp>
+    </p:spTree>
+    <p:extLst>
+      <p:ext uri="{BB962C8B-B14F-4D97-AF65-F5344CB8AC3E}">
+        <p14:creationId xmlns:p14="http://schemas.microsoft.com/office/powerpoint/2010/main" val="2989798722"/>
+      </p:ext>
+    </p:extLst>
+  </p:cSld>
+  <p:clrMapOvr>
+    <a:masterClrMapping/>
+  </p:clrMapOvr>
+  <mc:AlternateContent xmlns:mc="http://schemas.openxmlformats.org/markup-compatibility/2006" xmlns:p14="http://schemas.microsoft.com/office/powerpoint/2010/main">
+    <mc:Choice Requires="p14">
+      <p:transition spd="slow" p14:dur="2000"/>
+    </mc:Choice>
+    <mc:Fallback xmlns="">
+      <p:transition xmlns:p14="http://schemas.microsoft.com/office/powerpoint/2010/main" spd="slow"/>
+    </mc:Fallback>
+  </mc:AlternateContent>
+</p:sld>
+</file>
+
+<file path=ppt/slides/slide26.xml><?xml version="1.0" encoding="utf-8"?>
+<p:sld xmlns:a="http://schemas.openxmlformats.org/drawingml/2006/main" xmlns:r="http://schemas.openxmlformats.org/officeDocument/2006/relationships" xmlns:p="http://schemas.openxmlformats.org/presentationml/2006/main">
+  <p:cSld>
+    <p:spTree>
+      <p:nvGrpSpPr>
+        <p:cNvPr id="1" name=""/>
+        <p:cNvGrpSpPr/>
+        <p:nvPr/>
+      </p:nvGrpSpPr>
+      <p:grpSpPr>
+        <a:xfrm>
+          <a:off x="0" y="0"/>
+          <a:ext cx="0" cy="0"/>
+          <a:chOff x="0" y="0"/>
+          <a:chExt cx="0" cy="0"/>
+        </a:xfrm>
+      </p:grpSpPr>
+      <p:sp>
+        <p:nvSpPr>
+          <p:cNvPr id="2" name="Inhaltsplatzhalter 1"/>
+          <p:cNvSpPr>
+            <a:spLocks noGrp="1"/>
+          </p:cNvSpPr>
+          <p:nvPr>
+            <p:ph idx="1"/>
+          </p:nvPr>
+        </p:nvSpPr>
+        <p:spPr/>
+        <p:txBody>
+          <a:bodyPr/>
+          <a:lstStyle/>
+          <a:p>
+            <a:r>
+              <a:rPr lang="de-DE" dirty="0" err="1"/>
+              <a:t>var</a:t>
+            </a:r>
+            <a:r>
+              <a:rPr lang="de-DE" dirty="0"/>
+              <a:t> </a:t>
+            </a:r>
+            <a:r>
+              <a:rPr lang="de-DE" dirty="0" err="1"/>
+              <a:t>calculatePrice</a:t>
+            </a:r>
+            <a:r>
+              <a:rPr lang="de-DE" dirty="0"/>
+              <a:t> = </a:t>
+            </a:r>
+            <a:r>
+              <a:rPr lang="de-DE" dirty="0" err="1"/>
+              <a:t>function</a:t>
+            </a:r>
+            <a:r>
+              <a:rPr lang="de-DE" dirty="0"/>
+              <a:t>(</a:t>
+            </a:r>
+            <a:r>
+              <a:rPr lang="de-DE" dirty="0" err="1"/>
+              <a:t>data</a:t>
+            </a:r>
+            <a:r>
+              <a:rPr lang="de-DE" dirty="0"/>
+              <a:t>) {</a:t>
+            </a:r>
+          </a:p>
+          <a:p>
+            <a:r>
+              <a:rPr lang="de-DE" dirty="0"/>
+              <a:t>    </a:t>
+            </a:r>
+            <a:r>
+              <a:rPr lang="de-DE" dirty="0" err="1"/>
+              <a:t>if</a:t>
+            </a:r>
+            <a:r>
+              <a:rPr lang="de-DE" dirty="0"/>
+              <a:t> (</a:t>
+            </a:r>
+            <a:r>
+              <a:rPr lang="de-DE" dirty="0" err="1"/>
+              <a:t>typeof</a:t>
+            </a:r>
+            <a:r>
+              <a:rPr lang="de-DE" dirty="0"/>
+              <a:t> </a:t>
+            </a:r>
+            <a:r>
+              <a:rPr lang="de-DE" dirty="0" err="1"/>
+              <a:t>vatCalculator.types</a:t>
+            </a:r>
+            <a:r>
+              <a:rPr lang="de-DE" dirty="0"/>
+              <a:t>[</a:t>
+            </a:r>
+            <a:r>
+              <a:rPr lang="de-DE" dirty="0" err="1"/>
+              <a:t>data.vatType</a:t>
+            </a:r>
+            <a:r>
+              <a:rPr lang="de-DE" dirty="0"/>
+              <a:t>] !== "</a:t>
+            </a:r>
+            <a:r>
+              <a:rPr lang="de-DE" dirty="0" err="1"/>
+              <a:t>object</a:t>
+            </a:r>
+            <a:r>
+              <a:rPr lang="de-DE" dirty="0"/>
+              <a:t>") {</a:t>
+            </a:r>
+          </a:p>
+          <a:p>
+            <a:r>
+              <a:rPr lang="de-DE" dirty="0"/>
+              <a:t>        </a:t>
+            </a:r>
+            <a:r>
+              <a:rPr lang="de-DE" dirty="0" err="1"/>
+              <a:t>throw</a:t>
+            </a:r>
+            <a:r>
+              <a:rPr lang="de-DE" dirty="0"/>
+              <a:t> ("</a:t>
+            </a:r>
+            <a:r>
+              <a:rPr lang="de-DE" dirty="0" err="1"/>
+              <a:t>No</a:t>
+            </a:r>
+            <a:r>
+              <a:rPr lang="de-DE" dirty="0"/>
+              <a:t> </a:t>
+            </a:r>
+            <a:r>
+              <a:rPr lang="de-DE" dirty="0" err="1"/>
+              <a:t>strategy</a:t>
+            </a:r>
+            <a:r>
+              <a:rPr lang="de-DE" dirty="0"/>
+              <a:t> </a:t>
+            </a:r>
+            <a:r>
+              <a:rPr lang="de-DE" dirty="0" err="1"/>
+              <a:t>found</a:t>
+            </a:r>
+            <a:r>
+              <a:rPr lang="de-DE" dirty="0"/>
+              <a:t>.")</a:t>
+            </a:r>
+          </a:p>
+          <a:p>
+            <a:r>
+              <a:rPr lang="de-DE" dirty="0"/>
+              <a:t>    }    </a:t>
+            </a:r>
+          </a:p>
+          <a:p>
+            <a:r>
+              <a:rPr lang="de-DE" dirty="0"/>
+              <a:t>    </a:t>
+            </a:r>
+            <a:r>
+              <a:rPr lang="de-DE" dirty="0" err="1"/>
+              <a:t>return</a:t>
+            </a:r>
+            <a:r>
+              <a:rPr lang="de-DE" dirty="0"/>
+              <a:t> </a:t>
+            </a:r>
+            <a:r>
+              <a:rPr lang="de-DE" dirty="0" err="1"/>
+              <a:t>data.price</a:t>
+            </a:r>
+            <a:r>
+              <a:rPr lang="de-DE" dirty="0"/>
+              <a:t> + </a:t>
+            </a:r>
+            <a:r>
+              <a:rPr lang="de-DE" dirty="0" err="1"/>
+              <a:t>vatCalculator.types</a:t>
+            </a:r>
+            <a:r>
+              <a:rPr lang="de-DE" dirty="0"/>
+              <a:t>[</a:t>
+            </a:r>
+            <a:r>
+              <a:rPr lang="de-DE" dirty="0" err="1"/>
+              <a:t>data.vatType</a:t>
+            </a:r>
+            <a:r>
+              <a:rPr lang="de-DE" dirty="0"/>
+              <a:t>].</a:t>
+            </a:r>
+            <a:r>
+              <a:rPr lang="de-DE" dirty="0" err="1"/>
+              <a:t>calculate</a:t>
+            </a:r>
+            <a:r>
+              <a:rPr lang="de-DE" dirty="0"/>
+              <a:t>(</a:t>
+            </a:r>
+            <a:r>
+              <a:rPr lang="de-DE" dirty="0" err="1"/>
+              <a:t>data.price</a:t>
+            </a:r>
+            <a:r>
+              <a:rPr lang="de-DE" dirty="0"/>
+              <a:t>);</a:t>
+            </a:r>
+          </a:p>
+          <a:p>
+            <a:r>
+              <a:rPr lang="de-DE" dirty="0"/>
+              <a:t>}</a:t>
+            </a:r>
+          </a:p>
+          <a:p>
+            <a:endParaRPr lang="de-DE" dirty="0"/>
+          </a:p>
+          <a:p>
+            <a:r>
+              <a:rPr lang="de-DE" dirty="0" err="1" smtClean="0"/>
+              <a:t>calculatePrice</a:t>
+            </a:r>
+            <a:r>
+              <a:rPr lang="de-DE" dirty="0"/>
+              <a:t>(</a:t>
+            </a:r>
+            <a:r>
+              <a:rPr lang="de-DE" dirty="0" err="1"/>
+              <a:t>food</a:t>
+            </a:r>
+            <a:r>
+              <a:rPr lang="de-DE" dirty="0" smtClean="0"/>
+              <a:t>); </a:t>
+            </a:r>
+            <a:r>
+              <a:rPr lang="de-DE" dirty="0"/>
+              <a:t>// 5.35</a:t>
+            </a:r>
+          </a:p>
+          <a:p>
+            <a:endParaRPr lang="de-DE" dirty="0"/>
+          </a:p>
+        </p:txBody>
+      </p:sp>
+      <p:sp>
+        <p:nvSpPr>
+          <p:cNvPr id="3" name="Titel 2"/>
+          <p:cNvSpPr>
+            <a:spLocks noGrp="1"/>
+          </p:cNvSpPr>
+          <p:nvPr>
+            <p:ph type="title"/>
+          </p:nvPr>
+        </p:nvSpPr>
+        <p:spPr/>
+        <p:txBody>
+          <a:bodyPr/>
+          <a:lstStyle/>
+          <a:p>
+            <a:r>
+              <a:rPr lang="de-DE" dirty="0" err="1" smtClean="0"/>
+              <a:t>Strategy</a:t>
+            </a:r>
+            <a:endParaRPr lang="de-DE" dirty="0"/>
+          </a:p>
+        </p:txBody>
+      </p:sp>
+    </p:spTree>
+    <p:extLst>
+      <p:ext uri="{BB962C8B-B14F-4D97-AF65-F5344CB8AC3E}">
+        <p14:creationId xmlns:p14="http://schemas.microsoft.com/office/powerpoint/2010/main" val="3941232812"/>
+      </p:ext>
+    </p:extLst>
+  </p:cSld>
+  <p:clrMapOvr>
+    <a:masterClrMapping/>
+  </p:clrMapOvr>
+  <mc:AlternateContent xmlns:mc="http://schemas.openxmlformats.org/markup-compatibility/2006" xmlns:p14="http://schemas.microsoft.com/office/powerpoint/2010/main">
+    <mc:Choice Requires="p14">
+      <p:transition spd="slow" p14:dur="2000"/>
+    </mc:Choice>
+    <mc:Fallback xmlns="">
+      <p:transition xmlns:p14="http://schemas.microsoft.com/office/powerpoint/2010/main" spd="slow"/>
+    </mc:Fallback>
+  </mc:AlternateContent>
+</p:sld>
+</file>
+
+<file path=ppt/slides/slide27.xml><?xml version="1.0" encoding="utf-8"?>
+<p:sld xmlns:a="http://schemas.openxmlformats.org/drawingml/2006/main" xmlns:r="http://schemas.openxmlformats.org/officeDocument/2006/relationships" xmlns:p="http://schemas.openxmlformats.org/presentationml/2006/main">
+  <p:cSld>
+    <p:spTree>
+      <p:nvGrpSpPr>
+        <p:cNvPr id="1" name=""/>
+        <p:cNvGrpSpPr/>
+        <p:nvPr/>
+      </p:nvGrpSpPr>
+      <p:grpSpPr>
+        <a:xfrm>
+          <a:off x="0" y="0"/>
+          <a:ext cx="0" cy="0"/>
+          <a:chOff x="0" y="0"/>
+          <a:chExt cx="0" cy="0"/>
+        </a:xfrm>
+      </p:grpSpPr>
+      <p:sp>
+        <p:nvSpPr>
+          <p:cNvPr id="2" name="Inhaltsplatzhalter 1"/>
+          <p:cNvSpPr>
+            <a:spLocks noGrp="1"/>
+          </p:cNvSpPr>
+          <p:nvPr>
+            <p:ph idx="1"/>
+          </p:nvPr>
+        </p:nvSpPr>
+        <p:spPr/>
+        <p:txBody>
+          <a:bodyPr/>
+          <a:lstStyle/>
+          <a:p>
+            <a:pPr marL="0" indent="0">
+              <a:buNone/>
+            </a:pPr>
+            <a:r>
+              <a:rPr lang="de-DE" dirty="0"/>
+              <a:t>Bridge entkoppelt eine konkrete Implementierung von einer abstrakten </a:t>
+            </a:r>
+            <a:r>
+              <a:rPr lang="de-DE" dirty="0" smtClean="0"/>
+              <a:t>Schnittstelle</a:t>
+            </a:r>
+          </a:p>
+          <a:p>
+            <a:pPr marL="0" indent="0">
+              <a:buNone/>
+            </a:pPr>
+            <a:r>
+              <a:rPr lang="de-DE" dirty="0"/>
+              <a:t>beide unabhängig voneinander </a:t>
+            </a:r>
+            <a:r>
+              <a:rPr lang="de-DE" dirty="0" smtClean="0"/>
+              <a:t>veränderbar</a:t>
+            </a:r>
+          </a:p>
+          <a:p>
+            <a:pPr marL="0" indent="0">
+              <a:buNone/>
+            </a:pPr>
+            <a:r>
+              <a:rPr lang="de-DE" dirty="0" smtClean="0"/>
+              <a:t>hilft bei Trennung von fachlichem und technischem Code</a:t>
+            </a:r>
+            <a:endParaRPr lang="de-DE" dirty="0"/>
+          </a:p>
+        </p:txBody>
+      </p:sp>
+      <p:sp>
+        <p:nvSpPr>
+          <p:cNvPr id="3" name="Titel 2"/>
+          <p:cNvSpPr>
+            <a:spLocks noGrp="1"/>
+          </p:cNvSpPr>
+          <p:nvPr>
+            <p:ph type="title"/>
+          </p:nvPr>
+        </p:nvSpPr>
+        <p:spPr/>
+        <p:txBody>
+          <a:bodyPr/>
+          <a:lstStyle/>
+          <a:p>
+            <a:r>
+              <a:rPr lang="de-DE" dirty="0" smtClean="0"/>
+              <a:t>Bridge</a:t>
+            </a:r>
+            <a:endParaRPr lang="de-DE" dirty="0"/>
+          </a:p>
+        </p:txBody>
+      </p:sp>
+    </p:spTree>
+    <p:extLst>
+      <p:ext uri="{BB962C8B-B14F-4D97-AF65-F5344CB8AC3E}">
+        <p14:creationId xmlns:p14="http://schemas.microsoft.com/office/powerpoint/2010/main" val="2296295500"/>
+      </p:ext>
+    </p:extLst>
+  </p:cSld>
+  <p:clrMapOvr>
+    <a:masterClrMapping/>
+  </p:clrMapOvr>
+  <mc:AlternateContent xmlns:mc="http://schemas.openxmlformats.org/markup-compatibility/2006" xmlns:p14="http://schemas.microsoft.com/office/powerpoint/2010/main">
+    <mc:Choice Requires="p14">
+      <p:transition spd="slow" p14:dur="2000"/>
+    </mc:Choice>
+    <mc:Fallback xmlns="">
+      <p:transition xmlns:p14="http://schemas.microsoft.com/office/powerpoint/2010/main" spd="slow"/>
+    </mc:Fallback>
+  </mc:AlternateContent>
+</p:sld>
+</file>
+
+<file path=ppt/slides/slide28.xml><?xml version="1.0" encoding="utf-8"?>
+<p:sld xmlns:a="http://schemas.openxmlformats.org/drawingml/2006/main" xmlns:r="http://schemas.openxmlformats.org/officeDocument/2006/relationships" xmlns:p="http://schemas.openxmlformats.org/presentationml/2006/main">
+  <p:cSld>
+    <p:spTree>
+      <p:nvGrpSpPr>
+        <p:cNvPr id="1" name=""/>
+        <p:cNvGrpSpPr/>
+        <p:nvPr/>
+      </p:nvGrpSpPr>
+      <p:grpSpPr>
+        <a:xfrm>
+          <a:off x="0" y="0"/>
+          <a:ext cx="0" cy="0"/>
+          <a:chOff x="0" y="0"/>
+          <a:chExt cx="0" cy="0"/>
+        </a:xfrm>
+      </p:grpSpPr>
+      <p:sp>
+        <p:nvSpPr>
+          <p:cNvPr id="2" name="Inhaltsplatzhalter 1"/>
+          <p:cNvSpPr>
+            <a:spLocks noGrp="1"/>
+          </p:cNvSpPr>
+          <p:nvPr>
+            <p:ph idx="1"/>
+          </p:nvPr>
+        </p:nvSpPr>
+        <p:spPr/>
+        <p:txBody>
+          <a:bodyPr>
+            <a:normAutofit lnSpcReduction="10000"/>
+          </a:bodyPr>
+          <a:lstStyle/>
+          <a:p>
+            <a:r>
+              <a:rPr lang="de-DE" dirty="0" err="1"/>
+              <a:t>function</a:t>
+            </a:r>
+            <a:r>
+              <a:rPr lang="de-DE" dirty="0"/>
+              <a:t> </a:t>
+            </a:r>
+            <a:r>
+              <a:rPr lang="de-DE" dirty="0" err="1"/>
+              <a:t>getUser</a:t>
+            </a:r>
+            <a:r>
+              <a:rPr lang="de-DE" dirty="0"/>
+              <a:t>(</a:t>
+            </a:r>
+            <a:r>
+              <a:rPr lang="de-DE" dirty="0" err="1"/>
+              <a:t>req</a:t>
+            </a:r>
+            <a:r>
+              <a:rPr lang="de-DE" dirty="0"/>
+              <a:t>, </a:t>
+            </a:r>
+            <a:r>
+              <a:rPr lang="de-DE" dirty="0" err="1"/>
+              <a:t>res</a:t>
+            </a:r>
+            <a:r>
+              <a:rPr lang="de-DE" dirty="0"/>
+              <a:t>, </a:t>
+            </a:r>
+            <a:r>
+              <a:rPr lang="de-DE" dirty="0" err="1"/>
+              <a:t>next</a:t>
+            </a:r>
+            <a:r>
+              <a:rPr lang="de-DE" dirty="0"/>
+              <a:t>) {</a:t>
+            </a:r>
+          </a:p>
+          <a:p>
+            <a:r>
+              <a:rPr lang="de-DE" dirty="0"/>
+              <a:t>  </a:t>
+            </a:r>
+            <a:r>
+              <a:rPr lang="de-DE" dirty="0" err="1"/>
+              <a:t>var</a:t>
+            </a:r>
+            <a:r>
+              <a:rPr lang="de-DE" dirty="0"/>
+              <a:t> </a:t>
+            </a:r>
+            <a:r>
+              <a:rPr lang="de-DE" dirty="0" err="1"/>
+              <a:t>name</a:t>
+            </a:r>
+            <a:r>
+              <a:rPr lang="de-DE" dirty="0"/>
+              <a:t> = </a:t>
+            </a:r>
+            <a:r>
+              <a:rPr lang="de-DE" dirty="0" err="1"/>
+              <a:t>req.params.name</a:t>
+            </a:r>
+            <a:r>
+              <a:rPr lang="de-DE" dirty="0"/>
+              <a:t>;</a:t>
+            </a:r>
+          </a:p>
+          <a:p>
+            <a:r>
+              <a:rPr lang="de-DE" dirty="0"/>
+              <a:t>  </a:t>
+            </a:r>
+            <a:r>
+              <a:rPr lang="de-DE" dirty="0" err="1"/>
+              <a:t>for</a:t>
+            </a:r>
+            <a:r>
+              <a:rPr lang="de-DE" dirty="0"/>
+              <a:t> (i = 0; i &lt; </a:t>
+            </a:r>
+            <a:r>
+              <a:rPr lang="de-DE" dirty="0" err="1"/>
+              <a:t>users.length</a:t>
+            </a:r>
+            <a:r>
+              <a:rPr lang="de-DE" dirty="0"/>
+              <a:t>; i++) {</a:t>
+            </a:r>
+          </a:p>
+          <a:p>
+            <a:r>
+              <a:rPr lang="de-DE" dirty="0"/>
+              <a:t>    </a:t>
+            </a:r>
+            <a:r>
+              <a:rPr lang="de-DE" dirty="0" err="1"/>
+              <a:t>if</a:t>
+            </a:r>
+            <a:r>
+              <a:rPr lang="de-DE" dirty="0"/>
+              <a:t> (</a:t>
+            </a:r>
+            <a:r>
+              <a:rPr lang="de-DE" dirty="0" err="1"/>
+              <a:t>users</a:t>
+            </a:r>
+            <a:r>
+              <a:rPr lang="de-DE" dirty="0"/>
+              <a:t>[i].</a:t>
+            </a:r>
+            <a:r>
+              <a:rPr lang="de-DE" dirty="0" err="1"/>
+              <a:t>name</a:t>
+            </a:r>
+            <a:r>
+              <a:rPr lang="de-DE" dirty="0"/>
+              <a:t> === </a:t>
+            </a:r>
+            <a:r>
+              <a:rPr lang="de-DE" dirty="0" err="1"/>
+              <a:t>name</a:t>
+            </a:r>
+            <a:r>
+              <a:rPr lang="de-DE" dirty="0"/>
+              <a:t>) {</a:t>
+            </a:r>
+          </a:p>
+          <a:p>
+            <a:r>
+              <a:rPr lang="de-DE" dirty="0"/>
+              <a:t>        </a:t>
+            </a:r>
+            <a:r>
+              <a:rPr lang="de-DE" dirty="0" err="1"/>
+              <a:t>req.user</a:t>
+            </a:r>
+            <a:r>
+              <a:rPr lang="de-DE" dirty="0"/>
+              <a:t> = </a:t>
+            </a:r>
+            <a:r>
+              <a:rPr lang="de-DE" dirty="0" err="1"/>
+              <a:t>users</a:t>
+            </a:r>
+            <a:r>
+              <a:rPr lang="de-DE" dirty="0"/>
+              <a:t>[i];</a:t>
+            </a:r>
+          </a:p>
+          <a:p>
+            <a:r>
+              <a:rPr lang="de-DE" dirty="0"/>
+              <a:t>        </a:t>
+            </a:r>
+            <a:r>
+              <a:rPr lang="de-DE" dirty="0" err="1"/>
+              <a:t>next</a:t>
+            </a:r>
+            <a:r>
+              <a:rPr lang="de-DE" dirty="0"/>
+              <a:t>();</a:t>
+            </a:r>
+          </a:p>
+          <a:p>
+            <a:r>
+              <a:rPr lang="de-DE" dirty="0"/>
+              <a:t>        </a:t>
+            </a:r>
+            <a:r>
+              <a:rPr lang="de-DE" dirty="0" err="1"/>
+              <a:t>return</a:t>
+            </a:r>
+            <a:r>
+              <a:rPr lang="de-DE" dirty="0"/>
+              <a:t>;</a:t>
+            </a:r>
+          </a:p>
+          <a:p>
+            <a:r>
+              <a:rPr lang="de-DE" dirty="0"/>
+              <a:t>    }</a:t>
+            </a:r>
+          </a:p>
+          <a:p>
+            <a:r>
+              <a:rPr lang="de-DE" dirty="0"/>
+              <a:t>  }</a:t>
+            </a:r>
+          </a:p>
+          <a:p>
+            <a:r>
+              <a:rPr lang="de-DE" dirty="0"/>
+              <a:t>  </a:t>
+            </a:r>
+            <a:r>
+              <a:rPr lang="de-DE" dirty="0" err="1"/>
+              <a:t>throw</a:t>
+            </a:r>
+            <a:r>
+              <a:rPr lang="de-DE" dirty="0"/>
+              <a:t> </a:t>
+            </a:r>
+            <a:r>
+              <a:rPr lang="de-DE" dirty="0" err="1"/>
+              <a:t>new</a:t>
+            </a:r>
+            <a:r>
+              <a:rPr lang="de-DE" dirty="0"/>
+              <a:t> </a:t>
+            </a:r>
+            <a:r>
+              <a:rPr lang="de-DE" dirty="0" err="1"/>
+              <a:t>NotFound</a:t>
+            </a:r>
+            <a:r>
+              <a:rPr lang="de-DE" dirty="0"/>
+              <a:t>("Sorry, dieser Nutzer existiert leider nicht!");</a:t>
+            </a:r>
+          </a:p>
+          <a:p>
+            <a:r>
+              <a:rPr lang="de-DE" dirty="0"/>
+              <a:t>}</a:t>
+            </a:r>
+          </a:p>
+          <a:p>
+            <a:endParaRPr lang="de-DE" dirty="0"/>
+          </a:p>
+        </p:txBody>
+      </p:sp>
+      <p:sp>
+        <p:nvSpPr>
+          <p:cNvPr id="3" name="Titel 2"/>
+          <p:cNvSpPr>
+            <a:spLocks noGrp="1"/>
+          </p:cNvSpPr>
+          <p:nvPr>
+            <p:ph type="title"/>
+          </p:nvPr>
+        </p:nvSpPr>
+        <p:spPr/>
+        <p:txBody>
+          <a:bodyPr/>
+          <a:lstStyle/>
+          <a:p>
+            <a:r>
+              <a:rPr lang="de-DE" dirty="0" smtClean="0"/>
+              <a:t>Bridge</a:t>
+            </a:r>
+            <a:endParaRPr lang="de-DE" dirty="0"/>
+          </a:p>
+        </p:txBody>
+      </p:sp>
+    </p:spTree>
+    <p:extLst>
+      <p:ext uri="{BB962C8B-B14F-4D97-AF65-F5344CB8AC3E}">
+        <p14:creationId xmlns:p14="http://schemas.microsoft.com/office/powerpoint/2010/main" val="88556153"/>
+      </p:ext>
+    </p:extLst>
+  </p:cSld>
+  <p:clrMapOvr>
+    <a:masterClrMapping/>
+  </p:clrMapOvr>
+  <mc:AlternateContent xmlns:mc="http://schemas.openxmlformats.org/markup-compatibility/2006" xmlns:p14="http://schemas.microsoft.com/office/powerpoint/2010/main">
+    <mc:Choice Requires="p14">
+      <p:transition spd="slow" p14:dur="2000"/>
+    </mc:Choice>
+    <mc:Fallback xmlns="">
+      <p:transition xmlns:p14="http://schemas.microsoft.com/office/powerpoint/2010/main" spd="slow"/>
+    </mc:Fallback>
+  </mc:AlternateContent>
+</p:sld>
+</file>
+
+<file path=ppt/slides/slide29.xml><?xml version="1.0" encoding="utf-8"?>
+<p:sld xmlns:a="http://schemas.openxmlformats.org/drawingml/2006/main" xmlns:r="http://schemas.openxmlformats.org/officeDocument/2006/relationships" xmlns:p="http://schemas.openxmlformats.org/presentationml/2006/main">
+  <p:cSld>
+    <p:spTree>
+      <p:nvGrpSpPr>
+        <p:cNvPr id="1" name=""/>
+        <p:cNvGrpSpPr/>
+        <p:nvPr/>
+      </p:nvGrpSpPr>
+      <p:grpSpPr>
+        <a:xfrm>
+          <a:off x="0" y="0"/>
+          <a:ext cx="0" cy="0"/>
+          <a:chOff x="0" y="0"/>
+          <a:chExt cx="0" cy="0"/>
+        </a:xfrm>
+      </p:grpSpPr>
+      <p:sp>
+        <p:nvSpPr>
+          <p:cNvPr id="2" name="Inhaltsplatzhalter 1"/>
+          <p:cNvSpPr>
+            <a:spLocks noGrp="1"/>
+          </p:cNvSpPr>
+          <p:nvPr>
+            <p:ph idx="1"/>
+          </p:nvPr>
+        </p:nvSpPr>
+        <p:spPr/>
+        <p:txBody>
+          <a:bodyPr/>
+          <a:lstStyle/>
+          <a:p>
+            <a:r>
+              <a:rPr lang="de-DE" dirty="0" err="1"/>
+              <a:t>function</a:t>
+            </a:r>
+            <a:r>
+              <a:rPr lang="de-DE" dirty="0"/>
+              <a:t> </a:t>
+            </a:r>
+            <a:r>
+              <a:rPr lang="de-DE" dirty="0" err="1"/>
+              <a:t>getUser</a:t>
+            </a:r>
+            <a:r>
+              <a:rPr lang="de-DE" dirty="0"/>
+              <a:t>(</a:t>
+            </a:r>
+            <a:r>
+              <a:rPr lang="de-DE" dirty="0" err="1"/>
+              <a:t>name</a:t>
+            </a:r>
+            <a:r>
+              <a:rPr lang="de-DE" dirty="0"/>
+              <a:t>) {</a:t>
+            </a:r>
+          </a:p>
+          <a:p>
+            <a:r>
+              <a:rPr lang="de-DE" dirty="0"/>
+              <a:t>    </a:t>
+            </a:r>
+            <a:r>
+              <a:rPr lang="de-DE" dirty="0" err="1"/>
+              <a:t>for</a:t>
+            </a:r>
+            <a:r>
+              <a:rPr lang="de-DE" dirty="0"/>
+              <a:t> (i = 0; i &lt; </a:t>
+            </a:r>
+            <a:r>
+              <a:rPr lang="de-DE" dirty="0" err="1"/>
+              <a:t>users.length</a:t>
+            </a:r>
+            <a:r>
+              <a:rPr lang="de-DE" dirty="0"/>
+              <a:t>; i++) {</a:t>
+            </a:r>
+          </a:p>
+          <a:p>
+            <a:r>
+              <a:rPr lang="de-DE" dirty="0"/>
+              <a:t>        </a:t>
+            </a:r>
+            <a:r>
+              <a:rPr lang="de-DE" dirty="0" err="1"/>
+              <a:t>if</a:t>
+            </a:r>
+            <a:r>
+              <a:rPr lang="de-DE" dirty="0"/>
+              <a:t> (</a:t>
+            </a:r>
+            <a:r>
+              <a:rPr lang="de-DE" dirty="0" err="1"/>
+              <a:t>users</a:t>
+            </a:r>
+            <a:r>
+              <a:rPr lang="de-DE" dirty="0"/>
+              <a:t>[i].</a:t>
+            </a:r>
+            <a:r>
+              <a:rPr lang="de-DE" dirty="0" err="1"/>
+              <a:t>name</a:t>
+            </a:r>
+            <a:r>
+              <a:rPr lang="de-DE" dirty="0"/>
+              <a:t> === </a:t>
+            </a:r>
+            <a:r>
+              <a:rPr lang="de-DE" dirty="0" err="1"/>
+              <a:t>name</a:t>
+            </a:r>
+            <a:r>
+              <a:rPr lang="de-DE" dirty="0"/>
+              <a:t>) {</a:t>
+            </a:r>
+          </a:p>
+          <a:p>
+            <a:r>
+              <a:rPr lang="de-DE" dirty="0"/>
+              <a:t>         </a:t>
+            </a:r>
+            <a:r>
+              <a:rPr lang="de-DE" dirty="0" err="1"/>
+              <a:t>return</a:t>
+            </a:r>
+            <a:r>
+              <a:rPr lang="de-DE" dirty="0"/>
+              <a:t> </a:t>
+            </a:r>
+            <a:r>
+              <a:rPr lang="de-DE" dirty="0" err="1"/>
+              <a:t>user</a:t>
+            </a:r>
+            <a:r>
+              <a:rPr lang="de-DE" dirty="0"/>
+              <a:t>;</a:t>
+            </a:r>
+          </a:p>
+          <a:p>
+            <a:r>
+              <a:rPr lang="de-DE" dirty="0"/>
+              <a:t>        }</a:t>
+            </a:r>
+          </a:p>
+          <a:p>
+            <a:r>
+              <a:rPr lang="de-DE" dirty="0"/>
+              <a:t>    }</a:t>
+            </a:r>
+          </a:p>
+          <a:p>
+            <a:r>
+              <a:rPr lang="de-DE" dirty="0"/>
+              <a:t>    </a:t>
+            </a:r>
+            <a:r>
+              <a:rPr lang="de-DE" dirty="0" err="1"/>
+              <a:t>throw</a:t>
+            </a:r>
+            <a:r>
+              <a:rPr lang="de-DE" dirty="0"/>
+              <a:t> </a:t>
+            </a:r>
+            <a:r>
+              <a:rPr lang="de-DE" dirty="0" err="1"/>
+              <a:t>new</a:t>
+            </a:r>
+            <a:r>
+              <a:rPr lang="de-DE" dirty="0"/>
+              <a:t> </a:t>
+            </a:r>
+            <a:r>
+              <a:rPr lang="de-DE" dirty="0" err="1"/>
+              <a:t>NotFound</a:t>
+            </a:r>
+            <a:r>
+              <a:rPr lang="de-DE" dirty="0"/>
+              <a:t>("Sorry, dieser Nutzer existiert leider nicht!");</a:t>
+            </a:r>
+          </a:p>
+          <a:p>
+            <a:r>
+              <a:rPr lang="de-DE" dirty="0"/>
+              <a:t>}</a:t>
+            </a:r>
+          </a:p>
+          <a:p>
+            <a:endParaRPr lang="de-DE" dirty="0"/>
+          </a:p>
+        </p:txBody>
+      </p:sp>
+      <p:sp>
+        <p:nvSpPr>
+          <p:cNvPr id="3" name="Titel 2"/>
+          <p:cNvSpPr>
+            <a:spLocks noGrp="1"/>
+          </p:cNvSpPr>
+          <p:nvPr>
+            <p:ph type="title"/>
+          </p:nvPr>
+        </p:nvSpPr>
+        <p:spPr/>
+        <p:txBody>
+          <a:bodyPr/>
+          <a:lstStyle/>
+          <a:p>
+            <a:r>
+              <a:rPr lang="de-DE" dirty="0" smtClean="0"/>
+              <a:t>Bridge</a:t>
+            </a:r>
+            <a:endParaRPr lang="de-DE" dirty="0"/>
+          </a:p>
+        </p:txBody>
+      </p:sp>
+    </p:spTree>
+    <p:extLst>
+      <p:ext uri="{BB962C8B-B14F-4D97-AF65-F5344CB8AC3E}">
+        <p14:creationId xmlns:p14="http://schemas.microsoft.com/office/powerpoint/2010/main" val="2712957630"/>
+      </p:ext>
+    </p:extLst>
+  </p:cSld>
+  <p:clrMapOvr>
+    <a:masterClrMapping/>
+  </p:clrMapOvr>
+  <mc:AlternateContent xmlns:mc="http://schemas.openxmlformats.org/markup-compatibility/2006" xmlns:p14="http://schemas.microsoft.com/office/powerpoint/2010/main">
+    <mc:Choice Requires="p14">
+      <p:transition spd="slow" p14:dur="2000"/>
+    </mc:Choice>
+    <mc:Fallback xmlns="">
+      <p:transition xmlns:p14="http://schemas.microsoft.com/office/powerpoint/2010/main" spd="slow"/>
+    </mc:Fallback>
+  </mc:AlternateContent>
 </p:sld>
 </file>
 
@@ -4898,6 +8504,2104 @@
 </p:sld>
 </file>
 
+<file path=ppt/slides/slide30.xml><?xml version="1.0" encoding="utf-8"?>
+<p:sld xmlns:a="http://schemas.openxmlformats.org/drawingml/2006/main" xmlns:r="http://schemas.openxmlformats.org/officeDocument/2006/relationships" xmlns:p="http://schemas.openxmlformats.org/presentationml/2006/main">
+  <p:cSld>
+    <p:spTree>
+      <p:nvGrpSpPr>
+        <p:cNvPr id="1" name=""/>
+        <p:cNvGrpSpPr/>
+        <p:nvPr/>
+      </p:nvGrpSpPr>
+      <p:grpSpPr>
+        <a:xfrm>
+          <a:off x="0" y="0"/>
+          <a:ext cx="0" cy="0"/>
+          <a:chOff x="0" y="0"/>
+          <a:chExt cx="0" cy="0"/>
+        </a:xfrm>
+      </p:grpSpPr>
+      <p:sp>
+        <p:nvSpPr>
+          <p:cNvPr id="2" name="Inhaltsplatzhalter 1"/>
+          <p:cNvSpPr>
+            <a:spLocks noGrp="1"/>
+          </p:cNvSpPr>
+          <p:nvPr>
+            <p:ph idx="1"/>
+          </p:nvPr>
+        </p:nvSpPr>
+        <p:spPr/>
+        <p:txBody>
+          <a:bodyPr/>
+          <a:lstStyle/>
+          <a:p>
+            <a:r>
+              <a:rPr lang="de-DE" dirty="0" err="1"/>
+              <a:t>function</a:t>
+            </a:r>
+            <a:r>
+              <a:rPr lang="de-DE" dirty="0"/>
+              <a:t> </a:t>
+            </a:r>
+            <a:r>
+              <a:rPr lang="de-DE" dirty="0" err="1"/>
+              <a:t>getUserBridge</a:t>
+            </a:r>
+            <a:r>
+              <a:rPr lang="de-DE" dirty="0"/>
+              <a:t>(</a:t>
+            </a:r>
+            <a:r>
+              <a:rPr lang="de-DE" dirty="0" err="1"/>
+              <a:t>req</a:t>
+            </a:r>
+            <a:r>
+              <a:rPr lang="de-DE" dirty="0"/>
+              <a:t>, </a:t>
+            </a:r>
+            <a:r>
+              <a:rPr lang="de-DE" dirty="0" err="1"/>
+              <a:t>res</a:t>
+            </a:r>
+            <a:r>
+              <a:rPr lang="de-DE" dirty="0"/>
+              <a:t>, </a:t>
+            </a:r>
+            <a:r>
+              <a:rPr lang="de-DE" dirty="0" err="1"/>
+              <a:t>next</a:t>
+            </a:r>
+            <a:r>
+              <a:rPr lang="de-DE" dirty="0"/>
+              <a:t>) {</a:t>
+            </a:r>
+          </a:p>
+          <a:p>
+            <a:r>
+              <a:rPr lang="de-DE" dirty="0"/>
+              <a:t>    </a:t>
+            </a:r>
+            <a:r>
+              <a:rPr lang="de-DE" dirty="0" err="1"/>
+              <a:t>var</a:t>
+            </a:r>
+            <a:r>
+              <a:rPr lang="de-DE" dirty="0"/>
+              <a:t> </a:t>
+            </a:r>
+            <a:r>
+              <a:rPr lang="de-DE" dirty="0" err="1"/>
+              <a:t>name</a:t>
+            </a:r>
+            <a:r>
+              <a:rPr lang="de-DE" dirty="0"/>
+              <a:t> = </a:t>
+            </a:r>
+            <a:r>
+              <a:rPr lang="de-DE" dirty="0" err="1"/>
+              <a:t>req.params.name</a:t>
+            </a:r>
+            <a:r>
+              <a:rPr lang="de-DE" dirty="0"/>
+              <a:t>;</a:t>
+            </a:r>
+          </a:p>
+          <a:p>
+            <a:r>
+              <a:rPr lang="de-DE" dirty="0"/>
+              <a:t>    </a:t>
+            </a:r>
+            <a:r>
+              <a:rPr lang="de-DE" dirty="0" err="1"/>
+              <a:t>var</a:t>
+            </a:r>
+            <a:r>
+              <a:rPr lang="de-DE" dirty="0"/>
+              <a:t> </a:t>
+            </a:r>
+            <a:r>
+              <a:rPr lang="de-DE" dirty="0" err="1"/>
+              <a:t>user</a:t>
+            </a:r>
+            <a:r>
+              <a:rPr lang="de-DE" dirty="0"/>
+              <a:t> = </a:t>
+            </a:r>
+            <a:r>
+              <a:rPr lang="de-DE" dirty="0" err="1"/>
+              <a:t>getUser</a:t>
+            </a:r>
+            <a:r>
+              <a:rPr lang="de-DE" dirty="0"/>
+              <a:t>(</a:t>
+            </a:r>
+            <a:r>
+              <a:rPr lang="de-DE" dirty="0" err="1"/>
+              <a:t>name</a:t>
+            </a:r>
+            <a:r>
+              <a:rPr lang="de-DE" dirty="0"/>
+              <a:t>);</a:t>
+            </a:r>
+          </a:p>
+          <a:p>
+            <a:r>
+              <a:rPr lang="de-DE" dirty="0"/>
+              <a:t>    </a:t>
+            </a:r>
+            <a:r>
+              <a:rPr lang="de-DE" dirty="0" err="1"/>
+              <a:t>req.user</a:t>
+            </a:r>
+            <a:r>
+              <a:rPr lang="de-DE" dirty="0"/>
+              <a:t> = </a:t>
+            </a:r>
+            <a:r>
+              <a:rPr lang="de-DE" dirty="0" err="1"/>
+              <a:t>user</a:t>
+            </a:r>
+            <a:r>
+              <a:rPr lang="de-DE" dirty="0"/>
+              <a:t>;</a:t>
+            </a:r>
+          </a:p>
+          <a:p>
+            <a:r>
+              <a:rPr lang="de-DE" dirty="0"/>
+              <a:t>    </a:t>
+            </a:r>
+            <a:r>
+              <a:rPr lang="de-DE" dirty="0" err="1"/>
+              <a:t>next</a:t>
+            </a:r>
+            <a:r>
+              <a:rPr lang="de-DE" dirty="0"/>
+              <a:t>();</a:t>
+            </a:r>
+          </a:p>
+          <a:p>
+            <a:r>
+              <a:rPr lang="de-DE" dirty="0"/>
+              <a:t>}</a:t>
+            </a:r>
+          </a:p>
+          <a:p>
+            <a:endParaRPr lang="de-DE" dirty="0"/>
+          </a:p>
+        </p:txBody>
+      </p:sp>
+      <p:sp>
+        <p:nvSpPr>
+          <p:cNvPr id="3" name="Titel 2"/>
+          <p:cNvSpPr>
+            <a:spLocks noGrp="1"/>
+          </p:cNvSpPr>
+          <p:nvPr>
+            <p:ph type="title"/>
+          </p:nvPr>
+        </p:nvSpPr>
+        <p:spPr/>
+        <p:txBody>
+          <a:bodyPr/>
+          <a:lstStyle/>
+          <a:p>
+            <a:r>
+              <a:rPr lang="de-DE" dirty="0" smtClean="0"/>
+              <a:t>Bridge</a:t>
+            </a:r>
+            <a:endParaRPr lang="de-DE" dirty="0"/>
+          </a:p>
+        </p:txBody>
+      </p:sp>
+    </p:spTree>
+    <p:extLst>
+      <p:ext uri="{BB962C8B-B14F-4D97-AF65-F5344CB8AC3E}">
+        <p14:creationId xmlns:p14="http://schemas.microsoft.com/office/powerpoint/2010/main" val="3614379424"/>
+      </p:ext>
+    </p:extLst>
+  </p:cSld>
+  <p:clrMapOvr>
+    <a:masterClrMapping/>
+  </p:clrMapOvr>
+  <mc:AlternateContent xmlns:mc="http://schemas.openxmlformats.org/markup-compatibility/2006" xmlns:p14="http://schemas.microsoft.com/office/powerpoint/2010/main">
+    <mc:Choice Requires="p14">
+      <p:transition spd="slow" p14:dur="2000"/>
+    </mc:Choice>
+    <mc:Fallback xmlns="">
+      <p:transition xmlns:p14="http://schemas.microsoft.com/office/powerpoint/2010/main" spd="slow"/>
+    </mc:Fallback>
+  </mc:AlternateContent>
+</p:sld>
+</file>
+
+<file path=ppt/slides/slide31.xml><?xml version="1.0" encoding="utf-8"?>
+<p:sld xmlns:a="http://schemas.openxmlformats.org/drawingml/2006/main" xmlns:r="http://schemas.openxmlformats.org/officeDocument/2006/relationships" xmlns:p="http://schemas.openxmlformats.org/presentationml/2006/main">
+  <p:cSld>
+    <p:spTree>
+      <p:nvGrpSpPr>
+        <p:cNvPr id="1" name=""/>
+        <p:cNvGrpSpPr/>
+        <p:nvPr/>
+      </p:nvGrpSpPr>
+      <p:grpSpPr>
+        <a:xfrm>
+          <a:off x="0" y="0"/>
+          <a:ext cx="0" cy="0"/>
+          <a:chOff x="0" y="0"/>
+          <a:chExt cx="0" cy="0"/>
+        </a:xfrm>
+      </p:grpSpPr>
+      <p:sp>
+        <p:nvSpPr>
+          <p:cNvPr id="2" name="Inhaltsplatzhalter 1"/>
+          <p:cNvSpPr>
+            <a:spLocks noGrp="1"/>
+          </p:cNvSpPr>
+          <p:nvPr>
+            <p:ph idx="1"/>
+          </p:nvPr>
+        </p:nvSpPr>
+        <p:spPr/>
+        <p:txBody>
+          <a:bodyPr/>
+          <a:lstStyle/>
+          <a:p>
+            <a:pPr marL="0" indent="0">
+              <a:buNone/>
+            </a:pPr>
+            <a:r>
+              <a:rPr lang="de-DE" dirty="0"/>
+              <a:t>bietet eine alternative Schnittstelle zu einem </a:t>
+            </a:r>
+            <a:r>
+              <a:rPr lang="de-DE" dirty="0" smtClean="0"/>
+              <a:t>Objekt</a:t>
+            </a:r>
+          </a:p>
+          <a:p>
+            <a:pPr marL="0" indent="0">
+              <a:buNone/>
+            </a:pPr>
+            <a:r>
+              <a:rPr lang="de-DE" dirty="0"/>
+              <a:t>komplexe Schnittstellen </a:t>
+            </a:r>
+            <a:r>
+              <a:rPr lang="de-DE" dirty="0" smtClean="0"/>
+              <a:t>vereinfachen</a:t>
+            </a:r>
+          </a:p>
+          <a:p>
+            <a:pPr marL="0" indent="0">
+              <a:buNone/>
+            </a:pPr>
+            <a:r>
+              <a:rPr lang="de-DE" dirty="0" smtClean="0"/>
+              <a:t>unterschiedliche Implementierungen vereinheitlichen</a:t>
+            </a:r>
+          </a:p>
+          <a:p>
+            <a:pPr marL="0" indent="0">
+              <a:buNone/>
+            </a:pPr>
+            <a:r>
+              <a:rPr lang="de-DE" dirty="0" err="1" smtClean="0"/>
+              <a:t>jQuery</a:t>
+            </a:r>
+            <a:r>
+              <a:rPr lang="de-DE" dirty="0" smtClean="0"/>
+              <a:t> ist z.B. eine </a:t>
+            </a:r>
+            <a:r>
+              <a:rPr lang="de-DE" dirty="0" err="1" smtClean="0"/>
+              <a:t>Facade</a:t>
+            </a:r>
+            <a:r>
+              <a:rPr lang="de-DE" dirty="0" smtClean="0"/>
+              <a:t> für das DOM</a:t>
+            </a:r>
+            <a:endParaRPr lang="de-DE" dirty="0"/>
+          </a:p>
+        </p:txBody>
+      </p:sp>
+      <p:sp>
+        <p:nvSpPr>
+          <p:cNvPr id="3" name="Titel 2"/>
+          <p:cNvSpPr>
+            <a:spLocks noGrp="1"/>
+          </p:cNvSpPr>
+          <p:nvPr>
+            <p:ph type="title"/>
+          </p:nvPr>
+        </p:nvSpPr>
+        <p:spPr/>
+        <p:txBody>
+          <a:bodyPr/>
+          <a:lstStyle/>
+          <a:p>
+            <a:r>
+              <a:rPr lang="de-DE" dirty="0" err="1" smtClean="0"/>
+              <a:t>Facade</a:t>
+            </a:r>
+            <a:endParaRPr lang="de-DE" dirty="0"/>
+          </a:p>
+        </p:txBody>
+      </p:sp>
+    </p:spTree>
+    <p:extLst>
+      <p:ext uri="{BB962C8B-B14F-4D97-AF65-F5344CB8AC3E}">
+        <p14:creationId xmlns:p14="http://schemas.microsoft.com/office/powerpoint/2010/main" val="542602767"/>
+      </p:ext>
+    </p:extLst>
+  </p:cSld>
+  <p:clrMapOvr>
+    <a:masterClrMapping/>
+  </p:clrMapOvr>
+  <mc:AlternateContent xmlns:mc="http://schemas.openxmlformats.org/markup-compatibility/2006" xmlns:p14="http://schemas.microsoft.com/office/powerpoint/2010/main">
+    <mc:Choice Requires="p14">
+      <p:transition spd="slow" p14:dur="2000"/>
+    </mc:Choice>
+    <mc:Fallback xmlns="">
+      <p:transition xmlns:p14="http://schemas.microsoft.com/office/powerpoint/2010/main" spd="slow"/>
+    </mc:Fallback>
+  </mc:AlternateContent>
+</p:sld>
+</file>
+
+<file path=ppt/slides/slide32.xml><?xml version="1.0" encoding="utf-8"?>
+<p:sld xmlns:a="http://schemas.openxmlformats.org/drawingml/2006/main" xmlns:r="http://schemas.openxmlformats.org/officeDocument/2006/relationships" xmlns:p="http://schemas.openxmlformats.org/presentationml/2006/main">
+  <p:cSld>
+    <p:spTree>
+      <p:nvGrpSpPr>
+        <p:cNvPr id="1" name=""/>
+        <p:cNvGrpSpPr/>
+        <p:nvPr/>
+      </p:nvGrpSpPr>
+      <p:grpSpPr>
+        <a:xfrm>
+          <a:off x="0" y="0"/>
+          <a:ext cx="0" cy="0"/>
+          <a:chOff x="0" y="0"/>
+          <a:chExt cx="0" cy="0"/>
+        </a:xfrm>
+      </p:grpSpPr>
+      <p:sp>
+        <p:nvSpPr>
+          <p:cNvPr id="2" name="Inhaltsplatzhalter 1"/>
+          <p:cNvSpPr>
+            <a:spLocks noGrp="1"/>
+          </p:cNvSpPr>
+          <p:nvPr>
+            <p:ph idx="1"/>
+          </p:nvPr>
+        </p:nvSpPr>
+        <p:spPr/>
+        <p:txBody>
+          <a:bodyPr>
+            <a:normAutofit fontScale="47500" lnSpcReduction="20000"/>
+          </a:bodyPr>
+          <a:lstStyle/>
+          <a:p>
+            <a:r>
+              <a:rPr lang="de-DE" dirty="0" err="1"/>
+              <a:t>eventUtil</a:t>
+            </a:r>
+            <a:r>
+              <a:rPr lang="de-DE" dirty="0"/>
+              <a:t> = {</a:t>
+            </a:r>
+          </a:p>
+          <a:p>
+            <a:r>
+              <a:rPr lang="de-DE" dirty="0"/>
+              <a:t>    </a:t>
+            </a:r>
+            <a:r>
+              <a:rPr lang="de-DE" dirty="0" err="1"/>
+              <a:t>stopPropagation</a:t>
+            </a:r>
+            <a:r>
+              <a:rPr lang="de-DE" dirty="0"/>
+              <a:t> : </a:t>
+            </a:r>
+            <a:r>
+              <a:rPr lang="de-DE" dirty="0" err="1"/>
+              <a:t>function</a:t>
+            </a:r>
+            <a:r>
+              <a:rPr lang="de-DE" dirty="0"/>
+              <a:t>(</a:t>
+            </a:r>
+            <a:r>
+              <a:rPr lang="de-DE" dirty="0" err="1"/>
+              <a:t>event</a:t>
+            </a:r>
+            <a:r>
+              <a:rPr lang="de-DE" dirty="0"/>
+              <a:t>) {</a:t>
+            </a:r>
+          </a:p>
+          <a:p>
+            <a:r>
+              <a:rPr lang="de-DE" dirty="0"/>
+              <a:t>        </a:t>
+            </a:r>
+            <a:r>
+              <a:rPr lang="de-DE" dirty="0" err="1"/>
+              <a:t>if</a:t>
+            </a:r>
+            <a:r>
+              <a:rPr lang="de-DE" dirty="0"/>
+              <a:t> (</a:t>
+            </a:r>
+            <a:r>
+              <a:rPr lang="de-DE" dirty="0" err="1"/>
+              <a:t>event.stopPropagation</a:t>
+            </a:r>
+            <a:r>
+              <a:rPr lang="de-DE" dirty="0"/>
+              <a:t>) {</a:t>
+            </a:r>
+          </a:p>
+          <a:p>
+            <a:r>
+              <a:rPr lang="de-DE" dirty="0"/>
+              <a:t>            </a:t>
+            </a:r>
+            <a:r>
+              <a:rPr lang="de-DE" dirty="0" err="1"/>
+              <a:t>event.stopPropagation</a:t>
+            </a:r>
+            <a:r>
+              <a:rPr lang="de-DE" dirty="0"/>
+              <a:t>();</a:t>
+            </a:r>
+          </a:p>
+          <a:p>
+            <a:r>
+              <a:rPr lang="de-DE" dirty="0"/>
+              <a:t>        } </a:t>
+            </a:r>
+            <a:r>
+              <a:rPr lang="de-DE" dirty="0" err="1"/>
+              <a:t>else</a:t>
+            </a:r>
+            <a:r>
+              <a:rPr lang="de-DE" dirty="0"/>
+              <a:t> {</a:t>
+            </a:r>
+          </a:p>
+          <a:p>
+            <a:r>
+              <a:rPr lang="de-DE" dirty="0"/>
+              <a:t>            </a:t>
+            </a:r>
+            <a:r>
+              <a:rPr lang="de-DE" dirty="0" err="1"/>
+              <a:t>event.cancelBubble</a:t>
+            </a:r>
+            <a:r>
+              <a:rPr lang="de-DE" dirty="0"/>
+              <a:t> = true;</a:t>
+            </a:r>
+          </a:p>
+          <a:p>
+            <a:r>
+              <a:rPr lang="de-DE" dirty="0"/>
+              <a:t>        }</a:t>
+            </a:r>
+          </a:p>
+          <a:p>
+            <a:r>
+              <a:rPr lang="de-DE" dirty="0"/>
+              <a:t>    },</a:t>
+            </a:r>
+          </a:p>
+          <a:p>
+            <a:r>
+              <a:rPr lang="de-DE" dirty="0"/>
+              <a:t>    </a:t>
+            </a:r>
+            <a:r>
+              <a:rPr lang="de-DE" dirty="0" err="1"/>
+              <a:t>preventDefault</a:t>
+            </a:r>
+            <a:r>
+              <a:rPr lang="de-DE" dirty="0"/>
+              <a:t> : </a:t>
+            </a:r>
+            <a:r>
+              <a:rPr lang="de-DE" dirty="0" err="1"/>
+              <a:t>function</a:t>
+            </a:r>
+            <a:r>
+              <a:rPr lang="de-DE" dirty="0"/>
+              <a:t>(</a:t>
+            </a:r>
+            <a:r>
+              <a:rPr lang="de-DE" dirty="0" err="1"/>
+              <a:t>event</a:t>
+            </a:r>
+            <a:r>
+              <a:rPr lang="de-DE" dirty="0"/>
+              <a:t>){</a:t>
+            </a:r>
+          </a:p>
+          <a:p>
+            <a:r>
+              <a:rPr lang="de-DE" dirty="0"/>
+              <a:t>        </a:t>
+            </a:r>
+            <a:r>
+              <a:rPr lang="de-DE" dirty="0" err="1"/>
+              <a:t>if</a:t>
+            </a:r>
+            <a:r>
+              <a:rPr lang="de-DE" dirty="0"/>
+              <a:t> (</a:t>
+            </a:r>
+            <a:r>
+              <a:rPr lang="de-DE" dirty="0" err="1"/>
+              <a:t>event.preventDefault</a:t>
+            </a:r>
+            <a:r>
+              <a:rPr lang="de-DE" dirty="0"/>
+              <a:t>) {</a:t>
+            </a:r>
+          </a:p>
+          <a:p>
+            <a:r>
+              <a:rPr lang="de-DE" dirty="0"/>
+              <a:t>            </a:t>
+            </a:r>
+            <a:r>
+              <a:rPr lang="de-DE" dirty="0" err="1"/>
+              <a:t>event.preventDefault</a:t>
+            </a:r>
+            <a:r>
+              <a:rPr lang="de-DE" dirty="0"/>
+              <a:t>();</a:t>
+            </a:r>
+          </a:p>
+          <a:p>
+            <a:r>
+              <a:rPr lang="de-DE" dirty="0"/>
+              <a:t>        } </a:t>
+            </a:r>
+            <a:r>
+              <a:rPr lang="de-DE" dirty="0" err="1"/>
+              <a:t>else</a:t>
+            </a:r>
+            <a:r>
+              <a:rPr lang="de-DE" dirty="0"/>
+              <a:t> {</a:t>
+            </a:r>
+          </a:p>
+          <a:p>
+            <a:r>
+              <a:rPr lang="de-DE" dirty="0"/>
+              <a:t>            </a:t>
+            </a:r>
+            <a:r>
+              <a:rPr lang="de-DE" dirty="0" err="1"/>
+              <a:t>event.returnValue</a:t>
+            </a:r>
+            <a:r>
+              <a:rPr lang="de-DE" dirty="0"/>
+              <a:t> = false;</a:t>
+            </a:r>
+          </a:p>
+          <a:p>
+            <a:r>
+              <a:rPr lang="de-DE" dirty="0"/>
+              <a:t>        }</a:t>
+            </a:r>
+          </a:p>
+          <a:p>
+            <a:r>
+              <a:rPr lang="de-DE" dirty="0"/>
+              <a:t>    }</a:t>
+            </a:r>
+          </a:p>
+          <a:p>
+            <a:r>
+              <a:rPr lang="de-DE" dirty="0"/>
+              <a:t>}</a:t>
+            </a:r>
+          </a:p>
+          <a:p>
+            <a:endParaRPr lang="de-DE" dirty="0"/>
+          </a:p>
+          <a:p>
+            <a:endParaRPr lang="de-DE" dirty="0"/>
+          </a:p>
+        </p:txBody>
+      </p:sp>
+      <p:sp>
+        <p:nvSpPr>
+          <p:cNvPr id="3" name="Titel 2"/>
+          <p:cNvSpPr>
+            <a:spLocks noGrp="1"/>
+          </p:cNvSpPr>
+          <p:nvPr>
+            <p:ph type="title"/>
+          </p:nvPr>
+        </p:nvSpPr>
+        <p:spPr/>
+        <p:txBody>
+          <a:bodyPr/>
+          <a:lstStyle/>
+          <a:p>
+            <a:r>
+              <a:rPr lang="de-DE" dirty="0" err="1" smtClean="0"/>
+              <a:t>Facade</a:t>
+            </a:r>
+            <a:endParaRPr lang="de-DE" dirty="0"/>
+          </a:p>
+        </p:txBody>
+      </p:sp>
+    </p:spTree>
+    <p:extLst>
+      <p:ext uri="{BB962C8B-B14F-4D97-AF65-F5344CB8AC3E}">
+        <p14:creationId xmlns:p14="http://schemas.microsoft.com/office/powerpoint/2010/main" val="247023689"/>
+      </p:ext>
+    </p:extLst>
+  </p:cSld>
+  <p:clrMapOvr>
+    <a:masterClrMapping/>
+  </p:clrMapOvr>
+  <mc:AlternateContent xmlns:mc="http://schemas.openxmlformats.org/markup-compatibility/2006" xmlns:p14="http://schemas.microsoft.com/office/powerpoint/2010/main">
+    <mc:Choice Requires="p14">
+      <p:transition spd="slow" p14:dur="2000"/>
+    </mc:Choice>
+    <mc:Fallback xmlns="">
+      <p:transition xmlns:p14="http://schemas.microsoft.com/office/powerpoint/2010/main" spd="slow"/>
+    </mc:Fallback>
+  </mc:AlternateContent>
+</p:sld>
+</file>
+
+<file path=ppt/slides/slide33.xml><?xml version="1.0" encoding="utf-8"?>
+<p:sld xmlns:a="http://schemas.openxmlformats.org/drawingml/2006/main" xmlns:r="http://schemas.openxmlformats.org/officeDocument/2006/relationships" xmlns:p="http://schemas.openxmlformats.org/presentationml/2006/main">
+  <p:cSld>
+    <p:spTree>
+      <p:nvGrpSpPr>
+        <p:cNvPr id="1" name=""/>
+        <p:cNvGrpSpPr/>
+        <p:nvPr/>
+      </p:nvGrpSpPr>
+      <p:grpSpPr>
+        <a:xfrm>
+          <a:off x="0" y="0"/>
+          <a:ext cx="0" cy="0"/>
+          <a:chOff x="0" y="0"/>
+          <a:chExt cx="0" cy="0"/>
+        </a:xfrm>
+      </p:grpSpPr>
+      <p:sp>
+        <p:nvSpPr>
+          <p:cNvPr id="2" name="Inhaltsplatzhalter 1"/>
+          <p:cNvSpPr>
+            <a:spLocks noGrp="1"/>
+          </p:cNvSpPr>
+          <p:nvPr>
+            <p:ph idx="1"/>
+          </p:nvPr>
+        </p:nvSpPr>
+        <p:spPr/>
+        <p:txBody>
+          <a:bodyPr/>
+          <a:lstStyle/>
+          <a:p>
+            <a:pPr marL="0" indent="0">
+              <a:buNone/>
+            </a:pPr>
+            <a:r>
+              <a:rPr lang="de-DE" dirty="0" smtClean="0"/>
+              <a:t>Proxy kapselt </a:t>
+            </a:r>
+            <a:r>
+              <a:rPr lang="de-DE" dirty="0"/>
+              <a:t>die Schnittstelle zu einem anderen </a:t>
+            </a:r>
+            <a:r>
+              <a:rPr lang="de-DE" dirty="0" smtClean="0"/>
+              <a:t>Objekt</a:t>
+            </a:r>
+          </a:p>
+          <a:p>
+            <a:pPr marL="0" indent="0">
+              <a:buNone/>
+            </a:pPr>
+            <a:r>
+              <a:rPr lang="de-DE" dirty="0"/>
+              <a:t>schützt den Zugriff auf das Objekt</a:t>
+            </a:r>
+          </a:p>
+          <a:p>
+            <a:pPr marL="0" indent="0">
+              <a:buNone/>
+            </a:pPr>
+            <a:r>
+              <a:rPr lang="de-DE" dirty="0" smtClean="0"/>
+              <a:t>sitzt </a:t>
+            </a:r>
+            <a:r>
+              <a:rPr lang="de-DE" dirty="0"/>
+              <a:t>zwischen dem Konsumenten eines Objekts und dem Objekt </a:t>
+            </a:r>
+            <a:r>
+              <a:rPr lang="de-DE" dirty="0" smtClean="0"/>
+              <a:t>selbst</a:t>
+            </a:r>
+          </a:p>
+          <a:p>
+            <a:pPr marL="0" indent="0">
+              <a:buNone/>
+            </a:pPr>
+            <a:r>
+              <a:rPr lang="de-DE" dirty="0" smtClean="0"/>
+              <a:t>kann </a:t>
+            </a:r>
+            <a:r>
+              <a:rPr lang="de-DE" dirty="0"/>
+              <a:t>Initialisierungs- und Caching-Strategien implementieren </a:t>
+            </a:r>
+            <a:r>
+              <a:rPr lang="de-DE" dirty="0" smtClean="0"/>
+              <a:t>(komplexe Zugriffe oder Remote)</a:t>
+            </a:r>
+          </a:p>
+          <a:p>
+            <a:pPr marL="0" indent="0">
+              <a:buNone/>
+            </a:pPr>
+            <a:endParaRPr lang="de-DE" dirty="0"/>
+          </a:p>
+        </p:txBody>
+      </p:sp>
+      <p:sp>
+        <p:nvSpPr>
+          <p:cNvPr id="3" name="Titel 2"/>
+          <p:cNvSpPr>
+            <a:spLocks noGrp="1"/>
+          </p:cNvSpPr>
+          <p:nvPr>
+            <p:ph type="title"/>
+          </p:nvPr>
+        </p:nvSpPr>
+        <p:spPr/>
+        <p:txBody>
+          <a:bodyPr/>
+          <a:lstStyle/>
+          <a:p>
+            <a:r>
+              <a:rPr lang="de-DE" dirty="0" smtClean="0"/>
+              <a:t>Proxy</a:t>
+            </a:r>
+            <a:endParaRPr lang="de-DE" dirty="0"/>
+          </a:p>
+        </p:txBody>
+      </p:sp>
+    </p:spTree>
+    <p:extLst>
+      <p:ext uri="{BB962C8B-B14F-4D97-AF65-F5344CB8AC3E}">
+        <p14:creationId xmlns:p14="http://schemas.microsoft.com/office/powerpoint/2010/main" val="2832802659"/>
+      </p:ext>
+    </p:extLst>
+  </p:cSld>
+  <p:clrMapOvr>
+    <a:masterClrMapping/>
+  </p:clrMapOvr>
+  <mc:AlternateContent xmlns:mc="http://schemas.openxmlformats.org/markup-compatibility/2006" xmlns:p14="http://schemas.microsoft.com/office/powerpoint/2010/main">
+    <mc:Choice Requires="p14">
+      <p:transition spd="slow" p14:dur="2000"/>
+    </mc:Choice>
+    <mc:Fallback xmlns="">
+      <p:transition xmlns:p14="http://schemas.microsoft.com/office/powerpoint/2010/main" spd="slow"/>
+    </mc:Fallback>
+  </mc:AlternateContent>
+</p:sld>
+</file>
+
+<file path=ppt/slides/slide34.xml><?xml version="1.0" encoding="utf-8"?>
+<p:sld xmlns:a="http://schemas.openxmlformats.org/drawingml/2006/main" xmlns:r="http://schemas.openxmlformats.org/officeDocument/2006/relationships" xmlns:p="http://schemas.openxmlformats.org/presentationml/2006/main">
+  <p:cSld>
+    <p:spTree>
+      <p:nvGrpSpPr>
+        <p:cNvPr id="1" name=""/>
+        <p:cNvGrpSpPr/>
+        <p:nvPr/>
+      </p:nvGrpSpPr>
+      <p:grpSpPr>
+        <a:xfrm>
+          <a:off x="0" y="0"/>
+          <a:ext cx="0" cy="0"/>
+          <a:chOff x="0" y="0"/>
+          <a:chExt cx="0" cy="0"/>
+        </a:xfrm>
+      </p:grpSpPr>
+      <p:sp>
+        <p:nvSpPr>
+          <p:cNvPr id="2" name="Inhaltsplatzhalter 1"/>
+          <p:cNvSpPr>
+            <a:spLocks noGrp="1"/>
+          </p:cNvSpPr>
+          <p:nvPr>
+            <p:ph idx="1"/>
+          </p:nvPr>
+        </p:nvSpPr>
+        <p:spPr/>
+        <p:txBody>
+          <a:bodyPr>
+            <a:normAutofit fontScale="47500" lnSpcReduction="20000"/>
+          </a:bodyPr>
+          <a:lstStyle/>
+          <a:p>
+            <a:r>
+              <a:rPr lang="de-DE" dirty="0" err="1"/>
+              <a:t>var</a:t>
+            </a:r>
+            <a:r>
+              <a:rPr lang="de-DE" dirty="0"/>
+              <a:t> </a:t>
+            </a:r>
+            <a:r>
+              <a:rPr lang="de-DE" dirty="0" err="1"/>
+              <a:t>person</a:t>
+            </a:r>
+            <a:r>
+              <a:rPr lang="de-DE" dirty="0"/>
+              <a:t> = {</a:t>
+            </a:r>
+          </a:p>
+          <a:p>
+            <a:r>
+              <a:rPr lang="de-DE" dirty="0"/>
+              <a:t>    </a:t>
+            </a:r>
+            <a:r>
+              <a:rPr lang="de-DE" dirty="0" err="1"/>
+              <a:t>givenName</a:t>
+            </a:r>
+            <a:r>
+              <a:rPr lang="de-DE" dirty="0"/>
+              <a:t> : "Douglas",</a:t>
+            </a:r>
+          </a:p>
+          <a:p>
+            <a:r>
+              <a:rPr lang="de-DE" dirty="0"/>
+              <a:t>    </a:t>
+            </a:r>
+            <a:r>
+              <a:rPr lang="de-DE" dirty="0" err="1"/>
+              <a:t>lastName</a:t>
+            </a:r>
+            <a:r>
+              <a:rPr lang="de-DE" dirty="0"/>
+              <a:t> : "</a:t>
+            </a:r>
+            <a:r>
+              <a:rPr lang="de-DE" dirty="0" err="1"/>
+              <a:t>Crockford</a:t>
+            </a:r>
+            <a:r>
+              <a:rPr lang="de-DE" dirty="0"/>
+              <a:t>",</a:t>
+            </a:r>
+          </a:p>
+          <a:p>
+            <a:r>
+              <a:rPr lang="de-DE" dirty="0"/>
+              <a:t>    </a:t>
+            </a:r>
+            <a:r>
+              <a:rPr lang="de-DE" dirty="0" err="1"/>
+              <a:t>read</a:t>
+            </a:r>
+            <a:r>
+              <a:rPr lang="de-DE" dirty="0"/>
+              <a:t>: </a:t>
+            </a:r>
+            <a:r>
+              <a:rPr lang="de-DE" dirty="0" err="1"/>
+              <a:t>function</a:t>
+            </a:r>
+            <a:r>
+              <a:rPr lang="de-DE" dirty="0"/>
+              <a:t> () {</a:t>
+            </a:r>
+          </a:p>
+          <a:p>
+            <a:r>
+              <a:rPr lang="de-DE" dirty="0"/>
+              <a:t>        </a:t>
+            </a:r>
+            <a:r>
+              <a:rPr lang="de-DE" dirty="0" err="1"/>
+              <a:t>jQuery.getJSON</a:t>
+            </a:r>
+            <a:r>
+              <a:rPr lang="de-DE" dirty="0"/>
+              <a:t>('</a:t>
+            </a:r>
+            <a:r>
+              <a:rPr lang="de-DE" dirty="0" err="1"/>
+              <a:t>person</a:t>
+            </a:r>
+            <a:r>
+              <a:rPr lang="de-DE" dirty="0"/>
+              <a:t>/</a:t>
+            </a:r>
+            <a:r>
+              <a:rPr lang="de-DE" dirty="0" err="1"/>
+              <a:t>douglas_crockford.json</a:t>
+            </a:r>
+            <a:r>
+              <a:rPr lang="de-DE" dirty="0"/>
+              <a:t>', </a:t>
+            </a:r>
+            <a:r>
+              <a:rPr lang="de-DE" dirty="0" err="1"/>
+              <a:t>function</a:t>
+            </a:r>
+            <a:r>
+              <a:rPr lang="de-DE" dirty="0"/>
+              <a:t>(</a:t>
+            </a:r>
+            <a:r>
+              <a:rPr lang="de-DE" dirty="0" err="1"/>
+              <a:t>data</a:t>
+            </a:r>
+            <a:r>
+              <a:rPr lang="de-DE" dirty="0"/>
+              <a:t>) {</a:t>
+            </a:r>
+          </a:p>
+          <a:p>
+            <a:r>
+              <a:rPr lang="de-DE" dirty="0"/>
+              <a:t>            </a:t>
+            </a:r>
+            <a:r>
+              <a:rPr lang="de-DE" dirty="0" err="1"/>
+              <a:t>this.givenName</a:t>
+            </a:r>
+            <a:r>
+              <a:rPr lang="de-DE" dirty="0"/>
+              <a:t> = </a:t>
+            </a:r>
+            <a:r>
+              <a:rPr lang="de-DE" dirty="0" err="1"/>
+              <a:t>data.givenName</a:t>
+            </a:r>
+            <a:r>
+              <a:rPr lang="de-DE" dirty="0"/>
+              <a:t>;</a:t>
+            </a:r>
+          </a:p>
+          <a:p>
+            <a:r>
+              <a:rPr lang="de-DE" dirty="0"/>
+              <a:t>            </a:t>
+            </a:r>
+            <a:r>
+              <a:rPr lang="de-DE" dirty="0" err="1"/>
+              <a:t>this.lastName</a:t>
+            </a:r>
+            <a:r>
+              <a:rPr lang="de-DE" dirty="0"/>
+              <a:t> = </a:t>
+            </a:r>
+            <a:r>
+              <a:rPr lang="de-DE" dirty="0" err="1"/>
+              <a:t>data.lastName</a:t>
+            </a:r>
+            <a:r>
+              <a:rPr lang="de-DE" dirty="0"/>
+              <a:t>;</a:t>
+            </a:r>
+          </a:p>
+          <a:p>
+            <a:r>
+              <a:rPr lang="de-DE" dirty="0"/>
+              <a:t>        });</a:t>
+            </a:r>
+          </a:p>
+          <a:p>
+            <a:r>
+              <a:rPr lang="de-DE" dirty="0"/>
+              <a:t>    },</a:t>
+            </a:r>
+          </a:p>
+          <a:p>
+            <a:r>
+              <a:rPr lang="de-DE" dirty="0"/>
+              <a:t>    update: </a:t>
+            </a:r>
+            <a:r>
+              <a:rPr lang="de-DE" dirty="0" err="1"/>
+              <a:t>function</a:t>
+            </a:r>
+            <a:r>
+              <a:rPr lang="de-DE" dirty="0"/>
+              <a:t>() {</a:t>
+            </a:r>
+          </a:p>
+          <a:p>
+            <a:r>
+              <a:rPr lang="de-DE" dirty="0"/>
+              <a:t>        </a:t>
+            </a:r>
+            <a:r>
+              <a:rPr lang="de-DE" dirty="0" err="1" smtClean="0"/>
+              <a:t>jQuery.post</a:t>
+            </a:r>
+            <a:r>
+              <a:rPr lang="de-DE" dirty="0" smtClean="0"/>
+              <a:t>(</a:t>
+            </a:r>
+            <a:r>
+              <a:rPr lang="de-DE" dirty="0"/>
+              <a:t>'</a:t>
+            </a:r>
+            <a:r>
+              <a:rPr lang="de-DE" dirty="0" err="1"/>
+              <a:t>person</a:t>
+            </a:r>
+            <a:r>
+              <a:rPr lang="de-DE" dirty="0"/>
+              <a:t>/</a:t>
+            </a:r>
+            <a:r>
+              <a:rPr lang="de-DE" dirty="0" err="1"/>
+              <a:t>douglas_crockford.json</a:t>
+            </a:r>
+            <a:r>
+              <a:rPr lang="de-DE" dirty="0"/>
+              <a:t>', {</a:t>
+            </a:r>
+          </a:p>
+          <a:p>
+            <a:r>
+              <a:rPr lang="de-DE" dirty="0"/>
+              <a:t>            </a:t>
+            </a:r>
+            <a:r>
+              <a:rPr lang="de-DE" dirty="0" err="1"/>
+              <a:t>givenName</a:t>
+            </a:r>
+            <a:r>
+              <a:rPr lang="de-DE" dirty="0"/>
+              <a:t>: </a:t>
+            </a:r>
+            <a:r>
+              <a:rPr lang="de-DE" dirty="0" err="1"/>
+              <a:t>this.givenName</a:t>
+            </a:r>
+            <a:r>
+              <a:rPr lang="de-DE" dirty="0"/>
+              <a:t>,</a:t>
+            </a:r>
+          </a:p>
+          <a:p>
+            <a:r>
+              <a:rPr lang="de-DE" dirty="0"/>
+              <a:t>            </a:t>
+            </a:r>
+            <a:r>
+              <a:rPr lang="de-DE" dirty="0" err="1"/>
+              <a:t>lastName</a:t>
+            </a:r>
+            <a:r>
+              <a:rPr lang="de-DE" dirty="0"/>
+              <a:t>: </a:t>
+            </a:r>
+            <a:r>
+              <a:rPr lang="de-DE" dirty="0" err="1"/>
+              <a:t>this.lastName</a:t>
+            </a:r>
+            <a:endParaRPr lang="de-DE" dirty="0"/>
+          </a:p>
+          <a:p>
+            <a:r>
+              <a:rPr lang="de-DE" dirty="0"/>
+              <a:t>        });</a:t>
+            </a:r>
+          </a:p>
+          <a:p>
+            <a:r>
+              <a:rPr lang="de-DE" dirty="0"/>
+              <a:t>    }</a:t>
+            </a:r>
+          </a:p>
+          <a:p>
+            <a:r>
+              <a:rPr lang="de-DE" dirty="0"/>
+              <a:t>}</a:t>
+            </a:r>
+          </a:p>
+          <a:p>
+            <a:endParaRPr lang="de-DE" dirty="0"/>
+          </a:p>
+        </p:txBody>
+      </p:sp>
+      <p:sp>
+        <p:nvSpPr>
+          <p:cNvPr id="3" name="Titel 2"/>
+          <p:cNvSpPr>
+            <a:spLocks noGrp="1"/>
+          </p:cNvSpPr>
+          <p:nvPr>
+            <p:ph type="title"/>
+          </p:nvPr>
+        </p:nvSpPr>
+        <p:spPr/>
+        <p:txBody>
+          <a:bodyPr/>
+          <a:lstStyle/>
+          <a:p>
+            <a:r>
+              <a:rPr lang="de-DE" dirty="0" smtClean="0"/>
+              <a:t>Proxy</a:t>
+            </a:r>
+            <a:endParaRPr lang="de-DE" dirty="0"/>
+          </a:p>
+        </p:txBody>
+      </p:sp>
+    </p:spTree>
+    <p:extLst>
+      <p:ext uri="{BB962C8B-B14F-4D97-AF65-F5344CB8AC3E}">
+        <p14:creationId xmlns:p14="http://schemas.microsoft.com/office/powerpoint/2010/main" val="4088586376"/>
+      </p:ext>
+    </p:extLst>
+  </p:cSld>
+  <p:clrMapOvr>
+    <a:masterClrMapping/>
+  </p:clrMapOvr>
+  <mc:AlternateContent xmlns:mc="http://schemas.openxmlformats.org/markup-compatibility/2006" xmlns:p14="http://schemas.microsoft.com/office/powerpoint/2010/main">
+    <mc:Choice Requires="p14">
+      <p:transition spd="slow" p14:dur="2000"/>
+    </mc:Choice>
+    <mc:Fallback xmlns="">
+      <p:transition xmlns:p14="http://schemas.microsoft.com/office/powerpoint/2010/main" spd="slow"/>
+    </mc:Fallback>
+  </mc:AlternateContent>
+</p:sld>
+</file>
+
+<file path=ppt/slides/slide35.xml><?xml version="1.0" encoding="utf-8"?>
+<p:sld xmlns:a="http://schemas.openxmlformats.org/drawingml/2006/main" xmlns:r="http://schemas.openxmlformats.org/officeDocument/2006/relationships" xmlns:p="http://schemas.openxmlformats.org/presentationml/2006/main">
+  <p:cSld>
+    <p:spTree>
+      <p:nvGrpSpPr>
+        <p:cNvPr id="1" name=""/>
+        <p:cNvGrpSpPr/>
+        <p:nvPr/>
+      </p:nvGrpSpPr>
+      <p:grpSpPr>
+        <a:xfrm>
+          <a:off x="0" y="0"/>
+          <a:ext cx="0" cy="0"/>
+          <a:chOff x="0" y="0"/>
+          <a:chExt cx="0" cy="0"/>
+        </a:xfrm>
+      </p:grpSpPr>
+      <p:sp>
+        <p:nvSpPr>
+          <p:cNvPr id="2" name="Inhaltsplatzhalter 1"/>
+          <p:cNvSpPr>
+            <a:spLocks noGrp="1"/>
+          </p:cNvSpPr>
+          <p:nvPr>
+            <p:ph idx="1"/>
+          </p:nvPr>
+        </p:nvSpPr>
+        <p:spPr/>
+        <p:txBody>
+          <a:bodyPr/>
+          <a:lstStyle/>
+          <a:p>
+            <a:pPr marL="0" indent="0">
+              <a:buNone/>
+            </a:pPr>
+            <a:r>
+              <a:rPr lang="de-DE" dirty="0"/>
+              <a:t>entkoppelt Objekte </a:t>
+            </a:r>
+            <a:r>
+              <a:rPr lang="de-DE" dirty="0" smtClean="0"/>
+              <a:t> -&gt; </a:t>
+            </a:r>
+            <a:r>
+              <a:rPr lang="de-DE" dirty="0"/>
+              <a:t>lose Kopplung </a:t>
+            </a:r>
+            <a:endParaRPr lang="de-DE" dirty="0" smtClean="0"/>
+          </a:p>
+          <a:p>
+            <a:pPr marL="0" indent="0">
+              <a:buNone/>
+            </a:pPr>
+            <a:r>
+              <a:rPr lang="de-DE" dirty="0"/>
+              <a:t>Objekte (</a:t>
+            </a:r>
+            <a:r>
+              <a:rPr lang="de-DE" dirty="0" smtClean="0"/>
+              <a:t>Kollegen) </a:t>
+            </a:r>
+            <a:r>
+              <a:rPr lang="de-DE" dirty="0"/>
+              <a:t>nicht mehr direkt miteinander kommunizieren, sondern über einen Mediator </a:t>
+            </a:r>
+            <a:endParaRPr lang="de-DE" dirty="0" smtClean="0"/>
+          </a:p>
+          <a:p>
+            <a:pPr marL="0" indent="0">
+              <a:buNone/>
+            </a:pPr>
+            <a:r>
+              <a:rPr lang="de-DE" dirty="0"/>
+              <a:t>Wenn ein Kollege sich verändert, dann teilt er dies dem Mediator mit. Der Mediator kommuniziert dann mit allen beteiligten Kollegen, die über diese Änderung informiert werden müssen </a:t>
+            </a:r>
+            <a:r>
+              <a:rPr lang="de-DE" dirty="0" smtClean="0"/>
+              <a:t>.</a:t>
+            </a:r>
+          </a:p>
+          <a:p>
+            <a:pPr marL="0" indent="0">
+              <a:buNone/>
+            </a:pPr>
+            <a:r>
+              <a:rPr lang="de-DE" dirty="0" smtClean="0"/>
+              <a:t>Model</a:t>
+            </a:r>
+            <a:r>
+              <a:rPr lang="de-DE" dirty="0"/>
+              <a:t>-View-Controller (MVC) und Model-View-</a:t>
+            </a:r>
+            <a:r>
+              <a:rPr lang="de-DE" dirty="0" err="1"/>
+              <a:t>Presenter</a:t>
+            </a:r>
+            <a:r>
+              <a:rPr lang="de-DE" dirty="0"/>
+              <a:t> (MVP) </a:t>
+            </a:r>
+            <a:r>
+              <a:rPr lang="de-DE" dirty="0" smtClean="0"/>
+              <a:t>basieren auf dem Mediator-Pattern.</a:t>
+            </a:r>
+            <a:endParaRPr lang="de-DE" dirty="0"/>
+          </a:p>
+        </p:txBody>
+      </p:sp>
+      <p:sp>
+        <p:nvSpPr>
+          <p:cNvPr id="3" name="Titel 2"/>
+          <p:cNvSpPr>
+            <a:spLocks noGrp="1"/>
+          </p:cNvSpPr>
+          <p:nvPr>
+            <p:ph type="title"/>
+          </p:nvPr>
+        </p:nvSpPr>
+        <p:spPr/>
+        <p:txBody>
+          <a:bodyPr/>
+          <a:lstStyle/>
+          <a:p>
+            <a:r>
+              <a:rPr lang="de-DE" dirty="0" smtClean="0"/>
+              <a:t>Mediator</a:t>
+            </a:r>
+            <a:endParaRPr lang="de-DE" dirty="0"/>
+          </a:p>
+        </p:txBody>
+      </p:sp>
+    </p:spTree>
+    <p:extLst>
+      <p:ext uri="{BB962C8B-B14F-4D97-AF65-F5344CB8AC3E}">
+        <p14:creationId xmlns:p14="http://schemas.microsoft.com/office/powerpoint/2010/main" val="2063635766"/>
+      </p:ext>
+    </p:extLst>
+  </p:cSld>
+  <p:clrMapOvr>
+    <a:masterClrMapping/>
+  </p:clrMapOvr>
+  <mc:AlternateContent xmlns:mc="http://schemas.openxmlformats.org/markup-compatibility/2006" xmlns:p14="http://schemas.microsoft.com/office/powerpoint/2010/main">
+    <mc:Choice Requires="p14">
+      <p:transition spd="slow" p14:dur="2000"/>
+    </mc:Choice>
+    <mc:Fallback xmlns="">
+      <p:transition xmlns:p14="http://schemas.microsoft.com/office/powerpoint/2010/main" spd="slow"/>
+    </mc:Fallback>
+  </mc:AlternateContent>
+</p:sld>
+</file>
+
+<file path=ppt/slides/slide36.xml><?xml version="1.0" encoding="utf-8"?>
+<p:sld xmlns:a="http://schemas.openxmlformats.org/drawingml/2006/main" xmlns:r="http://schemas.openxmlformats.org/officeDocument/2006/relationships" xmlns:p="http://schemas.openxmlformats.org/presentationml/2006/main">
+  <p:cSld>
+    <p:spTree>
+      <p:nvGrpSpPr>
+        <p:cNvPr id="1" name=""/>
+        <p:cNvGrpSpPr/>
+        <p:nvPr/>
+      </p:nvGrpSpPr>
+      <p:grpSpPr>
+        <a:xfrm>
+          <a:off x="0" y="0"/>
+          <a:ext cx="0" cy="0"/>
+          <a:chOff x="0" y="0"/>
+          <a:chExt cx="0" cy="0"/>
+        </a:xfrm>
+      </p:grpSpPr>
+      <p:sp>
+        <p:nvSpPr>
+          <p:cNvPr id="2" name="Inhaltsplatzhalter 1"/>
+          <p:cNvSpPr>
+            <a:spLocks noGrp="1"/>
+          </p:cNvSpPr>
+          <p:nvPr>
+            <p:ph idx="1"/>
+          </p:nvPr>
+        </p:nvSpPr>
+        <p:spPr/>
+        <p:txBody>
+          <a:bodyPr/>
+          <a:lstStyle/>
+          <a:p>
+            <a:r>
+              <a:rPr lang="de-DE" dirty="0" err="1"/>
+              <a:t>var</a:t>
+            </a:r>
+            <a:r>
+              <a:rPr lang="de-DE" dirty="0"/>
+              <a:t> </a:t>
+            </a:r>
+            <a:r>
+              <a:rPr lang="de-DE" dirty="0" err="1"/>
+              <a:t>formElement</a:t>
+            </a:r>
+            <a:r>
+              <a:rPr lang="de-DE" dirty="0"/>
+              <a:t> = {</a:t>
+            </a:r>
+          </a:p>
+          <a:p>
+            <a:r>
+              <a:rPr lang="de-DE" dirty="0"/>
+              <a:t>    </a:t>
+            </a:r>
+            <a:r>
+              <a:rPr lang="de-DE" dirty="0" err="1"/>
+              <a:t>value</a:t>
+            </a:r>
+            <a:r>
+              <a:rPr lang="de-DE" dirty="0"/>
+              <a:t> : "",</a:t>
+            </a:r>
+          </a:p>
+          <a:p>
+            <a:r>
+              <a:rPr lang="de-DE" dirty="0"/>
+              <a:t>    </a:t>
+            </a:r>
+            <a:r>
+              <a:rPr lang="de-DE" dirty="0" err="1"/>
+              <a:t>setValue</a:t>
+            </a:r>
+            <a:r>
+              <a:rPr lang="de-DE" dirty="0"/>
+              <a:t> : </a:t>
+            </a:r>
+            <a:r>
+              <a:rPr lang="de-DE" dirty="0" err="1"/>
+              <a:t>function</a:t>
+            </a:r>
+            <a:r>
+              <a:rPr lang="de-DE" dirty="0"/>
+              <a:t>(</a:t>
+            </a:r>
+            <a:r>
+              <a:rPr lang="de-DE" dirty="0" err="1"/>
+              <a:t>data</a:t>
+            </a:r>
+            <a:r>
+              <a:rPr lang="de-DE" dirty="0"/>
+              <a:t>) {</a:t>
+            </a:r>
+          </a:p>
+          <a:p>
+            <a:r>
+              <a:rPr lang="de-DE" dirty="0"/>
+              <a:t>        </a:t>
+            </a:r>
+            <a:r>
+              <a:rPr lang="de-DE" dirty="0" err="1"/>
+              <a:t>formElement.value</a:t>
+            </a:r>
+            <a:r>
+              <a:rPr lang="de-DE" dirty="0"/>
+              <a:t> = </a:t>
+            </a:r>
+            <a:r>
+              <a:rPr lang="de-DE" dirty="0" err="1"/>
+              <a:t>data</a:t>
+            </a:r>
+            <a:r>
+              <a:rPr lang="de-DE" dirty="0"/>
+              <a:t>;</a:t>
+            </a:r>
+          </a:p>
+          <a:p>
+            <a:r>
+              <a:rPr lang="de-DE" dirty="0"/>
+              <a:t>        </a:t>
+            </a:r>
+            <a:r>
+              <a:rPr lang="de-DE" dirty="0" err="1"/>
+              <a:t>mediator.upate</a:t>
+            </a:r>
+            <a:r>
+              <a:rPr lang="de-DE" dirty="0"/>
+              <a:t>(</a:t>
+            </a:r>
+            <a:r>
+              <a:rPr lang="de-DE" dirty="0" err="1"/>
+              <a:t>this.value</a:t>
+            </a:r>
+            <a:r>
+              <a:rPr lang="de-DE" dirty="0"/>
+              <a:t>);</a:t>
+            </a:r>
+          </a:p>
+          <a:p>
+            <a:r>
+              <a:rPr lang="de-DE" dirty="0"/>
+              <a:t>    }</a:t>
+            </a:r>
+          </a:p>
+          <a:p>
+            <a:r>
+              <a:rPr lang="de-DE" dirty="0"/>
+              <a:t>};</a:t>
+            </a:r>
+          </a:p>
+          <a:p>
+            <a:endParaRPr lang="de-DE" dirty="0"/>
+          </a:p>
+        </p:txBody>
+      </p:sp>
+      <p:sp>
+        <p:nvSpPr>
+          <p:cNvPr id="3" name="Titel 2"/>
+          <p:cNvSpPr>
+            <a:spLocks noGrp="1"/>
+          </p:cNvSpPr>
+          <p:nvPr>
+            <p:ph type="title"/>
+          </p:nvPr>
+        </p:nvSpPr>
+        <p:spPr/>
+        <p:txBody>
+          <a:bodyPr/>
+          <a:lstStyle/>
+          <a:p>
+            <a:r>
+              <a:rPr lang="de-DE" dirty="0" smtClean="0"/>
+              <a:t>Mediator</a:t>
+            </a:r>
+            <a:endParaRPr lang="de-DE" dirty="0"/>
+          </a:p>
+        </p:txBody>
+      </p:sp>
+    </p:spTree>
+    <p:extLst>
+      <p:ext uri="{BB962C8B-B14F-4D97-AF65-F5344CB8AC3E}">
+        <p14:creationId xmlns:p14="http://schemas.microsoft.com/office/powerpoint/2010/main" val="4267147202"/>
+      </p:ext>
+    </p:extLst>
+  </p:cSld>
+  <p:clrMapOvr>
+    <a:masterClrMapping/>
+  </p:clrMapOvr>
+  <mc:AlternateContent xmlns:mc="http://schemas.openxmlformats.org/markup-compatibility/2006" xmlns:p14="http://schemas.microsoft.com/office/powerpoint/2010/main">
+    <mc:Choice Requires="p14">
+      <p:transition spd="slow" p14:dur="2000"/>
+    </mc:Choice>
+    <mc:Fallback xmlns="">
+      <p:transition xmlns:p14="http://schemas.microsoft.com/office/powerpoint/2010/main" spd="slow"/>
+    </mc:Fallback>
+  </mc:AlternateContent>
+</p:sld>
+</file>
+
+<file path=ppt/slides/slide37.xml><?xml version="1.0" encoding="utf-8"?>
+<p:sld xmlns:a="http://schemas.openxmlformats.org/drawingml/2006/main" xmlns:r="http://schemas.openxmlformats.org/officeDocument/2006/relationships" xmlns:p="http://schemas.openxmlformats.org/presentationml/2006/main">
+  <p:cSld>
+    <p:spTree>
+      <p:nvGrpSpPr>
+        <p:cNvPr id="1" name=""/>
+        <p:cNvGrpSpPr/>
+        <p:nvPr/>
+      </p:nvGrpSpPr>
+      <p:grpSpPr>
+        <a:xfrm>
+          <a:off x="0" y="0"/>
+          <a:ext cx="0" cy="0"/>
+          <a:chOff x="0" y="0"/>
+          <a:chExt cx="0" cy="0"/>
+        </a:xfrm>
+      </p:grpSpPr>
+      <p:sp>
+        <p:nvSpPr>
+          <p:cNvPr id="2" name="Inhaltsplatzhalter 1"/>
+          <p:cNvSpPr>
+            <a:spLocks noGrp="1"/>
+          </p:cNvSpPr>
+          <p:nvPr>
+            <p:ph idx="1"/>
+          </p:nvPr>
+        </p:nvSpPr>
+        <p:spPr/>
+        <p:txBody>
+          <a:bodyPr>
+            <a:normAutofit fontScale="47500" lnSpcReduction="20000"/>
+          </a:bodyPr>
+          <a:lstStyle/>
+          <a:p>
+            <a:r>
+              <a:rPr lang="en-US" dirty="0" err="1"/>
+              <a:t>var</a:t>
+            </a:r>
+            <a:r>
+              <a:rPr lang="en-US" dirty="0"/>
+              <a:t> </a:t>
+            </a:r>
+            <a:r>
+              <a:rPr lang="en-US" dirty="0" err="1"/>
+              <a:t>moneyModel</a:t>
+            </a:r>
+            <a:r>
+              <a:rPr lang="en-US" dirty="0"/>
+              <a:t> = {</a:t>
+            </a:r>
+          </a:p>
+          <a:p>
+            <a:r>
+              <a:rPr lang="en-US" dirty="0"/>
+              <a:t>    </a:t>
+            </a:r>
+            <a:r>
+              <a:rPr lang="en-US" dirty="0" err="1"/>
+              <a:t>ammount</a:t>
+            </a:r>
+            <a:r>
+              <a:rPr lang="en-US" dirty="0"/>
+              <a:t> : 0,</a:t>
+            </a:r>
+          </a:p>
+          <a:p>
+            <a:r>
+              <a:rPr lang="en-US" dirty="0"/>
+              <a:t>    update : function(data) {</a:t>
+            </a:r>
+          </a:p>
+          <a:p>
+            <a:r>
+              <a:rPr lang="en-US" dirty="0"/>
+              <a:t>        if (</a:t>
+            </a:r>
+            <a:r>
+              <a:rPr lang="en-US" dirty="0" err="1"/>
+              <a:t>typeof</a:t>
+            </a:r>
+            <a:r>
+              <a:rPr lang="en-US" dirty="0"/>
+              <a:t> data === "number") {</a:t>
+            </a:r>
+          </a:p>
+          <a:p>
+            <a:r>
+              <a:rPr lang="en-US" dirty="0"/>
+              <a:t>            </a:t>
+            </a:r>
+            <a:r>
+              <a:rPr lang="en-US" dirty="0" err="1"/>
+              <a:t>moneyModel.ammount</a:t>
+            </a:r>
+            <a:r>
+              <a:rPr lang="en-US" dirty="0"/>
+              <a:t> = </a:t>
+            </a:r>
+            <a:r>
+              <a:rPr lang="en-US" dirty="0" err="1"/>
+              <a:t>formElement.value</a:t>
+            </a:r>
+            <a:r>
+              <a:rPr lang="en-US" dirty="0"/>
+              <a:t>;</a:t>
+            </a:r>
+          </a:p>
+          <a:p>
+            <a:r>
+              <a:rPr lang="en-US" dirty="0"/>
+              <a:t>        } else {</a:t>
+            </a:r>
+          </a:p>
+          <a:p>
+            <a:r>
+              <a:rPr lang="en-US" dirty="0"/>
+              <a:t>            throw "Only numbers are accepted";</a:t>
+            </a:r>
+          </a:p>
+          <a:p>
+            <a:r>
+              <a:rPr lang="en-US" dirty="0"/>
+              <a:t>        }</a:t>
+            </a:r>
+          </a:p>
+          <a:p>
+            <a:r>
+              <a:rPr lang="en-US" dirty="0"/>
+              <a:t>    }</a:t>
+            </a:r>
+          </a:p>
+          <a:p>
+            <a:r>
+              <a:rPr lang="en-US" dirty="0" smtClean="0"/>
+              <a:t>}</a:t>
+            </a:r>
+          </a:p>
+          <a:p>
+            <a:r>
+              <a:rPr lang="en-US" dirty="0" err="1"/>
+              <a:t>var</a:t>
+            </a:r>
+            <a:r>
+              <a:rPr lang="en-US" dirty="0"/>
+              <a:t> logger = {</a:t>
+            </a:r>
+            <a:endParaRPr lang="de-DE" dirty="0"/>
+          </a:p>
+          <a:p>
+            <a:r>
+              <a:rPr lang="en-US" dirty="0"/>
+              <a:t>    messages : [],</a:t>
+            </a:r>
+            <a:endParaRPr lang="de-DE" dirty="0"/>
+          </a:p>
+          <a:p>
+            <a:r>
+              <a:rPr lang="en-US" dirty="0"/>
+              <a:t>    log : function(message) {</a:t>
+            </a:r>
+            <a:endParaRPr lang="de-DE" dirty="0"/>
+          </a:p>
+          <a:p>
+            <a:r>
+              <a:rPr lang="en-US" dirty="0"/>
+              <a:t>        </a:t>
+            </a:r>
+            <a:r>
+              <a:rPr lang="en-US" dirty="0" err="1"/>
+              <a:t>logger.messages.push</a:t>
+            </a:r>
+            <a:r>
+              <a:rPr lang="en-US" dirty="0"/>
+              <a:t>(message);</a:t>
+            </a:r>
+            <a:endParaRPr lang="de-DE" dirty="0"/>
+          </a:p>
+          <a:p>
+            <a:r>
+              <a:rPr lang="en-US" dirty="0"/>
+              <a:t>    }</a:t>
+            </a:r>
+            <a:endParaRPr lang="de-DE" dirty="0"/>
+          </a:p>
+          <a:p>
+            <a:r>
+              <a:rPr lang="en-US" dirty="0"/>
+              <a:t>}</a:t>
+            </a:r>
+            <a:endParaRPr lang="de-DE" dirty="0"/>
+          </a:p>
+          <a:p>
+            <a:endParaRPr lang="en-US" dirty="0"/>
+          </a:p>
+          <a:p>
+            <a:endParaRPr lang="de-DE" dirty="0"/>
+          </a:p>
+        </p:txBody>
+      </p:sp>
+      <p:sp>
+        <p:nvSpPr>
+          <p:cNvPr id="3" name="Titel 2"/>
+          <p:cNvSpPr>
+            <a:spLocks noGrp="1"/>
+          </p:cNvSpPr>
+          <p:nvPr>
+            <p:ph type="title"/>
+          </p:nvPr>
+        </p:nvSpPr>
+        <p:spPr/>
+        <p:txBody>
+          <a:bodyPr/>
+          <a:lstStyle/>
+          <a:p>
+            <a:r>
+              <a:rPr lang="de-DE" dirty="0" smtClean="0"/>
+              <a:t>Mediator</a:t>
+            </a:r>
+            <a:endParaRPr lang="de-DE" dirty="0"/>
+          </a:p>
+        </p:txBody>
+      </p:sp>
+    </p:spTree>
+    <p:extLst>
+      <p:ext uri="{BB962C8B-B14F-4D97-AF65-F5344CB8AC3E}">
+        <p14:creationId xmlns:p14="http://schemas.microsoft.com/office/powerpoint/2010/main" val="2219616932"/>
+      </p:ext>
+    </p:extLst>
+  </p:cSld>
+  <p:clrMapOvr>
+    <a:masterClrMapping/>
+  </p:clrMapOvr>
+  <mc:AlternateContent xmlns:mc="http://schemas.openxmlformats.org/markup-compatibility/2006" xmlns:p14="http://schemas.microsoft.com/office/powerpoint/2010/main">
+    <mc:Choice Requires="p14">
+      <p:transition spd="slow" p14:dur="2000"/>
+    </mc:Choice>
+    <mc:Fallback xmlns="">
+      <p:transition xmlns:p14="http://schemas.microsoft.com/office/powerpoint/2010/main" spd="slow"/>
+    </mc:Fallback>
+  </mc:AlternateContent>
+</p:sld>
+</file>
+
+<file path=ppt/slides/slide38.xml><?xml version="1.0" encoding="utf-8"?>
+<p:sld xmlns:a="http://schemas.openxmlformats.org/drawingml/2006/main" xmlns:r="http://schemas.openxmlformats.org/officeDocument/2006/relationships" xmlns:p="http://schemas.openxmlformats.org/presentationml/2006/main">
+  <p:cSld>
+    <p:spTree>
+      <p:nvGrpSpPr>
+        <p:cNvPr id="1" name=""/>
+        <p:cNvGrpSpPr/>
+        <p:nvPr/>
+      </p:nvGrpSpPr>
+      <p:grpSpPr>
+        <a:xfrm>
+          <a:off x="0" y="0"/>
+          <a:ext cx="0" cy="0"/>
+          <a:chOff x="0" y="0"/>
+          <a:chExt cx="0" cy="0"/>
+        </a:xfrm>
+      </p:grpSpPr>
+      <p:sp>
+        <p:nvSpPr>
+          <p:cNvPr id="2" name="Inhaltsplatzhalter 1"/>
+          <p:cNvSpPr>
+            <a:spLocks noGrp="1"/>
+          </p:cNvSpPr>
+          <p:nvPr>
+            <p:ph idx="1"/>
+          </p:nvPr>
+        </p:nvSpPr>
+        <p:spPr/>
+        <p:txBody>
+          <a:bodyPr/>
+          <a:lstStyle/>
+          <a:p>
+            <a:r>
+              <a:rPr lang="en-US" dirty="0" err="1"/>
+              <a:t>var</a:t>
+            </a:r>
+            <a:r>
+              <a:rPr lang="en-US" dirty="0"/>
+              <a:t> mediator = {</a:t>
+            </a:r>
+            <a:endParaRPr lang="de-DE" dirty="0"/>
+          </a:p>
+          <a:p>
+            <a:r>
+              <a:rPr lang="en-US" dirty="0"/>
+              <a:t>    </a:t>
+            </a:r>
+            <a:r>
+              <a:rPr lang="en-US" dirty="0" smtClean="0"/>
+              <a:t>update </a:t>
+            </a:r>
+            <a:r>
+              <a:rPr lang="en-US" dirty="0"/>
+              <a:t>: function(value) {</a:t>
+            </a:r>
+            <a:endParaRPr lang="de-DE" dirty="0"/>
+          </a:p>
+          <a:p>
+            <a:r>
+              <a:rPr lang="en-US" dirty="0"/>
+              <a:t>        try {</a:t>
+            </a:r>
+            <a:endParaRPr lang="de-DE" dirty="0"/>
+          </a:p>
+          <a:p>
+            <a:r>
+              <a:rPr lang="en-US" dirty="0"/>
+              <a:t>            </a:t>
+            </a:r>
+            <a:r>
+              <a:rPr lang="en-US" dirty="0" err="1"/>
+              <a:t>moneyModel.update</a:t>
+            </a:r>
+            <a:r>
+              <a:rPr lang="en-US" dirty="0"/>
+              <a:t>(value);</a:t>
+            </a:r>
+            <a:endParaRPr lang="de-DE" dirty="0"/>
+          </a:p>
+          <a:p>
+            <a:r>
+              <a:rPr lang="en-US" dirty="0"/>
+              <a:t>        </a:t>
+            </a:r>
+            <a:r>
+              <a:rPr lang="de-DE" dirty="0"/>
+              <a:t>} catch(</a:t>
+            </a:r>
+            <a:r>
+              <a:rPr lang="de-DE" dirty="0" err="1"/>
+              <a:t>e</a:t>
+            </a:r>
+            <a:r>
+              <a:rPr lang="de-DE" dirty="0"/>
+              <a:t>) {</a:t>
+            </a:r>
+          </a:p>
+          <a:p>
+            <a:r>
+              <a:rPr lang="de-DE" dirty="0"/>
+              <a:t>            </a:t>
+            </a:r>
+            <a:r>
+              <a:rPr lang="de-DE" dirty="0" err="1"/>
+              <a:t>logger.log</a:t>
+            </a:r>
+            <a:r>
+              <a:rPr lang="de-DE" dirty="0"/>
+              <a:t>(</a:t>
+            </a:r>
+            <a:r>
+              <a:rPr lang="de-DE" dirty="0" err="1"/>
+              <a:t>e</a:t>
+            </a:r>
+            <a:r>
+              <a:rPr lang="de-DE" dirty="0"/>
+              <a:t>);</a:t>
+            </a:r>
+          </a:p>
+          <a:p>
+            <a:r>
+              <a:rPr lang="de-DE" dirty="0"/>
+              <a:t>        </a:t>
+            </a:r>
+            <a:r>
+              <a:rPr lang="en-US" dirty="0"/>
+              <a:t>}</a:t>
+            </a:r>
+            <a:endParaRPr lang="de-DE" dirty="0"/>
+          </a:p>
+          <a:p>
+            <a:r>
+              <a:rPr lang="en-US" dirty="0"/>
+              <a:t>    }    </a:t>
+            </a:r>
+            <a:endParaRPr lang="de-DE" dirty="0"/>
+          </a:p>
+          <a:p>
+            <a:r>
+              <a:rPr lang="en-US" dirty="0"/>
+              <a:t>}</a:t>
+            </a:r>
+            <a:endParaRPr lang="de-DE" dirty="0"/>
+          </a:p>
+        </p:txBody>
+      </p:sp>
+      <p:sp>
+        <p:nvSpPr>
+          <p:cNvPr id="3" name="Titel 2"/>
+          <p:cNvSpPr>
+            <a:spLocks noGrp="1"/>
+          </p:cNvSpPr>
+          <p:nvPr>
+            <p:ph type="title"/>
+          </p:nvPr>
+        </p:nvSpPr>
+        <p:spPr/>
+        <p:txBody>
+          <a:bodyPr/>
+          <a:lstStyle/>
+          <a:p>
+            <a:r>
+              <a:rPr lang="de-DE" dirty="0" smtClean="0"/>
+              <a:t>Mediator</a:t>
+            </a:r>
+            <a:endParaRPr lang="de-DE" dirty="0"/>
+          </a:p>
+        </p:txBody>
+      </p:sp>
+    </p:spTree>
+    <p:extLst>
+      <p:ext uri="{BB962C8B-B14F-4D97-AF65-F5344CB8AC3E}">
+        <p14:creationId xmlns:p14="http://schemas.microsoft.com/office/powerpoint/2010/main" val="2245074397"/>
+      </p:ext>
+    </p:extLst>
+  </p:cSld>
+  <p:clrMapOvr>
+    <a:masterClrMapping/>
+  </p:clrMapOvr>
+  <mc:AlternateContent xmlns:mc="http://schemas.openxmlformats.org/markup-compatibility/2006" xmlns:p14="http://schemas.microsoft.com/office/powerpoint/2010/main">
+    <mc:Choice Requires="p14">
+      <p:transition spd="slow" p14:dur="2000"/>
+    </mc:Choice>
+    <mc:Fallback xmlns="">
+      <p:transition xmlns:p14="http://schemas.microsoft.com/office/powerpoint/2010/main" spd="slow"/>
+    </mc:Fallback>
+  </mc:AlternateContent>
+</p:sld>
+</file>
+
+<file path=ppt/slides/slide39.xml><?xml version="1.0" encoding="utf-8"?>
+<p:sld xmlns:a="http://schemas.openxmlformats.org/drawingml/2006/main" xmlns:r="http://schemas.openxmlformats.org/officeDocument/2006/relationships" xmlns:p="http://schemas.openxmlformats.org/presentationml/2006/main">
+  <p:cSld>
+    <p:spTree>
+      <p:nvGrpSpPr>
+        <p:cNvPr id="1" name=""/>
+        <p:cNvGrpSpPr/>
+        <p:nvPr/>
+      </p:nvGrpSpPr>
+      <p:grpSpPr>
+        <a:xfrm>
+          <a:off x="0" y="0"/>
+          <a:ext cx="0" cy="0"/>
+          <a:chOff x="0" y="0"/>
+          <a:chExt cx="0" cy="0"/>
+        </a:xfrm>
+      </p:grpSpPr>
+      <p:sp>
+        <p:nvSpPr>
+          <p:cNvPr id="2" name="Inhaltsplatzhalter 1"/>
+          <p:cNvSpPr>
+            <a:spLocks noGrp="1"/>
+          </p:cNvSpPr>
+          <p:nvPr>
+            <p:ph idx="1"/>
+          </p:nvPr>
+        </p:nvSpPr>
+        <p:spPr/>
+        <p:txBody>
+          <a:bodyPr/>
+          <a:lstStyle/>
+          <a:p>
+            <a:pPr marL="0" indent="0">
+              <a:buNone/>
+            </a:pPr>
+            <a:r>
+              <a:rPr lang="de-DE" dirty="0" smtClean="0"/>
+              <a:t>Auch bekannt als </a:t>
+            </a:r>
+            <a:r>
+              <a:rPr lang="de-DE" dirty="0" err="1" smtClean="0"/>
+              <a:t>Publish</a:t>
+            </a:r>
+            <a:r>
+              <a:rPr lang="de-DE" dirty="0" smtClean="0"/>
+              <a:t>/</a:t>
+            </a:r>
+            <a:r>
+              <a:rPr lang="de-DE" dirty="0" err="1" smtClean="0"/>
+              <a:t>Subscribe</a:t>
+            </a:r>
+            <a:endParaRPr lang="de-DE" dirty="0" smtClean="0"/>
+          </a:p>
+          <a:p>
+            <a:pPr marL="0" indent="0">
+              <a:buNone/>
+            </a:pPr>
+            <a:r>
+              <a:rPr lang="de-DE" dirty="0" smtClean="0"/>
+              <a:t>Wir im Browser verwendet (</a:t>
+            </a:r>
+            <a:r>
+              <a:rPr lang="de-DE" dirty="0" err="1" smtClean="0"/>
+              <a:t>onclick</a:t>
+            </a:r>
+            <a:r>
+              <a:rPr lang="de-DE" dirty="0" smtClean="0"/>
+              <a:t>)</a:t>
+            </a:r>
+          </a:p>
+          <a:p>
+            <a:pPr marL="0" indent="0">
+              <a:buNone/>
+            </a:pPr>
+            <a:r>
+              <a:rPr lang="de-DE" dirty="0" smtClean="0"/>
+              <a:t>Publisher informieren Subscriber über Ereignisse</a:t>
+            </a:r>
+            <a:endParaRPr lang="de-DE" dirty="0"/>
+          </a:p>
+        </p:txBody>
+      </p:sp>
+      <p:sp>
+        <p:nvSpPr>
+          <p:cNvPr id="3" name="Titel 2"/>
+          <p:cNvSpPr>
+            <a:spLocks noGrp="1"/>
+          </p:cNvSpPr>
+          <p:nvPr>
+            <p:ph type="title"/>
+          </p:nvPr>
+        </p:nvSpPr>
+        <p:spPr/>
+        <p:txBody>
+          <a:bodyPr/>
+          <a:lstStyle/>
+          <a:p>
+            <a:r>
+              <a:rPr lang="de-DE" dirty="0" smtClean="0"/>
+              <a:t>Observer</a:t>
+            </a:r>
+            <a:endParaRPr lang="de-DE" dirty="0"/>
+          </a:p>
+        </p:txBody>
+      </p:sp>
+    </p:spTree>
+    <p:extLst>
+      <p:ext uri="{BB962C8B-B14F-4D97-AF65-F5344CB8AC3E}">
+        <p14:creationId xmlns:p14="http://schemas.microsoft.com/office/powerpoint/2010/main" val="2424321469"/>
+      </p:ext>
+    </p:extLst>
+  </p:cSld>
+  <p:clrMapOvr>
+    <a:masterClrMapping/>
+  </p:clrMapOvr>
+  <mc:AlternateContent xmlns:mc="http://schemas.openxmlformats.org/markup-compatibility/2006" xmlns:p14="http://schemas.microsoft.com/office/powerpoint/2010/main">
+    <mc:Choice Requires="p14">
+      <p:transition spd="slow" p14:dur="2000"/>
+    </mc:Choice>
+    <mc:Fallback xmlns="">
+      <p:transition xmlns:p14="http://schemas.microsoft.com/office/powerpoint/2010/main" spd="slow"/>
+    </mc:Fallback>
+  </mc:AlternateContent>
+</p:sld>
+</file>
+
 <file path=ppt/slides/slide4.xml><?xml version="1.0" encoding="utf-8"?>
 <p:sld xmlns:a="http://schemas.openxmlformats.org/drawingml/2006/main" xmlns:r="http://schemas.openxmlformats.org/officeDocument/2006/relationships" xmlns:p="http://schemas.openxmlformats.org/presentationml/2006/main">
   <p:cSld>
@@ -4949,6 +10653,1815 @@
     <p:extLst>
       <p:ext uri="{BB962C8B-B14F-4D97-AF65-F5344CB8AC3E}">
         <p14:creationId xmlns:p14="http://schemas.microsoft.com/office/powerpoint/2010/main" val="1413769716"/>
+      </p:ext>
+    </p:extLst>
+  </p:cSld>
+  <p:clrMapOvr>
+    <a:masterClrMapping/>
+  </p:clrMapOvr>
+  <p:timing>
+    <p:tnLst>
+      <p:par>
+        <p:cTn xmlns:p14="http://schemas.microsoft.com/office/powerpoint/2010/main" id="1" dur="indefinite" restart="never" nodeType="tmRoot"/>
+      </p:par>
+    </p:tnLst>
+  </p:timing>
+</p:sld>
+</file>
+
+<file path=ppt/slides/slide40.xml><?xml version="1.0" encoding="utf-8"?>
+<p:sld xmlns:a="http://schemas.openxmlformats.org/drawingml/2006/main" xmlns:r="http://schemas.openxmlformats.org/officeDocument/2006/relationships" xmlns:p="http://schemas.openxmlformats.org/presentationml/2006/main">
+  <p:cSld>
+    <p:spTree>
+      <p:nvGrpSpPr>
+        <p:cNvPr id="1" name=""/>
+        <p:cNvGrpSpPr/>
+        <p:nvPr/>
+      </p:nvGrpSpPr>
+      <p:grpSpPr>
+        <a:xfrm>
+          <a:off x="0" y="0"/>
+          <a:ext cx="0" cy="0"/>
+          <a:chOff x="0" y="0"/>
+          <a:chExt cx="0" cy="0"/>
+        </a:xfrm>
+      </p:grpSpPr>
+      <p:sp>
+        <p:nvSpPr>
+          <p:cNvPr id="2" name="Inhaltsplatzhalter 1"/>
+          <p:cNvSpPr>
+            <a:spLocks noGrp="1"/>
+          </p:cNvSpPr>
+          <p:nvPr>
+            <p:ph idx="1"/>
+          </p:nvPr>
+        </p:nvSpPr>
+        <p:spPr/>
+        <p:txBody>
+          <a:bodyPr/>
+          <a:lstStyle/>
+          <a:p>
+            <a:r>
+              <a:rPr lang="de-DE" dirty="0" err="1"/>
+              <a:t>document.addEventListener</a:t>
+            </a:r>
+            <a:r>
+              <a:rPr lang="de-DE" dirty="0"/>
+              <a:t>("</a:t>
+            </a:r>
+            <a:r>
+              <a:rPr lang="de-DE" dirty="0" err="1"/>
+              <a:t>keypress</a:t>
+            </a:r>
+            <a:r>
+              <a:rPr lang="de-DE" dirty="0"/>
+              <a:t>", </a:t>
+            </a:r>
+            <a:r>
+              <a:rPr lang="de-DE" dirty="0" err="1"/>
+              <a:t>function</a:t>
+            </a:r>
+            <a:r>
+              <a:rPr lang="de-DE" dirty="0"/>
+              <a:t>(</a:t>
+            </a:r>
+            <a:r>
+              <a:rPr lang="de-DE" dirty="0" err="1"/>
+              <a:t>event</a:t>
+            </a:r>
+            <a:r>
+              <a:rPr lang="de-DE" dirty="0"/>
+              <a:t>, </a:t>
+            </a:r>
+            <a:r>
+              <a:rPr lang="de-DE" dirty="0" err="1"/>
+              <a:t>element</a:t>
+            </a:r>
+            <a:r>
+              <a:rPr lang="de-DE" dirty="0" smtClean="0"/>
+              <a:t>) { </a:t>
+            </a:r>
+            <a:endParaRPr lang="de-DE" dirty="0"/>
+          </a:p>
+          <a:p>
+            <a:r>
+              <a:rPr lang="de-DE" dirty="0" smtClean="0"/>
+              <a:t>		</a:t>
+            </a:r>
+            <a:r>
+              <a:rPr lang="de-DE" dirty="0" err="1" smtClean="0"/>
+              <a:t>event</a:t>
+            </a:r>
+            <a:r>
+              <a:rPr lang="de-DE" dirty="0" smtClean="0"/>
+              <a:t> </a:t>
+            </a:r>
+            <a:r>
+              <a:rPr lang="de-DE" dirty="0"/>
+              <a:t>= </a:t>
+            </a:r>
+            <a:r>
+              <a:rPr lang="de-DE" dirty="0" err="1"/>
+              <a:t>event</a:t>
+            </a:r>
+            <a:r>
+              <a:rPr lang="de-DE" dirty="0"/>
+              <a:t> || </a:t>
+            </a:r>
+            <a:r>
+              <a:rPr lang="de-DE" dirty="0" err="1"/>
+              <a:t>window.event</a:t>
+            </a:r>
+            <a:r>
+              <a:rPr lang="de-DE" dirty="0"/>
+              <a:t>;</a:t>
+            </a:r>
+          </a:p>
+          <a:p>
+            <a:pPr lvl="1"/>
+            <a:r>
+              <a:rPr lang="de-DE" dirty="0" smtClean="0"/>
+              <a:t>	</a:t>
+            </a:r>
+            <a:r>
+              <a:rPr lang="de-DE" dirty="0" err="1" smtClean="0"/>
+              <a:t>var</a:t>
+            </a:r>
+            <a:r>
+              <a:rPr lang="de-DE" dirty="0" smtClean="0"/>
+              <a:t> </a:t>
+            </a:r>
+            <a:r>
+              <a:rPr lang="de-DE" dirty="0" err="1"/>
+              <a:t>character</a:t>
+            </a:r>
+            <a:r>
+              <a:rPr lang="de-DE" dirty="0"/>
+              <a:t> = </a:t>
+            </a:r>
+            <a:r>
+              <a:rPr lang="de-DE" dirty="0" err="1"/>
+              <a:t>event.keyCode</a:t>
+            </a:r>
+            <a:r>
+              <a:rPr lang="de-DE" dirty="0"/>
+              <a:t>;</a:t>
+            </a:r>
+          </a:p>
+          <a:p>
+            <a:r>
+              <a:rPr lang="de-DE" dirty="0" smtClean="0"/>
+              <a:t>		alert</a:t>
+            </a:r>
+            <a:r>
+              <a:rPr lang="de-DE" dirty="0"/>
+              <a:t>("Key " + </a:t>
+            </a:r>
+            <a:r>
+              <a:rPr lang="de-DE" dirty="0" err="1"/>
+              <a:t>String.fromCharCode</a:t>
+            </a:r>
+            <a:r>
+              <a:rPr lang="de-DE" dirty="0"/>
+              <a:t>(</a:t>
+            </a:r>
+            <a:r>
+              <a:rPr lang="de-DE" dirty="0" err="1"/>
+              <a:t>character</a:t>
+            </a:r>
+            <a:r>
+              <a:rPr lang="de-DE" dirty="0"/>
+              <a:t>) + " </a:t>
+            </a:r>
+            <a:r>
+              <a:rPr lang="de-DE" dirty="0" err="1"/>
+              <a:t>pressed</a:t>
+            </a:r>
+            <a:r>
+              <a:rPr lang="de-DE" dirty="0"/>
+              <a:t>“);</a:t>
+            </a:r>
+          </a:p>
+          <a:p>
+            <a:r>
+              <a:rPr lang="de-DE" dirty="0" smtClean="0"/>
+              <a:t>	}</a:t>
+            </a:r>
+            <a:r>
+              <a:rPr lang="de-DE" dirty="0"/>
+              <a:t>, true</a:t>
+            </a:r>
+          </a:p>
+          <a:p>
+            <a:r>
+              <a:rPr lang="de-DE" dirty="0"/>
+              <a:t>);</a:t>
+            </a:r>
+          </a:p>
+          <a:p>
+            <a:endParaRPr lang="de-DE" dirty="0"/>
+          </a:p>
+        </p:txBody>
+      </p:sp>
+      <p:sp>
+        <p:nvSpPr>
+          <p:cNvPr id="3" name="Titel 2"/>
+          <p:cNvSpPr>
+            <a:spLocks noGrp="1"/>
+          </p:cNvSpPr>
+          <p:nvPr>
+            <p:ph type="title"/>
+          </p:nvPr>
+        </p:nvSpPr>
+        <p:spPr/>
+        <p:txBody>
+          <a:bodyPr/>
+          <a:lstStyle/>
+          <a:p>
+            <a:r>
+              <a:rPr lang="de-DE" dirty="0" smtClean="0"/>
+              <a:t>Observer im Browser</a:t>
+            </a:r>
+            <a:endParaRPr lang="de-DE" dirty="0"/>
+          </a:p>
+        </p:txBody>
+      </p:sp>
+    </p:spTree>
+    <p:extLst>
+      <p:ext uri="{BB962C8B-B14F-4D97-AF65-F5344CB8AC3E}">
+        <p14:creationId xmlns:p14="http://schemas.microsoft.com/office/powerpoint/2010/main" val="3708544139"/>
+      </p:ext>
+    </p:extLst>
+  </p:cSld>
+  <p:clrMapOvr>
+    <a:masterClrMapping/>
+  </p:clrMapOvr>
+  <mc:AlternateContent xmlns:mc="http://schemas.openxmlformats.org/markup-compatibility/2006" xmlns:p14="http://schemas.microsoft.com/office/powerpoint/2010/main">
+    <mc:Choice Requires="p14">
+      <p:transition spd="slow" p14:dur="2000"/>
+    </mc:Choice>
+    <mc:Fallback xmlns="">
+      <p:transition xmlns:p14="http://schemas.microsoft.com/office/powerpoint/2010/main" spd="slow"/>
+    </mc:Fallback>
+  </mc:AlternateContent>
+</p:sld>
+</file>
+
+<file path=ppt/slides/slide41.xml><?xml version="1.0" encoding="utf-8"?>
+<p:sld xmlns:a="http://schemas.openxmlformats.org/drawingml/2006/main" xmlns:r="http://schemas.openxmlformats.org/officeDocument/2006/relationships" xmlns:p="http://schemas.openxmlformats.org/presentationml/2006/main">
+  <p:cSld>
+    <p:spTree>
+      <p:nvGrpSpPr>
+        <p:cNvPr id="1" name=""/>
+        <p:cNvGrpSpPr/>
+        <p:nvPr/>
+      </p:nvGrpSpPr>
+      <p:grpSpPr>
+        <a:xfrm>
+          <a:off x="0" y="0"/>
+          <a:ext cx="0" cy="0"/>
+          <a:chOff x="0" y="0"/>
+          <a:chExt cx="0" cy="0"/>
+        </a:xfrm>
+      </p:grpSpPr>
+      <p:sp>
+        <p:nvSpPr>
+          <p:cNvPr id="2" name="Inhaltsplatzhalter 1"/>
+          <p:cNvSpPr>
+            <a:spLocks noGrp="1"/>
+          </p:cNvSpPr>
+          <p:nvPr>
+            <p:ph idx="1"/>
+          </p:nvPr>
+        </p:nvSpPr>
+        <p:spPr/>
+        <p:txBody>
+          <a:bodyPr>
+            <a:normAutofit fontScale="77500" lnSpcReduction="20000"/>
+          </a:bodyPr>
+          <a:lstStyle/>
+          <a:p>
+            <a:r>
+              <a:rPr lang="de-DE" dirty="0" err="1"/>
+              <a:t>var</a:t>
+            </a:r>
+            <a:r>
+              <a:rPr lang="de-DE" dirty="0"/>
+              <a:t> </a:t>
+            </a:r>
+            <a:r>
+              <a:rPr lang="de-DE" dirty="0" err="1"/>
+              <a:t>formElement</a:t>
+            </a:r>
+            <a:r>
+              <a:rPr lang="de-DE" dirty="0"/>
+              <a:t> = {</a:t>
+            </a:r>
+          </a:p>
+          <a:p>
+            <a:r>
+              <a:rPr lang="de-DE" dirty="0"/>
+              <a:t>    </a:t>
+            </a:r>
+            <a:r>
+              <a:rPr lang="de-DE" dirty="0" err="1"/>
+              <a:t>eventListeners</a:t>
+            </a:r>
+            <a:r>
+              <a:rPr lang="de-DE" dirty="0"/>
+              <a:t> : [],</a:t>
+            </a:r>
+          </a:p>
+          <a:p>
+            <a:r>
+              <a:rPr lang="de-DE" dirty="0"/>
+              <a:t>    </a:t>
+            </a:r>
+            <a:r>
+              <a:rPr lang="de-DE" dirty="0" err="1"/>
+              <a:t>value</a:t>
+            </a:r>
+            <a:r>
+              <a:rPr lang="de-DE" dirty="0"/>
+              <a:t> : "",</a:t>
+            </a:r>
+          </a:p>
+          <a:p>
+            <a:r>
+              <a:rPr lang="de-DE" dirty="0"/>
+              <a:t>    </a:t>
+            </a:r>
+            <a:r>
+              <a:rPr lang="de-DE" dirty="0" err="1"/>
+              <a:t>fire</a:t>
+            </a:r>
+            <a:r>
+              <a:rPr lang="de-DE" dirty="0"/>
+              <a:t> : </a:t>
+            </a:r>
+            <a:r>
+              <a:rPr lang="de-DE" dirty="0" err="1"/>
+              <a:t>function</a:t>
+            </a:r>
+            <a:r>
+              <a:rPr lang="de-DE" dirty="0"/>
+              <a:t>(</a:t>
+            </a:r>
+            <a:r>
+              <a:rPr lang="de-DE" dirty="0" err="1"/>
+              <a:t>data</a:t>
+            </a:r>
+            <a:r>
+              <a:rPr lang="de-DE" dirty="0"/>
+              <a:t>) {</a:t>
+            </a:r>
+          </a:p>
+          <a:p>
+            <a:r>
+              <a:rPr lang="de-DE" dirty="0"/>
+              <a:t>        </a:t>
+            </a:r>
+            <a:r>
+              <a:rPr lang="de-DE" dirty="0" err="1"/>
+              <a:t>formElement.value</a:t>
+            </a:r>
+            <a:r>
+              <a:rPr lang="de-DE" dirty="0"/>
+              <a:t> = </a:t>
+            </a:r>
+            <a:r>
+              <a:rPr lang="de-DE" dirty="0" err="1"/>
+              <a:t>data</a:t>
+            </a:r>
+            <a:r>
+              <a:rPr lang="de-DE" dirty="0"/>
+              <a:t>;</a:t>
+            </a:r>
+          </a:p>
+          <a:p>
+            <a:r>
+              <a:rPr lang="de-DE" dirty="0"/>
+              <a:t>        </a:t>
+            </a:r>
+            <a:r>
+              <a:rPr lang="de-DE" dirty="0" err="1"/>
+              <a:t>formElement.visitEventListener</a:t>
+            </a:r>
+            <a:r>
+              <a:rPr lang="de-DE" dirty="0"/>
+              <a:t>(</a:t>
+            </a:r>
+            <a:r>
+              <a:rPr lang="de-DE" dirty="0" err="1"/>
+              <a:t>data</a:t>
+            </a:r>
+            <a:r>
+              <a:rPr lang="de-DE" dirty="0"/>
+              <a:t>);</a:t>
+            </a:r>
+          </a:p>
+          <a:p>
+            <a:r>
+              <a:rPr lang="de-DE" dirty="0"/>
+              <a:t>    },</a:t>
+            </a:r>
+          </a:p>
+          <a:p>
+            <a:r>
+              <a:rPr lang="de-DE" dirty="0"/>
+              <a:t>    </a:t>
+            </a:r>
+            <a:r>
+              <a:rPr lang="de-DE" dirty="0" err="1"/>
+              <a:t>addEventListener</a:t>
+            </a:r>
+            <a:r>
+              <a:rPr lang="de-DE" dirty="0"/>
+              <a:t> : </a:t>
+            </a:r>
+            <a:r>
+              <a:rPr lang="de-DE" dirty="0" err="1"/>
+              <a:t>function</a:t>
+            </a:r>
+            <a:r>
+              <a:rPr lang="de-DE" dirty="0"/>
+              <a:t>(</a:t>
+            </a:r>
+            <a:r>
+              <a:rPr lang="de-DE" dirty="0" err="1"/>
+              <a:t>listener</a:t>
+            </a:r>
+            <a:r>
+              <a:rPr lang="de-DE" dirty="0"/>
+              <a:t>) {</a:t>
+            </a:r>
+          </a:p>
+          <a:p>
+            <a:r>
+              <a:rPr lang="de-DE" dirty="0"/>
+              <a:t>        </a:t>
+            </a:r>
+            <a:r>
+              <a:rPr lang="de-DE" dirty="0" err="1"/>
+              <a:t>formElement.eventListeners.push</a:t>
+            </a:r>
+            <a:r>
+              <a:rPr lang="de-DE" dirty="0"/>
+              <a:t>(</a:t>
+            </a:r>
+            <a:r>
+              <a:rPr lang="de-DE" dirty="0" err="1"/>
+              <a:t>listener</a:t>
+            </a:r>
+            <a:r>
+              <a:rPr lang="de-DE" dirty="0"/>
+              <a:t>);</a:t>
+            </a:r>
+          </a:p>
+          <a:p>
+            <a:r>
+              <a:rPr lang="de-DE" dirty="0"/>
+              <a:t>    },</a:t>
+            </a:r>
+          </a:p>
+          <a:p>
+            <a:r>
+              <a:rPr lang="de-DE" dirty="0"/>
+              <a:t>    </a:t>
+            </a:r>
+            <a:r>
+              <a:rPr lang="de-DE" dirty="0" err="1"/>
+              <a:t>visitEventListener</a:t>
+            </a:r>
+            <a:r>
+              <a:rPr lang="de-DE" dirty="0"/>
+              <a:t> : </a:t>
+            </a:r>
+            <a:r>
+              <a:rPr lang="de-DE" dirty="0" err="1"/>
+              <a:t>function</a:t>
+            </a:r>
+            <a:r>
+              <a:rPr lang="de-DE" dirty="0"/>
+              <a:t>(</a:t>
+            </a:r>
+            <a:r>
+              <a:rPr lang="de-DE" dirty="0" err="1"/>
+              <a:t>data</a:t>
+            </a:r>
+            <a:r>
+              <a:rPr lang="de-DE" dirty="0"/>
+              <a:t>) {</a:t>
+            </a:r>
+          </a:p>
+          <a:p>
+            <a:r>
+              <a:rPr lang="de-DE" dirty="0"/>
+              <a:t>        </a:t>
+            </a:r>
+            <a:r>
+              <a:rPr lang="de-DE" dirty="0" err="1"/>
+              <a:t>for</a:t>
+            </a:r>
+            <a:r>
+              <a:rPr lang="de-DE" dirty="0"/>
+              <a:t>(</a:t>
+            </a:r>
+            <a:r>
+              <a:rPr lang="de-DE" dirty="0" err="1"/>
+              <a:t>var</a:t>
+            </a:r>
+            <a:r>
+              <a:rPr lang="de-DE" dirty="0"/>
+              <a:t> i in </a:t>
+            </a:r>
+            <a:r>
+              <a:rPr lang="de-DE" dirty="0" err="1"/>
+              <a:t>formElement.eventListeners</a:t>
+            </a:r>
+            <a:r>
+              <a:rPr lang="de-DE" dirty="0"/>
+              <a:t>) {</a:t>
+            </a:r>
+          </a:p>
+          <a:p>
+            <a:r>
+              <a:rPr lang="de-DE" dirty="0"/>
+              <a:t>            </a:t>
+            </a:r>
+            <a:r>
+              <a:rPr lang="de-DE" dirty="0" err="1"/>
+              <a:t>formElement.eventListeners</a:t>
+            </a:r>
+            <a:r>
+              <a:rPr lang="de-DE" dirty="0"/>
+              <a:t>[i](</a:t>
+            </a:r>
+            <a:r>
+              <a:rPr lang="de-DE" dirty="0" err="1"/>
+              <a:t>data</a:t>
+            </a:r>
+            <a:r>
+              <a:rPr lang="de-DE" dirty="0"/>
+              <a:t>)</a:t>
+            </a:r>
+          </a:p>
+          <a:p>
+            <a:r>
+              <a:rPr lang="de-DE" dirty="0"/>
+              <a:t>        }</a:t>
+            </a:r>
+          </a:p>
+          <a:p>
+            <a:r>
+              <a:rPr lang="de-DE" dirty="0"/>
+              <a:t>    }</a:t>
+            </a:r>
+          </a:p>
+          <a:p>
+            <a:r>
+              <a:rPr lang="de-DE" dirty="0"/>
+              <a:t>};</a:t>
+            </a:r>
+          </a:p>
+          <a:p>
+            <a:endParaRPr lang="de-DE" dirty="0"/>
+          </a:p>
+        </p:txBody>
+      </p:sp>
+      <p:sp>
+        <p:nvSpPr>
+          <p:cNvPr id="3" name="Titel 2"/>
+          <p:cNvSpPr>
+            <a:spLocks noGrp="1"/>
+          </p:cNvSpPr>
+          <p:nvPr>
+            <p:ph type="title"/>
+          </p:nvPr>
+        </p:nvSpPr>
+        <p:spPr/>
+        <p:txBody>
+          <a:bodyPr/>
+          <a:lstStyle/>
+          <a:p>
+            <a:r>
+              <a:rPr lang="de-DE" dirty="0" smtClean="0"/>
+              <a:t>Observer</a:t>
+            </a:r>
+            <a:endParaRPr lang="de-DE" dirty="0"/>
+          </a:p>
+        </p:txBody>
+      </p:sp>
+    </p:spTree>
+    <p:extLst>
+      <p:ext uri="{BB962C8B-B14F-4D97-AF65-F5344CB8AC3E}">
+        <p14:creationId xmlns:p14="http://schemas.microsoft.com/office/powerpoint/2010/main" val="72213442"/>
+      </p:ext>
+    </p:extLst>
+  </p:cSld>
+  <p:clrMapOvr>
+    <a:masterClrMapping/>
+  </p:clrMapOvr>
+  <mc:AlternateContent xmlns:mc="http://schemas.openxmlformats.org/markup-compatibility/2006" xmlns:p14="http://schemas.microsoft.com/office/powerpoint/2010/main">
+    <mc:Choice Requires="p14">
+      <p:transition spd="slow" p14:dur="2000"/>
+    </mc:Choice>
+    <mc:Fallback xmlns="">
+      <p:transition xmlns:p14="http://schemas.microsoft.com/office/powerpoint/2010/main" spd="slow"/>
+    </mc:Fallback>
+  </mc:AlternateContent>
+</p:sld>
+</file>
+
+<file path=ppt/slides/slide42.xml><?xml version="1.0" encoding="utf-8"?>
+<p:sld xmlns:a="http://schemas.openxmlformats.org/drawingml/2006/main" xmlns:r="http://schemas.openxmlformats.org/officeDocument/2006/relationships" xmlns:p="http://schemas.openxmlformats.org/presentationml/2006/main">
+  <p:cSld>
+    <p:spTree>
+      <p:nvGrpSpPr>
+        <p:cNvPr id="1" name=""/>
+        <p:cNvGrpSpPr/>
+        <p:nvPr/>
+      </p:nvGrpSpPr>
+      <p:grpSpPr>
+        <a:xfrm>
+          <a:off x="0" y="0"/>
+          <a:ext cx="0" cy="0"/>
+          <a:chOff x="0" y="0"/>
+          <a:chExt cx="0" cy="0"/>
+        </a:xfrm>
+      </p:grpSpPr>
+      <p:sp>
+        <p:nvSpPr>
+          <p:cNvPr id="2" name="Inhaltsplatzhalter 1"/>
+          <p:cNvSpPr>
+            <a:spLocks noGrp="1"/>
+          </p:cNvSpPr>
+          <p:nvPr>
+            <p:ph idx="1"/>
+          </p:nvPr>
+        </p:nvSpPr>
+        <p:spPr/>
+        <p:txBody>
+          <a:bodyPr>
+            <a:normAutofit fontScale="77500" lnSpcReduction="20000"/>
+          </a:bodyPr>
+          <a:lstStyle/>
+          <a:p>
+            <a:r>
+              <a:rPr lang="de-DE" dirty="0" err="1"/>
+              <a:t>var</a:t>
+            </a:r>
+            <a:r>
+              <a:rPr lang="de-DE" dirty="0"/>
+              <a:t> </a:t>
+            </a:r>
+            <a:r>
+              <a:rPr lang="de-DE" dirty="0" err="1"/>
+              <a:t>moneyModel</a:t>
+            </a:r>
+            <a:r>
+              <a:rPr lang="de-DE" dirty="0"/>
+              <a:t> = {</a:t>
+            </a:r>
+          </a:p>
+          <a:p>
+            <a:r>
+              <a:rPr lang="de-DE" dirty="0"/>
+              <a:t>    </a:t>
+            </a:r>
+            <a:r>
+              <a:rPr lang="de-DE" dirty="0" err="1"/>
+              <a:t>ammount</a:t>
+            </a:r>
+            <a:r>
+              <a:rPr lang="de-DE" dirty="0"/>
+              <a:t> : 0,</a:t>
+            </a:r>
+          </a:p>
+          <a:p>
+            <a:r>
+              <a:rPr lang="de-DE" dirty="0"/>
+              <a:t>    update : </a:t>
+            </a:r>
+            <a:r>
+              <a:rPr lang="de-DE" dirty="0" err="1"/>
+              <a:t>function</a:t>
+            </a:r>
+            <a:r>
+              <a:rPr lang="de-DE" dirty="0"/>
+              <a:t>(</a:t>
+            </a:r>
+            <a:r>
+              <a:rPr lang="de-DE" dirty="0" err="1"/>
+              <a:t>data</a:t>
+            </a:r>
+            <a:r>
+              <a:rPr lang="de-DE" dirty="0"/>
+              <a:t>) {</a:t>
+            </a:r>
+          </a:p>
+          <a:p>
+            <a:r>
+              <a:rPr lang="de-DE" dirty="0"/>
+              <a:t>        </a:t>
+            </a:r>
+            <a:r>
+              <a:rPr lang="de-DE" dirty="0" err="1"/>
+              <a:t>if</a:t>
+            </a:r>
+            <a:r>
+              <a:rPr lang="de-DE" dirty="0"/>
+              <a:t> (</a:t>
+            </a:r>
+            <a:r>
+              <a:rPr lang="de-DE" dirty="0" err="1"/>
+              <a:t>typeof</a:t>
+            </a:r>
+            <a:r>
+              <a:rPr lang="de-DE" dirty="0"/>
+              <a:t> </a:t>
+            </a:r>
+            <a:r>
+              <a:rPr lang="de-DE" dirty="0" err="1"/>
+              <a:t>data</a:t>
+            </a:r>
+            <a:r>
+              <a:rPr lang="de-DE" dirty="0"/>
+              <a:t> === "</a:t>
+            </a:r>
+            <a:r>
+              <a:rPr lang="de-DE" dirty="0" err="1"/>
+              <a:t>number</a:t>
+            </a:r>
+            <a:r>
+              <a:rPr lang="de-DE" dirty="0"/>
+              <a:t>") {</a:t>
+            </a:r>
+          </a:p>
+          <a:p>
+            <a:r>
+              <a:rPr lang="de-DE" dirty="0"/>
+              <a:t>            </a:t>
+            </a:r>
+            <a:r>
+              <a:rPr lang="de-DE" dirty="0" err="1"/>
+              <a:t>moneyModel.ammount</a:t>
+            </a:r>
+            <a:r>
+              <a:rPr lang="de-DE" dirty="0"/>
+              <a:t> = </a:t>
+            </a:r>
+            <a:r>
+              <a:rPr lang="de-DE" dirty="0" err="1"/>
+              <a:t>formElement.value</a:t>
+            </a:r>
+            <a:r>
+              <a:rPr lang="de-DE" dirty="0"/>
+              <a:t>;</a:t>
+            </a:r>
+          </a:p>
+          <a:p>
+            <a:r>
+              <a:rPr lang="de-DE" dirty="0"/>
+              <a:t>        } </a:t>
+            </a:r>
+          </a:p>
+          <a:p>
+            <a:r>
+              <a:rPr lang="de-DE" dirty="0"/>
+              <a:t>    }</a:t>
+            </a:r>
+          </a:p>
+          <a:p>
+            <a:r>
+              <a:rPr lang="de-DE" dirty="0"/>
+              <a:t>}</a:t>
+            </a:r>
+          </a:p>
+          <a:p>
+            <a:r>
+              <a:rPr lang="de-DE" dirty="0" err="1" smtClean="0"/>
+              <a:t>var</a:t>
+            </a:r>
+            <a:r>
+              <a:rPr lang="de-DE" dirty="0" smtClean="0"/>
+              <a:t> </a:t>
+            </a:r>
+            <a:r>
+              <a:rPr lang="de-DE" dirty="0" err="1"/>
+              <a:t>logger</a:t>
+            </a:r>
+            <a:r>
+              <a:rPr lang="de-DE" dirty="0"/>
+              <a:t> = {</a:t>
+            </a:r>
+          </a:p>
+          <a:p>
+            <a:r>
+              <a:rPr lang="de-DE" dirty="0"/>
+              <a:t>    </a:t>
+            </a:r>
+            <a:r>
+              <a:rPr lang="de-DE" dirty="0" err="1"/>
+              <a:t>messages</a:t>
+            </a:r>
+            <a:r>
+              <a:rPr lang="de-DE" dirty="0"/>
+              <a:t> : [],</a:t>
+            </a:r>
+          </a:p>
+          <a:p>
+            <a:r>
+              <a:rPr lang="de-DE" dirty="0"/>
+              <a:t>    log : </a:t>
+            </a:r>
+            <a:r>
+              <a:rPr lang="de-DE" dirty="0" err="1"/>
+              <a:t>function</a:t>
+            </a:r>
+            <a:r>
+              <a:rPr lang="de-DE" dirty="0"/>
+              <a:t>(</a:t>
+            </a:r>
+            <a:r>
+              <a:rPr lang="de-DE" dirty="0" err="1"/>
+              <a:t>message</a:t>
+            </a:r>
+            <a:r>
+              <a:rPr lang="de-DE" dirty="0"/>
+              <a:t>) {</a:t>
+            </a:r>
+          </a:p>
+          <a:p>
+            <a:r>
+              <a:rPr lang="de-DE" dirty="0"/>
+              <a:t>        </a:t>
+            </a:r>
+            <a:r>
+              <a:rPr lang="de-DE" dirty="0" err="1"/>
+              <a:t>logger.messages.push</a:t>
+            </a:r>
+            <a:r>
+              <a:rPr lang="de-DE" dirty="0"/>
+              <a:t>(</a:t>
+            </a:r>
+            <a:r>
+              <a:rPr lang="de-DE" dirty="0" err="1"/>
+              <a:t>message</a:t>
+            </a:r>
+            <a:r>
+              <a:rPr lang="de-DE" dirty="0"/>
+              <a:t>);</a:t>
+            </a:r>
+          </a:p>
+          <a:p>
+            <a:r>
+              <a:rPr lang="de-DE" dirty="0"/>
+              <a:t>    }</a:t>
+            </a:r>
+          </a:p>
+          <a:p>
+            <a:r>
+              <a:rPr lang="de-DE" dirty="0"/>
+              <a:t>}</a:t>
+            </a:r>
+          </a:p>
+          <a:p>
+            <a:r>
+              <a:rPr lang="de-DE" dirty="0" err="1" smtClean="0"/>
+              <a:t>formElement.addEventListener</a:t>
+            </a:r>
+            <a:r>
+              <a:rPr lang="de-DE" dirty="0"/>
+              <a:t>(</a:t>
+            </a:r>
+            <a:r>
+              <a:rPr lang="de-DE" dirty="0" err="1"/>
+              <a:t>moneyModel.update</a:t>
+            </a:r>
+            <a:r>
+              <a:rPr lang="de-DE" dirty="0"/>
+              <a:t>);</a:t>
+            </a:r>
+          </a:p>
+          <a:p>
+            <a:r>
+              <a:rPr lang="de-DE" dirty="0" err="1"/>
+              <a:t>formElement.addEventListener</a:t>
+            </a:r>
+            <a:r>
+              <a:rPr lang="de-DE" dirty="0"/>
+              <a:t>(</a:t>
+            </a:r>
+            <a:r>
+              <a:rPr lang="de-DE" dirty="0" err="1"/>
+              <a:t>logger.log</a:t>
+            </a:r>
+            <a:r>
+              <a:rPr lang="de-DE" dirty="0"/>
+              <a:t>);</a:t>
+            </a:r>
+          </a:p>
+          <a:p>
+            <a:endParaRPr lang="de-DE" dirty="0"/>
+          </a:p>
+        </p:txBody>
+      </p:sp>
+      <p:sp>
+        <p:nvSpPr>
+          <p:cNvPr id="3" name="Titel 2"/>
+          <p:cNvSpPr>
+            <a:spLocks noGrp="1"/>
+          </p:cNvSpPr>
+          <p:nvPr>
+            <p:ph type="title"/>
+          </p:nvPr>
+        </p:nvSpPr>
+        <p:spPr/>
+        <p:txBody>
+          <a:bodyPr/>
+          <a:lstStyle/>
+          <a:p>
+            <a:r>
+              <a:rPr lang="de-DE" dirty="0" smtClean="0"/>
+              <a:t>Observer</a:t>
+            </a:r>
+            <a:endParaRPr lang="de-DE" dirty="0"/>
+          </a:p>
+        </p:txBody>
+      </p:sp>
+    </p:spTree>
+    <p:extLst>
+      <p:ext uri="{BB962C8B-B14F-4D97-AF65-F5344CB8AC3E}">
+        <p14:creationId xmlns:p14="http://schemas.microsoft.com/office/powerpoint/2010/main" val="1570624604"/>
+      </p:ext>
+    </p:extLst>
+  </p:cSld>
+  <p:clrMapOvr>
+    <a:masterClrMapping/>
+  </p:clrMapOvr>
+  <mc:AlternateContent xmlns:mc="http://schemas.openxmlformats.org/markup-compatibility/2006" xmlns:p14="http://schemas.microsoft.com/office/powerpoint/2010/main">
+    <mc:Choice Requires="p14">
+      <p:transition spd="slow" p14:dur="2000"/>
+    </mc:Choice>
+    <mc:Fallback xmlns="">
+      <p:transition xmlns:p14="http://schemas.microsoft.com/office/powerpoint/2010/main" spd="slow"/>
+    </mc:Fallback>
+  </mc:AlternateContent>
+</p:sld>
+</file>
+
+<file path=ppt/slides/slide43.xml><?xml version="1.0" encoding="utf-8"?>
+<p:sld xmlns:a="http://schemas.openxmlformats.org/drawingml/2006/main" xmlns:r="http://schemas.openxmlformats.org/officeDocument/2006/relationships" xmlns:p="http://schemas.openxmlformats.org/presentationml/2006/main">
+  <p:cSld>
+    <p:spTree>
+      <p:nvGrpSpPr>
+        <p:cNvPr id="1" name=""/>
+        <p:cNvGrpSpPr/>
+        <p:nvPr/>
+      </p:nvGrpSpPr>
+      <p:grpSpPr>
+        <a:xfrm>
+          <a:off x="0" y="0"/>
+          <a:ext cx="0" cy="0"/>
+          <a:chOff x="0" y="0"/>
+          <a:chExt cx="0" cy="0"/>
+        </a:xfrm>
+      </p:grpSpPr>
+      <p:sp>
+        <p:nvSpPr>
+          <p:cNvPr id="2" name="Inhaltsplatzhalter 1"/>
+          <p:cNvSpPr>
+            <a:spLocks noGrp="1"/>
+          </p:cNvSpPr>
+          <p:nvPr>
+            <p:ph idx="1"/>
+          </p:nvPr>
+        </p:nvSpPr>
+        <p:spPr/>
+        <p:txBody>
+          <a:bodyPr/>
+          <a:lstStyle/>
+          <a:p>
+            <a:r>
+              <a:rPr lang="de-DE" dirty="0" err="1"/>
+              <a:t>formElement.fire</a:t>
+            </a:r>
+            <a:r>
+              <a:rPr lang="de-DE" dirty="0"/>
+              <a:t>(5);</a:t>
+            </a:r>
+          </a:p>
+          <a:p>
+            <a:endParaRPr lang="de-DE" dirty="0"/>
+          </a:p>
+          <a:p>
+            <a:r>
+              <a:rPr lang="de-DE" dirty="0" err="1" smtClean="0"/>
+              <a:t>moneyModel.ammount</a:t>
+            </a:r>
+            <a:r>
+              <a:rPr lang="de-DE" dirty="0" smtClean="0"/>
+              <a:t>; </a:t>
+            </a:r>
+            <a:r>
+              <a:rPr lang="de-DE" dirty="0"/>
+              <a:t>// 5</a:t>
+            </a:r>
+          </a:p>
+          <a:p>
+            <a:r>
+              <a:rPr lang="de-DE" dirty="0" err="1" smtClean="0"/>
+              <a:t>log.messages</a:t>
+            </a:r>
+            <a:r>
+              <a:rPr lang="de-DE" dirty="0" smtClean="0"/>
+              <a:t>; </a:t>
+            </a:r>
+            <a:r>
+              <a:rPr lang="de-DE" dirty="0"/>
+              <a:t>// 5</a:t>
+            </a:r>
+          </a:p>
+          <a:p>
+            <a:endParaRPr lang="de-DE" dirty="0"/>
+          </a:p>
+        </p:txBody>
+      </p:sp>
+      <p:sp>
+        <p:nvSpPr>
+          <p:cNvPr id="3" name="Titel 2"/>
+          <p:cNvSpPr>
+            <a:spLocks noGrp="1"/>
+          </p:cNvSpPr>
+          <p:nvPr>
+            <p:ph type="title"/>
+          </p:nvPr>
+        </p:nvSpPr>
+        <p:spPr/>
+        <p:txBody>
+          <a:bodyPr/>
+          <a:lstStyle/>
+          <a:p>
+            <a:r>
+              <a:rPr lang="de-DE" dirty="0" smtClean="0"/>
+              <a:t>Observer</a:t>
+            </a:r>
+            <a:endParaRPr lang="de-DE" dirty="0"/>
+          </a:p>
+        </p:txBody>
+      </p:sp>
+    </p:spTree>
+    <p:extLst>
+      <p:ext uri="{BB962C8B-B14F-4D97-AF65-F5344CB8AC3E}">
+        <p14:creationId xmlns:p14="http://schemas.microsoft.com/office/powerpoint/2010/main" val="1768661324"/>
+      </p:ext>
+    </p:extLst>
+  </p:cSld>
+  <p:clrMapOvr>
+    <a:masterClrMapping/>
+  </p:clrMapOvr>
+  <mc:AlternateContent xmlns:mc="http://schemas.openxmlformats.org/markup-compatibility/2006" xmlns:p14="http://schemas.microsoft.com/office/powerpoint/2010/main">
+    <mc:Choice Requires="p14">
+      <p:transition spd="slow" p14:dur="2000"/>
+    </mc:Choice>
+    <mc:Fallback xmlns="">
+      <p:transition xmlns:p14="http://schemas.microsoft.com/office/powerpoint/2010/main" spd="slow"/>
+    </mc:Fallback>
+  </mc:AlternateContent>
+</p:sld>
+</file>
+
+<file path=ppt/slides/slide44.xml><?xml version="1.0" encoding="utf-8"?>
+<p:sld xmlns:a="http://schemas.openxmlformats.org/drawingml/2006/main" xmlns:r="http://schemas.openxmlformats.org/officeDocument/2006/relationships" xmlns:p="http://schemas.openxmlformats.org/presentationml/2006/main">
+  <p:cSld>
+    <p:spTree>
+      <p:nvGrpSpPr>
+        <p:cNvPr id="1" name=""/>
+        <p:cNvGrpSpPr/>
+        <p:nvPr/>
+      </p:nvGrpSpPr>
+      <p:grpSpPr>
+        <a:xfrm>
+          <a:off x="0" y="0"/>
+          <a:ext cx="0" cy="0"/>
+          <a:chOff x="0" y="0"/>
+          <a:chExt cx="0" cy="0"/>
+        </a:xfrm>
+      </p:grpSpPr>
+      <p:sp>
+        <p:nvSpPr>
+          <p:cNvPr id="2" name="Inhaltsplatzhalter 1"/>
+          <p:cNvSpPr>
+            <a:spLocks noGrp="1"/>
+          </p:cNvSpPr>
+          <p:nvPr>
+            <p:ph idx="1"/>
+          </p:nvPr>
+        </p:nvSpPr>
+        <p:spPr/>
+        <p:txBody>
+          <a:bodyPr/>
+          <a:lstStyle/>
+          <a:p>
+            <a:pPr marL="0" indent="0">
+              <a:buNone/>
+            </a:pPr>
+            <a:r>
+              <a:rPr lang="de-DE" dirty="0" smtClean="0"/>
+              <a:t>ein Template definiert Methoden</a:t>
+            </a:r>
+          </a:p>
+          <a:p>
+            <a:pPr marL="0" indent="0">
+              <a:buNone/>
+            </a:pPr>
+            <a:r>
+              <a:rPr lang="de-DE" dirty="0"/>
+              <a:t>stellt das Gerüst für konkrete Implementierungen </a:t>
+            </a:r>
+            <a:r>
+              <a:rPr lang="de-DE" dirty="0" smtClean="0"/>
+              <a:t>bereit</a:t>
+            </a:r>
+          </a:p>
+          <a:p>
+            <a:pPr marL="0" indent="0">
+              <a:buNone/>
+            </a:pPr>
+            <a:r>
+              <a:rPr lang="de-DE" dirty="0"/>
+              <a:t>abgeleiteten Objekt </a:t>
+            </a:r>
+            <a:r>
+              <a:rPr lang="de-DE" dirty="0" smtClean="0"/>
+              <a:t>überschreiben einzelne Methoden</a:t>
+            </a:r>
+          </a:p>
+          <a:p>
+            <a:pPr marL="0" indent="0">
+              <a:buNone/>
+            </a:pPr>
+            <a:r>
+              <a:rPr lang="de-DE" dirty="0"/>
+              <a:t>Inversion-</a:t>
+            </a:r>
+            <a:r>
+              <a:rPr lang="de-DE" dirty="0" err="1"/>
+              <a:t>of</a:t>
+            </a:r>
+            <a:r>
+              <a:rPr lang="de-DE" dirty="0"/>
+              <a:t>-</a:t>
+            </a:r>
+            <a:r>
+              <a:rPr lang="de-DE" dirty="0" err="1"/>
+              <a:t>Control</a:t>
+            </a:r>
+            <a:endParaRPr lang="de-DE" dirty="0" smtClean="0"/>
+          </a:p>
+          <a:p>
+            <a:pPr marL="0" indent="0">
+              <a:buNone/>
+            </a:pPr>
+            <a:r>
+              <a:rPr lang="de-DE" dirty="0"/>
+              <a:t>Entwurf von Darstellungskomponenten</a:t>
+            </a:r>
+          </a:p>
+        </p:txBody>
+      </p:sp>
+      <p:sp>
+        <p:nvSpPr>
+          <p:cNvPr id="3" name="Titel 2"/>
+          <p:cNvSpPr>
+            <a:spLocks noGrp="1"/>
+          </p:cNvSpPr>
+          <p:nvPr>
+            <p:ph type="title"/>
+          </p:nvPr>
+        </p:nvSpPr>
+        <p:spPr/>
+        <p:txBody>
+          <a:bodyPr/>
+          <a:lstStyle/>
+          <a:p>
+            <a:r>
+              <a:rPr lang="de-DE" dirty="0" smtClean="0"/>
+              <a:t>Template </a:t>
+            </a:r>
+            <a:r>
+              <a:rPr lang="de-DE" dirty="0" err="1" smtClean="0"/>
+              <a:t>Method</a:t>
+            </a:r>
+            <a:endParaRPr lang="de-DE" dirty="0"/>
+          </a:p>
+        </p:txBody>
+      </p:sp>
+    </p:spTree>
+    <p:extLst>
+      <p:ext uri="{BB962C8B-B14F-4D97-AF65-F5344CB8AC3E}">
+        <p14:creationId xmlns:p14="http://schemas.microsoft.com/office/powerpoint/2010/main" val="98011362"/>
+      </p:ext>
+    </p:extLst>
+  </p:cSld>
+  <p:clrMapOvr>
+    <a:masterClrMapping/>
+  </p:clrMapOvr>
+  <mc:AlternateContent xmlns:mc="http://schemas.openxmlformats.org/markup-compatibility/2006" xmlns:p14="http://schemas.microsoft.com/office/powerpoint/2010/main">
+    <mc:Choice Requires="p14">
+      <p:transition spd="slow" p14:dur="2000"/>
+    </mc:Choice>
+    <mc:Fallback xmlns="">
+      <p:transition xmlns:p14="http://schemas.microsoft.com/office/powerpoint/2010/main" spd="slow"/>
+    </mc:Fallback>
+  </mc:AlternateContent>
+</p:sld>
+</file>
+
+<file path=ppt/slides/slide45.xml><?xml version="1.0" encoding="utf-8"?>
+<p:sld xmlns:a="http://schemas.openxmlformats.org/drawingml/2006/main" xmlns:r="http://schemas.openxmlformats.org/officeDocument/2006/relationships" xmlns:p="http://schemas.openxmlformats.org/presentationml/2006/main">
+  <p:cSld>
+    <p:spTree>
+      <p:nvGrpSpPr>
+        <p:cNvPr id="1" name=""/>
+        <p:cNvGrpSpPr/>
+        <p:nvPr/>
+      </p:nvGrpSpPr>
+      <p:grpSpPr>
+        <a:xfrm>
+          <a:off x="0" y="0"/>
+          <a:ext cx="0" cy="0"/>
+          <a:chOff x="0" y="0"/>
+          <a:chExt cx="0" cy="0"/>
+        </a:xfrm>
+      </p:grpSpPr>
+      <p:sp>
+        <p:nvSpPr>
+          <p:cNvPr id="2" name="Inhaltsplatzhalter 1"/>
+          <p:cNvSpPr>
+            <a:spLocks noGrp="1"/>
+          </p:cNvSpPr>
+          <p:nvPr>
+            <p:ph idx="1"/>
+          </p:nvPr>
+        </p:nvSpPr>
+        <p:spPr/>
+        <p:txBody>
+          <a:bodyPr/>
+          <a:lstStyle/>
+          <a:p>
+            <a:r>
+              <a:rPr lang="en-US" dirty="0" err="1"/>
+              <a:t>var</a:t>
+            </a:r>
+            <a:r>
+              <a:rPr lang="en-US" dirty="0"/>
+              <a:t> Ad = function () {</a:t>
+            </a:r>
+          </a:p>
+          <a:p>
+            <a:r>
+              <a:rPr lang="en-US" dirty="0"/>
+              <a:t>    </a:t>
+            </a:r>
+            <a:r>
+              <a:rPr lang="en-US" dirty="0" err="1"/>
+              <a:t>this.execute</a:t>
+            </a:r>
+            <a:r>
+              <a:rPr lang="en-US" dirty="0"/>
+              <a:t> = function () {</a:t>
+            </a:r>
+          </a:p>
+          <a:p>
+            <a:r>
+              <a:rPr lang="en-US" dirty="0"/>
+              <a:t>        // do some heavy stuff</a:t>
+            </a:r>
+          </a:p>
+          <a:p>
+            <a:r>
+              <a:rPr lang="en-US" dirty="0"/>
+              <a:t>        ;</a:t>
+            </a:r>
+          </a:p>
+          <a:p>
+            <a:r>
+              <a:rPr lang="en-US" dirty="0"/>
+              <a:t>        // and display the add</a:t>
+            </a:r>
+          </a:p>
+          <a:p>
+            <a:r>
+              <a:rPr lang="en-US" dirty="0"/>
+              <a:t>        </a:t>
+            </a:r>
+            <a:r>
+              <a:rPr lang="en-US" dirty="0" err="1"/>
+              <a:t>this.display</a:t>
+            </a:r>
+            <a:r>
+              <a:rPr lang="en-US" dirty="0"/>
+              <a:t>();</a:t>
+            </a:r>
+          </a:p>
+          <a:p>
+            <a:r>
+              <a:rPr lang="en-US" dirty="0"/>
+              <a:t>    },</a:t>
+            </a:r>
+          </a:p>
+          <a:p>
+            <a:r>
+              <a:rPr lang="en-US" dirty="0"/>
+              <a:t>    </a:t>
+            </a:r>
+            <a:r>
+              <a:rPr lang="en-US" dirty="0" err="1"/>
+              <a:t>this.display</a:t>
+            </a:r>
+            <a:r>
+              <a:rPr lang="en-US" dirty="0"/>
+              <a:t> = function () {</a:t>
+            </a:r>
+          </a:p>
+          <a:p>
+            <a:r>
+              <a:rPr lang="en-US" dirty="0"/>
+              <a:t>        throw "Not implemented yet!";</a:t>
+            </a:r>
+          </a:p>
+          <a:p>
+            <a:r>
+              <a:rPr lang="en-US" dirty="0"/>
+              <a:t>    }</a:t>
+            </a:r>
+          </a:p>
+          <a:p>
+            <a:r>
+              <a:rPr lang="en-US" dirty="0"/>
+              <a:t>}; </a:t>
+            </a:r>
+          </a:p>
+          <a:p>
+            <a:endParaRPr lang="de-DE" dirty="0"/>
+          </a:p>
+        </p:txBody>
+      </p:sp>
+      <p:sp>
+        <p:nvSpPr>
+          <p:cNvPr id="3" name="Titel 2"/>
+          <p:cNvSpPr>
+            <a:spLocks noGrp="1"/>
+          </p:cNvSpPr>
+          <p:nvPr>
+            <p:ph type="title"/>
+          </p:nvPr>
+        </p:nvSpPr>
+        <p:spPr/>
+        <p:txBody>
+          <a:bodyPr/>
+          <a:lstStyle/>
+          <a:p>
+            <a:r>
+              <a:rPr lang="de-DE" dirty="0" smtClean="0"/>
+              <a:t>Template </a:t>
+            </a:r>
+            <a:r>
+              <a:rPr lang="de-DE" dirty="0" err="1" smtClean="0"/>
+              <a:t>Method</a:t>
+            </a:r>
+            <a:endParaRPr lang="de-DE" dirty="0"/>
+          </a:p>
+        </p:txBody>
+      </p:sp>
+    </p:spTree>
+    <p:extLst>
+      <p:ext uri="{BB962C8B-B14F-4D97-AF65-F5344CB8AC3E}">
+        <p14:creationId xmlns:p14="http://schemas.microsoft.com/office/powerpoint/2010/main" val="1365218095"/>
+      </p:ext>
+    </p:extLst>
+  </p:cSld>
+  <p:clrMapOvr>
+    <a:masterClrMapping/>
+  </p:clrMapOvr>
+  <mc:AlternateContent xmlns:mc="http://schemas.openxmlformats.org/markup-compatibility/2006" xmlns:p14="http://schemas.microsoft.com/office/powerpoint/2010/main">
+    <mc:Choice Requires="p14">
+      <p:transition spd="slow" p14:dur="2000"/>
+    </mc:Choice>
+    <mc:Fallback xmlns="">
+      <p:transition xmlns:p14="http://schemas.microsoft.com/office/powerpoint/2010/main" spd="slow"/>
+    </mc:Fallback>
+  </mc:AlternateContent>
+</p:sld>
+</file>
+
+<file path=ppt/slides/slide46.xml><?xml version="1.0" encoding="utf-8"?>
+<p:sld xmlns:a="http://schemas.openxmlformats.org/drawingml/2006/main" xmlns:r="http://schemas.openxmlformats.org/officeDocument/2006/relationships" xmlns:p="http://schemas.openxmlformats.org/presentationml/2006/main">
+  <p:cSld>
+    <p:spTree>
+      <p:nvGrpSpPr>
+        <p:cNvPr id="1" name=""/>
+        <p:cNvGrpSpPr/>
+        <p:nvPr/>
+      </p:nvGrpSpPr>
+      <p:grpSpPr>
+        <a:xfrm>
+          <a:off x="0" y="0"/>
+          <a:ext cx="0" cy="0"/>
+          <a:chOff x="0" y="0"/>
+          <a:chExt cx="0" cy="0"/>
+        </a:xfrm>
+      </p:grpSpPr>
+      <p:sp>
+        <p:nvSpPr>
+          <p:cNvPr id="2" name="Inhaltsplatzhalter 1"/>
+          <p:cNvSpPr>
+            <a:spLocks noGrp="1"/>
+          </p:cNvSpPr>
+          <p:nvPr>
+            <p:ph idx="1"/>
+          </p:nvPr>
+        </p:nvSpPr>
+        <p:spPr/>
+        <p:txBody>
+          <a:bodyPr>
+            <a:normAutofit fontScale="92500" lnSpcReduction="20000"/>
+          </a:bodyPr>
+          <a:lstStyle/>
+          <a:p>
+            <a:r>
+              <a:rPr lang="en-US" dirty="0" err="1"/>
+              <a:t>var</a:t>
+            </a:r>
+            <a:r>
+              <a:rPr lang="en-US" dirty="0"/>
+              <a:t> </a:t>
+            </a:r>
+            <a:r>
+              <a:rPr lang="en-US" dirty="0" err="1"/>
+              <a:t>FlashAd</a:t>
+            </a:r>
+            <a:r>
+              <a:rPr lang="en-US" dirty="0"/>
+              <a:t> = function () {};</a:t>
+            </a:r>
+          </a:p>
+          <a:p>
+            <a:r>
+              <a:rPr lang="en-US" dirty="0" err="1"/>
+              <a:t>FlashAd.prototype</a:t>
+            </a:r>
+            <a:r>
+              <a:rPr lang="en-US" dirty="0"/>
+              <a:t> = new Ad();</a:t>
+            </a:r>
+          </a:p>
+          <a:p>
+            <a:r>
+              <a:rPr lang="en-US" dirty="0" err="1"/>
+              <a:t>FlashAd.prototype.display</a:t>
+            </a:r>
+            <a:r>
+              <a:rPr lang="en-US" dirty="0"/>
+              <a:t> = function () {</a:t>
+            </a:r>
+          </a:p>
+          <a:p>
+            <a:r>
+              <a:rPr lang="en-US" dirty="0"/>
+              <a:t>    print("Displays a Flash Ad");</a:t>
+            </a:r>
+          </a:p>
+          <a:p>
+            <a:r>
+              <a:rPr lang="en-US" dirty="0"/>
+              <a:t>};</a:t>
+            </a:r>
+          </a:p>
+          <a:p>
+            <a:endParaRPr lang="en-US" dirty="0"/>
+          </a:p>
+          <a:p>
+            <a:r>
+              <a:rPr lang="en-US" dirty="0" err="1"/>
+              <a:t>var</a:t>
+            </a:r>
+            <a:r>
+              <a:rPr lang="en-US" dirty="0"/>
+              <a:t> </a:t>
+            </a:r>
+            <a:r>
+              <a:rPr lang="en-US" dirty="0" err="1"/>
+              <a:t>BannerAd</a:t>
+            </a:r>
+            <a:r>
+              <a:rPr lang="en-US" dirty="0"/>
+              <a:t> = function () {};</a:t>
+            </a:r>
+          </a:p>
+          <a:p>
+            <a:r>
+              <a:rPr lang="en-US" dirty="0" err="1"/>
+              <a:t>BannerAd.prototype</a:t>
+            </a:r>
+            <a:r>
+              <a:rPr lang="en-US" dirty="0"/>
+              <a:t> = new Ad();</a:t>
+            </a:r>
+          </a:p>
+          <a:p>
+            <a:r>
+              <a:rPr lang="en-US" dirty="0" err="1"/>
+              <a:t>BannerAd.prototype.display</a:t>
+            </a:r>
+            <a:r>
+              <a:rPr lang="en-US" dirty="0"/>
+              <a:t> = function() {</a:t>
+            </a:r>
+          </a:p>
+          <a:p>
+            <a:r>
+              <a:rPr lang="en-US" dirty="0"/>
+              <a:t>  print("Displays a Banner Ad");  </a:t>
+            </a:r>
+          </a:p>
+          <a:p>
+            <a:r>
+              <a:rPr lang="en-US" dirty="0"/>
+              <a:t>};</a:t>
+            </a:r>
+          </a:p>
+          <a:p>
+            <a:endParaRPr lang="en-US" dirty="0"/>
+          </a:p>
+          <a:p>
+            <a:r>
+              <a:rPr lang="en-US" dirty="0" err="1"/>
+              <a:t>var</a:t>
+            </a:r>
+            <a:r>
+              <a:rPr lang="en-US" dirty="0"/>
+              <a:t> </a:t>
+            </a:r>
+            <a:r>
+              <a:rPr lang="en-US" dirty="0" err="1"/>
+              <a:t>anoyingAd</a:t>
+            </a:r>
+            <a:r>
+              <a:rPr lang="en-US" dirty="0"/>
+              <a:t> = new </a:t>
+            </a:r>
+            <a:r>
+              <a:rPr lang="en-US" dirty="0" err="1"/>
+              <a:t>BannerAd</a:t>
+            </a:r>
+            <a:r>
+              <a:rPr lang="en-US" dirty="0"/>
+              <a:t>();</a:t>
+            </a:r>
+          </a:p>
+          <a:p>
+            <a:r>
+              <a:rPr lang="en-US" dirty="0" err="1"/>
+              <a:t>anoyingAd.display</a:t>
+            </a:r>
+            <a:r>
+              <a:rPr lang="en-US" dirty="0"/>
+              <a:t>(); // Displays a Banner Ad</a:t>
+            </a:r>
+          </a:p>
+        </p:txBody>
+      </p:sp>
+      <p:sp>
+        <p:nvSpPr>
+          <p:cNvPr id="3" name="Titel 2"/>
+          <p:cNvSpPr>
+            <a:spLocks noGrp="1"/>
+          </p:cNvSpPr>
+          <p:nvPr>
+            <p:ph type="title"/>
+          </p:nvPr>
+        </p:nvSpPr>
+        <p:spPr/>
+        <p:txBody>
+          <a:bodyPr/>
+          <a:lstStyle/>
+          <a:p>
+            <a:r>
+              <a:rPr lang="de-DE" dirty="0" smtClean="0"/>
+              <a:t>Template </a:t>
+            </a:r>
+            <a:r>
+              <a:rPr lang="de-DE" dirty="0" err="1" smtClean="0"/>
+              <a:t>Method</a:t>
+            </a:r>
+            <a:endParaRPr lang="de-DE" dirty="0"/>
+          </a:p>
+        </p:txBody>
+      </p:sp>
+    </p:spTree>
+    <p:extLst>
+      <p:ext uri="{BB962C8B-B14F-4D97-AF65-F5344CB8AC3E}">
+        <p14:creationId xmlns:p14="http://schemas.microsoft.com/office/powerpoint/2010/main" val="285354581"/>
+      </p:ext>
+    </p:extLst>
+  </p:cSld>
+  <p:clrMapOvr>
+    <a:masterClrMapping/>
+  </p:clrMapOvr>
+  <mc:AlternateContent xmlns:mc="http://schemas.openxmlformats.org/markup-compatibility/2006" xmlns:p14="http://schemas.microsoft.com/office/powerpoint/2010/main">
+    <mc:Choice Requires="p14">
+      <p:transition spd="slow" p14:dur="2000"/>
+    </mc:Choice>
+    <mc:Fallback xmlns="">
+      <p:transition xmlns:p14="http://schemas.microsoft.com/office/powerpoint/2010/main" spd="slow"/>
+    </mc:Fallback>
+  </mc:AlternateContent>
+  <p:timing>
+    <p:tnLst>
+      <p:par>
+        <p:cTn xmlns:p14="http://schemas.microsoft.com/office/powerpoint/2010/main" id="1" dur="indefinite" restart="never" nodeType="tmRoot"/>
+      </p:par>
+    </p:tnLst>
+  </p:timing>
+</p:sld>
+</file>
+
+<file path=ppt/slides/slide47.xml><?xml version="1.0" encoding="utf-8"?>
+<p:sld xmlns:a="http://schemas.openxmlformats.org/drawingml/2006/main" xmlns:r="http://schemas.openxmlformats.org/officeDocument/2006/relationships" xmlns:p="http://schemas.openxmlformats.org/presentationml/2006/main">
+  <p:cSld>
+    <p:spTree>
+      <p:nvGrpSpPr>
+        <p:cNvPr id="1" name=""/>
+        <p:cNvGrpSpPr/>
+        <p:nvPr/>
+      </p:nvGrpSpPr>
+      <p:grpSpPr>
+        <a:xfrm>
+          <a:off x="0" y="0"/>
+          <a:ext cx="0" cy="0"/>
+          <a:chOff x="0" y="0"/>
+          <a:chExt cx="0" cy="0"/>
+        </a:xfrm>
+      </p:grpSpPr>
+      <p:pic>
+        <p:nvPicPr>
+          <p:cNvPr id="5" name="Bild 4" descr="130515-0001.png"/>
+          <p:cNvPicPr>
+            <a:picLocks noChangeAspect="1"/>
+          </p:cNvPicPr>
+          <p:nvPr/>
+        </p:nvPicPr>
+        <p:blipFill>
+          <a:blip r:embed="rId3">
+            <a:alphaModFix amt="44000"/>
+            <a:extLst>
+              <a:ext uri="{28A0092B-C50C-407E-A947-70E740481C1C}">
+                <a14:useLocalDpi xmlns:a14="http://schemas.microsoft.com/office/drawing/2010/main" val="0"/>
+              </a:ext>
+            </a:extLst>
+          </a:blip>
+          <a:stretch>
+            <a:fillRect/>
+          </a:stretch>
+        </p:blipFill>
+        <p:spPr>
+          <a:xfrm>
+            <a:off x="-396552" y="0"/>
+            <a:ext cx="10073118" cy="6858000"/>
+          </a:xfrm>
+          <a:prstGeom prst="rect">
+            <a:avLst/>
+          </a:prstGeom>
+        </p:spPr>
+      </p:pic>
+      <p:sp>
+        <p:nvSpPr>
+          <p:cNvPr id="2" name="Inhaltsplatzhalter 1"/>
+          <p:cNvSpPr>
+            <a:spLocks noGrp="1"/>
+          </p:cNvSpPr>
+          <p:nvPr>
+            <p:ph idx="1"/>
+          </p:nvPr>
+        </p:nvSpPr>
+        <p:spPr>
+          <a:xfrm>
+            <a:off x="252000" y="1089280"/>
+            <a:ext cx="8532000" cy="4860000"/>
+          </a:xfrm>
+        </p:spPr>
+        <p:txBody>
+          <a:bodyPr>
+            <a:noAutofit/>
+          </a:bodyPr>
+          <a:lstStyle/>
+          <a:p>
+            <a:pPr marL="0" indent="0">
+              <a:buNone/>
+            </a:pPr>
+            <a:endParaRPr lang="de-DE" dirty="0" smtClean="0"/>
+          </a:p>
+          <a:p>
+            <a:pPr marL="0" indent="0">
+              <a:buNone/>
+            </a:pPr>
+            <a:endParaRPr lang="de-DE" dirty="0"/>
+          </a:p>
+          <a:p>
+            <a:pPr marL="0" indent="0">
+              <a:buNone/>
+            </a:pPr>
+            <a:endParaRPr lang="de-DE" dirty="0" smtClean="0"/>
+          </a:p>
+          <a:p>
+            <a:pPr marL="0" indent="0">
+              <a:buNone/>
+            </a:pPr>
+            <a:r>
+              <a:rPr lang="de-DE" dirty="0"/>
+              <a:t>ES5</a:t>
+            </a:r>
+          </a:p>
+          <a:p>
+            <a:pPr marL="0" indent="0">
+              <a:buNone/>
+            </a:pPr>
+            <a:r>
+              <a:rPr lang="de-DE" dirty="0"/>
+              <a:t>Patterns</a:t>
+            </a:r>
+          </a:p>
+          <a:p>
+            <a:pPr marL="0" indent="0">
+              <a:buNone/>
+            </a:pPr>
+            <a:r>
+              <a:rPr lang="de-DE" dirty="0" err="1"/>
+              <a:t>jQuery</a:t>
+            </a:r>
+            <a:r>
+              <a:rPr lang="de-DE" dirty="0"/>
+              <a:t> im Einsatz</a:t>
+            </a:r>
+          </a:p>
+          <a:p>
+            <a:pPr marL="0" indent="0">
+              <a:buNone/>
+            </a:pPr>
+            <a:r>
+              <a:rPr lang="de-DE" dirty="0"/>
+              <a:t>Module (</a:t>
+            </a:r>
+            <a:r>
+              <a:rPr lang="de-DE" dirty="0" err="1"/>
+              <a:t>CommonJS</a:t>
+            </a:r>
+            <a:r>
+              <a:rPr lang="de-DE" dirty="0"/>
+              <a:t>, AMD)</a:t>
+            </a:r>
+          </a:p>
+          <a:p>
+            <a:pPr marL="0" indent="0">
+              <a:buNone/>
+            </a:pPr>
+            <a:r>
+              <a:rPr lang="de-DE" dirty="0"/>
+              <a:t>F&amp;A</a:t>
+            </a:r>
+          </a:p>
+        </p:txBody>
+      </p:sp>
+      <p:sp>
+        <p:nvSpPr>
+          <p:cNvPr id="3" name="Titel 2"/>
+          <p:cNvSpPr>
+            <a:spLocks noGrp="1"/>
+          </p:cNvSpPr>
+          <p:nvPr>
+            <p:ph type="title"/>
+          </p:nvPr>
+        </p:nvSpPr>
+        <p:spPr/>
+        <p:txBody>
+          <a:bodyPr/>
+          <a:lstStyle/>
+          <a:p>
+            <a:r>
+              <a:rPr lang="de-DE" dirty="0" smtClean="0"/>
+              <a:t>Fazit Tag 1</a:t>
+            </a:r>
+            <a:endParaRPr lang="de-DE" dirty="0"/>
+          </a:p>
+        </p:txBody>
+      </p:sp>
+    </p:spTree>
+    <p:extLst>
+      <p:ext uri="{BB962C8B-B14F-4D97-AF65-F5344CB8AC3E}">
+        <p14:creationId xmlns:p14="http://schemas.microsoft.com/office/powerpoint/2010/main" val="3221215062"/>
       </p:ext>
     </p:extLst>
   </p:cSld>

--- a/Tag 2.pptx
+++ b/Tag 2.pptx
@@ -5,10 +5,10 @@
     <p:sldMasterId id="2147483648" r:id="rId4"/>
   </p:sldMasterIdLst>
   <p:notesMasterIdLst>
-    <p:notesMasterId r:id="rId52"/>
+    <p:notesMasterId r:id="rId54"/>
   </p:notesMasterIdLst>
   <p:handoutMasterIdLst>
-    <p:handoutMasterId r:id="rId53"/>
+    <p:handoutMasterId r:id="rId55"/>
   </p:handoutMasterIdLst>
   <p:sldIdLst>
     <p:sldId id="256" r:id="rId5"/>
@@ -24,40 +24,42 @@
     <p:sldId id="388" r:id="rId15"/>
     <p:sldId id="385" r:id="rId16"/>
     <p:sldId id="372" r:id="rId17"/>
-    <p:sldId id="421" r:id="rId18"/>
-    <p:sldId id="389" r:id="rId19"/>
-    <p:sldId id="390" r:id="rId20"/>
-    <p:sldId id="391" r:id="rId21"/>
-    <p:sldId id="392" r:id="rId22"/>
-    <p:sldId id="393" r:id="rId23"/>
-    <p:sldId id="394" r:id="rId24"/>
-    <p:sldId id="395" r:id="rId25"/>
-    <p:sldId id="396" r:id="rId26"/>
-    <p:sldId id="397" r:id="rId27"/>
-    <p:sldId id="398" r:id="rId28"/>
-    <p:sldId id="399" r:id="rId29"/>
-    <p:sldId id="400" r:id="rId30"/>
-    <p:sldId id="401" r:id="rId31"/>
-    <p:sldId id="402" r:id="rId32"/>
-    <p:sldId id="403" r:id="rId33"/>
-    <p:sldId id="404" r:id="rId34"/>
-    <p:sldId id="405" r:id="rId35"/>
-    <p:sldId id="406" r:id="rId36"/>
-    <p:sldId id="407" r:id="rId37"/>
-    <p:sldId id="408" r:id="rId38"/>
-    <p:sldId id="409" r:id="rId39"/>
-    <p:sldId id="410" r:id="rId40"/>
-    <p:sldId id="411" r:id="rId41"/>
-    <p:sldId id="412" r:id="rId42"/>
-    <p:sldId id="413" r:id="rId43"/>
-    <p:sldId id="414" r:id="rId44"/>
-    <p:sldId id="415" r:id="rId45"/>
-    <p:sldId id="416" r:id="rId46"/>
-    <p:sldId id="417" r:id="rId47"/>
-    <p:sldId id="418" r:id="rId48"/>
-    <p:sldId id="419" r:id="rId49"/>
-    <p:sldId id="420" r:id="rId50"/>
-    <p:sldId id="379" r:id="rId51"/>
+    <p:sldId id="422" r:id="rId18"/>
+    <p:sldId id="423" r:id="rId19"/>
+    <p:sldId id="421" r:id="rId20"/>
+    <p:sldId id="389" r:id="rId21"/>
+    <p:sldId id="390" r:id="rId22"/>
+    <p:sldId id="391" r:id="rId23"/>
+    <p:sldId id="392" r:id="rId24"/>
+    <p:sldId id="393" r:id="rId25"/>
+    <p:sldId id="394" r:id="rId26"/>
+    <p:sldId id="395" r:id="rId27"/>
+    <p:sldId id="396" r:id="rId28"/>
+    <p:sldId id="397" r:id="rId29"/>
+    <p:sldId id="398" r:id="rId30"/>
+    <p:sldId id="399" r:id="rId31"/>
+    <p:sldId id="400" r:id="rId32"/>
+    <p:sldId id="401" r:id="rId33"/>
+    <p:sldId id="402" r:id="rId34"/>
+    <p:sldId id="403" r:id="rId35"/>
+    <p:sldId id="404" r:id="rId36"/>
+    <p:sldId id="405" r:id="rId37"/>
+    <p:sldId id="406" r:id="rId38"/>
+    <p:sldId id="407" r:id="rId39"/>
+    <p:sldId id="408" r:id="rId40"/>
+    <p:sldId id="409" r:id="rId41"/>
+    <p:sldId id="410" r:id="rId42"/>
+    <p:sldId id="411" r:id="rId43"/>
+    <p:sldId id="412" r:id="rId44"/>
+    <p:sldId id="413" r:id="rId45"/>
+    <p:sldId id="414" r:id="rId46"/>
+    <p:sldId id="415" r:id="rId47"/>
+    <p:sldId id="416" r:id="rId48"/>
+    <p:sldId id="417" r:id="rId49"/>
+    <p:sldId id="418" r:id="rId50"/>
+    <p:sldId id="419" r:id="rId51"/>
+    <p:sldId id="420" r:id="rId52"/>
+    <p:sldId id="379" r:id="rId53"/>
   </p:sldIdLst>
   <p:sldSz cx="9144000" cy="6858000" type="screen4x3"/>
   <p:notesSz cx="7102475" cy="10234613"/>
@@ -837,6 +839,10 @@
           <a:bodyPr/>
           <a:lstStyle/>
           <a:p>
+            <a:r>
+              <a:rPr lang="de-DE" dirty="0" smtClean="0"/>
+              <a:t>Entwurfsmuster</a:t>
+            </a:r>
             <a:endParaRPr lang="de-DE" dirty="0"/>
           </a:p>
         </p:txBody>
@@ -859,7 +865,263 @@
             <a:fld id="{96B3538B-D81F-476E-A31A-F9ABC7F48F1A}" type="slidenum">
               <a:rPr lang="de-DE" smtClean="0"/>
               <a:pPr/>
-              <a:t>47</a:t>
+              <a:t>16</a:t>
+            </a:fld>
+            <a:endParaRPr lang="de-DE"/>
+          </a:p>
+        </p:txBody>
+      </p:sp>
+    </p:spTree>
+    <p:extLst>
+      <p:ext uri="{BB962C8B-B14F-4D97-AF65-F5344CB8AC3E}">
+        <p14:creationId xmlns:p14="http://schemas.microsoft.com/office/powerpoint/2010/main" val="457361365"/>
+      </p:ext>
+    </p:extLst>
+  </p:cSld>
+  <p:clrMapOvr>
+    <a:masterClrMapping/>
+  </p:clrMapOvr>
+</p:notes>
+</file>
+
+<file path=ppt/notesSlides/notesSlide11.xml><?xml version="1.0" encoding="utf-8"?>
+<p:notes xmlns:a="http://schemas.openxmlformats.org/drawingml/2006/main" xmlns:r="http://schemas.openxmlformats.org/officeDocument/2006/relationships" xmlns:p="http://schemas.openxmlformats.org/presentationml/2006/main">
+  <p:cSld>
+    <p:spTree>
+      <p:nvGrpSpPr>
+        <p:cNvPr id="1" name=""/>
+        <p:cNvGrpSpPr/>
+        <p:nvPr/>
+      </p:nvGrpSpPr>
+      <p:grpSpPr>
+        <a:xfrm>
+          <a:off x="0" y="0"/>
+          <a:ext cx="0" cy="0"/>
+          <a:chOff x="0" y="0"/>
+          <a:chExt cx="0" cy="0"/>
+        </a:xfrm>
+      </p:grpSpPr>
+      <p:sp>
+        <p:nvSpPr>
+          <p:cNvPr id="2" name="Folienbildplatzhalter 1"/>
+          <p:cNvSpPr>
+            <a:spLocks noGrp="1" noRot="1" noChangeAspect="1"/>
+          </p:cNvSpPr>
+          <p:nvPr>
+            <p:ph type="sldImg"/>
+          </p:nvPr>
+        </p:nvSpPr>
+        <p:spPr/>
+      </p:sp>
+      <p:sp>
+        <p:nvSpPr>
+          <p:cNvPr id="3" name="Notizenplatzhalter 2"/>
+          <p:cNvSpPr>
+            <a:spLocks noGrp="1"/>
+          </p:cNvSpPr>
+          <p:nvPr>
+            <p:ph type="body" idx="1"/>
+          </p:nvPr>
+        </p:nvSpPr>
+        <p:spPr/>
+        <p:txBody>
+          <a:bodyPr/>
+          <a:lstStyle/>
+          <a:p>
+            <a:pPr hangingPunct="0"/>
+            <a:r>
+              <a:rPr lang="de-DE" sz="1200" kern="1200" dirty="0" smtClean="0">
+                <a:solidFill>
+                  <a:schemeClr val="tx1"/>
+                </a:solidFill>
+                <a:effectLst/>
+                <a:latin typeface="+mn-lt"/>
+                <a:ea typeface="+mn-ea"/>
+                <a:cs typeface="+mn-cs"/>
+              </a:rPr>
+              <a:t>So lässt sich der generelle Algorithmus bzw. der Workflow in der Basismethode unabhängig von Details, die in den Sub-Objekten implementiert sind, verändern. Dies wird auch als Inversion-</a:t>
+            </a:r>
+            <a:r>
+              <a:rPr lang="de-DE" sz="1200" kern="1200" dirty="0" err="1" smtClean="0">
+                <a:solidFill>
+                  <a:schemeClr val="tx1"/>
+                </a:solidFill>
+                <a:effectLst/>
+                <a:latin typeface="+mn-lt"/>
+                <a:ea typeface="+mn-ea"/>
+                <a:cs typeface="+mn-cs"/>
+              </a:rPr>
+              <a:t>of</a:t>
+            </a:r>
+            <a:r>
+              <a:rPr lang="de-DE" sz="1200" kern="1200" dirty="0" smtClean="0">
+                <a:solidFill>
+                  <a:schemeClr val="tx1"/>
+                </a:solidFill>
+                <a:effectLst/>
+                <a:latin typeface="+mn-lt"/>
+                <a:ea typeface="+mn-ea"/>
+                <a:cs typeface="+mn-cs"/>
+              </a:rPr>
+              <a:t>-</a:t>
+            </a:r>
+            <a:r>
+              <a:rPr lang="de-DE" sz="1200" kern="1200" dirty="0" err="1" smtClean="0">
+                <a:solidFill>
+                  <a:schemeClr val="tx1"/>
+                </a:solidFill>
+                <a:effectLst/>
+                <a:latin typeface="+mn-lt"/>
+                <a:ea typeface="+mn-ea"/>
+                <a:cs typeface="+mn-cs"/>
+              </a:rPr>
+              <a:t>Control</a:t>
+            </a:r>
+            <a:r>
+              <a:rPr lang="de-DE" sz="1200" kern="1200" dirty="0" smtClean="0">
+                <a:solidFill>
+                  <a:schemeClr val="tx1"/>
+                </a:solidFill>
+                <a:effectLst/>
+                <a:latin typeface="+mn-lt"/>
+                <a:ea typeface="+mn-ea"/>
+                <a:cs typeface="+mn-cs"/>
+              </a:rPr>
+              <a:t> oder als Hollywood-Prinzip bezeichnet.</a:t>
+            </a:r>
+          </a:p>
+          <a:p>
+            <a:r>
+              <a:rPr lang="en-US" sz="1200" kern="1200" dirty="0" smtClean="0">
+                <a:solidFill>
+                  <a:schemeClr val="tx1"/>
+                </a:solidFill>
+                <a:effectLst/>
+                <a:latin typeface="+mn-lt"/>
+                <a:ea typeface="+mn-ea"/>
+                <a:cs typeface="+mn-cs"/>
+              </a:rPr>
+              <a:t>„Don’t call us. We call you.“</a:t>
+            </a:r>
+            <a:endParaRPr lang="de-DE" sz="1200" kern="1200" dirty="0" smtClean="0">
+              <a:solidFill>
+                <a:schemeClr val="tx1"/>
+              </a:solidFill>
+              <a:effectLst/>
+              <a:latin typeface="+mn-lt"/>
+              <a:ea typeface="+mn-ea"/>
+              <a:cs typeface="+mn-cs"/>
+            </a:endParaRPr>
+          </a:p>
+          <a:p>
+            <a:endParaRPr lang="de-DE" dirty="0"/>
+          </a:p>
+        </p:txBody>
+      </p:sp>
+      <p:sp>
+        <p:nvSpPr>
+          <p:cNvPr id="4" name="Foliennummernplatzhalter 3"/>
+          <p:cNvSpPr>
+            <a:spLocks noGrp="1"/>
+          </p:cNvSpPr>
+          <p:nvPr>
+            <p:ph type="sldNum" sz="quarter" idx="10"/>
+          </p:nvPr>
+        </p:nvSpPr>
+        <p:spPr/>
+        <p:txBody>
+          <a:bodyPr/>
+          <a:lstStyle/>
+          <a:p>
+            <a:fld id="{96B3538B-D81F-476E-A31A-F9ABC7F48F1A}" type="slidenum">
+              <a:rPr lang="de-DE" smtClean="0"/>
+              <a:pPr/>
+              <a:t>46</a:t>
+            </a:fld>
+            <a:endParaRPr lang="de-DE"/>
+          </a:p>
+        </p:txBody>
+      </p:sp>
+    </p:spTree>
+    <p:extLst>
+      <p:ext uri="{BB962C8B-B14F-4D97-AF65-F5344CB8AC3E}">
+        <p14:creationId xmlns:p14="http://schemas.microsoft.com/office/powerpoint/2010/main" val="251847449"/>
+      </p:ext>
+    </p:extLst>
+  </p:cSld>
+  <p:clrMapOvr>
+    <a:masterClrMapping/>
+  </p:clrMapOvr>
+</p:notes>
+</file>
+
+<file path=ppt/notesSlides/notesSlide12.xml><?xml version="1.0" encoding="utf-8"?>
+<p:notes xmlns:a="http://schemas.openxmlformats.org/drawingml/2006/main" xmlns:r="http://schemas.openxmlformats.org/officeDocument/2006/relationships" xmlns:p="http://schemas.openxmlformats.org/presentationml/2006/main">
+  <p:cSld>
+    <p:spTree>
+      <p:nvGrpSpPr>
+        <p:cNvPr id="1" name=""/>
+        <p:cNvGrpSpPr/>
+        <p:nvPr/>
+      </p:nvGrpSpPr>
+      <p:grpSpPr>
+        <a:xfrm>
+          <a:off x="0" y="0"/>
+          <a:ext cx="0" cy="0"/>
+          <a:chOff x="0" y="0"/>
+          <a:chExt cx="0" cy="0"/>
+        </a:xfrm>
+      </p:grpSpPr>
+      <p:sp>
+        <p:nvSpPr>
+          <p:cNvPr id="2" name="Folienbildplatzhalter 1"/>
+          <p:cNvSpPr>
+            <a:spLocks noGrp="1" noRot="1" noChangeAspect="1"/>
+          </p:cNvSpPr>
+          <p:nvPr>
+            <p:ph type="sldImg"/>
+          </p:nvPr>
+        </p:nvSpPr>
+        <p:spPr/>
+      </p:sp>
+      <p:sp>
+        <p:nvSpPr>
+          <p:cNvPr id="3" name="Notizenplatzhalter 2"/>
+          <p:cNvSpPr>
+            <a:spLocks noGrp="1"/>
+          </p:cNvSpPr>
+          <p:nvPr>
+            <p:ph type="body" idx="1"/>
+          </p:nvPr>
+        </p:nvSpPr>
+        <p:spPr/>
+        <p:txBody>
+          <a:bodyPr/>
+          <a:lstStyle/>
+          <a:p>
+            <a:endParaRPr lang="de-DE" dirty="0"/>
+          </a:p>
+        </p:txBody>
+      </p:sp>
+      <p:sp>
+        <p:nvSpPr>
+          <p:cNvPr id="4" name="Foliennummernplatzhalter 3"/>
+          <p:cNvSpPr>
+            <a:spLocks noGrp="1"/>
+          </p:cNvSpPr>
+          <p:nvPr>
+            <p:ph type="sldNum" sz="quarter" idx="10"/>
+          </p:nvPr>
+        </p:nvSpPr>
+        <p:spPr/>
+        <p:txBody>
+          <a:bodyPr/>
+          <a:lstStyle/>
+          <a:p>
+            <a:fld id="{96B3538B-D81F-476E-A31A-F9ABC7F48F1A}" type="slidenum">
+              <a:rPr lang="de-DE" smtClean="0"/>
+              <a:pPr/>
+              <a:t>49</a:t>
             </a:fld>
             <a:endParaRPr lang="de-DE"/>
           </a:p>
@@ -1593,10 +1855,6 @@
           <a:bodyPr/>
           <a:lstStyle/>
           <a:p>
-            <a:r>
-              <a:rPr lang="de-DE" dirty="0" smtClean="0"/>
-              <a:t>Entwurfsmuster</a:t>
-            </a:r>
             <a:endParaRPr lang="de-DE" dirty="0"/>
           </a:p>
         </p:txBody>
@@ -1628,7 +1886,7 @@
     </p:spTree>
     <p:extLst>
       <p:ext uri="{BB962C8B-B14F-4D97-AF65-F5344CB8AC3E}">
-        <p14:creationId xmlns:p14="http://schemas.microsoft.com/office/powerpoint/2010/main" val="457361365"/>
+        <p14:creationId xmlns:p14="http://schemas.microsoft.com/office/powerpoint/2010/main" val="4263179478"/>
       </p:ext>
     </p:extLst>
   </p:cSld>
@@ -1682,92 +1940,6 @@
           <a:bodyPr/>
           <a:lstStyle/>
           <a:p>
-            <a:pPr hangingPunct="0"/>
-            <a:r>
-              <a:rPr lang="de-DE" sz="1200" kern="1200" dirty="0" smtClean="0">
-                <a:solidFill>
-                  <a:schemeClr val="tx1"/>
-                </a:solidFill>
-                <a:effectLst/>
-                <a:latin typeface="+mn-lt"/>
-                <a:ea typeface="+mn-ea"/>
-                <a:cs typeface="+mn-cs"/>
-              </a:rPr>
-              <a:t>So lässt sich der generelle Algorithmus bzw. der Workflow in der Basismethode unabhängig von Details, die in den Sub-Objekten implementiert sind, verändern. Dies wird auch als Inversion-</a:t>
-            </a:r>
-            <a:r>
-              <a:rPr lang="de-DE" sz="1200" kern="1200" dirty="0" err="1" smtClean="0">
-                <a:solidFill>
-                  <a:schemeClr val="tx1"/>
-                </a:solidFill>
-                <a:effectLst/>
-                <a:latin typeface="+mn-lt"/>
-                <a:ea typeface="+mn-ea"/>
-                <a:cs typeface="+mn-cs"/>
-              </a:rPr>
-              <a:t>of</a:t>
-            </a:r>
-            <a:r>
-              <a:rPr lang="de-DE" sz="1200" kern="1200" dirty="0" smtClean="0">
-                <a:solidFill>
-                  <a:schemeClr val="tx1"/>
-                </a:solidFill>
-                <a:effectLst/>
-                <a:latin typeface="+mn-lt"/>
-                <a:ea typeface="+mn-ea"/>
-                <a:cs typeface="+mn-cs"/>
-              </a:rPr>
-              <a:t>-</a:t>
-            </a:r>
-            <a:r>
-              <a:rPr lang="de-DE" sz="1200" kern="1200" dirty="0" err="1" smtClean="0">
-                <a:solidFill>
-                  <a:schemeClr val="tx1"/>
-                </a:solidFill>
-                <a:effectLst/>
-                <a:latin typeface="+mn-lt"/>
-                <a:ea typeface="+mn-ea"/>
-                <a:cs typeface="+mn-cs"/>
-              </a:rPr>
-              <a:t>Control</a:t>
-            </a:r>
-            <a:r>
-              <a:rPr lang="de-DE" sz="1200" kern="1200" dirty="0" smtClean="0">
-                <a:solidFill>
-                  <a:schemeClr val="tx1"/>
-                </a:solidFill>
-                <a:effectLst/>
-                <a:latin typeface="+mn-lt"/>
-                <a:ea typeface="+mn-ea"/>
-                <a:cs typeface="+mn-cs"/>
-              </a:rPr>
-              <a:t> oder als Hollywood-Prinzip bezeichnet.</a:t>
-            </a:r>
-          </a:p>
-          <a:p>
-            <a:r>
-              <a:rPr lang="en-US" sz="1200" kern="1200" dirty="0" smtClean="0">
-                <a:solidFill>
-                  <a:schemeClr val="tx1"/>
-                </a:solidFill>
-                <a:effectLst/>
-                <a:latin typeface="+mn-lt"/>
-                <a:ea typeface="+mn-ea"/>
-                <a:cs typeface="+mn-cs"/>
-              </a:rPr>
-              <a:t>„Don’t call us. We call you.“</a:t>
-            </a:r>
-            <a:endParaRPr lang="de-DE" sz="1200" kern="1200" dirty="0" smtClean="0">
-              <a:solidFill>
-                <a:schemeClr val="tx1"/>
-              </a:solidFill>
-              <a:effectLst/>
-              <a:latin typeface="+mn-lt"/>
-              <a:ea typeface="+mn-ea"/>
-              <a:cs typeface="+mn-cs"/>
-            </a:endParaRPr>
-          </a:p>
-          <a:p>
             <a:endParaRPr lang="de-DE" dirty="0"/>
           </a:p>
         </p:txBody>
@@ -1790,7 +1962,7 @@
             <a:fld id="{96B3538B-D81F-476E-A31A-F9ABC7F48F1A}" type="slidenum">
               <a:rPr lang="de-DE" smtClean="0"/>
               <a:pPr/>
-              <a:t>44</a:t>
+              <a:t>15</a:t>
             </a:fld>
             <a:endParaRPr lang="de-DE"/>
           </a:p>
@@ -1799,7 +1971,7 @@
     </p:spTree>
     <p:extLst>
       <p:ext uri="{BB962C8B-B14F-4D97-AF65-F5344CB8AC3E}">
-        <p14:creationId xmlns:p14="http://schemas.microsoft.com/office/powerpoint/2010/main" val="251847449"/>
+        <p14:creationId xmlns:p14="http://schemas.microsoft.com/office/powerpoint/2010/main" val="4263179478"/>
       </p:ext>
     </p:extLst>
   </p:cSld>
@@ -4649,6 +4821,614 @@
           <a:chExt cx="0" cy="0"/>
         </a:xfrm>
       </p:grpSpPr>
+      <p:sp>
+        <p:nvSpPr>
+          <p:cNvPr id="2" name="Inhaltsplatzhalter 1"/>
+          <p:cNvSpPr>
+            <a:spLocks noGrp="1"/>
+          </p:cNvSpPr>
+          <p:nvPr>
+            <p:ph idx="1"/>
+          </p:nvPr>
+        </p:nvSpPr>
+        <p:spPr/>
+        <p:txBody>
+          <a:bodyPr>
+            <a:normAutofit fontScale="85000" lnSpcReduction="20000"/>
+          </a:bodyPr>
+          <a:lstStyle/>
+          <a:p>
+            <a:r>
+              <a:rPr lang="de-DE" dirty="0" err="1" smtClean="0"/>
+              <a:t>var</a:t>
+            </a:r>
+            <a:r>
+              <a:rPr lang="de-DE" dirty="0" smtClean="0"/>
+              <a:t> </a:t>
+            </a:r>
+            <a:r>
+              <a:rPr lang="de-DE" dirty="0" err="1"/>
+              <a:t>taskObject</a:t>
+            </a:r>
+            <a:r>
+              <a:rPr lang="de-DE" dirty="0"/>
+              <a:t> =  </a:t>
+            </a:r>
+            <a:r>
+              <a:rPr lang="de-DE" dirty="0" err="1"/>
+              <a:t>Object.create</a:t>
+            </a:r>
+            <a:r>
+              <a:rPr lang="de-DE" dirty="0"/>
+              <a:t>({}, </a:t>
+            </a:r>
+            <a:r>
+              <a:rPr lang="de-DE" dirty="0" smtClean="0"/>
+              <a:t>{});</a:t>
+            </a:r>
+            <a:endParaRPr lang="de-DE" dirty="0"/>
+          </a:p>
+          <a:p>
+            <a:r>
+              <a:rPr lang="de-DE" dirty="0" err="1" smtClean="0"/>
+              <a:t>Object.defineProperty</a:t>
+            </a:r>
+            <a:r>
+              <a:rPr lang="de-DE" dirty="0"/>
+              <a:t>(</a:t>
+            </a:r>
+            <a:r>
+              <a:rPr lang="de-DE" dirty="0" err="1"/>
+              <a:t>taskObject</a:t>
+            </a:r>
+            <a:r>
+              <a:rPr lang="de-DE" dirty="0"/>
+              <a:t>, '</a:t>
+            </a:r>
+            <a:r>
+              <a:rPr lang="de-DE" dirty="0" err="1"/>
+              <a:t>subject</a:t>
+            </a:r>
+            <a:r>
+              <a:rPr lang="de-DE" dirty="0"/>
+              <a:t>', {</a:t>
+            </a:r>
+          </a:p>
+          <a:p>
+            <a:r>
+              <a:rPr lang="de-DE" dirty="0"/>
+              <a:t>   </a:t>
+            </a:r>
+            <a:r>
+              <a:rPr lang="de-DE" dirty="0" err="1"/>
+              <a:t>get</a:t>
+            </a:r>
+            <a:r>
+              <a:rPr lang="de-DE" dirty="0"/>
+              <a:t>: </a:t>
+            </a:r>
+            <a:r>
+              <a:rPr lang="de-DE" dirty="0" err="1"/>
+              <a:t>function</a:t>
+            </a:r>
+            <a:r>
+              <a:rPr lang="de-DE" dirty="0"/>
+              <a:t>() {</a:t>
+            </a:r>
+          </a:p>
+          <a:p>
+            <a:r>
+              <a:rPr lang="de-DE" dirty="0"/>
+              <a:t>       </a:t>
+            </a:r>
+            <a:r>
+              <a:rPr lang="de-DE" dirty="0" err="1"/>
+              <a:t>return</a:t>
+            </a:r>
+            <a:r>
+              <a:rPr lang="de-DE" dirty="0"/>
+              <a:t> </a:t>
+            </a:r>
+            <a:r>
+              <a:rPr lang="de-DE" dirty="0" err="1"/>
+              <a:t>this</a:t>
+            </a:r>
+            <a:r>
+              <a:rPr lang="de-DE" dirty="0"/>
+              <a:t>._</a:t>
+            </a:r>
+            <a:r>
+              <a:rPr lang="de-DE" dirty="0" err="1"/>
+              <a:t>subjectValue</a:t>
+            </a:r>
+            <a:r>
+              <a:rPr lang="de-DE" dirty="0"/>
+              <a:t>;</a:t>
+            </a:r>
+          </a:p>
+          <a:p>
+            <a:r>
+              <a:rPr lang="de-DE" dirty="0"/>
+              <a:t>   },</a:t>
+            </a:r>
+          </a:p>
+          <a:p>
+            <a:r>
+              <a:rPr lang="de-DE" dirty="0"/>
+              <a:t>   </a:t>
+            </a:r>
+            <a:r>
+              <a:rPr lang="de-DE" dirty="0" err="1"/>
+              <a:t>set</a:t>
+            </a:r>
+            <a:r>
+              <a:rPr lang="de-DE" dirty="0"/>
+              <a:t>: </a:t>
+            </a:r>
+            <a:r>
+              <a:rPr lang="de-DE" dirty="0" err="1"/>
+              <a:t>function</a:t>
+            </a:r>
+            <a:r>
+              <a:rPr lang="de-DE" dirty="0"/>
+              <a:t>(</a:t>
+            </a:r>
+            <a:r>
+              <a:rPr lang="de-DE" dirty="0" err="1"/>
+              <a:t>subject</a:t>
+            </a:r>
+            <a:r>
+              <a:rPr lang="de-DE" dirty="0"/>
+              <a:t>) {</a:t>
+            </a:r>
+          </a:p>
+          <a:p>
+            <a:r>
+              <a:rPr lang="de-DE" dirty="0"/>
+              <a:t>       </a:t>
+            </a:r>
+            <a:r>
+              <a:rPr lang="de-DE" dirty="0" err="1"/>
+              <a:t>if</a:t>
+            </a:r>
+            <a:r>
+              <a:rPr lang="de-DE" dirty="0"/>
+              <a:t> (</a:t>
+            </a:r>
+            <a:r>
+              <a:rPr lang="de-DE" dirty="0" err="1"/>
+              <a:t>subject</a:t>
+            </a:r>
+            <a:r>
+              <a:rPr lang="de-DE" dirty="0"/>
+              <a:t>) {</a:t>
+            </a:r>
+          </a:p>
+          <a:p>
+            <a:r>
+              <a:rPr lang="de-DE" dirty="0"/>
+              <a:t>           </a:t>
+            </a:r>
+            <a:r>
+              <a:rPr lang="de-DE" dirty="0" err="1"/>
+              <a:t>this</a:t>
+            </a:r>
+            <a:r>
+              <a:rPr lang="de-DE" dirty="0"/>
+              <a:t>._</a:t>
+            </a:r>
+            <a:r>
+              <a:rPr lang="de-DE" dirty="0" err="1"/>
+              <a:t>subjectValue</a:t>
+            </a:r>
+            <a:r>
+              <a:rPr lang="de-DE" dirty="0"/>
+              <a:t> = </a:t>
+            </a:r>
+            <a:r>
+              <a:rPr lang="de-DE" dirty="0" err="1"/>
+              <a:t>subject</a:t>
+            </a:r>
+            <a:r>
+              <a:rPr lang="de-DE" dirty="0"/>
+              <a:t>;</a:t>
+            </a:r>
+          </a:p>
+          <a:p>
+            <a:r>
+              <a:rPr lang="de-DE" dirty="0"/>
+              <a:t>       } </a:t>
+            </a:r>
+            <a:r>
+              <a:rPr lang="de-DE" dirty="0" err="1"/>
+              <a:t>else</a:t>
+            </a:r>
+            <a:r>
+              <a:rPr lang="de-DE" dirty="0"/>
+              <a:t> {</a:t>
+            </a:r>
+          </a:p>
+          <a:p>
+            <a:r>
+              <a:rPr lang="de-DE" dirty="0"/>
+              <a:t>           </a:t>
+            </a:r>
+            <a:r>
+              <a:rPr lang="de-DE" dirty="0" err="1"/>
+              <a:t>throw</a:t>
+            </a:r>
+            <a:r>
+              <a:rPr lang="de-DE" dirty="0"/>
+              <a:t> "Illegal Argument </a:t>
+            </a:r>
+            <a:r>
+              <a:rPr lang="de-DE" dirty="0" err="1"/>
+              <a:t>Exception</a:t>
+            </a:r>
+            <a:r>
+              <a:rPr lang="de-DE" dirty="0"/>
+              <a:t>";</a:t>
+            </a:r>
+          </a:p>
+          <a:p>
+            <a:r>
+              <a:rPr lang="de-DE" dirty="0"/>
+              <a:t>       }</a:t>
+            </a:r>
+          </a:p>
+          <a:p>
+            <a:r>
+              <a:rPr lang="de-DE" dirty="0"/>
+              <a:t>   }</a:t>
+            </a:r>
+          </a:p>
+          <a:p>
+            <a:r>
+              <a:rPr lang="de-DE" dirty="0"/>
+              <a:t>});</a:t>
+            </a:r>
+            <a:endParaRPr lang="de-DE" dirty="0"/>
+          </a:p>
+        </p:txBody>
+      </p:sp>
+      <p:sp>
+        <p:nvSpPr>
+          <p:cNvPr id="3" name="Titel 2"/>
+          <p:cNvSpPr>
+            <a:spLocks noGrp="1"/>
+          </p:cNvSpPr>
+          <p:nvPr>
+            <p:ph type="title"/>
+          </p:nvPr>
+        </p:nvSpPr>
+        <p:spPr/>
+        <p:txBody>
+          <a:bodyPr/>
+          <a:lstStyle/>
+          <a:p>
+            <a:r>
+              <a:rPr lang="de-DE" dirty="0" smtClean="0"/>
+              <a:t>Getter und Setter</a:t>
+            </a:r>
+            <a:endParaRPr lang="de-DE" dirty="0"/>
+          </a:p>
+        </p:txBody>
+      </p:sp>
+    </p:spTree>
+    <p:extLst>
+      <p:ext uri="{BB962C8B-B14F-4D97-AF65-F5344CB8AC3E}">
+        <p14:creationId xmlns:p14="http://schemas.microsoft.com/office/powerpoint/2010/main" val="2809765895"/>
+      </p:ext>
+    </p:extLst>
+  </p:cSld>
+  <p:clrMapOvr>
+    <a:masterClrMapping/>
+  </p:clrMapOvr>
+  <mc:AlternateContent xmlns:mc="http://schemas.openxmlformats.org/markup-compatibility/2006" xmlns:p14="http://schemas.microsoft.com/office/powerpoint/2010/main">
+    <mc:Choice Requires="p14">
+      <p:transition spd="slow" p14:dur="2000"/>
+    </mc:Choice>
+    <mc:Fallback xmlns="">
+      <p:transition xmlns:p14="http://schemas.microsoft.com/office/powerpoint/2010/main" spd="slow"/>
+    </mc:Fallback>
+  </mc:AlternateContent>
+  <p:timing>
+    <p:tnLst>
+      <p:par>
+        <p:cTn xmlns:p14="http://schemas.microsoft.com/office/powerpoint/2010/main" id="1" dur="indefinite" restart="never" nodeType="tmRoot"/>
+      </p:par>
+    </p:tnLst>
+  </p:timing>
+</p:sld>
+</file>
+
+<file path=ppt/slides/slide15.xml><?xml version="1.0" encoding="utf-8"?>
+<p:sld xmlns:a="http://schemas.openxmlformats.org/drawingml/2006/main" xmlns:r="http://schemas.openxmlformats.org/officeDocument/2006/relationships" xmlns:p="http://schemas.openxmlformats.org/presentationml/2006/main">
+  <p:cSld>
+    <p:spTree>
+      <p:nvGrpSpPr>
+        <p:cNvPr id="1" name=""/>
+        <p:cNvGrpSpPr/>
+        <p:nvPr/>
+      </p:nvGrpSpPr>
+      <p:grpSpPr>
+        <a:xfrm>
+          <a:off x="0" y="0"/>
+          <a:ext cx="0" cy="0"/>
+          <a:chOff x="0" y="0"/>
+          <a:chExt cx="0" cy="0"/>
+        </a:xfrm>
+      </p:grpSpPr>
+      <p:sp>
+        <p:nvSpPr>
+          <p:cNvPr id="2" name="Inhaltsplatzhalter 1"/>
+          <p:cNvSpPr>
+            <a:spLocks noGrp="1"/>
+          </p:cNvSpPr>
+          <p:nvPr>
+            <p:ph idx="1"/>
+          </p:nvPr>
+        </p:nvSpPr>
+        <p:spPr/>
+        <p:txBody>
+          <a:bodyPr>
+            <a:normAutofit/>
+          </a:bodyPr>
+          <a:lstStyle/>
+          <a:p>
+            <a:r>
+              <a:rPr lang="de-DE" dirty="0" err="1" smtClean="0"/>
+              <a:t>var</a:t>
+            </a:r>
+            <a:r>
+              <a:rPr lang="de-DE" dirty="0" smtClean="0"/>
+              <a:t> </a:t>
+            </a:r>
+            <a:r>
+              <a:rPr lang="de-DE" dirty="0" err="1"/>
+              <a:t>myTask</a:t>
+            </a:r>
+            <a:r>
+              <a:rPr lang="de-DE" dirty="0"/>
+              <a:t> = </a:t>
+            </a:r>
+            <a:r>
+              <a:rPr lang="de-DE" dirty="0" err="1"/>
+              <a:t>Object.create</a:t>
+            </a:r>
+            <a:r>
+              <a:rPr lang="de-DE" dirty="0"/>
+              <a:t>(</a:t>
+            </a:r>
+            <a:r>
+              <a:rPr lang="de-DE" dirty="0" err="1"/>
+              <a:t>taskObject</a:t>
+            </a:r>
+            <a:r>
+              <a:rPr lang="de-DE" dirty="0"/>
+              <a:t>)</a:t>
+            </a:r>
+            <a:r>
+              <a:rPr lang="de-DE" dirty="0" smtClean="0"/>
+              <a:t>;</a:t>
+            </a:r>
+            <a:br>
+              <a:rPr lang="de-DE" dirty="0" smtClean="0"/>
+            </a:br>
+            <a:r>
+              <a:rPr lang="de-DE" dirty="0" err="1" smtClean="0"/>
+              <a:t>assert</a:t>
+            </a:r>
+            <a:r>
+              <a:rPr lang="de-DE" dirty="0"/>
+              <a:t>(</a:t>
+            </a:r>
+            <a:r>
+              <a:rPr lang="de-DE" dirty="0" err="1"/>
+              <a:t>typeof</a:t>
+            </a:r>
+            <a:r>
+              <a:rPr lang="de-DE" dirty="0"/>
+              <a:t> </a:t>
+            </a:r>
+            <a:r>
+              <a:rPr lang="de-DE" dirty="0" err="1"/>
+              <a:t>myTask.subject</a:t>
+            </a:r>
+            <a:r>
+              <a:rPr lang="de-DE" dirty="0"/>
+              <a:t> === 'undefined')</a:t>
+            </a:r>
+            <a:r>
+              <a:rPr lang="de-DE" dirty="0" smtClean="0"/>
+              <a:t>;</a:t>
+            </a:r>
+          </a:p>
+          <a:p>
+            <a:endParaRPr lang="en-US" dirty="0" smtClean="0"/>
+          </a:p>
+          <a:p>
+            <a:r>
+              <a:rPr lang="en-US" dirty="0" smtClean="0"/>
+              <a:t>try {</a:t>
+            </a:r>
+            <a:br>
+              <a:rPr lang="en-US" dirty="0" smtClean="0"/>
+            </a:br>
+            <a:r>
+              <a:rPr lang="en-US" dirty="0" smtClean="0"/>
+              <a:t>	</a:t>
+            </a:r>
+            <a:r>
+              <a:rPr lang="en-US" dirty="0" err="1" smtClean="0"/>
+              <a:t>myTask.subject</a:t>
+            </a:r>
+            <a:r>
+              <a:rPr lang="en-US" dirty="0" smtClean="0"/>
+              <a:t> </a:t>
+            </a:r>
+            <a:r>
+              <a:rPr lang="en-US" dirty="0"/>
+              <a:t>= null</a:t>
+            </a:r>
+            <a:r>
+              <a:rPr lang="en-US" dirty="0" smtClean="0"/>
+              <a:t>;</a:t>
+            </a:r>
+            <a:br>
+              <a:rPr lang="en-US" dirty="0" smtClean="0"/>
+            </a:br>
+            <a:r>
+              <a:rPr lang="en-US" dirty="0" smtClean="0"/>
+              <a:t>} </a:t>
+            </a:r>
+            <a:r>
+              <a:rPr lang="en-US" dirty="0"/>
+              <a:t>catch(e) </a:t>
+            </a:r>
+            <a:r>
+              <a:rPr lang="en-US" dirty="0" smtClean="0"/>
+              <a:t>{</a:t>
+            </a:r>
+            <a:br>
+              <a:rPr lang="en-US" dirty="0" smtClean="0"/>
+            </a:br>
+            <a:r>
+              <a:rPr lang="en-US" dirty="0" smtClean="0"/>
+              <a:t>	assert</a:t>
+            </a:r>
+            <a:r>
+              <a:rPr lang="en-US" dirty="0"/>
+              <a:t>(e === 'Illegal Argument Exception')</a:t>
+            </a:r>
+            <a:r>
+              <a:rPr lang="en-US" dirty="0" smtClean="0"/>
+              <a:t>;</a:t>
+            </a:r>
+            <a:br>
+              <a:rPr lang="en-US" dirty="0" smtClean="0"/>
+            </a:br>
+            <a:r>
+              <a:rPr lang="en-US" dirty="0" smtClean="0"/>
+              <a:t>}</a:t>
+            </a:r>
+          </a:p>
+          <a:p>
+            <a:endParaRPr lang="en-US" dirty="0" smtClean="0"/>
+          </a:p>
+          <a:p>
+            <a:r>
+              <a:rPr lang="en-US" dirty="0" err="1" smtClean="0"/>
+              <a:t>myTask.subject</a:t>
+            </a:r>
+            <a:r>
+              <a:rPr lang="en-US" dirty="0" smtClean="0"/>
+              <a:t> </a:t>
+            </a:r>
+            <a:r>
+              <a:rPr lang="en-US" dirty="0"/>
+              <a:t>= 'My </a:t>
+            </a:r>
+            <a:r>
+              <a:rPr lang="en-US" dirty="0" smtClean="0"/>
+              <a:t>Task’;</a:t>
+            </a:r>
+            <a:br>
+              <a:rPr lang="en-US" dirty="0" smtClean="0"/>
+            </a:br>
+            <a:r>
+              <a:rPr lang="en-US" dirty="0" smtClean="0"/>
+              <a:t>assert</a:t>
+            </a:r>
+            <a:r>
+              <a:rPr lang="en-US" dirty="0"/>
+              <a:t>(</a:t>
+            </a:r>
+            <a:r>
+              <a:rPr lang="en-US" dirty="0" err="1"/>
+              <a:t>myTask.subject</a:t>
+            </a:r>
+            <a:r>
+              <a:rPr lang="en-US" dirty="0"/>
+              <a:t> === 'My Task');</a:t>
+            </a:r>
+          </a:p>
+          <a:p>
+            <a:endParaRPr lang="de-DE" dirty="0" smtClean="0"/>
+          </a:p>
+          <a:p>
+            <a:endParaRPr lang="de-DE" dirty="0"/>
+          </a:p>
+        </p:txBody>
+      </p:sp>
+      <p:sp>
+        <p:nvSpPr>
+          <p:cNvPr id="3" name="Titel 2"/>
+          <p:cNvSpPr>
+            <a:spLocks noGrp="1"/>
+          </p:cNvSpPr>
+          <p:nvPr>
+            <p:ph type="title"/>
+          </p:nvPr>
+        </p:nvSpPr>
+        <p:spPr/>
+        <p:txBody>
+          <a:bodyPr/>
+          <a:lstStyle/>
+          <a:p>
+            <a:r>
+              <a:rPr lang="de-DE" dirty="0" smtClean="0"/>
+              <a:t>Getter und Setter</a:t>
+            </a:r>
+            <a:endParaRPr lang="de-DE" dirty="0"/>
+          </a:p>
+        </p:txBody>
+      </p:sp>
+    </p:spTree>
+    <p:extLst>
+      <p:ext uri="{BB962C8B-B14F-4D97-AF65-F5344CB8AC3E}">
+        <p14:creationId xmlns:p14="http://schemas.microsoft.com/office/powerpoint/2010/main" val="2327738667"/>
+      </p:ext>
+    </p:extLst>
+  </p:cSld>
+  <p:clrMapOvr>
+    <a:masterClrMapping/>
+  </p:clrMapOvr>
+  <mc:AlternateContent xmlns:mc="http://schemas.openxmlformats.org/markup-compatibility/2006" xmlns:p14="http://schemas.microsoft.com/office/powerpoint/2010/main">
+    <mc:Choice Requires="p14">
+      <p:transition spd="slow" p14:dur="2000"/>
+    </mc:Choice>
+    <mc:Fallback xmlns="">
+      <p:transition xmlns:p14="http://schemas.microsoft.com/office/powerpoint/2010/main" spd="slow"/>
+    </mc:Fallback>
+  </mc:AlternateContent>
+  <p:timing>
+    <p:tnLst>
+      <p:par>
+        <p:cTn xmlns:p14="http://schemas.microsoft.com/office/powerpoint/2010/main" id="1" dur="indefinite" restart="never" nodeType="tmRoot"/>
+      </p:par>
+    </p:tnLst>
+  </p:timing>
+</p:sld>
+</file>
+
+<file path=ppt/slides/slide16.xml><?xml version="1.0" encoding="utf-8"?>
+<p:sld xmlns:a="http://schemas.openxmlformats.org/drawingml/2006/main" xmlns:r="http://schemas.openxmlformats.org/officeDocument/2006/relationships" xmlns:p="http://schemas.openxmlformats.org/presentationml/2006/main">
+  <p:cSld>
+    <p:spTree>
+      <p:nvGrpSpPr>
+        <p:cNvPr id="1" name=""/>
+        <p:cNvGrpSpPr/>
+        <p:nvPr/>
+      </p:nvGrpSpPr>
+      <p:grpSpPr>
+        <a:xfrm>
+          <a:off x="0" y="0"/>
+          <a:ext cx="0" cy="0"/>
+          <a:chOff x="0" y="0"/>
+          <a:chExt cx="0" cy="0"/>
+        </a:xfrm>
+      </p:grpSpPr>
       <p:pic>
         <p:nvPicPr>
           <p:cNvPr id="5" name="Bild 4" descr="62893.png"/>
@@ -4699,7 +5479,7 @@
 </p:sld>
 </file>
 
-<file path=ppt/slides/slide15.xml><?xml version="1.0" encoding="utf-8"?>
+<file path=ppt/slides/slide17.xml><?xml version="1.0" encoding="utf-8"?>
 <p:sld xmlns:a="http://schemas.openxmlformats.org/drawingml/2006/main" xmlns:r="http://schemas.openxmlformats.org/officeDocument/2006/relationships" xmlns:p="http://schemas.openxmlformats.org/presentationml/2006/main">
   <p:cSld>
     <p:spTree>
@@ -4852,363 +5632,6 @@
 </p:sld>
 </file>
 
-<file path=ppt/slides/slide16.xml><?xml version="1.0" encoding="utf-8"?>
-<p:sld xmlns:a="http://schemas.openxmlformats.org/drawingml/2006/main" xmlns:r="http://schemas.openxmlformats.org/officeDocument/2006/relationships" xmlns:p="http://schemas.openxmlformats.org/presentationml/2006/main">
-  <p:cSld>
-    <p:spTree>
-      <p:nvGrpSpPr>
-        <p:cNvPr id="1" name=""/>
-        <p:cNvGrpSpPr/>
-        <p:nvPr/>
-      </p:nvGrpSpPr>
-      <p:grpSpPr>
-        <a:xfrm>
-          <a:off x="0" y="0"/>
-          <a:ext cx="0" cy="0"/>
-          <a:chOff x="0" y="0"/>
-          <a:chExt cx="0" cy="0"/>
-        </a:xfrm>
-      </p:grpSpPr>
-      <p:sp>
-        <p:nvSpPr>
-          <p:cNvPr id="2" name="Inhaltsplatzhalter 1"/>
-          <p:cNvSpPr>
-            <a:spLocks noGrp="1"/>
-          </p:cNvSpPr>
-          <p:nvPr>
-            <p:ph idx="1"/>
-          </p:nvPr>
-        </p:nvSpPr>
-        <p:spPr/>
-        <p:txBody>
-          <a:bodyPr/>
-          <a:lstStyle/>
-          <a:p>
-            <a:pPr marL="0" indent="0">
-              <a:buNone/>
-            </a:pPr>
-            <a:r>
-              <a:rPr lang="de-DE" dirty="0" smtClean="0"/>
-              <a:t>Von </a:t>
-            </a:r>
-            <a:r>
-              <a:rPr lang="de-DE" dirty="0"/>
-              <a:t>einer Klasse nur eine einzige Instanz </a:t>
-            </a:r>
-            <a:r>
-              <a:rPr lang="de-DE" dirty="0" smtClean="0"/>
-              <a:t>erzeugen.</a:t>
-            </a:r>
-          </a:p>
-          <a:p>
-            <a:pPr marL="0" indent="0">
-              <a:buNone/>
-            </a:pPr>
-            <a:r>
-              <a:rPr lang="de-DE" dirty="0" smtClean="0"/>
-              <a:t>JS kennt keine Klassen, nur Objekte.</a:t>
-            </a:r>
-          </a:p>
-          <a:p>
-            <a:pPr marL="0" indent="0">
-              <a:buNone/>
-            </a:pPr>
-            <a:r>
-              <a:rPr lang="de-DE" dirty="0" smtClean="0"/>
-              <a:t>Jedes Objekt ist daher ein Singleton.</a:t>
-            </a:r>
-          </a:p>
-          <a:p>
-            <a:pPr marL="0" indent="0">
-              <a:buNone/>
-            </a:pPr>
-            <a:r>
-              <a:rPr lang="de-DE" dirty="0" smtClean="0"/>
-              <a:t>Gemeint ist aber oft etwas anderes....</a:t>
-            </a:r>
-          </a:p>
-          <a:p>
-            <a:pPr marL="0" indent="0">
-              <a:buNone/>
-            </a:pPr>
-            <a:endParaRPr lang="de-DE" dirty="0" smtClean="0"/>
-          </a:p>
-          <a:p>
-            <a:endParaRPr lang="de-DE" dirty="0"/>
-          </a:p>
-        </p:txBody>
-      </p:sp>
-      <p:sp>
-        <p:nvSpPr>
-          <p:cNvPr id="3" name="Titel 2"/>
-          <p:cNvSpPr>
-            <a:spLocks noGrp="1"/>
-          </p:cNvSpPr>
-          <p:nvPr>
-            <p:ph type="title"/>
-          </p:nvPr>
-        </p:nvSpPr>
-        <p:spPr/>
-        <p:txBody>
-          <a:bodyPr/>
-          <a:lstStyle/>
-          <a:p>
-            <a:r>
-              <a:rPr lang="de-DE" dirty="0" smtClean="0"/>
-              <a:t>Singleton</a:t>
-            </a:r>
-            <a:endParaRPr lang="de-DE" dirty="0"/>
-          </a:p>
-        </p:txBody>
-      </p:sp>
-    </p:spTree>
-    <p:extLst>
-      <p:ext uri="{BB962C8B-B14F-4D97-AF65-F5344CB8AC3E}">
-        <p14:creationId xmlns:p14="http://schemas.microsoft.com/office/powerpoint/2010/main" val="1056602951"/>
-      </p:ext>
-    </p:extLst>
-  </p:cSld>
-  <p:clrMapOvr>
-    <a:masterClrMapping/>
-  </p:clrMapOvr>
-  <mc:AlternateContent xmlns:mc="http://schemas.openxmlformats.org/markup-compatibility/2006" xmlns:p14="http://schemas.microsoft.com/office/powerpoint/2010/main">
-    <mc:Choice Requires="p14">
-      <p:transition spd="slow" p14:dur="2000"/>
-    </mc:Choice>
-    <mc:Fallback xmlns="">
-      <p:transition xmlns:p14="http://schemas.microsoft.com/office/powerpoint/2010/main" spd="slow"/>
-    </mc:Fallback>
-  </mc:AlternateContent>
-</p:sld>
-</file>
-
-<file path=ppt/slides/slide17.xml><?xml version="1.0" encoding="utf-8"?>
-<p:sld xmlns:a="http://schemas.openxmlformats.org/drawingml/2006/main" xmlns:r="http://schemas.openxmlformats.org/officeDocument/2006/relationships" xmlns:p="http://schemas.openxmlformats.org/presentationml/2006/main">
-  <p:cSld>
-    <p:spTree>
-      <p:nvGrpSpPr>
-        <p:cNvPr id="1" name=""/>
-        <p:cNvGrpSpPr/>
-        <p:nvPr/>
-      </p:nvGrpSpPr>
-      <p:grpSpPr>
-        <a:xfrm>
-          <a:off x="0" y="0"/>
-          <a:ext cx="0" cy="0"/>
-          <a:chOff x="0" y="0"/>
-          <a:chExt cx="0" cy="0"/>
-        </a:xfrm>
-      </p:grpSpPr>
-      <p:sp>
-        <p:nvSpPr>
-          <p:cNvPr id="2" name="Inhaltsplatzhalter 1"/>
-          <p:cNvSpPr>
-            <a:spLocks noGrp="1"/>
-          </p:cNvSpPr>
-          <p:nvPr>
-            <p:ph idx="1"/>
-          </p:nvPr>
-        </p:nvSpPr>
-        <p:spPr/>
-        <p:txBody>
-          <a:bodyPr/>
-          <a:lstStyle/>
-          <a:p>
-            <a:r>
-              <a:rPr lang="de-DE" dirty="0" err="1"/>
-              <a:t>function</a:t>
-            </a:r>
-            <a:r>
-              <a:rPr lang="de-DE" dirty="0"/>
-              <a:t> Singleton() {</a:t>
-            </a:r>
-          </a:p>
-          <a:p>
-            <a:r>
-              <a:rPr lang="de-DE" dirty="0"/>
-              <a:t>    </a:t>
-            </a:r>
-            <a:r>
-              <a:rPr lang="de-DE" dirty="0" err="1"/>
-              <a:t>if</a:t>
-            </a:r>
-            <a:r>
-              <a:rPr lang="de-DE" dirty="0"/>
-              <a:t> (</a:t>
-            </a:r>
-            <a:r>
-              <a:rPr lang="de-DE" dirty="0" err="1"/>
-              <a:t>typeof</a:t>
-            </a:r>
-            <a:r>
-              <a:rPr lang="de-DE" dirty="0"/>
-              <a:t> Singleton._</a:t>
-            </a:r>
-            <a:r>
-              <a:rPr lang="de-DE" dirty="0" err="1"/>
-              <a:t>instance</a:t>
-            </a:r>
-            <a:r>
-              <a:rPr lang="de-DE" dirty="0"/>
-              <a:t> === "</a:t>
-            </a:r>
-            <a:r>
-              <a:rPr lang="de-DE" dirty="0" err="1"/>
-              <a:t>object</a:t>
-            </a:r>
-            <a:r>
-              <a:rPr lang="de-DE" dirty="0"/>
-              <a:t>") {</a:t>
-            </a:r>
-          </a:p>
-          <a:p>
-            <a:r>
-              <a:rPr lang="de-DE" dirty="0"/>
-              <a:t>        </a:t>
-            </a:r>
-            <a:r>
-              <a:rPr lang="de-DE" dirty="0" err="1"/>
-              <a:t>return</a:t>
-            </a:r>
-            <a:r>
-              <a:rPr lang="de-DE" dirty="0"/>
-              <a:t> Singleton._</a:t>
-            </a:r>
-            <a:r>
-              <a:rPr lang="de-DE" dirty="0" err="1"/>
-              <a:t>instance</a:t>
-            </a:r>
-            <a:r>
-              <a:rPr lang="de-DE" dirty="0"/>
-              <a:t>;</a:t>
-            </a:r>
-          </a:p>
-          <a:p>
-            <a:r>
-              <a:rPr lang="de-DE" dirty="0"/>
-              <a:t>    }</a:t>
-            </a:r>
-          </a:p>
-          <a:p>
-            <a:r>
-              <a:rPr lang="de-DE" dirty="0"/>
-              <a:t>    Singleton._</a:t>
-            </a:r>
-            <a:r>
-              <a:rPr lang="de-DE" dirty="0" err="1"/>
-              <a:t>instance</a:t>
-            </a:r>
-            <a:r>
-              <a:rPr lang="de-DE" dirty="0"/>
-              <a:t> = </a:t>
-            </a:r>
-            <a:r>
-              <a:rPr lang="de-DE" dirty="0" err="1"/>
-              <a:t>this</a:t>
-            </a:r>
-            <a:r>
-              <a:rPr lang="de-DE" dirty="0"/>
-              <a:t>;</a:t>
-            </a:r>
-          </a:p>
-          <a:p>
-            <a:r>
-              <a:rPr lang="de-DE" dirty="0"/>
-              <a:t>    </a:t>
-            </a:r>
-            <a:r>
-              <a:rPr lang="de-DE" dirty="0" err="1"/>
-              <a:t>return</a:t>
-            </a:r>
-            <a:r>
-              <a:rPr lang="de-DE" dirty="0"/>
-              <a:t> </a:t>
-            </a:r>
-            <a:r>
-              <a:rPr lang="de-DE" dirty="0" err="1"/>
-              <a:t>this</a:t>
-            </a:r>
-            <a:r>
-              <a:rPr lang="de-DE" dirty="0"/>
-              <a:t>; // </a:t>
-            </a:r>
-            <a:r>
-              <a:rPr lang="de-DE" dirty="0" err="1"/>
-              <a:t>default</a:t>
-            </a:r>
-            <a:r>
-              <a:rPr lang="de-DE" dirty="0"/>
-              <a:t> </a:t>
-            </a:r>
-            <a:r>
-              <a:rPr lang="de-DE" dirty="0" err="1"/>
-              <a:t>return</a:t>
-            </a:r>
-            <a:r>
-              <a:rPr lang="de-DE" dirty="0"/>
-              <a:t> </a:t>
-            </a:r>
-            <a:r>
-              <a:rPr lang="de-DE" dirty="0" err="1"/>
-              <a:t>value</a:t>
-            </a:r>
-            <a:endParaRPr lang="de-DE" dirty="0"/>
-          </a:p>
-          <a:p>
-            <a:r>
-              <a:rPr lang="de-DE" dirty="0"/>
-              <a:t>}</a:t>
-            </a:r>
-          </a:p>
-          <a:p>
-            <a:endParaRPr lang="de-DE" dirty="0"/>
-          </a:p>
-        </p:txBody>
-      </p:sp>
-      <p:sp>
-        <p:nvSpPr>
-          <p:cNvPr id="3" name="Titel 2"/>
-          <p:cNvSpPr>
-            <a:spLocks noGrp="1"/>
-          </p:cNvSpPr>
-          <p:nvPr>
-            <p:ph type="title"/>
-          </p:nvPr>
-        </p:nvSpPr>
-        <p:spPr/>
-        <p:txBody>
-          <a:bodyPr/>
-          <a:lstStyle/>
-          <a:p>
-            <a:r>
-              <a:rPr lang="de-DE" dirty="0" smtClean="0"/>
-              <a:t>Singleton</a:t>
-            </a:r>
-            <a:endParaRPr lang="de-DE" dirty="0"/>
-          </a:p>
-        </p:txBody>
-      </p:sp>
-    </p:spTree>
-    <p:extLst>
-      <p:ext uri="{BB962C8B-B14F-4D97-AF65-F5344CB8AC3E}">
-        <p14:creationId xmlns:p14="http://schemas.microsoft.com/office/powerpoint/2010/main" val="391207786"/>
-      </p:ext>
-    </p:extLst>
-  </p:cSld>
-  <p:clrMapOvr>
-    <a:masterClrMapping/>
-  </p:clrMapOvr>
-  <mc:AlternateContent xmlns:mc="http://schemas.openxmlformats.org/markup-compatibility/2006" xmlns:p14="http://schemas.microsoft.com/office/powerpoint/2010/main">
-    <mc:Choice Requires="p14">
-      <p:transition spd="slow" p14:dur="2000"/>
-    </mc:Choice>
-    <mc:Fallback xmlns="">
-      <p:transition xmlns:p14="http://schemas.microsoft.com/office/powerpoint/2010/main" spd="slow"/>
-    </mc:Fallback>
-  </mc:AlternateContent>
-</p:sld>
-</file>
-
 <file path=ppt/slides/slide18.xml><?xml version="1.0" encoding="utf-8"?>
 <p:sld xmlns:a="http://schemas.openxmlformats.org/drawingml/2006/main" xmlns:r="http://schemas.openxmlformats.org/officeDocument/2006/relationships" xmlns:p="http://schemas.openxmlformats.org/presentationml/2006/main">
   <p:cSld>
@@ -5246,7 +5669,15 @@
             </a:pPr>
             <a:r>
               <a:rPr lang="de-DE" dirty="0" smtClean="0"/>
-              <a:t>a) erzeugt viele ähnliche Objekte oder</a:t>
+              <a:t>Von </a:t>
+            </a:r>
+            <a:r>
+              <a:rPr lang="de-DE" dirty="0"/>
+              <a:t>einer Klasse nur eine einzige Instanz </a:t>
+            </a:r>
+            <a:r>
+              <a:rPr lang="de-DE" dirty="0" smtClean="0"/>
+              <a:t>erzeugen.</a:t>
             </a:r>
           </a:p>
           <a:p>
@@ -5255,21 +5686,34 @@
             </a:pPr>
             <a:r>
               <a:rPr lang="de-DE" dirty="0" smtClean="0"/>
-              <a:t>b) erzeugt Objekte, bei denen zur </a:t>
-            </a:r>
-            <a:r>
-              <a:rPr lang="de-DE" dirty="0" err="1" smtClean="0"/>
-              <a:t>Compile</a:t>
-            </a:r>
-            <a:r>
-              <a:rPr lang="de-DE" dirty="0" smtClean="0"/>
-              <a:t>-Zeit der Typ nicht bekannt ist</a:t>
+              <a:t>JS kennt keine Klassen, nur Objekte.</a:t>
             </a:r>
           </a:p>
           <a:p>
             <a:pPr marL="0" indent="0">
               <a:buNone/>
             </a:pPr>
+            <a:r>
+              <a:rPr lang="de-DE" dirty="0" smtClean="0"/>
+              <a:t>Jedes Objekt ist daher ein Singleton.</a:t>
+            </a:r>
+          </a:p>
+          <a:p>
+            <a:pPr marL="0" indent="0">
+              <a:buNone/>
+            </a:pPr>
+            <a:r>
+              <a:rPr lang="de-DE" dirty="0" smtClean="0"/>
+              <a:t>Gemeint ist aber oft etwas anderes....</a:t>
+            </a:r>
+          </a:p>
+          <a:p>
+            <a:pPr marL="0" indent="0">
+              <a:buNone/>
+            </a:pPr>
+            <a:endParaRPr lang="de-DE" dirty="0" smtClean="0"/>
+          </a:p>
+          <a:p>
             <a:endParaRPr lang="de-DE" dirty="0"/>
           </a:p>
         </p:txBody>
@@ -5291,7 +5735,7 @@
           <a:p>
             <a:r>
               <a:rPr lang="de-DE" dirty="0" smtClean="0"/>
-              <a:t>Factory</a:t>
+              <a:t>Singleton</a:t>
             </a:r>
             <a:endParaRPr lang="de-DE" dirty="0"/>
           </a:p>
@@ -5300,7 +5744,7 @@
     </p:spTree>
     <p:extLst>
       <p:ext uri="{BB962C8B-B14F-4D97-AF65-F5344CB8AC3E}">
-        <p14:creationId xmlns:p14="http://schemas.microsoft.com/office/powerpoint/2010/main" val="232201409"/>
+        <p14:creationId xmlns:p14="http://schemas.microsoft.com/office/powerpoint/2010/main" val="1056602951"/>
       </p:ext>
     </p:extLst>
   </p:cSld>
@@ -5351,159 +5795,150 @@
           <a:lstStyle/>
           <a:p>
             <a:r>
-              <a:rPr lang="de-DE" dirty="0" smtClean="0"/>
-              <a:t>// </a:t>
-            </a:r>
-            <a:r>
-              <a:rPr lang="de-DE" dirty="0" err="1" smtClean="0"/>
-              <a:t>equivalent</a:t>
-            </a:r>
-            <a:r>
-              <a:rPr lang="de-DE" dirty="0" smtClean="0"/>
+              <a:rPr lang="de-DE" dirty="0" err="1"/>
+              <a:t>function</a:t>
+            </a:r>
+            <a:r>
+              <a:rPr lang="de-DE" dirty="0"/>
+              <a:t> Singleton() {</a:t>
+            </a:r>
+          </a:p>
+          <a:p>
+            <a:r>
+              <a:rPr lang="de-DE" dirty="0"/>
+              <a:t>    </a:t>
+            </a:r>
+            <a:r>
+              <a:rPr lang="de-DE" dirty="0" err="1"/>
+              <a:t>if</a:t>
+            </a:r>
+            <a:r>
+              <a:rPr lang="de-DE" dirty="0"/>
+              <a:t> (</a:t>
+            </a:r>
+            <a:r>
+              <a:rPr lang="de-DE" dirty="0" err="1"/>
+              <a:t>typeof</a:t>
+            </a:r>
+            <a:r>
+              <a:rPr lang="de-DE" dirty="0"/>
+              <a:t> Singleton._</a:t>
+            </a:r>
+            <a:r>
+              <a:rPr lang="de-DE" dirty="0" err="1"/>
+              <a:t>instance</a:t>
+            </a:r>
+            <a:r>
+              <a:rPr lang="de-DE" dirty="0"/>
+              <a:t> === "</a:t>
+            </a:r>
+            <a:r>
+              <a:rPr lang="de-DE" dirty="0" err="1"/>
+              <a:t>object</a:t>
+            </a:r>
+            <a:r>
+              <a:rPr lang="de-DE" dirty="0"/>
+              <a:t>") {</a:t>
+            </a:r>
+          </a:p>
+          <a:p>
+            <a:r>
+              <a:rPr lang="de-DE" dirty="0"/>
+              <a:t>        </a:t>
+            </a:r>
+            <a:r>
+              <a:rPr lang="de-DE" dirty="0" err="1"/>
+              <a:t>return</a:t>
+            </a:r>
+            <a:r>
+              <a:rPr lang="de-DE" dirty="0"/>
+              <a:t> Singleton._</a:t>
+            </a:r>
+            <a:r>
+              <a:rPr lang="de-DE" dirty="0" err="1"/>
+              <a:t>instance</a:t>
+            </a:r>
+            <a:r>
+              <a:rPr lang="de-DE" dirty="0"/>
+              <a:t>;</a:t>
+            </a:r>
+          </a:p>
+          <a:p>
+            <a:r>
+              <a:rPr lang="de-DE" dirty="0"/>
+              <a:t>    }</a:t>
+            </a:r>
+          </a:p>
+          <a:p>
+            <a:r>
+              <a:rPr lang="de-DE" dirty="0"/>
+              <a:t>    Singleton._</a:t>
+            </a:r>
+            <a:r>
+              <a:rPr lang="de-DE" dirty="0" err="1"/>
+              <a:t>instance</a:t>
+            </a:r>
+            <a:r>
+              <a:rPr lang="de-DE" dirty="0"/>
+              <a:t> = </a:t>
+            </a:r>
+            <a:r>
+              <a:rPr lang="de-DE" dirty="0" err="1"/>
+              <a:t>this</a:t>
+            </a:r>
+            <a:r>
+              <a:rPr lang="de-DE" dirty="0"/>
+              <a:t>;</a:t>
+            </a:r>
+          </a:p>
+          <a:p>
+            <a:r>
+              <a:rPr lang="de-DE" dirty="0"/>
+              <a:t>    </a:t>
+            </a:r>
+            <a:r>
+              <a:rPr lang="de-DE" dirty="0" err="1"/>
+              <a:t>return</a:t>
+            </a:r>
+            <a:r>
+              <a:rPr lang="de-DE" dirty="0"/>
               <a:t> </a:t>
             </a:r>
             <a:r>
-              <a:rPr lang="de-DE" dirty="0" err="1" smtClean="0"/>
-              <a:t>to</a:t>
-            </a:r>
-            <a:r>
-              <a:rPr lang="de-DE" dirty="0" smtClean="0"/>
-              <a:t> o = </a:t>
-            </a:r>
-            <a:r>
-              <a:rPr lang="de-DE" dirty="0" err="1" smtClean="0"/>
-              <a:t>new</a:t>
-            </a:r>
-            <a:r>
-              <a:rPr lang="de-DE" dirty="0" smtClean="0"/>
-              <a:t> Boolean(true);</a:t>
-            </a:r>
-          </a:p>
-          <a:p>
-            <a:r>
-              <a:rPr lang="de-DE" dirty="0" err="1" smtClean="0"/>
-              <a:t>var</a:t>
-            </a:r>
-            <a:r>
-              <a:rPr lang="de-DE" dirty="0" smtClean="0"/>
-              <a:t> o = </a:t>
-            </a:r>
-            <a:r>
-              <a:rPr lang="de-DE" dirty="0" err="1" smtClean="0"/>
-              <a:t>new</a:t>
-            </a:r>
-            <a:r>
-              <a:rPr lang="de-DE" dirty="0" smtClean="0"/>
+              <a:rPr lang="de-DE" dirty="0" err="1"/>
+              <a:t>this</a:t>
+            </a:r>
+            <a:r>
+              <a:rPr lang="de-DE" dirty="0"/>
+              <a:t>; // </a:t>
+            </a:r>
+            <a:r>
+              <a:rPr lang="de-DE" dirty="0" err="1"/>
+              <a:t>default</a:t>
+            </a:r>
+            <a:r>
+              <a:rPr lang="de-DE" dirty="0"/>
               <a:t> </a:t>
             </a:r>
             <a:r>
-              <a:rPr lang="de-DE" dirty="0" err="1" smtClean="0"/>
-              <a:t>Object</a:t>
-            </a:r>
-            <a:r>
-              <a:rPr lang="de-DE" dirty="0" smtClean="0"/>
-              <a:t>(true);</a:t>
-            </a:r>
-          </a:p>
-          <a:p>
-            <a:endParaRPr lang="de-DE" dirty="0" smtClean="0"/>
-          </a:p>
-          <a:p>
-            <a:r>
-              <a:rPr lang="de-DE" dirty="0" smtClean="0"/>
-              <a:t>// </a:t>
-            </a:r>
-            <a:r>
-              <a:rPr lang="de-DE" dirty="0" err="1" smtClean="0"/>
-              <a:t>equivalent</a:t>
-            </a:r>
-            <a:r>
-              <a:rPr lang="de-DE" dirty="0" smtClean="0"/>
+              <a:rPr lang="de-DE" dirty="0" err="1"/>
+              <a:t>return</a:t>
+            </a:r>
+            <a:r>
+              <a:rPr lang="de-DE" dirty="0"/>
               <a:t> </a:t>
             </a:r>
             <a:r>
-              <a:rPr lang="de-DE" dirty="0" err="1" smtClean="0"/>
-              <a:t>to</a:t>
-            </a:r>
-            <a:r>
-              <a:rPr lang="de-DE" dirty="0" smtClean="0"/>
-              <a:t> o = </a:t>
-            </a:r>
-            <a:r>
-              <a:rPr lang="de-DE" dirty="0" err="1" smtClean="0"/>
-              <a:t>new</a:t>
-            </a:r>
-            <a:r>
-              <a:rPr lang="de-DE" dirty="0" smtClean="0"/>
-              <a:t> Boolean(false);</a:t>
-            </a:r>
-          </a:p>
-          <a:p>
-            <a:r>
-              <a:rPr lang="de-DE" dirty="0" err="1" smtClean="0"/>
-              <a:t>var</a:t>
-            </a:r>
-            <a:r>
-              <a:rPr lang="de-DE" dirty="0" smtClean="0"/>
-              <a:t> o = </a:t>
-            </a:r>
-            <a:r>
-              <a:rPr lang="de-DE" dirty="0" err="1" smtClean="0"/>
-              <a:t>new</a:t>
-            </a:r>
-            <a:r>
-              <a:rPr lang="de-DE" dirty="0" smtClean="0"/>
-              <a:t> </a:t>
-            </a:r>
-            <a:r>
-              <a:rPr lang="de-DE" dirty="0" err="1" smtClean="0"/>
-              <a:t>Object</a:t>
-            </a:r>
-            <a:r>
-              <a:rPr lang="de-DE" dirty="0" smtClean="0"/>
-              <a:t>(Boolean());</a:t>
-            </a:r>
-          </a:p>
-          <a:p>
-            <a:endParaRPr lang="de-DE" dirty="0" smtClean="0"/>
-          </a:p>
-          <a:p>
-            <a:endParaRPr lang="de-DE" sz="1300" dirty="0" smtClean="0"/>
-          </a:p>
-          <a:p>
-            <a:r>
-              <a:rPr lang="de-DE" sz="1300" dirty="0" smtClean="0"/>
-              <a:t>// https://</a:t>
-            </a:r>
-            <a:r>
-              <a:rPr lang="de-DE" sz="1300" dirty="0" err="1" smtClean="0"/>
-              <a:t>developer.mozilla.org</a:t>
-            </a:r>
-            <a:r>
-              <a:rPr lang="de-DE" sz="1300" dirty="0" smtClean="0"/>
-              <a:t>/en-US/</a:t>
-            </a:r>
-            <a:r>
-              <a:rPr lang="de-DE" sz="1300" dirty="0" err="1" smtClean="0"/>
-              <a:t>docs</a:t>
-            </a:r>
-            <a:r>
-              <a:rPr lang="de-DE" sz="1300" dirty="0" smtClean="0"/>
-              <a:t>/JavaScript/Reference/</a:t>
-            </a:r>
-            <a:r>
-              <a:rPr lang="de-DE" sz="1300" dirty="0" err="1" smtClean="0"/>
-              <a:t>Global_Objects</a:t>
-            </a:r>
-            <a:r>
-              <a:rPr lang="de-DE" sz="1300" dirty="0" smtClean="0"/>
-              <a:t>/</a:t>
-            </a:r>
-            <a:r>
-              <a:rPr lang="de-DE" sz="1300" dirty="0" err="1" smtClean="0"/>
-              <a:t>Object</a:t>
-            </a:r>
-            <a:endParaRPr lang="de-DE" sz="1300" dirty="0" smtClean="0"/>
+              <a:rPr lang="de-DE" dirty="0" err="1"/>
+              <a:t>value</a:t>
+            </a:r>
+            <a:endParaRPr lang="de-DE" dirty="0"/>
+          </a:p>
+          <a:p>
+            <a:r>
+              <a:rPr lang="de-DE" dirty="0"/>
+              <a:t>}</a:t>
+            </a:r>
           </a:p>
           <a:p>
             <a:endParaRPr lang="de-DE" dirty="0"/>
@@ -5527,7 +5962,7 @@
           <a:p>
             <a:r>
               <a:rPr lang="de-DE" dirty="0" smtClean="0"/>
-              <a:t>Eingebaute Factory</a:t>
+              <a:t>Singleton</a:t>
             </a:r>
             <a:endParaRPr lang="de-DE" dirty="0"/>
           </a:p>
@@ -5536,7 +5971,7 @@
     </p:spTree>
     <p:extLst>
       <p:ext uri="{BB962C8B-B14F-4D97-AF65-F5344CB8AC3E}">
-        <p14:creationId xmlns:p14="http://schemas.microsoft.com/office/powerpoint/2010/main" val="4097219642"/>
+        <p14:creationId xmlns:p14="http://schemas.microsoft.com/office/powerpoint/2010/main" val="391207786"/>
       </p:ext>
     </p:extLst>
   </p:cSld>
@@ -5789,200 +6224,38 @@
         </p:nvSpPr>
         <p:spPr/>
         <p:txBody>
-          <a:bodyPr>
-            <a:normAutofit/>
-          </a:bodyPr>
+          <a:bodyPr/>
           <a:lstStyle/>
           <a:p>
-            <a:r>
-              <a:rPr lang="de-DE" dirty="0" smtClean="0"/>
-              <a:t>// Create a </a:t>
+            <a:pPr marL="0" indent="0">
+              <a:buNone/>
+            </a:pPr>
+            <a:r>
+              <a:rPr lang="de-DE" dirty="0" smtClean="0"/>
+              <a:t>a) erzeugt viele ähnliche Objekte oder</a:t>
+            </a:r>
+          </a:p>
+          <a:p>
+            <a:pPr marL="0" indent="0">
+              <a:buNone/>
+            </a:pPr>
+            <a:r>
+              <a:rPr lang="de-DE" dirty="0" smtClean="0"/>
+              <a:t>b) erzeugt Objekte, bei denen zur </a:t>
             </a:r>
             <a:r>
               <a:rPr lang="de-DE" dirty="0" err="1" smtClean="0"/>
-              <a:t>Constructor</a:t>
-            </a:r>
-            <a:endParaRPr lang="de-DE" dirty="0" smtClean="0"/>
-          </a:p>
-          <a:p>
-            <a:r>
-              <a:rPr lang="de-DE" dirty="0" err="1" smtClean="0"/>
-              <a:t>function</a:t>
-            </a:r>
-            <a:r>
-              <a:rPr lang="de-DE" dirty="0" smtClean="0"/>
-              <a:t> </a:t>
-            </a:r>
-            <a:r>
-              <a:rPr lang="de-DE" dirty="0" err="1" smtClean="0"/>
-              <a:t>Rectangle</a:t>
-            </a:r>
-            <a:r>
-              <a:rPr lang="de-DE" dirty="0" smtClean="0"/>
-              <a:t>(){}; </a:t>
-            </a:r>
-          </a:p>
-          <a:p>
-            <a:r>
-              <a:rPr lang="de-DE" dirty="0" err="1" smtClean="0"/>
-              <a:t>var</a:t>
-            </a:r>
-            <a:r>
-              <a:rPr lang="de-DE" dirty="0" smtClean="0"/>
-              <a:t> x = </a:t>
-            </a:r>
-            <a:r>
-              <a:rPr lang="de-DE" dirty="0" err="1" smtClean="0"/>
-              <a:t>new</a:t>
-            </a:r>
-            <a:r>
-              <a:rPr lang="de-DE" dirty="0" smtClean="0"/>
-              <a:t> </a:t>
-            </a:r>
-            <a:r>
-              <a:rPr lang="de-DE" dirty="0" err="1" smtClean="0"/>
-              <a:t>Rectangle</a:t>
-            </a:r>
-            <a:r>
-              <a:rPr lang="de-DE" dirty="0" smtClean="0"/>
-              <a:t>();</a:t>
-            </a:r>
-          </a:p>
-          <a:p>
-            <a:r>
-              <a:rPr lang="de-DE" dirty="0" smtClean="0"/>
-              <a:t>x </a:t>
-            </a:r>
-            <a:r>
-              <a:rPr lang="de-DE" dirty="0" err="1" smtClean="0"/>
-              <a:t>instanceof</a:t>
-            </a:r>
-            <a:r>
-              <a:rPr lang="de-DE" dirty="0" smtClean="0"/>
-              <a:t> </a:t>
-            </a:r>
-            <a:r>
-              <a:rPr lang="de-DE" dirty="0" err="1" smtClean="0"/>
-              <a:t>Rectangle</a:t>
-            </a:r>
-            <a:r>
-              <a:rPr lang="de-DE" dirty="0" smtClean="0"/>
-              <a:t>; // true</a:t>
-            </a:r>
-          </a:p>
-          <a:p>
-            <a:endParaRPr lang="de-DE" dirty="0" smtClean="0"/>
-          </a:p>
-          <a:p>
-            <a:r>
-              <a:rPr lang="de-DE" dirty="0" smtClean="0"/>
-              <a:t>// </a:t>
-            </a:r>
-            <a:r>
-              <a:rPr lang="de-DE" dirty="0" err="1" smtClean="0"/>
-              <a:t>use</a:t>
-            </a:r>
-            <a:r>
-              <a:rPr lang="de-DE" dirty="0" smtClean="0"/>
-              <a:t> </a:t>
-            </a:r>
-            <a:r>
-              <a:rPr lang="de-DE" dirty="0" err="1" smtClean="0"/>
-              <a:t>Object</a:t>
-            </a:r>
-            <a:r>
-              <a:rPr lang="de-DE" dirty="0" smtClean="0"/>
-              <a:t>-Factory </a:t>
-            </a:r>
-            <a:r>
-              <a:rPr lang="de-DE" dirty="0" err="1" smtClean="0"/>
-              <a:t>to</a:t>
-            </a:r>
-            <a:r>
-              <a:rPr lang="de-DE" dirty="0" smtClean="0"/>
-              <a:t> </a:t>
-            </a:r>
-            <a:r>
-              <a:rPr lang="de-DE" dirty="0" err="1" smtClean="0"/>
-              <a:t>create</a:t>
-            </a:r>
-            <a:r>
-              <a:rPr lang="de-DE" dirty="0" smtClean="0"/>
-              <a:t> a </a:t>
-            </a:r>
-            <a:r>
-              <a:rPr lang="de-DE" dirty="0" err="1" smtClean="0"/>
-              <a:t>similar</a:t>
-            </a:r>
-            <a:r>
-              <a:rPr lang="de-DE" dirty="0" smtClean="0"/>
-              <a:t> </a:t>
-            </a:r>
-            <a:r>
-              <a:rPr lang="de-DE" dirty="0" err="1" smtClean="0"/>
-              <a:t>Object</a:t>
-            </a:r>
-            <a:endParaRPr lang="de-DE" dirty="0"/>
-          </a:p>
-          <a:p>
-            <a:r>
-              <a:rPr lang="de-DE" dirty="0" err="1" smtClean="0"/>
-              <a:t>var</a:t>
-            </a:r>
-            <a:r>
-              <a:rPr lang="de-DE" dirty="0" smtClean="0"/>
-              <a:t> </a:t>
-            </a:r>
-            <a:r>
-              <a:rPr lang="de-DE" dirty="0" err="1" smtClean="0"/>
-              <a:t>y</a:t>
-            </a:r>
-            <a:r>
-              <a:rPr lang="de-DE" dirty="0" smtClean="0"/>
-              <a:t> = </a:t>
-            </a:r>
-            <a:r>
-              <a:rPr lang="de-DE" dirty="0" err="1" smtClean="0"/>
-              <a:t>new</a:t>
-            </a:r>
-            <a:r>
-              <a:rPr lang="de-DE" dirty="0" smtClean="0"/>
-              <a:t> </a:t>
-            </a:r>
-            <a:r>
-              <a:rPr lang="de-DE" dirty="0" err="1" smtClean="0"/>
-              <a:t>Object</a:t>
-            </a:r>
-            <a:r>
-              <a:rPr lang="de-DE" dirty="0" smtClean="0"/>
-              <a:t>(x); </a:t>
-            </a:r>
-          </a:p>
-          <a:p>
-            <a:r>
-              <a:rPr lang="de-DE" dirty="0" err="1" smtClean="0"/>
-              <a:t>y</a:t>
-            </a:r>
-            <a:r>
-              <a:rPr lang="de-DE" dirty="0" smtClean="0"/>
-              <a:t> </a:t>
-            </a:r>
-            <a:r>
-              <a:rPr lang="de-DE" dirty="0" err="1" smtClean="0"/>
-              <a:t>instanceof</a:t>
-            </a:r>
-            <a:r>
-              <a:rPr lang="de-DE" dirty="0" smtClean="0"/>
-              <a:t> </a:t>
-            </a:r>
-            <a:r>
-              <a:rPr lang="de-DE" dirty="0" err="1" smtClean="0"/>
-              <a:t>Rectangle</a:t>
-            </a:r>
-            <a:r>
-              <a:rPr lang="de-DE" dirty="0" smtClean="0"/>
-              <a:t>; // true</a:t>
-            </a:r>
+              <a:t>Compile</a:t>
+            </a:r>
+            <a:r>
+              <a:rPr lang="de-DE" dirty="0" smtClean="0"/>
+              <a:t>-Zeit der Typ nicht bekannt ist</a:t>
+            </a:r>
+          </a:p>
+          <a:p>
+            <a:pPr marL="0" indent="0">
+              <a:buNone/>
+            </a:pPr>
             <a:endParaRPr lang="de-DE" dirty="0"/>
           </a:p>
         </p:txBody>
@@ -6004,7 +6277,7 @@
           <a:p>
             <a:r>
               <a:rPr lang="de-DE" dirty="0" smtClean="0"/>
-              <a:t>Eingebaute Factory</a:t>
+              <a:t>Factory</a:t>
             </a:r>
             <a:endParaRPr lang="de-DE" dirty="0"/>
           </a:p>
@@ -6013,7 +6286,7 @@
     </p:spTree>
     <p:extLst>
       <p:ext uri="{BB962C8B-B14F-4D97-AF65-F5344CB8AC3E}">
-        <p14:creationId xmlns:p14="http://schemas.microsoft.com/office/powerpoint/2010/main" val="3529830268"/>
+        <p14:creationId xmlns:p14="http://schemas.microsoft.com/office/powerpoint/2010/main" val="232201409"/>
       </p:ext>
     </p:extLst>
   </p:cSld>
@@ -6060,6 +6333,513 @@
         </p:nvSpPr>
         <p:spPr/>
         <p:txBody>
+          <a:bodyPr/>
+          <a:lstStyle/>
+          <a:p>
+            <a:r>
+              <a:rPr lang="de-DE" dirty="0" smtClean="0"/>
+              <a:t>// </a:t>
+            </a:r>
+            <a:r>
+              <a:rPr lang="de-DE" dirty="0" err="1" smtClean="0"/>
+              <a:t>equivalent</a:t>
+            </a:r>
+            <a:r>
+              <a:rPr lang="de-DE" dirty="0" smtClean="0"/>
+              <a:t> </a:t>
+            </a:r>
+            <a:r>
+              <a:rPr lang="de-DE" dirty="0" err="1" smtClean="0"/>
+              <a:t>to</a:t>
+            </a:r>
+            <a:r>
+              <a:rPr lang="de-DE" dirty="0" smtClean="0"/>
+              <a:t> o = </a:t>
+            </a:r>
+            <a:r>
+              <a:rPr lang="de-DE" dirty="0" err="1" smtClean="0"/>
+              <a:t>new</a:t>
+            </a:r>
+            <a:r>
+              <a:rPr lang="de-DE" dirty="0" smtClean="0"/>
+              <a:t> Boolean(true);</a:t>
+            </a:r>
+          </a:p>
+          <a:p>
+            <a:r>
+              <a:rPr lang="de-DE" dirty="0" err="1" smtClean="0"/>
+              <a:t>var</a:t>
+            </a:r>
+            <a:r>
+              <a:rPr lang="de-DE" dirty="0" smtClean="0"/>
+              <a:t> o = </a:t>
+            </a:r>
+            <a:r>
+              <a:rPr lang="de-DE" dirty="0" err="1" smtClean="0"/>
+              <a:t>new</a:t>
+            </a:r>
+            <a:r>
+              <a:rPr lang="de-DE" dirty="0" smtClean="0"/>
+              <a:t> </a:t>
+            </a:r>
+            <a:r>
+              <a:rPr lang="de-DE" dirty="0" err="1" smtClean="0"/>
+              <a:t>Object</a:t>
+            </a:r>
+            <a:r>
+              <a:rPr lang="de-DE" dirty="0" smtClean="0"/>
+              <a:t>(true);</a:t>
+            </a:r>
+          </a:p>
+          <a:p>
+            <a:endParaRPr lang="de-DE" dirty="0" smtClean="0"/>
+          </a:p>
+          <a:p>
+            <a:r>
+              <a:rPr lang="de-DE" dirty="0" smtClean="0"/>
+              <a:t>// </a:t>
+            </a:r>
+            <a:r>
+              <a:rPr lang="de-DE" dirty="0" err="1" smtClean="0"/>
+              <a:t>equivalent</a:t>
+            </a:r>
+            <a:r>
+              <a:rPr lang="de-DE" dirty="0" smtClean="0"/>
+              <a:t> </a:t>
+            </a:r>
+            <a:r>
+              <a:rPr lang="de-DE" dirty="0" err="1" smtClean="0"/>
+              <a:t>to</a:t>
+            </a:r>
+            <a:r>
+              <a:rPr lang="de-DE" dirty="0" smtClean="0"/>
+              <a:t> o = </a:t>
+            </a:r>
+            <a:r>
+              <a:rPr lang="de-DE" dirty="0" err="1" smtClean="0"/>
+              <a:t>new</a:t>
+            </a:r>
+            <a:r>
+              <a:rPr lang="de-DE" dirty="0" smtClean="0"/>
+              <a:t> Boolean(false);</a:t>
+            </a:r>
+          </a:p>
+          <a:p>
+            <a:r>
+              <a:rPr lang="de-DE" dirty="0" err="1" smtClean="0"/>
+              <a:t>var</a:t>
+            </a:r>
+            <a:r>
+              <a:rPr lang="de-DE" dirty="0" smtClean="0"/>
+              <a:t> o = </a:t>
+            </a:r>
+            <a:r>
+              <a:rPr lang="de-DE" dirty="0" err="1" smtClean="0"/>
+              <a:t>new</a:t>
+            </a:r>
+            <a:r>
+              <a:rPr lang="de-DE" dirty="0" smtClean="0"/>
+              <a:t> </a:t>
+            </a:r>
+            <a:r>
+              <a:rPr lang="de-DE" dirty="0" err="1" smtClean="0"/>
+              <a:t>Object</a:t>
+            </a:r>
+            <a:r>
+              <a:rPr lang="de-DE" dirty="0" smtClean="0"/>
+              <a:t>(Boolean());</a:t>
+            </a:r>
+          </a:p>
+          <a:p>
+            <a:endParaRPr lang="de-DE" dirty="0" smtClean="0"/>
+          </a:p>
+          <a:p>
+            <a:endParaRPr lang="de-DE" sz="1300" dirty="0" smtClean="0"/>
+          </a:p>
+          <a:p>
+            <a:r>
+              <a:rPr lang="de-DE" sz="1300" dirty="0" smtClean="0"/>
+              <a:t>// https://</a:t>
+            </a:r>
+            <a:r>
+              <a:rPr lang="de-DE" sz="1300" dirty="0" err="1" smtClean="0"/>
+              <a:t>developer.mozilla.org</a:t>
+            </a:r>
+            <a:r>
+              <a:rPr lang="de-DE" sz="1300" dirty="0" smtClean="0"/>
+              <a:t>/en-US/</a:t>
+            </a:r>
+            <a:r>
+              <a:rPr lang="de-DE" sz="1300" dirty="0" err="1" smtClean="0"/>
+              <a:t>docs</a:t>
+            </a:r>
+            <a:r>
+              <a:rPr lang="de-DE" sz="1300" dirty="0" smtClean="0"/>
+              <a:t>/JavaScript/Reference/</a:t>
+            </a:r>
+            <a:r>
+              <a:rPr lang="de-DE" sz="1300" dirty="0" err="1" smtClean="0"/>
+              <a:t>Global_Objects</a:t>
+            </a:r>
+            <a:r>
+              <a:rPr lang="de-DE" sz="1300" dirty="0" smtClean="0"/>
+              <a:t>/</a:t>
+            </a:r>
+            <a:r>
+              <a:rPr lang="de-DE" sz="1300" dirty="0" err="1" smtClean="0"/>
+              <a:t>Object</a:t>
+            </a:r>
+            <a:endParaRPr lang="de-DE" sz="1300" dirty="0" smtClean="0"/>
+          </a:p>
+          <a:p>
+            <a:endParaRPr lang="de-DE" dirty="0"/>
+          </a:p>
+        </p:txBody>
+      </p:sp>
+      <p:sp>
+        <p:nvSpPr>
+          <p:cNvPr id="3" name="Titel 2"/>
+          <p:cNvSpPr>
+            <a:spLocks noGrp="1"/>
+          </p:cNvSpPr>
+          <p:nvPr>
+            <p:ph type="title"/>
+          </p:nvPr>
+        </p:nvSpPr>
+        <p:spPr/>
+        <p:txBody>
+          <a:bodyPr/>
+          <a:lstStyle/>
+          <a:p>
+            <a:r>
+              <a:rPr lang="de-DE" dirty="0" smtClean="0"/>
+              <a:t>Eingebaute Factory</a:t>
+            </a:r>
+            <a:endParaRPr lang="de-DE" dirty="0"/>
+          </a:p>
+        </p:txBody>
+      </p:sp>
+    </p:spTree>
+    <p:extLst>
+      <p:ext uri="{BB962C8B-B14F-4D97-AF65-F5344CB8AC3E}">
+        <p14:creationId xmlns:p14="http://schemas.microsoft.com/office/powerpoint/2010/main" val="4097219642"/>
+      </p:ext>
+    </p:extLst>
+  </p:cSld>
+  <p:clrMapOvr>
+    <a:masterClrMapping/>
+  </p:clrMapOvr>
+  <mc:AlternateContent xmlns:mc="http://schemas.openxmlformats.org/markup-compatibility/2006" xmlns:p14="http://schemas.microsoft.com/office/powerpoint/2010/main">
+    <mc:Choice Requires="p14">
+      <p:transition spd="slow" p14:dur="2000"/>
+    </mc:Choice>
+    <mc:Fallback xmlns="">
+      <p:transition xmlns:p14="http://schemas.microsoft.com/office/powerpoint/2010/main" spd="slow"/>
+    </mc:Fallback>
+  </mc:AlternateContent>
+</p:sld>
+</file>
+
+<file path=ppt/slides/slide22.xml><?xml version="1.0" encoding="utf-8"?>
+<p:sld xmlns:a="http://schemas.openxmlformats.org/drawingml/2006/main" xmlns:r="http://schemas.openxmlformats.org/officeDocument/2006/relationships" xmlns:p="http://schemas.openxmlformats.org/presentationml/2006/main">
+  <p:cSld>
+    <p:spTree>
+      <p:nvGrpSpPr>
+        <p:cNvPr id="1" name=""/>
+        <p:cNvGrpSpPr/>
+        <p:nvPr/>
+      </p:nvGrpSpPr>
+      <p:grpSpPr>
+        <a:xfrm>
+          <a:off x="0" y="0"/>
+          <a:ext cx="0" cy="0"/>
+          <a:chOff x="0" y="0"/>
+          <a:chExt cx="0" cy="0"/>
+        </a:xfrm>
+      </p:grpSpPr>
+      <p:sp>
+        <p:nvSpPr>
+          <p:cNvPr id="2" name="Inhaltsplatzhalter 1"/>
+          <p:cNvSpPr>
+            <a:spLocks noGrp="1"/>
+          </p:cNvSpPr>
+          <p:nvPr>
+            <p:ph idx="1"/>
+          </p:nvPr>
+        </p:nvSpPr>
+        <p:spPr/>
+        <p:txBody>
+          <a:bodyPr>
+            <a:normAutofit/>
+          </a:bodyPr>
+          <a:lstStyle/>
+          <a:p>
+            <a:r>
+              <a:rPr lang="de-DE" dirty="0" smtClean="0"/>
+              <a:t>// Create a </a:t>
+            </a:r>
+            <a:r>
+              <a:rPr lang="de-DE" dirty="0" err="1" smtClean="0"/>
+              <a:t>Constructor</a:t>
+            </a:r>
+            <a:endParaRPr lang="de-DE" dirty="0" smtClean="0"/>
+          </a:p>
+          <a:p>
+            <a:r>
+              <a:rPr lang="de-DE" dirty="0" err="1" smtClean="0"/>
+              <a:t>function</a:t>
+            </a:r>
+            <a:r>
+              <a:rPr lang="de-DE" dirty="0" smtClean="0"/>
+              <a:t> </a:t>
+            </a:r>
+            <a:r>
+              <a:rPr lang="de-DE" dirty="0" err="1" smtClean="0"/>
+              <a:t>Rectangle</a:t>
+            </a:r>
+            <a:r>
+              <a:rPr lang="de-DE" dirty="0" smtClean="0"/>
+              <a:t>(){}; </a:t>
+            </a:r>
+          </a:p>
+          <a:p>
+            <a:r>
+              <a:rPr lang="de-DE" dirty="0" err="1" smtClean="0"/>
+              <a:t>var</a:t>
+            </a:r>
+            <a:r>
+              <a:rPr lang="de-DE" dirty="0" smtClean="0"/>
+              <a:t> x = </a:t>
+            </a:r>
+            <a:r>
+              <a:rPr lang="de-DE" dirty="0" err="1" smtClean="0"/>
+              <a:t>new</a:t>
+            </a:r>
+            <a:r>
+              <a:rPr lang="de-DE" dirty="0" smtClean="0"/>
+              <a:t> </a:t>
+            </a:r>
+            <a:r>
+              <a:rPr lang="de-DE" dirty="0" err="1" smtClean="0"/>
+              <a:t>Rectangle</a:t>
+            </a:r>
+            <a:r>
+              <a:rPr lang="de-DE" dirty="0" smtClean="0"/>
+              <a:t>();</a:t>
+            </a:r>
+          </a:p>
+          <a:p>
+            <a:r>
+              <a:rPr lang="de-DE" dirty="0" smtClean="0"/>
+              <a:t>x </a:t>
+            </a:r>
+            <a:r>
+              <a:rPr lang="de-DE" dirty="0" err="1" smtClean="0"/>
+              <a:t>instanceof</a:t>
+            </a:r>
+            <a:r>
+              <a:rPr lang="de-DE" dirty="0" smtClean="0"/>
+              <a:t> </a:t>
+            </a:r>
+            <a:r>
+              <a:rPr lang="de-DE" dirty="0" err="1" smtClean="0"/>
+              <a:t>Rectangle</a:t>
+            </a:r>
+            <a:r>
+              <a:rPr lang="de-DE" dirty="0" smtClean="0"/>
+              <a:t>; // true</a:t>
+            </a:r>
+          </a:p>
+          <a:p>
+            <a:endParaRPr lang="de-DE" dirty="0" smtClean="0"/>
+          </a:p>
+          <a:p>
+            <a:r>
+              <a:rPr lang="de-DE" dirty="0" smtClean="0"/>
+              <a:t>// </a:t>
+            </a:r>
+            <a:r>
+              <a:rPr lang="de-DE" dirty="0" err="1" smtClean="0"/>
+              <a:t>use</a:t>
+            </a:r>
+            <a:r>
+              <a:rPr lang="de-DE" dirty="0" smtClean="0"/>
+              <a:t> </a:t>
+            </a:r>
+            <a:r>
+              <a:rPr lang="de-DE" dirty="0" err="1" smtClean="0"/>
+              <a:t>Object</a:t>
+            </a:r>
+            <a:r>
+              <a:rPr lang="de-DE" dirty="0" smtClean="0"/>
+              <a:t>-Factory </a:t>
+            </a:r>
+            <a:r>
+              <a:rPr lang="de-DE" dirty="0" err="1" smtClean="0"/>
+              <a:t>to</a:t>
+            </a:r>
+            <a:r>
+              <a:rPr lang="de-DE" dirty="0" smtClean="0"/>
+              <a:t> </a:t>
+            </a:r>
+            <a:r>
+              <a:rPr lang="de-DE" dirty="0" err="1" smtClean="0"/>
+              <a:t>create</a:t>
+            </a:r>
+            <a:r>
+              <a:rPr lang="de-DE" dirty="0" smtClean="0"/>
+              <a:t> a </a:t>
+            </a:r>
+            <a:r>
+              <a:rPr lang="de-DE" dirty="0" err="1" smtClean="0"/>
+              <a:t>similar</a:t>
+            </a:r>
+            <a:r>
+              <a:rPr lang="de-DE" dirty="0" smtClean="0"/>
+              <a:t> </a:t>
+            </a:r>
+            <a:r>
+              <a:rPr lang="de-DE" dirty="0" err="1" smtClean="0"/>
+              <a:t>Object</a:t>
+            </a:r>
+            <a:endParaRPr lang="de-DE" dirty="0"/>
+          </a:p>
+          <a:p>
+            <a:r>
+              <a:rPr lang="de-DE" dirty="0" err="1" smtClean="0"/>
+              <a:t>var</a:t>
+            </a:r>
+            <a:r>
+              <a:rPr lang="de-DE" dirty="0" smtClean="0"/>
+              <a:t> </a:t>
+            </a:r>
+            <a:r>
+              <a:rPr lang="de-DE" dirty="0" err="1" smtClean="0"/>
+              <a:t>y</a:t>
+            </a:r>
+            <a:r>
+              <a:rPr lang="de-DE" dirty="0" smtClean="0"/>
+              <a:t> = </a:t>
+            </a:r>
+            <a:r>
+              <a:rPr lang="de-DE" dirty="0" err="1" smtClean="0"/>
+              <a:t>new</a:t>
+            </a:r>
+            <a:r>
+              <a:rPr lang="de-DE" dirty="0" smtClean="0"/>
+              <a:t> </a:t>
+            </a:r>
+            <a:r>
+              <a:rPr lang="de-DE" dirty="0" err="1" smtClean="0"/>
+              <a:t>Object</a:t>
+            </a:r>
+            <a:r>
+              <a:rPr lang="de-DE" dirty="0" smtClean="0"/>
+              <a:t>(x); </a:t>
+            </a:r>
+          </a:p>
+          <a:p>
+            <a:r>
+              <a:rPr lang="de-DE" dirty="0" err="1" smtClean="0"/>
+              <a:t>y</a:t>
+            </a:r>
+            <a:r>
+              <a:rPr lang="de-DE" dirty="0" smtClean="0"/>
+              <a:t> </a:t>
+            </a:r>
+            <a:r>
+              <a:rPr lang="de-DE" dirty="0" err="1" smtClean="0"/>
+              <a:t>instanceof</a:t>
+            </a:r>
+            <a:r>
+              <a:rPr lang="de-DE" dirty="0" smtClean="0"/>
+              <a:t> </a:t>
+            </a:r>
+            <a:r>
+              <a:rPr lang="de-DE" dirty="0" err="1" smtClean="0"/>
+              <a:t>Rectangle</a:t>
+            </a:r>
+            <a:r>
+              <a:rPr lang="de-DE" dirty="0" smtClean="0"/>
+              <a:t>; // true</a:t>
+            </a:r>
+            <a:endParaRPr lang="de-DE" dirty="0"/>
+          </a:p>
+        </p:txBody>
+      </p:sp>
+      <p:sp>
+        <p:nvSpPr>
+          <p:cNvPr id="3" name="Titel 2"/>
+          <p:cNvSpPr>
+            <a:spLocks noGrp="1"/>
+          </p:cNvSpPr>
+          <p:nvPr>
+            <p:ph type="title"/>
+          </p:nvPr>
+        </p:nvSpPr>
+        <p:spPr/>
+        <p:txBody>
+          <a:bodyPr/>
+          <a:lstStyle/>
+          <a:p>
+            <a:r>
+              <a:rPr lang="de-DE" dirty="0" smtClean="0"/>
+              <a:t>Eingebaute Factory</a:t>
+            </a:r>
+            <a:endParaRPr lang="de-DE" dirty="0"/>
+          </a:p>
+        </p:txBody>
+      </p:sp>
+    </p:spTree>
+    <p:extLst>
+      <p:ext uri="{BB962C8B-B14F-4D97-AF65-F5344CB8AC3E}">
+        <p14:creationId xmlns:p14="http://schemas.microsoft.com/office/powerpoint/2010/main" val="3529830268"/>
+      </p:ext>
+    </p:extLst>
+  </p:cSld>
+  <p:clrMapOvr>
+    <a:masterClrMapping/>
+  </p:clrMapOvr>
+  <mc:AlternateContent xmlns:mc="http://schemas.openxmlformats.org/markup-compatibility/2006" xmlns:p14="http://schemas.microsoft.com/office/powerpoint/2010/main">
+    <mc:Choice Requires="p14">
+      <p:transition spd="slow" p14:dur="2000"/>
+    </mc:Choice>
+    <mc:Fallback xmlns="">
+      <p:transition xmlns:p14="http://schemas.microsoft.com/office/powerpoint/2010/main" spd="slow"/>
+    </mc:Fallback>
+  </mc:AlternateContent>
+</p:sld>
+</file>
+
+<file path=ppt/slides/slide23.xml><?xml version="1.0" encoding="utf-8"?>
+<p:sld xmlns:a="http://schemas.openxmlformats.org/drawingml/2006/main" xmlns:r="http://schemas.openxmlformats.org/officeDocument/2006/relationships" xmlns:p="http://schemas.openxmlformats.org/presentationml/2006/main">
+  <p:cSld>
+    <p:spTree>
+      <p:nvGrpSpPr>
+        <p:cNvPr id="1" name=""/>
+        <p:cNvGrpSpPr/>
+        <p:nvPr/>
+      </p:nvGrpSpPr>
+      <p:grpSpPr>
+        <a:xfrm>
+          <a:off x="0" y="0"/>
+          <a:ext cx="0" cy="0"/>
+          <a:chOff x="0" y="0"/>
+          <a:chExt cx="0" cy="0"/>
+        </a:xfrm>
+      </p:grpSpPr>
+      <p:sp>
+        <p:nvSpPr>
+          <p:cNvPr id="2" name="Inhaltsplatzhalter 1"/>
+          <p:cNvSpPr>
+            <a:spLocks noGrp="1"/>
+          </p:cNvSpPr>
+          <p:nvPr>
+            <p:ph idx="1"/>
+          </p:nvPr>
+        </p:nvSpPr>
+        <p:spPr/>
+        <p:txBody>
           <a:bodyPr>
             <a:normAutofit fontScale="62500" lnSpcReduction="20000"/>
           </a:bodyPr>
@@ -6429,7 +7209,7 @@
 </p:sld>
 </file>
 
-<file path=ppt/slides/slide22.xml><?xml version="1.0" encoding="utf-8"?>
+<file path=ppt/slides/slide24.xml><?xml version="1.0" encoding="utf-8"?>
 <p:sld xmlns:a="http://schemas.openxmlformats.org/drawingml/2006/main" xmlns:r="http://schemas.openxmlformats.org/officeDocument/2006/relationships" xmlns:p="http://schemas.openxmlformats.org/presentationml/2006/main">
   <p:cSld>
     <p:spTree>
@@ -6849,361 +7629,6 @@
 </p:sld>
 </file>
 
-<file path=ppt/slides/slide23.xml><?xml version="1.0" encoding="utf-8"?>
-<p:sld xmlns:a="http://schemas.openxmlformats.org/drawingml/2006/main" xmlns:r="http://schemas.openxmlformats.org/officeDocument/2006/relationships" xmlns:p="http://schemas.openxmlformats.org/presentationml/2006/main">
-  <p:cSld>
-    <p:spTree>
-      <p:nvGrpSpPr>
-        <p:cNvPr id="1" name=""/>
-        <p:cNvGrpSpPr/>
-        <p:nvPr/>
-      </p:nvGrpSpPr>
-      <p:grpSpPr>
-        <a:xfrm>
-          <a:off x="0" y="0"/>
-          <a:ext cx="0" cy="0"/>
-          <a:chOff x="0" y="0"/>
-          <a:chExt cx="0" cy="0"/>
-        </a:xfrm>
-      </p:grpSpPr>
-      <p:sp>
-        <p:nvSpPr>
-          <p:cNvPr id="2" name="Inhaltsplatzhalter 1"/>
-          <p:cNvSpPr>
-            <a:spLocks noGrp="1"/>
-          </p:cNvSpPr>
-          <p:nvPr>
-            <p:ph idx="1"/>
-          </p:nvPr>
-        </p:nvSpPr>
-        <p:spPr/>
-        <p:txBody>
-          <a:bodyPr/>
-          <a:lstStyle/>
-          <a:p>
-            <a:r>
-              <a:rPr lang="de-DE" dirty="0"/>
-              <a:t>unterschiedliche Ausprägungen von Objekten </a:t>
-            </a:r>
-            <a:endParaRPr lang="de-DE" dirty="0" smtClean="0"/>
-          </a:p>
-          <a:p>
-            <a:r>
-              <a:rPr lang="de-DE" dirty="0"/>
-              <a:t>unterschiedliche Algorithmen anhand des </a:t>
-            </a:r>
-            <a:r>
-              <a:rPr lang="de-DE" dirty="0" smtClean="0"/>
-              <a:t>Kontexts</a:t>
-            </a:r>
-            <a:endParaRPr lang="de-DE" dirty="0"/>
-          </a:p>
-          <a:p>
-            <a:r>
-              <a:rPr lang="de-DE" dirty="0" smtClean="0"/>
-              <a:t>z.B. </a:t>
-            </a:r>
-            <a:r>
-              <a:rPr lang="de-DE" dirty="0"/>
-              <a:t>Berechnung der Mehrwertsteuer </a:t>
-            </a:r>
-          </a:p>
-        </p:txBody>
-      </p:sp>
-      <p:sp>
-        <p:nvSpPr>
-          <p:cNvPr id="3" name="Titel 2"/>
-          <p:cNvSpPr>
-            <a:spLocks noGrp="1"/>
-          </p:cNvSpPr>
-          <p:nvPr>
-            <p:ph type="title"/>
-          </p:nvPr>
-        </p:nvSpPr>
-        <p:spPr/>
-        <p:txBody>
-          <a:bodyPr/>
-          <a:lstStyle/>
-          <a:p>
-            <a:r>
-              <a:rPr lang="de-DE" dirty="0" err="1" smtClean="0"/>
-              <a:t>Strategy</a:t>
-            </a:r>
-            <a:endParaRPr lang="de-DE" dirty="0"/>
-          </a:p>
-        </p:txBody>
-      </p:sp>
-    </p:spTree>
-    <p:extLst>
-      <p:ext uri="{BB962C8B-B14F-4D97-AF65-F5344CB8AC3E}">
-        <p14:creationId xmlns:p14="http://schemas.microsoft.com/office/powerpoint/2010/main" val="386495597"/>
-      </p:ext>
-    </p:extLst>
-  </p:cSld>
-  <p:clrMapOvr>
-    <a:masterClrMapping/>
-  </p:clrMapOvr>
-  <mc:AlternateContent xmlns:mc="http://schemas.openxmlformats.org/markup-compatibility/2006" xmlns:p14="http://schemas.microsoft.com/office/powerpoint/2010/main">
-    <mc:Choice Requires="p14">
-      <p:transition spd="slow" p14:dur="2000"/>
-    </mc:Choice>
-    <mc:Fallback xmlns="">
-      <p:transition xmlns:p14="http://schemas.microsoft.com/office/powerpoint/2010/main" spd="slow"/>
-    </mc:Fallback>
-  </mc:AlternateContent>
-</p:sld>
-</file>
-
-<file path=ppt/slides/slide24.xml><?xml version="1.0" encoding="utf-8"?>
-<p:sld xmlns:a="http://schemas.openxmlformats.org/drawingml/2006/main" xmlns:r="http://schemas.openxmlformats.org/officeDocument/2006/relationships" xmlns:p="http://schemas.openxmlformats.org/presentationml/2006/main">
-  <p:cSld>
-    <p:spTree>
-      <p:nvGrpSpPr>
-        <p:cNvPr id="1" name=""/>
-        <p:cNvGrpSpPr/>
-        <p:nvPr/>
-      </p:nvGrpSpPr>
-      <p:grpSpPr>
-        <a:xfrm>
-          <a:off x="0" y="0"/>
-          <a:ext cx="0" cy="0"/>
-          <a:chOff x="0" y="0"/>
-          <a:chExt cx="0" cy="0"/>
-        </a:xfrm>
-      </p:grpSpPr>
-      <p:sp>
-        <p:nvSpPr>
-          <p:cNvPr id="2" name="Inhaltsplatzhalter 1"/>
-          <p:cNvSpPr>
-            <a:spLocks noGrp="1"/>
-          </p:cNvSpPr>
-          <p:nvPr>
-            <p:ph idx="1"/>
-          </p:nvPr>
-        </p:nvSpPr>
-        <p:spPr/>
-        <p:txBody>
-          <a:bodyPr>
-            <a:normAutofit lnSpcReduction="10000"/>
-          </a:bodyPr>
-          <a:lstStyle/>
-          <a:p>
-            <a:r>
-              <a:rPr lang="de-DE" dirty="0" err="1"/>
-              <a:t>var</a:t>
-            </a:r>
-            <a:r>
-              <a:rPr lang="de-DE" dirty="0"/>
-              <a:t> </a:t>
-            </a:r>
-            <a:r>
-              <a:rPr lang="de-DE" dirty="0" err="1"/>
-              <a:t>gadget</a:t>
-            </a:r>
-            <a:r>
-              <a:rPr lang="de-DE" dirty="0"/>
-              <a:t> = {</a:t>
-            </a:r>
-          </a:p>
-          <a:p>
-            <a:r>
-              <a:rPr lang="de-DE" dirty="0"/>
-              <a:t>    </a:t>
-            </a:r>
-            <a:r>
-              <a:rPr lang="de-DE" dirty="0" err="1"/>
-              <a:t>name</a:t>
-            </a:r>
-            <a:r>
-              <a:rPr lang="de-DE" dirty="0"/>
-              <a:t> : "R0cket", </a:t>
-            </a:r>
-            <a:endParaRPr lang="de-DE" dirty="0" smtClean="0"/>
-          </a:p>
-          <a:p>
-            <a:r>
-              <a:rPr lang="de-DE" dirty="0"/>
-              <a:t>	</a:t>
-            </a:r>
-            <a:r>
-              <a:rPr lang="de-DE" dirty="0" smtClean="0"/>
-              <a:t>	 </a:t>
-            </a:r>
-            <a:r>
-              <a:rPr lang="de-DE" dirty="0" err="1" smtClean="0"/>
-              <a:t>vatType</a:t>
-            </a:r>
-            <a:r>
-              <a:rPr lang="de-DE" dirty="0" smtClean="0"/>
-              <a:t> </a:t>
-            </a:r>
-            <a:r>
-              <a:rPr lang="de-DE" dirty="0"/>
-              <a:t>: "</a:t>
-            </a:r>
-            <a:r>
-              <a:rPr lang="de-DE" dirty="0" err="1"/>
-              <a:t>full</a:t>
-            </a:r>
-            <a:r>
-              <a:rPr lang="de-DE" dirty="0"/>
-              <a:t>",</a:t>
-            </a:r>
-          </a:p>
-          <a:p>
-            <a:r>
-              <a:rPr lang="de-DE" dirty="0"/>
-              <a:t>    </a:t>
-            </a:r>
-            <a:r>
-              <a:rPr lang="de-DE" dirty="0" err="1"/>
-              <a:t>price</a:t>
-            </a:r>
-            <a:r>
-              <a:rPr lang="de-DE" dirty="0"/>
-              <a:t> : 30000000</a:t>
-            </a:r>
-          </a:p>
-          <a:p>
-            <a:r>
-              <a:rPr lang="de-DE" dirty="0"/>
-              <a:t>};</a:t>
-            </a:r>
-          </a:p>
-          <a:p>
-            <a:endParaRPr lang="de-DE" dirty="0"/>
-          </a:p>
-          <a:p>
-            <a:r>
-              <a:rPr lang="de-DE" dirty="0" err="1"/>
-              <a:t>var</a:t>
-            </a:r>
-            <a:r>
-              <a:rPr lang="de-DE" dirty="0"/>
-              <a:t> </a:t>
-            </a:r>
-            <a:r>
-              <a:rPr lang="de-DE" dirty="0" err="1"/>
-              <a:t>food</a:t>
-            </a:r>
-            <a:r>
-              <a:rPr lang="de-DE" dirty="0"/>
-              <a:t> = {</a:t>
-            </a:r>
-          </a:p>
-          <a:p>
-            <a:r>
-              <a:rPr lang="de-DE" dirty="0"/>
-              <a:t>    </a:t>
-            </a:r>
-            <a:r>
-              <a:rPr lang="de-DE" dirty="0" err="1"/>
-              <a:t>name</a:t>
-            </a:r>
-            <a:r>
-              <a:rPr lang="de-DE" dirty="0"/>
-              <a:t> : "</a:t>
-            </a:r>
-            <a:r>
-              <a:rPr lang="de-DE" dirty="0" err="1"/>
-              <a:t>bread</a:t>
-            </a:r>
-            <a:r>
-              <a:rPr lang="de-DE" dirty="0"/>
-              <a:t>",</a:t>
-            </a:r>
-          </a:p>
-          <a:p>
-            <a:r>
-              <a:rPr lang="de-DE" dirty="0"/>
-              <a:t>    </a:t>
-            </a:r>
-            <a:r>
-              <a:rPr lang="de-DE" dirty="0" err="1"/>
-              <a:t>vatType</a:t>
-            </a:r>
-            <a:r>
-              <a:rPr lang="de-DE" dirty="0"/>
-              <a:t> : "</a:t>
-            </a:r>
-            <a:r>
-              <a:rPr lang="de-DE" dirty="0" err="1"/>
-              <a:t>reduced</a:t>
-            </a:r>
-            <a:r>
-              <a:rPr lang="de-DE" dirty="0"/>
-              <a:t>",</a:t>
-            </a:r>
-          </a:p>
-          <a:p>
-            <a:r>
-              <a:rPr lang="de-DE" dirty="0"/>
-              <a:t>    </a:t>
-            </a:r>
-            <a:r>
-              <a:rPr lang="de-DE" dirty="0" err="1"/>
-              <a:t>price</a:t>
-            </a:r>
-            <a:r>
-              <a:rPr lang="de-DE" dirty="0"/>
-              <a:t> : 5</a:t>
-            </a:r>
-          </a:p>
-          <a:p>
-            <a:r>
-              <a:rPr lang="de-DE" dirty="0"/>
-              <a:t>};</a:t>
-            </a:r>
-          </a:p>
-          <a:p>
-            <a:endParaRPr lang="de-DE" dirty="0"/>
-          </a:p>
-        </p:txBody>
-      </p:sp>
-      <p:sp>
-        <p:nvSpPr>
-          <p:cNvPr id="3" name="Titel 2"/>
-          <p:cNvSpPr>
-            <a:spLocks noGrp="1"/>
-          </p:cNvSpPr>
-          <p:nvPr>
-            <p:ph type="title"/>
-          </p:nvPr>
-        </p:nvSpPr>
-        <p:spPr/>
-        <p:txBody>
-          <a:bodyPr/>
-          <a:lstStyle/>
-          <a:p>
-            <a:r>
-              <a:rPr lang="de-DE" dirty="0" err="1" smtClean="0"/>
-              <a:t>Strategy</a:t>
-            </a:r>
-            <a:endParaRPr lang="de-DE" dirty="0"/>
-          </a:p>
-        </p:txBody>
-      </p:sp>
-    </p:spTree>
-    <p:extLst>
-      <p:ext uri="{BB962C8B-B14F-4D97-AF65-F5344CB8AC3E}">
-        <p14:creationId xmlns:p14="http://schemas.microsoft.com/office/powerpoint/2010/main" val="472264090"/>
-      </p:ext>
-    </p:extLst>
-  </p:cSld>
-  <p:clrMapOvr>
-    <a:masterClrMapping/>
-  </p:clrMapOvr>
-  <mc:AlternateContent xmlns:mc="http://schemas.openxmlformats.org/markup-compatibility/2006" xmlns:p14="http://schemas.microsoft.com/office/powerpoint/2010/main">
-    <mc:Choice Requires="p14">
-      <p:transition spd="slow" p14:dur="2000"/>
-    </mc:Choice>
-    <mc:Fallback xmlns="">
-      <p:transition xmlns:p14="http://schemas.microsoft.com/office/powerpoint/2010/main" spd="slow"/>
-    </mc:Fallback>
-  </mc:AlternateContent>
-</p:sld>
-</file>
-
 <file path=ppt/slides/slide25.xml><?xml version="1.0" encoding="utf-8"?>
 <p:sld xmlns:a="http://schemas.openxmlformats.org/drawingml/2006/main" xmlns:r="http://schemas.openxmlformats.org/officeDocument/2006/relationships" xmlns:p="http://schemas.openxmlformats.org/presentationml/2006/main">
   <p:cSld>
@@ -7233,116 +7658,35 @@
         </p:nvSpPr>
         <p:spPr/>
         <p:txBody>
-          <a:bodyPr>
-            <a:normAutofit lnSpcReduction="10000"/>
-          </a:bodyPr>
+          <a:bodyPr/>
           <a:lstStyle/>
           <a:p>
             <a:r>
-              <a:rPr lang="de-DE" dirty="0" err="1"/>
-              <a:t>vatCalculator.types</a:t>
-            </a:r>
-            <a:r>
-              <a:rPr lang="de-DE" dirty="0"/>
-              <a:t> = {};</a:t>
-            </a:r>
-          </a:p>
-          <a:p>
-            <a:r>
-              <a:rPr lang="de-DE" dirty="0" err="1"/>
-              <a:t>vatCalculator.types.reduced</a:t>
-            </a:r>
-            <a:r>
-              <a:rPr lang="de-DE" dirty="0"/>
-              <a:t> = {</a:t>
-            </a:r>
-          </a:p>
-          <a:p>
-            <a:r>
-              <a:rPr lang="de-DE" dirty="0"/>
-              <a:t>    </a:t>
-            </a:r>
-            <a:r>
-              <a:rPr lang="en-US" dirty="0"/>
-              <a:t>calculate : function(price) {</a:t>
+              <a:rPr lang="de-DE" dirty="0"/>
+              <a:t>unterschiedliche Ausprägungen von Objekten </a:t>
+            </a:r>
+            <a:endParaRPr lang="de-DE" dirty="0" smtClean="0"/>
+          </a:p>
+          <a:p>
+            <a:r>
+              <a:rPr lang="de-DE" dirty="0"/>
+              <a:t>unterschiedliche Algorithmen anhand des </a:t>
+            </a:r>
+            <a:r>
+              <a:rPr lang="de-DE" dirty="0" smtClean="0"/>
+              <a:t>Kontexts</a:t>
             </a:r>
             <a:endParaRPr lang="de-DE" dirty="0"/>
           </a:p>
           <a:p>
             <a:r>
-              <a:rPr lang="en-US" dirty="0"/>
-              <a:t>        return price * 0.07;    </a:t>
-            </a:r>
-            <a:endParaRPr lang="de-DE" dirty="0"/>
-          </a:p>
-          <a:p>
-            <a:r>
-              <a:rPr lang="en-US" dirty="0"/>
-              <a:t>    }    </a:t>
-            </a:r>
-            <a:endParaRPr lang="de-DE" dirty="0"/>
-          </a:p>
-          <a:p>
-            <a:r>
-              <a:rPr lang="en-US" dirty="0"/>
-              <a:t>};</a:t>
-            </a:r>
-            <a:endParaRPr lang="de-DE" dirty="0"/>
-          </a:p>
-          <a:p>
-            <a:r>
-              <a:rPr lang="en-US" dirty="0" err="1"/>
-              <a:t>vatCalculator.types.full</a:t>
-            </a:r>
-            <a:r>
-              <a:rPr lang="en-US" dirty="0"/>
-              <a:t> = {</a:t>
-            </a:r>
-            <a:endParaRPr lang="de-DE" dirty="0"/>
-          </a:p>
-          <a:p>
-            <a:r>
-              <a:rPr lang="en-US" dirty="0"/>
-              <a:t>    calculate : function(price) {</a:t>
-            </a:r>
-            <a:endParaRPr lang="de-DE" dirty="0"/>
-          </a:p>
-          <a:p>
-            <a:r>
-              <a:rPr lang="en-US" dirty="0"/>
-              <a:t>        </a:t>
-            </a:r>
-            <a:r>
-              <a:rPr lang="de-DE" dirty="0" err="1"/>
-              <a:t>return</a:t>
-            </a:r>
-            <a:r>
-              <a:rPr lang="de-DE" dirty="0"/>
-              <a:t> </a:t>
-            </a:r>
-            <a:r>
-              <a:rPr lang="de-DE" dirty="0" err="1"/>
-              <a:t>price</a:t>
-            </a:r>
-            <a:r>
-              <a:rPr lang="de-DE" dirty="0"/>
-              <a:t> * 0.19;</a:t>
-            </a:r>
-          </a:p>
-          <a:p>
-            <a:r>
-              <a:rPr lang="de-DE" dirty="0"/>
-              <a:t>    }    </a:t>
-            </a:r>
-          </a:p>
-          <a:p>
-            <a:r>
-              <a:rPr lang="de-DE" dirty="0"/>
-              <a:t>};</a:t>
-            </a:r>
-          </a:p>
-          <a:p>
-            <a:endParaRPr lang="de-DE" dirty="0"/>
+              <a:rPr lang="de-DE" dirty="0" smtClean="0"/>
+              <a:t>z.B. </a:t>
+            </a:r>
+            <a:r>
+              <a:rPr lang="de-DE" dirty="0"/>
+              <a:t>Berechnung der Mehrwertsteuer </a:t>
+            </a:r>
           </a:p>
         </p:txBody>
       </p:sp>
@@ -7372,7 +7716,7 @@
     </p:spTree>
     <p:extLst>
       <p:ext uri="{BB962C8B-B14F-4D97-AF65-F5344CB8AC3E}">
-        <p14:creationId xmlns:p14="http://schemas.microsoft.com/office/powerpoint/2010/main" val="2989798722"/>
+        <p14:creationId xmlns:p14="http://schemas.microsoft.com/office/powerpoint/2010/main" val="386495597"/>
       </p:ext>
     </p:extLst>
   </p:cSld>
@@ -7419,7 +7763,9 @@
         </p:nvSpPr>
         <p:spPr/>
         <p:txBody>
-          <a:bodyPr/>
+          <a:bodyPr>
+            <a:normAutofit lnSpcReduction="10000"/>
+          </a:bodyPr>
           <a:lstStyle/>
           <a:p>
             <a:r>
@@ -7432,27 +7778,11 @@
             </a:r>
             <a:r>
               <a:rPr lang="de-DE" dirty="0" err="1"/>
-              <a:t>calculatePrice</a:t>
-            </a:r>
-            <a:r>
-              <a:rPr lang="de-DE" dirty="0"/>
-              <a:t> = </a:t>
-            </a:r>
-            <a:r>
-              <a:rPr lang="de-DE" dirty="0" err="1"/>
-              <a:t>function</a:t>
-            </a:r>
-            <a:r>
-              <a:rPr lang="de-DE" dirty="0"/>
-              <a:t>(</a:t>
-            </a:r>
-            <a:r>
-              <a:rPr lang="de-DE" dirty="0" err="1"/>
-              <a:t>data</a:t>
-            </a:r>
-            <a:r>
-              <a:rPr lang="de-DE" dirty="0"/>
-              <a:t>) {</a:t>
+              <a:t>gadget</a:t>
+            </a:r>
+            <a:r>
+              <a:rPr lang="de-DE" dirty="0"/>
+              <a:t> = {</a:t>
             </a:r>
           </a:p>
           <a:p>
@@ -7462,61 +7792,71 @@
             </a:r>
             <a:r>
               <a:rPr lang="de-DE" dirty="0" err="1"/>
-              <a:t>if</a:t>
-            </a:r>
-            <a:r>
-              <a:rPr lang="de-DE" dirty="0"/>
-              <a:t> (</a:t>
-            </a:r>
-            <a:r>
-              <a:rPr lang="de-DE" dirty="0" err="1"/>
-              <a:t>typeof</a:t>
-            </a:r>
-            <a:r>
-              <a:rPr lang="de-DE" dirty="0"/>
+              <a:t>name</a:t>
+            </a:r>
+            <a:r>
+              <a:rPr lang="de-DE" dirty="0"/>
+              <a:t> : "R0cket", </a:t>
+            </a:r>
+            <a:endParaRPr lang="de-DE" dirty="0" smtClean="0"/>
+          </a:p>
+          <a:p>
+            <a:r>
+              <a:rPr lang="de-DE" dirty="0"/>
+              <a:t>	</a:t>
+            </a:r>
+            <a:r>
+              <a:rPr lang="de-DE" dirty="0" smtClean="0"/>
+              <a:t>	 </a:t>
+            </a:r>
+            <a:r>
+              <a:rPr lang="de-DE" dirty="0" err="1" smtClean="0"/>
+              <a:t>vatType</a:t>
+            </a:r>
+            <a:r>
+              <a:rPr lang="de-DE" dirty="0" smtClean="0"/>
               <a:t> </a:t>
             </a:r>
             <a:r>
-              <a:rPr lang="de-DE" dirty="0" err="1"/>
-              <a:t>vatCalculator.types</a:t>
-            </a:r>
-            <a:r>
-              <a:rPr lang="de-DE" dirty="0"/>
-              <a:t>[</a:t>
-            </a:r>
-            <a:r>
-              <a:rPr lang="de-DE" dirty="0" err="1"/>
-              <a:t>data.vatType</a:t>
-            </a:r>
-            <a:r>
-              <a:rPr lang="de-DE" dirty="0"/>
-              <a:t>] !== "</a:t>
-            </a:r>
-            <a:r>
-              <a:rPr lang="de-DE" dirty="0" err="1"/>
-              <a:t>object</a:t>
-            </a:r>
-            <a:r>
-              <a:rPr lang="de-DE" dirty="0"/>
-              <a:t>") {</a:t>
-            </a:r>
-          </a:p>
-          <a:p>
-            <a:r>
-              <a:rPr lang="de-DE" dirty="0"/>
-              <a:t>        </a:t>
-            </a:r>
-            <a:r>
-              <a:rPr lang="de-DE" dirty="0" err="1"/>
-              <a:t>throw</a:t>
-            </a:r>
-            <a:r>
-              <a:rPr lang="de-DE" dirty="0"/>
-              <a:t> ("</a:t>
-            </a:r>
-            <a:r>
-              <a:rPr lang="de-DE" dirty="0" err="1"/>
-              <a:t>No</a:t>
+              <a:rPr lang="de-DE" dirty="0"/>
+              <a:t>: "</a:t>
+            </a:r>
+            <a:r>
+              <a:rPr lang="de-DE" dirty="0" err="1"/>
+              <a:t>full</a:t>
+            </a:r>
+            <a:r>
+              <a:rPr lang="de-DE" dirty="0"/>
+              <a:t>",</a:t>
+            </a:r>
+          </a:p>
+          <a:p>
+            <a:r>
+              <a:rPr lang="de-DE" dirty="0"/>
+              <a:t>    </a:t>
+            </a:r>
+            <a:r>
+              <a:rPr lang="de-DE" dirty="0" err="1"/>
+              <a:t>price</a:t>
+            </a:r>
+            <a:r>
+              <a:rPr lang="de-DE" dirty="0"/>
+              <a:t> : 30000000</a:t>
+            </a:r>
+          </a:p>
+          <a:p>
+            <a:r>
+              <a:rPr lang="de-DE" dirty="0"/>
+              <a:t>};</a:t>
+            </a:r>
+          </a:p>
+          <a:p>
+            <a:endParaRPr lang="de-DE" dirty="0"/>
+          </a:p>
+          <a:p>
+            <a:r>
+              <a:rPr lang="de-DE" dirty="0" err="1"/>
+              <a:t>var</a:t>
             </a:r>
             <a:r>
               <a:rPr lang="de-DE" dirty="0"/>
@@ -7524,25 +7864,11 @@
             </a:r>
             <a:r>
               <a:rPr lang="de-DE" dirty="0" err="1"/>
-              <a:t>strategy</a:t>
-            </a:r>
-            <a:r>
-              <a:rPr lang="de-DE" dirty="0"/>
-              <a:t> </a:t>
-            </a:r>
-            <a:r>
-              <a:rPr lang="de-DE" dirty="0" err="1"/>
-              <a:t>found</a:t>
-            </a:r>
-            <a:r>
-              <a:rPr lang="de-DE" dirty="0"/>
-              <a:t>.")</a:t>
-            </a:r>
-          </a:p>
-          <a:p>
-            <a:r>
-              <a:rPr lang="de-DE" dirty="0"/>
-              <a:t>    }    </a:t>
+              <a:t>food</a:t>
+            </a:r>
+            <a:r>
+              <a:rPr lang="de-DE" dirty="0"/>
+              <a:t> = {</a:t>
             </a:r>
           </a:p>
           <a:p>
@@ -7552,82 +7878,61 @@
             </a:r>
             <a:r>
               <a:rPr lang="de-DE" dirty="0" err="1"/>
-              <a:t>return</a:t>
-            </a:r>
-            <a:r>
-              <a:rPr lang="de-DE" dirty="0"/>
-              <a:t> </a:t>
-            </a:r>
-            <a:r>
-              <a:rPr lang="de-DE" dirty="0" err="1"/>
-              <a:t>data.price</a:t>
-            </a:r>
-            <a:r>
-              <a:rPr lang="de-DE" dirty="0"/>
-              <a:t> + </a:t>
-            </a:r>
-            <a:r>
-              <a:rPr lang="de-DE" dirty="0" err="1"/>
-              <a:t>vatCalculator.types</a:t>
-            </a:r>
-            <a:r>
-              <a:rPr lang="de-DE" dirty="0"/>
-              <a:t>[</a:t>
-            </a:r>
-            <a:r>
-              <a:rPr lang="de-DE" dirty="0" err="1"/>
-              <a:t>data.vatType</a:t>
-            </a:r>
-            <a:r>
-              <a:rPr lang="de-DE" dirty="0"/>
-              <a:t>].</a:t>
-            </a:r>
-            <a:r>
-              <a:rPr lang="de-DE" dirty="0" err="1"/>
-              <a:t>calculate</a:t>
-            </a:r>
-            <a:r>
-              <a:rPr lang="de-DE" dirty="0"/>
-              <a:t>(</a:t>
-            </a:r>
-            <a:r>
-              <a:rPr lang="de-DE" dirty="0" err="1"/>
-              <a:t>data.price</a:t>
-            </a:r>
-            <a:r>
-              <a:rPr lang="de-DE" dirty="0"/>
-              <a:t>);</a:t>
-            </a:r>
-          </a:p>
-          <a:p>
-            <a:r>
-              <a:rPr lang="de-DE" dirty="0"/>
-              <a:t>}</a:t>
-            </a:r>
-          </a:p>
-          <a:p>
-            <a:endParaRPr lang="de-DE" dirty="0"/>
-          </a:p>
-          <a:p>
-            <a:r>
-              <a:rPr lang="de-DE" dirty="0" err="1" smtClean="0"/>
-              <a:t>calculatePrice</a:t>
-            </a:r>
-            <a:r>
-              <a:rPr lang="de-DE" dirty="0"/>
-              <a:t>(</a:t>
-            </a:r>
-            <a:r>
-              <a:rPr lang="de-DE" dirty="0" err="1"/>
-              <a:t>food</a:t>
-            </a:r>
-            <a:r>
-              <a:rPr lang="de-DE" dirty="0" smtClean="0"/>
-              <a:t>); </a:t>
-            </a:r>
-            <a:r>
-              <a:rPr lang="de-DE" dirty="0"/>
-              <a:t>// 5.35</a:t>
+              <a:t>name</a:t>
+            </a:r>
+            <a:r>
+              <a:rPr lang="de-DE" dirty="0"/>
+              <a:t> : "</a:t>
+            </a:r>
+            <a:r>
+              <a:rPr lang="de-DE" dirty="0" err="1"/>
+              <a:t>bread</a:t>
+            </a:r>
+            <a:r>
+              <a:rPr lang="de-DE" dirty="0"/>
+              <a:t>",</a:t>
+            </a:r>
+          </a:p>
+          <a:p>
+            <a:r>
+              <a:rPr lang="de-DE" dirty="0"/>
+              <a:t>    </a:t>
+            </a:r>
+            <a:r>
+              <a:rPr lang="de-DE" dirty="0" err="1"/>
+              <a:t>vatType</a:t>
+            </a:r>
+            <a:r>
+              <a:rPr lang="de-DE" dirty="0"/>
+              <a:t> : "</a:t>
+            </a:r>
+            <a:r>
+              <a:rPr lang="de-DE" dirty="0" err="1"/>
+              <a:t>reduced</a:t>
+            </a:r>
+            <a:r>
+              <a:rPr lang="de-DE" dirty="0"/>
+              <a:t>",</a:t>
+            </a:r>
+          </a:p>
+          <a:p>
+            <a:r>
+              <a:rPr lang="de-DE" dirty="0"/>
+              <a:t>    </a:t>
+            </a:r>
+            <a:r>
+              <a:rPr lang="de-DE" dirty="0" err="1"/>
+              <a:t>price</a:t>
+            </a:r>
+            <a:r>
+              <a:rPr lang="de-DE" dirty="0"/>
+              <a:t> : 5</a:t>
+            </a:r>
+          </a:p>
+          <a:p>
+            <a:r>
+              <a:rPr lang="de-DE" dirty="0"/>
+              <a:t>};</a:t>
             </a:r>
           </a:p>
           <a:p>
@@ -7661,7 +7966,7 @@
     </p:spTree>
     <p:extLst>
       <p:ext uri="{BB962C8B-B14F-4D97-AF65-F5344CB8AC3E}">
-        <p14:creationId xmlns:p14="http://schemas.microsoft.com/office/powerpoint/2010/main" val="3941232812"/>
+        <p14:creationId xmlns:p14="http://schemas.microsoft.com/office/powerpoint/2010/main" val="472264090"/>
       </p:ext>
     </p:extLst>
   </p:cSld>
@@ -7708,42 +8013,115 @@
         </p:nvSpPr>
         <p:spPr/>
         <p:txBody>
-          <a:bodyPr/>
+          <a:bodyPr>
+            <a:normAutofit lnSpcReduction="10000"/>
+          </a:bodyPr>
           <a:lstStyle/>
           <a:p>
-            <a:pPr marL="0" indent="0">
-              <a:buNone/>
-            </a:pPr>
-            <a:r>
-              <a:rPr lang="de-DE" dirty="0"/>
-              <a:t>Bridge entkoppelt eine konkrete Implementierung von einer abstrakten </a:t>
-            </a:r>
-            <a:r>
-              <a:rPr lang="de-DE" dirty="0" smtClean="0"/>
-              <a:t>Schnittstelle</a:t>
-            </a:r>
-          </a:p>
-          <a:p>
-            <a:pPr marL="0" indent="0">
-              <a:buNone/>
-            </a:pPr>
-            <a:r>
-              <a:rPr lang="de-DE" dirty="0"/>
-              <a:t>beide unabhängig voneinander </a:t>
-            </a:r>
-            <a:r>
-              <a:rPr lang="de-DE" dirty="0" smtClean="0"/>
-              <a:t>veränderbar</a:t>
-            </a:r>
-          </a:p>
-          <a:p>
-            <a:pPr marL="0" indent="0">
-              <a:buNone/>
-            </a:pPr>
-            <a:r>
-              <a:rPr lang="de-DE" dirty="0" smtClean="0"/>
-              <a:t>hilft bei Trennung von fachlichem und technischem Code</a:t>
-            </a:r>
+            <a:r>
+              <a:rPr lang="de-DE" dirty="0" err="1"/>
+              <a:t>vatCalculator.types</a:t>
+            </a:r>
+            <a:r>
+              <a:rPr lang="de-DE" dirty="0"/>
+              <a:t> = {};</a:t>
+            </a:r>
+          </a:p>
+          <a:p>
+            <a:r>
+              <a:rPr lang="de-DE" dirty="0" err="1"/>
+              <a:t>vatCalculator.types.reduced</a:t>
+            </a:r>
+            <a:r>
+              <a:rPr lang="de-DE" dirty="0"/>
+              <a:t> = {</a:t>
+            </a:r>
+          </a:p>
+          <a:p>
+            <a:r>
+              <a:rPr lang="de-DE" dirty="0"/>
+              <a:t>    </a:t>
+            </a:r>
+            <a:r>
+              <a:rPr lang="en-US" dirty="0"/>
+              <a:t>calculate : function(price) {</a:t>
+            </a:r>
+            <a:endParaRPr lang="de-DE" dirty="0"/>
+          </a:p>
+          <a:p>
+            <a:r>
+              <a:rPr lang="en-US" dirty="0"/>
+              <a:t>        return price * 0.07;    </a:t>
+            </a:r>
+            <a:endParaRPr lang="de-DE" dirty="0"/>
+          </a:p>
+          <a:p>
+            <a:r>
+              <a:rPr lang="en-US" dirty="0"/>
+              <a:t>    }    </a:t>
+            </a:r>
+            <a:endParaRPr lang="de-DE" dirty="0"/>
+          </a:p>
+          <a:p>
+            <a:r>
+              <a:rPr lang="en-US" dirty="0"/>
+              <a:t>};</a:t>
+            </a:r>
+            <a:endParaRPr lang="de-DE" dirty="0"/>
+          </a:p>
+          <a:p>
+            <a:r>
+              <a:rPr lang="en-US" dirty="0" err="1"/>
+              <a:t>vatCalculator.types.full</a:t>
+            </a:r>
+            <a:r>
+              <a:rPr lang="en-US" dirty="0"/>
+              <a:t> = {</a:t>
+            </a:r>
+            <a:endParaRPr lang="de-DE" dirty="0"/>
+          </a:p>
+          <a:p>
+            <a:r>
+              <a:rPr lang="en-US" dirty="0"/>
+              <a:t>    calculate : function(price) {</a:t>
+            </a:r>
+            <a:endParaRPr lang="de-DE" dirty="0"/>
+          </a:p>
+          <a:p>
+            <a:r>
+              <a:rPr lang="en-US" dirty="0"/>
+              <a:t>        </a:t>
+            </a:r>
+            <a:r>
+              <a:rPr lang="de-DE" dirty="0" err="1"/>
+              <a:t>return</a:t>
+            </a:r>
+            <a:r>
+              <a:rPr lang="de-DE" dirty="0"/>
+              <a:t> </a:t>
+            </a:r>
+            <a:r>
+              <a:rPr lang="de-DE" dirty="0" err="1"/>
+              <a:t>price</a:t>
+            </a:r>
+            <a:r>
+              <a:rPr lang="de-DE" dirty="0"/>
+              <a:t> * 0.19;</a:t>
+            </a:r>
+          </a:p>
+          <a:p>
+            <a:r>
+              <a:rPr lang="de-DE" dirty="0"/>
+              <a:t>    }    </a:t>
+            </a:r>
+          </a:p>
+          <a:p>
+            <a:r>
+              <a:rPr lang="de-DE" dirty="0"/>
+              <a:t>};</a:t>
+            </a:r>
+          </a:p>
+          <a:p>
             <a:endParaRPr lang="de-DE" dirty="0"/>
           </a:p>
         </p:txBody>
@@ -7764,8 +8142,8 @@
           <a:lstStyle/>
           <a:p>
             <a:r>
-              <a:rPr lang="de-DE" dirty="0" smtClean="0"/>
-              <a:t>Bridge</a:t>
+              <a:rPr lang="de-DE" dirty="0" err="1" smtClean="0"/>
+              <a:t>Strategy</a:t>
             </a:r>
             <a:endParaRPr lang="de-DE" dirty="0"/>
           </a:p>
@@ -7774,7 +8152,7 @@
     </p:spTree>
     <p:extLst>
       <p:ext uri="{BB962C8B-B14F-4D97-AF65-F5344CB8AC3E}">
-        <p14:creationId xmlns:p14="http://schemas.microsoft.com/office/powerpoint/2010/main" val="2296295500"/>
+        <p14:creationId xmlns:p14="http://schemas.microsoft.com/office/powerpoint/2010/main" val="2989798722"/>
       </p:ext>
     </p:extLst>
   </p:cSld>
@@ -7821,22 +8199,172 @@
         </p:nvSpPr>
         <p:spPr/>
         <p:txBody>
-          <a:bodyPr>
-            <a:normAutofit lnSpcReduction="10000"/>
-          </a:bodyPr>
+          <a:bodyPr/>
           <a:lstStyle/>
           <a:p>
             <a:r>
               <a:rPr lang="de-DE" dirty="0" err="1"/>
+              <a:t>var</a:t>
+            </a:r>
+            <a:r>
+              <a:rPr lang="de-DE" dirty="0"/>
+              <a:t> </a:t>
+            </a:r>
+            <a:r>
+              <a:rPr lang="de-DE" dirty="0" err="1"/>
+              <a:t>calculatePrice</a:t>
+            </a:r>
+            <a:r>
+              <a:rPr lang="de-DE" dirty="0"/>
+              <a:t> = </a:t>
+            </a:r>
+            <a:r>
+              <a:rPr lang="de-DE" dirty="0" err="1"/>
               <a:t>function</a:t>
             </a:r>
             <a:r>
               <a:rPr lang="de-DE" dirty="0"/>
+              <a:t>(</a:t>
+            </a:r>
+            <a:r>
+              <a:rPr lang="de-DE" dirty="0" err="1"/>
+              <a:t>data</a:t>
+            </a:r>
+            <a:r>
+              <a:rPr lang="de-DE" dirty="0"/>
+              <a:t>) {</a:t>
+            </a:r>
+          </a:p>
+          <a:p>
+            <a:r>
+              <a:rPr lang="de-DE" dirty="0"/>
+              <a:t>    </a:t>
+            </a:r>
+            <a:r>
+              <a:rPr lang="de-DE" dirty="0" err="1"/>
+              <a:t>if</a:t>
+            </a:r>
+            <a:r>
+              <a:rPr lang="de-DE" dirty="0"/>
+              <a:t> (</a:t>
+            </a:r>
+            <a:r>
+              <a:rPr lang="de-DE" dirty="0" err="1"/>
+              <a:t>typeof</a:t>
+            </a:r>
+            <a:r>
+              <a:rPr lang="de-DE" dirty="0"/>
               <a:t> </a:t>
             </a:r>
             <a:r>
               <a:rPr lang="de-DE" dirty="0" err="1"/>
-              <a:t>getUser</a:t>
+              <a:t>vatCalculator.types</a:t>
+            </a:r>
+            <a:r>
+              <a:rPr lang="de-DE" dirty="0"/>
+              <a:t>[</a:t>
+            </a:r>
+            <a:r>
+              <a:rPr lang="de-DE" dirty="0" err="1"/>
+              <a:t>data.vatType</a:t>
+            </a:r>
+            <a:r>
+              <a:rPr lang="de-DE" dirty="0"/>
+              <a:t>] !== "</a:t>
+            </a:r>
+            <a:r>
+              <a:rPr lang="de-DE" dirty="0" err="1"/>
+              <a:t>object</a:t>
+            </a:r>
+            <a:r>
+              <a:rPr lang="de-DE" dirty="0"/>
+              <a:t>") {</a:t>
+            </a:r>
+          </a:p>
+          <a:p>
+            <a:r>
+              <a:rPr lang="de-DE" dirty="0"/>
+              <a:t>        </a:t>
+            </a:r>
+            <a:r>
+              <a:rPr lang="de-DE" dirty="0" err="1"/>
+              <a:t>throw</a:t>
+            </a:r>
+            <a:r>
+              <a:rPr lang="de-DE" dirty="0"/>
+              <a:t> ("</a:t>
+            </a:r>
+            <a:r>
+              <a:rPr lang="de-DE" dirty="0" err="1"/>
+              <a:t>No</a:t>
+            </a:r>
+            <a:r>
+              <a:rPr lang="de-DE" dirty="0"/>
+              <a:t> </a:t>
+            </a:r>
+            <a:r>
+              <a:rPr lang="de-DE" dirty="0" err="1"/>
+              <a:t>strategy</a:t>
+            </a:r>
+            <a:r>
+              <a:rPr lang="de-DE" dirty="0"/>
+              <a:t> </a:t>
+            </a:r>
+            <a:r>
+              <a:rPr lang="de-DE" dirty="0" err="1"/>
+              <a:t>found</a:t>
+            </a:r>
+            <a:r>
+              <a:rPr lang="de-DE" dirty="0"/>
+              <a:t>.")</a:t>
+            </a:r>
+          </a:p>
+          <a:p>
+            <a:r>
+              <a:rPr lang="de-DE" dirty="0"/>
+              <a:t>    }    </a:t>
+            </a:r>
+          </a:p>
+          <a:p>
+            <a:r>
+              <a:rPr lang="de-DE" dirty="0"/>
+              <a:t>    </a:t>
+            </a:r>
+            <a:r>
+              <a:rPr lang="de-DE" dirty="0" err="1"/>
+              <a:t>return</a:t>
+            </a:r>
+            <a:r>
+              <a:rPr lang="de-DE" dirty="0"/>
+              <a:t> </a:t>
+            </a:r>
+            <a:r>
+              <a:rPr lang="de-DE" dirty="0" err="1"/>
+              <a:t>data.price</a:t>
+            </a:r>
+            <a:r>
+              <a:rPr lang="de-DE" dirty="0"/>
+              <a:t> + </a:t>
+            </a:r>
+            <a:r>
+              <a:rPr lang="de-DE" dirty="0" err="1"/>
+              <a:t>vatCalculator.types</a:t>
+            </a:r>
+            <a:r>
+              <a:rPr lang="de-DE" dirty="0"/>
+              <a:t>[</a:t>
+            </a:r>
+            <a:r>
+              <a:rPr lang="de-DE" dirty="0" err="1"/>
+              <a:t>data.vatType</a:t>
+            </a:r>
+            <a:r>
+              <a:rPr lang="de-DE" dirty="0"/>
+              <a:t>].</a:t>
+            </a:r>
+            <a:r>
+              <a:rPr lang="de-DE" dirty="0" err="1"/>
+              <a:t>calculate</a:t>
             </a:r>
             <a:r>
               <a:rPr lang="de-DE" dirty="0"/>
@@ -7844,215 +8372,42 @@
             </a:r>
             <a:r>
               <a:rPr lang="de-DE" dirty="0" err="1"/>
-              <a:t>req</a:t>
-            </a:r>
-            <a:r>
-              <a:rPr lang="de-DE" dirty="0"/>
-              <a:t>, </a:t>
-            </a:r>
-            <a:r>
-              <a:rPr lang="de-DE" dirty="0" err="1"/>
-              <a:t>res</a:t>
-            </a:r>
-            <a:r>
-              <a:rPr lang="de-DE" dirty="0"/>
-              <a:t>, </a:t>
-            </a:r>
-            <a:r>
-              <a:rPr lang="de-DE" dirty="0" err="1"/>
-              <a:t>next</a:t>
-            </a:r>
-            <a:r>
-              <a:rPr lang="de-DE" dirty="0"/>
-              <a:t>) {</a:t>
-            </a:r>
-          </a:p>
-          <a:p>
-            <a:r>
-              <a:rPr lang="de-DE" dirty="0"/>
-              <a:t>  </a:t>
-            </a:r>
-            <a:r>
-              <a:rPr lang="de-DE" dirty="0" err="1"/>
-              <a:t>var</a:t>
-            </a:r>
-            <a:r>
-              <a:rPr lang="de-DE" dirty="0"/>
-              <a:t> </a:t>
-            </a:r>
-            <a:r>
-              <a:rPr lang="de-DE" dirty="0" err="1"/>
-              <a:t>name</a:t>
-            </a:r>
-            <a:r>
-              <a:rPr lang="de-DE" dirty="0"/>
-              <a:t> = </a:t>
-            </a:r>
-            <a:r>
-              <a:rPr lang="de-DE" dirty="0" err="1"/>
-              <a:t>req.params.name</a:t>
-            </a:r>
-            <a:r>
-              <a:rPr lang="de-DE" dirty="0"/>
-              <a:t>;</a:t>
-            </a:r>
-          </a:p>
-          <a:p>
-            <a:r>
-              <a:rPr lang="de-DE" dirty="0"/>
-              <a:t>  </a:t>
-            </a:r>
-            <a:r>
-              <a:rPr lang="de-DE" dirty="0" err="1"/>
-              <a:t>for</a:t>
-            </a:r>
-            <a:r>
-              <a:rPr lang="de-DE" dirty="0"/>
-              <a:t> (i = 0; i &lt; </a:t>
-            </a:r>
-            <a:r>
-              <a:rPr lang="de-DE" dirty="0" err="1"/>
-              <a:t>users.length</a:t>
-            </a:r>
-            <a:r>
-              <a:rPr lang="de-DE" dirty="0"/>
-              <a:t>; i++) {</a:t>
-            </a:r>
-          </a:p>
-          <a:p>
-            <a:r>
-              <a:rPr lang="de-DE" dirty="0"/>
-              <a:t>    </a:t>
-            </a:r>
-            <a:r>
-              <a:rPr lang="de-DE" dirty="0" err="1"/>
-              <a:t>if</a:t>
-            </a:r>
-            <a:r>
-              <a:rPr lang="de-DE" dirty="0"/>
-              <a:t> (</a:t>
-            </a:r>
-            <a:r>
-              <a:rPr lang="de-DE" dirty="0" err="1"/>
-              <a:t>users</a:t>
-            </a:r>
-            <a:r>
-              <a:rPr lang="de-DE" dirty="0"/>
-              <a:t>[i].</a:t>
-            </a:r>
-            <a:r>
-              <a:rPr lang="de-DE" dirty="0" err="1"/>
-              <a:t>name</a:t>
-            </a:r>
-            <a:r>
-              <a:rPr lang="de-DE" dirty="0"/>
-              <a:t> === </a:t>
-            </a:r>
-            <a:r>
-              <a:rPr lang="de-DE" dirty="0" err="1"/>
-              <a:t>name</a:t>
-            </a:r>
-            <a:r>
-              <a:rPr lang="de-DE" dirty="0"/>
-              <a:t>) {</a:t>
-            </a:r>
-          </a:p>
-          <a:p>
-            <a:r>
-              <a:rPr lang="de-DE" dirty="0"/>
-              <a:t>        </a:t>
-            </a:r>
-            <a:r>
-              <a:rPr lang="de-DE" dirty="0" err="1"/>
-              <a:t>req.user</a:t>
-            </a:r>
-            <a:r>
-              <a:rPr lang="de-DE" dirty="0"/>
-              <a:t> = </a:t>
-            </a:r>
-            <a:r>
-              <a:rPr lang="de-DE" dirty="0" err="1"/>
-              <a:t>users</a:t>
-            </a:r>
-            <a:r>
-              <a:rPr lang="de-DE" dirty="0"/>
-              <a:t>[i];</a:t>
-            </a:r>
-          </a:p>
-          <a:p>
-            <a:r>
-              <a:rPr lang="de-DE" dirty="0"/>
-              <a:t>        </a:t>
-            </a:r>
-            <a:r>
-              <a:rPr lang="de-DE" dirty="0" err="1"/>
-              <a:t>next</a:t>
-            </a:r>
-            <a:r>
-              <a:rPr lang="de-DE" dirty="0"/>
-              <a:t>();</a:t>
-            </a:r>
-          </a:p>
-          <a:p>
-            <a:r>
-              <a:rPr lang="de-DE" dirty="0"/>
-              <a:t>        </a:t>
-            </a:r>
-            <a:r>
-              <a:rPr lang="de-DE" dirty="0" err="1"/>
-              <a:t>return</a:t>
-            </a:r>
-            <a:r>
-              <a:rPr lang="de-DE" dirty="0"/>
-              <a:t>;</a:t>
-            </a:r>
-          </a:p>
-          <a:p>
-            <a:r>
-              <a:rPr lang="de-DE" dirty="0"/>
-              <a:t>    }</a:t>
-            </a:r>
-          </a:p>
-          <a:p>
-            <a:r>
-              <a:rPr lang="de-DE" dirty="0"/>
-              <a:t>  }</a:t>
-            </a:r>
-          </a:p>
-          <a:p>
-            <a:r>
-              <a:rPr lang="de-DE" dirty="0"/>
-              <a:t>  </a:t>
-            </a:r>
-            <a:r>
-              <a:rPr lang="de-DE" dirty="0" err="1"/>
-              <a:t>throw</a:t>
-            </a:r>
-            <a:r>
-              <a:rPr lang="de-DE" dirty="0"/>
-              <a:t> </a:t>
-            </a:r>
-            <a:r>
-              <a:rPr lang="de-DE" dirty="0" err="1"/>
-              <a:t>new</a:t>
-            </a:r>
-            <a:r>
-              <a:rPr lang="de-DE" dirty="0"/>
-              <a:t> </a:t>
-            </a:r>
-            <a:r>
-              <a:rPr lang="de-DE" dirty="0" err="1"/>
-              <a:t>NotFound</a:t>
-            </a:r>
-            <a:r>
-              <a:rPr lang="de-DE" dirty="0"/>
-              <a:t>("Sorry, dieser Nutzer existiert leider nicht!");</a:t>
+              <a:t>data.price</a:t>
+            </a:r>
+            <a:r>
+              <a:rPr lang="de-DE" dirty="0"/>
+              <a:t>);</a:t>
             </a:r>
           </a:p>
           <a:p>
             <a:r>
               <a:rPr lang="de-DE" dirty="0"/>
               <a:t>}</a:t>
+            </a:r>
+          </a:p>
+          <a:p>
+            <a:endParaRPr lang="de-DE" dirty="0"/>
+          </a:p>
+          <a:p>
+            <a:r>
+              <a:rPr lang="de-DE" dirty="0" err="1" smtClean="0"/>
+              <a:t>calculatePrice</a:t>
+            </a:r>
+            <a:r>
+              <a:rPr lang="de-DE" dirty="0"/>
+              <a:t>(</a:t>
+            </a:r>
+            <a:r>
+              <a:rPr lang="de-DE" dirty="0" err="1"/>
+              <a:t>food</a:t>
+            </a:r>
+            <a:r>
+              <a:rPr lang="de-DE" dirty="0" smtClean="0"/>
+              <a:t>); </a:t>
+            </a:r>
+            <a:r>
+              <a:rPr lang="de-DE" dirty="0"/>
+              <a:t>// 5.35</a:t>
             </a:r>
           </a:p>
           <a:p>
@@ -8076,8 +8431,8 @@
           <a:lstStyle/>
           <a:p>
             <a:r>
-              <a:rPr lang="de-DE" dirty="0" smtClean="0"/>
-              <a:t>Bridge</a:t>
+              <a:rPr lang="de-DE" dirty="0" err="1" smtClean="0"/>
+              <a:t>Strategy</a:t>
             </a:r>
             <a:endParaRPr lang="de-DE" dirty="0"/>
           </a:p>
@@ -8086,7 +8441,7 @@
     </p:spTree>
     <p:extLst>
       <p:ext uri="{BB962C8B-B14F-4D97-AF65-F5344CB8AC3E}">
-        <p14:creationId xmlns:p14="http://schemas.microsoft.com/office/powerpoint/2010/main" val="88556153"/>
+        <p14:creationId xmlns:p14="http://schemas.microsoft.com/office/powerpoint/2010/main" val="3941232812"/>
       </p:ext>
     </p:extLst>
   </p:cSld>
@@ -8136,162 +8491,39 @@
           <a:bodyPr/>
           <a:lstStyle/>
           <a:p>
-            <a:r>
-              <a:rPr lang="de-DE" dirty="0" err="1"/>
-              <a:t>function</a:t>
-            </a:r>
-            <a:r>
-              <a:rPr lang="de-DE" dirty="0"/>
-              <a:t> </a:t>
-            </a:r>
-            <a:r>
-              <a:rPr lang="de-DE" dirty="0" err="1"/>
-              <a:t>getUser</a:t>
-            </a:r>
-            <a:r>
-              <a:rPr lang="de-DE" dirty="0"/>
-              <a:t>(</a:t>
-            </a:r>
-            <a:r>
-              <a:rPr lang="de-DE" dirty="0" err="1"/>
-              <a:t>name</a:t>
-            </a:r>
-            <a:r>
-              <a:rPr lang="de-DE" dirty="0"/>
-              <a:t>) {</a:t>
-            </a:r>
-          </a:p>
-          <a:p>
-            <a:r>
-              <a:rPr lang="de-DE" dirty="0"/>
-              <a:t>    </a:t>
-            </a:r>
-            <a:r>
-              <a:rPr lang="de-DE" dirty="0" err="1"/>
-              <a:t>for</a:t>
-            </a:r>
-            <a:r>
-              <a:rPr lang="de-DE" dirty="0"/>
-              <a:t> (i = 0; i &lt; </a:t>
-            </a:r>
-            <a:r>
-              <a:rPr lang="de-DE" dirty="0" err="1"/>
-              <a:t>users.length</a:t>
-            </a:r>
-            <a:r>
-              <a:rPr lang="de-DE" dirty="0"/>
-              <a:t>; i++) {</a:t>
-            </a:r>
-          </a:p>
-          <a:p>
-            <a:r>
-              <a:rPr lang="de-DE" dirty="0"/>
-              <a:t>        </a:t>
-            </a:r>
-            <a:r>
-              <a:rPr lang="de-DE" dirty="0" err="1"/>
-              <a:t>if</a:t>
-            </a:r>
-            <a:r>
-              <a:rPr lang="de-DE" dirty="0"/>
-              <a:t> (</a:t>
-            </a:r>
-            <a:r>
-              <a:rPr lang="de-DE" dirty="0" err="1"/>
-              <a:t>users</a:t>
-            </a:r>
-            <a:r>
-              <a:rPr lang="de-DE" dirty="0"/>
-              <a:t>[i].</a:t>
-            </a:r>
-            <a:r>
-              <a:rPr lang="de-DE" dirty="0" err="1"/>
-              <a:t>name</a:t>
-            </a:r>
-            <a:r>
-              <a:rPr lang="de-DE" dirty="0"/>
-              <a:t> === </a:t>
-            </a:r>
-            <a:r>
-              <a:rPr lang="de-DE" dirty="0" err="1"/>
-              <a:t>name</a:t>
-            </a:r>
-            <a:r>
-              <a:rPr lang="de-DE" dirty="0"/>
-              <a:t>) {</a:t>
-            </a:r>
-          </a:p>
-          <a:p>
-            <a:r>
-              <a:rPr lang="de-DE" dirty="0"/>
-              <a:t>         </a:t>
-            </a:r>
-            <a:r>
-              <a:rPr lang="de-DE" dirty="0" err="1"/>
-              <a:t>return</a:t>
-            </a:r>
-            <a:r>
-              <a:rPr lang="de-DE" dirty="0"/>
-              <a:t> </a:t>
-            </a:r>
-            <a:r>
-              <a:rPr lang="de-DE" dirty="0" err="1"/>
-              <a:t>user</a:t>
-            </a:r>
-            <a:r>
-              <a:rPr lang="de-DE" dirty="0"/>
-              <a:t>;</a:t>
-            </a:r>
-          </a:p>
-          <a:p>
-            <a:r>
-              <a:rPr lang="de-DE" dirty="0"/>
-              <a:t>        }</a:t>
-            </a:r>
-          </a:p>
-          <a:p>
-            <a:r>
-              <a:rPr lang="de-DE" dirty="0"/>
-              <a:t>    }</a:t>
-            </a:r>
-          </a:p>
-          <a:p>
-            <a:r>
-              <a:rPr lang="de-DE" dirty="0"/>
-              <a:t>    </a:t>
-            </a:r>
-            <a:r>
-              <a:rPr lang="de-DE" dirty="0" err="1"/>
-              <a:t>throw</a:t>
-            </a:r>
-            <a:r>
-              <a:rPr lang="de-DE" dirty="0"/>
-              <a:t> </a:t>
-            </a:r>
-            <a:r>
-              <a:rPr lang="de-DE" dirty="0" err="1"/>
-              <a:t>new</a:t>
-            </a:r>
-            <a:r>
-              <a:rPr lang="de-DE" dirty="0"/>
-              <a:t> </a:t>
-            </a:r>
-            <a:r>
-              <a:rPr lang="de-DE" dirty="0" err="1"/>
-              <a:t>NotFound</a:t>
-            </a:r>
-            <a:r>
-              <a:rPr lang="de-DE" dirty="0"/>
-              <a:t>("Sorry, dieser Nutzer existiert leider nicht!");</a:t>
-            </a:r>
-          </a:p>
-          <a:p>
-            <a:r>
-              <a:rPr lang="de-DE" dirty="0"/>
-              <a:t>}</a:t>
-            </a:r>
-          </a:p>
-          <a:p>
+            <a:pPr marL="0" indent="0">
+              <a:buNone/>
+            </a:pPr>
+            <a:r>
+              <a:rPr lang="de-DE" dirty="0"/>
+              <a:t>Bridge entkoppelt eine konkrete Implementierung von einer abstrakten </a:t>
+            </a:r>
+            <a:r>
+              <a:rPr lang="de-DE" dirty="0" smtClean="0"/>
+              <a:t>Schnittstelle</a:t>
+            </a:r>
+          </a:p>
+          <a:p>
+            <a:pPr marL="0" indent="0">
+              <a:buNone/>
+            </a:pPr>
+            <a:r>
+              <a:rPr lang="de-DE" dirty="0"/>
+              <a:t>beide unabhängig voneinander </a:t>
+            </a:r>
+            <a:r>
+              <a:rPr lang="de-DE" dirty="0" smtClean="0"/>
+              <a:t>veränderbar</a:t>
+            </a:r>
+          </a:p>
+          <a:p>
+            <a:pPr marL="0" indent="0">
+              <a:buNone/>
+            </a:pPr>
+            <a:r>
+              <a:rPr lang="de-DE" dirty="0" smtClean="0"/>
+              <a:t>hilft bei Trennung von fachlichem und technischem Code</a:t>
+            </a:r>
             <a:endParaRPr lang="de-DE" dirty="0"/>
           </a:p>
         </p:txBody>
@@ -8322,7 +8554,7 @@
     </p:spTree>
     <p:extLst>
       <p:ext uri="{BB962C8B-B14F-4D97-AF65-F5344CB8AC3E}">
-        <p14:creationId xmlns:p14="http://schemas.microsoft.com/office/powerpoint/2010/main" val="2712957630"/>
+        <p14:creationId xmlns:p14="http://schemas.microsoft.com/office/powerpoint/2010/main" val="2296295500"/>
       </p:ext>
     </p:extLst>
   </p:cSld>
@@ -8533,7 +8765,9 @@
         </p:nvSpPr>
         <p:spPr/>
         <p:txBody>
-          <a:bodyPr/>
+          <a:bodyPr>
+            <a:normAutofit lnSpcReduction="10000"/>
+          </a:bodyPr>
           <a:lstStyle/>
           <a:p>
             <a:r>
@@ -8546,7 +8780,7 @@
             </a:r>
             <a:r>
               <a:rPr lang="de-DE" dirty="0" err="1"/>
-              <a:t>getUserBridge</a:t>
+              <a:t>getUser</a:t>
             </a:r>
             <a:r>
               <a:rPr lang="de-DE" dirty="0"/>
@@ -8580,11 +8814,163 @@
           <a:p>
             <a:r>
               <a:rPr lang="de-DE" dirty="0"/>
+              <a:t>  </a:t>
+            </a:r>
+            <a:r>
+              <a:rPr lang="de-DE" dirty="0" err="1"/>
+              <a:t>var</a:t>
+            </a:r>
+            <a:r>
+              <a:rPr lang="de-DE" dirty="0"/>
+              <a:t> </a:t>
+            </a:r>
+            <a:r>
+              <a:rPr lang="de-DE" dirty="0" err="1"/>
+              <a:t>name</a:t>
+            </a:r>
+            <a:r>
+              <a:rPr lang="de-DE" dirty="0"/>
+              <a:t> = </a:t>
+            </a:r>
+            <a:r>
+              <a:rPr lang="de-DE" dirty="0" err="1"/>
+              <a:t>req.params.name</a:t>
+            </a:r>
+            <a:r>
+              <a:rPr lang="de-DE" dirty="0"/>
+              <a:t>;</a:t>
+            </a:r>
+          </a:p>
+          <a:p>
+            <a:r>
+              <a:rPr lang="de-DE" dirty="0"/>
+              <a:t>  </a:t>
+            </a:r>
+            <a:r>
+              <a:rPr lang="de-DE" dirty="0" err="1"/>
+              <a:t>for</a:t>
+            </a:r>
+            <a:r>
+              <a:rPr lang="de-DE" dirty="0"/>
+              <a:t> (i = 0; i &lt; </a:t>
+            </a:r>
+            <a:r>
+              <a:rPr lang="de-DE" dirty="0" err="1"/>
+              <a:t>users.length</a:t>
+            </a:r>
+            <a:r>
+              <a:rPr lang="de-DE" dirty="0"/>
+              <a:t>; i++) {</a:t>
+            </a:r>
+          </a:p>
+          <a:p>
+            <a:r>
+              <a:rPr lang="de-DE" dirty="0"/>
               <a:t>    </a:t>
             </a:r>
             <a:r>
               <a:rPr lang="de-DE" dirty="0" err="1"/>
-              <a:t>var</a:t>
+              <a:t>if</a:t>
+            </a:r>
+            <a:r>
+              <a:rPr lang="de-DE" dirty="0"/>
+              <a:t> (</a:t>
+            </a:r>
+            <a:r>
+              <a:rPr lang="de-DE" dirty="0" err="1"/>
+              <a:t>users</a:t>
+            </a:r>
+            <a:r>
+              <a:rPr lang="de-DE" dirty="0"/>
+              <a:t>[i].</a:t>
+            </a:r>
+            <a:r>
+              <a:rPr lang="de-DE" dirty="0" err="1"/>
+              <a:t>name</a:t>
+            </a:r>
+            <a:r>
+              <a:rPr lang="de-DE" dirty="0"/>
+              <a:t> === </a:t>
+            </a:r>
+            <a:r>
+              <a:rPr lang="de-DE" dirty="0" err="1"/>
+              <a:t>name</a:t>
+            </a:r>
+            <a:r>
+              <a:rPr lang="de-DE" dirty="0"/>
+              <a:t>) {</a:t>
+            </a:r>
+          </a:p>
+          <a:p>
+            <a:r>
+              <a:rPr lang="de-DE" dirty="0"/>
+              <a:t>        </a:t>
+            </a:r>
+            <a:r>
+              <a:rPr lang="de-DE" dirty="0" err="1"/>
+              <a:t>req.user</a:t>
+            </a:r>
+            <a:r>
+              <a:rPr lang="de-DE" dirty="0"/>
+              <a:t> = </a:t>
+            </a:r>
+            <a:r>
+              <a:rPr lang="de-DE" dirty="0" err="1"/>
+              <a:t>users</a:t>
+            </a:r>
+            <a:r>
+              <a:rPr lang="de-DE" dirty="0"/>
+              <a:t>[i];</a:t>
+            </a:r>
+          </a:p>
+          <a:p>
+            <a:r>
+              <a:rPr lang="de-DE" dirty="0"/>
+              <a:t>        </a:t>
+            </a:r>
+            <a:r>
+              <a:rPr lang="de-DE" dirty="0" err="1"/>
+              <a:t>next</a:t>
+            </a:r>
+            <a:r>
+              <a:rPr lang="de-DE" dirty="0"/>
+              <a:t>();</a:t>
+            </a:r>
+          </a:p>
+          <a:p>
+            <a:r>
+              <a:rPr lang="de-DE" dirty="0"/>
+              <a:t>        </a:t>
+            </a:r>
+            <a:r>
+              <a:rPr lang="de-DE" dirty="0" err="1"/>
+              <a:t>return</a:t>
+            </a:r>
+            <a:r>
+              <a:rPr lang="de-DE" dirty="0"/>
+              <a:t>;</a:t>
+            </a:r>
+          </a:p>
+          <a:p>
+            <a:r>
+              <a:rPr lang="de-DE" dirty="0"/>
+              <a:t>    }</a:t>
+            </a:r>
+          </a:p>
+          <a:p>
+            <a:r>
+              <a:rPr lang="de-DE" dirty="0"/>
+              <a:t>  }</a:t>
+            </a:r>
+          </a:p>
+          <a:p>
+            <a:r>
+              <a:rPr lang="de-DE" dirty="0"/>
+              <a:t>  </a:t>
+            </a:r>
+            <a:r>
+              <a:rPr lang="de-DE" dirty="0" err="1"/>
+              <a:t>throw</a:t>
             </a:r>
             <a:r>
               <a:rPr lang="de-DE" dirty="0"/>
@@ -8592,29 +8978,7 @@
             </a:r>
             <a:r>
               <a:rPr lang="de-DE" dirty="0" err="1"/>
-              <a:t>name</a:t>
-            </a:r>
-            <a:r>
-              <a:rPr lang="de-DE" dirty="0"/>
-              <a:t> = </a:t>
-            </a:r>
-            <a:r>
-              <a:rPr lang="de-DE" dirty="0" err="1"/>
-              <a:t>req.params.name</a:t>
-            </a:r>
-            <a:r>
-              <a:rPr lang="de-DE" dirty="0"/>
-              <a:t>;</a:t>
-            </a:r>
-          </a:p>
-          <a:p>
-            <a:r>
-              <a:rPr lang="de-DE" dirty="0"/>
-              <a:t>    </a:t>
-            </a:r>
-            <a:r>
-              <a:rPr lang="de-DE" dirty="0" err="1"/>
-              <a:t>var</a:t>
+              <a:t>new</a:t>
             </a:r>
             <a:r>
               <a:rPr lang="de-DE" dirty="0"/>
@@ -8622,63 +8986,11 @@
             </a:r>
             <a:r>
               <a:rPr lang="de-DE" dirty="0" err="1"/>
-              <a:t>user</a:t>
-            </a:r>
-            <a:r>
-              <a:rPr lang="de-DE" dirty="0"/>
-              <a:t> = </a:t>
-            </a:r>
-            <a:r>
-              <a:rPr lang="de-DE" dirty="0" err="1"/>
-              <a:t>getUser</a:t>
-            </a:r>
-            <a:r>
-              <a:rPr lang="de-DE" dirty="0"/>
-              <a:t>(</a:t>
-            </a:r>
-            <a:r>
-              <a:rPr lang="de-DE" dirty="0" err="1"/>
-              <a:t>name</a:t>
-            </a:r>
-            <a:r>
-              <a:rPr lang="de-DE" dirty="0"/>
-              <a:t>);</a:t>
-            </a:r>
-          </a:p>
-          <a:p>
-            <a:r>
-              <a:rPr lang="de-DE" dirty="0"/>
-              <a:t>    </a:t>
-            </a:r>
-            <a:r>
-              <a:rPr lang="de-DE" dirty="0" err="1"/>
-              <a:t>req.user</a:t>
-            </a:r>
-            <a:r>
-              <a:rPr lang="de-DE" dirty="0"/>
-              <a:t> = </a:t>
-            </a:r>
-            <a:r>
-              <a:rPr lang="de-DE" dirty="0" err="1"/>
-              <a:t>user</a:t>
-            </a:r>
-            <a:r>
-              <a:rPr lang="de-DE" dirty="0"/>
-              <a:t>;</a:t>
-            </a:r>
-          </a:p>
-          <a:p>
-            <a:r>
-              <a:rPr lang="de-DE" dirty="0"/>
-              <a:t>    </a:t>
-            </a:r>
-            <a:r>
-              <a:rPr lang="de-DE" dirty="0" err="1"/>
-              <a:t>next</a:t>
-            </a:r>
-            <a:r>
-              <a:rPr lang="de-DE" dirty="0"/>
-              <a:t>();</a:t>
+              <a:t>NotFound</a:t>
+            </a:r>
+            <a:r>
+              <a:rPr lang="de-DE" dirty="0"/>
+              <a:t>("Sorry, dieser Nutzer existiert leider nicht!");</a:t>
             </a:r>
           </a:p>
           <a:p>
@@ -8718,7 +9030,7 @@
     </p:spTree>
     <p:extLst>
       <p:ext uri="{BB962C8B-B14F-4D97-AF65-F5344CB8AC3E}">
-        <p14:creationId xmlns:p14="http://schemas.microsoft.com/office/powerpoint/2010/main" val="3614379424"/>
+        <p14:creationId xmlns:p14="http://schemas.microsoft.com/office/powerpoint/2010/main" val="88556153"/>
       </p:ext>
     </p:extLst>
   </p:cSld>
@@ -8768,60 +9080,162 @@
           <a:bodyPr/>
           <a:lstStyle/>
           <a:p>
-            <a:pPr marL="0" indent="0">
-              <a:buNone/>
-            </a:pPr>
-            <a:r>
-              <a:rPr lang="de-DE" dirty="0"/>
-              <a:t>bietet eine alternative Schnittstelle zu einem </a:t>
-            </a:r>
-            <a:r>
-              <a:rPr lang="de-DE" dirty="0" smtClean="0"/>
-              <a:t>Objekt</a:t>
-            </a:r>
-          </a:p>
-          <a:p>
-            <a:pPr marL="0" indent="0">
-              <a:buNone/>
-            </a:pPr>
-            <a:r>
-              <a:rPr lang="de-DE" dirty="0"/>
-              <a:t>komplexe Schnittstellen </a:t>
-            </a:r>
-            <a:r>
-              <a:rPr lang="de-DE" dirty="0" smtClean="0"/>
-              <a:t>vereinfachen</a:t>
-            </a:r>
-          </a:p>
-          <a:p>
-            <a:pPr marL="0" indent="0">
-              <a:buNone/>
-            </a:pPr>
-            <a:r>
-              <a:rPr lang="de-DE" dirty="0" smtClean="0"/>
-              <a:t>unterschiedliche Implementierungen vereinheitlichen</a:t>
-            </a:r>
-          </a:p>
-          <a:p>
-            <a:pPr marL="0" indent="0">
-              <a:buNone/>
-            </a:pPr>
-            <a:r>
-              <a:rPr lang="de-DE" dirty="0" err="1" smtClean="0"/>
-              <a:t>jQuery</a:t>
-            </a:r>
-            <a:r>
-              <a:rPr lang="de-DE" dirty="0" smtClean="0"/>
-              <a:t> ist z.B. eine </a:t>
-            </a:r>
-            <a:r>
-              <a:rPr lang="de-DE" dirty="0" err="1" smtClean="0"/>
-              <a:t>Facade</a:t>
-            </a:r>
-            <a:r>
-              <a:rPr lang="de-DE" dirty="0" smtClean="0"/>
-              <a:t> für das DOM</a:t>
-            </a:r>
+            <a:r>
+              <a:rPr lang="de-DE" dirty="0" err="1"/>
+              <a:t>function</a:t>
+            </a:r>
+            <a:r>
+              <a:rPr lang="de-DE" dirty="0"/>
+              <a:t> </a:t>
+            </a:r>
+            <a:r>
+              <a:rPr lang="de-DE" dirty="0" err="1"/>
+              <a:t>getUser</a:t>
+            </a:r>
+            <a:r>
+              <a:rPr lang="de-DE" dirty="0"/>
+              <a:t>(</a:t>
+            </a:r>
+            <a:r>
+              <a:rPr lang="de-DE" dirty="0" err="1"/>
+              <a:t>name</a:t>
+            </a:r>
+            <a:r>
+              <a:rPr lang="de-DE" dirty="0"/>
+              <a:t>) {</a:t>
+            </a:r>
+          </a:p>
+          <a:p>
+            <a:r>
+              <a:rPr lang="de-DE" dirty="0"/>
+              <a:t>    </a:t>
+            </a:r>
+            <a:r>
+              <a:rPr lang="de-DE" dirty="0" err="1"/>
+              <a:t>for</a:t>
+            </a:r>
+            <a:r>
+              <a:rPr lang="de-DE" dirty="0"/>
+              <a:t> (i = 0; i &lt; </a:t>
+            </a:r>
+            <a:r>
+              <a:rPr lang="de-DE" dirty="0" err="1"/>
+              <a:t>users.length</a:t>
+            </a:r>
+            <a:r>
+              <a:rPr lang="de-DE" dirty="0"/>
+              <a:t>; i++) {</a:t>
+            </a:r>
+          </a:p>
+          <a:p>
+            <a:r>
+              <a:rPr lang="de-DE" dirty="0"/>
+              <a:t>        </a:t>
+            </a:r>
+            <a:r>
+              <a:rPr lang="de-DE" dirty="0" err="1"/>
+              <a:t>if</a:t>
+            </a:r>
+            <a:r>
+              <a:rPr lang="de-DE" dirty="0"/>
+              <a:t> (</a:t>
+            </a:r>
+            <a:r>
+              <a:rPr lang="de-DE" dirty="0" err="1"/>
+              <a:t>users</a:t>
+            </a:r>
+            <a:r>
+              <a:rPr lang="de-DE" dirty="0"/>
+              <a:t>[i].</a:t>
+            </a:r>
+            <a:r>
+              <a:rPr lang="de-DE" dirty="0" err="1"/>
+              <a:t>name</a:t>
+            </a:r>
+            <a:r>
+              <a:rPr lang="de-DE" dirty="0"/>
+              <a:t> === </a:t>
+            </a:r>
+            <a:r>
+              <a:rPr lang="de-DE" dirty="0" err="1"/>
+              <a:t>name</a:t>
+            </a:r>
+            <a:r>
+              <a:rPr lang="de-DE" dirty="0"/>
+              <a:t>) {</a:t>
+            </a:r>
+          </a:p>
+          <a:p>
+            <a:r>
+              <a:rPr lang="de-DE" dirty="0"/>
+              <a:t>         </a:t>
+            </a:r>
+            <a:r>
+              <a:rPr lang="de-DE" dirty="0" err="1"/>
+              <a:t>return</a:t>
+            </a:r>
+            <a:r>
+              <a:rPr lang="de-DE" dirty="0"/>
+              <a:t> </a:t>
+            </a:r>
+            <a:r>
+              <a:rPr lang="de-DE" dirty="0" err="1"/>
+              <a:t>user</a:t>
+            </a:r>
+            <a:r>
+              <a:rPr lang="de-DE" dirty="0"/>
+              <a:t>;</a:t>
+            </a:r>
+          </a:p>
+          <a:p>
+            <a:r>
+              <a:rPr lang="de-DE" dirty="0"/>
+              <a:t>        }</a:t>
+            </a:r>
+          </a:p>
+          <a:p>
+            <a:r>
+              <a:rPr lang="de-DE" dirty="0"/>
+              <a:t>    }</a:t>
+            </a:r>
+          </a:p>
+          <a:p>
+            <a:r>
+              <a:rPr lang="de-DE" dirty="0"/>
+              <a:t>    </a:t>
+            </a:r>
+            <a:r>
+              <a:rPr lang="de-DE" dirty="0" err="1"/>
+              <a:t>throw</a:t>
+            </a:r>
+            <a:r>
+              <a:rPr lang="de-DE" dirty="0"/>
+              <a:t> </a:t>
+            </a:r>
+            <a:r>
+              <a:rPr lang="de-DE" dirty="0" err="1"/>
+              <a:t>new</a:t>
+            </a:r>
+            <a:r>
+              <a:rPr lang="de-DE" dirty="0"/>
+              <a:t> </a:t>
+            </a:r>
+            <a:r>
+              <a:rPr lang="de-DE" dirty="0" err="1"/>
+              <a:t>NotFound</a:t>
+            </a:r>
+            <a:r>
+              <a:rPr lang="de-DE" dirty="0"/>
+              <a:t>("Sorry, dieser Nutzer existiert leider nicht!");</a:t>
+            </a:r>
+          </a:p>
+          <a:p>
+            <a:r>
+              <a:rPr lang="de-DE" dirty="0"/>
+              <a:t>}</a:t>
+            </a:r>
+          </a:p>
+          <a:p>
             <a:endParaRPr lang="de-DE" dirty="0"/>
           </a:p>
         </p:txBody>
@@ -8842,8 +9256,8 @@
           <a:lstStyle/>
           <a:p>
             <a:r>
-              <a:rPr lang="de-DE" dirty="0" err="1" smtClean="0"/>
-              <a:t>Facade</a:t>
+              <a:rPr lang="de-DE" dirty="0" smtClean="0"/>
+              <a:t>Bridge</a:t>
             </a:r>
             <a:endParaRPr lang="de-DE" dirty="0"/>
           </a:p>
@@ -8852,7 +9266,7 @@
     </p:spTree>
     <p:extLst>
       <p:ext uri="{BB962C8B-B14F-4D97-AF65-F5344CB8AC3E}">
-        <p14:creationId xmlns:p14="http://schemas.microsoft.com/office/powerpoint/2010/main" val="542602767"/>
+        <p14:creationId xmlns:p14="http://schemas.microsoft.com/office/powerpoint/2010/main" val="2712957630"/>
       </p:ext>
     </p:extLst>
   </p:cSld>
@@ -8899,18 +9313,48 @@
         </p:nvSpPr>
         <p:spPr/>
         <p:txBody>
-          <a:bodyPr>
-            <a:normAutofit fontScale="47500" lnSpcReduction="20000"/>
-          </a:bodyPr>
+          <a:bodyPr/>
           <a:lstStyle/>
           <a:p>
             <a:r>
               <a:rPr lang="de-DE" dirty="0" err="1"/>
-              <a:t>eventUtil</a:t>
-            </a:r>
-            <a:r>
-              <a:rPr lang="de-DE" dirty="0"/>
-              <a:t> = {</a:t>
+              <a:t>function</a:t>
+            </a:r>
+            <a:r>
+              <a:rPr lang="de-DE" dirty="0"/>
+              <a:t> </a:t>
+            </a:r>
+            <a:r>
+              <a:rPr lang="de-DE" dirty="0" err="1"/>
+              <a:t>getUserBridge</a:t>
+            </a:r>
+            <a:r>
+              <a:rPr lang="de-DE" dirty="0"/>
+              <a:t>(</a:t>
+            </a:r>
+            <a:r>
+              <a:rPr lang="de-DE" dirty="0" err="1"/>
+              <a:t>req</a:t>
+            </a:r>
+            <a:r>
+              <a:rPr lang="de-DE" dirty="0"/>
+              <a:t>, </a:t>
+            </a:r>
+            <a:r>
+              <a:rPr lang="de-DE" dirty="0" err="1"/>
+              <a:t>res</a:t>
+            </a:r>
+            <a:r>
+              <a:rPr lang="de-DE" dirty="0"/>
+              <a:t>, </a:t>
+            </a:r>
+            <a:r>
+              <a:rPr lang="de-DE" dirty="0" err="1"/>
+              <a:t>next</a:t>
+            </a:r>
+            <a:r>
+              <a:rPr lang="de-DE" dirty="0"/>
+              <a:t>) {</a:t>
             </a:r>
           </a:p>
           <a:p>
@@ -8920,15 +9364,53 @@
             </a:r>
             <a:r>
               <a:rPr lang="de-DE" dirty="0" err="1"/>
-              <a:t>stopPropagation</a:t>
-            </a:r>
-            <a:r>
-              <a:rPr lang="de-DE" dirty="0"/>
-              <a:t> : </a:t>
-            </a:r>
-            <a:r>
-              <a:rPr lang="de-DE" dirty="0" err="1"/>
-              <a:t>function</a:t>
+              <a:t>var</a:t>
+            </a:r>
+            <a:r>
+              <a:rPr lang="de-DE" dirty="0"/>
+              <a:t> </a:t>
+            </a:r>
+            <a:r>
+              <a:rPr lang="de-DE" dirty="0" err="1"/>
+              <a:t>name</a:t>
+            </a:r>
+            <a:r>
+              <a:rPr lang="de-DE" dirty="0"/>
+              <a:t> = </a:t>
+            </a:r>
+            <a:r>
+              <a:rPr lang="de-DE" dirty="0" err="1"/>
+              <a:t>req.params.name</a:t>
+            </a:r>
+            <a:r>
+              <a:rPr lang="de-DE" dirty="0"/>
+              <a:t>;</a:t>
+            </a:r>
+          </a:p>
+          <a:p>
+            <a:r>
+              <a:rPr lang="de-DE" dirty="0"/>
+              <a:t>    </a:t>
+            </a:r>
+            <a:r>
+              <a:rPr lang="de-DE" dirty="0" err="1"/>
+              <a:t>var</a:t>
+            </a:r>
+            <a:r>
+              <a:rPr lang="de-DE" dirty="0"/>
+              <a:t> </a:t>
+            </a:r>
+            <a:r>
+              <a:rPr lang="de-DE" dirty="0" err="1"/>
+              <a:t>user</a:t>
+            </a:r>
+            <a:r>
+              <a:rPr lang="de-DE" dirty="0"/>
+              <a:t> = </a:t>
+            </a:r>
+            <a:r>
+              <a:rPr lang="de-DE" dirty="0" err="1"/>
+              <a:t>getUser</a:t>
             </a:r>
             <a:r>
               <a:rPr lang="de-DE" dirty="0"/>
@@ -8936,43 +9418,43 @@
             </a:r>
             <a:r>
               <a:rPr lang="de-DE" dirty="0" err="1"/>
-              <a:t>event</a:t>
-            </a:r>
-            <a:r>
-              <a:rPr lang="de-DE" dirty="0"/>
-              <a:t>) {</a:t>
-            </a:r>
-          </a:p>
-          <a:p>
-            <a:r>
-              <a:rPr lang="de-DE" dirty="0"/>
-              <a:t>        </a:t>
-            </a:r>
-            <a:r>
-              <a:rPr lang="de-DE" dirty="0" err="1"/>
-              <a:t>if</a:t>
-            </a:r>
-            <a:r>
-              <a:rPr lang="de-DE" dirty="0"/>
-              <a:t> (</a:t>
-            </a:r>
-            <a:r>
-              <a:rPr lang="de-DE" dirty="0" err="1"/>
-              <a:t>event.stopPropagation</a:t>
-            </a:r>
-            <a:r>
-              <a:rPr lang="de-DE" dirty="0"/>
-              <a:t>) {</a:t>
-            </a:r>
-          </a:p>
-          <a:p>
-            <a:r>
-              <a:rPr lang="de-DE" dirty="0"/>
-              <a:t>            </a:t>
-            </a:r>
-            <a:r>
-              <a:rPr lang="de-DE" dirty="0" err="1"/>
-              <a:t>event.stopPropagation</a:t>
+              <a:t>name</a:t>
+            </a:r>
+            <a:r>
+              <a:rPr lang="de-DE" dirty="0"/>
+              <a:t>);</a:t>
+            </a:r>
+          </a:p>
+          <a:p>
+            <a:r>
+              <a:rPr lang="de-DE" dirty="0"/>
+              <a:t>    </a:t>
+            </a:r>
+            <a:r>
+              <a:rPr lang="de-DE" dirty="0" err="1"/>
+              <a:t>req.user</a:t>
+            </a:r>
+            <a:r>
+              <a:rPr lang="de-DE" dirty="0"/>
+              <a:t> = </a:t>
+            </a:r>
+            <a:r>
+              <a:rPr lang="de-DE" dirty="0" err="1"/>
+              <a:t>user</a:t>
+            </a:r>
+            <a:r>
+              <a:rPr lang="de-DE" dirty="0"/>
+              <a:t>;</a:t>
+            </a:r>
+          </a:p>
+          <a:p>
+            <a:r>
+              <a:rPr lang="de-DE" dirty="0"/>
+              <a:t>    </a:t>
+            </a:r>
+            <a:r>
+              <a:rPr lang="de-DE" dirty="0" err="1"/>
+              <a:t>next</a:t>
             </a:r>
             <a:r>
               <a:rPr lang="de-DE" dirty="0"/>
@@ -8982,157 +9464,8 @@
           <a:p>
             <a:r>
               <a:rPr lang="de-DE" dirty="0"/>
-              <a:t>        } </a:t>
-            </a:r>
-            <a:r>
-              <a:rPr lang="de-DE" dirty="0" err="1"/>
-              <a:t>else</a:t>
-            </a:r>
-            <a:r>
-              <a:rPr lang="de-DE" dirty="0"/>
-              <a:t> {</a:t>
-            </a:r>
-          </a:p>
-          <a:p>
-            <a:r>
-              <a:rPr lang="de-DE" dirty="0"/>
-              <a:t>            </a:t>
-            </a:r>
-            <a:r>
-              <a:rPr lang="de-DE" dirty="0" err="1"/>
-              <a:t>event.cancelBubble</a:t>
-            </a:r>
-            <a:r>
-              <a:rPr lang="de-DE" dirty="0"/>
-              <a:t> = true;</a:t>
-            </a:r>
-          </a:p>
-          <a:p>
-            <a:r>
-              <a:rPr lang="de-DE" dirty="0"/>
-              <a:t>        }</a:t>
-            </a:r>
-          </a:p>
-          <a:p>
-            <a:r>
-              <a:rPr lang="de-DE" dirty="0"/>
-              <a:t>    },</a:t>
-            </a:r>
-          </a:p>
-          <a:p>
-            <a:r>
-              <a:rPr lang="de-DE" dirty="0"/>
-              <a:t>    </a:t>
-            </a:r>
-            <a:r>
-              <a:rPr lang="de-DE" dirty="0" err="1"/>
-              <a:t>preventDefault</a:t>
-            </a:r>
-            <a:r>
-              <a:rPr lang="de-DE" dirty="0"/>
-              <a:t> : </a:t>
-            </a:r>
-            <a:r>
-              <a:rPr lang="de-DE" dirty="0" err="1"/>
-              <a:t>function</a:t>
-            </a:r>
-            <a:r>
-              <a:rPr lang="de-DE" dirty="0"/>
-              <a:t>(</a:t>
-            </a:r>
-            <a:r>
-              <a:rPr lang="de-DE" dirty="0" err="1"/>
-              <a:t>event</a:t>
-            </a:r>
-            <a:r>
-              <a:rPr lang="de-DE" dirty="0"/>
-              <a:t>){</a:t>
-            </a:r>
-          </a:p>
-          <a:p>
-            <a:r>
-              <a:rPr lang="de-DE" dirty="0"/>
-              <a:t>        </a:t>
-            </a:r>
-            <a:r>
-              <a:rPr lang="de-DE" dirty="0" err="1"/>
-              <a:t>if</a:t>
-            </a:r>
-            <a:r>
-              <a:rPr lang="de-DE" dirty="0"/>
-              <a:t> (</a:t>
-            </a:r>
-            <a:r>
-              <a:rPr lang="de-DE" dirty="0" err="1"/>
-              <a:t>event.preventDefault</a:t>
-            </a:r>
-            <a:r>
-              <a:rPr lang="de-DE" dirty="0"/>
-              <a:t>) {</a:t>
-            </a:r>
-          </a:p>
-          <a:p>
-            <a:r>
-              <a:rPr lang="de-DE" dirty="0"/>
-              <a:t>            </a:t>
-            </a:r>
-            <a:r>
-              <a:rPr lang="de-DE" dirty="0" err="1"/>
-              <a:t>event.preventDefault</a:t>
-            </a:r>
-            <a:r>
-              <a:rPr lang="de-DE" dirty="0"/>
-              <a:t>();</a:t>
-            </a:r>
-          </a:p>
-          <a:p>
-            <a:r>
-              <a:rPr lang="de-DE" dirty="0"/>
-              <a:t>        } </a:t>
-            </a:r>
-            <a:r>
-              <a:rPr lang="de-DE" dirty="0" err="1"/>
-              <a:t>else</a:t>
-            </a:r>
-            <a:r>
-              <a:rPr lang="de-DE" dirty="0"/>
-              <a:t> {</a:t>
-            </a:r>
-          </a:p>
-          <a:p>
-            <a:r>
-              <a:rPr lang="de-DE" dirty="0"/>
-              <a:t>            </a:t>
-            </a:r>
-            <a:r>
-              <a:rPr lang="de-DE" dirty="0" err="1"/>
-              <a:t>event.returnValue</a:t>
-            </a:r>
-            <a:r>
-              <a:rPr lang="de-DE" dirty="0"/>
-              <a:t> = false;</a:t>
-            </a:r>
-          </a:p>
-          <a:p>
-            <a:r>
-              <a:rPr lang="de-DE" dirty="0"/>
-              <a:t>        }</a:t>
-            </a:r>
-          </a:p>
-          <a:p>
-            <a:r>
-              <a:rPr lang="de-DE" dirty="0"/>
-              <a:t>    }</a:t>
-            </a:r>
-          </a:p>
-          <a:p>
-            <a:r>
-              <a:rPr lang="de-DE" dirty="0"/>
               <a:t>}</a:t>
             </a:r>
-          </a:p>
-          <a:p>
-            <a:endParaRPr lang="de-DE" dirty="0"/>
           </a:p>
           <a:p>
             <a:endParaRPr lang="de-DE" dirty="0"/>
@@ -9155,8 +9488,8 @@
           <a:lstStyle/>
           <a:p>
             <a:r>
-              <a:rPr lang="de-DE" dirty="0" err="1" smtClean="0"/>
-              <a:t>Facade</a:t>
+              <a:rPr lang="de-DE" dirty="0" smtClean="0"/>
+              <a:t>Bridge</a:t>
             </a:r>
             <a:endParaRPr lang="de-DE" dirty="0"/>
           </a:p>
@@ -9165,7 +9498,7 @@
     </p:spTree>
     <p:extLst>
       <p:ext uri="{BB962C8B-B14F-4D97-AF65-F5344CB8AC3E}">
-        <p14:creationId xmlns:p14="http://schemas.microsoft.com/office/powerpoint/2010/main" val="247023689"/>
+        <p14:creationId xmlns:p14="http://schemas.microsoft.com/office/powerpoint/2010/main" val="3614379424"/>
       </p:ext>
     </p:extLst>
   </p:cSld>
@@ -9219,12 +9552,8 @@
               <a:buNone/>
             </a:pPr>
             <a:r>
-              <a:rPr lang="de-DE" dirty="0" smtClean="0"/>
-              <a:t>Proxy kapselt </a:t>
-            </a:r>
-            <a:r>
-              <a:rPr lang="de-DE" dirty="0"/>
-              <a:t>die Schnittstelle zu einem anderen </a:t>
+              <a:rPr lang="de-DE" dirty="0"/>
+              <a:t>bietet eine alternative Schnittstelle zu einem </a:t>
             </a:r>
             <a:r>
               <a:rPr lang="de-DE" dirty="0" smtClean="0"/>
@@ -9237,7 +9566,11 @@
             </a:pPr>
             <a:r>
               <a:rPr lang="de-DE" dirty="0"/>
-              <a:t>schützt den Zugriff auf das Objekt</a:t>
+              <a:t>komplexe Schnittstellen </a:t>
+            </a:r>
+            <a:r>
+              <a:rPr lang="de-DE" dirty="0" smtClean="0"/>
+              <a:t>vereinfachen</a:t>
             </a:r>
           </a:p>
           <a:p>
@@ -9246,15 +9579,7 @@
             </a:pPr>
             <a:r>
               <a:rPr lang="de-DE" dirty="0" smtClean="0"/>
-              <a:t>sitzt </a:t>
-            </a:r>
-            <a:r>
-              <a:rPr lang="de-DE" dirty="0"/>
-              <a:t>zwischen dem Konsumenten eines Objekts und dem Objekt </a:t>
-            </a:r>
-            <a:r>
-              <a:rPr lang="de-DE" dirty="0" smtClean="0"/>
-              <a:t>selbst</a:t>
+              <a:t>unterschiedliche Implementierungen vereinheitlichen</a:t>
             </a:r>
           </a:p>
           <a:p>
@@ -9262,22 +9587,21 @@
               <a:buNone/>
             </a:pPr>
             <a:r>
-              <a:rPr lang="de-DE" dirty="0" smtClean="0"/>
-              <a:t>kann </a:t>
-            </a:r>
-            <a:r>
-              <a:rPr lang="de-DE" dirty="0"/>
-              <a:t>Initialisierungs- und Caching-Strategien implementieren </a:t>
-            </a:r>
-            <a:r>
-              <a:rPr lang="de-DE" dirty="0" smtClean="0"/>
-              <a:t>(komplexe Zugriffe oder Remote)</a:t>
-            </a:r>
-          </a:p>
-          <a:p>
-            <a:pPr marL="0" indent="0">
-              <a:buNone/>
-            </a:pPr>
+              <a:rPr lang="de-DE" dirty="0" err="1" smtClean="0"/>
+              <a:t>jQuery</a:t>
+            </a:r>
+            <a:r>
+              <a:rPr lang="de-DE" dirty="0" smtClean="0"/>
+              <a:t> ist z.B. eine </a:t>
+            </a:r>
+            <a:r>
+              <a:rPr lang="de-DE" dirty="0" err="1" smtClean="0"/>
+              <a:t>Facade</a:t>
+            </a:r>
+            <a:r>
+              <a:rPr lang="de-DE" dirty="0" smtClean="0"/>
+              <a:t> für das DOM</a:t>
+            </a:r>
             <a:endParaRPr lang="de-DE" dirty="0"/>
           </a:p>
         </p:txBody>
@@ -9298,8 +9622,8 @@
           <a:lstStyle/>
           <a:p>
             <a:r>
-              <a:rPr lang="de-DE" dirty="0" smtClean="0"/>
-              <a:t>Proxy</a:t>
+              <a:rPr lang="de-DE" dirty="0" err="1" smtClean="0"/>
+              <a:t>Facade</a:t>
             </a:r>
             <a:endParaRPr lang="de-DE" dirty="0"/>
           </a:p>
@@ -9308,7 +9632,7 @@
     </p:spTree>
     <p:extLst>
       <p:ext uri="{BB962C8B-B14F-4D97-AF65-F5344CB8AC3E}">
-        <p14:creationId xmlns:p14="http://schemas.microsoft.com/office/powerpoint/2010/main" val="2832802659"/>
+        <p14:creationId xmlns:p14="http://schemas.microsoft.com/office/powerpoint/2010/main" val="542602767"/>
       </p:ext>
     </p:extLst>
   </p:cSld>
@@ -9362,15 +9686,7 @@
           <a:p>
             <a:r>
               <a:rPr lang="de-DE" dirty="0" err="1"/>
-              <a:t>var</a:t>
-            </a:r>
-            <a:r>
-              <a:rPr lang="de-DE" dirty="0"/>
-              <a:t> </a:t>
-            </a:r>
-            <a:r>
-              <a:rPr lang="de-DE" dirty="0" err="1"/>
-              <a:t>person</a:t>
+              <a:t>eventUtil</a:t>
             </a:r>
             <a:r>
               <a:rPr lang="de-DE" dirty="0"/>
@@ -9384,11 +9700,103 @@
             </a:r>
             <a:r>
               <a:rPr lang="de-DE" dirty="0" err="1"/>
-              <a:t>givenName</a:t>
-            </a:r>
-            <a:r>
-              <a:rPr lang="de-DE" dirty="0"/>
-              <a:t> : "Douglas",</a:t>
+              <a:t>stopPropagation</a:t>
+            </a:r>
+            <a:r>
+              <a:rPr lang="de-DE" dirty="0"/>
+              <a:t> : </a:t>
+            </a:r>
+            <a:r>
+              <a:rPr lang="de-DE" dirty="0" err="1"/>
+              <a:t>function</a:t>
+            </a:r>
+            <a:r>
+              <a:rPr lang="de-DE" dirty="0"/>
+              <a:t>(</a:t>
+            </a:r>
+            <a:r>
+              <a:rPr lang="de-DE" dirty="0" err="1"/>
+              <a:t>event</a:t>
+            </a:r>
+            <a:r>
+              <a:rPr lang="de-DE" dirty="0"/>
+              <a:t>) {</a:t>
+            </a:r>
+          </a:p>
+          <a:p>
+            <a:r>
+              <a:rPr lang="de-DE" dirty="0"/>
+              <a:t>        </a:t>
+            </a:r>
+            <a:r>
+              <a:rPr lang="de-DE" dirty="0" err="1"/>
+              <a:t>if</a:t>
+            </a:r>
+            <a:r>
+              <a:rPr lang="de-DE" dirty="0"/>
+              <a:t> (</a:t>
+            </a:r>
+            <a:r>
+              <a:rPr lang="de-DE" dirty="0" err="1"/>
+              <a:t>event.stopPropagation</a:t>
+            </a:r>
+            <a:r>
+              <a:rPr lang="de-DE" dirty="0"/>
+              <a:t>) {</a:t>
+            </a:r>
+          </a:p>
+          <a:p>
+            <a:r>
+              <a:rPr lang="de-DE" dirty="0"/>
+              <a:t>            </a:t>
+            </a:r>
+            <a:r>
+              <a:rPr lang="de-DE" dirty="0" err="1"/>
+              <a:t>event.stopPropagation</a:t>
+            </a:r>
+            <a:r>
+              <a:rPr lang="de-DE" dirty="0"/>
+              <a:t>();</a:t>
+            </a:r>
+          </a:p>
+          <a:p>
+            <a:r>
+              <a:rPr lang="de-DE" dirty="0"/>
+              <a:t>        } </a:t>
+            </a:r>
+            <a:r>
+              <a:rPr lang="de-DE" dirty="0" err="1"/>
+              <a:t>else</a:t>
+            </a:r>
+            <a:r>
+              <a:rPr lang="de-DE" dirty="0"/>
+              <a:t> {</a:t>
+            </a:r>
+          </a:p>
+          <a:p>
+            <a:r>
+              <a:rPr lang="de-DE" dirty="0"/>
+              <a:t>            </a:t>
+            </a:r>
+            <a:r>
+              <a:rPr lang="de-DE" dirty="0" err="1"/>
+              <a:t>event.cancelBubble</a:t>
+            </a:r>
+            <a:r>
+              <a:rPr lang="de-DE" dirty="0"/>
+              <a:t> = true;</a:t>
+            </a:r>
+          </a:p>
+          <a:p>
+            <a:r>
+              <a:rPr lang="de-DE" dirty="0"/>
+              <a:t>        }</a:t>
+            </a:r>
+          </a:p>
+          <a:p>
+            <a:r>
+              <a:rPr lang="de-DE" dirty="0"/>
+              <a:t>    },</a:t>
             </a:r>
           </a:p>
           <a:p>
@@ -9398,33 +9806,11 @@
             </a:r>
             <a:r>
               <a:rPr lang="de-DE" dirty="0" err="1"/>
-              <a:t>lastName</a:t>
-            </a:r>
-            <a:r>
-              <a:rPr lang="de-DE" dirty="0"/>
-              <a:t> : "</a:t>
-            </a:r>
-            <a:r>
-              <a:rPr lang="de-DE" dirty="0" err="1"/>
-              <a:t>Crockford</a:t>
-            </a:r>
-            <a:r>
-              <a:rPr lang="de-DE" dirty="0"/>
-              <a:t>",</a:t>
-            </a:r>
-          </a:p>
-          <a:p>
-            <a:r>
-              <a:rPr lang="de-DE" dirty="0"/>
-              <a:t>    </a:t>
-            </a:r>
-            <a:r>
-              <a:rPr lang="de-DE" dirty="0" err="1"/>
-              <a:t>read</a:t>
-            </a:r>
-            <a:r>
-              <a:rPr lang="de-DE" dirty="0"/>
-              <a:t>: </a:t>
+              <a:t>preventDefault</a:t>
+            </a:r>
+            <a:r>
+              <a:rPr lang="de-DE" dirty="0"/>
+              <a:t> : </a:t>
             </a:r>
             <a:r>
               <a:rPr lang="de-DE" dirty="0" err="1"/>
@@ -9432,7 +9818,15 @@
             </a:r>
             <a:r>
               <a:rPr lang="de-DE" dirty="0"/>
-              <a:t> () {</a:t>
+              <a:t>(</a:t>
+            </a:r>
+            <a:r>
+              <a:rPr lang="de-DE" dirty="0" err="1"/>
+              <a:t>event</a:t>
+            </a:r>
+            <a:r>
+              <a:rPr lang="de-DE" dirty="0"/>
+              <a:t>){</a:t>
             </a:r>
           </a:p>
           <a:p>
@@ -9442,39 +9836,15 @@
             </a:r>
             <a:r>
               <a:rPr lang="de-DE" dirty="0" err="1"/>
-              <a:t>jQuery.getJSON</a:t>
-            </a:r>
-            <a:r>
-              <a:rPr lang="de-DE" dirty="0"/>
-              <a:t>('</a:t>
-            </a:r>
-            <a:r>
-              <a:rPr lang="de-DE" dirty="0" err="1"/>
-              <a:t>person</a:t>
-            </a:r>
-            <a:r>
-              <a:rPr lang="de-DE" dirty="0"/>
-              <a:t>/</a:t>
-            </a:r>
-            <a:r>
-              <a:rPr lang="de-DE" dirty="0" err="1"/>
-              <a:t>douglas_crockford.json</a:t>
-            </a:r>
-            <a:r>
-              <a:rPr lang="de-DE" dirty="0"/>
-              <a:t>', </a:t>
-            </a:r>
-            <a:r>
-              <a:rPr lang="de-DE" dirty="0" err="1"/>
-              <a:t>function</a:t>
-            </a:r>
-            <a:r>
-              <a:rPr lang="de-DE" dirty="0"/>
-              <a:t>(</a:t>
-            </a:r>
-            <a:r>
-              <a:rPr lang="de-DE" dirty="0" err="1"/>
-              <a:t>data</a:t>
+              <a:t>if</a:t>
+            </a:r>
+            <a:r>
+              <a:rPr lang="de-DE" dirty="0"/>
+              <a:t> (</a:t>
+            </a:r>
+            <a:r>
+              <a:rPr lang="de-DE" dirty="0" err="1"/>
+              <a:t>event.preventDefault</a:t>
             </a:r>
             <a:r>
               <a:rPr lang="de-DE" dirty="0"/>
@@ -9488,19 +9858,25 @@
             </a:r>
             <a:r>
               <a:rPr lang="de-DE" dirty="0" err="1"/>
-              <a:t>this.givenName</a:t>
-            </a:r>
-            <a:r>
-              <a:rPr lang="de-DE" dirty="0"/>
-              <a:t> = </a:t>
-            </a:r>
-            <a:r>
-              <a:rPr lang="de-DE" dirty="0" err="1"/>
-              <a:t>data.givenName</a:t>
-            </a:r>
-            <a:r>
-              <a:rPr lang="de-DE" dirty="0"/>
-              <a:t>;</a:t>
+              <a:t>event.preventDefault</a:t>
+            </a:r>
+            <a:r>
+              <a:rPr lang="de-DE" dirty="0"/>
+              <a:t>();</a:t>
+            </a:r>
+          </a:p>
+          <a:p>
+            <a:r>
+              <a:rPr lang="de-DE" dirty="0"/>
+              <a:t>        } </a:t>
+            </a:r>
+            <a:r>
+              <a:rPr lang="de-DE" dirty="0" err="1"/>
+              <a:t>else</a:t>
+            </a:r>
+            <a:r>
+              <a:rPr lang="de-DE" dirty="0"/>
+              <a:t> {</a:t>
             </a:r>
           </a:p>
           <a:p>
@@ -9510,139 +9886,33 @@
             </a:r>
             <a:r>
               <a:rPr lang="de-DE" dirty="0" err="1"/>
-              <a:t>this.lastName</a:t>
-            </a:r>
-            <a:r>
-              <a:rPr lang="de-DE" dirty="0"/>
-              <a:t> = </a:t>
-            </a:r>
-            <a:r>
-              <a:rPr lang="de-DE" dirty="0" err="1"/>
-              <a:t>data.lastName</a:t>
-            </a:r>
-            <a:r>
-              <a:rPr lang="de-DE" dirty="0"/>
-              <a:t>;</a:t>
-            </a:r>
-          </a:p>
-          <a:p>
-            <a:r>
-              <a:rPr lang="de-DE" dirty="0"/>
-              <a:t>        });</a:t>
-            </a:r>
-          </a:p>
-          <a:p>
-            <a:r>
-              <a:rPr lang="de-DE" dirty="0"/>
-              <a:t>    },</a:t>
-            </a:r>
-          </a:p>
-          <a:p>
-            <a:r>
-              <a:rPr lang="de-DE" dirty="0"/>
-              <a:t>    update: </a:t>
-            </a:r>
-            <a:r>
-              <a:rPr lang="de-DE" dirty="0" err="1"/>
-              <a:t>function</a:t>
-            </a:r>
-            <a:r>
-              <a:rPr lang="de-DE" dirty="0"/>
-              <a:t>() {</a:t>
-            </a:r>
-          </a:p>
-          <a:p>
-            <a:r>
-              <a:rPr lang="de-DE" dirty="0"/>
-              <a:t>        </a:t>
-            </a:r>
-            <a:r>
-              <a:rPr lang="de-DE" dirty="0" err="1" smtClean="0"/>
-              <a:t>jQuery.post</a:t>
-            </a:r>
-            <a:r>
-              <a:rPr lang="de-DE" dirty="0" smtClean="0"/>
-              <a:t>(</a:t>
-            </a:r>
-            <a:r>
-              <a:rPr lang="de-DE" dirty="0"/>
-              <a:t>'</a:t>
-            </a:r>
-            <a:r>
-              <a:rPr lang="de-DE" dirty="0" err="1"/>
-              <a:t>person</a:t>
-            </a:r>
-            <a:r>
-              <a:rPr lang="de-DE" dirty="0"/>
-              <a:t>/</a:t>
-            </a:r>
-            <a:r>
-              <a:rPr lang="de-DE" dirty="0" err="1"/>
-              <a:t>douglas_crockford.json</a:t>
-            </a:r>
-            <a:r>
-              <a:rPr lang="de-DE" dirty="0"/>
-              <a:t>', {</a:t>
-            </a:r>
-          </a:p>
-          <a:p>
-            <a:r>
-              <a:rPr lang="de-DE" dirty="0"/>
-              <a:t>            </a:t>
-            </a:r>
-            <a:r>
-              <a:rPr lang="de-DE" dirty="0" err="1"/>
-              <a:t>givenName</a:t>
-            </a:r>
-            <a:r>
-              <a:rPr lang="de-DE" dirty="0"/>
-              <a:t>: </a:t>
-            </a:r>
-            <a:r>
-              <a:rPr lang="de-DE" dirty="0" err="1"/>
-              <a:t>this.givenName</a:t>
-            </a:r>
-            <a:r>
-              <a:rPr lang="de-DE" dirty="0"/>
-              <a:t>,</a:t>
-            </a:r>
-          </a:p>
-          <a:p>
-            <a:r>
-              <a:rPr lang="de-DE" dirty="0"/>
-              <a:t>            </a:t>
-            </a:r>
-            <a:r>
-              <a:rPr lang="de-DE" dirty="0" err="1"/>
-              <a:t>lastName</a:t>
-            </a:r>
-            <a:r>
-              <a:rPr lang="de-DE" dirty="0"/>
-              <a:t>: </a:t>
-            </a:r>
-            <a:r>
-              <a:rPr lang="de-DE" dirty="0" err="1"/>
-              <a:t>this.lastName</a:t>
-            </a:r>
+              <a:t>event.returnValue</a:t>
+            </a:r>
+            <a:r>
+              <a:rPr lang="de-DE" dirty="0"/>
+              <a:t> = false;</a:t>
+            </a:r>
+          </a:p>
+          <a:p>
+            <a:r>
+              <a:rPr lang="de-DE" dirty="0"/>
+              <a:t>        }</a:t>
+            </a:r>
+          </a:p>
+          <a:p>
+            <a:r>
+              <a:rPr lang="de-DE" dirty="0"/>
+              <a:t>    }</a:t>
+            </a:r>
+          </a:p>
+          <a:p>
+            <a:r>
+              <a:rPr lang="de-DE" dirty="0"/>
+              <a:t>}</a:t>
+            </a:r>
+          </a:p>
+          <a:p>
             <a:endParaRPr lang="de-DE" dirty="0"/>
-          </a:p>
-          <a:p>
-            <a:r>
-              <a:rPr lang="de-DE" dirty="0"/>
-              <a:t>        });</a:t>
-            </a:r>
-          </a:p>
-          <a:p>
-            <a:r>
-              <a:rPr lang="de-DE" dirty="0"/>
-              <a:t>    }</a:t>
-            </a:r>
-          </a:p>
-          <a:p>
-            <a:r>
-              <a:rPr lang="de-DE" dirty="0"/>
-              <a:t>}</a:t>
-            </a:r>
           </a:p>
           <a:p>
             <a:endParaRPr lang="de-DE" dirty="0"/>
@@ -9665,8 +9935,8 @@
           <a:lstStyle/>
           <a:p>
             <a:r>
-              <a:rPr lang="de-DE" dirty="0" smtClean="0"/>
-              <a:t>Proxy</a:t>
+              <a:rPr lang="de-DE" dirty="0" err="1" smtClean="0"/>
+              <a:t>Facade</a:t>
             </a:r>
             <a:endParaRPr lang="de-DE" dirty="0"/>
           </a:p>
@@ -9675,7 +9945,7 @@
     </p:spTree>
     <p:extLst>
       <p:ext uri="{BB962C8B-B14F-4D97-AF65-F5344CB8AC3E}">
-        <p14:creationId xmlns:p14="http://schemas.microsoft.com/office/powerpoint/2010/main" val="4088586376"/>
+        <p14:creationId xmlns:p14="http://schemas.microsoft.com/office/powerpoint/2010/main" val="247023689"/>
       </p:ext>
     </p:extLst>
   </p:cSld>
@@ -9729,18 +9999,17 @@
               <a:buNone/>
             </a:pPr>
             <a:r>
-              <a:rPr lang="de-DE" dirty="0"/>
-              <a:t>entkoppelt Objekte </a:t>
-            </a:r>
-            <a:r>
-              <a:rPr lang="de-DE" dirty="0" smtClean="0"/>
-              <a:t> -&gt; </a:t>
-            </a:r>
-            <a:r>
-              <a:rPr lang="de-DE" dirty="0"/>
-              <a:t>lose Kopplung </a:t>
-            </a:r>
-            <a:endParaRPr lang="de-DE" dirty="0" smtClean="0"/>
+              <a:rPr lang="de-DE" dirty="0" smtClean="0"/>
+              <a:t>Proxy kapselt </a:t>
+            </a:r>
+            <a:r>
+              <a:rPr lang="de-DE" dirty="0"/>
+              <a:t>die Schnittstelle zu einem anderen </a:t>
+            </a:r>
+            <a:r>
+              <a:rPr lang="de-DE" dirty="0" smtClean="0"/>
+              <a:t>Objekt</a:t>
+            </a:r>
           </a:p>
           <a:p>
             <a:pPr marL="0" indent="0">
@@ -9748,29 +10017,24 @@
             </a:pPr>
             <a:r>
               <a:rPr lang="de-DE" dirty="0"/>
-              <a:t>Objekte (</a:t>
-            </a:r>
-            <a:r>
-              <a:rPr lang="de-DE" dirty="0" smtClean="0"/>
-              <a:t>Kollegen) </a:t>
-            </a:r>
-            <a:r>
-              <a:rPr lang="de-DE" dirty="0"/>
-              <a:t>nicht mehr direkt miteinander kommunizieren, sondern über einen Mediator </a:t>
-            </a:r>
-            <a:endParaRPr lang="de-DE" dirty="0" smtClean="0"/>
+              <a:t>schützt den Zugriff auf das Objekt</a:t>
+            </a:r>
           </a:p>
           <a:p>
             <a:pPr marL="0" indent="0">
               <a:buNone/>
             </a:pPr>
             <a:r>
-              <a:rPr lang="de-DE" dirty="0"/>
-              <a:t>Wenn ein Kollege sich verändert, dann teilt er dies dem Mediator mit. Der Mediator kommuniziert dann mit allen beteiligten Kollegen, die über diese Änderung informiert werden müssen </a:t>
-            </a:r>
-            <a:r>
-              <a:rPr lang="de-DE" dirty="0" smtClean="0"/>
-              <a:t>.</a:t>
+              <a:rPr lang="de-DE" dirty="0" smtClean="0"/>
+              <a:t>sitzt </a:t>
+            </a:r>
+            <a:r>
+              <a:rPr lang="de-DE" dirty="0"/>
+              <a:t>zwischen dem Konsumenten eines Objekts und dem Objekt </a:t>
+            </a:r>
+            <a:r>
+              <a:rPr lang="de-DE" dirty="0" smtClean="0"/>
+              <a:t>selbst</a:t>
             </a:r>
           </a:p>
           <a:p>
@@ -9779,24 +10043,21 @@
             </a:pPr>
             <a:r>
               <a:rPr lang="de-DE" dirty="0" smtClean="0"/>
-              <a:t>Model</a:t>
-            </a:r>
-            <a:r>
-              <a:rPr lang="de-DE" dirty="0"/>
-              <a:t>-View-Controller (MVC) und Model-View-</a:t>
-            </a:r>
-            <a:r>
-              <a:rPr lang="de-DE" dirty="0" err="1"/>
-              <a:t>Presenter</a:t>
-            </a:r>
-            <a:r>
-              <a:rPr lang="de-DE" dirty="0"/>
-              <a:t> (MVP) </a:t>
-            </a:r>
-            <a:r>
-              <a:rPr lang="de-DE" dirty="0" smtClean="0"/>
-              <a:t>basieren auf dem Mediator-Pattern.</a:t>
-            </a:r>
+              <a:t>kann </a:t>
+            </a:r>
+            <a:r>
+              <a:rPr lang="de-DE" dirty="0"/>
+              <a:t>Initialisierungs- und Caching-Strategien implementieren </a:t>
+            </a:r>
+            <a:r>
+              <a:rPr lang="de-DE" dirty="0" smtClean="0"/>
+              <a:t>(komplexe Zugriffe oder Remote)</a:t>
+            </a:r>
+          </a:p>
+          <a:p>
+            <a:pPr marL="0" indent="0">
+              <a:buNone/>
+            </a:pPr>
             <a:endParaRPr lang="de-DE" dirty="0"/>
           </a:p>
         </p:txBody>
@@ -9818,7 +10079,7 @@
           <a:p>
             <a:r>
               <a:rPr lang="de-DE" dirty="0" smtClean="0"/>
-              <a:t>Mediator</a:t>
+              <a:t>Proxy</a:t>
             </a:r>
             <a:endParaRPr lang="de-DE" dirty="0"/>
           </a:p>
@@ -9827,7 +10088,7 @@
     </p:spTree>
     <p:extLst>
       <p:ext uri="{BB962C8B-B14F-4D97-AF65-F5344CB8AC3E}">
-        <p14:creationId xmlns:p14="http://schemas.microsoft.com/office/powerpoint/2010/main" val="2063635766"/>
+        <p14:creationId xmlns:p14="http://schemas.microsoft.com/office/powerpoint/2010/main" val="2832802659"/>
       </p:ext>
     </p:extLst>
   </p:cSld>
@@ -9874,7 +10135,9 @@
         </p:nvSpPr>
         <p:spPr/>
         <p:txBody>
-          <a:bodyPr/>
+          <a:bodyPr>
+            <a:normAutofit fontScale="47500" lnSpcReduction="20000"/>
+          </a:bodyPr>
           <a:lstStyle/>
           <a:p>
             <a:r>
@@ -9887,7 +10150,7 @@
             </a:r>
             <a:r>
               <a:rPr lang="de-DE" dirty="0" err="1"/>
-              <a:t>formElement</a:t>
+              <a:t>person</a:t>
             </a:r>
             <a:r>
               <a:rPr lang="de-DE" dirty="0"/>
@@ -9901,11 +10164,11 @@
             </a:r>
             <a:r>
               <a:rPr lang="de-DE" dirty="0" err="1"/>
-              <a:t>value</a:t>
-            </a:r>
-            <a:r>
-              <a:rPr lang="de-DE" dirty="0"/>
-              <a:t> : "",</a:t>
+              <a:t>givenName</a:t>
+            </a:r>
+            <a:r>
+              <a:rPr lang="de-DE" dirty="0"/>
+              <a:t> : "Douglas",</a:t>
             </a:r>
           </a:p>
           <a:p>
@@ -9915,11 +10178,33 @@
             </a:r>
             <a:r>
               <a:rPr lang="de-DE" dirty="0" err="1"/>
-              <a:t>setValue</a:t>
-            </a:r>
-            <a:r>
-              <a:rPr lang="de-DE" dirty="0"/>
-              <a:t> : </a:t>
+              <a:t>lastName</a:t>
+            </a:r>
+            <a:r>
+              <a:rPr lang="de-DE" dirty="0"/>
+              <a:t> : "</a:t>
+            </a:r>
+            <a:r>
+              <a:rPr lang="de-DE" dirty="0" err="1"/>
+              <a:t>Crockford</a:t>
+            </a:r>
+            <a:r>
+              <a:rPr lang="de-DE" dirty="0"/>
+              <a:t>",</a:t>
+            </a:r>
+          </a:p>
+          <a:p>
+            <a:r>
+              <a:rPr lang="de-DE" dirty="0"/>
+              <a:t>    </a:t>
+            </a:r>
+            <a:r>
+              <a:rPr lang="de-DE" dirty="0" err="1"/>
+              <a:t>read</a:t>
+            </a:r>
+            <a:r>
+              <a:rPr lang="de-DE" dirty="0"/>
+              <a:t>: </a:t>
             </a:r>
             <a:r>
               <a:rPr lang="de-DE" dirty="0" err="1"/>
@@ -9927,6 +10212,44 @@
             </a:r>
             <a:r>
               <a:rPr lang="de-DE" dirty="0"/>
+              <a:t> () {</a:t>
+            </a:r>
+          </a:p>
+          <a:p>
+            <a:r>
+              <a:rPr lang="de-DE" dirty="0"/>
+              <a:t>        </a:t>
+            </a:r>
+            <a:r>
+              <a:rPr lang="de-DE" dirty="0" err="1"/>
+              <a:t>jQuery.getJSON</a:t>
+            </a:r>
+            <a:r>
+              <a:rPr lang="de-DE" dirty="0"/>
+              <a:t>('</a:t>
+            </a:r>
+            <a:r>
+              <a:rPr lang="de-DE" dirty="0" err="1"/>
+              <a:t>person</a:t>
+            </a:r>
+            <a:r>
+              <a:rPr lang="de-DE" dirty="0"/>
+              <a:t>/</a:t>
+            </a:r>
+            <a:r>
+              <a:rPr lang="de-DE" dirty="0" err="1"/>
+              <a:t>douglas_crockford.json</a:t>
+            </a:r>
+            <a:r>
+              <a:rPr lang="de-DE" dirty="0"/>
+              <a:t>', </a:t>
+            </a:r>
+            <a:r>
+              <a:rPr lang="de-DE" dirty="0" err="1"/>
+              <a:t>function</a:t>
+            </a:r>
+            <a:r>
+              <a:rPr lang="de-DE" dirty="0"/>
               <a:t>(</a:t>
             </a:r>
             <a:r>
@@ -9941,45 +10264,152 @@
           <a:p>
             <a:r>
               <a:rPr lang="de-DE" dirty="0"/>
+              <a:t>            </a:t>
+            </a:r>
+            <a:r>
+              <a:rPr lang="de-DE" dirty="0" err="1"/>
+              <a:t>this.givenName</a:t>
+            </a:r>
+            <a:r>
+              <a:rPr lang="de-DE" dirty="0"/>
+              <a:t> = </a:t>
+            </a:r>
+            <a:r>
+              <a:rPr lang="de-DE" dirty="0" err="1"/>
+              <a:t>data.givenName</a:t>
+            </a:r>
+            <a:r>
+              <a:rPr lang="de-DE" dirty="0"/>
+              <a:t>;</a:t>
+            </a:r>
+          </a:p>
+          <a:p>
+            <a:r>
+              <a:rPr lang="de-DE" dirty="0"/>
+              <a:t>            </a:t>
+            </a:r>
+            <a:r>
+              <a:rPr lang="de-DE" dirty="0" err="1"/>
+              <a:t>this.lastName</a:t>
+            </a:r>
+            <a:r>
+              <a:rPr lang="de-DE" dirty="0"/>
+              <a:t> = </a:t>
+            </a:r>
+            <a:r>
+              <a:rPr lang="de-DE" dirty="0" err="1"/>
+              <a:t>data.lastName</a:t>
+            </a:r>
+            <a:r>
+              <a:rPr lang="de-DE" dirty="0"/>
+              <a:t>;</a:t>
+            </a:r>
+          </a:p>
+          <a:p>
+            <a:r>
+              <a:rPr lang="de-DE" dirty="0"/>
+              <a:t>        });</a:t>
+            </a:r>
+          </a:p>
+          <a:p>
+            <a:r>
+              <a:rPr lang="de-DE" dirty="0"/>
+              <a:t>    },</a:t>
+            </a:r>
+          </a:p>
+          <a:p>
+            <a:r>
+              <a:rPr lang="de-DE" dirty="0"/>
+              <a:t>    update: </a:t>
+            </a:r>
+            <a:r>
+              <a:rPr lang="de-DE" dirty="0" err="1"/>
+              <a:t>function</a:t>
+            </a:r>
+            <a:r>
+              <a:rPr lang="de-DE" dirty="0"/>
+              <a:t>() {</a:t>
+            </a:r>
+          </a:p>
+          <a:p>
+            <a:r>
+              <a:rPr lang="de-DE" dirty="0"/>
               <a:t>        </a:t>
             </a:r>
             <a:r>
-              <a:rPr lang="de-DE" dirty="0" err="1"/>
-              <a:t>formElement.value</a:t>
-            </a:r>
-            <a:r>
-              <a:rPr lang="de-DE" dirty="0"/>
-              <a:t> = </a:t>
-            </a:r>
-            <a:r>
-              <a:rPr lang="de-DE" dirty="0" err="1"/>
-              <a:t>data</a:t>
-            </a:r>
-            <a:r>
-              <a:rPr lang="de-DE" dirty="0"/>
-              <a:t>;</a:t>
-            </a:r>
-          </a:p>
-          <a:p>
-            <a:r>
-              <a:rPr lang="de-DE" dirty="0"/>
-              <a:t>        </a:t>
-            </a:r>
-            <a:r>
-              <a:rPr lang="de-DE" dirty="0" err="1"/>
-              <a:t>mediator.upate</a:t>
-            </a:r>
-            <a:r>
-              <a:rPr lang="de-DE" dirty="0"/>
+              <a:rPr lang="de-DE" dirty="0" err="1" smtClean="0"/>
+              <a:t>jQuery.post</a:t>
+            </a:r>
+            <a:r>
+              <a:rPr lang="de-DE" dirty="0" smtClean="0"/>
               <a:t>(</a:t>
             </a:r>
             <a:r>
-              <a:rPr lang="de-DE" dirty="0" err="1"/>
-              <a:t>this.value</a:t>
-            </a:r>
-            <a:r>
-              <a:rPr lang="de-DE" dirty="0"/>
-              <a:t>);</a:t>
+              <a:rPr lang="de-DE" dirty="0"/>
+              <a:t>'</a:t>
+            </a:r>
+            <a:r>
+              <a:rPr lang="de-DE" dirty="0" err="1"/>
+              <a:t>person</a:t>
+            </a:r>
+            <a:r>
+              <a:rPr lang="de-DE" dirty="0"/>
+              <a:t>/</a:t>
+            </a:r>
+            <a:r>
+              <a:rPr lang="de-DE" dirty="0" err="1"/>
+              <a:t>douglas_crockford.json</a:t>
+            </a:r>
+            <a:r>
+              <a:rPr lang="de-DE" dirty="0"/>
+              <a:t>', {</a:t>
+            </a:r>
+          </a:p>
+          <a:p>
+            <a:r>
+              <a:rPr lang="de-DE" dirty="0"/>
+              <a:t>            </a:t>
+            </a:r>
+            <a:r>
+              <a:rPr lang="de-DE" dirty="0" err="1"/>
+              <a:t>givenName</a:t>
+            </a:r>
+            <a:r>
+              <a:rPr lang="de-DE" dirty="0"/>
+              <a:t>: </a:t>
+            </a:r>
+            <a:r>
+              <a:rPr lang="de-DE" dirty="0" err="1"/>
+              <a:t>this.givenName</a:t>
+            </a:r>
+            <a:r>
+              <a:rPr lang="de-DE" dirty="0"/>
+              <a:t>,</a:t>
+            </a:r>
+          </a:p>
+          <a:p>
+            <a:r>
+              <a:rPr lang="de-DE" dirty="0"/>
+              <a:t>            </a:t>
+            </a:r>
+            <a:r>
+              <a:rPr lang="de-DE" dirty="0" err="1"/>
+              <a:t>lastName</a:t>
+            </a:r>
+            <a:r>
+              <a:rPr lang="de-DE" dirty="0"/>
+              <a:t>: </a:t>
+            </a:r>
+            <a:r>
+              <a:rPr lang="de-DE" dirty="0" err="1"/>
+              <a:t>this.lastName</a:t>
+            </a:r>
+            <a:endParaRPr lang="de-DE" dirty="0"/>
+          </a:p>
+          <a:p>
+            <a:r>
+              <a:rPr lang="de-DE" dirty="0"/>
+              <a:t>        });</a:t>
             </a:r>
           </a:p>
           <a:p>
@@ -9991,7 +10421,7 @@
           <a:p>
             <a:r>
               <a:rPr lang="de-DE" dirty="0"/>
-              <a:t>};</a:t>
+              <a:t>}</a:t>
             </a:r>
           </a:p>
           <a:p>
@@ -10016,7 +10446,7 @@
           <a:p>
             <a:r>
               <a:rPr lang="de-DE" dirty="0" smtClean="0"/>
-              <a:t>Mediator</a:t>
+              <a:t>Proxy</a:t>
             </a:r>
             <a:endParaRPr lang="de-DE" dirty="0"/>
           </a:p>
@@ -10025,7 +10455,7 @@
     </p:spTree>
     <p:extLst>
       <p:ext uri="{BB962C8B-B14F-4D97-AF65-F5344CB8AC3E}">
-        <p14:creationId xmlns:p14="http://schemas.microsoft.com/office/powerpoint/2010/main" val="4267147202"/>
+        <p14:creationId xmlns:p14="http://schemas.microsoft.com/office/powerpoint/2010/main" val="4088586376"/>
       </p:ext>
     </p:extLst>
   </p:cSld>
@@ -10072,172 +10502,81 @@
         </p:nvSpPr>
         <p:spPr/>
         <p:txBody>
-          <a:bodyPr>
-            <a:normAutofit fontScale="47500" lnSpcReduction="20000"/>
-          </a:bodyPr>
+          <a:bodyPr/>
           <a:lstStyle/>
           <a:p>
-            <a:r>
-              <a:rPr lang="en-US" dirty="0" err="1"/>
-              <a:t>var</a:t>
-            </a:r>
-            <a:r>
-              <a:rPr lang="en-US" dirty="0"/>
-              <a:t> </a:t>
-            </a:r>
-            <a:r>
-              <a:rPr lang="en-US" dirty="0" err="1"/>
-              <a:t>moneyModel</a:t>
-            </a:r>
-            <a:r>
-              <a:rPr lang="en-US" dirty="0"/>
-              <a:t> = {</a:t>
-            </a:r>
-          </a:p>
-          <a:p>
-            <a:r>
-              <a:rPr lang="en-US" dirty="0"/>
-              <a:t>    </a:t>
-            </a:r>
-            <a:r>
-              <a:rPr lang="en-US" dirty="0" err="1"/>
-              <a:t>ammount</a:t>
-            </a:r>
-            <a:r>
-              <a:rPr lang="en-US" dirty="0"/>
-              <a:t> : 0,</a:t>
-            </a:r>
-          </a:p>
-          <a:p>
-            <a:r>
-              <a:rPr lang="en-US" dirty="0"/>
-              <a:t>    update : function(data) {</a:t>
-            </a:r>
-          </a:p>
-          <a:p>
-            <a:r>
-              <a:rPr lang="en-US" dirty="0"/>
-              <a:t>        if (</a:t>
-            </a:r>
-            <a:r>
-              <a:rPr lang="en-US" dirty="0" err="1"/>
-              <a:t>typeof</a:t>
-            </a:r>
-            <a:r>
-              <a:rPr lang="en-US" dirty="0"/>
-              <a:t> data === "number") {</a:t>
-            </a:r>
-          </a:p>
-          <a:p>
-            <a:r>
-              <a:rPr lang="en-US" dirty="0"/>
-              <a:t>            </a:t>
-            </a:r>
-            <a:r>
-              <a:rPr lang="en-US" dirty="0" err="1"/>
-              <a:t>moneyModel.ammount</a:t>
-            </a:r>
-            <a:r>
-              <a:rPr lang="en-US" dirty="0"/>
-              <a:t> = </a:t>
-            </a:r>
-            <a:r>
-              <a:rPr lang="en-US" dirty="0" err="1"/>
-              <a:t>formElement.value</a:t>
-            </a:r>
-            <a:r>
-              <a:rPr lang="en-US" dirty="0"/>
-              <a:t>;</a:t>
-            </a:r>
-          </a:p>
-          <a:p>
-            <a:r>
-              <a:rPr lang="en-US" dirty="0"/>
-              <a:t>        } else {</a:t>
-            </a:r>
-          </a:p>
-          <a:p>
-            <a:r>
-              <a:rPr lang="en-US" dirty="0"/>
-              <a:t>            throw "Only numbers are accepted";</a:t>
-            </a:r>
-          </a:p>
-          <a:p>
-            <a:r>
-              <a:rPr lang="en-US" dirty="0"/>
-              <a:t>        }</a:t>
-            </a:r>
-          </a:p>
-          <a:p>
-            <a:r>
-              <a:rPr lang="en-US" dirty="0"/>
-              <a:t>    }</a:t>
-            </a:r>
-          </a:p>
-          <a:p>
-            <a:r>
-              <a:rPr lang="en-US" dirty="0" smtClean="0"/>
-              <a:t>}</a:t>
-            </a:r>
-          </a:p>
-          <a:p>
-            <a:r>
-              <a:rPr lang="en-US" dirty="0" err="1"/>
-              <a:t>var</a:t>
-            </a:r>
-            <a:r>
-              <a:rPr lang="en-US" dirty="0"/>
-              <a:t> logger = {</a:t>
-            </a:r>
-            <a:endParaRPr lang="de-DE" dirty="0"/>
-          </a:p>
-          <a:p>
-            <a:r>
-              <a:rPr lang="en-US" dirty="0"/>
-              <a:t>    messages : [],</a:t>
-            </a:r>
-            <a:endParaRPr lang="de-DE" dirty="0"/>
-          </a:p>
-          <a:p>
-            <a:r>
-              <a:rPr lang="en-US" dirty="0"/>
-              <a:t>    log : function(message) {</a:t>
-            </a:r>
-            <a:endParaRPr lang="de-DE" dirty="0"/>
-          </a:p>
-          <a:p>
-            <a:r>
-              <a:rPr lang="en-US" dirty="0"/>
-              <a:t>        </a:t>
-            </a:r>
-            <a:r>
-              <a:rPr lang="en-US" dirty="0" err="1"/>
-              <a:t>logger.messages.push</a:t>
-            </a:r>
-            <a:r>
-              <a:rPr lang="en-US" dirty="0"/>
-              <a:t>(message);</a:t>
-            </a:r>
-            <a:endParaRPr lang="de-DE" dirty="0"/>
-          </a:p>
-          <a:p>
-            <a:r>
-              <a:rPr lang="en-US" dirty="0"/>
-              <a:t>    }</a:t>
-            </a:r>
-            <a:endParaRPr lang="de-DE" dirty="0"/>
-          </a:p>
-          <a:p>
-            <a:r>
-              <a:rPr lang="en-US" dirty="0"/>
-              <a:t>}</a:t>
-            </a:r>
-            <a:endParaRPr lang="de-DE" dirty="0"/>
-          </a:p>
-          <a:p>
-            <a:endParaRPr lang="en-US" dirty="0"/>
-          </a:p>
-          <a:p>
+            <a:pPr marL="0" indent="0">
+              <a:buNone/>
+            </a:pPr>
+            <a:r>
+              <a:rPr lang="de-DE" dirty="0"/>
+              <a:t>entkoppelt Objekte </a:t>
+            </a:r>
+            <a:r>
+              <a:rPr lang="de-DE" dirty="0" smtClean="0"/>
+              <a:t> -&gt; </a:t>
+            </a:r>
+            <a:r>
+              <a:rPr lang="de-DE" dirty="0"/>
+              <a:t>lose Kopplung </a:t>
+            </a:r>
+            <a:endParaRPr lang="de-DE" dirty="0" smtClean="0"/>
+          </a:p>
+          <a:p>
+            <a:pPr marL="0" indent="0">
+              <a:buNone/>
+            </a:pPr>
+            <a:r>
+              <a:rPr lang="de-DE" dirty="0"/>
+              <a:t>Objekte (</a:t>
+            </a:r>
+            <a:r>
+              <a:rPr lang="de-DE" dirty="0" smtClean="0"/>
+              <a:t>Kollegen) </a:t>
+            </a:r>
+            <a:r>
+              <a:rPr lang="de-DE" dirty="0"/>
+              <a:t>nicht mehr direkt miteinander kommunizieren, sondern über einen Mediator </a:t>
+            </a:r>
+            <a:endParaRPr lang="de-DE" dirty="0" smtClean="0"/>
+          </a:p>
+          <a:p>
+            <a:pPr marL="0" indent="0">
+              <a:buNone/>
+            </a:pPr>
+            <a:r>
+              <a:rPr lang="de-DE" dirty="0"/>
+              <a:t>Wenn ein Kollege sich verändert, dann teilt er dies dem Mediator mit. Der Mediator kommuniziert dann mit allen beteiligten Kollegen, die über diese Änderung informiert werden müssen </a:t>
+            </a:r>
+            <a:r>
+              <a:rPr lang="de-DE" dirty="0" smtClean="0"/>
+              <a:t>.</a:t>
+            </a:r>
+          </a:p>
+          <a:p>
+            <a:pPr marL="0" indent="0">
+              <a:buNone/>
+            </a:pPr>
+            <a:r>
+              <a:rPr lang="de-DE" dirty="0" smtClean="0"/>
+              <a:t>Model</a:t>
+            </a:r>
+            <a:r>
+              <a:rPr lang="de-DE" dirty="0"/>
+              <a:t>-View-Controller (MVC) und Model-View-</a:t>
+            </a:r>
+            <a:r>
+              <a:rPr lang="de-DE" dirty="0" err="1"/>
+              <a:t>Presenter</a:t>
+            </a:r>
+            <a:r>
+              <a:rPr lang="de-DE" dirty="0"/>
+              <a:t> (MVP) </a:t>
+            </a:r>
+            <a:r>
+              <a:rPr lang="de-DE" dirty="0" smtClean="0"/>
+              <a:t>basieren auf dem Mediator-Pattern.</a:t>
+            </a:r>
             <a:endParaRPr lang="de-DE" dirty="0"/>
           </a:p>
         </p:txBody>
@@ -10268,7 +10607,7 @@
     </p:spTree>
     <p:extLst>
       <p:ext uri="{BB962C8B-B14F-4D97-AF65-F5344CB8AC3E}">
-        <p14:creationId xmlns:p14="http://schemas.microsoft.com/office/powerpoint/2010/main" val="2219616932"/>
+        <p14:creationId xmlns:p14="http://schemas.microsoft.com/office/powerpoint/2010/main" val="2063635766"/>
       </p:ext>
     </p:extLst>
   </p:cSld>
@@ -10319,78 +10658,96 @@
           <a:lstStyle/>
           <a:p>
             <a:r>
-              <a:rPr lang="en-US" dirty="0" err="1"/>
+              <a:rPr lang="de-DE" dirty="0" err="1"/>
               <a:t>var</a:t>
             </a:r>
             <a:r>
-              <a:rPr lang="en-US" dirty="0"/>
-              <a:t> mediator = {</a:t>
-            </a:r>
-            <a:endParaRPr lang="de-DE" dirty="0"/>
-          </a:p>
-          <a:p>
-            <a:r>
-              <a:rPr lang="en-US" dirty="0"/>
+              <a:rPr lang="de-DE" dirty="0"/>
+              <a:t> </a:t>
+            </a:r>
+            <a:r>
+              <a:rPr lang="de-DE" dirty="0" err="1"/>
+              <a:t>formElement</a:t>
+            </a:r>
+            <a:r>
+              <a:rPr lang="de-DE" dirty="0"/>
+              <a:t> = {</a:t>
+            </a:r>
+          </a:p>
+          <a:p>
+            <a:r>
+              <a:rPr lang="de-DE" dirty="0"/>
               <a:t>    </a:t>
             </a:r>
             <a:r>
-              <a:rPr lang="en-US" dirty="0" smtClean="0"/>
-              <a:t>update </a:t>
-            </a:r>
-            <a:r>
-              <a:rPr lang="en-US" dirty="0"/>
-              <a:t>: function(value) {</a:t>
-            </a:r>
-            <a:endParaRPr lang="de-DE" dirty="0"/>
-          </a:p>
-          <a:p>
-            <a:r>
-              <a:rPr lang="en-US" dirty="0"/>
-              <a:t>        try {</a:t>
-            </a:r>
-            <a:endParaRPr lang="de-DE" dirty="0"/>
-          </a:p>
-          <a:p>
-            <a:r>
-              <a:rPr lang="en-US" dirty="0"/>
-              <a:t>            </a:t>
-            </a:r>
-            <a:r>
-              <a:rPr lang="en-US" dirty="0" err="1"/>
-              <a:t>moneyModel.update</a:t>
-            </a:r>
-            <a:r>
-              <a:rPr lang="en-US" dirty="0"/>
-              <a:t>(value);</a:t>
-            </a:r>
-            <a:endParaRPr lang="de-DE" dirty="0"/>
-          </a:p>
-          <a:p>
-            <a:r>
-              <a:rPr lang="en-US" dirty="0"/>
+              <a:rPr lang="de-DE" dirty="0" err="1"/>
+              <a:t>value</a:t>
+            </a:r>
+            <a:r>
+              <a:rPr lang="de-DE" dirty="0"/>
+              <a:t> : "",</a:t>
+            </a:r>
+          </a:p>
+          <a:p>
+            <a:r>
+              <a:rPr lang="de-DE" dirty="0"/>
+              <a:t>    </a:t>
+            </a:r>
+            <a:r>
+              <a:rPr lang="de-DE" dirty="0" err="1"/>
+              <a:t>setValue</a:t>
+            </a:r>
+            <a:r>
+              <a:rPr lang="de-DE" dirty="0"/>
+              <a:t> : </a:t>
+            </a:r>
+            <a:r>
+              <a:rPr lang="de-DE" dirty="0" err="1"/>
+              <a:t>function</a:t>
+            </a:r>
+            <a:r>
+              <a:rPr lang="de-DE" dirty="0"/>
+              <a:t>(</a:t>
+            </a:r>
+            <a:r>
+              <a:rPr lang="de-DE" dirty="0" err="1"/>
+              <a:t>data</a:t>
+            </a:r>
+            <a:r>
+              <a:rPr lang="de-DE" dirty="0"/>
+              <a:t>) {</a:t>
+            </a:r>
+          </a:p>
+          <a:p>
+            <a:r>
+              <a:rPr lang="de-DE" dirty="0"/>
               <a:t>        </a:t>
             </a:r>
             <a:r>
-              <a:rPr lang="de-DE" dirty="0"/>
-              <a:t>} catch(</a:t>
-            </a:r>
-            <a:r>
-              <a:rPr lang="de-DE" dirty="0" err="1"/>
-              <a:t>e</a:t>
-            </a:r>
-            <a:r>
-              <a:rPr lang="de-DE" dirty="0"/>
-              <a:t>) {</a:t>
-            </a:r>
-          </a:p>
-          <a:p>
-            <a:r>
-              <a:rPr lang="de-DE" dirty="0"/>
-              <a:t>            </a:t>
-            </a:r>
-            <a:r>
-              <a:rPr lang="de-DE" dirty="0" err="1"/>
-              <a:t>logger.log</a:t>
+              <a:rPr lang="de-DE" dirty="0" err="1"/>
+              <a:t>formElement.value</a:t>
+            </a:r>
+            <a:r>
+              <a:rPr lang="de-DE" dirty="0"/>
+              <a:t> = </a:t>
+            </a:r>
+            <a:r>
+              <a:rPr lang="de-DE" dirty="0" err="1"/>
+              <a:t>data</a:t>
+            </a:r>
+            <a:r>
+              <a:rPr lang="de-DE" dirty="0"/>
+              <a:t>;</a:t>
+            </a:r>
+          </a:p>
+          <a:p>
+            <a:r>
+              <a:rPr lang="de-DE" dirty="0"/>
+              <a:t>        </a:t>
+            </a:r>
+            <a:r>
+              <a:rPr lang="de-DE" dirty="0" err="1"/>
+              <a:t>mediator.upate</a:t>
             </a:r>
             <a:r>
               <a:rPr lang="de-DE" dirty="0"/>
@@ -10398,7 +10755,7 @@
             </a:r>
             <a:r>
               <a:rPr lang="de-DE" dirty="0" err="1"/>
-              <a:t>e</a:t>
+              <a:t>this.value</a:t>
             </a:r>
             <a:r>
               <a:rPr lang="de-DE" dirty="0"/>
@@ -10408,26 +10765,16 @@
           <a:p>
             <a:r>
               <a:rPr lang="de-DE" dirty="0"/>
-              <a:t>        </a:t>
-            </a:r>
-            <a:r>
-              <a:rPr lang="en-US" dirty="0"/>
-              <a:t>}</a:t>
-            </a:r>
-            <a:endParaRPr lang="de-DE" dirty="0"/>
-          </a:p>
-          <a:p>
-            <a:r>
-              <a:rPr lang="en-US" dirty="0"/>
-              <a:t>    }    </a:t>
-            </a:r>
-            <a:endParaRPr lang="de-DE" dirty="0"/>
-          </a:p>
-          <a:p>
-            <a:r>
-              <a:rPr lang="en-US" dirty="0"/>
-              <a:t>}</a:t>
-            </a:r>
+              <a:t>    }</a:t>
+            </a:r>
+          </a:p>
+          <a:p>
+            <a:r>
+              <a:rPr lang="de-DE" dirty="0"/>
+              <a:t>};</a:t>
+            </a:r>
+          </a:p>
+          <a:p>
             <a:endParaRPr lang="de-DE" dirty="0"/>
           </a:p>
         </p:txBody>
@@ -10458,7 +10805,7 @@
     </p:spTree>
     <p:extLst>
       <p:ext uri="{BB962C8B-B14F-4D97-AF65-F5344CB8AC3E}">
-        <p14:creationId xmlns:p14="http://schemas.microsoft.com/office/powerpoint/2010/main" val="2245074397"/>
+        <p14:creationId xmlns:p14="http://schemas.microsoft.com/office/powerpoint/2010/main" val="4267147202"/>
       </p:ext>
     </p:extLst>
   </p:cSld>
@@ -10505,55 +10852,172 @@
         </p:nvSpPr>
         <p:spPr/>
         <p:txBody>
-          <a:bodyPr/>
+          <a:bodyPr>
+            <a:normAutofit fontScale="47500" lnSpcReduction="20000"/>
+          </a:bodyPr>
           <a:lstStyle/>
           <a:p>
-            <a:pPr marL="0" indent="0">
-              <a:buNone/>
-            </a:pPr>
-            <a:r>
-              <a:rPr lang="de-DE" dirty="0" smtClean="0"/>
-              <a:t>Auch bekannt als </a:t>
-            </a:r>
-            <a:r>
-              <a:rPr lang="de-DE" dirty="0" err="1" smtClean="0"/>
-              <a:t>Publish</a:t>
-            </a:r>
-            <a:r>
-              <a:rPr lang="de-DE" dirty="0" smtClean="0"/>
-              <a:t>/</a:t>
-            </a:r>
-            <a:r>
-              <a:rPr lang="de-DE" dirty="0" err="1" smtClean="0"/>
-              <a:t>Subscribe</a:t>
-            </a:r>
-            <a:endParaRPr lang="de-DE" dirty="0" smtClean="0"/>
-          </a:p>
-          <a:p>
-            <a:pPr marL="0" indent="0">
-              <a:buNone/>
-            </a:pPr>
-            <a:r>
-              <a:rPr lang="de-DE" dirty="0" smtClean="0"/>
-              <a:t>Wir im Browser verwendet (</a:t>
-            </a:r>
-            <a:r>
-              <a:rPr lang="de-DE" dirty="0" err="1" smtClean="0"/>
-              <a:t>onclick</a:t>
-            </a:r>
-            <a:r>
-              <a:rPr lang="de-DE" dirty="0" smtClean="0"/>
-              <a:t>)</a:t>
-            </a:r>
-          </a:p>
-          <a:p>
-            <a:pPr marL="0" indent="0">
-              <a:buNone/>
-            </a:pPr>
-            <a:r>
-              <a:rPr lang="de-DE" dirty="0" smtClean="0"/>
-              <a:t>Publisher informieren Subscriber über Ereignisse</a:t>
-            </a:r>
+            <a:r>
+              <a:rPr lang="en-US" dirty="0" err="1"/>
+              <a:t>var</a:t>
+            </a:r>
+            <a:r>
+              <a:rPr lang="en-US" dirty="0"/>
+              <a:t> </a:t>
+            </a:r>
+            <a:r>
+              <a:rPr lang="en-US" dirty="0" err="1"/>
+              <a:t>moneyModel</a:t>
+            </a:r>
+            <a:r>
+              <a:rPr lang="en-US" dirty="0"/>
+              <a:t> = {</a:t>
+            </a:r>
+          </a:p>
+          <a:p>
+            <a:r>
+              <a:rPr lang="en-US" dirty="0"/>
+              <a:t>    </a:t>
+            </a:r>
+            <a:r>
+              <a:rPr lang="en-US" dirty="0" err="1"/>
+              <a:t>ammount</a:t>
+            </a:r>
+            <a:r>
+              <a:rPr lang="en-US" dirty="0"/>
+              <a:t> : 0,</a:t>
+            </a:r>
+          </a:p>
+          <a:p>
+            <a:r>
+              <a:rPr lang="en-US" dirty="0"/>
+              <a:t>    update : function(data) {</a:t>
+            </a:r>
+          </a:p>
+          <a:p>
+            <a:r>
+              <a:rPr lang="en-US" dirty="0"/>
+              <a:t>        if (</a:t>
+            </a:r>
+            <a:r>
+              <a:rPr lang="en-US" dirty="0" err="1"/>
+              <a:t>typeof</a:t>
+            </a:r>
+            <a:r>
+              <a:rPr lang="en-US" dirty="0"/>
+              <a:t> data === "number") {</a:t>
+            </a:r>
+          </a:p>
+          <a:p>
+            <a:r>
+              <a:rPr lang="en-US" dirty="0"/>
+              <a:t>            </a:t>
+            </a:r>
+            <a:r>
+              <a:rPr lang="en-US" dirty="0" err="1"/>
+              <a:t>moneyModel.ammount</a:t>
+            </a:r>
+            <a:r>
+              <a:rPr lang="en-US" dirty="0"/>
+              <a:t> = </a:t>
+            </a:r>
+            <a:r>
+              <a:rPr lang="en-US" dirty="0" err="1"/>
+              <a:t>formElement.value</a:t>
+            </a:r>
+            <a:r>
+              <a:rPr lang="en-US" dirty="0"/>
+              <a:t>;</a:t>
+            </a:r>
+          </a:p>
+          <a:p>
+            <a:r>
+              <a:rPr lang="en-US" dirty="0"/>
+              <a:t>        } else {</a:t>
+            </a:r>
+          </a:p>
+          <a:p>
+            <a:r>
+              <a:rPr lang="en-US" dirty="0"/>
+              <a:t>            throw "Only numbers are accepted";</a:t>
+            </a:r>
+          </a:p>
+          <a:p>
+            <a:r>
+              <a:rPr lang="en-US" dirty="0"/>
+              <a:t>        }</a:t>
+            </a:r>
+          </a:p>
+          <a:p>
+            <a:r>
+              <a:rPr lang="en-US" dirty="0"/>
+              <a:t>    }</a:t>
+            </a:r>
+          </a:p>
+          <a:p>
+            <a:r>
+              <a:rPr lang="en-US" dirty="0" smtClean="0"/>
+              <a:t>}</a:t>
+            </a:r>
+          </a:p>
+          <a:p>
+            <a:r>
+              <a:rPr lang="en-US" dirty="0" err="1"/>
+              <a:t>var</a:t>
+            </a:r>
+            <a:r>
+              <a:rPr lang="en-US" dirty="0"/>
+              <a:t> logger = {</a:t>
+            </a:r>
+            <a:endParaRPr lang="de-DE" dirty="0"/>
+          </a:p>
+          <a:p>
+            <a:r>
+              <a:rPr lang="en-US" dirty="0"/>
+              <a:t>    messages : [],</a:t>
+            </a:r>
+            <a:endParaRPr lang="de-DE" dirty="0"/>
+          </a:p>
+          <a:p>
+            <a:r>
+              <a:rPr lang="en-US" dirty="0"/>
+              <a:t>    log : function(message) {</a:t>
+            </a:r>
+            <a:endParaRPr lang="de-DE" dirty="0"/>
+          </a:p>
+          <a:p>
+            <a:r>
+              <a:rPr lang="en-US" dirty="0"/>
+              <a:t>        </a:t>
+            </a:r>
+            <a:r>
+              <a:rPr lang="en-US" dirty="0" err="1"/>
+              <a:t>logger.messages.push</a:t>
+            </a:r>
+            <a:r>
+              <a:rPr lang="en-US" dirty="0"/>
+              <a:t>(message);</a:t>
+            </a:r>
+            <a:endParaRPr lang="de-DE" dirty="0"/>
+          </a:p>
+          <a:p>
+            <a:r>
+              <a:rPr lang="en-US" dirty="0"/>
+              <a:t>    }</a:t>
+            </a:r>
+            <a:endParaRPr lang="de-DE" dirty="0"/>
+          </a:p>
+          <a:p>
+            <a:r>
+              <a:rPr lang="en-US" dirty="0"/>
+              <a:t>}</a:t>
+            </a:r>
+            <a:endParaRPr lang="de-DE" dirty="0"/>
+          </a:p>
+          <a:p>
+            <a:endParaRPr lang="en-US" dirty="0"/>
+          </a:p>
+          <a:p>
             <a:endParaRPr lang="de-DE" dirty="0"/>
           </a:p>
         </p:txBody>
@@ -10575,7 +11039,7 @@
           <a:p>
             <a:r>
               <a:rPr lang="de-DE" dirty="0" smtClean="0"/>
-              <a:t>Observer</a:t>
+              <a:t>Mediator</a:t>
             </a:r>
             <a:endParaRPr lang="de-DE" dirty="0"/>
           </a:p>
@@ -10584,7 +11048,7 @@
     </p:spTree>
     <p:extLst>
       <p:ext uri="{BB962C8B-B14F-4D97-AF65-F5344CB8AC3E}">
-        <p14:creationId xmlns:p14="http://schemas.microsoft.com/office/powerpoint/2010/main" val="2424321469"/>
+        <p14:creationId xmlns:p14="http://schemas.microsoft.com/office/powerpoint/2010/main" val="2219616932"/>
       </p:ext>
     </p:extLst>
   </p:cSld>
@@ -10702,24 +11166,78 @@
           <a:lstStyle/>
           <a:p>
             <a:r>
-              <a:rPr lang="de-DE" dirty="0" err="1"/>
-              <a:t>document.addEventListener</a:t>
-            </a:r>
-            <a:r>
-              <a:rPr lang="de-DE" dirty="0"/>
-              <a:t>("</a:t>
-            </a:r>
-            <a:r>
-              <a:rPr lang="de-DE" dirty="0" err="1"/>
-              <a:t>keypress</a:t>
-            </a:r>
-            <a:r>
-              <a:rPr lang="de-DE" dirty="0"/>
-              <a:t>", </a:t>
-            </a:r>
-            <a:r>
-              <a:rPr lang="de-DE" dirty="0" err="1"/>
-              <a:t>function</a:t>
+              <a:rPr lang="en-US" dirty="0" err="1"/>
+              <a:t>var</a:t>
+            </a:r>
+            <a:r>
+              <a:rPr lang="en-US" dirty="0"/>
+              <a:t> mediator = {</a:t>
+            </a:r>
+            <a:endParaRPr lang="de-DE" dirty="0"/>
+          </a:p>
+          <a:p>
+            <a:r>
+              <a:rPr lang="en-US" dirty="0"/>
+              <a:t>    </a:t>
+            </a:r>
+            <a:r>
+              <a:rPr lang="en-US" dirty="0" smtClean="0"/>
+              <a:t>update </a:t>
+            </a:r>
+            <a:r>
+              <a:rPr lang="en-US" dirty="0"/>
+              <a:t>: function(value) {</a:t>
+            </a:r>
+            <a:endParaRPr lang="de-DE" dirty="0"/>
+          </a:p>
+          <a:p>
+            <a:r>
+              <a:rPr lang="en-US" dirty="0"/>
+              <a:t>        try {</a:t>
+            </a:r>
+            <a:endParaRPr lang="de-DE" dirty="0"/>
+          </a:p>
+          <a:p>
+            <a:r>
+              <a:rPr lang="en-US" dirty="0"/>
+              <a:t>            </a:t>
+            </a:r>
+            <a:r>
+              <a:rPr lang="en-US" dirty="0" err="1"/>
+              <a:t>moneyModel.update</a:t>
+            </a:r>
+            <a:r>
+              <a:rPr lang="en-US" dirty="0"/>
+              <a:t>(value);</a:t>
+            </a:r>
+            <a:endParaRPr lang="de-DE" dirty="0"/>
+          </a:p>
+          <a:p>
+            <a:r>
+              <a:rPr lang="en-US" dirty="0"/>
+              <a:t>        </a:t>
+            </a:r>
+            <a:r>
+              <a:rPr lang="de-DE" dirty="0"/>
+              <a:t>} catch(</a:t>
+            </a:r>
+            <a:r>
+              <a:rPr lang="de-DE" dirty="0" err="1"/>
+              <a:t>e</a:t>
+            </a:r>
+            <a:r>
+              <a:rPr lang="de-DE" dirty="0"/>
+              <a:t>) {</a:t>
+            </a:r>
+          </a:p>
+          <a:p>
+            <a:r>
+              <a:rPr lang="de-DE" dirty="0"/>
+              <a:t>            </a:t>
+            </a:r>
+            <a:r>
+              <a:rPr lang="de-DE" dirty="0" err="1"/>
+              <a:t>logger.log</a:t>
             </a:r>
             <a:r>
               <a:rPr lang="de-DE" dirty="0"/>
@@ -10727,138 +11245,36 @@
             </a:r>
             <a:r>
               <a:rPr lang="de-DE" dirty="0" err="1"/>
-              <a:t>event</a:t>
-            </a:r>
-            <a:r>
-              <a:rPr lang="de-DE" dirty="0"/>
-              <a:t>, </a:t>
-            </a:r>
-            <a:r>
-              <a:rPr lang="de-DE" dirty="0" err="1"/>
-              <a:t>element</a:t>
-            </a:r>
-            <a:r>
-              <a:rPr lang="de-DE" dirty="0" smtClean="0"/>
-              <a:t>) { </a:t>
+              <a:t>e</a:t>
+            </a:r>
+            <a:r>
+              <a:rPr lang="de-DE" dirty="0"/>
+              <a:t>);</a:t>
+            </a:r>
+          </a:p>
+          <a:p>
+            <a:r>
+              <a:rPr lang="de-DE" dirty="0"/>
+              <a:t>        </a:t>
+            </a:r>
+            <a:r>
+              <a:rPr lang="en-US" dirty="0"/>
+              <a:t>}</a:t>
             </a:r>
             <a:endParaRPr lang="de-DE" dirty="0"/>
           </a:p>
           <a:p>
             <a:r>
-              <a:rPr lang="de-DE" dirty="0" smtClean="0"/>
-              <a:t>		</a:t>
-            </a:r>
-            <a:r>
-              <a:rPr lang="de-DE" dirty="0" err="1" smtClean="0"/>
-              <a:t>event</a:t>
-            </a:r>
-            <a:r>
-              <a:rPr lang="de-DE" dirty="0" smtClean="0"/>
-              <a:t> </a:t>
-            </a:r>
-            <a:r>
-              <a:rPr lang="de-DE" dirty="0"/>
-              <a:t>= </a:t>
-            </a:r>
-            <a:r>
-              <a:rPr lang="de-DE" dirty="0" err="1"/>
-              <a:t>event</a:t>
-            </a:r>
-            <a:r>
-              <a:rPr lang="de-DE" dirty="0"/>
-              <a:t> || </a:t>
-            </a:r>
-            <a:r>
-              <a:rPr lang="de-DE" dirty="0" err="1"/>
-              <a:t>window.event</a:t>
-            </a:r>
-            <a:r>
-              <a:rPr lang="de-DE" dirty="0"/>
-              <a:t>;</a:t>
-            </a:r>
-          </a:p>
-          <a:p>
-            <a:pPr lvl="1"/>
-            <a:r>
-              <a:rPr lang="de-DE" dirty="0" smtClean="0"/>
-              <a:t>	</a:t>
-            </a:r>
-            <a:r>
-              <a:rPr lang="de-DE" dirty="0" err="1" smtClean="0"/>
-              <a:t>var</a:t>
-            </a:r>
-            <a:r>
-              <a:rPr lang="de-DE" dirty="0" smtClean="0"/>
-              <a:t> </a:t>
-            </a:r>
-            <a:r>
-              <a:rPr lang="de-DE" dirty="0" err="1"/>
-              <a:t>character</a:t>
-            </a:r>
-            <a:r>
-              <a:rPr lang="de-DE" dirty="0"/>
-              <a:t> = </a:t>
-            </a:r>
-            <a:r>
-              <a:rPr lang="de-DE" dirty="0" err="1"/>
-              <a:t>event.keyCode</a:t>
-            </a:r>
-            <a:r>
-              <a:rPr lang="de-DE" dirty="0"/>
-              <a:t>;</a:t>
-            </a:r>
-          </a:p>
-          <a:p>
-            <a:r>
-              <a:rPr lang="de-DE" dirty="0" smtClean="0"/>
-              <a:t>		alert</a:t>
-            </a:r>
-            <a:r>
-              <a:rPr lang="de-DE" dirty="0"/>
-              <a:t>("Key " + </a:t>
-            </a:r>
-            <a:r>
-              <a:rPr lang="de-DE" dirty="0" err="1"/>
-              <a:t>String.fromCharCode</a:t>
-            </a:r>
-            <a:r>
-              <a:rPr lang="de-DE" dirty="0"/>
-              <a:t>(</a:t>
-            </a:r>
-            <a:r>
-              <a:rPr lang="de-DE" dirty="0" err="1"/>
-              <a:t>character</a:t>
-            </a:r>
-            <a:r>
-              <a:rPr lang="de-DE" dirty="0"/>
-              <a:t>) + " </a:t>
-            </a:r>
-            <a:r>
-              <a:rPr lang="de-DE" dirty="0" err="1"/>
-              <a:t>pressed</a:t>
-            </a:r>
-            <a:r>
-              <a:rPr lang="de-DE" dirty="0"/>
-              <a:t>“);</a:t>
-            </a:r>
-          </a:p>
-          <a:p>
-            <a:r>
-              <a:rPr lang="de-DE" dirty="0" smtClean="0"/>
-              <a:t>	}</a:t>
-            </a:r>
-            <a:r>
-              <a:rPr lang="de-DE" dirty="0"/>
-              <a:t>, true</a:t>
-            </a:r>
-          </a:p>
-          <a:p>
-            <a:r>
-              <a:rPr lang="de-DE" dirty="0"/>
-              <a:t>);</a:t>
-            </a:r>
-          </a:p>
-          <a:p>
+              <a:rPr lang="en-US" dirty="0"/>
+              <a:t>    }    </a:t>
+            </a:r>
+            <a:endParaRPr lang="de-DE" dirty="0"/>
+          </a:p>
+          <a:p>
+            <a:r>
+              <a:rPr lang="en-US" dirty="0"/>
+              <a:t>}</a:t>
+            </a:r>
             <a:endParaRPr lang="de-DE" dirty="0"/>
           </a:p>
         </p:txBody>
@@ -10880,7 +11296,7 @@
           <a:p>
             <a:r>
               <a:rPr lang="de-DE" dirty="0" smtClean="0"/>
-              <a:t>Observer im Browser</a:t>
+              <a:t>Mediator</a:t>
             </a:r>
             <a:endParaRPr lang="de-DE" dirty="0"/>
           </a:p>
@@ -10889,7 +11305,7 @@
     </p:spTree>
     <p:extLst>
       <p:ext uri="{BB962C8B-B14F-4D97-AF65-F5344CB8AC3E}">
-        <p14:creationId xmlns:p14="http://schemas.microsoft.com/office/powerpoint/2010/main" val="3708544139"/>
+        <p14:creationId xmlns:p14="http://schemas.microsoft.com/office/powerpoint/2010/main" val="2245074397"/>
       </p:ext>
     </p:extLst>
   </p:cSld>
@@ -10936,295 +11352,55 @@
         </p:nvSpPr>
         <p:spPr/>
         <p:txBody>
-          <a:bodyPr>
-            <a:normAutofit fontScale="77500" lnSpcReduction="20000"/>
-          </a:bodyPr>
+          <a:bodyPr/>
           <a:lstStyle/>
           <a:p>
-            <a:r>
-              <a:rPr lang="de-DE" dirty="0" err="1"/>
-              <a:t>var</a:t>
-            </a:r>
-            <a:r>
-              <a:rPr lang="de-DE" dirty="0"/>
-              <a:t> </a:t>
-            </a:r>
-            <a:r>
-              <a:rPr lang="de-DE" dirty="0" err="1"/>
-              <a:t>formElement</a:t>
-            </a:r>
-            <a:r>
-              <a:rPr lang="de-DE" dirty="0"/>
-              <a:t> = {</a:t>
-            </a:r>
-          </a:p>
-          <a:p>
-            <a:r>
-              <a:rPr lang="de-DE" dirty="0"/>
-              <a:t>    </a:t>
-            </a:r>
-            <a:r>
-              <a:rPr lang="de-DE" dirty="0" err="1"/>
-              <a:t>eventListeners</a:t>
-            </a:r>
-            <a:r>
-              <a:rPr lang="de-DE" dirty="0"/>
-              <a:t> : [],</a:t>
-            </a:r>
-          </a:p>
-          <a:p>
-            <a:r>
-              <a:rPr lang="de-DE" dirty="0"/>
-              <a:t>    </a:t>
-            </a:r>
-            <a:r>
-              <a:rPr lang="de-DE" dirty="0" err="1"/>
-              <a:t>value</a:t>
-            </a:r>
-            <a:r>
-              <a:rPr lang="de-DE" dirty="0"/>
-              <a:t> : "",</a:t>
-            </a:r>
-          </a:p>
-          <a:p>
-            <a:r>
-              <a:rPr lang="de-DE" dirty="0"/>
-              <a:t>    </a:t>
-            </a:r>
-            <a:r>
-              <a:rPr lang="de-DE" dirty="0" err="1"/>
-              <a:t>fire</a:t>
-            </a:r>
-            <a:r>
-              <a:rPr lang="de-DE" dirty="0"/>
-              <a:t> : </a:t>
-            </a:r>
-            <a:r>
-              <a:rPr lang="de-DE" dirty="0" err="1"/>
-              <a:t>function</a:t>
-            </a:r>
-            <a:r>
-              <a:rPr lang="de-DE" dirty="0"/>
-              <a:t>(</a:t>
-            </a:r>
-            <a:r>
-              <a:rPr lang="de-DE" dirty="0" err="1"/>
-              <a:t>data</a:t>
-            </a:r>
-            <a:r>
-              <a:rPr lang="de-DE" dirty="0"/>
-              <a:t>) {</a:t>
-            </a:r>
-          </a:p>
-          <a:p>
-            <a:r>
-              <a:rPr lang="de-DE" dirty="0"/>
-              <a:t>        </a:t>
-            </a:r>
-            <a:r>
-              <a:rPr lang="de-DE" dirty="0" err="1"/>
-              <a:t>formElement.value</a:t>
-            </a:r>
-            <a:r>
-              <a:rPr lang="de-DE" dirty="0"/>
-              <a:t> = </a:t>
-            </a:r>
-            <a:r>
-              <a:rPr lang="de-DE" dirty="0" err="1"/>
-              <a:t>data</a:t>
-            </a:r>
-            <a:r>
-              <a:rPr lang="de-DE" dirty="0"/>
-              <a:t>;</a:t>
-            </a:r>
-          </a:p>
-          <a:p>
-            <a:r>
-              <a:rPr lang="de-DE" dirty="0"/>
-              <a:t>        </a:t>
-            </a:r>
-            <a:r>
-              <a:rPr lang="de-DE" dirty="0" err="1"/>
-              <a:t>formElement.visitEventListener</a:t>
-            </a:r>
-            <a:r>
-              <a:rPr lang="de-DE" dirty="0"/>
-              <a:t>(</a:t>
-            </a:r>
-            <a:r>
-              <a:rPr lang="de-DE" dirty="0" err="1"/>
-              <a:t>data</a:t>
-            </a:r>
-            <a:r>
-              <a:rPr lang="de-DE" dirty="0"/>
-              <a:t>);</a:t>
-            </a:r>
-          </a:p>
-          <a:p>
-            <a:r>
-              <a:rPr lang="de-DE" dirty="0"/>
-              <a:t>    },</a:t>
-            </a:r>
-          </a:p>
-          <a:p>
-            <a:r>
-              <a:rPr lang="de-DE" dirty="0"/>
-              <a:t>    </a:t>
-            </a:r>
-            <a:r>
-              <a:rPr lang="de-DE" dirty="0" err="1"/>
-              <a:t>addEventListener</a:t>
-            </a:r>
-            <a:r>
-              <a:rPr lang="de-DE" dirty="0"/>
-              <a:t> : </a:t>
-            </a:r>
-            <a:r>
-              <a:rPr lang="de-DE" dirty="0" err="1"/>
-              <a:t>function</a:t>
-            </a:r>
-            <a:r>
-              <a:rPr lang="de-DE" dirty="0"/>
-              <a:t>(</a:t>
-            </a:r>
-            <a:r>
-              <a:rPr lang="de-DE" dirty="0" err="1"/>
-              <a:t>listener</a:t>
-            </a:r>
-            <a:r>
-              <a:rPr lang="de-DE" dirty="0"/>
-              <a:t>) {</a:t>
-            </a:r>
-          </a:p>
-          <a:p>
-            <a:r>
-              <a:rPr lang="de-DE" dirty="0"/>
-              <a:t>        </a:t>
-            </a:r>
-            <a:r>
-              <a:rPr lang="de-DE" dirty="0" err="1"/>
-              <a:t>formElement.eventListeners.push</a:t>
-            </a:r>
-            <a:r>
-              <a:rPr lang="de-DE" dirty="0"/>
-              <a:t>(</a:t>
-            </a:r>
-            <a:r>
-              <a:rPr lang="de-DE" dirty="0" err="1"/>
-              <a:t>listener</a:t>
-            </a:r>
-            <a:r>
-              <a:rPr lang="de-DE" dirty="0"/>
-              <a:t>);</a:t>
-            </a:r>
-          </a:p>
-          <a:p>
-            <a:r>
-              <a:rPr lang="de-DE" dirty="0"/>
-              <a:t>    },</a:t>
-            </a:r>
-          </a:p>
-          <a:p>
-            <a:r>
-              <a:rPr lang="de-DE" dirty="0"/>
-              <a:t>    </a:t>
-            </a:r>
-            <a:r>
-              <a:rPr lang="de-DE" dirty="0" err="1"/>
-              <a:t>visitEventListener</a:t>
-            </a:r>
-            <a:r>
-              <a:rPr lang="de-DE" dirty="0"/>
-              <a:t> : </a:t>
-            </a:r>
-            <a:r>
-              <a:rPr lang="de-DE" dirty="0" err="1"/>
-              <a:t>function</a:t>
-            </a:r>
-            <a:r>
-              <a:rPr lang="de-DE" dirty="0"/>
-              <a:t>(</a:t>
-            </a:r>
-            <a:r>
-              <a:rPr lang="de-DE" dirty="0" err="1"/>
-              <a:t>data</a:t>
-            </a:r>
-            <a:r>
-              <a:rPr lang="de-DE" dirty="0"/>
-              <a:t>) {</a:t>
-            </a:r>
-          </a:p>
-          <a:p>
-            <a:r>
-              <a:rPr lang="de-DE" dirty="0"/>
-              <a:t>        </a:t>
-            </a:r>
-            <a:r>
-              <a:rPr lang="de-DE" dirty="0" err="1"/>
-              <a:t>for</a:t>
-            </a:r>
-            <a:r>
-              <a:rPr lang="de-DE" dirty="0"/>
-              <a:t>(</a:t>
-            </a:r>
-            <a:r>
-              <a:rPr lang="de-DE" dirty="0" err="1"/>
-              <a:t>var</a:t>
-            </a:r>
-            <a:r>
-              <a:rPr lang="de-DE" dirty="0"/>
-              <a:t> i in </a:t>
-            </a:r>
-            <a:r>
-              <a:rPr lang="de-DE" dirty="0" err="1"/>
-              <a:t>formElement.eventListeners</a:t>
-            </a:r>
-            <a:r>
-              <a:rPr lang="de-DE" dirty="0"/>
-              <a:t>) {</a:t>
-            </a:r>
-          </a:p>
-          <a:p>
-            <a:r>
-              <a:rPr lang="de-DE" dirty="0"/>
-              <a:t>            </a:t>
-            </a:r>
-            <a:r>
-              <a:rPr lang="de-DE" dirty="0" err="1"/>
-              <a:t>formElement.eventListeners</a:t>
-            </a:r>
-            <a:r>
-              <a:rPr lang="de-DE" dirty="0"/>
-              <a:t>[i](</a:t>
-            </a:r>
-            <a:r>
-              <a:rPr lang="de-DE" dirty="0" err="1"/>
-              <a:t>data</a:t>
-            </a:r>
-            <a:r>
-              <a:rPr lang="de-DE" dirty="0"/>
+            <a:pPr marL="0" indent="0">
+              <a:buNone/>
+            </a:pPr>
+            <a:r>
+              <a:rPr lang="de-DE" dirty="0" smtClean="0"/>
+              <a:t>Auch bekannt als </a:t>
+            </a:r>
+            <a:r>
+              <a:rPr lang="de-DE" dirty="0" err="1" smtClean="0"/>
+              <a:t>Publish</a:t>
+            </a:r>
+            <a:r>
+              <a:rPr lang="de-DE" dirty="0" smtClean="0"/>
+              <a:t>/</a:t>
+            </a:r>
+            <a:r>
+              <a:rPr lang="de-DE" dirty="0" err="1" smtClean="0"/>
+              <a:t>Subscribe</a:t>
+            </a:r>
+            <a:endParaRPr lang="de-DE" dirty="0" smtClean="0"/>
+          </a:p>
+          <a:p>
+            <a:pPr marL="0" indent="0">
+              <a:buNone/>
+            </a:pPr>
+            <a:r>
+              <a:rPr lang="de-DE" dirty="0" smtClean="0"/>
+              <a:t>Wir im Browser verwendet (</a:t>
+            </a:r>
+            <a:r>
+              <a:rPr lang="de-DE" dirty="0" err="1" smtClean="0"/>
+              <a:t>onclick</a:t>
+            </a:r>
+            <a:r>
+              <a:rPr lang="de-DE" dirty="0" smtClean="0"/>
               <a:t>)</a:t>
             </a:r>
           </a:p>
           <a:p>
-            <a:r>
-              <a:rPr lang="de-DE" dirty="0"/>
-              <a:t>        }</a:t>
-            </a:r>
-          </a:p>
-          <a:p>
-            <a:r>
-              <a:rPr lang="de-DE" dirty="0"/>
-              <a:t>    }</a:t>
-            </a:r>
-          </a:p>
-          <a:p>
-            <a:r>
-              <a:rPr lang="de-DE" dirty="0"/>
-              <a:t>};</a:t>
-            </a:r>
-          </a:p>
-          <a:p>
+            <a:pPr marL="0" indent="0">
+              <a:buNone/>
+            </a:pPr>
+            <a:r>
+              <a:rPr lang="de-DE" dirty="0" smtClean="0"/>
+              <a:t>Publisher informieren Subscriber über Ereignisse</a:t>
+            </a:r>
             <a:endParaRPr lang="de-DE" dirty="0"/>
           </a:p>
         </p:txBody>
@@ -11255,7 +11431,7 @@
     </p:spTree>
     <p:extLst>
       <p:ext uri="{BB962C8B-B14F-4D97-AF65-F5344CB8AC3E}">
-        <p14:creationId xmlns:p14="http://schemas.microsoft.com/office/powerpoint/2010/main" val="72213442"/>
+        <p14:creationId xmlns:p14="http://schemas.microsoft.com/office/powerpoint/2010/main" val="2424321469"/>
       </p:ext>
     </p:extLst>
   </p:cSld>
@@ -11302,118 +11478,79 @@
         </p:nvSpPr>
         <p:spPr/>
         <p:txBody>
-          <a:bodyPr>
-            <a:normAutofit fontScale="77500" lnSpcReduction="20000"/>
-          </a:bodyPr>
+          <a:bodyPr/>
           <a:lstStyle/>
           <a:p>
             <a:r>
               <a:rPr lang="de-DE" dirty="0" err="1"/>
-              <a:t>var</a:t>
-            </a:r>
-            <a:r>
-              <a:rPr lang="de-DE" dirty="0"/>
+              <a:t>document.addEventListener</a:t>
+            </a:r>
+            <a:r>
+              <a:rPr lang="de-DE" dirty="0"/>
+              <a:t>("</a:t>
+            </a:r>
+            <a:r>
+              <a:rPr lang="de-DE" dirty="0" err="1"/>
+              <a:t>keypress</a:t>
+            </a:r>
+            <a:r>
+              <a:rPr lang="de-DE" dirty="0"/>
+              <a:t>", </a:t>
+            </a:r>
+            <a:r>
+              <a:rPr lang="de-DE" dirty="0" err="1"/>
+              <a:t>function</a:t>
+            </a:r>
+            <a:r>
+              <a:rPr lang="de-DE" dirty="0"/>
+              <a:t>(</a:t>
+            </a:r>
+            <a:r>
+              <a:rPr lang="de-DE" dirty="0" err="1"/>
+              <a:t>event</a:t>
+            </a:r>
+            <a:r>
+              <a:rPr lang="de-DE" dirty="0"/>
+              <a:t>, </a:t>
+            </a:r>
+            <a:r>
+              <a:rPr lang="de-DE" dirty="0" err="1"/>
+              <a:t>element</a:t>
+            </a:r>
+            <a:r>
+              <a:rPr lang="de-DE" dirty="0" smtClean="0"/>
+              <a:t>) { </a:t>
+            </a:r>
+            <a:endParaRPr lang="de-DE" dirty="0"/>
+          </a:p>
+          <a:p>
+            <a:r>
+              <a:rPr lang="de-DE" dirty="0" smtClean="0"/>
+              <a:t>		</a:t>
+            </a:r>
+            <a:r>
+              <a:rPr lang="de-DE" dirty="0" err="1" smtClean="0"/>
+              <a:t>event</a:t>
+            </a:r>
+            <a:r>
+              <a:rPr lang="de-DE" dirty="0" smtClean="0"/>
               <a:t> </a:t>
             </a:r>
             <a:r>
-              <a:rPr lang="de-DE" dirty="0" err="1"/>
-              <a:t>moneyModel</a:t>
-            </a:r>
-            <a:r>
-              <a:rPr lang="de-DE" dirty="0"/>
-              <a:t> = {</a:t>
-            </a:r>
-          </a:p>
-          <a:p>
-            <a:r>
-              <a:rPr lang="de-DE" dirty="0"/>
-              <a:t>    </a:t>
-            </a:r>
-            <a:r>
-              <a:rPr lang="de-DE" dirty="0" err="1"/>
-              <a:t>ammount</a:t>
-            </a:r>
-            <a:r>
-              <a:rPr lang="de-DE" dirty="0"/>
-              <a:t> : 0,</a:t>
-            </a:r>
-          </a:p>
-          <a:p>
-            <a:r>
-              <a:rPr lang="de-DE" dirty="0"/>
-              <a:t>    update : </a:t>
-            </a:r>
-            <a:r>
-              <a:rPr lang="de-DE" dirty="0" err="1"/>
-              <a:t>function</a:t>
-            </a:r>
-            <a:r>
-              <a:rPr lang="de-DE" dirty="0"/>
-              <a:t>(</a:t>
-            </a:r>
-            <a:r>
-              <a:rPr lang="de-DE" dirty="0" err="1"/>
-              <a:t>data</a:t>
-            </a:r>
-            <a:r>
-              <a:rPr lang="de-DE" dirty="0"/>
-              <a:t>) {</a:t>
-            </a:r>
-          </a:p>
-          <a:p>
-            <a:r>
-              <a:rPr lang="de-DE" dirty="0"/>
-              <a:t>        </a:t>
-            </a:r>
-            <a:r>
-              <a:rPr lang="de-DE" dirty="0" err="1"/>
-              <a:t>if</a:t>
-            </a:r>
-            <a:r>
-              <a:rPr lang="de-DE" dirty="0"/>
-              <a:t> (</a:t>
-            </a:r>
-            <a:r>
-              <a:rPr lang="de-DE" dirty="0" err="1"/>
-              <a:t>typeof</a:t>
-            </a:r>
-            <a:r>
-              <a:rPr lang="de-DE" dirty="0"/>
-              <a:t> </a:t>
-            </a:r>
-            <a:r>
-              <a:rPr lang="de-DE" dirty="0" err="1"/>
-              <a:t>data</a:t>
-            </a:r>
-            <a:r>
-              <a:rPr lang="de-DE" dirty="0"/>
-              <a:t> === "</a:t>
-            </a:r>
-            <a:r>
-              <a:rPr lang="de-DE" dirty="0" err="1"/>
-              <a:t>number</a:t>
-            </a:r>
-            <a:r>
-              <a:rPr lang="de-DE" dirty="0"/>
-              <a:t>") {</a:t>
-            </a:r>
-          </a:p>
-          <a:p>
-            <a:r>
-              <a:rPr lang="de-DE" dirty="0"/>
-              <a:t>            </a:t>
-            </a:r>
-            <a:r>
-              <a:rPr lang="de-DE" dirty="0" err="1"/>
-              <a:t>moneyModel.ammount</a:t>
-            </a:r>
-            <a:r>
-              <a:rPr lang="de-DE" dirty="0"/>
-              <a:t> = </a:t>
-            </a:r>
-            <a:r>
-              <a:rPr lang="de-DE" dirty="0" err="1"/>
-              <a:t>formElement.value</a:t>
+              <a:rPr lang="de-DE" dirty="0"/>
+              <a:t>= </a:t>
+            </a:r>
+            <a:r>
+              <a:rPr lang="de-DE" dirty="0" err="1"/>
+              <a:t>event</a:t>
+            </a:r>
+            <a:r>
+              <a:rPr lang="de-DE" dirty="0"/>
+              <a:t> || </a:t>
+            </a:r>
+            <a:r>
+              <a:rPr lang="de-DE" dirty="0" err="1"/>
+              <a:t>window.event</a:t>
             </a:r>
             <a:r>
               <a:rPr lang="de-DE" dirty="0"/>
@@ -11421,24 +11558,11 @@
             </a:r>
           </a:p>
           <a:p>
-            <a:r>
-              <a:rPr lang="de-DE" dirty="0"/>
-              <a:t>        } </a:t>
-            </a:r>
-          </a:p>
-          <a:p>
-            <a:r>
-              <a:rPr lang="de-DE" dirty="0"/>
-              <a:t>    }</a:t>
-            </a:r>
-          </a:p>
-          <a:p>
-            <a:r>
-              <a:rPr lang="de-DE" dirty="0"/>
-              <a:t>}</a:t>
-            </a:r>
-          </a:p>
-          <a:p>
+            <a:pPr lvl="1"/>
+            <a:r>
+              <a:rPr lang="de-DE" dirty="0" smtClean="0"/>
+              <a:t>	</a:t>
+            </a:r>
             <a:r>
               <a:rPr lang="de-DE" dirty="0" err="1" smtClean="0"/>
               <a:t>var</a:t>
@@ -11449,35 +11573,33 @@
             </a:r>
             <a:r>
               <a:rPr lang="de-DE" dirty="0" err="1"/>
-              <a:t>logger</a:t>
-            </a:r>
-            <a:r>
-              <a:rPr lang="de-DE" dirty="0"/>
-              <a:t> = {</a:t>
-            </a:r>
-          </a:p>
-          <a:p>
-            <a:r>
-              <a:rPr lang="de-DE" dirty="0"/>
-              <a:t>    </a:t>
-            </a:r>
-            <a:r>
-              <a:rPr lang="de-DE" dirty="0" err="1"/>
-              <a:t>messages</a:t>
-            </a:r>
-            <a:r>
-              <a:rPr lang="de-DE" dirty="0"/>
-              <a:t> : [],</a:t>
-            </a:r>
-          </a:p>
-          <a:p>
-            <a:r>
-              <a:rPr lang="de-DE" dirty="0"/>
-              <a:t>    log : </a:t>
-            </a:r>
-            <a:r>
-              <a:rPr lang="de-DE" dirty="0" err="1"/>
-              <a:t>function</a:t>
+              <a:t>character</a:t>
+            </a:r>
+            <a:r>
+              <a:rPr lang="de-DE" dirty="0"/>
+              <a:t> = </a:t>
+            </a:r>
+            <a:r>
+              <a:rPr lang="de-DE" dirty="0" err="1"/>
+              <a:t>event.keyCode</a:t>
+            </a:r>
+            <a:r>
+              <a:rPr lang="de-DE" dirty="0"/>
+              <a:t>;</a:t>
+            </a:r>
+          </a:p>
+          <a:p>
+            <a:r>
+              <a:rPr lang="de-DE" dirty="0" smtClean="0"/>
+              <a:t>		alert</a:t>
+            </a:r>
+            <a:r>
+              <a:rPr lang="de-DE" dirty="0"/>
+              <a:t>("Key " + </a:t>
+            </a:r>
+            <a:r>
+              <a:rPr lang="de-DE" dirty="0" err="1"/>
+              <a:t>String.fromCharCode</a:t>
             </a:r>
             <a:r>
               <a:rPr lang="de-DE" dirty="0"/>
@@ -11485,78 +11607,32 @@
             </a:r>
             <a:r>
               <a:rPr lang="de-DE" dirty="0" err="1"/>
-              <a:t>message</a:t>
-            </a:r>
-            <a:r>
-              <a:rPr lang="de-DE" dirty="0"/>
-              <a:t>) {</a:t>
-            </a:r>
-          </a:p>
-          <a:p>
-            <a:r>
-              <a:rPr lang="de-DE" dirty="0"/>
-              <a:t>        </a:t>
-            </a:r>
-            <a:r>
-              <a:rPr lang="de-DE" dirty="0" err="1"/>
-              <a:t>logger.messages.push</a:t>
-            </a:r>
-            <a:r>
-              <a:rPr lang="de-DE" dirty="0"/>
-              <a:t>(</a:t>
-            </a:r>
-            <a:r>
-              <a:rPr lang="de-DE" dirty="0" err="1"/>
-              <a:t>message</a:t>
-            </a:r>
-            <a:r>
-              <a:rPr lang="de-DE" dirty="0"/>
-              <a:t>);</a:t>
-            </a:r>
-          </a:p>
-          <a:p>
-            <a:r>
-              <a:rPr lang="de-DE" dirty="0"/>
-              <a:t>    }</a:t>
-            </a:r>
-          </a:p>
-          <a:p>
-            <a:r>
-              <a:rPr lang="de-DE" dirty="0"/>
-              <a:t>}</a:t>
-            </a:r>
-          </a:p>
-          <a:p>
-            <a:r>
-              <a:rPr lang="de-DE" dirty="0" err="1" smtClean="0"/>
-              <a:t>formElement.addEventListener</a:t>
-            </a:r>
-            <a:r>
-              <a:rPr lang="de-DE" dirty="0"/>
-              <a:t>(</a:t>
-            </a:r>
-            <a:r>
-              <a:rPr lang="de-DE" dirty="0" err="1"/>
-              <a:t>moneyModel.update</a:t>
-            </a:r>
-            <a:r>
-              <a:rPr lang="de-DE" dirty="0"/>
-              <a:t>);</a:t>
-            </a:r>
-          </a:p>
-          <a:p>
-            <a:r>
-              <a:rPr lang="de-DE" dirty="0" err="1"/>
-              <a:t>formElement.addEventListener</a:t>
-            </a:r>
-            <a:r>
-              <a:rPr lang="de-DE" dirty="0"/>
-              <a:t>(</a:t>
-            </a:r>
-            <a:r>
-              <a:rPr lang="de-DE" dirty="0" err="1"/>
-              <a:t>logger.log</a:t>
-            </a:r>
+              <a:t>character</a:t>
+            </a:r>
+            <a:r>
+              <a:rPr lang="de-DE" dirty="0"/>
+              <a:t>) + " </a:t>
+            </a:r>
+            <a:r>
+              <a:rPr lang="de-DE" dirty="0" err="1"/>
+              <a:t>pressed</a:t>
+            </a:r>
+            <a:r>
+              <a:rPr lang="de-DE" dirty="0"/>
+              <a:t>“);</a:t>
+            </a:r>
+          </a:p>
+          <a:p>
+            <a:r>
+              <a:rPr lang="de-DE" dirty="0" smtClean="0"/>
+              <a:t>	}</a:t>
+            </a:r>
+            <a:r>
+              <a:rPr lang="de-DE" dirty="0"/>
+              <a:t>, true</a:t>
+            </a:r>
+          </a:p>
+          <a:p>
             <a:r>
               <a:rPr lang="de-DE" dirty="0"/>
               <a:t>);</a:t>
@@ -11584,7 +11660,7 @@
           <a:p>
             <a:r>
               <a:rPr lang="de-DE" dirty="0" smtClean="0"/>
-              <a:t>Observer</a:t>
+              <a:t>Observer im Browser</a:t>
             </a:r>
             <a:endParaRPr lang="de-DE" dirty="0"/>
           </a:p>
@@ -11593,7 +11669,7 @@
     </p:spTree>
     <p:extLst>
       <p:ext uri="{BB962C8B-B14F-4D97-AF65-F5344CB8AC3E}">
-        <p14:creationId xmlns:p14="http://schemas.microsoft.com/office/powerpoint/2010/main" val="1570624604"/>
+        <p14:creationId xmlns:p14="http://schemas.microsoft.com/office/powerpoint/2010/main" val="3708544139"/>
       </p:ext>
     </p:extLst>
   </p:cSld>
@@ -11640,47 +11716,292 @@
         </p:nvSpPr>
         <p:spPr/>
         <p:txBody>
-          <a:bodyPr/>
+          <a:bodyPr>
+            <a:normAutofit fontScale="47500" lnSpcReduction="20000"/>
+          </a:bodyPr>
           <a:lstStyle/>
           <a:p>
             <a:r>
               <a:rPr lang="de-DE" dirty="0" err="1"/>
-              <a:t>formElement.fire</a:t>
-            </a:r>
-            <a:r>
-              <a:rPr lang="de-DE" dirty="0"/>
-              <a:t>(5);</a:t>
-            </a:r>
-          </a:p>
-          <a:p>
-            <a:endParaRPr lang="de-DE" dirty="0"/>
-          </a:p>
-          <a:p>
-            <a:r>
-              <a:rPr lang="de-DE" dirty="0" err="1" smtClean="0"/>
-              <a:t>moneyModel.ammount</a:t>
-            </a:r>
-            <a:r>
-              <a:rPr lang="de-DE" dirty="0" smtClean="0"/>
-              <a:t>; </a:t>
-            </a:r>
-            <a:r>
-              <a:rPr lang="de-DE" dirty="0"/>
-              <a:t>// 5</a:t>
-            </a:r>
-          </a:p>
-          <a:p>
-            <a:r>
-              <a:rPr lang="de-DE" dirty="0" err="1" smtClean="0"/>
-              <a:t>log.messages</a:t>
-            </a:r>
-            <a:r>
-              <a:rPr lang="de-DE" dirty="0" smtClean="0"/>
-              <a:t>; </a:t>
-            </a:r>
-            <a:r>
-              <a:rPr lang="de-DE" dirty="0"/>
-              <a:t>// 5</a:t>
+              <a:t>var</a:t>
+            </a:r>
+            <a:r>
+              <a:rPr lang="de-DE" dirty="0"/>
+              <a:t> </a:t>
+            </a:r>
+            <a:r>
+              <a:rPr lang="de-DE" dirty="0" err="1"/>
+              <a:t>formElement</a:t>
+            </a:r>
+            <a:r>
+              <a:rPr lang="de-DE" dirty="0"/>
+              <a:t> = {</a:t>
+            </a:r>
+          </a:p>
+          <a:p>
+            <a:r>
+              <a:rPr lang="de-DE" dirty="0"/>
+              <a:t>    </a:t>
+            </a:r>
+            <a:r>
+              <a:rPr lang="de-DE" dirty="0" err="1"/>
+              <a:t>eventListeners</a:t>
+            </a:r>
+            <a:r>
+              <a:rPr lang="de-DE" dirty="0"/>
+              <a:t> : [],</a:t>
+            </a:r>
+          </a:p>
+          <a:p>
+            <a:r>
+              <a:rPr lang="de-DE" dirty="0"/>
+              <a:t>    </a:t>
+            </a:r>
+            <a:r>
+              <a:rPr lang="de-DE" dirty="0" err="1"/>
+              <a:t>value</a:t>
+            </a:r>
+            <a:r>
+              <a:rPr lang="de-DE" dirty="0"/>
+              <a:t> : "",</a:t>
+            </a:r>
+          </a:p>
+          <a:p>
+            <a:r>
+              <a:rPr lang="de-DE" dirty="0"/>
+              <a:t>    </a:t>
+            </a:r>
+            <a:r>
+              <a:rPr lang="de-DE" dirty="0" err="1"/>
+              <a:t>fire</a:t>
+            </a:r>
+            <a:r>
+              <a:rPr lang="de-DE" dirty="0"/>
+              <a:t> : </a:t>
+            </a:r>
+            <a:r>
+              <a:rPr lang="de-DE" dirty="0" err="1"/>
+              <a:t>function</a:t>
+            </a:r>
+            <a:r>
+              <a:rPr lang="de-DE" dirty="0"/>
+              <a:t>(</a:t>
+            </a:r>
+            <a:r>
+              <a:rPr lang="de-DE" dirty="0" err="1"/>
+              <a:t>data</a:t>
+            </a:r>
+            <a:r>
+              <a:rPr lang="de-DE" dirty="0"/>
+              <a:t>) {</a:t>
+            </a:r>
+          </a:p>
+          <a:p>
+            <a:r>
+              <a:rPr lang="de-DE" dirty="0"/>
+              <a:t>        </a:t>
+            </a:r>
+            <a:r>
+              <a:rPr lang="de-DE" dirty="0" err="1"/>
+              <a:t>formElement.value</a:t>
+            </a:r>
+            <a:r>
+              <a:rPr lang="de-DE" dirty="0"/>
+              <a:t> = </a:t>
+            </a:r>
+            <a:r>
+              <a:rPr lang="de-DE" dirty="0" err="1"/>
+              <a:t>data</a:t>
+            </a:r>
+            <a:r>
+              <a:rPr lang="de-DE" dirty="0"/>
+              <a:t>;</a:t>
+            </a:r>
+          </a:p>
+          <a:p>
+            <a:r>
+              <a:rPr lang="de-DE" dirty="0"/>
+              <a:t>        </a:t>
+            </a:r>
+            <a:r>
+              <a:rPr lang="de-DE" dirty="0" err="1"/>
+              <a:t>formElement.visitEventListener</a:t>
+            </a:r>
+            <a:r>
+              <a:rPr lang="de-DE" dirty="0"/>
+              <a:t>(</a:t>
+            </a:r>
+            <a:r>
+              <a:rPr lang="de-DE" dirty="0" err="1"/>
+              <a:t>data</a:t>
+            </a:r>
+            <a:r>
+              <a:rPr lang="de-DE" dirty="0"/>
+              <a:t>);</a:t>
+            </a:r>
+          </a:p>
+          <a:p>
+            <a:r>
+              <a:rPr lang="de-DE" dirty="0"/>
+              <a:t>    },</a:t>
+            </a:r>
+          </a:p>
+          <a:p>
+            <a:r>
+              <a:rPr lang="de-DE" dirty="0"/>
+              <a:t>    </a:t>
+            </a:r>
+            <a:r>
+              <a:rPr lang="de-DE" dirty="0" err="1"/>
+              <a:t>addEventListener</a:t>
+            </a:r>
+            <a:r>
+              <a:rPr lang="de-DE" dirty="0"/>
+              <a:t> : </a:t>
+            </a:r>
+            <a:r>
+              <a:rPr lang="de-DE" dirty="0" err="1"/>
+              <a:t>function</a:t>
+            </a:r>
+            <a:r>
+              <a:rPr lang="de-DE" dirty="0"/>
+              <a:t>(</a:t>
+            </a:r>
+            <a:r>
+              <a:rPr lang="de-DE" dirty="0" err="1"/>
+              <a:t>listener</a:t>
+            </a:r>
+            <a:r>
+              <a:rPr lang="de-DE" dirty="0"/>
+              <a:t>) {</a:t>
+            </a:r>
+          </a:p>
+          <a:p>
+            <a:r>
+              <a:rPr lang="de-DE" dirty="0"/>
+              <a:t>        </a:t>
+            </a:r>
+            <a:r>
+              <a:rPr lang="de-DE" dirty="0" err="1"/>
+              <a:t>formElement.eventListeners.push</a:t>
+            </a:r>
+            <a:r>
+              <a:rPr lang="de-DE" dirty="0"/>
+              <a:t>(</a:t>
+            </a:r>
+            <a:r>
+              <a:rPr lang="de-DE" dirty="0" err="1"/>
+              <a:t>listener</a:t>
+            </a:r>
+            <a:r>
+              <a:rPr lang="de-DE" dirty="0"/>
+              <a:t>);</a:t>
+            </a:r>
+          </a:p>
+          <a:p>
+            <a:r>
+              <a:rPr lang="de-DE" dirty="0"/>
+              <a:t>    },</a:t>
+            </a:r>
+          </a:p>
+          <a:p>
+            <a:r>
+              <a:rPr lang="de-DE" dirty="0"/>
+              <a:t>    </a:t>
+            </a:r>
+            <a:r>
+              <a:rPr lang="de-DE" dirty="0" err="1"/>
+              <a:t>visitEventListener</a:t>
+            </a:r>
+            <a:r>
+              <a:rPr lang="de-DE" dirty="0"/>
+              <a:t> : </a:t>
+            </a:r>
+            <a:r>
+              <a:rPr lang="de-DE" dirty="0" err="1"/>
+              <a:t>function</a:t>
+            </a:r>
+            <a:r>
+              <a:rPr lang="de-DE" dirty="0"/>
+              <a:t>(</a:t>
+            </a:r>
+            <a:r>
+              <a:rPr lang="de-DE" dirty="0" err="1"/>
+              <a:t>data</a:t>
+            </a:r>
+            <a:r>
+              <a:rPr lang="de-DE" dirty="0"/>
+              <a:t>) {</a:t>
+            </a:r>
+          </a:p>
+          <a:p>
+            <a:r>
+              <a:rPr lang="de-DE" dirty="0"/>
+              <a:t>        </a:t>
+            </a:r>
+            <a:r>
+              <a:rPr lang="de-DE" dirty="0" err="1"/>
+              <a:t>for</a:t>
+            </a:r>
+            <a:r>
+              <a:rPr lang="de-DE" dirty="0"/>
+              <a:t>(</a:t>
+            </a:r>
+            <a:r>
+              <a:rPr lang="de-DE" dirty="0" err="1"/>
+              <a:t>var</a:t>
+            </a:r>
+            <a:r>
+              <a:rPr lang="de-DE" dirty="0"/>
+              <a:t> i in </a:t>
+            </a:r>
+            <a:r>
+              <a:rPr lang="de-DE" dirty="0" err="1"/>
+              <a:t>formElement.eventListeners</a:t>
+            </a:r>
+            <a:r>
+              <a:rPr lang="de-DE" dirty="0"/>
+              <a:t>) {</a:t>
+            </a:r>
+          </a:p>
+          <a:p>
+            <a:r>
+              <a:rPr lang="de-DE" dirty="0"/>
+              <a:t>            </a:t>
+            </a:r>
+            <a:r>
+              <a:rPr lang="de-DE" dirty="0" err="1"/>
+              <a:t>formElement.eventListeners</a:t>
+            </a:r>
+            <a:r>
+              <a:rPr lang="de-DE" dirty="0"/>
+              <a:t>[i](</a:t>
+            </a:r>
+            <a:r>
+              <a:rPr lang="de-DE" dirty="0" err="1"/>
+              <a:t>data</a:t>
+            </a:r>
+            <a:r>
+              <a:rPr lang="de-DE" dirty="0"/>
+              <a:t>)</a:t>
+            </a:r>
+          </a:p>
+          <a:p>
+            <a:r>
+              <a:rPr lang="de-DE" dirty="0"/>
+              <a:t>        }</a:t>
+            </a:r>
+          </a:p>
+          <a:p>
+            <a:r>
+              <a:rPr lang="de-DE" dirty="0"/>
+              <a:t>    }</a:t>
+            </a:r>
+          </a:p>
+          <a:p>
+            <a:r>
+              <a:rPr lang="de-DE" dirty="0"/>
+              <a:t>};</a:t>
             </a:r>
           </a:p>
           <a:p>
@@ -11714,7 +12035,7 @@
     </p:spTree>
     <p:extLst>
       <p:ext uri="{BB962C8B-B14F-4D97-AF65-F5344CB8AC3E}">
-        <p14:creationId xmlns:p14="http://schemas.microsoft.com/office/powerpoint/2010/main" val="1768661324"/>
+        <p14:creationId xmlns:p14="http://schemas.microsoft.com/office/powerpoint/2010/main" val="72213442"/>
       </p:ext>
     </p:extLst>
   </p:cSld>
@@ -11761,73 +12082,268 @@
         </p:nvSpPr>
         <p:spPr/>
         <p:txBody>
-          <a:bodyPr/>
+          <a:bodyPr>
+            <a:normAutofit fontScale="47500" lnSpcReduction="20000"/>
+          </a:bodyPr>
           <a:lstStyle/>
           <a:p>
-            <a:pPr marL="0" indent="0">
-              <a:buNone/>
-            </a:pPr>
-            <a:r>
-              <a:rPr lang="de-DE" dirty="0" smtClean="0"/>
-              <a:t>ein Template definiert Methoden</a:t>
-            </a:r>
-          </a:p>
-          <a:p>
-            <a:pPr marL="0" indent="0">
-              <a:buNone/>
-            </a:pPr>
-            <a:r>
-              <a:rPr lang="de-DE" dirty="0"/>
-              <a:t>stellt das Gerüst für konkrete Implementierungen </a:t>
-            </a:r>
-            <a:r>
-              <a:rPr lang="de-DE" dirty="0" smtClean="0"/>
-              <a:t>bereit</a:t>
-            </a:r>
-          </a:p>
-          <a:p>
-            <a:pPr marL="0" indent="0">
-              <a:buNone/>
-            </a:pPr>
-            <a:r>
-              <a:rPr lang="de-DE" dirty="0"/>
-              <a:t>abgeleiteten Objekt </a:t>
-            </a:r>
-            <a:r>
-              <a:rPr lang="de-DE" dirty="0" smtClean="0"/>
-              <a:t>überschreiben einzelne Methoden</a:t>
-            </a:r>
-          </a:p>
-          <a:p>
-            <a:pPr marL="0" indent="0">
-              <a:buNone/>
-            </a:pPr>
-            <a:r>
-              <a:rPr lang="de-DE" dirty="0"/>
-              <a:t>Inversion-</a:t>
-            </a:r>
-            <a:r>
-              <a:rPr lang="de-DE" dirty="0" err="1"/>
-              <a:t>of</a:t>
-            </a:r>
-            <a:r>
-              <a:rPr lang="de-DE" dirty="0"/>
-              <a:t>-</a:t>
-            </a:r>
-            <a:r>
-              <a:rPr lang="de-DE" dirty="0" err="1"/>
-              <a:t>Control</a:t>
-            </a:r>
-            <a:endParaRPr lang="de-DE" dirty="0" smtClean="0"/>
-          </a:p>
-          <a:p>
-            <a:pPr marL="0" indent="0">
-              <a:buNone/>
-            </a:pPr>
-            <a:r>
-              <a:rPr lang="de-DE" dirty="0"/>
-              <a:t>Entwurf von Darstellungskomponenten</a:t>
-            </a:r>
+            <a:r>
+              <a:rPr lang="de-DE" dirty="0" err="1"/>
+              <a:t>var</a:t>
+            </a:r>
+            <a:r>
+              <a:rPr lang="de-DE" dirty="0"/>
+              <a:t> </a:t>
+            </a:r>
+            <a:r>
+              <a:rPr lang="de-DE" dirty="0" err="1"/>
+              <a:t>moneyModel</a:t>
+            </a:r>
+            <a:r>
+              <a:rPr lang="de-DE" dirty="0"/>
+              <a:t> = {</a:t>
+            </a:r>
+          </a:p>
+          <a:p>
+            <a:r>
+              <a:rPr lang="de-DE" dirty="0"/>
+              <a:t>    </a:t>
+            </a:r>
+            <a:r>
+              <a:rPr lang="de-DE" dirty="0" err="1"/>
+              <a:t>ammount</a:t>
+            </a:r>
+            <a:r>
+              <a:rPr lang="de-DE" dirty="0"/>
+              <a:t> : 0,</a:t>
+            </a:r>
+          </a:p>
+          <a:p>
+            <a:r>
+              <a:rPr lang="de-DE" dirty="0"/>
+              <a:t>    update : </a:t>
+            </a:r>
+            <a:r>
+              <a:rPr lang="de-DE" dirty="0" err="1"/>
+              <a:t>function</a:t>
+            </a:r>
+            <a:r>
+              <a:rPr lang="de-DE" dirty="0"/>
+              <a:t>(</a:t>
+            </a:r>
+            <a:r>
+              <a:rPr lang="de-DE" dirty="0" err="1"/>
+              <a:t>data</a:t>
+            </a:r>
+            <a:r>
+              <a:rPr lang="de-DE" dirty="0"/>
+              <a:t>) {</a:t>
+            </a:r>
+          </a:p>
+          <a:p>
+            <a:r>
+              <a:rPr lang="de-DE" dirty="0"/>
+              <a:t>        </a:t>
+            </a:r>
+            <a:r>
+              <a:rPr lang="de-DE" dirty="0" err="1"/>
+              <a:t>if</a:t>
+            </a:r>
+            <a:r>
+              <a:rPr lang="de-DE" dirty="0"/>
+              <a:t> (</a:t>
+            </a:r>
+            <a:r>
+              <a:rPr lang="de-DE" dirty="0" err="1"/>
+              <a:t>typeof</a:t>
+            </a:r>
+            <a:r>
+              <a:rPr lang="de-DE" dirty="0"/>
+              <a:t> </a:t>
+            </a:r>
+            <a:r>
+              <a:rPr lang="de-DE" dirty="0" err="1"/>
+              <a:t>data</a:t>
+            </a:r>
+            <a:r>
+              <a:rPr lang="de-DE" dirty="0"/>
+              <a:t> === "</a:t>
+            </a:r>
+            <a:r>
+              <a:rPr lang="de-DE" dirty="0" err="1"/>
+              <a:t>number</a:t>
+            </a:r>
+            <a:r>
+              <a:rPr lang="de-DE" dirty="0"/>
+              <a:t>") {</a:t>
+            </a:r>
+          </a:p>
+          <a:p>
+            <a:r>
+              <a:rPr lang="de-DE" dirty="0"/>
+              <a:t>            </a:t>
+            </a:r>
+            <a:r>
+              <a:rPr lang="de-DE" dirty="0" err="1"/>
+              <a:t>moneyModel.ammount</a:t>
+            </a:r>
+            <a:r>
+              <a:rPr lang="de-DE" dirty="0"/>
+              <a:t> = </a:t>
+            </a:r>
+            <a:r>
+              <a:rPr lang="de-DE" dirty="0" err="1"/>
+              <a:t>formElement.value</a:t>
+            </a:r>
+            <a:r>
+              <a:rPr lang="de-DE" dirty="0"/>
+              <a:t>;</a:t>
+            </a:r>
+          </a:p>
+          <a:p>
+            <a:r>
+              <a:rPr lang="de-DE" dirty="0"/>
+              <a:t>        } </a:t>
+            </a:r>
+          </a:p>
+          <a:p>
+            <a:r>
+              <a:rPr lang="de-DE" dirty="0"/>
+              <a:t>    }</a:t>
+            </a:r>
+          </a:p>
+          <a:p>
+            <a:r>
+              <a:rPr lang="de-DE" dirty="0"/>
+              <a:t>}</a:t>
+            </a:r>
+          </a:p>
+          <a:p>
+            <a:r>
+              <a:rPr lang="de-DE" dirty="0" err="1" smtClean="0"/>
+              <a:t>var</a:t>
+            </a:r>
+            <a:r>
+              <a:rPr lang="de-DE" dirty="0" smtClean="0"/>
+              <a:t> </a:t>
+            </a:r>
+            <a:r>
+              <a:rPr lang="de-DE" dirty="0" err="1"/>
+              <a:t>logger</a:t>
+            </a:r>
+            <a:r>
+              <a:rPr lang="de-DE" dirty="0"/>
+              <a:t> = {</a:t>
+            </a:r>
+          </a:p>
+          <a:p>
+            <a:r>
+              <a:rPr lang="de-DE" dirty="0"/>
+              <a:t>    </a:t>
+            </a:r>
+            <a:r>
+              <a:rPr lang="de-DE" dirty="0" err="1"/>
+              <a:t>messages</a:t>
+            </a:r>
+            <a:r>
+              <a:rPr lang="de-DE" dirty="0"/>
+              <a:t> : [],</a:t>
+            </a:r>
+          </a:p>
+          <a:p>
+            <a:r>
+              <a:rPr lang="de-DE" dirty="0"/>
+              <a:t>    log : </a:t>
+            </a:r>
+            <a:r>
+              <a:rPr lang="de-DE" dirty="0" err="1"/>
+              <a:t>function</a:t>
+            </a:r>
+            <a:r>
+              <a:rPr lang="de-DE" dirty="0"/>
+              <a:t>(</a:t>
+            </a:r>
+            <a:r>
+              <a:rPr lang="de-DE" dirty="0" err="1"/>
+              <a:t>message</a:t>
+            </a:r>
+            <a:r>
+              <a:rPr lang="de-DE" dirty="0"/>
+              <a:t>) {</a:t>
+            </a:r>
+          </a:p>
+          <a:p>
+            <a:r>
+              <a:rPr lang="de-DE" dirty="0"/>
+              <a:t>        </a:t>
+            </a:r>
+            <a:r>
+              <a:rPr lang="de-DE" dirty="0" err="1"/>
+              <a:t>logger.messages.push</a:t>
+            </a:r>
+            <a:r>
+              <a:rPr lang="de-DE" dirty="0"/>
+              <a:t>(</a:t>
+            </a:r>
+            <a:r>
+              <a:rPr lang="de-DE" dirty="0" err="1"/>
+              <a:t>message</a:t>
+            </a:r>
+            <a:r>
+              <a:rPr lang="de-DE" dirty="0"/>
+              <a:t>);</a:t>
+            </a:r>
+          </a:p>
+          <a:p>
+            <a:r>
+              <a:rPr lang="de-DE" dirty="0"/>
+              <a:t>    }</a:t>
+            </a:r>
+          </a:p>
+          <a:p>
+            <a:r>
+              <a:rPr lang="de-DE" dirty="0"/>
+              <a:t>}</a:t>
+            </a:r>
+          </a:p>
+          <a:p>
+            <a:r>
+              <a:rPr lang="de-DE" dirty="0" err="1" smtClean="0"/>
+              <a:t>formElement.addEventListener</a:t>
+            </a:r>
+            <a:r>
+              <a:rPr lang="de-DE" dirty="0"/>
+              <a:t>(</a:t>
+            </a:r>
+            <a:r>
+              <a:rPr lang="de-DE" dirty="0" err="1"/>
+              <a:t>moneyModel.update</a:t>
+            </a:r>
+            <a:r>
+              <a:rPr lang="de-DE" dirty="0"/>
+              <a:t>);</a:t>
+            </a:r>
+          </a:p>
+          <a:p>
+            <a:r>
+              <a:rPr lang="de-DE" dirty="0" err="1"/>
+              <a:t>formElement.addEventListener</a:t>
+            </a:r>
+            <a:r>
+              <a:rPr lang="de-DE" dirty="0"/>
+              <a:t>(</a:t>
+            </a:r>
+            <a:r>
+              <a:rPr lang="de-DE" dirty="0" err="1"/>
+              <a:t>logger.log</a:t>
+            </a:r>
+            <a:r>
+              <a:rPr lang="de-DE" dirty="0"/>
+              <a:t>);</a:t>
+            </a:r>
+          </a:p>
+          <a:p>
+            <a:endParaRPr lang="de-DE" dirty="0"/>
           </a:p>
         </p:txBody>
       </p:sp>
@@ -11848,11 +12364,7 @@
           <a:p>
             <a:r>
               <a:rPr lang="de-DE" dirty="0" smtClean="0"/>
-              <a:t>Template </a:t>
-            </a:r>
-            <a:r>
-              <a:rPr lang="de-DE" dirty="0" err="1" smtClean="0"/>
-              <a:t>Method</a:t>
+              <a:t>Observer</a:t>
             </a:r>
             <a:endParaRPr lang="de-DE" dirty="0"/>
           </a:p>
@@ -11861,7 +12373,7 @@
     </p:spTree>
     <p:extLst>
       <p:ext uri="{BB962C8B-B14F-4D97-AF65-F5344CB8AC3E}">
-        <p14:creationId xmlns:p14="http://schemas.microsoft.com/office/powerpoint/2010/main" val="98011362"/>
+        <p14:creationId xmlns:p14="http://schemas.microsoft.com/office/powerpoint/2010/main" val="1570624604"/>
       </p:ext>
     </p:extLst>
   </p:cSld>
@@ -11912,96 +12424,43 @@
           <a:lstStyle/>
           <a:p>
             <a:r>
-              <a:rPr lang="en-US" dirty="0" err="1"/>
-              <a:t>var</a:t>
-            </a:r>
-            <a:r>
-              <a:rPr lang="en-US" dirty="0"/>
-              <a:t> Ad = function () {</a:t>
-            </a:r>
-          </a:p>
-          <a:p>
-            <a:r>
-              <a:rPr lang="en-US" dirty="0"/>
-              <a:t>    </a:t>
-            </a:r>
-            <a:r>
-              <a:rPr lang="en-US" dirty="0" err="1"/>
-              <a:t>this.execute</a:t>
-            </a:r>
-            <a:r>
-              <a:rPr lang="en-US" dirty="0"/>
-              <a:t> = function () {</a:t>
-            </a:r>
-          </a:p>
-          <a:p>
-            <a:r>
-              <a:rPr lang="en-US" dirty="0"/>
-              <a:t>        // do some heavy stuff</a:t>
-            </a:r>
-          </a:p>
-          <a:p>
-            <a:r>
-              <a:rPr lang="en-US" dirty="0"/>
-              <a:t>        ;</a:t>
-            </a:r>
-          </a:p>
-          <a:p>
-            <a:r>
-              <a:rPr lang="en-US" dirty="0"/>
-              <a:t>        // and display the add</a:t>
-            </a:r>
-          </a:p>
-          <a:p>
-            <a:r>
-              <a:rPr lang="en-US" dirty="0"/>
-              <a:t>        </a:t>
-            </a:r>
-            <a:r>
-              <a:rPr lang="en-US" dirty="0" err="1"/>
-              <a:t>this.display</a:t>
-            </a:r>
-            <a:r>
-              <a:rPr lang="en-US" dirty="0"/>
-              <a:t>();</a:t>
-            </a:r>
-          </a:p>
-          <a:p>
-            <a:r>
-              <a:rPr lang="en-US" dirty="0"/>
-              <a:t>    },</a:t>
-            </a:r>
-          </a:p>
-          <a:p>
-            <a:r>
-              <a:rPr lang="en-US" dirty="0"/>
-              <a:t>    </a:t>
-            </a:r>
-            <a:r>
-              <a:rPr lang="en-US" dirty="0" err="1"/>
-              <a:t>this.display</a:t>
-            </a:r>
-            <a:r>
-              <a:rPr lang="en-US" dirty="0"/>
-              <a:t> = function () {</a:t>
-            </a:r>
-          </a:p>
-          <a:p>
-            <a:r>
-              <a:rPr lang="en-US" dirty="0"/>
-              <a:t>        throw "Not implemented yet!";</a:t>
-            </a:r>
-          </a:p>
-          <a:p>
-            <a:r>
-              <a:rPr lang="en-US" dirty="0"/>
-              <a:t>    }</a:t>
-            </a:r>
-          </a:p>
-          <a:p>
-            <a:r>
-              <a:rPr lang="en-US" dirty="0"/>
-              <a:t>}; </a:t>
+              <a:rPr lang="de-DE" dirty="0" err="1"/>
+              <a:t>formElement.fire</a:t>
+            </a:r>
+            <a:r>
+              <a:rPr lang="de-DE" dirty="0"/>
+              <a:t>(5);</a:t>
+            </a:r>
+          </a:p>
+          <a:p>
+            <a:endParaRPr lang="de-DE" dirty="0"/>
+          </a:p>
+          <a:p>
+            <a:r>
+              <a:rPr lang="de-DE" dirty="0" err="1" smtClean="0"/>
+              <a:t>moneyModel.ammount</a:t>
+            </a:r>
+            <a:r>
+              <a:rPr lang="de-DE" dirty="0" smtClean="0"/>
+              <a:t>; </a:t>
+            </a:r>
+            <a:r>
+              <a:rPr lang="de-DE" dirty="0"/>
+              <a:t>// 5</a:t>
+            </a:r>
+          </a:p>
+          <a:p>
+            <a:r>
+              <a:rPr lang="de-DE" dirty="0" err="1" smtClean="0"/>
+              <a:t>log.messages</a:t>
+            </a:r>
+            <a:r>
+              <a:rPr lang="de-DE" dirty="0" smtClean="0"/>
+              <a:t>; </a:t>
+            </a:r>
+            <a:r>
+              <a:rPr lang="de-DE" dirty="0"/>
+              <a:t>// 5</a:t>
             </a:r>
           </a:p>
           <a:p>
@@ -12026,11 +12485,7 @@
           <a:p>
             <a:r>
               <a:rPr lang="de-DE" dirty="0" smtClean="0"/>
-              <a:t>Template </a:t>
-            </a:r>
-            <a:r>
-              <a:rPr lang="de-DE" dirty="0" err="1" smtClean="0"/>
-              <a:t>Method</a:t>
+              <a:t>Observer</a:t>
             </a:r>
             <a:endParaRPr lang="de-DE" dirty="0"/>
           </a:p>
@@ -12039,7 +12494,7 @@
     </p:spTree>
     <p:extLst>
       <p:ext uri="{BB962C8B-B14F-4D97-AF65-F5344CB8AC3E}">
-        <p14:creationId xmlns:p14="http://schemas.microsoft.com/office/powerpoint/2010/main" val="1365218095"/>
+        <p14:creationId xmlns:p14="http://schemas.microsoft.com/office/powerpoint/2010/main" val="1768661324"/>
       </p:ext>
     </p:extLst>
   </p:cSld>
@@ -12086,8 +12541,335 @@
         </p:nvSpPr>
         <p:spPr/>
         <p:txBody>
+          <a:bodyPr/>
+          <a:lstStyle/>
+          <a:p>
+            <a:pPr marL="0" indent="0">
+              <a:buNone/>
+            </a:pPr>
+            <a:r>
+              <a:rPr lang="de-DE" dirty="0" smtClean="0"/>
+              <a:t>ein Template definiert Methoden</a:t>
+            </a:r>
+          </a:p>
+          <a:p>
+            <a:pPr marL="0" indent="0">
+              <a:buNone/>
+            </a:pPr>
+            <a:r>
+              <a:rPr lang="de-DE" dirty="0"/>
+              <a:t>stellt das Gerüst für konkrete Implementierungen </a:t>
+            </a:r>
+            <a:r>
+              <a:rPr lang="de-DE" dirty="0" smtClean="0"/>
+              <a:t>bereit</a:t>
+            </a:r>
+          </a:p>
+          <a:p>
+            <a:pPr marL="0" indent="0">
+              <a:buNone/>
+            </a:pPr>
+            <a:r>
+              <a:rPr lang="de-DE" dirty="0"/>
+              <a:t>abgeleiteten Objekt </a:t>
+            </a:r>
+            <a:r>
+              <a:rPr lang="de-DE" dirty="0" smtClean="0"/>
+              <a:t>überschreiben einzelne Methoden</a:t>
+            </a:r>
+          </a:p>
+          <a:p>
+            <a:pPr marL="0" indent="0">
+              <a:buNone/>
+            </a:pPr>
+            <a:r>
+              <a:rPr lang="de-DE" dirty="0"/>
+              <a:t>Inversion-</a:t>
+            </a:r>
+            <a:r>
+              <a:rPr lang="de-DE" dirty="0" err="1"/>
+              <a:t>of</a:t>
+            </a:r>
+            <a:r>
+              <a:rPr lang="de-DE" dirty="0"/>
+              <a:t>-</a:t>
+            </a:r>
+            <a:r>
+              <a:rPr lang="de-DE" dirty="0" err="1"/>
+              <a:t>Control</a:t>
+            </a:r>
+            <a:endParaRPr lang="de-DE" dirty="0" smtClean="0"/>
+          </a:p>
+          <a:p>
+            <a:pPr marL="0" indent="0">
+              <a:buNone/>
+            </a:pPr>
+            <a:r>
+              <a:rPr lang="de-DE" dirty="0"/>
+              <a:t>Entwurf von Darstellungskomponenten</a:t>
+            </a:r>
+          </a:p>
+        </p:txBody>
+      </p:sp>
+      <p:sp>
+        <p:nvSpPr>
+          <p:cNvPr id="3" name="Titel 2"/>
+          <p:cNvSpPr>
+            <a:spLocks noGrp="1"/>
+          </p:cNvSpPr>
+          <p:nvPr>
+            <p:ph type="title"/>
+          </p:nvPr>
+        </p:nvSpPr>
+        <p:spPr/>
+        <p:txBody>
+          <a:bodyPr/>
+          <a:lstStyle/>
+          <a:p>
+            <a:r>
+              <a:rPr lang="de-DE" dirty="0" smtClean="0"/>
+              <a:t>Template </a:t>
+            </a:r>
+            <a:r>
+              <a:rPr lang="de-DE" dirty="0" err="1" smtClean="0"/>
+              <a:t>Method</a:t>
+            </a:r>
+            <a:endParaRPr lang="de-DE" dirty="0"/>
+          </a:p>
+        </p:txBody>
+      </p:sp>
+    </p:spTree>
+    <p:extLst>
+      <p:ext uri="{BB962C8B-B14F-4D97-AF65-F5344CB8AC3E}">
+        <p14:creationId xmlns:p14="http://schemas.microsoft.com/office/powerpoint/2010/main" val="98011362"/>
+      </p:ext>
+    </p:extLst>
+  </p:cSld>
+  <p:clrMapOvr>
+    <a:masterClrMapping/>
+  </p:clrMapOvr>
+  <mc:AlternateContent xmlns:mc="http://schemas.openxmlformats.org/markup-compatibility/2006" xmlns:p14="http://schemas.microsoft.com/office/powerpoint/2010/main">
+    <mc:Choice Requires="p14">
+      <p:transition spd="slow" p14:dur="2000"/>
+    </mc:Choice>
+    <mc:Fallback xmlns="">
+      <p:transition xmlns:p14="http://schemas.microsoft.com/office/powerpoint/2010/main" spd="slow"/>
+    </mc:Fallback>
+  </mc:AlternateContent>
+</p:sld>
+</file>
+
+<file path=ppt/slides/slide47.xml><?xml version="1.0" encoding="utf-8"?>
+<p:sld xmlns:a="http://schemas.openxmlformats.org/drawingml/2006/main" xmlns:r="http://schemas.openxmlformats.org/officeDocument/2006/relationships" xmlns:p="http://schemas.openxmlformats.org/presentationml/2006/main">
+  <p:cSld>
+    <p:spTree>
+      <p:nvGrpSpPr>
+        <p:cNvPr id="1" name=""/>
+        <p:cNvGrpSpPr/>
+        <p:nvPr/>
+      </p:nvGrpSpPr>
+      <p:grpSpPr>
+        <a:xfrm>
+          <a:off x="0" y="0"/>
+          <a:ext cx="0" cy="0"/>
+          <a:chOff x="0" y="0"/>
+          <a:chExt cx="0" cy="0"/>
+        </a:xfrm>
+      </p:grpSpPr>
+      <p:sp>
+        <p:nvSpPr>
+          <p:cNvPr id="2" name="Inhaltsplatzhalter 1"/>
+          <p:cNvSpPr>
+            <a:spLocks noGrp="1"/>
+          </p:cNvSpPr>
+          <p:nvPr>
+            <p:ph idx="1"/>
+          </p:nvPr>
+        </p:nvSpPr>
+        <p:spPr/>
+        <p:txBody>
           <a:bodyPr>
-            <a:normAutofit fontScale="92500" lnSpcReduction="20000"/>
+            <a:normAutofit lnSpcReduction="10000"/>
+          </a:bodyPr>
+          <a:lstStyle/>
+          <a:p>
+            <a:r>
+              <a:rPr lang="en-US" dirty="0" err="1"/>
+              <a:t>var</a:t>
+            </a:r>
+            <a:r>
+              <a:rPr lang="en-US" dirty="0"/>
+              <a:t> Ad = function () {</a:t>
+            </a:r>
+          </a:p>
+          <a:p>
+            <a:r>
+              <a:rPr lang="en-US" dirty="0"/>
+              <a:t>    </a:t>
+            </a:r>
+            <a:r>
+              <a:rPr lang="en-US" dirty="0" err="1"/>
+              <a:t>this.execute</a:t>
+            </a:r>
+            <a:r>
+              <a:rPr lang="en-US" dirty="0"/>
+              <a:t> = function () {</a:t>
+            </a:r>
+          </a:p>
+          <a:p>
+            <a:r>
+              <a:rPr lang="en-US" dirty="0"/>
+              <a:t>        // do some heavy stuff</a:t>
+            </a:r>
+          </a:p>
+          <a:p>
+            <a:r>
+              <a:rPr lang="en-US" dirty="0"/>
+              <a:t>        ;</a:t>
+            </a:r>
+          </a:p>
+          <a:p>
+            <a:r>
+              <a:rPr lang="en-US" dirty="0"/>
+              <a:t>        // and display the add</a:t>
+            </a:r>
+          </a:p>
+          <a:p>
+            <a:r>
+              <a:rPr lang="en-US" dirty="0"/>
+              <a:t>        </a:t>
+            </a:r>
+            <a:r>
+              <a:rPr lang="en-US" dirty="0" err="1"/>
+              <a:t>this.display</a:t>
+            </a:r>
+            <a:r>
+              <a:rPr lang="en-US" dirty="0"/>
+              <a:t>();</a:t>
+            </a:r>
+          </a:p>
+          <a:p>
+            <a:r>
+              <a:rPr lang="en-US" dirty="0"/>
+              <a:t>    },</a:t>
+            </a:r>
+          </a:p>
+          <a:p>
+            <a:r>
+              <a:rPr lang="en-US" dirty="0"/>
+              <a:t>    </a:t>
+            </a:r>
+            <a:r>
+              <a:rPr lang="en-US" dirty="0" err="1"/>
+              <a:t>this.display</a:t>
+            </a:r>
+            <a:r>
+              <a:rPr lang="en-US" dirty="0"/>
+              <a:t> = function () {</a:t>
+            </a:r>
+          </a:p>
+          <a:p>
+            <a:r>
+              <a:rPr lang="en-US" dirty="0"/>
+              <a:t>        throw "Not implemented yet!";</a:t>
+            </a:r>
+          </a:p>
+          <a:p>
+            <a:r>
+              <a:rPr lang="en-US" dirty="0"/>
+              <a:t>    }</a:t>
+            </a:r>
+          </a:p>
+          <a:p>
+            <a:r>
+              <a:rPr lang="en-US" dirty="0"/>
+              <a:t>}; </a:t>
+            </a:r>
+          </a:p>
+          <a:p>
+            <a:endParaRPr lang="de-DE" dirty="0"/>
+          </a:p>
+        </p:txBody>
+      </p:sp>
+      <p:sp>
+        <p:nvSpPr>
+          <p:cNvPr id="3" name="Titel 2"/>
+          <p:cNvSpPr>
+            <a:spLocks noGrp="1"/>
+          </p:cNvSpPr>
+          <p:nvPr>
+            <p:ph type="title"/>
+          </p:nvPr>
+        </p:nvSpPr>
+        <p:spPr/>
+        <p:txBody>
+          <a:bodyPr/>
+          <a:lstStyle/>
+          <a:p>
+            <a:r>
+              <a:rPr lang="de-DE" dirty="0" smtClean="0"/>
+              <a:t>Template </a:t>
+            </a:r>
+            <a:r>
+              <a:rPr lang="de-DE" dirty="0" err="1" smtClean="0"/>
+              <a:t>Method</a:t>
+            </a:r>
+            <a:endParaRPr lang="de-DE" dirty="0"/>
+          </a:p>
+        </p:txBody>
+      </p:sp>
+    </p:spTree>
+    <p:extLst>
+      <p:ext uri="{BB962C8B-B14F-4D97-AF65-F5344CB8AC3E}">
+        <p14:creationId xmlns:p14="http://schemas.microsoft.com/office/powerpoint/2010/main" val="1365218095"/>
+      </p:ext>
+    </p:extLst>
+  </p:cSld>
+  <p:clrMapOvr>
+    <a:masterClrMapping/>
+  </p:clrMapOvr>
+  <mc:AlternateContent xmlns:mc="http://schemas.openxmlformats.org/markup-compatibility/2006" xmlns:p14="http://schemas.microsoft.com/office/powerpoint/2010/main">
+    <mc:Choice Requires="p14">
+      <p:transition spd="slow" p14:dur="2000"/>
+    </mc:Choice>
+    <mc:Fallback xmlns="">
+      <p:transition xmlns:p14="http://schemas.microsoft.com/office/powerpoint/2010/main" spd="slow"/>
+    </mc:Fallback>
+  </mc:AlternateContent>
+</p:sld>
+</file>
+
+<file path=ppt/slides/slide48.xml><?xml version="1.0" encoding="utf-8"?>
+<p:sld xmlns:a="http://schemas.openxmlformats.org/drawingml/2006/main" xmlns:r="http://schemas.openxmlformats.org/officeDocument/2006/relationships" xmlns:p="http://schemas.openxmlformats.org/presentationml/2006/main">
+  <p:cSld>
+    <p:spTree>
+      <p:nvGrpSpPr>
+        <p:cNvPr id="1" name=""/>
+        <p:cNvGrpSpPr/>
+        <p:nvPr/>
+      </p:nvGrpSpPr>
+      <p:grpSpPr>
+        <a:xfrm>
+          <a:off x="0" y="0"/>
+          <a:ext cx="0" cy="0"/>
+          <a:chOff x="0" y="0"/>
+          <a:chExt cx="0" cy="0"/>
+        </a:xfrm>
+      </p:grpSpPr>
+      <p:sp>
+        <p:nvSpPr>
+          <p:cNvPr id="2" name="Inhaltsplatzhalter 1"/>
+          <p:cNvSpPr>
+            <a:spLocks noGrp="1"/>
+          </p:cNvSpPr>
+          <p:nvPr>
+            <p:ph idx="1"/>
+          </p:nvPr>
+        </p:nvSpPr>
+        <p:spPr/>
+        <p:txBody>
+          <a:bodyPr>
+            <a:normAutofit fontScale="77500" lnSpcReduction="20000"/>
           </a:bodyPr>
           <a:lstStyle/>
           <a:p>
@@ -12289,7 +13071,7 @@
 </p:sld>
 </file>
 
-<file path=ppt/slides/slide47.xml><?xml version="1.0" encoding="utf-8"?>
+<file path=ppt/slides/slide49.xml><?xml version="1.0" encoding="utf-8"?>
 <p:sld xmlns:a="http://schemas.openxmlformats.org/drawingml/2006/main" xmlns:r="http://schemas.openxmlformats.org/officeDocument/2006/relationships" xmlns:p="http://schemas.openxmlformats.org/presentationml/2006/main">
   <p:cSld>
     <p:spTree>

--- a/Tag 2.pptx
+++ b/Tag 2.pptx
@@ -8163,7 +8163,24 @@
             </a:pPr>
             <a:r>
               <a:rPr lang="de-DE" dirty="0" smtClean="0"/>
-              <a:t>JS ist keine klassisch objektorientierte Sprache mit einem statischen Typsystem</a:t>
+              <a:t>JS ist keine klassisch objektorientierte Sprache mit einem statischen Typsystem – das kommt erst mit ES5</a:t>
+            </a:r>
+          </a:p>
+          <a:p>
+            <a:pPr marL="0" indent="0">
+              <a:buNone/>
+            </a:pPr>
+            <a:r>
+              <a:rPr lang="de-DE" dirty="0" smtClean="0"/>
+              <a:t>Beispiele beziehen sich hier im </a:t>
+            </a:r>
+            <a:r>
+              <a:rPr lang="de-DE" smtClean="0"/>
+              <a:t>Folgenden meist auf </a:t>
+            </a:r>
+            <a:r>
+              <a:rPr lang="de-DE" dirty="0" smtClean="0"/>
+              <a:t>ES3!</a:t>
             </a:r>
           </a:p>
         </p:txBody>

--- a/Tag 2.pptx
+++ b/Tag 2.pptx
@@ -8172,15 +8172,7 @@
             </a:pPr>
             <a:r>
               <a:rPr lang="de-DE" dirty="0" smtClean="0"/>
-              <a:t>Beispiele beziehen sich hier im </a:t>
-            </a:r>
-            <a:r>
-              <a:rPr lang="de-DE" smtClean="0"/>
-              <a:t>Folgenden meist auf </a:t>
-            </a:r>
-            <a:r>
-              <a:rPr lang="de-DE" dirty="0" smtClean="0"/>
-              <a:t>ES3!</a:t>
+              <a:t>Beispiele beziehen sich hier im Folgenden meist auf ES3!</a:t>
             </a:r>
           </a:p>
         </p:txBody>
@@ -15412,8 +15404,25 @@
                 <a:latin typeface="Calibri"/>
                 <a:cs typeface="Calibri"/>
               </a:rPr>
-              <a:t>-Programm, das eine Liste mit Zufallswerten füllt.</a:t>
-            </a:r>
+              <a:t>-Programm oder in einen Test </a:t>
+            </a:r>
+            <a:r>
+              <a:rPr lang="de-DE" smtClean="0">
+                <a:solidFill>
+                  <a:srgbClr val="FFFFFF"/>
+                </a:solidFill>
+                <a:latin typeface="Calibri"/>
+                <a:cs typeface="Calibri"/>
+              </a:rPr>
+              <a:t>und verwende es.</a:t>
+            </a:r>
+            <a:endParaRPr lang="de-DE" dirty="0" smtClean="0">
+              <a:solidFill>
+                <a:srgbClr val="FFFFFF"/>
+              </a:solidFill>
+              <a:latin typeface="Calibri"/>
+              <a:cs typeface="Calibri"/>
+            </a:endParaRPr>
           </a:p>
           <a:p>
             <a:pPr marL="0" indent="0">

--- a/Tag 2.pptx
+++ b/Tag 2.pptx
@@ -5,10 +5,10 @@
     <p:sldMasterId id="2147483648" r:id="rId4"/>
   </p:sldMasterIdLst>
   <p:notesMasterIdLst>
-    <p:notesMasterId r:id="rId65"/>
+    <p:notesMasterId r:id="rId66"/>
   </p:notesMasterIdLst>
   <p:handoutMasterIdLst>
-    <p:handoutMasterId r:id="rId66"/>
+    <p:handoutMasterId r:id="rId67"/>
   </p:handoutMasterIdLst>
   <p:sldIdLst>
     <p:sldId id="256" r:id="rId5"/>
@@ -53,24 +53,25 @@
     <p:sldId id="408" r:id="rId44"/>
     <p:sldId id="413" r:id="rId45"/>
     <p:sldId id="414" r:id="rId46"/>
-    <p:sldId id="418" r:id="rId47"/>
-    <p:sldId id="419" r:id="rId48"/>
-    <p:sldId id="420" r:id="rId49"/>
-    <p:sldId id="439" r:id="rId50"/>
-    <p:sldId id="432" r:id="rId51"/>
-    <p:sldId id="433" r:id="rId52"/>
-    <p:sldId id="434" r:id="rId53"/>
-    <p:sldId id="435" r:id="rId54"/>
-    <p:sldId id="436" r:id="rId55"/>
-    <p:sldId id="441" r:id="rId56"/>
-    <p:sldId id="437" r:id="rId57"/>
-    <p:sldId id="438" r:id="rId58"/>
-    <p:sldId id="442" r:id="rId59"/>
-    <p:sldId id="443" r:id="rId60"/>
-    <p:sldId id="445" r:id="rId61"/>
-    <p:sldId id="446" r:id="rId62"/>
-    <p:sldId id="447" r:id="rId63"/>
-    <p:sldId id="379" r:id="rId64"/>
+    <p:sldId id="448" r:id="rId47"/>
+    <p:sldId id="418" r:id="rId48"/>
+    <p:sldId id="419" r:id="rId49"/>
+    <p:sldId id="420" r:id="rId50"/>
+    <p:sldId id="439" r:id="rId51"/>
+    <p:sldId id="432" r:id="rId52"/>
+    <p:sldId id="433" r:id="rId53"/>
+    <p:sldId id="434" r:id="rId54"/>
+    <p:sldId id="435" r:id="rId55"/>
+    <p:sldId id="436" r:id="rId56"/>
+    <p:sldId id="441" r:id="rId57"/>
+    <p:sldId id="437" r:id="rId58"/>
+    <p:sldId id="438" r:id="rId59"/>
+    <p:sldId id="442" r:id="rId60"/>
+    <p:sldId id="443" r:id="rId61"/>
+    <p:sldId id="445" r:id="rId62"/>
+    <p:sldId id="446" r:id="rId63"/>
+    <p:sldId id="447" r:id="rId64"/>
+    <p:sldId id="379" r:id="rId65"/>
   </p:sldIdLst>
   <p:sldSz cx="9144000" cy="6858000" type="screen4x3"/>
   <p:notesSz cx="7102475" cy="10234613"/>
@@ -254,7 +255,7 @@
           <a:p>
             <a:fld id="{6A764251-D831-1B46-B49E-A81E2C17AA3D}" type="datetimeFigureOut">
               <a:rPr lang="de-DE" smtClean="0"/>
-              <a:t>20/05/14</a:t>
+              <a:t>21/05/14</a:t>
             </a:fld>
             <a:endParaRPr lang="de-DE"/>
           </a:p>
@@ -421,7 +422,7 @@
             <a:fld id="{E566868E-4981-412A-A780-CE3D41660550}" type="datetimeFigureOut">
               <a:rPr lang="de-DE" smtClean="0"/>
               <a:pPr/>
-              <a:t>20/05/14</a:t>
+              <a:t>21/05/14</a:t>
             </a:fld>
             <a:endParaRPr lang="de-DE"/>
           </a:p>
@@ -1303,7 +1304,7 @@
             <a:fld id="{96B3538B-D81F-476E-A31A-F9ABC7F48F1A}" type="slidenum">
               <a:rPr lang="de-DE" smtClean="0"/>
               <a:pPr/>
-              <a:t>43</a:t>
+              <a:t>44</a:t>
             </a:fld>
             <a:endParaRPr lang="de-DE"/>
           </a:p>
@@ -1406,7 +1407,7 @@
             <a:fld id="{96B3538B-D81F-476E-A31A-F9ABC7F48F1A}" type="slidenum">
               <a:rPr lang="de-DE" smtClean="0"/>
               <a:pPr/>
-              <a:t>46</a:t>
+              <a:t>47</a:t>
             </a:fld>
             <a:endParaRPr lang="de-DE"/>
           </a:p>
@@ -1491,7 +1492,7 @@
             <a:fld id="{96B3538B-D81F-476E-A31A-F9ABC7F48F1A}" type="slidenum">
               <a:rPr lang="de-DE" smtClean="0"/>
               <a:pPr/>
-              <a:t>47</a:t>
+              <a:t>48</a:t>
             </a:fld>
             <a:endParaRPr lang="de-DE"/>
           </a:p>
@@ -1576,7 +1577,7 @@
             <a:fld id="{96B3538B-D81F-476E-A31A-F9ABC7F48F1A}" type="slidenum">
               <a:rPr lang="de-DE" smtClean="0"/>
               <a:pPr/>
-              <a:t>51</a:t>
+              <a:t>52</a:t>
             </a:fld>
             <a:endParaRPr lang="de-DE"/>
           </a:p>
@@ -1688,7 +1689,7 @@
             <a:fld id="{96B3538B-D81F-476E-A31A-F9ABC7F48F1A}" type="slidenum">
               <a:rPr lang="de-DE" smtClean="0"/>
               <a:pPr/>
-              <a:t>56</a:t>
+              <a:t>57</a:t>
             </a:fld>
             <a:endParaRPr lang="de-DE"/>
           </a:p>
@@ -1773,7 +1774,7 @@
             <a:fld id="{96B3538B-D81F-476E-A31A-F9ABC7F48F1A}" type="slidenum">
               <a:rPr lang="de-DE" smtClean="0"/>
               <a:pPr/>
-              <a:t>57</a:t>
+              <a:t>58</a:t>
             </a:fld>
             <a:endParaRPr lang="de-DE"/>
           </a:p>
@@ -1866,7 +1867,7 @@
             <a:fld id="{96B3538B-D81F-476E-A31A-F9ABC7F48F1A}" type="slidenum">
               <a:rPr lang="de-DE" smtClean="0"/>
               <a:pPr/>
-              <a:t>58</a:t>
+              <a:t>59</a:t>
             </a:fld>
             <a:endParaRPr lang="de-DE"/>
           </a:p>
@@ -2054,7 +2055,7 @@
             <a:fld id="{96B3538B-D81F-476E-A31A-F9ABC7F48F1A}" type="slidenum">
               <a:rPr lang="de-DE" smtClean="0"/>
               <a:pPr/>
-              <a:t>60</a:t>
+              <a:t>61</a:t>
             </a:fld>
             <a:endParaRPr lang="de-DE"/>
           </a:p>
@@ -5504,15 +5505,7 @@
                   <a:srgbClr val="FFFFFF"/>
                 </a:solidFill>
               </a:rPr>
-              <a:t> hin zu ES5 Objekten mit Vererbung</a:t>
-            </a:r>
-            <a:r>
-              <a:rPr lang="de-DE" dirty="0" smtClean="0">
-                <a:solidFill>
-                  <a:srgbClr val="FFFFFF"/>
-                </a:solidFill>
-              </a:rPr>
-              <a:t>.</a:t>
+              <a:t> hin zu ES5 Objekten mit Vererbung.</a:t>
             </a:r>
           </a:p>
           <a:p>
@@ -5545,11 +5538,6 @@
               </a:rPr>
               <a:t> um eine Priorität.</a:t>
             </a:r>
-            <a:endParaRPr lang="de-DE" dirty="0" smtClean="0">
-              <a:solidFill>
-                <a:srgbClr val="FFFFFF"/>
-              </a:solidFill>
-            </a:endParaRPr>
           </a:p>
           <a:p>
             <a:pPr marL="0" indent="0">
@@ -6005,7 +5993,6 @@
               <a:rPr lang="de-DE" dirty="0"/>
               <a:t>});</a:t>
             </a:r>
-            <a:endParaRPr lang="de-DE" dirty="0"/>
           </a:p>
         </p:txBody>
       </p:sp>
@@ -7911,23 +7898,7 @@
                   <a:srgbClr val="FFFFFF"/>
                 </a:solidFill>
               </a:rPr>
-              <a:t> um Setter, die den übergebenen Typ pr</a:t>
-            </a:r>
-            <a:r>
-              <a:rPr lang="de-DE" dirty="0" smtClean="0">
-                <a:solidFill>
-                  <a:srgbClr val="FFFFFF"/>
-                </a:solidFill>
-              </a:rPr>
-              <a:t>üfen</a:t>
-            </a:r>
-            <a:r>
-              <a:rPr lang="de-DE" dirty="0" smtClean="0">
-                <a:solidFill>
-                  <a:srgbClr val="FFFFFF"/>
-                </a:solidFill>
-              </a:rPr>
-              <a:t>.</a:t>
+              <a:t> um Setter, die den übergebenen Typ prüfen.</a:t>
             </a:r>
           </a:p>
           <a:p>
@@ -7975,31 +7946,7 @@
                   <a:srgbClr val="FFFFFF"/>
                 </a:solidFill>
               </a:rPr>
-              <a:t>Übung </a:t>
-            </a:r>
-            <a:r>
-              <a:rPr lang="de-DE" dirty="0" smtClean="0">
-                <a:solidFill>
-                  <a:srgbClr val="FFFFFF"/>
-                </a:solidFill>
-              </a:rPr>
-              <a:t>#9 </a:t>
-            </a:r>
-            <a:r>
-              <a:rPr lang="de-DE" dirty="0" smtClean="0">
-                <a:solidFill>
-                  <a:srgbClr val="FFFFFF"/>
-                </a:solidFill>
-              </a:rPr>
-              <a:t>-  </a:t>
-            </a:r>
-            <a:r>
-              <a:rPr lang="de-DE" dirty="0" smtClean="0">
-                <a:solidFill>
-                  <a:srgbClr val="FFFFFF"/>
-                </a:solidFill>
-              </a:rPr>
-              <a:t>Parametervalidierung</a:t>
+              <a:t>Übung #9 -  Parametervalidierung</a:t>
             </a:r>
             <a:endParaRPr lang="de-DE" dirty="0">
               <a:solidFill>
@@ -8534,7 +8481,6 @@
               <a:rPr lang="en-US" dirty="0"/>
               <a:t>;</a:t>
             </a:r>
-            <a:endParaRPr lang="en-US" dirty="0"/>
           </a:p>
         </p:txBody>
       </p:sp>
@@ -8978,18 +8924,12 @@
           <a:bodyPr/>
           <a:lstStyle/>
           <a:p>
-            <a:pPr marL="0" indent="0">
-              <a:buNone/>
-            </a:pPr>
             <a:r>
               <a:rPr lang="de-DE" dirty="0" smtClean="0"/>
               <a:t>a) erzeugt viele ähnliche Objekte oder</a:t>
             </a:r>
           </a:p>
           <a:p>
-            <a:pPr marL="0" indent="0">
-              <a:buNone/>
-            </a:pPr>
             <a:r>
               <a:rPr lang="de-DE" dirty="0" smtClean="0"/>
               <a:t>b) erzeugt Objekte, bei denen zur </a:t>
@@ -9568,7 +9508,6 @@
               <a:rPr lang="de-DE" dirty="0" smtClean="0"/>
               <a:t>); </a:t>
             </a:r>
-            <a:endParaRPr lang="de-DE" dirty="0" smtClean="0"/>
           </a:p>
           <a:p>
             <a:endParaRPr lang="de-DE" dirty="0" smtClean="0"/>
@@ -10392,11 +10331,7 @@
             </a:r>
             <a:r>
               <a:rPr lang="de-DE" dirty="0" smtClean="0"/>
-              <a:t> </a:t>
-            </a:r>
-            <a:r>
-              <a:rPr lang="de-DE" dirty="0" smtClean="0"/>
-              <a:t>Google Play.</a:t>
+              <a:t> Google Play.</a:t>
             </a:r>
             <a:r>
               <a:rPr lang="de-DE" dirty="0"/>
@@ -11430,9 +11365,6 @@
           <a:bodyPr/>
           <a:lstStyle/>
           <a:p>
-            <a:pPr marL="0" indent="0">
-              <a:buNone/>
-            </a:pPr>
             <a:r>
               <a:rPr lang="de-DE" dirty="0"/>
               <a:t>bietet eine alternative Schnittstelle zu einem </a:t>
@@ -11443,9 +11375,6 @@
             </a:r>
           </a:p>
           <a:p>
-            <a:pPr marL="0" indent="0">
-              <a:buNone/>
-            </a:pPr>
             <a:r>
               <a:rPr lang="de-DE" dirty="0"/>
               <a:t>komplexe Schnittstellen </a:t>
@@ -11456,18 +11385,12 @@
             </a:r>
           </a:p>
           <a:p>
-            <a:pPr marL="0" indent="0">
-              <a:buNone/>
-            </a:pPr>
             <a:r>
               <a:rPr lang="de-DE" dirty="0" smtClean="0"/>
               <a:t>unterschiedliche Implementierungen vereinheitlichen</a:t>
             </a:r>
           </a:p>
           <a:p>
-            <a:pPr marL="0" indent="0">
-              <a:buNone/>
-            </a:pPr>
             <a:r>
               <a:rPr lang="de-DE" dirty="0" err="1" smtClean="0"/>
               <a:t>jQuery</a:t>
@@ -11877,9 +11800,6 @@
           <a:bodyPr/>
           <a:lstStyle/>
           <a:p>
-            <a:pPr marL="0" indent="0">
-              <a:buNone/>
-            </a:pPr>
             <a:r>
               <a:rPr lang="de-DE" dirty="0" smtClean="0"/>
               <a:t>Proxy kapselt </a:t>
@@ -11894,18 +11814,12 @@
             </a:r>
           </a:p>
           <a:p>
-            <a:pPr marL="0" indent="0">
-              <a:buNone/>
-            </a:pPr>
             <a:r>
               <a:rPr lang="de-DE" dirty="0"/>
               <a:t>schützt den Zugriff auf das Objekt</a:t>
             </a:r>
           </a:p>
           <a:p>
-            <a:pPr marL="0" indent="0">
-              <a:buNone/>
-            </a:pPr>
             <a:r>
               <a:rPr lang="de-DE" dirty="0" smtClean="0"/>
               <a:t>sitzt </a:t>
@@ -11920,9 +11834,6 @@
             </a:r>
           </a:p>
           <a:p>
-            <a:pPr marL="0" indent="0">
-              <a:buNone/>
-            </a:pPr>
             <a:r>
               <a:rPr lang="de-DE" dirty="0" smtClean="0"/>
               <a:t>kann </a:t>
@@ -12454,12 +12365,13 @@
           <a:bodyPr/>
           <a:lstStyle/>
           <a:p>
-            <a:pPr marL="0" indent="0">
-              <a:buNone/>
-            </a:pPr>
-            <a:r>
-              <a:rPr lang="de-DE" dirty="0" smtClean="0"/>
-              <a:t>Auch bekannt als </a:t>
+            <a:r>
+              <a:rPr lang="de-DE" dirty="0" smtClean="0"/>
+              <a:t>auch </a:t>
+            </a:r>
+            <a:r>
+              <a:rPr lang="de-DE" dirty="0" smtClean="0"/>
+              <a:t>bekannt als </a:t>
             </a:r>
             <a:r>
               <a:rPr lang="de-DE" dirty="0" err="1" smtClean="0"/>
@@ -12476,12 +12388,13 @@
             <a:endParaRPr lang="de-DE" dirty="0" smtClean="0"/>
           </a:p>
           <a:p>
-            <a:pPr marL="0" indent="0">
-              <a:buNone/>
-            </a:pPr>
-            <a:r>
-              <a:rPr lang="de-DE" dirty="0" smtClean="0"/>
-              <a:t>Wir im Browser verwendet (</a:t>
+            <a:r>
+              <a:rPr lang="de-DE" dirty="0" smtClean="0"/>
+              <a:t>wird </a:t>
+            </a:r>
+            <a:r>
+              <a:rPr lang="de-DE" dirty="0" smtClean="0"/>
+              <a:t>im Browser verwendet (</a:t>
             </a:r>
             <a:r>
               <a:rPr lang="de-DE" dirty="0" err="1" smtClean="0"/>
@@ -12493,9 +12406,6 @@
             </a:r>
           </a:p>
           <a:p>
-            <a:pPr marL="0" indent="0">
-              <a:buNone/>
-            </a:pPr>
             <a:r>
               <a:rPr lang="de-DE" dirty="0" smtClean="0"/>
               <a:t>Publisher informieren Subscriber über Ereignisse</a:t>
@@ -12835,72 +12745,369 @@
         </p:nvSpPr>
         <p:spPr/>
         <p:txBody>
-          <a:bodyPr/>
+          <a:bodyPr>
+            <a:normAutofit fontScale="77500" lnSpcReduction="20000"/>
+          </a:bodyPr>
           <a:lstStyle/>
           <a:p>
-            <a:pPr marL="0" indent="0">
-              <a:buNone/>
-            </a:pPr>
-            <a:r>
-              <a:rPr lang="de-DE" dirty="0" smtClean="0"/>
-              <a:t>ein Template definiert Methoden</a:t>
-            </a:r>
-          </a:p>
-          <a:p>
-            <a:pPr marL="0" indent="0">
-              <a:buNone/>
-            </a:pPr>
-            <a:r>
-              <a:rPr lang="de-DE" dirty="0"/>
-              <a:t>stellt das Gerüst für konkrete Implementierungen </a:t>
-            </a:r>
-            <a:r>
-              <a:rPr lang="de-DE" dirty="0" smtClean="0"/>
-              <a:t>bereit</a:t>
-            </a:r>
-          </a:p>
-          <a:p>
-            <a:pPr marL="0" indent="0">
-              <a:buNone/>
-            </a:pPr>
-            <a:r>
-              <a:rPr lang="de-DE" dirty="0"/>
-              <a:t>abgeleiteten Objekt </a:t>
-            </a:r>
-            <a:r>
-              <a:rPr lang="de-DE" dirty="0" smtClean="0"/>
-              <a:t>überschreiben einzelne Methoden</a:t>
-            </a:r>
-          </a:p>
-          <a:p>
-            <a:pPr marL="0" indent="0">
-              <a:buNone/>
-            </a:pPr>
-            <a:r>
-              <a:rPr lang="de-DE" dirty="0"/>
-              <a:t>Inversion-</a:t>
-            </a:r>
-            <a:r>
-              <a:rPr lang="de-DE" dirty="0" err="1"/>
-              <a:t>of</a:t>
-            </a:r>
-            <a:r>
-              <a:rPr lang="de-DE" dirty="0"/>
-              <a:t>-</a:t>
-            </a:r>
-            <a:r>
-              <a:rPr lang="de-DE" dirty="0" err="1"/>
-              <a:t>Control</a:t>
+            <a:r>
+              <a:rPr lang="da-DK" dirty="0"/>
+              <a:t>// </a:t>
+            </a:r>
+            <a:r>
+              <a:rPr lang="da-DK" dirty="0" smtClean="0"/>
+              <a:t>http</a:t>
+            </a:r>
+            <a:r>
+              <a:rPr lang="da-DK" dirty="0"/>
+              <a:t>://www.html5rocks.com/en/</a:t>
+            </a:r>
+            <a:r>
+              <a:rPr lang="da-DK" dirty="0" err="1"/>
+              <a:t>tutorials</a:t>
+            </a:r>
+            <a:r>
+              <a:rPr lang="da-DK" dirty="0"/>
+              <a:t>/es7/</a:t>
+            </a:r>
+            <a:r>
+              <a:rPr lang="da-DK" dirty="0" err="1"/>
+              <a:t>observe</a:t>
+            </a:r>
+            <a:r>
+              <a:rPr lang="da-DK" dirty="0"/>
+              <a:t>/</a:t>
+            </a:r>
+            <a:endParaRPr lang="de-DE" dirty="0"/>
+          </a:p>
+          <a:p>
+            <a:r>
+              <a:rPr lang="de-DE" i="1" dirty="0" smtClean="0"/>
+              <a:t>// </a:t>
+            </a:r>
+            <a:r>
+              <a:rPr lang="de-DE" i="1" dirty="0" err="1" smtClean="0"/>
+              <a:t>Let's</a:t>
+            </a:r>
+            <a:r>
+              <a:rPr lang="de-DE" i="1" dirty="0" smtClean="0"/>
+              <a:t> </a:t>
+            </a:r>
+            <a:r>
+              <a:rPr lang="de-DE" i="1" dirty="0" err="1" smtClean="0"/>
+              <a:t>say</a:t>
+            </a:r>
+            <a:r>
+              <a:rPr lang="de-DE" i="1" dirty="0" smtClean="0"/>
+              <a:t> </a:t>
+            </a:r>
+            <a:r>
+              <a:rPr lang="de-DE" i="1" dirty="0" err="1" smtClean="0"/>
+              <a:t>we</a:t>
+            </a:r>
+            <a:r>
+              <a:rPr lang="de-DE" i="1" dirty="0" smtClean="0"/>
+              <a:t> </a:t>
+            </a:r>
+            <a:r>
+              <a:rPr lang="de-DE" i="1" dirty="0" err="1" smtClean="0"/>
+              <a:t>have</a:t>
+            </a:r>
+            <a:r>
+              <a:rPr lang="de-DE" i="1" dirty="0" smtClean="0"/>
+              <a:t> a </a:t>
+            </a:r>
+            <a:r>
+              <a:rPr lang="de-DE" i="1" dirty="0" err="1" smtClean="0"/>
+              <a:t>model</a:t>
+            </a:r>
+            <a:r>
+              <a:rPr lang="de-DE" i="1" dirty="0" smtClean="0"/>
+              <a:t> </a:t>
+            </a:r>
+            <a:r>
+              <a:rPr lang="de-DE" i="1" dirty="0" err="1" smtClean="0"/>
+              <a:t>with</a:t>
+            </a:r>
+            <a:r>
+              <a:rPr lang="de-DE" i="1" dirty="0" smtClean="0"/>
+              <a:t> </a:t>
+            </a:r>
+            <a:r>
+              <a:rPr lang="de-DE" i="1" dirty="0" err="1" smtClean="0"/>
+              <a:t>data</a:t>
             </a:r>
             <a:endParaRPr lang="de-DE" dirty="0" smtClean="0"/>
           </a:p>
           <a:p>
-            <a:pPr marL="0" indent="0">
-              <a:buNone/>
-            </a:pPr>
-            <a:r>
-              <a:rPr lang="de-DE" dirty="0"/>
-              <a:t>Entwurf von Darstellungskomponenten</a:t>
+            <a:r>
+              <a:rPr lang="da-DK" dirty="0" smtClean="0"/>
+              <a:t>var </a:t>
+            </a:r>
+            <a:r>
+              <a:rPr lang="da-DK" dirty="0"/>
+              <a:t>model = {};</a:t>
+            </a:r>
+          </a:p>
+          <a:p>
+            <a:r>
+              <a:rPr lang="da-DK" i="1" dirty="0" smtClean="0"/>
+              <a:t>// </a:t>
+            </a:r>
+            <a:r>
+              <a:rPr lang="da-DK" i="1" dirty="0" err="1" smtClean="0"/>
+              <a:t>Which</a:t>
+            </a:r>
+            <a:r>
+              <a:rPr lang="da-DK" i="1" dirty="0" smtClean="0"/>
+              <a:t> </a:t>
+            </a:r>
+            <a:r>
+              <a:rPr lang="da-DK" i="1" dirty="0" err="1" smtClean="0"/>
+              <a:t>we</a:t>
+            </a:r>
+            <a:r>
+              <a:rPr lang="da-DK" i="1" dirty="0" smtClean="0"/>
+              <a:t> </a:t>
+            </a:r>
+            <a:r>
+              <a:rPr lang="da-DK" i="1" dirty="0" err="1" smtClean="0"/>
+              <a:t>then</a:t>
+            </a:r>
+            <a:r>
+              <a:rPr lang="da-DK" i="1" dirty="0" smtClean="0"/>
+              <a:t> </a:t>
+            </a:r>
+            <a:r>
+              <a:rPr lang="da-DK" i="1" dirty="0" err="1" smtClean="0"/>
+              <a:t>observe</a:t>
+            </a:r>
+            <a:endParaRPr lang="da-DK" dirty="0" smtClean="0"/>
+          </a:p>
+          <a:p>
+            <a:r>
+              <a:rPr lang="da-DK" dirty="0" err="1" smtClean="0"/>
+              <a:t>Object.observe</a:t>
+            </a:r>
+            <a:r>
+              <a:rPr lang="da-DK" dirty="0"/>
+              <a:t>(model, </a:t>
+            </a:r>
+            <a:r>
+              <a:rPr lang="da-DK" dirty="0" err="1"/>
+              <a:t>function</a:t>
+            </a:r>
+            <a:r>
+              <a:rPr lang="da-DK" dirty="0"/>
+              <a:t>(</a:t>
+            </a:r>
+            <a:r>
+              <a:rPr lang="da-DK" dirty="0" err="1"/>
+              <a:t>changes</a:t>
+            </a:r>
+            <a:r>
+              <a:rPr lang="da-DK" dirty="0"/>
+              <a:t>){</a:t>
+            </a:r>
+          </a:p>
+          <a:p>
+            <a:endParaRPr lang="da-DK" dirty="0"/>
+          </a:p>
+          <a:p>
+            <a:r>
+              <a:rPr lang="da-DK" dirty="0" smtClean="0"/>
+              <a:t>    </a:t>
+            </a:r>
+            <a:r>
+              <a:rPr lang="da-DK" i="1" dirty="0" smtClean="0"/>
+              <a:t>// This </a:t>
+            </a:r>
+            <a:r>
+              <a:rPr lang="da-DK" i="1" dirty="0" err="1" smtClean="0"/>
+              <a:t>asynchronous</a:t>
+            </a:r>
+            <a:r>
+              <a:rPr lang="da-DK" i="1" dirty="0" smtClean="0"/>
+              <a:t> </a:t>
+            </a:r>
+            <a:r>
+              <a:rPr lang="da-DK" i="1" dirty="0" err="1" smtClean="0"/>
+              <a:t>callback</a:t>
+            </a:r>
+            <a:r>
+              <a:rPr lang="da-DK" i="1" dirty="0" smtClean="0"/>
+              <a:t> runs and </a:t>
+            </a:r>
+            <a:r>
+              <a:rPr lang="da-DK" i="1" dirty="0" err="1" smtClean="0"/>
+              <a:t>aggregates</a:t>
+            </a:r>
+            <a:r>
+              <a:rPr lang="da-DK" i="1" dirty="0" smtClean="0"/>
+              <a:t> </a:t>
+            </a:r>
+            <a:r>
+              <a:rPr lang="da-DK" i="1" dirty="0" err="1" smtClean="0"/>
+              <a:t>changes</a:t>
+            </a:r>
+            <a:endParaRPr lang="da-DK" dirty="0" smtClean="0"/>
+          </a:p>
+          <a:p>
+            <a:r>
+              <a:rPr lang="da-DK" dirty="0" smtClean="0"/>
+              <a:t>    </a:t>
+            </a:r>
+            <a:r>
+              <a:rPr lang="da-DK" dirty="0" err="1" smtClean="0"/>
+              <a:t>changes.forEach</a:t>
+            </a:r>
+            <a:r>
+              <a:rPr lang="da-DK" dirty="0" smtClean="0"/>
+              <a:t>(</a:t>
+            </a:r>
+            <a:r>
+              <a:rPr lang="da-DK" dirty="0" err="1" smtClean="0"/>
+              <a:t>function</a:t>
+            </a:r>
+            <a:r>
+              <a:rPr lang="da-DK" dirty="0" smtClean="0"/>
+              <a:t>(</a:t>
+            </a:r>
+            <a:r>
+              <a:rPr lang="da-DK" dirty="0" err="1" smtClean="0"/>
+              <a:t>change</a:t>
+            </a:r>
+            <a:r>
+              <a:rPr lang="da-DK" dirty="0" smtClean="0"/>
+              <a:t>) {</a:t>
+            </a:r>
+          </a:p>
+          <a:p>
+            <a:endParaRPr lang="da-DK" dirty="0"/>
+          </a:p>
+          <a:p>
+            <a:r>
+              <a:rPr lang="da-DK" dirty="0"/>
+              <a:t>        </a:t>
+            </a:r>
+            <a:r>
+              <a:rPr lang="da-DK" i="1" dirty="0"/>
+              <a:t>// </a:t>
+            </a:r>
+            <a:r>
+              <a:rPr lang="da-DK" i="1" dirty="0" err="1"/>
+              <a:t>Letting</a:t>
+            </a:r>
+            <a:r>
+              <a:rPr lang="da-DK" i="1" dirty="0"/>
+              <a:t> </a:t>
+            </a:r>
+            <a:r>
+              <a:rPr lang="da-DK" i="1" dirty="0" err="1"/>
+              <a:t>us</a:t>
+            </a:r>
+            <a:r>
+              <a:rPr lang="da-DK" i="1" dirty="0"/>
+              <a:t> </a:t>
+            </a:r>
+            <a:r>
+              <a:rPr lang="da-DK" i="1" dirty="0" err="1"/>
+              <a:t>know</a:t>
+            </a:r>
+            <a:r>
+              <a:rPr lang="da-DK" i="1" dirty="0"/>
+              <a:t> </a:t>
+            </a:r>
+            <a:r>
+              <a:rPr lang="da-DK" i="1" dirty="0" err="1"/>
+              <a:t>what</a:t>
+            </a:r>
+            <a:r>
+              <a:rPr lang="da-DK" i="1" dirty="0"/>
+              <a:t> changed</a:t>
+            </a:r>
+            <a:endParaRPr lang="da-DK" dirty="0"/>
+          </a:p>
+          <a:p>
+            <a:r>
+              <a:rPr lang="da-DK" dirty="0"/>
+              <a:t>        </a:t>
+            </a:r>
+            <a:r>
+              <a:rPr lang="da-DK" dirty="0" err="1"/>
+              <a:t>console.log</a:t>
+            </a:r>
+            <a:r>
+              <a:rPr lang="da-DK" dirty="0"/>
+              <a:t>(</a:t>
+            </a:r>
+            <a:r>
+              <a:rPr lang="da-DK" dirty="0" err="1"/>
+              <a:t>change.type</a:t>
+            </a:r>
+            <a:r>
+              <a:rPr lang="da-DK" dirty="0"/>
+              <a:t>, </a:t>
+            </a:r>
+            <a:r>
+              <a:rPr lang="da-DK" dirty="0" err="1"/>
+              <a:t>change.name</a:t>
+            </a:r>
+            <a:r>
+              <a:rPr lang="da-DK" dirty="0"/>
+              <a:t>, </a:t>
+            </a:r>
+            <a:r>
+              <a:rPr lang="da-DK" dirty="0" err="1"/>
+              <a:t>change.oldValue</a:t>
+            </a:r>
+            <a:r>
+              <a:rPr lang="da-DK" dirty="0"/>
+              <a:t>)</a:t>
+            </a:r>
+            <a:r>
+              <a:rPr lang="da-DK" dirty="0" smtClean="0"/>
+              <a:t>;  //</a:t>
+            </a:r>
+            <a:r>
+              <a:rPr lang="da-DK" dirty="0" err="1" smtClean="0"/>
+              <a:t>update</a:t>
+            </a:r>
+            <a:r>
+              <a:rPr lang="da-DK" dirty="0" smtClean="0"/>
+              <a:t> </a:t>
+            </a:r>
+            <a:r>
+              <a:rPr lang="da-DK" dirty="0" err="1" smtClean="0"/>
+              <a:t>property</a:t>
+            </a:r>
+            <a:r>
+              <a:rPr lang="da-DK" dirty="0" smtClean="0"/>
+              <a:t> </a:t>
+            </a:r>
+            <a:r>
+              <a:rPr lang="da-DK" dirty="0" err="1" smtClean="0"/>
+              <a:t>newvalue</a:t>
+            </a:r>
+            <a:endParaRPr lang="da-DK" dirty="0"/>
+          </a:p>
+          <a:p>
+            <a:r>
+              <a:rPr lang="da-DK" dirty="0"/>
+              <a:t>    });</a:t>
+            </a:r>
+          </a:p>
+          <a:p>
+            <a:endParaRPr lang="da-DK" dirty="0"/>
+          </a:p>
+          <a:p>
+            <a:r>
+              <a:rPr lang="da-DK" dirty="0"/>
+              <a:t>})</a:t>
+            </a:r>
+            <a:r>
+              <a:rPr lang="da-DK" dirty="0" smtClean="0"/>
+              <a:t>;</a:t>
             </a:r>
           </a:p>
         </p:txBody>
@@ -12922,11 +13129,15 @@
           <a:p>
             <a:r>
               <a:rPr lang="de-DE" dirty="0" smtClean="0"/>
-              <a:t>Template </a:t>
-            </a:r>
-            <a:r>
-              <a:rPr lang="de-DE" dirty="0" err="1" smtClean="0"/>
-              <a:t>Method</a:t>
+              <a:t>Observer in </a:t>
+            </a:r>
+            <a:r>
+              <a:rPr lang="de-DE" strike="sngStrike" dirty="0" smtClean="0"/>
+              <a:t>ES6</a:t>
+            </a:r>
+            <a:r>
+              <a:rPr lang="de-DE" dirty="0" smtClean="0"/>
+              <a:t> ES7</a:t>
             </a:r>
             <a:endParaRPr lang="de-DE" dirty="0"/>
           </a:p>
@@ -12935,21 +13146,13 @@
     </p:spTree>
     <p:extLst>
       <p:ext uri="{BB962C8B-B14F-4D97-AF65-F5344CB8AC3E}">
-        <p14:creationId xmlns:p14="http://schemas.microsoft.com/office/powerpoint/2010/main" val="98011362"/>
+        <p14:creationId xmlns:p14="http://schemas.microsoft.com/office/powerpoint/2010/main" val="1625910393"/>
       </p:ext>
     </p:extLst>
   </p:cSld>
   <p:clrMapOvr>
     <a:masterClrMapping/>
   </p:clrMapOvr>
-  <mc:AlternateContent xmlns:mc="http://schemas.openxmlformats.org/markup-compatibility/2006" xmlns:p14="http://schemas.microsoft.com/office/powerpoint/2010/main">
-    <mc:Choice Requires="p14">
-      <p:transition spd="slow" p14:dur="2000"/>
-    </mc:Choice>
-    <mc:Fallback xmlns="">
-      <p:transition xmlns:p14="http://schemas.microsoft.com/office/powerpoint/2010/main" spd="slow"/>
-    </mc:Fallback>
-  </mc:AlternateContent>
 </p:sld>
 </file>
 
@@ -12982,106 +13185,58 @@
         </p:nvSpPr>
         <p:spPr/>
         <p:txBody>
-          <a:bodyPr>
-            <a:normAutofit lnSpcReduction="10000"/>
-          </a:bodyPr>
+          <a:bodyPr/>
           <a:lstStyle/>
           <a:p>
             <a:r>
-              <a:rPr lang="en-US" dirty="0" err="1"/>
-              <a:t>var</a:t>
-            </a:r>
-            <a:r>
-              <a:rPr lang="en-US" dirty="0"/>
-              <a:t> Ad = function () {</a:t>
-            </a:r>
-          </a:p>
-          <a:p>
-            <a:r>
-              <a:rPr lang="en-US" dirty="0"/>
-              <a:t>    </a:t>
-            </a:r>
-            <a:r>
-              <a:rPr lang="en-US" dirty="0" err="1"/>
-              <a:t>this.execute</a:t>
-            </a:r>
-            <a:r>
-              <a:rPr lang="en-US" dirty="0"/>
-              <a:t> = function () {</a:t>
-            </a:r>
-          </a:p>
-          <a:p>
-            <a:r>
-              <a:rPr lang="en-US" dirty="0"/>
-              <a:t>        // do some heavy stuff</a:t>
-            </a:r>
-          </a:p>
-          <a:p>
-            <a:r>
-              <a:rPr lang="en-US" dirty="0"/>
-              <a:t>        ;</a:t>
-            </a:r>
-          </a:p>
-          <a:p>
-            <a:r>
-              <a:rPr lang="en-US" dirty="0"/>
-              <a:t>        // and display the add</a:t>
-            </a:r>
-          </a:p>
-          <a:p>
-            <a:r>
-              <a:rPr lang="en-US" dirty="0"/>
-              <a:t>        </a:t>
-            </a:r>
-            <a:r>
-              <a:rPr lang="en-US" dirty="0" err="1"/>
-              <a:t>this.display</a:t>
-            </a:r>
-            <a:r>
-              <a:rPr lang="en-US" dirty="0"/>
-              <a:t>();</a:t>
-            </a:r>
-          </a:p>
-          <a:p>
-            <a:r>
-              <a:rPr lang="en-US" dirty="0"/>
-              <a:t>    },</a:t>
-            </a:r>
-          </a:p>
-          <a:p>
-            <a:r>
-              <a:rPr lang="en-US" dirty="0"/>
-              <a:t>    </a:t>
-            </a:r>
-            <a:r>
-              <a:rPr lang="en-US" dirty="0" err="1"/>
-              <a:t>this.display</a:t>
-            </a:r>
-            <a:r>
-              <a:rPr lang="en-US" dirty="0"/>
-              <a:t> = function () {</a:t>
-            </a:r>
-          </a:p>
-          <a:p>
-            <a:r>
-              <a:rPr lang="en-US" dirty="0"/>
-              <a:t>        throw "Not implemented yet!";</a:t>
-            </a:r>
-          </a:p>
-          <a:p>
-            <a:r>
-              <a:rPr lang="en-US" dirty="0"/>
-              <a:t>    }</a:t>
-            </a:r>
-          </a:p>
-          <a:p>
-            <a:r>
-              <a:rPr lang="en-US" dirty="0"/>
-              <a:t>}; </a:t>
-            </a:r>
-          </a:p>
-          <a:p>
-            <a:endParaRPr lang="de-DE" dirty="0"/>
+              <a:rPr lang="de-DE" dirty="0" smtClean="0"/>
+              <a:t>ein Template definiert Methoden</a:t>
+            </a:r>
+          </a:p>
+          <a:p>
+            <a:r>
+              <a:rPr lang="de-DE" dirty="0"/>
+              <a:t>stellt das Gerüst für konkrete Implementierungen </a:t>
+            </a:r>
+            <a:r>
+              <a:rPr lang="de-DE" dirty="0" smtClean="0"/>
+              <a:t>bereit</a:t>
+            </a:r>
+          </a:p>
+          <a:p>
+            <a:r>
+              <a:rPr lang="de-DE" dirty="0"/>
+              <a:t>abgeleiteten Objekt </a:t>
+            </a:r>
+            <a:r>
+              <a:rPr lang="de-DE" dirty="0" smtClean="0"/>
+              <a:t>überschreiben einzelne Methoden</a:t>
+            </a:r>
+          </a:p>
+          <a:p>
+            <a:r>
+              <a:rPr lang="de-DE" dirty="0"/>
+              <a:t>Inversion-</a:t>
+            </a:r>
+            <a:r>
+              <a:rPr lang="de-DE" dirty="0" err="1"/>
+              <a:t>of</a:t>
+            </a:r>
+            <a:r>
+              <a:rPr lang="de-DE" dirty="0"/>
+              <a:t>-</a:t>
+            </a:r>
+            <a:r>
+              <a:rPr lang="de-DE" dirty="0" err="1"/>
+              <a:t>Control</a:t>
+            </a:r>
+            <a:endParaRPr lang="de-DE" dirty="0" smtClean="0"/>
+          </a:p>
+          <a:p>
+            <a:r>
+              <a:rPr lang="de-DE" dirty="0"/>
+              <a:t>Entwurf von Darstellungskomponenten</a:t>
+            </a:r>
           </a:p>
         </p:txBody>
       </p:sp>
@@ -13115,7 +13270,7 @@
     </p:spTree>
     <p:extLst>
       <p:ext uri="{BB962C8B-B14F-4D97-AF65-F5344CB8AC3E}">
-        <p14:creationId xmlns:p14="http://schemas.microsoft.com/office/powerpoint/2010/main" val="1365218095"/>
+        <p14:creationId xmlns:p14="http://schemas.microsoft.com/office/powerpoint/2010/main" val="98011362"/>
       </p:ext>
     </p:extLst>
   </p:cSld>
@@ -13163,6 +13318,186 @@
         <p:spPr/>
         <p:txBody>
           <a:bodyPr>
+            <a:normAutofit lnSpcReduction="10000"/>
+          </a:bodyPr>
+          <a:lstStyle/>
+          <a:p>
+            <a:r>
+              <a:rPr lang="en-US" dirty="0" err="1"/>
+              <a:t>var</a:t>
+            </a:r>
+            <a:r>
+              <a:rPr lang="en-US" dirty="0"/>
+              <a:t> Ad = function () {</a:t>
+            </a:r>
+          </a:p>
+          <a:p>
+            <a:r>
+              <a:rPr lang="en-US" dirty="0"/>
+              <a:t>    </a:t>
+            </a:r>
+            <a:r>
+              <a:rPr lang="en-US" dirty="0" err="1"/>
+              <a:t>this.execute</a:t>
+            </a:r>
+            <a:r>
+              <a:rPr lang="en-US" dirty="0"/>
+              <a:t> = function () {</a:t>
+            </a:r>
+          </a:p>
+          <a:p>
+            <a:r>
+              <a:rPr lang="en-US" dirty="0"/>
+              <a:t>        // do some heavy stuff</a:t>
+            </a:r>
+          </a:p>
+          <a:p>
+            <a:r>
+              <a:rPr lang="en-US" dirty="0"/>
+              <a:t>        ;</a:t>
+            </a:r>
+          </a:p>
+          <a:p>
+            <a:r>
+              <a:rPr lang="en-US" dirty="0"/>
+              <a:t>        // and display the add</a:t>
+            </a:r>
+          </a:p>
+          <a:p>
+            <a:r>
+              <a:rPr lang="en-US" dirty="0"/>
+              <a:t>        </a:t>
+            </a:r>
+            <a:r>
+              <a:rPr lang="en-US" dirty="0" err="1"/>
+              <a:t>this.display</a:t>
+            </a:r>
+            <a:r>
+              <a:rPr lang="en-US" dirty="0"/>
+              <a:t>();</a:t>
+            </a:r>
+          </a:p>
+          <a:p>
+            <a:r>
+              <a:rPr lang="en-US" dirty="0"/>
+              <a:t>    },</a:t>
+            </a:r>
+          </a:p>
+          <a:p>
+            <a:r>
+              <a:rPr lang="en-US" dirty="0"/>
+              <a:t>    </a:t>
+            </a:r>
+            <a:r>
+              <a:rPr lang="en-US" dirty="0" err="1"/>
+              <a:t>this.display</a:t>
+            </a:r>
+            <a:r>
+              <a:rPr lang="en-US" dirty="0"/>
+              <a:t> = function () {</a:t>
+            </a:r>
+          </a:p>
+          <a:p>
+            <a:r>
+              <a:rPr lang="en-US" dirty="0"/>
+              <a:t>        throw "Not implemented yet!";</a:t>
+            </a:r>
+          </a:p>
+          <a:p>
+            <a:r>
+              <a:rPr lang="en-US" dirty="0"/>
+              <a:t>    }</a:t>
+            </a:r>
+          </a:p>
+          <a:p>
+            <a:r>
+              <a:rPr lang="en-US" dirty="0"/>
+              <a:t>}; </a:t>
+            </a:r>
+          </a:p>
+          <a:p>
+            <a:endParaRPr lang="de-DE" dirty="0"/>
+          </a:p>
+        </p:txBody>
+      </p:sp>
+      <p:sp>
+        <p:nvSpPr>
+          <p:cNvPr id="3" name="Titel 2"/>
+          <p:cNvSpPr>
+            <a:spLocks noGrp="1"/>
+          </p:cNvSpPr>
+          <p:nvPr>
+            <p:ph type="title"/>
+          </p:nvPr>
+        </p:nvSpPr>
+        <p:spPr/>
+        <p:txBody>
+          <a:bodyPr/>
+          <a:lstStyle/>
+          <a:p>
+            <a:r>
+              <a:rPr lang="de-DE" dirty="0" smtClean="0"/>
+              <a:t>Template </a:t>
+            </a:r>
+            <a:r>
+              <a:rPr lang="de-DE" dirty="0" err="1" smtClean="0"/>
+              <a:t>Method</a:t>
+            </a:r>
+            <a:endParaRPr lang="de-DE" dirty="0"/>
+          </a:p>
+        </p:txBody>
+      </p:sp>
+    </p:spTree>
+    <p:extLst>
+      <p:ext uri="{BB962C8B-B14F-4D97-AF65-F5344CB8AC3E}">
+        <p14:creationId xmlns:p14="http://schemas.microsoft.com/office/powerpoint/2010/main" val="1365218095"/>
+      </p:ext>
+    </p:extLst>
+  </p:cSld>
+  <p:clrMapOvr>
+    <a:masterClrMapping/>
+  </p:clrMapOvr>
+  <mc:AlternateContent xmlns:mc="http://schemas.openxmlformats.org/markup-compatibility/2006" xmlns:p14="http://schemas.microsoft.com/office/powerpoint/2010/main">
+    <mc:Choice Requires="p14">
+      <p:transition spd="slow" p14:dur="2000"/>
+    </mc:Choice>
+    <mc:Fallback xmlns="">
+      <p:transition xmlns:p14="http://schemas.microsoft.com/office/powerpoint/2010/main" spd="slow"/>
+    </mc:Fallback>
+  </mc:AlternateContent>
+</p:sld>
+</file>
+
+<file path=ppt/slides/slide46.xml><?xml version="1.0" encoding="utf-8"?>
+<p:sld xmlns:a="http://schemas.openxmlformats.org/drawingml/2006/main" xmlns:r="http://schemas.openxmlformats.org/officeDocument/2006/relationships" xmlns:p="http://schemas.openxmlformats.org/presentationml/2006/main">
+  <p:cSld>
+    <p:spTree>
+      <p:nvGrpSpPr>
+        <p:cNvPr id="1" name=""/>
+        <p:cNvGrpSpPr/>
+        <p:nvPr/>
+      </p:nvGrpSpPr>
+      <p:grpSpPr>
+        <a:xfrm>
+          <a:off x="0" y="0"/>
+          <a:ext cx="0" cy="0"/>
+          <a:chOff x="0" y="0"/>
+          <a:chExt cx="0" cy="0"/>
+        </a:xfrm>
+      </p:grpSpPr>
+      <p:sp>
+        <p:nvSpPr>
+          <p:cNvPr id="2" name="Inhaltsplatzhalter 1"/>
+          <p:cNvSpPr>
+            <a:spLocks noGrp="1"/>
+          </p:cNvSpPr>
+          <p:nvPr>
+            <p:ph idx="1"/>
+          </p:nvPr>
+        </p:nvSpPr>
+        <p:spPr/>
+        <p:txBody>
+          <a:bodyPr>
             <a:normAutofit fontScale="77500" lnSpcReduction="20000"/>
           </a:bodyPr>
           <a:lstStyle/>
@@ -13280,11 +13615,7 @@
             </a:r>
             <a:r>
               <a:rPr lang="en-US" dirty="0"/>
-              <a:t> (</a:t>
-            </a:r>
-            <a:r>
-              <a:rPr lang="en-US" dirty="0"/>
-              <a:t>"Displays a Banner Ad");  </a:t>
+              <a:t> ("Displays a Banner Ad");  </a:t>
             </a:r>
           </a:p>
           <a:p>
@@ -13393,7 +13724,7 @@
 </p:sld>
 </file>
 
-<file path=ppt/slides/slide46.xml><?xml version="1.0" encoding="utf-8"?>
+<file path=ppt/slides/slide47.xml><?xml version="1.0" encoding="utf-8"?>
 <p:sld xmlns:a="http://schemas.openxmlformats.org/drawingml/2006/main" xmlns:r="http://schemas.openxmlformats.org/officeDocument/2006/relationships" xmlns:p="http://schemas.openxmlformats.org/presentationml/2006/main">
   <p:cSld>
     <p:spTree>
@@ -13460,7 +13791,7 @@
 </p:sld>
 </file>
 
-<file path=ppt/slides/slide47.xml><?xml version="1.0" encoding="utf-8"?>
+<file path=ppt/slides/slide48.xml><?xml version="1.0" encoding="utf-8"?>
 <p:sld xmlns:a="http://schemas.openxmlformats.org/drawingml/2006/main" xmlns:r="http://schemas.openxmlformats.org/officeDocument/2006/relationships" xmlns:p="http://schemas.openxmlformats.org/presentationml/2006/main">
   <p:cSld>
     <p:spTree>
@@ -13497,11 +13828,7 @@
             </a:pPr>
             <a:r>
               <a:rPr lang="de-DE" dirty="0" smtClean="0"/>
-              <a:t>Module werden </a:t>
-            </a:r>
-            <a:r>
-              <a:rPr lang="de-DE" dirty="0" smtClean="0"/>
-              <a:t>in JavaScript klassisch über </a:t>
+              <a:t>Module werden in JavaScript klassisch über </a:t>
             </a:r>
             <a:r>
               <a:rPr lang="de-DE" dirty="0" err="1" smtClean="0"/>
@@ -13607,158 +13934,6 @@
 </p:sld>
 </file>
 
-<file path=ppt/slides/slide48.xml><?xml version="1.0" encoding="utf-8"?>
-<p:sld xmlns:a="http://schemas.openxmlformats.org/drawingml/2006/main" xmlns:r="http://schemas.openxmlformats.org/officeDocument/2006/relationships" xmlns:p="http://schemas.openxmlformats.org/presentationml/2006/main">
-  <p:cSld>
-    <p:spTree>
-      <p:nvGrpSpPr>
-        <p:cNvPr id="1" name=""/>
-        <p:cNvGrpSpPr/>
-        <p:nvPr/>
-      </p:nvGrpSpPr>
-      <p:grpSpPr>
-        <a:xfrm>
-          <a:off x="0" y="0"/>
-          <a:ext cx="0" cy="0"/>
-          <a:chOff x="0" y="0"/>
-          <a:chExt cx="0" cy="0"/>
-        </a:xfrm>
-      </p:grpSpPr>
-      <p:sp>
-        <p:nvSpPr>
-          <p:cNvPr id="2" name="Inhaltsplatzhalter 1"/>
-          <p:cNvSpPr>
-            <a:spLocks noGrp="1"/>
-          </p:cNvSpPr>
-          <p:nvPr>
-            <p:ph idx="1"/>
-          </p:nvPr>
-        </p:nvSpPr>
-        <p:spPr/>
-        <p:txBody>
-          <a:bodyPr>
-            <a:normAutofit/>
-          </a:bodyPr>
-          <a:lstStyle/>
-          <a:p>
-            <a:r>
-              <a:rPr lang="en-US" dirty="0"/>
-              <a:t>(function () {</a:t>
-            </a:r>
-          </a:p>
-          <a:p>
-            <a:r>
-              <a:rPr lang="en-US" dirty="0"/>
-              <a:t>	// ... all </a:t>
-            </a:r>
-            <a:r>
-              <a:rPr lang="en-US" dirty="0" err="1"/>
-              <a:t>vars</a:t>
-            </a:r>
-            <a:r>
-              <a:rPr lang="en-US" dirty="0"/>
-              <a:t> and functions are in this scope </a:t>
-            </a:r>
-            <a:r>
-              <a:rPr lang="en-US" dirty="0" smtClean="0"/>
-              <a:t>only</a:t>
-            </a:r>
-          </a:p>
-          <a:p>
-            <a:r>
-              <a:rPr lang="en-US" dirty="0"/>
-              <a:t>	</a:t>
-            </a:r>
-            <a:r>
-              <a:rPr lang="en-US" dirty="0" err="1" smtClean="0"/>
-              <a:t>var</a:t>
-            </a:r>
-            <a:r>
-              <a:rPr lang="en-US" dirty="0" smtClean="0"/>
-              <a:t> x, y;</a:t>
-            </a:r>
-            <a:endParaRPr lang="en-US" dirty="0"/>
-          </a:p>
-          <a:p>
-            <a:r>
-              <a:rPr lang="en-US" dirty="0" smtClean="0"/>
-              <a:t>})();</a:t>
-            </a:r>
-            <a:endParaRPr lang="en-US" dirty="0"/>
-          </a:p>
-        </p:txBody>
-      </p:sp>
-      <p:sp>
-        <p:nvSpPr>
-          <p:cNvPr id="3" name="Titel 2"/>
-          <p:cNvSpPr>
-            <a:spLocks noGrp="1"/>
-          </p:cNvSpPr>
-          <p:nvPr>
-            <p:ph type="title"/>
-          </p:nvPr>
-        </p:nvSpPr>
-        <p:spPr/>
-        <p:txBody>
-          <a:bodyPr/>
-          <a:lstStyle/>
-          <a:p>
-            <a:r>
-              <a:rPr lang="de-DE" dirty="0" smtClean="0"/>
-              <a:t>Module – Immediate </a:t>
-            </a:r>
-            <a:r>
-              <a:rPr lang="de-DE" dirty="0" err="1" smtClean="0"/>
-              <a:t>Functions</a:t>
-            </a:r>
-            <a:r>
-              <a:rPr lang="de-DE" dirty="0" smtClean="0"/>
-              <a:t> </a:t>
-            </a:r>
-            <a:r>
-              <a:rPr lang="de-DE" dirty="0" err="1" smtClean="0"/>
-              <a:t>with</a:t>
-            </a:r>
-            <a:r>
-              <a:rPr lang="de-DE" dirty="0" smtClean="0"/>
-              <a:t> </a:t>
-            </a:r>
-            <a:r>
-              <a:rPr lang="de-DE" dirty="0" err="1" smtClean="0"/>
-              <a:t>Closures</a:t>
-            </a:r>
-            <a:endParaRPr lang="de-DE" dirty="0"/>
-          </a:p>
-        </p:txBody>
-      </p:sp>
-    </p:spTree>
-    <p:extLst>
-      <p:ext uri="{BB962C8B-B14F-4D97-AF65-F5344CB8AC3E}">
-        <p14:creationId xmlns:p14="http://schemas.microsoft.com/office/powerpoint/2010/main" val="4089056548"/>
-      </p:ext>
-    </p:extLst>
-  </p:cSld>
-  <p:clrMapOvr>
-    <a:masterClrMapping/>
-  </p:clrMapOvr>
-  <mc:AlternateContent xmlns:mc="http://schemas.openxmlformats.org/markup-compatibility/2006" xmlns:p14="http://schemas.microsoft.com/office/powerpoint/2010/main">
-    <mc:Choice Requires="p14">
-      <p:transition spd="slow" p14:dur="2000"/>
-    </mc:Choice>
-    <mc:Fallback xmlns="">
-      <p:transition xmlns:p14="http://schemas.microsoft.com/office/powerpoint/2010/main" spd="slow"/>
-    </mc:Fallback>
-  </mc:AlternateContent>
-  <p:timing>
-    <p:tnLst>
-      <p:par>
-        <p:cTn xmlns:p14="http://schemas.microsoft.com/office/powerpoint/2010/main" id="1" dur="indefinite" restart="never" nodeType="tmRoot"/>
-      </p:par>
-    </p:tnLst>
-  </p:timing>
-</p:sld>
-</file>
-
 <file path=ppt/slides/slide49.xml><?xml version="1.0" encoding="utf-8"?>
 <p:sld xmlns:a="http://schemas.openxmlformats.org/drawingml/2006/main" xmlns:r="http://schemas.openxmlformats.org/officeDocument/2006/relationships" xmlns:p="http://schemas.openxmlformats.org/presentationml/2006/main">
   <p:cSld>
@@ -13789,23 +13964,11 @@
         <p:spPr/>
         <p:txBody>
           <a:bodyPr>
-            <a:normAutofit fontScale="92500" lnSpcReduction="20000"/>
+            <a:normAutofit/>
           </a:bodyPr>
           <a:lstStyle/>
           <a:p>
             <a:r>
-              <a:rPr lang="en-US" dirty="0" err="1"/>
-              <a:t>var</a:t>
-            </a:r>
-            <a:r>
-              <a:rPr lang="en-US" dirty="0"/>
-              <a:t> </a:t>
-            </a:r>
-            <a:r>
-              <a:rPr lang="en-US" dirty="0" smtClean="0"/>
-              <a:t>module = </a:t>
-            </a:r>
-            <a:r>
               <a:rPr lang="en-US" dirty="0"/>
               <a:t>(function () {</a:t>
             </a:r>
@@ -13813,27 +13976,19 @@
           <a:p>
             <a:r>
               <a:rPr lang="en-US" dirty="0"/>
-              <a:t>	</a:t>
+              <a:t>	// ... all </a:t>
             </a:r>
             <a:r>
               <a:rPr lang="en-US" dirty="0" err="1"/>
-              <a:t>var</a:t>
+              <a:t>vars</a:t>
             </a:r>
             <a:r>
               <a:rPr lang="en-US" dirty="0"/>
-              <a:t> </a:t>
-            </a:r>
-            <a:r>
-              <a:rPr lang="en-US" dirty="0" err="1" smtClean="0"/>
-              <a:t>myModule</a:t>
+              <a:t> and functions are in this scope </a:t>
             </a:r>
             <a:r>
               <a:rPr lang="en-US" dirty="0" smtClean="0"/>
-              <a:t> </a:t>
-            </a:r>
-            <a:r>
-              <a:rPr lang="en-US" dirty="0"/>
-              <a:t>= {},</a:t>
+              <a:t>only</a:t>
             </a:r>
           </a:p>
           <a:p>
@@ -13843,101 +13998,11 @@
             </a:r>
             <a:r>
               <a:rPr lang="en-US" dirty="0" err="1" smtClean="0"/>
-              <a:t>privateVariable</a:t>
+              <a:t>var</a:t>
             </a:r>
             <a:r>
               <a:rPr lang="en-US" dirty="0" smtClean="0"/>
-              <a:t> </a:t>
-            </a:r>
-            <a:r>
-              <a:rPr lang="en-US" dirty="0"/>
-              <a:t>= 1;</a:t>
-            </a:r>
-          </a:p>
-          <a:p>
-            <a:r>
-              <a:rPr lang="en-US" dirty="0"/>
-              <a:t>	function </a:t>
-            </a:r>
-            <a:r>
-              <a:rPr lang="en-US" dirty="0" err="1"/>
-              <a:t>privateMethod</a:t>
-            </a:r>
-            <a:r>
-              <a:rPr lang="en-US" dirty="0"/>
-              <a:t>() {</a:t>
-            </a:r>
-          </a:p>
-          <a:p>
-            <a:r>
-              <a:rPr lang="en-US" dirty="0"/>
-              <a:t>		// ...</a:t>
-            </a:r>
-          </a:p>
-          <a:p>
-            <a:r>
-              <a:rPr lang="en-US" dirty="0"/>
-              <a:t>	}</a:t>
-            </a:r>
-          </a:p>
-          <a:p>
-            <a:r>
-              <a:rPr lang="en-US" dirty="0"/>
-              <a:t>	</a:t>
-            </a:r>
-            <a:r>
-              <a:rPr lang="en-US" dirty="0" err="1" smtClean="0"/>
-              <a:t>myModule.getVar</a:t>
-            </a:r>
-            <a:r>
-              <a:rPr lang="en-US" dirty="0" smtClean="0"/>
-              <a:t> = </a:t>
-            </a:r>
-            <a:r>
-              <a:rPr lang="en-US" dirty="0"/>
-              <a:t>function () {</a:t>
-            </a:r>
-          </a:p>
-          <a:p>
-            <a:r>
-              <a:rPr lang="en-US" dirty="0"/>
-              <a:t>		</a:t>
-            </a:r>
-            <a:r>
-              <a:rPr lang="en-US" dirty="0" smtClean="0"/>
-              <a:t>return </a:t>
-            </a:r>
-            <a:r>
-              <a:rPr lang="en-US" dirty="0" err="1" smtClean="0"/>
-              <a:t>privateVariable</a:t>
-            </a:r>
-            <a:r>
-              <a:rPr lang="en-US" dirty="0" smtClean="0"/>
-              <a:t>;</a:t>
-            </a:r>
-            <a:endParaRPr lang="en-US" dirty="0"/>
-          </a:p>
-          <a:p>
-            <a:r>
-              <a:rPr lang="en-US" dirty="0"/>
-              <a:t>	};</a:t>
-            </a:r>
-          </a:p>
-          <a:p>
-            <a:endParaRPr lang="en-US" dirty="0"/>
-          </a:p>
-          <a:p>
-            <a:r>
-              <a:rPr lang="en-US" dirty="0"/>
-              <a:t>	return </a:t>
-            </a:r>
-            <a:r>
-              <a:rPr lang="en-US" dirty="0" err="1" smtClean="0"/>
-              <a:t>myModule</a:t>
-            </a:r>
-            <a:r>
-              <a:rPr lang="en-US" dirty="0" smtClean="0"/>
-              <a:t>;</a:t>
+              <a:t> x, y;</a:t>
             </a:r>
             <a:endParaRPr lang="en-US" dirty="0"/>
           </a:p>
@@ -13967,7 +14032,27 @@
           <a:p>
             <a:r>
               <a:rPr lang="de-DE" dirty="0" smtClean="0"/>
-              <a:t>Module – Export</a:t>
+              <a:t>Module – Immediate </a:t>
+            </a:r>
+            <a:r>
+              <a:rPr lang="de-DE" dirty="0" err="1" smtClean="0"/>
+              <a:t>Functions</a:t>
+            </a:r>
+            <a:r>
+              <a:rPr lang="de-DE" dirty="0" smtClean="0"/>
+              <a:t> </a:t>
+            </a:r>
+            <a:r>
+              <a:rPr lang="de-DE" dirty="0" err="1" smtClean="0"/>
+              <a:t>with</a:t>
+            </a:r>
+            <a:r>
+              <a:rPr lang="de-DE" dirty="0" smtClean="0"/>
+              <a:t> </a:t>
+            </a:r>
+            <a:r>
+              <a:rPr lang="de-DE" dirty="0" err="1" smtClean="0"/>
+              <a:t>Closures</a:t>
             </a:r>
             <a:endParaRPr lang="de-DE" dirty="0"/>
           </a:p>
@@ -13976,7 +14061,7 @@
     </p:spTree>
     <p:extLst>
       <p:ext uri="{BB962C8B-B14F-4D97-AF65-F5344CB8AC3E}">
-        <p14:creationId xmlns:p14="http://schemas.microsoft.com/office/powerpoint/2010/main" val="3974371478"/>
+        <p14:creationId xmlns:p14="http://schemas.microsoft.com/office/powerpoint/2010/main" val="4089056548"/>
       </p:ext>
     </p:extLst>
   </p:cSld>
@@ -14040,9 +14125,59 @@
             </a:pPr>
             <a:r>
               <a:rPr lang="de-DE" dirty="0" smtClean="0"/>
-              <a:t>In ES6 wird – für Java-Entwickler – alles ganz einfach werden.</a:t>
-            </a:r>
-            <a:endParaRPr lang="de-DE" dirty="0"/>
+              <a:t>In ES6 wird – für Java-Entwickler – alles ganz einfach </a:t>
+            </a:r>
+            <a:r>
+              <a:rPr lang="de-DE" dirty="0" smtClean="0"/>
+              <a:t>werden. </a:t>
+            </a:r>
+            <a:br>
+              <a:rPr lang="de-DE" dirty="0" smtClean="0"/>
+            </a:br>
+            <a:r>
+              <a:rPr lang="de-DE" dirty="0" smtClean="0"/>
+              <a:t/>
+            </a:r>
+            <a:br>
+              <a:rPr lang="de-DE" dirty="0" smtClean="0"/>
+            </a:br>
+            <a:r>
+              <a:rPr lang="de-DE" sz="1200" dirty="0" smtClean="0"/>
+              <a:t>(Im Moment ist man froh, wenn man </a:t>
+            </a:r>
+            <a:r>
+              <a:rPr lang="de-DE" sz="1200" dirty="0"/>
+              <a:t>ES5 verwenden </a:t>
+            </a:r>
+            <a:r>
+              <a:rPr lang="de-DE" sz="1200" dirty="0" smtClean="0"/>
+              <a:t>darf (IE9+) </a:t>
+            </a:r>
+            <a:r>
+              <a:rPr lang="de-DE" sz="1200" dirty="0"/>
+              <a:t>-&gt; http://</a:t>
+            </a:r>
+            <a:r>
+              <a:rPr lang="de-DE" sz="1200" dirty="0" err="1"/>
+              <a:t>kangax.github.io</a:t>
+            </a:r>
+            <a:r>
+              <a:rPr lang="de-DE" sz="1200" dirty="0"/>
+              <a:t>/</a:t>
+            </a:r>
+            <a:r>
+              <a:rPr lang="de-DE" sz="1200" dirty="0" err="1"/>
+              <a:t>compat-table</a:t>
+            </a:r>
+            <a:r>
+              <a:rPr lang="de-DE" sz="1200" dirty="0"/>
+              <a:t>/es5</a:t>
+            </a:r>
+            <a:r>
+              <a:rPr lang="de-DE" sz="1200" smtClean="0"/>
+              <a:t>/)</a:t>
+            </a:r>
+            <a:endParaRPr lang="de-DE" sz="1200" dirty="0"/>
           </a:p>
         </p:txBody>
       </p:sp>
@@ -14119,35 +14254,61 @@
         <p:spPr/>
         <p:txBody>
           <a:bodyPr>
-            <a:normAutofit/>
+            <a:normAutofit fontScale="92500" lnSpcReduction="20000"/>
           </a:bodyPr>
           <a:lstStyle/>
           <a:p>
             <a:r>
+              <a:rPr lang="en-US" dirty="0" err="1"/>
+              <a:t>var</a:t>
+            </a:r>
+            <a:r>
               <a:rPr lang="en-US" dirty="0"/>
-              <a:t>(function ($, </a:t>
+              <a:t> </a:t>
+            </a:r>
+            <a:r>
+              <a:rPr lang="en-US" dirty="0" smtClean="0"/>
+              <a:t>module = </a:t>
+            </a:r>
+            <a:r>
+              <a:rPr lang="en-US" dirty="0"/>
+              <a:t>(function () {</a:t>
+            </a:r>
+          </a:p>
+          <a:p>
+            <a:r>
+              <a:rPr lang="en-US" dirty="0"/>
+              <a:t>	</a:t>
+            </a:r>
+            <a:r>
+              <a:rPr lang="en-US" dirty="0" err="1"/>
+              <a:t>var</a:t>
+            </a:r>
+            <a:r>
+              <a:rPr lang="en-US" dirty="0"/>
+              <a:t> </a:t>
             </a:r>
             <a:r>
               <a:rPr lang="en-US" dirty="0" err="1" smtClean="0"/>
-              <a:t>addressService</a:t>
+              <a:t>myModule</a:t>
             </a:r>
             <a:r>
               <a:rPr lang="en-US" dirty="0" smtClean="0"/>
-              <a:t>) </a:t>
+              <a:t> </a:t>
             </a:r>
             <a:r>
               <a:rPr lang="en-US" dirty="0"/>
-              <a:t>{</a:t>
+              <a:t>= {},</a:t>
             </a:r>
           </a:p>
           <a:p>
             <a:r>
               <a:rPr lang="en-US" dirty="0"/>
-              <a:t>	// now have access to </a:t>
+              <a:t>	</a:t>
             </a:r>
             <a:r>
               <a:rPr lang="en-US" dirty="0" err="1" smtClean="0"/>
-              <a:t>jQuery</a:t>
+              <a:t>privateVariable</a:t>
             </a:r>
             <a:r>
               <a:rPr lang="en-US" dirty="0" smtClean="0"/>
@@ -14155,65 +14316,102 @@
             </a:r>
             <a:r>
               <a:rPr lang="en-US" dirty="0"/>
-              <a:t>(as $) and </a:t>
+              <a:t>= 1;</a:t>
+            </a:r>
+          </a:p>
+          <a:p>
+            <a:r>
+              <a:rPr lang="en-US" dirty="0"/>
+              <a:t>	function </a:t>
+            </a:r>
+            <a:r>
+              <a:rPr lang="en-US" dirty="0" err="1"/>
+              <a:t>privateMethod</a:t>
+            </a:r>
+            <a:r>
+              <a:rPr lang="en-US" dirty="0"/>
+              <a:t>() {</a:t>
+            </a:r>
+          </a:p>
+          <a:p>
+            <a:r>
+              <a:rPr lang="en-US" dirty="0"/>
+              <a:t>		// ...</a:t>
+            </a:r>
+          </a:p>
+          <a:p>
+            <a:r>
+              <a:rPr lang="en-US" dirty="0"/>
+              <a:t>	}</a:t>
+            </a:r>
+          </a:p>
+          <a:p>
+            <a:r>
+              <a:rPr lang="en-US" dirty="0"/>
+              <a:t>	</a:t>
+            </a:r>
+            <a:r>
+              <a:rPr lang="en-US" dirty="0" err="1" smtClean="0"/>
+              <a:t>myModule.getVar</a:t>
             </a:r>
             <a:r>
               <a:rPr lang="en-US" dirty="0" smtClean="0"/>
-              <a:t/>
-            </a:r>
-            <a:br>
+              <a:t> = </a:t>
+            </a:r>
+            <a:r>
+              <a:rPr lang="en-US" dirty="0"/>
+              <a:t>function () {</a:t>
+            </a:r>
+          </a:p>
+          <a:p>
+            <a:r>
+              <a:rPr lang="en-US" dirty="0"/>
+              <a:t>		</a:t>
+            </a:r>
+            <a:r>
               <a:rPr lang="en-US" dirty="0" smtClean="0"/>
-            </a:br>
+              <a:t>return </a:t>
+            </a:r>
+            <a:r>
+              <a:rPr lang="en-US" dirty="0" err="1" smtClean="0"/>
+              <a:t>privateVariable</a:t>
+            </a:r>
             <a:r>
               <a:rPr lang="en-US" dirty="0" smtClean="0"/>
-              <a:t>	// </a:t>
+              <a:t>;</a:t>
+            </a:r>
+            <a:endParaRPr lang="en-US" dirty="0"/>
+          </a:p>
+          <a:p>
+            <a:r>
+              <a:rPr lang="en-US" dirty="0"/>
+              <a:t>	};</a:t>
+            </a:r>
+          </a:p>
+          <a:p>
+            <a:endParaRPr lang="en-US" dirty="0"/>
+          </a:p>
+          <a:p>
+            <a:r>
+              <a:rPr lang="en-US" dirty="0"/>
+              <a:t>	return </a:t>
             </a:r>
             <a:r>
               <a:rPr lang="en-US" dirty="0" err="1" smtClean="0"/>
-              <a:t>customerAddressService</a:t>
+              <a:t>myModule</a:t>
             </a:r>
             <a:r>
               <a:rPr lang="en-US" dirty="0" smtClean="0"/>
-              <a:t> as </a:t>
-            </a:r>
-            <a:r>
-              <a:rPr lang="en-US" dirty="0" err="1" smtClean="0"/>
-              <a:t>addressService</a:t>
-            </a:r>
+              <a:t>;</a:t>
+            </a:r>
+            <a:endParaRPr lang="en-US" dirty="0"/>
+          </a:p>
+          <a:p>
             <a:r>
               <a:rPr lang="en-US" dirty="0" smtClean="0"/>
-              <a:t> in </a:t>
-            </a:r>
-            <a:r>
-              <a:rPr lang="en-US" dirty="0"/>
-              <a:t>this code</a:t>
-            </a:r>
-          </a:p>
-          <a:p>
-            <a:r>
-              <a:rPr lang="en-US" dirty="0"/>
-              <a:t>}(</a:t>
-            </a:r>
-            <a:r>
-              <a:rPr lang="en-US" dirty="0" err="1"/>
-              <a:t>jQuery</a:t>
-            </a:r>
-            <a:r>
-              <a:rPr lang="en-US" dirty="0"/>
-              <a:t>, </a:t>
-            </a:r>
-            <a:r>
-              <a:rPr lang="en-US" dirty="0" err="1" smtClean="0"/>
-              <a:t>customerAddressService</a:t>
-            </a:r>
-            <a:r>
-              <a:rPr lang="en-US" dirty="0" smtClean="0"/>
-              <a:t>)</a:t>
-            </a:r>
-            <a:r>
-              <a:rPr lang="en-US" dirty="0"/>
-              <a:t>)</a:t>
-            </a:r>
+              <a:t>})();</a:t>
+            </a:r>
+            <a:endParaRPr lang="en-US" dirty="0"/>
           </a:p>
         </p:txBody>
       </p:sp>
@@ -14234,7 +14432,7 @@
           <a:p>
             <a:r>
               <a:rPr lang="de-DE" dirty="0" smtClean="0"/>
-              <a:t>Module – Import</a:t>
+              <a:t>Module – Export</a:t>
             </a:r>
             <a:endParaRPr lang="de-DE" dirty="0"/>
           </a:p>
@@ -14243,7 +14441,7 @@
     </p:spTree>
     <p:extLst>
       <p:ext uri="{BB962C8B-B14F-4D97-AF65-F5344CB8AC3E}">
-        <p14:creationId xmlns:p14="http://schemas.microsoft.com/office/powerpoint/2010/main" val="3729870708"/>
+        <p14:creationId xmlns:p14="http://schemas.microsoft.com/office/powerpoint/2010/main" val="3974371478"/>
       </p:ext>
     </p:extLst>
   </p:cSld>
@@ -14297,30 +14495,102 @@
         </p:nvSpPr>
         <p:spPr/>
         <p:txBody>
-          <a:bodyPr/>
+          <a:bodyPr>
+            <a:normAutofit/>
+          </a:bodyPr>
           <a:lstStyle/>
           <a:p>
-            <a:pPr marL="0" indent="0">
-              <a:buNone/>
-            </a:pPr>
-            <a:r>
-              <a:rPr lang="de-DE" dirty="0" smtClean="0"/>
-              <a:t>Gliederung von Funktionalitäten sind über </a:t>
-            </a:r>
-            <a:r>
-              <a:rPr lang="de-DE" dirty="0" err="1" smtClean="0"/>
-              <a:t>Namespaces</a:t>
-            </a:r>
-            <a:r>
-              <a:rPr lang="de-DE" dirty="0" smtClean="0"/>
-              <a:t> möglich.</a:t>
-            </a:r>
-          </a:p>
-          <a:p>
-            <a:pPr marL="0" indent="0">
-              <a:buNone/>
-            </a:pPr>
-            <a:endParaRPr lang="de-DE" dirty="0"/>
+            <a:r>
+              <a:rPr lang="en-US" dirty="0"/>
+              <a:t>(function ($, </a:t>
+            </a:r>
+            <a:r>
+              <a:rPr lang="en-US" dirty="0" err="1" smtClean="0"/>
+              <a:t>addressService</a:t>
+            </a:r>
+            <a:r>
+              <a:rPr lang="en-US" dirty="0" smtClean="0"/>
+              <a:t>) </a:t>
+            </a:r>
+            <a:r>
+              <a:rPr lang="en-US" dirty="0"/>
+              <a:t>{</a:t>
+            </a:r>
+          </a:p>
+          <a:p>
+            <a:r>
+              <a:rPr lang="en-US" dirty="0"/>
+              <a:t>	// now have access to </a:t>
+            </a:r>
+            <a:r>
+              <a:rPr lang="en-US" dirty="0" err="1" smtClean="0"/>
+              <a:t>jQuery</a:t>
+            </a:r>
+            <a:r>
+              <a:rPr lang="en-US" dirty="0" smtClean="0"/>
+              <a:t> </a:t>
+            </a:r>
+            <a:r>
+              <a:rPr lang="en-US" dirty="0"/>
+              <a:t>(as $) and </a:t>
+            </a:r>
+            <a:r>
+              <a:rPr lang="en-US" dirty="0" smtClean="0"/>
+              <a:t/>
+            </a:r>
+            <a:br>
+              <a:rPr lang="en-US" dirty="0" smtClean="0"/>
+            </a:br>
+            <a:r>
+              <a:rPr lang="en-US" dirty="0" smtClean="0"/>
+              <a:t>	// </a:t>
+            </a:r>
+            <a:r>
+              <a:rPr lang="en-US" dirty="0" err="1" smtClean="0"/>
+              <a:t>customerAddressService</a:t>
+            </a:r>
+            <a:r>
+              <a:rPr lang="en-US" dirty="0" smtClean="0"/>
+              <a:t> as </a:t>
+            </a:r>
+            <a:r>
+              <a:rPr lang="en-US" dirty="0" err="1" smtClean="0"/>
+              <a:t>addressService</a:t>
+            </a:r>
+            <a:r>
+              <a:rPr lang="en-US" dirty="0" smtClean="0"/>
+              <a:t> in </a:t>
+            </a:r>
+            <a:r>
+              <a:rPr lang="en-US" dirty="0"/>
+              <a:t>this code</a:t>
+            </a:r>
+          </a:p>
+          <a:p>
+            <a:r>
+              <a:rPr lang="en-US" dirty="0"/>
+              <a:t>}(</a:t>
+            </a:r>
+            <a:r>
+              <a:rPr lang="en-US" dirty="0" err="1"/>
+              <a:t>jQuery</a:t>
+            </a:r>
+            <a:r>
+              <a:rPr lang="en-US" dirty="0"/>
+              <a:t>, </a:t>
+            </a:r>
+            <a:r>
+              <a:rPr lang="en-US" dirty="0" err="1" smtClean="0"/>
+              <a:t>customerAddressService</a:t>
+            </a:r>
+            <a:r>
+              <a:rPr lang="en-US" dirty="0" smtClean="0"/>
+              <a:t>)</a:t>
+            </a:r>
+            <a:r>
+              <a:rPr lang="en-US" dirty="0"/>
+              <a:t>)</a:t>
+            </a:r>
           </a:p>
         </p:txBody>
       </p:sp>
@@ -14340,8 +14610,8 @@
           <a:lstStyle/>
           <a:p>
             <a:r>
-              <a:rPr lang="de-DE" dirty="0" err="1" smtClean="0"/>
-              <a:t>Namespaces</a:t>
+              <a:rPr lang="de-DE" dirty="0" smtClean="0"/>
+              <a:t>Module – Import</a:t>
             </a:r>
             <a:endParaRPr lang="de-DE" dirty="0"/>
           </a:p>
@@ -14350,7 +14620,7 @@
     </p:spTree>
     <p:extLst>
       <p:ext uri="{BB962C8B-B14F-4D97-AF65-F5344CB8AC3E}">
-        <p14:creationId xmlns:p14="http://schemas.microsoft.com/office/powerpoint/2010/main" val="350714877"/>
+        <p14:creationId xmlns:p14="http://schemas.microsoft.com/office/powerpoint/2010/main" val="3729870708"/>
       </p:ext>
     </p:extLst>
   </p:cSld>
@@ -14404,210 +14674,30 @@
         </p:nvSpPr>
         <p:spPr/>
         <p:txBody>
-          <a:bodyPr>
-            <a:normAutofit/>
-          </a:bodyPr>
+          <a:bodyPr/>
           <a:lstStyle/>
           <a:p>
-            <a:r>
-              <a:rPr lang="de-DE" dirty="0" smtClean="0"/>
-              <a:t> </a:t>
+            <a:pPr marL="0" indent="0">
+              <a:buNone/>
+            </a:pPr>
+            <a:r>
+              <a:rPr lang="de-DE" dirty="0" smtClean="0"/>
+              <a:t>Gliederung von Funktionalitäten sind über </a:t>
             </a:r>
             <a:r>
               <a:rPr lang="de-DE" dirty="0" err="1" smtClean="0"/>
-              <a:t>var</a:t>
-            </a:r>
-            <a:r>
-              <a:rPr lang="de-DE" dirty="0" smtClean="0"/>
-              <a:t> de = {</a:t>
-            </a:r>
-            <a:br>
-              <a:rPr lang="de-DE" dirty="0" smtClean="0"/>
-            </a:br>
-            <a:r>
-              <a:rPr lang="de-DE" dirty="0" smtClean="0"/>
-              <a:t> </a:t>
-            </a:r>
-            <a:r>
-              <a:rPr lang="de-DE" dirty="0"/>
-              <a:t>	</a:t>
-            </a:r>
-            <a:r>
-              <a:rPr lang="de-DE" dirty="0" smtClean="0"/>
-              <a:t>	</a:t>
-            </a:r>
-            <a:r>
-              <a:rPr lang="de-DE" dirty="0"/>
-              <a:t> </a:t>
-            </a:r>
-            <a:r>
-              <a:rPr lang="de-DE" dirty="0" smtClean="0"/>
-              <a:t> </a:t>
-            </a:r>
-            <a:r>
-              <a:rPr lang="de-DE" dirty="0" err="1" smtClean="0"/>
-              <a:t>immonet</a:t>
-            </a:r>
-            <a:r>
-              <a:rPr lang="de-DE" dirty="0" smtClean="0"/>
-              <a:t> : {</a:t>
-            </a:r>
+              <a:t>Namespaces</a:t>
+            </a:r>
+            <a:r>
+              <a:rPr lang="de-DE" dirty="0" smtClean="0"/>
+              <a:t> möglich.</a:t>
+            </a:r>
+          </a:p>
+          <a:p>
+            <a:pPr marL="0" indent="0">
+              <a:buNone/>
+            </a:pPr>
             <a:endParaRPr lang="de-DE" dirty="0"/>
-          </a:p>
-          <a:p>
-            <a:pPr lvl="1"/>
-            <a:r>
-              <a:rPr lang="de-DE" dirty="0" smtClean="0"/>
-              <a:t>    </a:t>
-            </a:r>
-            <a:r>
-              <a:rPr lang="de-DE" dirty="0" smtClean="0"/>
-              <a:t>	</a:t>
-            </a:r>
-            <a:r>
-              <a:rPr lang="de-DE" dirty="0" smtClean="0"/>
-              <a:t>Person : </a:t>
-            </a:r>
-            <a:r>
-              <a:rPr lang="de-DE" dirty="0" err="1" smtClean="0"/>
-              <a:t>function</a:t>
-            </a:r>
-            <a:r>
-              <a:rPr lang="de-DE" dirty="0" smtClean="0"/>
-              <a:t> </a:t>
-            </a:r>
-            <a:r>
-              <a:rPr lang="de-DE" dirty="0" smtClean="0"/>
-              <a:t>(</a:t>
-            </a:r>
-            <a:r>
-              <a:rPr lang="de-DE" dirty="0" err="1"/>
-              <a:t>name</a:t>
-            </a:r>
-            <a:r>
-              <a:rPr lang="de-DE" dirty="0"/>
-              <a:t>) {</a:t>
-            </a:r>
-          </a:p>
-          <a:p>
-            <a:pPr lvl="1"/>
-            <a:r>
-              <a:rPr lang="de-DE" dirty="0" smtClean="0"/>
-              <a:t>         </a:t>
-            </a:r>
-            <a:r>
-              <a:rPr lang="de-DE" dirty="0" err="1"/>
-              <a:t>this.name</a:t>
-            </a:r>
-            <a:r>
-              <a:rPr lang="de-DE" dirty="0"/>
-              <a:t> = </a:t>
-            </a:r>
-            <a:r>
-              <a:rPr lang="de-DE" dirty="0" err="1"/>
-              <a:t>name</a:t>
-            </a:r>
-            <a:r>
-              <a:rPr lang="de-DE" dirty="0"/>
-              <a:t>;</a:t>
-            </a:r>
-          </a:p>
-          <a:p>
-            <a:pPr lvl="1"/>
-            <a:r>
-              <a:rPr lang="de-DE" dirty="0" smtClean="0"/>
-              <a:t>     </a:t>
-            </a:r>
-            <a:r>
-              <a:rPr lang="de-DE" dirty="0" smtClean="0"/>
-              <a:t>	}</a:t>
-            </a:r>
-          </a:p>
-          <a:p>
-            <a:pPr lvl="1"/>
-            <a:r>
-              <a:rPr lang="de-DE" dirty="0" smtClean="0"/>
-              <a:t>  	}</a:t>
-            </a:r>
-            <a:r>
-              <a:rPr lang="de-DE" dirty="0"/>
-              <a:t/>
-            </a:r>
-            <a:br>
-              <a:rPr lang="de-DE" dirty="0"/>
-            </a:br>
-            <a:r>
-              <a:rPr lang="de-DE" dirty="0" smtClean="0"/>
-              <a:t>}</a:t>
-            </a:r>
-            <a:r>
-              <a:rPr lang="de-DE" dirty="0" smtClean="0"/>
-              <a:t>;</a:t>
-            </a:r>
-            <a:endParaRPr lang="de-DE" dirty="0"/>
-          </a:p>
-          <a:p>
-            <a:endParaRPr lang="de-DE" dirty="0"/>
-          </a:p>
-          <a:p>
-            <a:r>
-              <a:rPr lang="de-DE" dirty="0" err="1"/>
-              <a:t>var</a:t>
-            </a:r>
-            <a:r>
-              <a:rPr lang="de-DE" dirty="0"/>
-              <a:t> </a:t>
-            </a:r>
-            <a:r>
-              <a:rPr lang="de-DE" dirty="0" err="1" smtClean="0"/>
-              <a:t>me</a:t>
-            </a:r>
-            <a:r>
-              <a:rPr lang="de-DE" dirty="0" smtClean="0"/>
-              <a:t> </a:t>
-            </a:r>
-            <a:r>
-              <a:rPr lang="de-DE" dirty="0"/>
-              <a:t>= </a:t>
-            </a:r>
-            <a:r>
-              <a:rPr lang="de-DE" dirty="0" err="1"/>
-              <a:t>new</a:t>
-            </a:r>
-            <a:r>
-              <a:rPr lang="de-DE" dirty="0"/>
-              <a:t> </a:t>
-            </a:r>
-            <a:r>
-              <a:rPr lang="de-DE" dirty="0" err="1"/>
-              <a:t>de.immonet.Person</a:t>
-            </a:r>
-            <a:r>
-              <a:rPr lang="de-DE" dirty="0"/>
-              <a:t>('Oliver')</a:t>
-            </a:r>
-            <a:r>
-              <a:rPr lang="de-DE" dirty="0" smtClean="0"/>
-              <a:t>;</a:t>
-            </a:r>
-          </a:p>
-          <a:p>
-            <a:r>
-              <a:rPr lang="de-DE" dirty="0" err="1" smtClean="0"/>
-              <a:t>console.log</a:t>
-            </a:r>
-            <a:r>
-              <a:rPr lang="de-DE" dirty="0" smtClean="0"/>
-              <a:t>(</a:t>
-            </a:r>
-            <a:r>
-              <a:rPr lang="de-DE" dirty="0" err="1" smtClean="0"/>
-              <a:t>me.name</a:t>
-            </a:r>
-            <a:r>
-              <a:rPr lang="de-DE" dirty="0"/>
-              <a:t>);</a:t>
-            </a:r>
           </a:p>
         </p:txBody>
       </p:sp>
@@ -14630,10 +14720,6 @@
               <a:rPr lang="de-DE" dirty="0" err="1" smtClean="0"/>
               <a:t>Namespaces</a:t>
             </a:r>
-            <a:r>
-              <a:rPr lang="de-DE" dirty="0" smtClean="0"/>
-              <a:t> - Verwenden normale Objekte</a:t>
-            </a:r>
             <a:endParaRPr lang="de-DE" dirty="0"/>
           </a:p>
         </p:txBody>
@@ -14641,13 +14727,21 @@
     </p:spTree>
     <p:extLst>
       <p:ext uri="{BB962C8B-B14F-4D97-AF65-F5344CB8AC3E}">
-        <p14:creationId xmlns:p14="http://schemas.microsoft.com/office/powerpoint/2010/main" val="4235978113"/>
+        <p14:creationId xmlns:p14="http://schemas.microsoft.com/office/powerpoint/2010/main" val="350714877"/>
       </p:ext>
     </p:extLst>
   </p:cSld>
   <p:clrMapOvr>
     <a:masterClrMapping/>
   </p:clrMapOvr>
+  <mc:AlternateContent xmlns:mc="http://schemas.openxmlformats.org/markup-compatibility/2006" xmlns:p14="http://schemas.microsoft.com/office/powerpoint/2010/main">
+    <mc:Choice Requires="p14">
+      <p:transition spd="slow" p14:dur="2000"/>
+    </mc:Choice>
+    <mc:Fallback xmlns="">
+      <p:transition xmlns:p14="http://schemas.microsoft.com/office/powerpoint/2010/main" spd="slow"/>
+    </mc:Fallback>
+  </mc:AlternateContent>
   <p:timing>
     <p:tnLst>
       <p:par>
@@ -14688,185 +14782,188 @@
         <p:spPr/>
         <p:txBody>
           <a:bodyPr>
-            <a:normAutofit fontScale="77500" lnSpcReduction="20000"/>
+            <a:normAutofit/>
           </a:bodyPr>
           <a:lstStyle/>
           <a:p>
             <a:r>
-              <a:rPr lang="en-US" dirty="0" err="1"/>
+              <a:rPr lang="de-DE" dirty="0" smtClean="0"/>
+              <a:t> </a:t>
+            </a:r>
+            <a:r>
+              <a:rPr lang="de-DE" dirty="0" err="1" smtClean="0"/>
               <a:t>var</a:t>
             </a:r>
             <a:r>
-              <a:rPr lang="en-US" dirty="0"/>
-              <a:t> </a:t>
-            </a:r>
-            <a:r>
-              <a:rPr lang="en-US" dirty="0" smtClean="0"/>
-              <a:t>de= de |</a:t>
-            </a:r>
-            <a:r>
-              <a:rPr lang="en-US" dirty="0"/>
-              <a:t>| {};</a:t>
-            </a:r>
-          </a:p>
-          <a:p>
-            <a:r>
-              <a:rPr lang="en-US" dirty="0" err="1" smtClean="0"/>
-              <a:t>de.immonet</a:t>
-            </a:r>
-            <a:r>
-              <a:rPr lang="en-US" dirty="0" smtClean="0"/>
+              <a:rPr lang="de-DE" dirty="0" smtClean="0"/>
+              <a:t> de = {</a:t>
+            </a:r>
+            <a:br>
+              <a:rPr lang="de-DE" dirty="0" smtClean="0"/>
+            </a:br>
+            <a:r>
+              <a:rPr lang="de-DE" dirty="0" smtClean="0"/>
+              <a:t> </a:t>
+            </a:r>
+            <a:r>
+              <a:rPr lang="de-DE" dirty="0"/>
+              <a:t>	</a:t>
+            </a:r>
+            <a:r>
+              <a:rPr lang="de-DE" dirty="0" smtClean="0"/>
+              <a:t>	</a:t>
+            </a:r>
+            <a:r>
+              <a:rPr lang="de-DE" dirty="0"/>
+              <a:t> </a:t>
+            </a:r>
+            <a:r>
+              <a:rPr lang="de-DE" dirty="0" smtClean="0"/>
+              <a:t> </a:t>
+            </a:r>
+            <a:r>
+              <a:rPr lang="de-DE" dirty="0" err="1" smtClean="0"/>
+              <a:t>immonet</a:t>
+            </a:r>
+            <a:r>
+              <a:rPr lang="de-DE" dirty="0" smtClean="0"/>
+              <a:t> : {</a:t>
+            </a:r>
+            <a:endParaRPr lang="de-DE" dirty="0"/>
+          </a:p>
+          <a:p>
+            <a:pPr lvl="1"/>
+            <a:r>
+              <a:rPr lang="de-DE" dirty="0" smtClean="0"/>
+              <a:t>    	Person : </a:t>
+            </a:r>
+            <a:r>
+              <a:rPr lang="de-DE" dirty="0" err="1" smtClean="0"/>
+              <a:t>function</a:t>
+            </a:r>
+            <a:r>
+              <a:rPr lang="de-DE" dirty="0" smtClean="0"/>
+              <a:t> (</a:t>
+            </a:r>
+            <a:r>
+              <a:rPr lang="de-DE" dirty="0" err="1"/>
+              <a:t>name</a:t>
+            </a:r>
+            <a:r>
+              <a:rPr lang="de-DE" dirty="0"/>
+              <a:t>) {</a:t>
+            </a:r>
+          </a:p>
+          <a:p>
+            <a:pPr lvl="1"/>
+            <a:r>
+              <a:rPr lang="de-DE" dirty="0" smtClean="0"/>
+              <a:t>         </a:t>
+            </a:r>
+            <a:r>
+              <a:rPr lang="de-DE" dirty="0" err="1"/>
+              <a:t>this.name</a:t>
+            </a:r>
+            <a:r>
+              <a:rPr lang="de-DE" dirty="0"/>
               <a:t> = </a:t>
             </a:r>
             <a:r>
-              <a:rPr lang="en-US" dirty="0"/>
-              <a:t>{};</a:t>
-            </a:r>
-          </a:p>
-          <a:p>
-            <a:r>
-              <a:rPr lang="en-US" dirty="0" err="1" smtClean="0"/>
-              <a:t>de.immonet.person</a:t>
-            </a:r>
-            <a:r>
-              <a:rPr lang="en-US" dirty="0" smtClean="0"/>
-              <a:t> </a:t>
-            </a:r>
-            <a:r>
-              <a:rPr lang="en-US" dirty="0"/>
-              <a:t>= {};</a:t>
-            </a:r>
-          </a:p>
-          <a:p>
-            <a:r>
-              <a:rPr lang="en-US" dirty="0"/>
-              <a:t>(function (person) {</a:t>
-            </a:r>
-          </a:p>
-          <a:p>
-            <a:r>
-              <a:rPr lang="en-US" dirty="0"/>
-              <a:t>    // Constructor</a:t>
-            </a:r>
-          </a:p>
-          <a:p>
-            <a:r>
-              <a:rPr lang="en-US" dirty="0"/>
-              <a:t>    function Person(name) {</a:t>
-            </a:r>
-          </a:p>
-          <a:p>
-            <a:r>
-              <a:rPr lang="en-US" dirty="0"/>
-              <a:t>        </a:t>
-            </a:r>
-            <a:r>
-              <a:rPr lang="en-US" dirty="0" err="1"/>
-              <a:t>this.name</a:t>
-            </a:r>
-            <a:r>
-              <a:rPr lang="en-US" dirty="0"/>
-              <a:t> = name;</a:t>
-            </a:r>
-          </a:p>
-          <a:p>
-            <a:r>
-              <a:rPr lang="en-US" dirty="0"/>
-              <a:t>    }</a:t>
-            </a:r>
-          </a:p>
-          <a:p>
-            <a:r>
-              <a:rPr lang="en-US" dirty="0" smtClean="0"/>
-              <a:t>	  /</a:t>
-            </a:r>
-            <a:r>
-              <a:rPr lang="en-US" dirty="0"/>
-              <a:t>/ Export </a:t>
-            </a:r>
-            <a:r>
-              <a:rPr lang="en-US" dirty="0" err="1" smtClean="0"/>
-              <a:t>einer</a:t>
-            </a:r>
-            <a:r>
-              <a:rPr lang="en-US" dirty="0" smtClean="0"/>
-              <a:t> Factory</a:t>
-            </a:r>
-            <a:r>
-              <a:rPr lang="en-US" dirty="0"/>
-              <a:t>-</a:t>
-            </a:r>
-            <a:r>
-              <a:rPr lang="en-US" dirty="0" err="1"/>
-              <a:t>Methode</a:t>
-            </a:r>
-            <a:endParaRPr lang="en-US" dirty="0"/>
-          </a:p>
-          <a:p>
-            <a:r>
-              <a:rPr lang="en-US" dirty="0"/>
-              <a:t>    </a:t>
-            </a:r>
-            <a:r>
-              <a:rPr lang="en-US" dirty="0" err="1" smtClean="0"/>
-              <a:t>person.create</a:t>
-            </a:r>
-            <a:r>
-              <a:rPr lang="en-US" dirty="0" smtClean="0"/>
-              <a:t> </a:t>
-            </a:r>
-            <a:r>
-              <a:rPr lang="en-US" dirty="0"/>
-              <a:t>= function </a:t>
-            </a:r>
-            <a:r>
-              <a:rPr lang="en-US" dirty="0" smtClean="0"/>
+              <a:rPr lang="de-DE" dirty="0" err="1"/>
+              <a:t>name</a:t>
+            </a:r>
+            <a:r>
+              <a:rPr lang="de-DE" dirty="0"/>
+              <a:t>;</a:t>
+            </a:r>
+          </a:p>
+          <a:p>
+            <a:pPr lvl="1"/>
+            <a:r>
+              <a:rPr lang="de-DE" dirty="0" smtClean="0"/>
+              <a:t>     	}</a:t>
+            </a:r>
+          </a:p>
+          <a:p>
+            <a:pPr lvl="1"/>
+            <a:r>
+              <a:rPr lang="de-DE" dirty="0" smtClean="0"/>
+              <a:t>  	}</a:t>
+            </a:r>
+            <a:r>
+              <a:rPr lang="de-DE" dirty="0"/>
+              <a:t/>
+            </a:r>
+            <a:br>
+              <a:rPr lang="de-DE" dirty="0"/>
+            </a:br>
+            <a:r>
+              <a:rPr lang="de-DE" dirty="0" smtClean="0"/>
+              <a:t>};</a:t>
+            </a:r>
+            <a:endParaRPr lang="de-DE" dirty="0"/>
+          </a:p>
+          <a:p>
+            <a:endParaRPr lang="de-DE" dirty="0"/>
+          </a:p>
+          <a:p>
+            <a:r>
+              <a:rPr lang="de-DE" dirty="0" err="1"/>
+              <a:t>var</a:t>
+            </a:r>
+            <a:r>
+              <a:rPr lang="de-DE" dirty="0"/>
+              <a:t> </a:t>
+            </a:r>
+            <a:r>
+              <a:rPr lang="de-DE" dirty="0" err="1" smtClean="0"/>
+              <a:t>me</a:t>
+            </a:r>
+            <a:r>
+              <a:rPr lang="de-DE" dirty="0" smtClean="0"/>
+              <a:t> </a:t>
+            </a:r>
+            <a:r>
+              <a:rPr lang="de-DE" dirty="0"/>
+              <a:t>= </a:t>
+            </a:r>
+            <a:r>
+              <a:rPr lang="de-DE" dirty="0" err="1"/>
+              <a:t>new</a:t>
+            </a:r>
+            <a:r>
+              <a:rPr lang="de-DE" dirty="0"/>
+              <a:t> </a:t>
+            </a:r>
+            <a:r>
+              <a:rPr lang="de-DE" dirty="0" err="1"/>
+              <a:t>de.immonet.Person</a:t>
+            </a:r>
+            <a:r>
+              <a:rPr lang="de-DE" dirty="0"/>
+              <a:t>('Oliver')</a:t>
+            </a:r>
+            <a:r>
+              <a:rPr lang="de-DE" dirty="0" smtClean="0"/>
+              <a:t>;</a:t>
+            </a:r>
+          </a:p>
+          <a:p>
+            <a:r>
+              <a:rPr lang="de-DE" dirty="0" err="1" smtClean="0"/>
+              <a:t>console.log</a:t>
+            </a:r>
+            <a:r>
+              <a:rPr lang="de-DE" dirty="0" smtClean="0"/>
               <a:t>(</a:t>
             </a:r>
             <a:r>
-              <a:rPr lang="en-US" dirty="0"/>
-              <a:t>name) {</a:t>
-            </a:r>
-          </a:p>
-          <a:p>
-            <a:r>
-              <a:rPr lang="en-US" dirty="0"/>
-              <a:t>        return new Person(name);</a:t>
-            </a:r>
-          </a:p>
-          <a:p>
-            <a:r>
-              <a:rPr lang="en-US" dirty="0"/>
-              <a:t>    }</a:t>
-            </a:r>
-          </a:p>
-          <a:p>
-            <a:r>
-              <a:rPr lang="en-US" dirty="0" smtClean="0"/>
-              <a:t>;</a:t>
-            </a:r>
-            <a:endParaRPr lang="en-US" dirty="0"/>
-          </a:p>
-          <a:p>
-            <a:r>
-              <a:rPr lang="en-US" dirty="0"/>
-              <a:t>})</a:t>
-            </a:r>
-            <a:r>
-              <a:rPr lang="en-US" dirty="0" smtClean="0"/>
-              <a:t>(</a:t>
-            </a:r>
-            <a:r>
-              <a:rPr lang="en-US" dirty="0" err="1" smtClean="0"/>
-              <a:t>de.immonet.person</a:t>
-            </a:r>
-            <a:r>
-              <a:rPr lang="en-US" dirty="0" smtClean="0"/>
-              <a:t>)</a:t>
-            </a:r>
-            <a:r>
-              <a:rPr lang="en-US" dirty="0"/>
-              <a:t>;</a:t>
+              <a:rPr lang="de-DE" dirty="0" err="1" smtClean="0"/>
+              <a:t>me.name</a:t>
+            </a:r>
+            <a:r>
+              <a:rPr lang="de-DE" dirty="0"/>
+              <a:t>);</a:t>
             </a:r>
           </a:p>
         </p:txBody>
@@ -14892,7 +14989,7 @@
             </a:r>
             <a:r>
               <a:rPr lang="de-DE" dirty="0" smtClean="0"/>
-              <a:t> – Definition mit Factory</a:t>
+              <a:t> - Verwenden normale Objekte</a:t>
             </a:r>
             <a:endParaRPr lang="de-DE" dirty="0"/>
           </a:p>
@@ -14901,21 +14998,13 @@
     </p:spTree>
     <p:extLst>
       <p:ext uri="{BB962C8B-B14F-4D97-AF65-F5344CB8AC3E}">
-        <p14:creationId xmlns:p14="http://schemas.microsoft.com/office/powerpoint/2010/main" val="966032260"/>
+        <p14:creationId xmlns:p14="http://schemas.microsoft.com/office/powerpoint/2010/main" val="4235978113"/>
       </p:ext>
     </p:extLst>
   </p:cSld>
   <p:clrMapOvr>
     <a:masterClrMapping/>
   </p:clrMapOvr>
-  <mc:AlternateContent xmlns:mc="http://schemas.openxmlformats.org/markup-compatibility/2006" xmlns:p14="http://schemas.microsoft.com/office/powerpoint/2010/main">
-    <mc:Choice Requires="p14">
-      <p:transition spd="slow" p14:dur="2000"/>
-    </mc:Choice>
-    <mc:Fallback xmlns="">
-      <p:transition xmlns:p14="http://schemas.microsoft.com/office/powerpoint/2010/main" spd="slow"/>
-    </mc:Fallback>
-  </mc:AlternateContent>
   <p:timing>
     <p:tnLst>
       <p:par>
@@ -14956,13 +15045,31 @@
         <p:spPr/>
         <p:txBody>
           <a:bodyPr>
-            <a:normAutofit/>
+            <a:normAutofit fontScale="77500" lnSpcReduction="20000"/>
           </a:bodyPr>
           <a:lstStyle/>
           <a:p>
             <a:r>
+              <a:rPr lang="en-US" dirty="0" err="1"/>
+              <a:t>var</a:t>
+            </a:r>
+            <a:r>
+              <a:rPr lang="en-US" dirty="0"/>
+              <a:t> </a:t>
+            </a:r>
+            <a:r>
+              <a:rPr lang="en-US" dirty="0" smtClean="0"/>
+              <a:t>de= de |</a:t>
+            </a:r>
+            <a:r>
+              <a:rPr lang="en-US" dirty="0"/>
+              <a:t>| {};</a:t>
+            </a:r>
+          </a:p>
+          <a:p>
+            <a:r>
               <a:rPr lang="en-US" dirty="0" err="1" smtClean="0"/>
-              <a:t>de.immonet.action</a:t>
+              <a:t>de.immonet</a:t>
             </a:r>
             <a:r>
               <a:rPr lang="en-US" dirty="0" smtClean="0"/>
@@ -14975,105 +15082,126 @@
           </a:p>
           <a:p>
             <a:r>
+              <a:rPr lang="en-US" dirty="0" err="1" smtClean="0"/>
+              <a:t>de.immonet.person</a:t>
+            </a:r>
+            <a:r>
+              <a:rPr lang="en-US" dirty="0" smtClean="0"/>
+              <a:t> </a:t>
+            </a:r>
+            <a:r>
               <a:rPr lang="en-US" dirty="0"/>
-              <a:t>(</a:t>
-            </a:r>
+              <a:t>= {};</a:t>
+            </a:r>
+          </a:p>
+          <a:p>
+            <a:r>
+              <a:rPr lang="en-US" dirty="0"/>
+              <a:t>(function (person) {</a:t>
+            </a:r>
+          </a:p>
+          <a:p>
+            <a:r>
+              <a:rPr lang="en-US" dirty="0"/>
+              <a:t>    // Constructor</a:t>
+            </a:r>
+          </a:p>
+          <a:p>
+            <a:r>
+              <a:rPr lang="en-US" dirty="0"/>
+              <a:t>    function Person(name) {</a:t>
+            </a:r>
+          </a:p>
+          <a:p>
+            <a:r>
+              <a:rPr lang="en-US" dirty="0"/>
+              <a:t>        </a:t>
+            </a:r>
+            <a:r>
+              <a:rPr lang="en-US" dirty="0" err="1"/>
+              <a:t>this.name</a:t>
+            </a:r>
+            <a:r>
+              <a:rPr lang="en-US" dirty="0"/>
+              <a:t> = name;</a:t>
+            </a:r>
+          </a:p>
+          <a:p>
+            <a:r>
+              <a:rPr lang="en-US" dirty="0"/>
+              <a:t>    }</a:t>
+            </a:r>
+          </a:p>
+          <a:p>
             <a:r>
               <a:rPr lang="en-US" dirty="0" smtClean="0"/>
-              <a:t>function(action, person</a:t>
+              <a:t>	  /</a:t>
             </a:r>
             <a:r>
               <a:rPr lang="en-US" dirty="0"/>
-              <a:t>) {</a:t>
-            </a:r>
-          </a:p>
-          <a:p>
+              <a:t>/ Export </a:t>
+            </a:r>
+            <a:r>
+              <a:rPr lang="en-US" dirty="0" err="1" smtClean="0"/>
+              <a:t>einer</a:t>
+            </a:r>
             <a:r>
               <a:rPr lang="en-US" dirty="0" smtClean="0"/>
-              <a:t>		</a:t>
+              <a:t> Factory</a:t>
+            </a:r>
+            <a:r>
+              <a:rPr lang="en-US" dirty="0"/>
+              <a:t>-</a:t>
+            </a:r>
+            <a:r>
+              <a:rPr lang="en-US" dirty="0" err="1"/>
+              <a:t>Methode</a:t>
+            </a:r>
+            <a:endParaRPr lang="en-US" dirty="0"/>
+          </a:p>
+          <a:p>
+            <a:r>
+              <a:rPr lang="en-US" dirty="0"/>
+              <a:t>    </a:t>
             </a:r>
             <a:r>
               <a:rPr lang="en-US" dirty="0" err="1" smtClean="0"/>
-              <a:t>action.doIt</a:t>
+              <a:t>person.create</a:t>
             </a:r>
             <a:r>
               <a:rPr lang="en-US" dirty="0" smtClean="0"/>
-              <a:t> = function() </a:t>
+              <a:t> </a:t>
             </a:r>
             <a:r>
               <a:rPr lang="en-US" dirty="0"/>
-              <a:t>{</a:t>
-            </a:r>
-          </a:p>
-          <a:p>
-            <a:r>
-              <a:rPr lang="en-US" dirty="0"/>
-              <a:t> </a:t>
-            </a:r>
-            <a:r>
-              <a:rPr lang="en-US" dirty="0" smtClean="0"/>
-              <a:t>			</a:t>
-            </a:r>
-            <a:r>
-              <a:rPr lang="en-US" dirty="0" err="1" smtClean="0"/>
-              <a:t>var</a:t>
-            </a:r>
-            <a:r>
-              <a:rPr lang="en-US" dirty="0" smtClean="0"/>
-              <a:t> </a:t>
-            </a:r>
-            <a:r>
-              <a:rPr lang="en-US" dirty="0"/>
-              <a:t>me = </a:t>
-            </a:r>
-            <a:r>
-              <a:rPr lang="en-US" dirty="0" err="1"/>
-              <a:t>person.create</a:t>
-            </a:r>
-            <a:r>
-              <a:rPr lang="en-US" dirty="0"/>
-              <a:t>('Oliver');	</a:t>
-            </a:r>
-            <a:r>
-              <a:rPr lang="en-US" dirty="0" smtClean="0"/>
-              <a:t>	</a:t>
-            </a:r>
-            <a:endParaRPr lang="en-US" dirty="0"/>
-          </a:p>
-          <a:p>
-            <a:r>
-              <a:rPr lang="en-US" dirty="0" smtClean="0"/>
-              <a:t>			</a:t>
-            </a:r>
-            <a:r>
-              <a:rPr lang="en-US" dirty="0" err="1" smtClean="0"/>
-              <a:t>console.log</a:t>
+              <a:t>= function </a:t>
             </a:r>
             <a:r>
               <a:rPr lang="en-US" dirty="0" smtClean="0"/>
               <a:t>(</a:t>
             </a:r>
             <a:r>
-              <a:rPr lang="en-US" dirty="0" err="1" smtClean="0"/>
-              <a:t>me.name</a:t>
-            </a:r>
+              <a:rPr lang="en-US" dirty="0"/>
+              <a:t>name) {</a:t>
+            </a:r>
+          </a:p>
+          <a:p>
+            <a:r>
+              <a:rPr lang="en-US" dirty="0"/>
+              <a:t>        return new Person(name);</a:t>
+            </a:r>
+          </a:p>
+          <a:p>
+            <a:r>
+              <a:rPr lang="en-US" dirty="0"/>
+              <a:t>    }</a:t>
+            </a:r>
+          </a:p>
+          <a:p>
             <a:r>
               <a:rPr lang="en-US" dirty="0" smtClean="0"/>
-              <a:t>);</a:t>
-            </a:r>
-            <a:endParaRPr lang="en-US" dirty="0"/>
-          </a:p>
-          <a:p>
-            <a:r>
-              <a:rPr lang="en-US" dirty="0"/>
-              <a:t>   </a:t>
-            </a:r>
-            <a:r>
-              <a:rPr lang="en-US" dirty="0" smtClean="0"/>
-              <a:t>};</a:t>
-            </a:r>
-          </a:p>
-          <a:p>
+              <a:t>;</a:t>
+            </a:r>
             <a:endParaRPr lang="en-US" dirty="0"/>
           </a:p>
           <a:p>
@@ -15087,31 +15215,16 @@
             </a:r>
             <a:r>
               <a:rPr lang="en-US" dirty="0" err="1" smtClean="0"/>
-              <a:t>de.immonet.action</a:t>
+              <a:t>de.immonet.person</a:t>
             </a:r>
             <a:r>
               <a:rPr lang="en-US" dirty="0" smtClean="0"/>
-              <a:t>, </a:t>
-            </a:r>
-            <a:r>
-              <a:rPr lang="en-US" dirty="0" err="1" smtClean="0"/>
-              <a:t>de.immonet.person</a:t>
-            </a:r>
-            <a:r>
-              <a:rPr lang="en-US" dirty="0" smtClean="0"/>
-              <a:t>);</a:t>
-            </a:r>
-          </a:p>
-          <a:p>
-            <a:r>
-              <a:rPr lang="en-US" dirty="0" err="1" smtClean="0"/>
-              <a:t>de.immonet.action.doIt</a:t>
-            </a:r>
-            <a:r>
-              <a:rPr lang="en-US" dirty="0" smtClean="0"/>
-              <a:t>();</a:t>
-            </a:r>
-            <a:endParaRPr lang="en-US" dirty="0"/>
+              <a:t>)</a:t>
+            </a:r>
+            <a:r>
+              <a:rPr lang="en-US" dirty="0"/>
+              <a:t>;</a:t>
+            </a:r>
           </a:p>
         </p:txBody>
       </p:sp>
@@ -15136,19 +15249,7 @@
             </a:r>
             <a:r>
               <a:rPr lang="de-DE" dirty="0" smtClean="0"/>
-              <a:t> – Import und </a:t>
-            </a:r>
-            <a:r>
-              <a:rPr lang="de-DE" dirty="0" err="1" smtClean="0"/>
-              <a:t>Dependency</a:t>
-            </a:r>
-            <a:r>
-              <a:rPr lang="de-DE" dirty="0" smtClean="0"/>
-              <a:t> </a:t>
-            </a:r>
-            <a:r>
-              <a:rPr lang="de-DE" dirty="0" err="1" smtClean="0"/>
-              <a:t>Injection</a:t>
+              <a:t> – Definition mit Factory</a:t>
             </a:r>
             <a:endParaRPr lang="de-DE" dirty="0"/>
           </a:p>
@@ -15157,7 +15258,7 @@
     </p:spTree>
     <p:extLst>
       <p:ext uri="{BB962C8B-B14F-4D97-AF65-F5344CB8AC3E}">
-        <p14:creationId xmlns:p14="http://schemas.microsoft.com/office/powerpoint/2010/main" val="2026391451"/>
+        <p14:creationId xmlns:p14="http://schemas.microsoft.com/office/powerpoint/2010/main" val="966032260"/>
       </p:ext>
     </p:extLst>
   </p:cSld>
@@ -15201,6 +15302,262 @@
       </p:grpSpPr>
       <p:sp>
         <p:nvSpPr>
+          <p:cNvPr id="2" name="Inhaltsplatzhalter 1"/>
+          <p:cNvSpPr>
+            <a:spLocks noGrp="1"/>
+          </p:cNvSpPr>
+          <p:nvPr>
+            <p:ph idx="1"/>
+          </p:nvPr>
+        </p:nvSpPr>
+        <p:spPr/>
+        <p:txBody>
+          <a:bodyPr>
+            <a:normAutofit/>
+          </a:bodyPr>
+          <a:lstStyle/>
+          <a:p>
+            <a:r>
+              <a:rPr lang="en-US" dirty="0" err="1" smtClean="0"/>
+              <a:t>de.immonet.action</a:t>
+            </a:r>
+            <a:r>
+              <a:rPr lang="en-US" dirty="0" smtClean="0"/>
+              <a:t> = </a:t>
+            </a:r>
+            <a:r>
+              <a:rPr lang="en-US" dirty="0"/>
+              <a:t>{};</a:t>
+            </a:r>
+          </a:p>
+          <a:p>
+            <a:r>
+              <a:rPr lang="en-US" dirty="0"/>
+              <a:t>(</a:t>
+            </a:r>
+            <a:r>
+              <a:rPr lang="en-US" dirty="0" smtClean="0"/>
+              <a:t>function(action, person</a:t>
+            </a:r>
+            <a:r>
+              <a:rPr lang="en-US" dirty="0"/>
+              <a:t>) {</a:t>
+            </a:r>
+          </a:p>
+          <a:p>
+            <a:r>
+              <a:rPr lang="en-US" dirty="0" smtClean="0"/>
+              <a:t>		</a:t>
+            </a:r>
+            <a:r>
+              <a:rPr lang="en-US" dirty="0" err="1" smtClean="0"/>
+              <a:t>action.doIt</a:t>
+            </a:r>
+            <a:r>
+              <a:rPr lang="en-US" dirty="0" smtClean="0"/>
+              <a:t> = function() </a:t>
+            </a:r>
+            <a:r>
+              <a:rPr lang="en-US" dirty="0"/>
+              <a:t>{</a:t>
+            </a:r>
+          </a:p>
+          <a:p>
+            <a:r>
+              <a:rPr lang="en-US" dirty="0"/>
+              <a:t> </a:t>
+            </a:r>
+            <a:r>
+              <a:rPr lang="en-US" dirty="0" smtClean="0"/>
+              <a:t>			</a:t>
+            </a:r>
+            <a:r>
+              <a:rPr lang="en-US" dirty="0" err="1" smtClean="0"/>
+              <a:t>var</a:t>
+            </a:r>
+            <a:r>
+              <a:rPr lang="en-US" dirty="0" smtClean="0"/>
+              <a:t> </a:t>
+            </a:r>
+            <a:r>
+              <a:rPr lang="en-US" dirty="0"/>
+              <a:t>me = </a:t>
+            </a:r>
+            <a:r>
+              <a:rPr lang="en-US" dirty="0" err="1"/>
+              <a:t>person.create</a:t>
+            </a:r>
+            <a:r>
+              <a:rPr lang="en-US" dirty="0"/>
+              <a:t>('Oliver');	</a:t>
+            </a:r>
+            <a:r>
+              <a:rPr lang="en-US" dirty="0" smtClean="0"/>
+              <a:t>	</a:t>
+            </a:r>
+            <a:endParaRPr lang="en-US" dirty="0"/>
+          </a:p>
+          <a:p>
+            <a:r>
+              <a:rPr lang="en-US" dirty="0" smtClean="0"/>
+              <a:t>			</a:t>
+            </a:r>
+            <a:r>
+              <a:rPr lang="en-US" dirty="0" err="1" smtClean="0"/>
+              <a:t>console.log</a:t>
+            </a:r>
+            <a:r>
+              <a:rPr lang="en-US" dirty="0" smtClean="0"/>
+              <a:t>(</a:t>
+            </a:r>
+            <a:r>
+              <a:rPr lang="en-US" dirty="0" err="1" smtClean="0"/>
+              <a:t>me.name</a:t>
+            </a:r>
+            <a:r>
+              <a:rPr lang="en-US" dirty="0" smtClean="0"/>
+              <a:t>);</a:t>
+            </a:r>
+            <a:endParaRPr lang="en-US" dirty="0"/>
+          </a:p>
+          <a:p>
+            <a:r>
+              <a:rPr lang="en-US" dirty="0"/>
+              <a:t>   </a:t>
+            </a:r>
+            <a:r>
+              <a:rPr lang="en-US" dirty="0" smtClean="0"/>
+              <a:t>};</a:t>
+            </a:r>
+          </a:p>
+          <a:p>
+            <a:endParaRPr lang="en-US" dirty="0"/>
+          </a:p>
+          <a:p>
+            <a:r>
+              <a:rPr lang="en-US" dirty="0"/>
+              <a:t>})</a:t>
+            </a:r>
+            <a:r>
+              <a:rPr lang="en-US" dirty="0" smtClean="0"/>
+              <a:t>(</a:t>
+            </a:r>
+            <a:r>
+              <a:rPr lang="en-US" dirty="0" err="1" smtClean="0"/>
+              <a:t>de.immonet.action</a:t>
+            </a:r>
+            <a:r>
+              <a:rPr lang="en-US" dirty="0" smtClean="0"/>
+              <a:t>, </a:t>
+            </a:r>
+            <a:r>
+              <a:rPr lang="en-US" dirty="0" err="1" smtClean="0"/>
+              <a:t>de.immonet.person</a:t>
+            </a:r>
+            <a:r>
+              <a:rPr lang="en-US" dirty="0" smtClean="0"/>
+              <a:t>);</a:t>
+            </a:r>
+          </a:p>
+          <a:p>
+            <a:r>
+              <a:rPr lang="en-US" dirty="0" err="1" smtClean="0"/>
+              <a:t>de.immonet.action.doIt</a:t>
+            </a:r>
+            <a:r>
+              <a:rPr lang="en-US" dirty="0" smtClean="0"/>
+              <a:t>();</a:t>
+            </a:r>
+            <a:endParaRPr lang="en-US" dirty="0"/>
+          </a:p>
+        </p:txBody>
+      </p:sp>
+      <p:sp>
+        <p:nvSpPr>
+          <p:cNvPr id="3" name="Titel 2"/>
+          <p:cNvSpPr>
+            <a:spLocks noGrp="1"/>
+          </p:cNvSpPr>
+          <p:nvPr>
+            <p:ph type="title"/>
+          </p:nvPr>
+        </p:nvSpPr>
+        <p:spPr/>
+        <p:txBody>
+          <a:bodyPr/>
+          <a:lstStyle/>
+          <a:p>
+            <a:r>
+              <a:rPr lang="de-DE" dirty="0" err="1" smtClean="0"/>
+              <a:t>Namespaces</a:t>
+            </a:r>
+            <a:r>
+              <a:rPr lang="de-DE" dirty="0" smtClean="0"/>
+              <a:t> – Import und </a:t>
+            </a:r>
+            <a:r>
+              <a:rPr lang="de-DE" dirty="0" err="1" smtClean="0"/>
+              <a:t>Dependency</a:t>
+            </a:r>
+            <a:r>
+              <a:rPr lang="de-DE" dirty="0" smtClean="0"/>
+              <a:t> </a:t>
+            </a:r>
+            <a:r>
+              <a:rPr lang="de-DE" dirty="0" err="1" smtClean="0"/>
+              <a:t>Injection</a:t>
+            </a:r>
+            <a:endParaRPr lang="de-DE" dirty="0"/>
+          </a:p>
+        </p:txBody>
+      </p:sp>
+    </p:spTree>
+    <p:extLst>
+      <p:ext uri="{BB962C8B-B14F-4D97-AF65-F5344CB8AC3E}">
+        <p14:creationId xmlns:p14="http://schemas.microsoft.com/office/powerpoint/2010/main" val="2026391451"/>
+      </p:ext>
+    </p:extLst>
+  </p:cSld>
+  <p:clrMapOvr>
+    <a:masterClrMapping/>
+  </p:clrMapOvr>
+  <mc:AlternateContent xmlns:mc="http://schemas.openxmlformats.org/markup-compatibility/2006" xmlns:p14="http://schemas.microsoft.com/office/powerpoint/2010/main">
+    <mc:Choice Requires="p14">
+      <p:transition spd="slow" p14:dur="2000"/>
+    </mc:Choice>
+    <mc:Fallback xmlns="">
+      <p:transition xmlns:p14="http://schemas.microsoft.com/office/powerpoint/2010/main" spd="slow"/>
+    </mc:Fallback>
+  </mc:AlternateContent>
+  <p:timing>
+    <p:tnLst>
+      <p:par>
+        <p:cTn xmlns:p14="http://schemas.microsoft.com/office/powerpoint/2010/main" id="1" dur="indefinite" restart="never" nodeType="tmRoot"/>
+      </p:par>
+    </p:tnLst>
+  </p:timing>
+</p:sld>
+</file>
+
+<file path=ppt/slides/slide56.xml><?xml version="1.0" encoding="utf-8"?>
+<p:sld xmlns:a="http://schemas.openxmlformats.org/drawingml/2006/main" xmlns:r="http://schemas.openxmlformats.org/officeDocument/2006/relationships" xmlns:p="http://schemas.openxmlformats.org/presentationml/2006/main">
+  <p:cSld>
+    <p:spTree>
+      <p:nvGrpSpPr>
+        <p:cNvPr id="1" name=""/>
+        <p:cNvGrpSpPr/>
+        <p:nvPr/>
+      </p:nvGrpSpPr>
+      <p:grpSpPr>
+        <a:xfrm>
+          <a:off x="0" y="0"/>
+          <a:ext cx="0" cy="0"/>
+          <a:chOff x="0" y="0"/>
+          <a:chExt cx="0" cy="0"/>
+        </a:xfrm>
+      </p:grpSpPr>
+      <p:sp>
+        <p:nvSpPr>
           <p:cNvPr id="5" name="Rechteck 4"/>
           <p:cNvSpPr/>
           <p:nvPr/>
@@ -15469,31 +15826,7 @@
                   <a:srgbClr val="FFFFFF"/>
                 </a:solidFill>
               </a:rPr>
-              <a:t>Übung </a:t>
-            </a:r>
-            <a:r>
-              <a:rPr lang="de-DE" dirty="0" smtClean="0">
-                <a:solidFill>
-                  <a:srgbClr val="FFFFFF"/>
-                </a:solidFill>
-              </a:rPr>
-              <a:t>#10 </a:t>
-            </a:r>
-            <a:r>
-              <a:rPr lang="de-DE" dirty="0" smtClean="0">
-                <a:solidFill>
-                  <a:srgbClr val="FFFFFF"/>
-                </a:solidFill>
-              </a:rPr>
-              <a:t>-  </a:t>
-            </a:r>
-            <a:r>
-              <a:rPr lang="de-DE" dirty="0" smtClean="0">
-                <a:solidFill>
-                  <a:srgbClr val="FFFFFF"/>
-                </a:solidFill>
-              </a:rPr>
-              <a:t>klassische Module</a:t>
+              <a:t>Übung #10 -  klassische Module</a:t>
             </a:r>
             <a:endParaRPr lang="de-DE" dirty="0">
               <a:solidFill>
@@ -15523,7 +15856,7 @@
 </p:sld>
 </file>
 
-<file path=ppt/slides/slide56.xml><?xml version="1.0" encoding="utf-8"?>
+<file path=ppt/slides/slide57.xml><?xml version="1.0" encoding="utf-8"?>
 <p:sld xmlns:a="http://schemas.openxmlformats.org/drawingml/2006/main" xmlns:r="http://schemas.openxmlformats.org/officeDocument/2006/relationships" xmlns:p="http://schemas.openxmlformats.org/presentationml/2006/main">
   <p:cSld>
     <p:spTree>
@@ -15590,7 +15923,7 @@
 </p:sld>
 </file>
 
-<file path=ppt/slides/slide57.xml><?xml version="1.0" encoding="utf-8"?>
+<file path=ppt/slides/slide58.xml><?xml version="1.0" encoding="utf-8"?>
 <p:sld xmlns:a="http://schemas.openxmlformats.org/drawingml/2006/main" xmlns:r="http://schemas.openxmlformats.org/officeDocument/2006/relationships" xmlns:p="http://schemas.openxmlformats.org/presentationml/2006/main">
   <p:cSld>
     <p:spTree>
@@ -15680,354 +16013,6 @@
 </p:sld>
 </file>
 
-<file path=ppt/slides/slide58.xml><?xml version="1.0" encoding="utf-8"?>
-<p:sld xmlns:a="http://schemas.openxmlformats.org/drawingml/2006/main" xmlns:r="http://schemas.openxmlformats.org/officeDocument/2006/relationships" xmlns:p="http://schemas.openxmlformats.org/presentationml/2006/main">
-  <p:cSld>
-    <p:spTree>
-      <p:nvGrpSpPr>
-        <p:cNvPr id="1" name=""/>
-        <p:cNvGrpSpPr/>
-        <p:nvPr/>
-      </p:nvGrpSpPr>
-      <p:grpSpPr>
-        <a:xfrm>
-          <a:off x="0" y="0"/>
-          <a:ext cx="0" cy="0"/>
-          <a:chOff x="0" y="0"/>
-          <a:chExt cx="0" cy="0"/>
-        </a:xfrm>
-      </p:grpSpPr>
-      <p:sp>
-        <p:nvSpPr>
-          <p:cNvPr id="2" name="Inhaltsplatzhalter 1"/>
-          <p:cNvSpPr>
-            <a:spLocks noGrp="1"/>
-          </p:cNvSpPr>
-          <p:nvPr>
-            <p:ph idx="1"/>
-          </p:nvPr>
-        </p:nvSpPr>
-        <p:spPr>
-          <a:xfrm>
-            <a:off x="252000" y="1188000"/>
-            <a:ext cx="8532000" cy="5481360"/>
-          </a:xfrm>
-        </p:spPr>
-        <p:txBody>
-          <a:bodyPr>
-            <a:normAutofit lnSpcReduction="10000"/>
-          </a:bodyPr>
-          <a:lstStyle/>
-          <a:p>
-            <a:r>
-              <a:rPr lang="de-DE" dirty="0"/>
-              <a:t>// </a:t>
-            </a:r>
-            <a:r>
-              <a:rPr lang="de-DE" sz="1300" dirty="0" smtClean="0"/>
-              <a:t>@</a:t>
-            </a:r>
-            <a:r>
-              <a:rPr lang="de-DE" sz="1300" dirty="0" err="1" smtClean="0"/>
-              <a:t>see</a:t>
-            </a:r>
-            <a:r>
-              <a:rPr lang="de-DE" sz="1300" dirty="0" smtClean="0"/>
-              <a:t> http</a:t>
-            </a:r>
-            <a:r>
-              <a:rPr lang="de-DE" sz="1300" dirty="0"/>
-              <a:t>://</a:t>
-            </a:r>
-            <a:r>
-              <a:rPr lang="de-DE" sz="1300" dirty="0" err="1"/>
-              <a:t>freshbrewedcode.com</a:t>
-            </a:r>
-            <a:r>
-              <a:rPr lang="de-DE" sz="1300" dirty="0"/>
-              <a:t>/</a:t>
-            </a:r>
-            <a:r>
-              <a:rPr lang="de-DE" sz="1300" dirty="0" err="1"/>
-              <a:t>derekgreer</a:t>
-            </a:r>
-            <a:r>
-              <a:rPr lang="de-DE" sz="1300" dirty="0"/>
-              <a:t>/2011/11/28/</a:t>
-            </a:r>
-            <a:r>
-              <a:rPr lang="de-DE" sz="1300" dirty="0" err="1"/>
-              <a:t>getting</a:t>
-            </a:r>
-            <a:r>
-              <a:rPr lang="de-DE" sz="1300" dirty="0"/>
-              <a:t>-</a:t>
-            </a:r>
-            <a:r>
-              <a:rPr lang="de-DE" sz="1300" dirty="0" err="1"/>
-              <a:t>started</a:t>
-            </a:r>
-            <a:r>
-              <a:rPr lang="de-DE" sz="1300" dirty="0"/>
-              <a:t>-with-</a:t>
-            </a:r>
-            <a:r>
-              <a:rPr lang="de-DE" sz="1300" dirty="0" err="1"/>
-              <a:t>requirejs</a:t>
-            </a:r>
-            <a:r>
-              <a:rPr lang="de-DE" sz="1300" dirty="0" smtClean="0"/>
-              <a:t>/</a:t>
-            </a:r>
-          </a:p>
-          <a:p>
-            <a:r>
-              <a:rPr lang="de-DE" dirty="0" smtClean="0"/>
-              <a:t>/</a:t>
-            </a:r>
-            <a:r>
-              <a:rPr lang="de-DE" dirty="0"/>
-              <a:t>/ </a:t>
-            </a:r>
-            <a:r>
-              <a:rPr lang="de-DE" dirty="0" err="1"/>
-              <a:t>customerModule</a:t>
-            </a:r>
-            <a:endParaRPr lang="de-DE" dirty="0"/>
-          </a:p>
-          <a:p>
-            <a:r>
-              <a:rPr lang="de-DE" dirty="0" err="1"/>
-              <a:t>define</a:t>
-            </a:r>
-            <a:r>
-              <a:rPr lang="de-DE" dirty="0"/>
-              <a:t>(</a:t>
-            </a:r>
-            <a:r>
-              <a:rPr lang="de-DE" dirty="0" err="1"/>
-              <a:t>function</a:t>
-            </a:r>
-            <a:r>
-              <a:rPr lang="de-DE" dirty="0"/>
-              <a:t>() {</a:t>
-            </a:r>
-          </a:p>
-          <a:p>
-            <a:r>
-              <a:rPr lang="de-DE" dirty="0"/>
-              <a:t>    return {</a:t>
-            </a:r>
-          </a:p>
-          <a:p>
-            <a:r>
-              <a:rPr lang="de-DE" dirty="0"/>
-              <a:t>         </a:t>
-            </a:r>
-            <a:r>
-              <a:rPr lang="de-DE" dirty="0" err="1"/>
-              <a:t>getCustomers</a:t>
-            </a:r>
-            <a:r>
-              <a:rPr lang="de-DE" dirty="0"/>
-              <a:t>: </a:t>
-            </a:r>
-            <a:r>
-              <a:rPr lang="de-DE" dirty="0" err="1"/>
-              <a:t>function</a:t>
-            </a:r>
-            <a:r>
-              <a:rPr lang="de-DE" dirty="0"/>
-              <a:t>() </a:t>
-            </a:r>
-            <a:r>
-              <a:rPr lang="de-DE" dirty="0" smtClean="0"/>
-              <a:t>{ /* do </a:t>
-            </a:r>
-            <a:r>
-              <a:rPr lang="de-DE" dirty="0" err="1" smtClean="0"/>
-              <a:t>something</a:t>
-            </a:r>
-            <a:r>
-              <a:rPr lang="de-DE" dirty="0" smtClean="0"/>
-              <a:t> */ }</a:t>
-            </a:r>
-            <a:endParaRPr lang="de-DE" dirty="0"/>
-          </a:p>
-          <a:p>
-            <a:r>
-              <a:rPr lang="de-DE" dirty="0"/>
-              <a:t>    }</a:t>
-            </a:r>
-          </a:p>
-          <a:p>
-            <a:r>
-              <a:rPr lang="de-DE" dirty="0"/>
-              <a:t>});</a:t>
-            </a:r>
-          </a:p>
-          <a:p>
-            <a:endParaRPr lang="de-DE" dirty="0"/>
-          </a:p>
-          <a:p>
-            <a:r>
-              <a:rPr lang="de-DE" dirty="0"/>
-              <a:t>// </a:t>
-            </a:r>
-            <a:r>
-              <a:rPr lang="de-DE" dirty="0" err="1"/>
-              <a:t>oderModule</a:t>
-            </a:r>
-            <a:endParaRPr lang="de-DE" dirty="0"/>
-          </a:p>
-          <a:p>
-            <a:r>
-              <a:rPr lang="de-DE" dirty="0" err="1"/>
-              <a:t>define</a:t>
-            </a:r>
-            <a:r>
-              <a:rPr lang="de-DE" dirty="0"/>
-              <a:t>(</a:t>
-            </a:r>
-            <a:r>
-              <a:rPr lang="de-DE" dirty="0" err="1"/>
-              <a:t>function</a:t>
-            </a:r>
-            <a:r>
-              <a:rPr lang="de-DE" dirty="0"/>
-              <a:t>() {</a:t>
-            </a:r>
-          </a:p>
-          <a:p>
-            <a:r>
-              <a:rPr lang="de-DE" dirty="0"/>
-              <a:t>    return {</a:t>
-            </a:r>
-          </a:p>
-          <a:p>
-            <a:r>
-              <a:rPr lang="de-DE" dirty="0"/>
-              <a:t>         </a:t>
-            </a:r>
-            <a:r>
-              <a:rPr lang="de-DE" dirty="0" err="1"/>
-              <a:t>getOrders</a:t>
-            </a:r>
-            <a:r>
-              <a:rPr lang="de-DE" dirty="0"/>
-              <a:t>: </a:t>
-            </a:r>
-            <a:r>
-              <a:rPr lang="de-DE" dirty="0" err="1"/>
-              <a:t>function</a:t>
-            </a:r>
-            <a:r>
-              <a:rPr lang="de-DE" dirty="0"/>
-              <a:t>() </a:t>
-            </a:r>
-            <a:r>
-              <a:rPr lang="de-DE" dirty="0" smtClean="0"/>
-              <a:t>{ /</a:t>
-            </a:r>
-            <a:r>
-              <a:rPr lang="de-DE" dirty="0"/>
-              <a:t>* do </a:t>
-            </a:r>
-            <a:r>
-              <a:rPr lang="de-DE" dirty="0" err="1"/>
-              <a:t>something</a:t>
-            </a:r>
-            <a:r>
-              <a:rPr lang="de-DE" dirty="0"/>
-              <a:t> */ </a:t>
-            </a:r>
-            <a:r>
-              <a:rPr lang="de-DE" dirty="0" smtClean="0"/>
-              <a:t>}</a:t>
-            </a:r>
-            <a:endParaRPr lang="de-DE" dirty="0"/>
-          </a:p>
-          <a:p>
-            <a:r>
-              <a:rPr lang="de-DE" dirty="0"/>
-              <a:t>    }</a:t>
-            </a:r>
-          </a:p>
-          <a:p>
-            <a:r>
-              <a:rPr lang="de-DE" dirty="0"/>
-              <a:t>});</a:t>
-            </a:r>
-          </a:p>
-          <a:p>
-            <a:endParaRPr lang="de-DE" dirty="0"/>
-          </a:p>
-        </p:txBody>
-      </p:sp>
-      <p:sp>
-        <p:nvSpPr>
-          <p:cNvPr id="3" name="Titel 2"/>
-          <p:cNvSpPr>
-            <a:spLocks noGrp="1"/>
-          </p:cNvSpPr>
-          <p:nvPr>
-            <p:ph type="title"/>
-          </p:nvPr>
-        </p:nvSpPr>
-        <p:spPr/>
-        <p:txBody>
-          <a:bodyPr>
-            <a:normAutofit/>
-          </a:bodyPr>
-          <a:lstStyle/>
-          <a:p>
-            <a:r>
-              <a:rPr lang="de-DE" dirty="0" err="1"/>
-              <a:t>Define</a:t>
-            </a:r>
-            <a:r>
-              <a:rPr lang="de-DE" dirty="0"/>
-              <a:t> </a:t>
-            </a:r>
-            <a:r>
-              <a:rPr lang="de-DE" dirty="0" smtClean="0"/>
-              <a:t>durch </a:t>
-            </a:r>
-            <a:r>
-              <a:rPr lang="de-DE" dirty="0"/>
-              <a:t>AMD (</a:t>
-            </a:r>
-            <a:r>
-              <a:rPr lang="de-DE" dirty="0" err="1"/>
-              <a:t>require.js</a:t>
-            </a:r>
-            <a:r>
-              <a:rPr lang="de-DE" dirty="0"/>
-              <a:t>)</a:t>
-            </a:r>
-          </a:p>
-        </p:txBody>
-      </p:sp>
-    </p:spTree>
-    <p:extLst>
-      <p:ext uri="{BB962C8B-B14F-4D97-AF65-F5344CB8AC3E}">
-        <p14:creationId xmlns:p14="http://schemas.microsoft.com/office/powerpoint/2010/main" val="172567752"/>
-      </p:ext>
-    </p:extLst>
-  </p:cSld>
-  <p:clrMapOvr>
-    <a:masterClrMapping/>
-  </p:clrMapOvr>
-  <p:timing>
-    <p:tnLst>
-      <p:par>
-        <p:cTn xmlns:p14="http://schemas.microsoft.com/office/powerpoint/2010/main" id="1" dur="indefinite" restart="never" nodeType="tmRoot"/>
-      </p:par>
-    </p:tnLst>
-  </p:timing>
-</p:sld>
-</file>
-
 <file path=ppt/slides/slide59.xml><?xml version="1.0" encoding="utf-8"?>
 <p:sld xmlns:a="http://schemas.openxmlformats.org/drawingml/2006/main" xmlns:r="http://schemas.openxmlformats.org/officeDocument/2006/relationships" xmlns:p="http://schemas.openxmlformats.org/presentationml/2006/main">
   <p:cSld>
@@ -16055,6 +16040,273 @@
             <p:ph idx="1"/>
           </p:nvPr>
         </p:nvSpPr>
+        <p:spPr>
+          <a:xfrm>
+            <a:off x="252000" y="1188000"/>
+            <a:ext cx="8532000" cy="5481360"/>
+          </a:xfrm>
+        </p:spPr>
+        <p:txBody>
+          <a:bodyPr>
+            <a:normAutofit lnSpcReduction="10000"/>
+          </a:bodyPr>
+          <a:lstStyle/>
+          <a:p>
+            <a:r>
+              <a:rPr lang="de-DE" dirty="0"/>
+              <a:t>// </a:t>
+            </a:r>
+            <a:r>
+              <a:rPr lang="de-DE" sz="1300" dirty="0" smtClean="0"/>
+              <a:t>@</a:t>
+            </a:r>
+            <a:r>
+              <a:rPr lang="de-DE" sz="1300" dirty="0" err="1" smtClean="0"/>
+              <a:t>see</a:t>
+            </a:r>
+            <a:r>
+              <a:rPr lang="de-DE" sz="1300" dirty="0" smtClean="0"/>
+              <a:t> http</a:t>
+            </a:r>
+            <a:r>
+              <a:rPr lang="de-DE" sz="1300" dirty="0"/>
+              <a:t>://</a:t>
+            </a:r>
+            <a:r>
+              <a:rPr lang="de-DE" sz="1300" dirty="0" err="1"/>
+              <a:t>freshbrewedcode.com</a:t>
+            </a:r>
+            <a:r>
+              <a:rPr lang="de-DE" sz="1300" dirty="0"/>
+              <a:t>/</a:t>
+            </a:r>
+            <a:r>
+              <a:rPr lang="de-DE" sz="1300" dirty="0" err="1"/>
+              <a:t>derekgreer</a:t>
+            </a:r>
+            <a:r>
+              <a:rPr lang="de-DE" sz="1300" dirty="0"/>
+              <a:t>/2011/11/28/</a:t>
+            </a:r>
+            <a:r>
+              <a:rPr lang="de-DE" sz="1300" dirty="0" err="1"/>
+              <a:t>getting</a:t>
+            </a:r>
+            <a:r>
+              <a:rPr lang="de-DE" sz="1300" dirty="0"/>
+              <a:t>-</a:t>
+            </a:r>
+            <a:r>
+              <a:rPr lang="de-DE" sz="1300" dirty="0" err="1"/>
+              <a:t>started</a:t>
+            </a:r>
+            <a:r>
+              <a:rPr lang="de-DE" sz="1300" dirty="0"/>
+              <a:t>-with-</a:t>
+            </a:r>
+            <a:r>
+              <a:rPr lang="de-DE" sz="1300" dirty="0" err="1"/>
+              <a:t>requirejs</a:t>
+            </a:r>
+            <a:r>
+              <a:rPr lang="de-DE" sz="1300" dirty="0" smtClean="0"/>
+              <a:t>/</a:t>
+            </a:r>
+          </a:p>
+          <a:p>
+            <a:r>
+              <a:rPr lang="de-DE" dirty="0" smtClean="0"/>
+              <a:t>/</a:t>
+            </a:r>
+            <a:r>
+              <a:rPr lang="de-DE" dirty="0"/>
+              <a:t>/ </a:t>
+            </a:r>
+            <a:r>
+              <a:rPr lang="de-DE" dirty="0" err="1"/>
+              <a:t>customerModule</a:t>
+            </a:r>
+            <a:endParaRPr lang="de-DE" dirty="0"/>
+          </a:p>
+          <a:p>
+            <a:r>
+              <a:rPr lang="de-DE" dirty="0" err="1"/>
+              <a:t>define</a:t>
+            </a:r>
+            <a:r>
+              <a:rPr lang="de-DE" dirty="0"/>
+              <a:t>(</a:t>
+            </a:r>
+            <a:r>
+              <a:rPr lang="de-DE" dirty="0" err="1"/>
+              <a:t>function</a:t>
+            </a:r>
+            <a:r>
+              <a:rPr lang="de-DE" dirty="0"/>
+              <a:t>() {</a:t>
+            </a:r>
+          </a:p>
+          <a:p>
+            <a:r>
+              <a:rPr lang="de-DE" dirty="0"/>
+              <a:t>    return {</a:t>
+            </a:r>
+          </a:p>
+          <a:p>
+            <a:r>
+              <a:rPr lang="de-DE" dirty="0"/>
+              <a:t>         </a:t>
+            </a:r>
+            <a:r>
+              <a:rPr lang="de-DE" dirty="0" err="1"/>
+              <a:t>getCustomers</a:t>
+            </a:r>
+            <a:r>
+              <a:rPr lang="de-DE" dirty="0"/>
+              <a:t>: </a:t>
+            </a:r>
+            <a:r>
+              <a:rPr lang="de-DE" dirty="0" err="1"/>
+              <a:t>function</a:t>
+            </a:r>
+            <a:r>
+              <a:rPr lang="de-DE" dirty="0"/>
+              <a:t>() </a:t>
+            </a:r>
+            <a:r>
+              <a:rPr lang="de-DE" dirty="0" smtClean="0"/>
+              <a:t>{ /* do </a:t>
+            </a:r>
+            <a:r>
+              <a:rPr lang="de-DE" dirty="0" err="1" smtClean="0"/>
+              <a:t>something</a:t>
+            </a:r>
+            <a:r>
+              <a:rPr lang="de-DE" dirty="0" smtClean="0"/>
+              <a:t> */ }</a:t>
+            </a:r>
+            <a:endParaRPr lang="de-DE" dirty="0"/>
+          </a:p>
+          <a:p>
+            <a:r>
+              <a:rPr lang="de-DE" dirty="0"/>
+              <a:t>    }</a:t>
+            </a:r>
+          </a:p>
+          <a:p>
+            <a:r>
+              <a:rPr lang="de-DE" dirty="0"/>
+              <a:t>});</a:t>
+            </a:r>
+          </a:p>
+          <a:p>
+            <a:endParaRPr lang="de-DE" dirty="0"/>
+          </a:p>
+          <a:p>
+            <a:r>
+              <a:rPr lang="de-DE" dirty="0"/>
+              <a:t>// </a:t>
+            </a:r>
+            <a:r>
+              <a:rPr lang="de-DE" dirty="0" err="1"/>
+              <a:t>oderModule</a:t>
+            </a:r>
+            <a:endParaRPr lang="de-DE" dirty="0"/>
+          </a:p>
+          <a:p>
+            <a:r>
+              <a:rPr lang="de-DE" dirty="0" err="1"/>
+              <a:t>define</a:t>
+            </a:r>
+            <a:r>
+              <a:rPr lang="de-DE" dirty="0"/>
+              <a:t>(</a:t>
+            </a:r>
+            <a:r>
+              <a:rPr lang="de-DE" dirty="0" err="1"/>
+              <a:t>function</a:t>
+            </a:r>
+            <a:r>
+              <a:rPr lang="de-DE" dirty="0"/>
+              <a:t>() {</a:t>
+            </a:r>
+          </a:p>
+          <a:p>
+            <a:r>
+              <a:rPr lang="de-DE" dirty="0"/>
+              <a:t>    return {</a:t>
+            </a:r>
+          </a:p>
+          <a:p>
+            <a:r>
+              <a:rPr lang="de-DE" dirty="0"/>
+              <a:t>         </a:t>
+            </a:r>
+            <a:r>
+              <a:rPr lang="de-DE" dirty="0" err="1"/>
+              <a:t>getOrders</a:t>
+            </a:r>
+            <a:r>
+              <a:rPr lang="de-DE" dirty="0"/>
+              <a:t>: </a:t>
+            </a:r>
+            <a:r>
+              <a:rPr lang="de-DE" dirty="0" err="1"/>
+              <a:t>function</a:t>
+            </a:r>
+            <a:r>
+              <a:rPr lang="de-DE" dirty="0"/>
+              <a:t>() </a:t>
+            </a:r>
+            <a:r>
+              <a:rPr lang="de-DE" dirty="0" smtClean="0"/>
+              <a:t>{ /</a:t>
+            </a:r>
+            <a:r>
+              <a:rPr lang="de-DE" dirty="0"/>
+              <a:t>* do </a:t>
+            </a:r>
+            <a:r>
+              <a:rPr lang="de-DE" dirty="0" err="1"/>
+              <a:t>something</a:t>
+            </a:r>
+            <a:r>
+              <a:rPr lang="de-DE" dirty="0"/>
+              <a:t> */ </a:t>
+            </a:r>
+            <a:r>
+              <a:rPr lang="de-DE" dirty="0" smtClean="0"/>
+              <a:t>}</a:t>
+            </a:r>
+            <a:endParaRPr lang="de-DE" dirty="0"/>
+          </a:p>
+          <a:p>
+            <a:r>
+              <a:rPr lang="de-DE" dirty="0"/>
+              <a:t>    }</a:t>
+            </a:r>
+          </a:p>
+          <a:p>
+            <a:r>
+              <a:rPr lang="de-DE" dirty="0"/>
+              <a:t>});</a:t>
+            </a:r>
+          </a:p>
+          <a:p>
+            <a:endParaRPr lang="de-DE" dirty="0"/>
+          </a:p>
+        </p:txBody>
+      </p:sp>
+      <p:sp>
+        <p:nvSpPr>
+          <p:cNvPr id="3" name="Titel 2"/>
+          <p:cNvSpPr>
+            <a:spLocks noGrp="1"/>
+          </p:cNvSpPr>
+          <p:nvPr>
+            <p:ph type="title"/>
+          </p:nvPr>
+        </p:nvSpPr>
         <p:spPr/>
         <p:txBody>
           <a:bodyPr>
@@ -16063,238 +16315,20 @@
           <a:lstStyle/>
           <a:p>
             <a:r>
-              <a:rPr lang="de-DE" dirty="0" smtClean="0"/>
-              <a:t>// </a:t>
-            </a:r>
-            <a:r>
-              <a:rPr lang="de-DE" sz="1200" dirty="0"/>
-              <a:t>@</a:t>
-            </a:r>
-            <a:r>
-              <a:rPr lang="de-DE" sz="1200" dirty="0" err="1"/>
-              <a:t>see</a:t>
-            </a:r>
-            <a:r>
-              <a:rPr lang="de-DE" sz="1200" dirty="0"/>
-              <a:t> http://</a:t>
-            </a:r>
-            <a:r>
-              <a:rPr lang="de-DE" sz="1200" dirty="0" err="1"/>
-              <a:t>freshbrewedcode.com</a:t>
-            </a:r>
-            <a:r>
-              <a:rPr lang="de-DE" sz="1200" dirty="0"/>
-              <a:t>/</a:t>
-            </a:r>
-            <a:r>
-              <a:rPr lang="de-DE" sz="1200" dirty="0" err="1"/>
-              <a:t>derekgreer</a:t>
-            </a:r>
-            <a:r>
-              <a:rPr lang="de-DE" sz="1200" dirty="0"/>
-              <a:t>/2011/11/28/</a:t>
-            </a:r>
-            <a:r>
-              <a:rPr lang="de-DE" sz="1200" dirty="0" err="1"/>
-              <a:t>getting</a:t>
-            </a:r>
-            <a:r>
-              <a:rPr lang="de-DE" sz="1200" dirty="0"/>
-              <a:t>-</a:t>
-            </a:r>
-            <a:r>
-              <a:rPr lang="de-DE" sz="1200" dirty="0" err="1"/>
-              <a:t>started</a:t>
-            </a:r>
-            <a:r>
-              <a:rPr lang="de-DE" sz="1200" dirty="0"/>
-              <a:t>-with-</a:t>
-            </a:r>
-            <a:r>
-              <a:rPr lang="de-DE" sz="1200" dirty="0" err="1"/>
-              <a:t>requirejs</a:t>
-            </a:r>
-            <a:r>
-              <a:rPr lang="de-DE" sz="1200" dirty="0"/>
-              <a:t>/</a:t>
-            </a:r>
-          </a:p>
-          <a:p>
-            <a:r>
-              <a:rPr lang="de-DE" dirty="0" err="1" smtClean="0"/>
-              <a:t>require</a:t>
-            </a:r>
-            <a:r>
-              <a:rPr lang="de-DE" dirty="0"/>
-              <a:t>(["</a:t>
-            </a:r>
-            <a:r>
-              <a:rPr lang="de-DE" dirty="0" err="1"/>
-              <a:t>customerModule</a:t>
-            </a:r>
-            <a:r>
-              <a:rPr lang="de-DE" dirty="0"/>
-              <a:t>", "</a:t>
-            </a:r>
-            <a:r>
-              <a:rPr lang="de-DE" dirty="0" err="1"/>
-              <a:t>orderModule</a:t>
-            </a:r>
-            <a:r>
-              <a:rPr lang="de-DE" dirty="0"/>
-              <a:t>"</a:t>
-            </a:r>
-            <a:r>
-              <a:rPr lang="de-DE" dirty="0" smtClean="0"/>
-              <a:t>], </a:t>
-            </a:r>
-            <a:r>
-              <a:rPr lang="de-DE" dirty="0" err="1"/>
-              <a:t>function</a:t>
-            </a:r>
-            <a:r>
-              <a:rPr lang="de-DE" dirty="0"/>
-              <a:t>(c, o) </a:t>
-            </a:r>
-            <a:r>
-              <a:rPr lang="de-DE" dirty="0" smtClean="0"/>
-              <a:t>{</a:t>
-            </a:r>
-            <a:endParaRPr lang="de-DE" dirty="0"/>
-          </a:p>
-          <a:p>
-            <a:r>
-              <a:rPr lang="de-DE" dirty="0"/>
-              <a:t>    var </a:t>
-            </a:r>
-            <a:r>
-              <a:rPr lang="de-DE" dirty="0" err="1"/>
-              <a:t>customers</a:t>
-            </a:r>
-            <a:r>
-              <a:rPr lang="de-DE" dirty="0"/>
-              <a:t> = </a:t>
-            </a:r>
-            <a:r>
-              <a:rPr lang="de-DE" dirty="0" err="1"/>
-              <a:t>c.getCustomers</a:t>
-            </a:r>
-            <a:r>
-              <a:rPr lang="de-DE" dirty="0"/>
-              <a:t>();</a:t>
-            </a:r>
-          </a:p>
-          <a:p>
-            <a:r>
-              <a:rPr lang="de-DE" dirty="0"/>
-              <a:t>    // do </a:t>
-            </a:r>
-            <a:r>
-              <a:rPr lang="de-DE" dirty="0" err="1"/>
-              <a:t>something</a:t>
-            </a:r>
-            <a:r>
-              <a:rPr lang="de-DE" dirty="0"/>
-              <a:t> with </a:t>
-            </a:r>
-            <a:r>
-              <a:rPr lang="de-DE" dirty="0" err="1"/>
-              <a:t>customers</a:t>
-            </a:r>
-            <a:r>
-              <a:rPr lang="de-DE" dirty="0"/>
-              <a:t> ...</a:t>
-            </a:r>
-          </a:p>
-          <a:p>
-            <a:endParaRPr lang="de-DE" dirty="0"/>
-          </a:p>
-          <a:p>
-            <a:r>
-              <a:rPr lang="de-DE" dirty="0"/>
-              <a:t>    var </a:t>
-            </a:r>
-            <a:r>
-              <a:rPr lang="de-DE" dirty="0" err="1"/>
-              <a:t>orders</a:t>
-            </a:r>
-            <a:r>
-              <a:rPr lang="de-DE" dirty="0"/>
-              <a:t> = </a:t>
-            </a:r>
-            <a:r>
-              <a:rPr lang="de-DE" dirty="0" err="1"/>
-              <a:t>o.getOrders</a:t>
-            </a:r>
-            <a:r>
-              <a:rPr lang="de-DE" dirty="0"/>
-              <a:t>();</a:t>
-            </a:r>
-          </a:p>
-          <a:p>
-            <a:r>
-              <a:rPr lang="de-DE" dirty="0"/>
-              <a:t>    // do </a:t>
-            </a:r>
-            <a:r>
-              <a:rPr lang="de-DE" dirty="0" err="1"/>
-              <a:t>something</a:t>
-            </a:r>
-            <a:r>
-              <a:rPr lang="de-DE" dirty="0"/>
-              <a:t> with </a:t>
-            </a:r>
-            <a:r>
-              <a:rPr lang="de-DE" dirty="0" err="1"/>
-              <a:t>orders</a:t>
-            </a:r>
-            <a:r>
-              <a:rPr lang="de-DE" dirty="0"/>
-              <a:t> ...    </a:t>
-            </a:r>
-          </a:p>
-          <a:p>
-            <a:r>
-              <a:rPr lang="de-DE" dirty="0"/>
-              <a:t>});</a:t>
-            </a:r>
-          </a:p>
-          <a:p>
-            <a:endParaRPr lang="de-DE" dirty="0"/>
-          </a:p>
-          <a:p>
-            <a:endParaRPr lang="de-DE" dirty="0"/>
-          </a:p>
-        </p:txBody>
-      </p:sp>
-      <p:sp>
-        <p:nvSpPr>
-          <p:cNvPr id="3" name="Titel 2"/>
-          <p:cNvSpPr>
-            <a:spLocks noGrp="1"/>
-          </p:cNvSpPr>
-          <p:nvPr>
-            <p:ph type="title"/>
-          </p:nvPr>
-        </p:nvSpPr>
-        <p:spPr/>
-        <p:txBody>
-          <a:bodyPr>
-            <a:normAutofit/>
-          </a:bodyPr>
-          <a:lstStyle/>
-          <a:p>
-            <a:r>
-              <a:rPr lang="de-DE" dirty="0" err="1" smtClean="0"/>
-              <a:t>Require</a:t>
-            </a:r>
-            <a:r>
-              <a:rPr lang="de-DE" dirty="0" smtClean="0"/>
-              <a:t> </a:t>
-            </a:r>
-            <a:r>
-              <a:rPr lang="de-DE" dirty="0"/>
-              <a:t>durch AMD (</a:t>
+              <a:rPr lang="de-DE" dirty="0" err="1"/>
+              <a:t>Define</a:t>
+            </a:r>
+            <a:r>
+              <a:rPr lang="de-DE" dirty="0"/>
+              <a:t> </a:t>
+            </a:r>
+            <a:r>
+              <a:rPr lang="de-DE" dirty="0" smtClean="0"/>
+              <a:t>durch </a:t>
+            </a:r>
+            <a:r>
+              <a:rPr lang="de-DE" dirty="0"/>
+              <a:t>AMD (</a:t>
             </a:r>
             <a:r>
               <a:rPr lang="de-DE" dirty="0" err="1"/>
@@ -16310,7 +16344,7 @@
     </p:spTree>
     <p:extLst>
       <p:ext uri="{BB962C8B-B14F-4D97-AF65-F5344CB8AC3E}">
-        <p14:creationId xmlns:p14="http://schemas.microsoft.com/office/powerpoint/2010/main" val="3614526317"/>
+        <p14:creationId xmlns:p14="http://schemas.microsoft.com/office/powerpoint/2010/main" val="172567752"/>
       </p:ext>
     </p:extLst>
   </p:cSld>
@@ -16597,6 +16631,305 @@
 </file>
 
 <file path=ppt/slides/slide60.xml><?xml version="1.0" encoding="utf-8"?>
+<p:sld xmlns:a="http://schemas.openxmlformats.org/drawingml/2006/main" xmlns:r="http://schemas.openxmlformats.org/officeDocument/2006/relationships" xmlns:p="http://schemas.openxmlformats.org/presentationml/2006/main">
+  <p:cSld>
+    <p:spTree>
+      <p:nvGrpSpPr>
+        <p:cNvPr id="1" name=""/>
+        <p:cNvGrpSpPr/>
+        <p:nvPr/>
+      </p:nvGrpSpPr>
+      <p:grpSpPr>
+        <a:xfrm>
+          <a:off x="0" y="0"/>
+          <a:ext cx="0" cy="0"/>
+          <a:chOff x="0" y="0"/>
+          <a:chExt cx="0" cy="0"/>
+        </a:xfrm>
+      </p:grpSpPr>
+      <p:sp>
+        <p:nvSpPr>
+          <p:cNvPr id="2" name="Inhaltsplatzhalter 1"/>
+          <p:cNvSpPr>
+            <a:spLocks noGrp="1"/>
+          </p:cNvSpPr>
+          <p:nvPr>
+            <p:ph idx="1"/>
+          </p:nvPr>
+        </p:nvSpPr>
+        <p:spPr/>
+        <p:txBody>
+          <a:bodyPr>
+            <a:normAutofit/>
+          </a:bodyPr>
+          <a:lstStyle/>
+          <a:p>
+            <a:r>
+              <a:rPr lang="de-DE" dirty="0" smtClean="0"/>
+              <a:t>// </a:t>
+            </a:r>
+            <a:r>
+              <a:rPr lang="de-DE" sz="1200" dirty="0"/>
+              <a:t>@</a:t>
+            </a:r>
+            <a:r>
+              <a:rPr lang="de-DE" sz="1200" dirty="0" err="1"/>
+              <a:t>see</a:t>
+            </a:r>
+            <a:r>
+              <a:rPr lang="de-DE" sz="1200" dirty="0"/>
+              <a:t> http://</a:t>
+            </a:r>
+            <a:r>
+              <a:rPr lang="de-DE" sz="1200" dirty="0" err="1"/>
+              <a:t>freshbrewedcode.com</a:t>
+            </a:r>
+            <a:r>
+              <a:rPr lang="de-DE" sz="1200" dirty="0"/>
+              <a:t>/</a:t>
+            </a:r>
+            <a:r>
+              <a:rPr lang="de-DE" sz="1200" dirty="0" err="1"/>
+              <a:t>derekgreer</a:t>
+            </a:r>
+            <a:r>
+              <a:rPr lang="de-DE" sz="1200" dirty="0"/>
+              <a:t>/2011/11/28/</a:t>
+            </a:r>
+            <a:r>
+              <a:rPr lang="de-DE" sz="1200" dirty="0" err="1"/>
+              <a:t>getting</a:t>
+            </a:r>
+            <a:r>
+              <a:rPr lang="de-DE" sz="1200" dirty="0"/>
+              <a:t>-</a:t>
+            </a:r>
+            <a:r>
+              <a:rPr lang="de-DE" sz="1200" dirty="0" err="1"/>
+              <a:t>started</a:t>
+            </a:r>
+            <a:r>
+              <a:rPr lang="de-DE" sz="1200" dirty="0"/>
+              <a:t>-with-</a:t>
+            </a:r>
+            <a:r>
+              <a:rPr lang="de-DE" sz="1200" dirty="0" err="1"/>
+              <a:t>requirejs</a:t>
+            </a:r>
+            <a:r>
+              <a:rPr lang="de-DE" sz="1200" dirty="0"/>
+              <a:t>/</a:t>
+            </a:r>
+          </a:p>
+          <a:p>
+            <a:r>
+              <a:rPr lang="de-DE" dirty="0" err="1" smtClean="0"/>
+              <a:t>require</a:t>
+            </a:r>
+            <a:r>
+              <a:rPr lang="de-DE" dirty="0"/>
+              <a:t>(["</a:t>
+            </a:r>
+            <a:r>
+              <a:rPr lang="de-DE" dirty="0" err="1"/>
+              <a:t>customerModule</a:t>
+            </a:r>
+            <a:r>
+              <a:rPr lang="de-DE" dirty="0"/>
+              <a:t>", "</a:t>
+            </a:r>
+            <a:r>
+              <a:rPr lang="de-DE" dirty="0" err="1"/>
+              <a:t>orderModule</a:t>
+            </a:r>
+            <a:r>
+              <a:rPr lang="de-DE" dirty="0"/>
+              <a:t>"</a:t>
+            </a:r>
+            <a:r>
+              <a:rPr lang="de-DE" dirty="0" smtClean="0"/>
+              <a:t>], </a:t>
+            </a:r>
+            <a:r>
+              <a:rPr lang="de-DE" dirty="0" err="1"/>
+              <a:t>function</a:t>
+            </a:r>
+            <a:r>
+              <a:rPr lang="de-DE" dirty="0"/>
+              <a:t>(c, o) </a:t>
+            </a:r>
+            <a:r>
+              <a:rPr lang="de-DE" dirty="0" smtClean="0"/>
+              <a:t>{</a:t>
+            </a:r>
+            <a:endParaRPr lang="de-DE" dirty="0"/>
+          </a:p>
+          <a:p>
+            <a:r>
+              <a:rPr lang="de-DE" dirty="0"/>
+              <a:t>    var </a:t>
+            </a:r>
+            <a:r>
+              <a:rPr lang="de-DE" dirty="0" err="1"/>
+              <a:t>customers</a:t>
+            </a:r>
+            <a:r>
+              <a:rPr lang="de-DE" dirty="0"/>
+              <a:t> = </a:t>
+            </a:r>
+            <a:r>
+              <a:rPr lang="de-DE" dirty="0" err="1"/>
+              <a:t>c.getCustomers</a:t>
+            </a:r>
+            <a:r>
+              <a:rPr lang="de-DE" dirty="0"/>
+              <a:t>();</a:t>
+            </a:r>
+          </a:p>
+          <a:p>
+            <a:r>
+              <a:rPr lang="de-DE" dirty="0"/>
+              <a:t>    // do </a:t>
+            </a:r>
+            <a:r>
+              <a:rPr lang="de-DE" dirty="0" err="1"/>
+              <a:t>something</a:t>
+            </a:r>
+            <a:r>
+              <a:rPr lang="de-DE" dirty="0"/>
+              <a:t> with </a:t>
+            </a:r>
+            <a:r>
+              <a:rPr lang="de-DE" dirty="0" err="1"/>
+              <a:t>customers</a:t>
+            </a:r>
+            <a:r>
+              <a:rPr lang="de-DE" dirty="0"/>
+              <a:t> ...</a:t>
+            </a:r>
+          </a:p>
+          <a:p>
+            <a:endParaRPr lang="de-DE" dirty="0"/>
+          </a:p>
+          <a:p>
+            <a:r>
+              <a:rPr lang="de-DE" dirty="0"/>
+              <a:t>    var </a:t>
+            </a:r>
+            <a:r>
+              <a:rPr lang="de-DE" dirty="0" err="1"/>
+              <a:t>orders</a:t>
+            </a:r>
+            <a:r>
+              <a:rPr lang="de-DE" dirty="0"/>
+              <a:t> = </a:t>
+            </a:r>
+            <a:r>
+              <a:rPr lang="de-DE" dirty="0" err="1"/>
+              <a:t>o.getOrders</a:t>
+            </a:r>
+            <a:r>
+              <a:rPr lang="de-DE" dirty="0"/>
+              <a:t>();</a:t>
+            </a:r>
+          </a:p>
+          <a:p>
+            <a:r>
+              <a:rPr lang="de-DE" dirty="0"/>
+              <a:t>    // do </a:t>
+            </a:r>
+            <a:r>
+              <a:rPr lang="de-DE" dirty="0" err="1"/>
+              <a:t>something</a:t>
+            </a:r>
+            <a:r>
+              <a:rPr lang="de-DE" dirty="0"/>
+              <a:t> with </a:t>
+            </a:r>
+            <a:r>
+              <a:rPr lang="de-DE" dirty="0" err="1"/>
+              <a:t>orders</a:t>
+            </a:r>
+            <a:r>
+              <a:rPr lang="de-DE" dirty="0"/>
+              <a:t> ...    </a:t>
+            </a:r>
+          </a:p>
+          <a:p>
+            <a:r>
+              <a:rPr lang="de-DE" dirty="0"/>
+              <a:t>});</a:t>
+            </a:r>
+          </a:p>
+          <a:p>
+            <a:endParaRPr lang="de-DE" dirty="0"/>
+          </a:p>
+          <a:p>
+            <a:endParaRPr lang="de-DE" dirty="0"/>
+          </a:p>
+        </p:txBody>
+      </p:sp>
+      <p:sp>
+        <p:nvSpPr>
+          <p:cNvPr id="3" name="Titel 2"/>
+          <p:cNvSpPr>
+            <a:spLocks noGrp="1"/>
+          </p:cNvSpPr>
+          <p:nvPr>
+            <p:ph type="title"/>
+          </p:nvPr>
+        </p:nvSpPr>
+        <p:spPr/>
+        <p:txBody>
+          <a:bodyPr>
+            <a:normAutofit/>
+          </a:bodyPr>
+          <a:lstStyle/>
+          <a:p>
+            <a:r>
+              <a:rPr lang="de-DE" dirty="0" err="1" smtClean="0"/>
+              <a:t>Require</a:t>
+            </a:r>
+            <a:r>
+              <a:rPr lang="de-DE" dirty="0" smtClean="0"/>
+              <a:t> </a:t>
+            </a:r>
+            <a:r>
+              <a:rPr lang="de-DE" dirty="0"/>
+              <a:t>durch AMD (</a:t>
+            </a:r>
+            <a:r>
+              <a:rPr lang="de-DE" dirty="0" err="1"/>
+              <a:t>require.js</a:t>
+            </a:r>
+            <a:r>
+              <a:rPr lang="de-DE" dirty="0"/>
+              <a:t>)</a:t>
+            </a:r>
+          </a:p>
+        </p:txBody>
+      </p:sp>
+    </p:spTree>
+    <p:extLst>
+      <p:ext uri="{BB962C8B-B14F-4D97-AF65-F5344CB8AC3E}">
+        <p14:creationId xmlns:p14="http://schemas.microsoft.com/office/powerpoint/2010/main" val="3614526317"/>
+      </p:ext>
+    </p:extLst>
+  </p:cSld>
+  <p:clrMapOvr>
+    <a:masterClrMapping/>
+  </p:clrMapOvr>
+  <p:timing>
+    <p:tnLst>
+      <p:par>
+        <p:cTn xmlns:p14="http://schemas.microsoft.com/office/powerpoint/2010/main" id="1" dur="indefinite" restart="never" nodeType="tmRoot"/>
+      </p:par>
+    </p:tnLst>
+  </p:timing>
+</p:sld>
+</file>
+
+<file path=ppt/slides/slide61.xml><?xml version="1.0" encoding="utf-8"?>
 <p:sld xmlns:a="http://schemas.openxmlformats.org/drawingml/2006/main" xmlns:r="http://schemas.openxmlformats.org/officeDocument/2006/relationships" xmlns:p="http://schemas.openxmlformats.org/presentationml/2006/main">
   <p:cSld>
     <p:spTree>
@@ -16767,11 +17100,7 @@
           <a:p>
             <a:r>
               <a:rPr lang="de-DE" dirty="0" smtClean="0"/>
-              <a:t>Fazit Tag </a:t>
-            </a:r>
-            <a:r>
-              <a:rPr lang="de-DE" dirty="0" smtClean="0"/>
-              <a:t>2</a:t>
+              <a:t>Fazit Tag 2</a:t>
             </a:r>
             <a:endParaRPr lang="de-DE" dirty="0"/>
           </a:p>

--- a/Tag 2.pptx
+++ b/Tag 2.pptx
@@ -5,10 +5,10 @@
     <p:sldMasterId id="2147483648" r:id="rId4"/>
   </p:sldMasterIdLst>
   <p:notesMasterIdLst>
-    <p:notesMasterId r:id="rId66"/>
+    <p:notesMasterId r:id="rId68"/>
   </p:notesMasterIdLst>
   <p:handoutMasterIdLst>
-    <p:handoutMasterId r:id="rId67"/>
+    <p:handoutMasterId r:id="rId69"/>
   </p:handoutMasterIdLst>
   <p:sldIdLst>
     <p:sldId id="256" r:id="rId5"/>
@@ -71,7 +71,9 @@
     <p:sldId id="445" r:id="rId62"/>
     <p:sldId id="446" r:id="rId63"/>
     <p:sldId id="447" r:id="rId64"/>
-    <p:sldId id="379" r:id="rId65"/>
+    <p:sldId id="450" r:id="rId65"/>
+    <p:sldId id="449" r:id="rId66"/>
+    <p:sldId id="379" r:id="rId67"/>
   </p:sldIdLst>
   <p:sldSz cx="9144000" cy="6858000" type="screen4x3"/>
   <p:notesSz cx="7102475" cy="10234613"/>
@@ -2055,7 +2057,7 @@
             <a:fld id="{96B3538B-D81F-476E-A31A-F9ABC7F48F1A}" type="slidenum">
               <a:rPr lang="de-DE" smtClean="0"/>
               <a:pPr/>
-              <a:t>61</a:t>
+              <a:t>63</a:t>
             </a:fld>
             <a:endParaRPr lang="de-DE"/>
           </a:p>
@@ -8110,8 +8112,13 @@
             </a:pPr>
             <a:r>
               <a:rPr lang="de-DE" dirty="0" smtClean="0"/>
-              <a:t>JS ist keine klassisch objektorientierte Sprache mit einem statischen Typsystem – das kommt erst mit ES5</a:t>
-            </a:r>
+              <a:t>JS ist keine klassisch objektorientierte Sprache mit einem statischen Typsystem – das kommt erst mit </a:t>
+            </a:r>
+            <a:r>
+              <a:rPr lang="de-DE" dirty="0" smtClean="0"/>
+              <a:t>ES6.</a:t>
+            </a:r>
+            <a:endParaRPr lang="de-DE" dirty="0" smtClean="0"/>
           </a:p>
           <a:p>
             <a:pPr marL="0" indent="0">
@@ -14174,7 +14181,7 @@
               <a:t>/es5</a:t>
             </a:r>
             <a:r>
-              <a:rPr lang="de-DE" sz="1200" smtClean="0"/>
+              <a:rPr lang="de-DE" sz="1200" dirty="0" smtClean="0"/>
               <a:t>/)</a:t>
             </a:r>
             <a:endParaRPr lang="de-DE" sz="1200" dirty="0"/>
@@ -15761,17 +15768,37 @@
                 <a:latin typeface="Calibri"/>
                 <a:cs typeface="Calibri"/>
               </a:rPr>
-              <a:t>-Programm oder in einen Test </a:t>
-            </a:r>
-            <a:r>
-              <a:rPr lang="de-DE" smtClean="0">
+              <a:t>-Programm oder in einen Test und verwende </a:t>
+            </a:r>
+            <a:r>
+              <a:rPr lang="de-DE" dirty="0" smtClean="0">
                 <a:solidFill>
                   <a:srgbClr val="FFFFFF"/>
                 </a:solidFill>
                 <a:latin typeface="Calibri"/>
                 <a:cs typeface="Calibri"/>
               </a:rPr>
-              <a:t>und verwende es.</a:t>
+              <a:t>es (erstelle einen </a:t>
+            </a:r>
+            <a:r>
+              <a:rPr lang="de-DE" dirty="0" smtClean="0">
+                <a:solidFill>
+                  <a:srgbClr val="FFFFFF"/>
+                </a:solidFill>
+                <a:latin typeface="Consolas"/>
+                <a:cs typeface="Consolas"/>
+              </a:rPr>
+              <a:t>Task</a:t>
+            </a:r>
+            <a:r>
+              <a:rPr lang="de-DE" dirty="0" smtClean="0">
+                <a:solidFill>
+                  <a:srgbClr val="FFFFFF"/>
+                </a:solidFill>
+                <a:latin typeface="Calibri"/>
+                <a:cs typeface="Calibri"/>
+              </a:rPr>
+              <a:t>).</a:t>
             </a:r>
             <a:endParaRPr lang="de-DE" dirty="0" smtClean="0">
               <a:solidFill>
@@ -16930,6 +16957,634 @@
 </file>
 
 <file path=ppt/slides/slide61.xml><?xml version="1.0" encoding="utf-8"?>
+<p:sld xmlns:a="http://schemas.openxmlformats.org/drawingml/2006/main" xmlns:r="http://schemas.openxmlformats.org/officeDocument/2006/relationships" xmlns:p="http://schemas.openxmlformats.org/presentationml/2006/main">
+  <p:cSld>
+    <p:spTree>
+      <p:nvGrpSpPr>
+        <p:cNvPr id="1" name=""/>
+        <p:cNvGrpSpPr/>
+        <p:nvPr/>
+      </p:nvGrpSpPr>
+      <p:grpSpPr>
+        <a:xfrm>
+          <a:off x="0" y="0"/>
+          <a:ext cx="0" cy="0"/>
+          <a:chOff x="0" y="0"/>
+          <a:chExt cx="0" cy="0"/>
+        </a:xfrm>
+      </p:grpSpPr>
+      <p:sp>
+        <p:nvSpPr>
+          <p:cNvPr id="2" name="Inhaltsplatzhalter 1"/>
+          <p:cNvSpPr>
+            <a:spLocks noGrp="1"/>
+          </p:cNvSpPr>
+          <p:nvPr>
+            <p:ph idx="1"/>
+          </p:nvPr>
+        </p:nvSpPr>
+        <p:spPr/>
+        <p:txBody>
+          <a:bodyPr/>
+          <a:lstStyle/>
+          <a:p>
+            <a:r>
+              <a:rPr lang="de-DE" dirty="0" err="1"/>
+              <a:t>define</a:t>
+            </a:r>
+            <a:r>
+              <a:rPr lang="de-DE" dirty="0" smtClean="0"/>
+              <a:t>(</a:t>
+            </a:r>
+          </a:p>
+          <a:p>
+            <a:r>
+              <a:rPr lang="de-DE" dirty="0"/>
+              <a:t>	</a:t>
+            </a:r>
+            <a:r>
+              <a:rPr lang="de-DE" dirty="0" smtClean="0"/>
+              <a:t>‘</a:t>
+            </a:r>
+            <a:r>
+              <a:rPr lang="de-DE" dirty="0" err="1" smtClean="0"/>
+              <a:t>meinNeuesModul</a:t>
+            </a:r>
+            <a:r>
+              <a:rPr lang="de-DE" dirty="0" smtClean="0"/>
+              <a:t>'</a:t>
+            </a:r>
+            <a:r>
+              <a:rPr lang="de-DE" dirty="0"/>
+              <a:t>, </a:t>
+            </a:r>
+            <a:r>
+              <a:rPr lang="de-DE" dirty="0" smtClean="0"/>
+              <a:t>// Name des Moduls</a:t>
+            </a:r>
+          </a:p>
+          <a:p>
+            <a:r>
+              <a:rPr lang="de-DE" dirty="0"/>
+              <a:t>	</a:t>
+            </a:r>
+            <a:r>
+              <a:rPr lang="de-DE" dirty="0" smtClean="0"/>
+              <a:t>[</a:t>
+            </a:r>
+            <a:r>
+              <a:rPr lang="de-DE" dirty="0"/>
+              <a:t>'</a:t>
+            </a:r>
+            <a:r>
+              <a:rPr lang="de-DE" dirty="0" err="1" smtClean="0"/>
+              <a:t>modula</a:t>
+            </a:r>
+            <a:r>
+              <a:rPr lang="de-DE" dirty="0"/>
+              <a:t>'</a:t>
+            </a:r>
+            <a:r>
+              <a:rPr lang="de-DE" dirty="0" smtClean="0"/>
+              <a:t>, </a:t>
+            </a:r>
+            <a:r>
+              <a:rPr lang="de-DE" dirty="0"/>
+              <a:t>'</a:t>
+            </a:r>
+            <a:r>
+              <a:rPr lang="de-DE" dirty="0" err="1" smtClean="0"/>
+              <a:t>modulb</a:t>
+            </a:r>
+            <a:r>
+              <a:rPr lang="de-DE" dirty="0"/>
+              <a:t>'</a:t>
+            </a:r>
+            <a:r>
+              <a:rPr lang="de-DE" dirty="0" smtClean="0"/>
+              <a:t>]</a:t>
+            </a:r>
+            <a:r>
+              <a:rPr lang="de-DE" dirty="0"/>
+              <a:t>, </a:t>
+            </a:r>
+            <a:r>
+              <a:rPr lang="de-DE" dirty="0" smtClean="0"/>
+              <a:t>// Abhängigkeiten</a:t>
+            </a:r>
+          </a:p>
+          <a:p>
+            <a:r>
+              <a:rPr lang="de-DE" dirty="0"/>
+              <a:t>	</a:t>
+            </a:r>
+            <a:r>
+              <a:rPr lang="de-DE" dirty="0" err="1" smtClean="0"/>
+              <a:t>function</a:t>
+            </a:r>
+            <a:r>
+              <a:rPr lang="de-DE" dirty="0" smtClean="0"/>
+              <a:t>(a, b) {  // </a:t>
+            </a:r>
+            <a:r>
+              <a:rPr lang="de-DE" dirty="0" err="1" smtClean="0"/>
+              <a:t>Abhängikeiten</a:t>
+            </a:r>
+            <a:r>
+              <a:rPr lang="de-DE" dirty="0" smtClean="0"/>
+              <a:t> werden injiziert</a:t>
+            </a:r>
+          </a:p>
+          <a:p>
+            <a:r>
+              <a:rPr lang="de-DE" dirty="0" smtClean="0"/>
+              <a:t>		// Code</a:t>
+            </a:r>
+          </a:p>
+          <a:p>
+            <a:r>
+              <a:rPr lang="de-DE" dirty="0"/>
+              <a:t>   </a:t>
+            </a:r>
+            <a:r>
+              <a:rPr lang="de-DE" dirty="0" err="1"/>
+              <a:t>return</a:t>
+            </a:r>
+            <a:r>
+              <a:rPr lang="de-DE" dirty="0"/>
+              <a:t> </a:t>
+            </a:r>
+            <a:r>
+              <a:rPr lang="de-DE" dirty="0" smtClean="0"/>
+              <a:t>{</a:t>
+            </a:r>
+          </a:p>
+          <a:p>
+            <a:r>
+              <a:rPr lang="de-DE" dirty="0"/>
+              <a:t>	</a:t>
+            </a:r>
+            <a:r>
+              <a:rPr lang="de-DE" dirty="0" smtClean="0"/>
+              <a:t>		// exportiertes Modul</a:t>
+            </a:r>
+          </a:p>
+          <a:p>
+            <a:r>
+              <a:rPr lang="de-DE" dirty="0"/>
+              <a:t> </a:t>
+            </a:r>
+            <a:r>
+              <a:rPr lang="de-DE" dirty="0" smtClean="0"/>
+              <a:t>  }</a:t>
+            </a:r>
+          </a:p>
+          <a:p>
+            <a:r>
+              <a:rPr lang="de-DE" dirty="0" smtClean="0"/>
+              <a:t>});</a:t>
+            </a:r>
+            <a:endParaRPr lang="de-DE" dirty="0"/>
+          </a:p>
+        </p:txBody>
+      </p:sp>
+      <p:sp>
+        <p:nvSpPr>
+          <p:cNvPr id="3" name="Titel 2"/>
+          <p:cNvSpPr>
+            <a:spLocks noGrp="1"/>
+          </p:cNvSpPr>
+          <p:nvPr>
+            <p:ph type="title"/>
+          </p:nvPr>
+        </p:nvSpPr>
+        <p:spPr/>
+        <p:txBody>
+          <a:bodyPr/>
+          <a:lstStyle/>
+          <a:p>
+            <a:r>
+              <a:rPr lang="de-DE" dirty="0" err="1" smtClean="0"/>
+              <a:t>Define</a:t>
+            </a:r>
+            <a:r>
+              <a:rPr lang="de-DE" dirty="0" smtClean="0"/>
+              <a:t> komplett</a:t>
+            </a:r>
+            <a:endParaRPr lang="de-DE" dirty="0"/>
+          </a:p>
+        </p:txBody>
+      </p:sp>
+    </p:spTree>
+    <p:extLst>
+      <p:ext uri="{BB962C8B-B14F-4D97-AF65-F5344CB8AC3E}">
+        <p14:creationId xmlns:p14="http://schemas.microsoft.com/office/powerpoint/2010/main" val="579407904"/>
+      </p:ext>
+    </p:extLst>
+  </p:cSld>
+  <p:clrMapOvr>
+    <a:masterClrMapping/>
+  </p:clrMapOvr>
+</p:sld>
+</file>
+
+<file path=ppt/slides/slide62.xml><?xml version="1.0" encoding="utf-8"?>
+<p:sld xmlns:a="http://schemas.openxmlformats.org/drawingml/2006/main" xmlns:r="http://schemas.openxmlformats.org/officeDocument/2006/relationships" xmlns:p="http://schemas.openxmlformats.org/presentationml/2006/main">
+  <p:cSld>
+    <p:spTree>
+      <p:nvGrpSpPr>
+        <p:cNvPr id="1" name=""/>
+        <p:cNvGrpSpPr/>
+        <p:nvPr/>
+      </p:nvGrpSpPr>
+      <p:grpSpPr>
+        <a:xfrm>
+          <a:off x="0" y="0"/>
+          <a:ext cx="0" cy="0"/>
+          <a:chOff x="0" y="0"/>
+          <a:chExt cx="0" cy="0"/>
+        </a:xfrm>
+      </p:grpSpPr>
+      <p:sp>
+        <p:nvSpPr>
+          <p:cNvPr id="5" name="Rechteck 4"/>
+          <p:cNvSpPr/>
+          <p:nvPr/>
+        </p:nvSpPr>
+        <p:spPr>
+          <a:xfrm>
+            <a:off x="-36512" y="0"/>
+            <a:ext cx="9433048" cy="7101408"/>
+          </a:xfrm>
+          <a:prstGeom prst="rect">
+            <a:avLst/>
+          </a:prstGeom>
+          <a:solidFill>
+            <a:schemeClr val="accent6">
+              <a:lumMod val="50000"/>
+            </a:schemeClr>
+          </a:solidFill>
+        </p:spPr>
+        <p:style>
+          <a:lnRef idx="1">
+            <a:schemeClr val="accent1"/>
+          </a:lnRef>
+          <a:fillRef idx="3">
+            <a:schemeClr val="accent1"/>
+          </a:fillRef>
+          <a:effectRef idx="2">
+            <a:schemeClr val="accent1"/>
+          </a:effectRef>
+          <a:fontRef idx="minor">
+            <a:schemeClr val="lt1"/>
+          </a:fontRef>
+        </p:style>
+        <p:txBody>
+          <a:bodyPr rtlCol="0" anchor="ctr"/>
+          <a:lstStyle/>
+          <a:p>
+            <a:pPr algn="ctr"/>
+            <a:endParaRPr lang="de-DE">
+              <a:solidFill>
+                <a:schemeClr val="bg2"/>
+              </a:solidFill>
+            </a:endParaRPr>
+          </a:p>
+        </p:txBody>
+      </p:sp>
+      <p:sp>
+        <p:nvSpPr>
+          <p:cNvPr id="2" name="Inhaltsplatzhalter 1"/>
+          <p:cNvSpPr>
+            <a:spLocks noGrp="1"/>
+          </p:cNvSpPr>
+          <p:nvPr>
+            <p:ph idx="1"/>
+          </p:nvPr>
+        </p:nvSpPr>
+        <p:spPr/>
+        <p:txBody>
+          <a:bodyPr/>
+          <a:lstStyle/>
+          <a:p>
+            <a:pPr marL="0" indent="0">
+              <a:buNone/>
+            </a:pPr>
+            <a:r>
+              <a:rPr lang="de-DE" dirty="0" err="1" smtClean="0">
+                <a:solidFill>
+                  <a:srgbClr val="FFFFFF"/>
+                </a:solidFill>
+              </a:rPr>
+              <a:t>Refactor</a:t>
+            </a:r>
+            <a:r>
+              <a:rPr lang="de-DE" dirty="0" smtClean="0">
+                <a:solidFill>
+                  <a:srgbClr val="FFFFFF"/>
+                </a:solidFill>
+              </a:rPr>
+              <a:t> das Modul</a:t>
+            </a:r>
+            <a:r>
+              <a:rPr lang="de-DE" dirty="0" smtClean="0">
+                <a:solidFill>
+                  <a:srgbClr val="FFFFFF"/>
+                </a:solidFill>
+              </a:rPr>
+              <a:t>, das </a:t>
+            </a:r>
+            <a:r>
+              <a:rPr lang="de-DE" dirty="0" smtClean="0">
+                <a:solidFill>
+                  <a:srgbClr val="FFFFFF"/>
+                </a:solidFill>
+                <a:latin typeface="Consolas"/>
+                <a:cs typeface="Consolas"/>
+              </a:rPr>
+              <a:t>Tasks</a:t>
+            </a:r>
+            <a:r>
+              <a:rPr lang="de-DE" dirty="0" smtClean="0">
+                <a:solidFill>
+                  <a:srgbClr val="FFFFFF"/>
+                </a:solidFill>
+              </a:rPr>
+              <a:t>, </a:t>
+            </a:r>
+            <a:r>
+              <a:rPr lang="de-DE" dirty="0" err="1" smtClean="0">
+                <a:solidFill>
+                  <a:srgbClr val="FFFFFF"/>
+                </a:solidFill>
+                <a:latin typeface="Consolas"/>
+                <a:cs typeface="Consolas"/>
+              </a:rPr>
+              <a:t>Reminder</a:t>
+            </a:r>
+            <a:r>
+              <a:rPr lang="de-DE" dirty="0" smtClean="0">
+                <a:solidFill>
+                  <a:srgbClr val="FFFFFF"/>
+                </a:solidFill>
+              </a:rPr>
+              <a:t> und die </a:t>
+            </a:r>
+            <a:r>
+              <a:rPr lang="de-DE" dirty="0" err="1" smtClean="0">
+                <a:solidFill>
+                  <a:srgbClr val="FFFFFF"/>
+                </a:solidFill>
+                <a:latin typeface="Consolas"/>
+                <a:cs typeface="Consolas"/>
+              </a:rPr>
+              <a:t>TaskList</a:t>
+            </a:r>
+            <a:r>
+              <a:rPr lang="de-DE" dirty="0" smtClean="0">
+                <a:solidFill>
+                  <a:srgbClr val="FFFFFF"/>
+                </a:solidFill>
+              </a:rPr>
+              <a:t> zur Verfügung </a:t>
+            </a:r>
+            <a:r>
+              <a:rPr lang="de-DE" dirty="0" smtClean="0">
+                <a:solidFill>
+                  <a:srgbClr val="FFFFFF"/>
+                </a:solidFill>
+              </a:rPr>
+              <a:t>stellt, hin zu einem </a:t>
+            </a:r>
+            <a:r>
+              <a:rPr lang="de-DE" smtClean="0">
+                <a:solidFill>
+                  <a:srgbClr val="FFFFFF"/>
+                </a:solidFill>
+              </a:rPr>
+              <a:t>(anonymen) AMD</a:t>
+            </a:r>
+            <a:r>
+              <a:rPr lang="de-DE" dirty="0" smtClean="0">
+                <a:solidFill>
+                  <a:srgbClr val="FFFFFF"/>
+                </a:solidFill>
+              </a:rPr>
+              <a:t>-Modul.</a:t>
+            </a:r>
+            <a:endParaRPr lang="de-DE" dirty="0" smtClean="0">
+              <a:solidFill>
+                <a:srgbClr val="FFFFFF"/>
+              </a:solidFill>
+            </a:endParaRPr>
+          </a:p>
+          <a:p>
+            <a:pPr marL="0" indent="0">
+              <a:buNone/>
+            </a:pPr>
+            <a:r>
+              <a:rPr lang="de-DE" dirty="0" smtClean="0">
+                <a:solidFill>
+                  <a:srgbClr val="FFFFFF"/>
+                </a:solidFill>
+                <a:latin typeface="Calibri"/>
+                <a:cs typeface="Calibri"/>
+              </a:rPr>
+              <a:t>Importiere </a:t>
+            </a:r>
+            <a:r>
+              <a:rPr lang="de-DE" dirty="0" smtClean="0">
+                <a:solidFill>
+                  <a:srgbClr val="FFFFFF"/>
+                </a:solidFill>
+                <a:latin typeface="Calibri"/>
+                <a:cs typeface="Calibri"/>
+              </a:rPr>
+              <a:t>das Modul in </a:t>
+            </a:r>
+            <a:r>
+              <a:rPr lang="de-DE" dirty="0" smtClean="0">
+                <a:solidFill>
+                  <a:srgbClr val="FFFFFF"/>
+                </a:solidFill>
+                <a:latin typeface="Calibri"/>
+                <a:cs typeface="Calibri"/>
+              </a:rPr>
+              <a:t>eine </a:t>
+            </a:r>
+            <a:r>
+              <a:rPr lang="de-DE" dirty="0" smtClean="0">
+                <a:solidFill>
+                  <a:srgbClr val="FFFFFF"/>
+                </a:solidFill>
+                <a:latin typeface="Consolas"/>
+                <a:cs typeface="Consolas"/>
+              </a:rPr>
+              <a:t>Website</a:t>
+            </a:r>
+            <a:r>
+              <a:rPr lang="de-DE" dirty="0" smtClean="0">
+                <a:solidFill>
+                  <a:srgbClr val="FFFFFF"/>
+                </a:solidFill>
+                <a:latin typeface="Calibri"/>
+                <a:cs typeface="Calibri"/>
+              </a:rPr>
+              <a:t>.</a:t>
+            </a:r>
+          </a:p>
+          <a:p>
+            <a:pPr marL="0" indent="0">
+              <a:buNone/>
+            </a:pPr>
+            <a:r>
+              <a:rPr lang="de-DE" dirty="0" smtClean="0">
+                <a:solidFill>
+                  <a:srgbClr val="FFFFFF"/>
+                </a:solidFill>
+                <a:latin typeface="Calibri"/>
+                <a:cs typeface="Calibri"/>
+              </a:rPr>
+              <a:t>Erzeuge in einer </a:t>
+            </a:r>
+            <a:r>
+              <a:rPr lang="de-DE" dirty="0" err="1" smtClean="0">
+                <a:solidFill>
+                  <a:srgbClr val="FFFFFF"/>
+                </a:solidFill>
+                <a:latin typeface="Consolas"/>
+                <a:cs typeface="Consolas"/>
+              </a:rPr>
+              <a:t>main.js</a:t>
+            </a:r>
+            <a:r>
+              <a:rPr lang="de-DE" dirty="0" smtClean="0">
+                <a:solidFill>
+                  <a:srgbClr val="FFFFFF"/>
+                </a:solidFill>
+                <a:latin typeface="Consolas"/>
+                <a:cs typeface="Consolas"/>
+              </a:rPr>
+              <a:t> </a:t>
+            </a:r>
+            <a:r>
+              <a:rPr lang="de-DE" dirty="0" smtClean="0">
+                <a:solidFill>
+                  <a:srgbClr val="FFFFFF"/>
+                </a:solidFill>
+                <a:latin typeface="Calibri"/>
+                <a:cs typeface="Calibri"/>
+              </a:rPr>
+              <a:t>ein Task-Objekt und stelle einen Task dar.</a:t>
+            </a:r>
+            <a:endParaRPr lang="de-DE" dirty="0" smtClean="0">
+              <a:solidFill>
+                <a:srgbClr val="FFFFFF"/>
+              </a:solidFill>
+              <a:latin typeface="Calibri"/>
+              <a:cs typeface="Calibri"/>
+            </a:endParaRPr>
+          </a:p>
+          <a:p>
+            <a:pPr marL="0" indent="0">
+              <a:buNone/>
+            </a:pPr>
+            <a:endParaRPr lang="de-DE" dirty="0">
+              <a:solidFill>
+                <a:srgbClr val="FFFFFF"/>
+              </a:solidFill>
+            </a:endParaRPr>
+          </a:p>
+          <a:p>
+            <a:pPr marL="0" indent="0">
+              <a:buNone/>
+            </a:pPr>
+            <a:endParaRPr lang="de-DE" dirty="0" smtClean="0">
+              <a:solidFill>
+                <a:srgbClr val="FFFFFF"/>
+              </a:solidFill>
+              <a:latin typeface="Consolas"/>
+              <a:cs typeface="Consolas"/>
+            </a:endParaRPr>
+          </a:p>
+        </p:txBody>
+      </p:sp>
+      <p:sp>
+        <p:nvSpPr>
+          <p:cNvPr id="3" name="Titel 2"/>
+          <p:cNvSpPr>
+            <a:spLocks noGrp="1"/>
+          </p:cNvSpPr>
+          <p:nvPr>
+            <p:ph type="title"/>
+          </p:nvPr>
+        </p:nvSpPr>
+        <p:spPr/>
+        <p:txBody>
+          <a:bodyPr/>
+          <a:lstStyle/>
+          <a:p>
+            <a:r>
+              <a:rPr lang="de-DE" dirty="0" smtClean="0">
+                <a:solidFill>
+                  <a:srgbClr val="FFFFFF"/>
+                </a:solidFill>
+              </a:rPr>
+              <a:t>Übung #</a:t>
+            </a:r>
+            <a:r>
+              <a:rPr lang="de-DE" dirty="0" smtClean="0">
+                <a:solidFill>
+                  <a:srgbClr val="FFFFFF"/>
+                </a:solidFill>
+              </a:rPr>
+              <a:t>11 </a:t>
+            </a:r>
+            <a:r>
+              <a:rPr lang="de-DE" dirty="0" smtClean="0">
+                <a:solidFill>
+                  <a:srgbClr val="FFFFFF"/>
+                </a:solidFill>
+              </a:rPr>
+              <a:t>-  </a:t>
+            </a:r>
+            <a:r>
+              <a:rPr lang="de-DE" dirty="0" smtClean="0">
+                <a:solidFill>
+                  <a:srgbClr val="FFFFFF"/>
+                </a:solidFill>
+              </a:rPr>
+              <a:t>AMD-Module</a:t>
+            </a:r>
+            <a:endParaRPr lang="de-DE" dirty="0">
+              <a:solidFill>
+                <a:srgbClr val="FFFFFF"/>
+              </a:solidFill>
+            </a:endParaRPr>
+          </a:p>
+        </p:txBody>
+      </p:sp>
+    </p:spTree>
+    <p:extLst>
+      <p:ext uri="{BB962C8B-B14F-4D97-AF65-F5344CB8AC3E}">
+        <p14:creationId xmlns:p14="http://schemas.microsoft.com/office/powerpoint/2010/main" val="3146456668"/>
+      </p:ext>
+    </p:extLst>
+  </p:cSld>
+  <p:clrMapOvr>
+    <a:masterClrMapping/>
+  </p:clrMapOvr>
+  <p:timing>
+    <p:tnLst>
+      <p:par>
+        <p:cTn xmlns:p14="http://schemas.microsoft.com/office/powerpoint/2010/main" id="1" dur="indefinite" restart="never" nodeType="tmRoot"/>
+      </p:par>
+    </p:tnLst>
+  </p:timing>
+</p:sld>
+</file>
+
+<file path=ppt/slides/slide63.xml><?xml version="1.0" encoding="utf-8"?>
 <p:sld xmlns:a="http://schemas.openxmlformats.org/drawingml/2006/main" xmlns:r="http://schemas.openxmlformats.org/officeDocument/2006/relationships" xmlns:p="http://schemas.openxmlformats.org/presentationml/2006/main">
   <p:cSld>
     <p:spTree>
